--- a/Apresentacao_Final_MarcoRodrigues4652.pptx
+++ b/Apresentacao_Final_MarcoRodrigues4652.pptx
@@ -5,7 +5,7 @@
     <p:sldMasterId id="2147483660" r:id="rId1"/>
   </p:sldMasterIdLst>
   <p:notesMasterIdLst>
-    <p:notesMasterId r:id="rId23"/>
+    <p:notesMasterId r:id="rId15"/>
   </p:notesMasterIdLst>
   <p:sldIdLst>
     <p:sldId id="256" r:id="rId2"/>
@@ -13,22 +13,14 @@
     <p:sldId id="315" r:id="rId4"/>
     <p:sldId id="326" r:id="rId5"/>
     <p:sldId id="317" r:id="rId6"/>
-    <p:sldId id="335" r:id="rId7"/>
-    <p:sldId id="336" r:id="rId8"/>
-    <p:sldId id="319" r:id="rId9"/>
-    <p:sldId id="320" r:id="rId10"/>
-    <p:sldId id="331" r:id="rId11"/>
-    <p:sldId id="332" r:id="rId12"/>
-    <p:sldId id="333" r:id="rId13"/>
-    <p:sldId id="334" r:id="rId14"/>
-    <p:sldId id="323" r:id="rId15"/>
-    <p:sldId id="338" r:id="rId16"/>
-    <p:sldId id="340" r:id="rId17"/>
-    <p:sldId id="341" r:id="rId18"/>
-    <p:sldId id="342" r:id="rId19"/>
-    <p:sldId id="345" r:id="rId20"/>
-    <p:sldId id="346" r:id="rId21"/>
-    <p:sldId id="325" r:id="rId22"/>
+    <p:sldId id="340" r:id="rId7"/>
+    <p:sldId id="341" r:id="rId8"/>
+    <p:sldId id="347" r:id="rId9"/>
+    <p:sldId id="348" r:id="rId10"/>
+    <p:sldId id="342" r:id="rId11"/>
+    <p:sldId id="345" r:id="rId12"/>
+    <p:sldId id="346" r:id="rId13"/>
+    <p:sldId id="325" r:id="rId14"/>
   </p:sldIdLst>
   <p:sldSz cx="12192000" cy="6858000"/>
   <p:notesSz cx="6858000" cy="9144000"/>
@@ -217,7 +209,7 @@
           <a:p>
             <a:fld id="{6CB5A5B5-1B7C-493B-BEA9-B04B9AF1EC94}" type="datetimeFigureOut">
               <a:rPr lang="pt-PT" smtClean="0"/>
-              <a:t>30/05/2018</a:t>
+              <a:t>06/06/2018</a:t>
             </a:fld>
             <a:endParaRPr lang="pt-PT"/>
           </a:p>
@@ -711,7 +703,7 @@
           <a:p>
             <a:fld id="{A0083D08-FD67-44B3-8536-5A75C98273AA}" type="datetime1">
               <a:rPr lang="pt-PT" smtClean="0"/>
-              <a:t>30/05/2018</a:t>
+              <a:t>06/06/2018</a:t>
             </a:fld>
             <a:endParaRPr lang="pt-PT"/>
           </a:p>
@@ -919,7 +911,7 @@
           <a:p>
             <a:fld id="{BF30FC89-4E20-4F82-94CC-7A0B490014A9}" type="datetime1">
               <a:rPr lang="pt-PT" smtClean="0"/>
-              <a:t>30/05/2018</a:t>
+              <a:t>06/06/2018</a:t>
             </a:fld>
             <a:endParaRPr lang="pt-PT"/>
           </a:p>
@@ -1175,7 +1167,7 @@
           <a:p>
             <a:fld id="{1524E4FF-162B-4E62-8C13-B067390AF403}" type="datetime1">
               <a:rPr lang="pt-PT" smtClean="0"/>
-              <a:t>30/05/2018</a:t>
+              <a:t>06/06/2018</a:t>
             </a:fld>
             <a:endParaRPr lang="pt-PT"/>
           </a:p>
@@ -1349,7 +1341,7 @@
           <a:p>
             <a:fld id="{B6A0BBBF-4B9F-4CC1-BA01-A44B1A6EDF03}" type="datetime1">
               <a:rPr lang="pt-PT" smtClean="0"/>
-              <a:t>30/05/2018</a:t>
+              <a:t>06/06/2018</a:t>
             </a:fld>
             <a:endParaRPr lang="pt-PT"/>
           </a:p>
@@ -1692,7 +1684,7 @@
           <a:p>
             <a:fld id="{BE139743-3392-4C87-AC94-289E3CB69E10}" type="datetime1">
               <a:rPr lang="pt-PT" smtClean="0"/>
-              <a:t>30/05/2018</a:t>
+              <a:t>06/06/2018</a:t>
             </a:fld>
             <a:endParaRPr lang="pt-PT"/>
           </a:p>
@@ -1967,7 +1959,7 @@
           <a:p>
             <a:fld id="{10E54368-472F-4004-9BF2-652DF4E1D694}" type="datetime1">
               <a:rPr lang="pt-PT" smtClean="0"/>
-              <a:t>30/05/2018</a:t>
+              <a:t>06/06/2018</a:t>
             </a:fld>
             <a:endParaRPr lang="pt-PT"/>
           </a:p>
@@ -2346,7 +2338,7 @@
           <a:p>
             <a:fld id="{4A41B1F8-CD6E-4AC7-A381-6A8415EFB578}" type="datetime1">
               <a:rPr lang="pt-PT" smtClean="0"/>
-              <a:t>30/05/2018</a:t>
+              <a:t>06/06/2018</a:t>
             </a:fld>
             <a:endParaRPr lang="pt-PT"/>
           </a:p>
@@ -2464,7 +2456,7 @@
           <a:p>
             <a:fld id="{4189860D-16F1-46DC-8A79-3E3C18B197C5}" type="datetime1">
               <a:rPr lang="pt-PT" smtClean="0"/>
-              <a:t>30/05/2018</a:t>
+              <a:t>06/06/2018</a:t>
             </a:fld>
             <a:endParaRPr lang="pt-PT"/>
           </a:p>
@@ -2635,7 +2627,7 @@
           <a:p>
             <a:fld id="{5086A0AB-3E78-4279-A25F-8B66A23831F2}" type="datetime1">
               <a:rPr lang="pt-PT" smtClean="0"/>
-              <a:t>30/05/2018</a:t>
+              <a:t>06/06/2018</a:t>
             </a:fld>
             <a:endParaRPr lang="pt-PT"/>
           </a:p>
@@ -2989,7 +2981,7 @@
           <a:p>
             <a:fld id="{4ABA9473-AC19-4C64-9BE3-A35C1472D40C}" type="datetime1">
               <a:rPr lang="pt-PT" smtClean="0"/>
-              <a:t>30/05/2018</a:t>
+              <a:t>06/06/2018</a:t>
             </a:fld>
             <a:endParaRPr lang="pt-PT"/>
           </a:p>
@@ -3371,7 +3363,7 @@
           <a:p>
             <a:fld id="{9D79879D-ACE8-4CD7-811D-1E9CD9972304}" type="datetime1">
               <a:rPr lang="pt-PT" smtClean="0"/>
-              <a:t>30/05/2018</a:t>
+              <a:t>06/06/2018</a:t>
             </a:fld>
             <a:endParaRPr lang="pt-PT"/>
           </a:p>
@@ -3658,7 +3650,7 @@
           <a:p>
             <a:fld id="{D0966B32-2EDE-4658-A6AA-7FE6BBDCB583}" type="datetime1">
               <a:rPr lang="pt-PT" smtClean="0"/>
-              <a:t>30/05/2018</a:t>
+              <a:t>06/06/2018</a:t>
             </a:fld>
             <a:endParaRPr lang="pt-PT"/>
           </a:p>
@@ -4290,11 +4282,7 @@
           <a:p>
             <a:r>
               <a:rPr lang="pt-PT" sz="6000" dirty="0" smtClean="0"/>
-              <a:t>HMI </a:t>
-            </a:r>
-            <a:r>
-              <a:rPr lang="pt-PT" sz="6000" dirty="0" smtClean="0"/>
-              <a:t>para Fabrico Aditivo</a:t>
+              <a:t>HMI para Fabrico Aditivo</a:t>
             </a:r>
             <a:endParaRPr lang="pt-PT" sz="6000" dirty="0"/>
           </a:p>
@@ -4788,25 +4776,13 @@
           <a:p>
             <a:r>
               <a:rPr lang="pt-PT" dirty="0" smtClean="0"/>
-              <a:t>Prof</a:t>
-            </a:r>
+              <a:t>Prof. DR. Pedro moreira</a:t>
+            </a:r>
+          </a:p>
+          <a:p>
             <a:r>
               <a:rPr lang="pt-PT" dirty="0" smtClean="0"/>
-              <a:t>. DR. </a:t>
-            </a:r>
-            <a:r>
-              <a:rPr lang="pt-PT" dirty="0" smtClean="0"/>
-              <a:t>Pedro moreira</a:t>
-            </a:r>
-          </a:p>
-          <a:p>
-            <a:r>
-              <a:rPr lang="pt-PT" dirty="0" smtClean="0"/>
-              <a:t>MESTRE Eng.º </a:t>
-            </a:r>
-            <a:r>
-              <a:rPr lang="pt-PT" dirty="0" smtClean="0"/>
-              <a:t>João Paulo pereira (INEGI)</a:t>
+              <a:t>MESTRE Eng.º João Paulo pereira (INEGI)</a:t>
             </a:r>
           </a:p>
           <a:p>
@@ -5102,11 +5078,6 @@
               </a:rPr>
               <a:t>Projeto</a:t>
             </a:r>
-            <a:endParaRPr lang="pt-PT" dirty="0" smtClean="0">
-              <a:solidFill>
-                <a:schemeClr val="tx1"/>
-              </a:solidFill>
-            </a:endParaRPr>
           </a:p>
           <a:p>
             <a:endParaRPr lang="pt-PT" dirty="0" smtClean="0"/>
@@ -5158,300 +5129,6 @@
       </p:grpSpPr>
       <p:sp>
         <p:nvSpPr>
-          <p:cNvPr id="7" name="TextBox 6"/>
-          <p:cNvSpPr txBox="1"/>
-          <p:nvPr/>
-        </p:nvSpPr>
-        <p:spPr>
-          <a:xfrm>
-            <a:off x="445000" y="166025"/>
-            <a:ext cx="11747000" cy="10556736"/>
-          </a:xfrm>
-          <a:prstGeom prst="rect">
-            <a:avLst/>
-          </a:prstGeom>
-          <a:noFill/>
-        </p:spPr>
-        <p:txBody>
-          <a:bodyPr wrap="square" rtlCol="0">
-            <a:spAutoFit/>
-          </a:bodyPr>
-          <a:lstStyle/>
-          <a:p>
-            <a:r>
-              <a:rPr lang="pt-PT" sz="3200" b="1" dirty="0" smtClean="0"/>
-              <a:t>Sistemas Web-</a:t>
-            </a:r>
-            <a:r>
-              <a:rPr lang="pt-PT" sz="3200" b="1" dirty="0" err="1" smtClean="0"/>
-              <a:t>Based</a:t>
-            </a:r>
-            <a:r>
-              <a:rPr lang="pt-PT" sz="3200" b="1" dirty="0" smtClean="0"/>
-              <a:t> para Controlo e Automação</a:t>
-            </a:r>
-          </a:p>
-          <a:p>
-            <a:pPr marL="342900" indent="-342900">
-              <a:buFont typeface="Arial" panose="020B0604020202020204" pitchFamily="34" charset="0"/>
-              <a:buChar char="•"/>
-            </a:pPr>
-            <a:endParaRPr lang="pt-PT" sz="2400" dirty="0" smtClean="0"/>
-          </a:p>
-          <a:p>
-            <a:r>
-              <a:rPr lang="en-US" sz="2400" b="1" u="sng" dirty="0" err="1"/>
-              <a:t>Caso</a:t>
-            </a:r>
-            <a:r>
-              <a:rPr lang="en-US" sz="2400" b="1" u="sng" dirty="0"/>
-              <a:t> </a:t>
-            </a:r>
-            <a:r>
-              <a:rPr lang="en-US" sz="2400" b="1" u="sng" dirty="0" smtClean="0"/>
-              <a:t>1</a:t>
-            </a:r>
-            <a:endParaRPr lang="en-US" sz="2400" b="1" u="sng" dirty="0"/>
-          </a:p>
-          <a:p>
-            <a:r>
-              <a:rPr lang="en-US" sz="2400" dirty="0" smtClean="0"/>
-              <a:t>Developing </a:t>
-            </a:r>
-            <a:r>
-              <a:rPr lang="en-US" sz="2400" dirty="0"/>
-              <a:t>web &amp; </a:t>
-            </a:r>
-            <a:r>
-              <a:rPr lang="en-US" sz="2400" dirty="0" err="1"/>
-              <a:t>TwinCAT</a:t>
-            </a:r>
-            <a:r>
-              <a:rPr lang="en-US" sz="2400" dirty="0"/>
-              <a:t> PLC-based remote Control laboratories</a:t>
-            </a:r>
-          </a:p>
-          <a:p>
-            <a:r>
-              <a:rPr lang="en-US" sz="2400" dirty="0"/>
-              <a:t>for modern web-browsers or mobile </a:t>
-            </a:r>
-            <a:r>
-              <a:rPr lang="en-US" sz="2400" dirty="0" smtClean="0"/>
-              <a:t>devices</a:t>
-            </a:r>
-            <a:r>
-              <a:rPr lang="pt-PT" sz="2400" dirty="0" smtClean="0"/>
-              <a:t>(</a:t>
-            </a:r>
-            <a:r>
-              <a:rPr lang="pt-PT" sz="2400" dirty="0" err="1" smtClean="0"/>
-              <a:t>Bermudez</a:t>
-            </a:r>
-            <a:r>
-              <a:rPr lang="pt-PT" sz="2400" dirty="0" smtClean="0"/>
-              <a:t>-Ortega</a:t>
-            </a:r>
-            <a:r>
-              <a:rPr lang="pt-PT" sz="2400" dirty="0"/>
-              <a:t>, </a:t>
-            </a:r>
-            <a:r>
-              <a:rPr lang="pt-PT" sz="2400" dirty="0" err="1"/>
-              <a:t>Besada</a:t>
-            </a:r>
-            <a:r>
-              <a:rPr lang="pt-PT" sz="2400" dirty="0"/>
-              <a:t>-Portas, </a:t>
-            </a:r>
-            <a:r>
-              <a:rPr lang="pt-PT" sz="2400" dirty="0" err="1"/>
-              <a:t>Lopez-Orozco</a:t>
-            </a:r>
-            <a:r>
-              <a:rPr lang="pt-PT" sz="2400" dirty="0"/>
-              <a:t>, </a:t>
-            </a:r>
-            <a:r>
-              <a:rPr lang="pt-PT" sz="2400" dirty="0" err="1"/>
-              <a:t>Chacon</a:t>
-            </a:r>
-            <a:r>
-              <a:rPr lang="pt-PT" sz="2400" dirty="0"/>
-              <a:t>, &amp; de la Cruz, 2016)</a:t>
-            </a:r>
-          </a:p>
-          <a:p>
-            <a:pPr marL="342900" indent="-342900">
-              <a:buFont typeface="Arial" panose="020B0604020202020204" pitchFamily="34" charset="0"/>
-              <a:buChar char="•"/>
-            </a:pPr>
-            <a:endParaRPr lang="pt-PT" sz="2400" dirty="0"/>
-          </a:p>
-          <a:p>
-            <a:pPr marL="342900" indent="-342900">
-              <a:buFont typeface="Arial" panose="020B0604020202020204" pitchFamily="34" charset="0"/>
-              <a:buChar char="•"/>
-            </a:pPr>
-            <a:r>
-              <a:rPr lang="pt-PT" sz="2400" dirty="0" smtClean="0"/>
-              <a:t>Aceder a experiências de controlo em laboratórios remotamente</a:t>
-            </a:r>
-          </a:p>
-          <a:p>
-            <a:pPr marL="342900" indent="-342900">
-              <a:buFont typeface="Arial" panose="020B0604020202020204" pitchFamily="34" charset="0"/>
-              <a:buChar char="•"/>
-            </a:pPr>
-            <a:endParaRPr lang="pt-PT" sz="2400" dirty="0"/>
-          </a:p>
-          <a:p>
-            <a:pPr marL="342900" indent="-342900">
-              <a:buFont typeface="Arial" panose="020B0604020202020204" pitchFamily="34" charset="0"/>
-              <a:buChar char="•"/>
-            </a:pPr>
-            <a:r>
-              <a:rPr lang="pt-PT" sz="2400" dirty="0" err="1" smtClean="0"/>
-              <a:t>PLCs</a:t>
-            </a:r>
-            <a:r>
-              <a:rPr lang="pt-PT" sz="2400" dirty="0" smtClean="0"/>
-              <a:t> </a:t>
-            </a:r>
-            <a:r>
-              <a:rPr lang="pt-PT" sz="2400" dirty="0" err="1" smtClean="0"/>
-              <a:t>Twincat</a:t>
-            </a:r>
-            <a:r>
-              <a:rPr lang="pt-PT" sz="2400" dirty="0" smtClean="0"/>
-              <a:t>, página web, Node.js para servidor web no laboratório</a:t>
-            </a:r>
-          </a:p>
-          <a:p>
-            <a:pPr marL="342900" indent="-342900">
-              <a:buFont typeface="Arial" panose="020B0604020202020204" pitchFamily="34" charset="0"/>
-              <a:buChar char="•"/>
-            </a:pPr>
-            <a:endParaRPr lang="pt-PT" sz="2400" dirty="0"/>
-          </a:p>
-          <a:p>
-            <a:pPr marL="342900" indent="-342900">
-              <a:buFont typeface="Arial" panose="020B0604020202020204" pitchFamily="34" charset="0"/>
-              <a:buChar char="•"/>
-            </a:pPr>
-            <a:r>
-              <a:rPr lang="pt-PT" sz="2400" dirty="0" smtClean="0"/>
-              <a:t>Monitorização de dados em tempo real</a:t>
-            </a:r>
-          </a:p>
-          <a:p>
-            <a:pPr marL="342900" indent="-342900">
-              <a:buFont typeface="Arial" panose="020B0604020202020204" pitchFamily="34" charset="0"/>
-              <a:buChar char="•"/>
-            </a:pPr>
-            <a:endParaRPr lang="pt-PT" sz="2400" dirty="0" smtClean="0"/>
-          </a:p>
-          <a:p>
-            <a:pPr marL="342900" indent="-342900">
-              <a:buFont typeface="Arial" panose="020B0604020202020204" pitchFamily="34" charset="0"/>
-              <a:buChar char="•"/>
-            </a:pPr>
-            <a:r>
-              <a:rPr lang="pt-PT" sz="2400" dirty="0" smtClean="0"/>
-              <a:t>Monitorização visual em tempo real através de câmara</a:t>
-            </a:r>
-          </a:p>
-          <a:p>
-            <a:pPr marL="342900" indent="-342900">
-              <a:buFont typeface="Arial" panose="020B0604020202020204" pitchFamily="34" charset="0"/>
-              <a:buChar char="•"/>
-            </a:pPr>
-            <a:endParaRPr lang="pt-PT" sz="2400" dirty="0"/>
-          </a:p>
-          <a:p>
-            <a:pPr marL="342900" indent="-342900">
-              <a:buFont typeface="Arial" panose="020B0604020202020204" pitchFamily="34" charset="0"/>
-              <a:buChar char="•"/>
-            </a:pPr>
-            <a:endParaRPr lang="pt-PT" sz="2400" dirty="0" smtClean="0"/>
-          </a:p>
-          <a:p>
-            <a:pPr marL="342900" indent="-342900">
-              <a:buFont typeface="Arial" panose="020B0604020202020204" pitchFamily="34" charset="0"/>
-              <a:buChar char="•"/>
-            </a:pPr>
-            <a:endParaRPr lang="pt-PT" sz="2400" dirty="0" smtClean="0"/>
-          </a:p>
-          <a:p>
-            <a:endParaRPr lang="pt-PT" sz="2400" dirty="0" smtClean="0"/>
-          </a:p>
-          <a:p>
-            <a:pPr marL="342900" indent="-342900">
-              <a:buFont typeface="Arial" panose="020B0604020202020204" pitchFamily="34" charset="0"/>
-              <a:buChar char="•"/>
-            </a:pPr>
-            <a:endParaRPr lang="pt-PT" sz="2400" dirty="0" smtClean="0"/>
-          </a:p>
-          <a:p>
-            <a:pPr marL="342900" indent="-342900">
-              <a:buFont typeface="Arial" panose="020B0604020202020204" pitchFamily="34" charset="0"/>
-              <a:buChar char="•"/>
-            </a:pPr>
-            <a:endParaRPr lang="pt-PT" sz="2400" dirty="0" smtClean="0"/>
-          </a:p>
-          <a:p>
-            <a:pPr marL="342900" indent="-342900">
-              <a:buFont typeface="Arial" panose="020B0604020202020204" pitchFamily="34" charset="0"/>
-              <a:buChar char="•"/>
-            </a:pPr>
-            <a:endParaRPr lang="pt-PT" sz="2400" dirty="0"/>
-          </a:p>
-          <a:p>
-            <a:pPr marL="342900" indent="-342900">
-              <a:buFont typeface="Arial" panose="020B0604020202020204" pitchFamily="34" charset="0"/>
-              <a:buChar char="•"/>
-            </a:pPr>
-            <a:endParaRPr lang="pt-PT" sz="2400" dirty="0" smtClean="0"/>
-          </a:p>
-          <a:p>
-            <a:pPr marL="342900" indent="-342900">
-              <a:buFont typeface="Arial" panose="020B0604020202020204" pitchFamily="34" charset="0"/>
-              <a:buChar char="•"/>
-            </a:pPr>
-            <a:endParaRPr lang="pt-PT" sz="2400" dirty="0" smtClean="0"/>
-          </a:p>
-          <a:p>
-            <a:pPr marL="342900" indent="-342900">
-              <a:buFont typeface="Arial" panose="020B0604020202020204" pitchFamily="34" charset="0"/>
-              <a:buChar char="•"/>
-            </a:pPr>
-            <a:endParaRPr lang="pt-PT" sz="2400" dirty="0" smtClean="0"/>
-          </a:p>
-          <a:p>
-            <a:pPr marL="342900" indent="-342900">
-              <a:buFont typeface="Arial" panose="020B0604020202020204" pitchFamily="34" charset="0"/>
-              <a:buChar char="•"/>
-            </a:pPr>
-            <a:endParaRPr lang="pt-PT" sz="2400" dirty="0" smtClean="0"/>
-          </a:p>
-          <a:p>
-            <a:pPr marL="342900" indent="-342900">
-              <a:buFont typeface="Arial" panose="020B0604020202020204" pitchFamily="34" charset="0"/>
-              <a:buChar char="•"/>
-            </a:pPr>
-            <a:endParaRPr lang="pt-PT" sz="2400" dirty="0"/>
-          </a:p>
-          <a:p>
-            <a:pPr marL="342900" indent="-342900">
-              <a:buFont typeface="Arial" panose="020B0604020202020204" pitchFamily="34" charset="0"/>
-              <a:buChar char="•"/>
-            </a:pPr>
-            <a:endParaRPr lang="pt-PT" sz="2400" dirty="0" smtClean="0"/>
-          </a:p>
-        </p:txBody>
-      </p:sp>
-      <p:sp>
-        <p:nvSpPr>
           <p:cNvPr id="2" name="Slide Number Placeholder 1"/>
           <p:cNvSpPr>
             <a:spLocks noGrp="1"/>
@@ -5744,20 +5421,182 @@
             <a:pPr algn="ctr"/>
             <a:r>
               <a:rPr lang="pt-PT" sz="1600" b="1" dirty="0" smtClean="0"/>
-              <a:t>HMI </a:t>
-            </a:r>
-            <a:r>
-              <a:rPr lang="pt-PT" sz="1600" b="1" dirty="0" smtClean="0"/>
-              <a:t>para Fabrico Aditivo – Estado da Arte</a:t>
+              <a:t>HMI para Fabrico Aditivo – Sistema Desenvolvido</a:t>
             </a:r>
             <a:endParaRPr lang="pt-PT" sz="1600" b="1" dirty="0"/>
+          </a:p>
+        </p:txBody>
+      </p:sp>
+      <p:sp>
+        <p:nvSpPr>
+          <p:cNvPr id="8" name="TextBox 6"/>
+          <p:cNvSpPr txBox="1"/>
+          <p:nvPr/>
+        </p:nvSpPr>
+        <p:spPr>
+          <a:xfrm>
+            <a:off x="252980" y="300496"/>
+            <a:ext cx="11747000" cy="6001643"/>
+          </a:xfrm>
+          <a:prstGeom prst="rect">
+            <a:avLst/>
+          </a:prstGeom>
+          <a:noFill/>
+        </p:spPr>
+        <p:txBody>
+          <a:bodyPr wrap="square" rtlCol="0">
+            <a:spAutoFit/>
+          </a:bodyPr>
+          <a:lstStyle/>
+          <a:p>
+            <a:pPr marL="342900" indent="-342900">
+              <a:buFont typeface="Arial" panose="020B0604020202020204" pitchFamily="34" charset="0"/>
+              <a:buChar char="•"/>
+            </a:pPr>
+            <a:endParaRPr lang="pt-PT" sz="2400" dirty="0" smtClean="0"/>
+          </a:p>
+          <a:p>
+            <a:pPr marL="342900" indent="-342900">
+              <a:buFont typeface="Arial" panose="020B0604020202020204" pitchFamily="34" charset="0"/>
+              <a:buChar char="•"/>
+            </a:pPr>
+            <a:r>
+              <a:rPr lang="pt-PT" sz="2400" dirty="0" smtClean="0"/>
+              <a:t>1ª versão desenvolvida valida a arquitetura e as tecnologias utili</a:t>
+            </a:r>
+            <a:r>
+              <a:rPr lang="pt-PT" sz="2400" dirty="0"/>
+              <a:t>z</a:t>
+            </a:r>
+            <a:r>
+              <a:rPr lang="pt-PT" sz="2400" dirty="0" smtClean="0"/>
+              <a:t>adas</a:t>
+            </a:r>
+            <a:endParaRPr lang="pt-PT" sz="2400" dirty="0"/>
+          </a:p>
+          <a:p>
+            <a:endParaRPr lang="pt-PT" sz="2400" b="1" u="sng" dirty="0"/>
+          </a:p>
+          <a:p>
+            <a:r>
+              <a:rPr lang="pt-PT" sz="2400" b="1" u="sng" dirty="0" smtClean="0"/>
+              <a:t>Funcionalidades</a:t>
+            </a:r>
+          </a:p>
+          <a:p>
+            <a:pPr marL="342900" indent="-342900">
+              <a:buFont typeface="Arial" panose="020B0604020202020204" pitchFamily="34" charset="0"/>
+              <a:buChar char="•"/>
+            </a:pPr>
+            <a:endParaRPr lang="pt-PT" sz="2400" dirty="0" smtClean="0"/>
+          </a:p>
+          <a:p>
+            <a:pPr marL="342900" indent="-342900">
+              <a:buFont typeface="Arial" panose="020B0604020202020204" pitchFamily="34" charset="0"/>
+              <a:buChar char="•"/>
+            </a:pPr>
+            <a:r>
+              <a:rPr lang="pt-PT" sz="2400" dirty="0" smtClean="0"/>
+              <a:t>Controlo básico do equipamento: ligar, desligar, pausar, parar, monitorizar posições e movimentos dos eixos e estado geral do equipamento</a:t>
+            </a:r>
+          </a:p>
+          <a:p>
+            <a:pPr marL="342900" indent="-342900">
+              <a:buFont typeface="Arial" panose="020B0604020202020204" pitchFamily="34" charset="0"/>
+              <a:buChar char="•"/>
+            </a:pPr>
+            <a:r>
+              <a:rPr lang="pt-PT" sz="2400" dirty="0" smtClean="0"/>
+              <a:t>Modos de Operação: manual e automático</a:t>
+            </a:r>
+          </a:p>
+          <a:p>
+            <a:pPr marL="342900" indent="-342900">
+              <a:buFont typeface="Arial" panose="020B0604020202020204" pitchFamily="34" charset="0"/>
+              <a:buChar char="•"/>
+            </a:pPr>
+            <a:r>
+              <a:rPr lang="pt-PT" sz="2400" dirty="0" smtClean="0"/>
+              <a:t>Monitorização de parâmetros em tempo real</a:t>
+            </a:r>
+          </a:p>
+          <a:p>
+            <a:pPr marL="342900" indent="-342900">
+              <a:buFont typeface="Arial" panose="020B0604020202020204" pitchFamily="34" charset="0"/>
+              <a:buChar char="•"/>
+            </a:pPr>
+            <a:r>
+              <a:rPr lang="pt-PT" sz="2400" dirty="0" smtClean="0"/>
+              <a:t>Monitorização do progresso da impressão</a:t>
+            </a:r>
+          </a:p>
+          <a:p>
+            <a:pPr marL="342900" indent="-342900">
+              <a:buFont typeface="Arial" panose="020B0604020202020204" pitchFamily="34" charset="0"/>
+              <a:buChar char="•"/>
+            </a:pPr>
+            <a:r>
+              <a:rPr lang="pt-PT" sz="2400" dirty="0" smtClean="0"/>
+              <a:t>Importar remotamente e executar </a:t>
+            </a:r>
+            <a:r>
+              <a:rPr lang="pt-PT" sz="2400" dirty="0" err="1" smtClean="0"/>
+              <a:t>Gcode</a:t>
+            </a:r>
+            <a:endParaRPr lang="pt-PT" sz="2400" dirty="0" smtClean="0"/>
+          </a:p>
+          <a:p>
+            <a:pPr marL="342900" indent="-342900">
+              <a:buFont typeface="Arial" panose="020B0604020202020204" pitchFamily="34" charset="0"/>
+              <a:buChar char="•"/>
+            </a:pPr>
+            <a:r>
+              <a:rPr lang="pt-PT" sz="2400" dirty="0" smtClean="0"/>
+              <a:t>Visualizar </a:t>
+            </a:r>
+            <a:r>
+              <a:rPr lang="pt-PT" sz="2400" dirty="0" err="1" smtClean="0"/>
+              <a:t>Gcode</a:t>
+            </a:r>
+            <a:r>
+              <a:rPr lang="pt-PT" sz="2400" dirty="0" smtClean="0"/>
+              <a:t> a ser executado em tempo real</a:t>
+            </a:r>
+          </a:p>
+          <a:p>
+            <a:pPr marL="342900" indent="-342900">
+              <a:buFont typeface="Arial" panose="020B0604020202020204" pitchFamily="34" charset="0"/>
+              <a:buChar char="•"/>
+            </a:pPr>
+            <a:r>
+              <a:rPr lang="pt-PT" sz="2400" dirty="0" smtClean="0"/>
+              <a:t>Visualizar a peça em 2D e 3D através do </a:t>
+            </a:r>
+            <a:r>
+              <a:rPr lang="pt-PT" sz="2400" dirty="0" err="1" smtClean="0"/>
+              <a:t>Gcode</a:t>
+            </a:r>
+            <a:endParaRPr lang="pt-PT" sz="2400" dirty="0" smtClean="0"/>
+          </a:p>
+          <a:p>
+            <a:endParaRPr lang="pt-PT" sz="2400" dirty="0" smtClean="0"/>
+          </a:p>
+          <a:p>
+            <a:endParaRPr lang="pt-PT" sz="2400" dirty="0" smtClean="0"/>
+          </a:p>
+          <a:p>
+            <a:pPr marL="342900" indent="-342900">
+              <a:buFont typeface="Arial" panose="020B0604020202020204" pitchFamily="34" charset="0"/>
+              <a:buChar char="•"/>
+            </a:pPr>
+            <a:endParaRPr lang="pt-PT" sz="2400" dirty="0" smtClean="0"/>
           </a:p>
         </p:txBody>
       </p:sp>
     </p:spTree>
     <p:extLst>
       <p:ext uri="{BB962C8B-B14F-4D97-AF65-F5344CB8AC3E}">
-        <p14:creationId xmlns:p14="http://schemas.microsoft.com/office/powerpoint/2010/main" val="108266854"/>
+        <p14:creationId xmlns:p14="http://schemas.microsoft.com/office/powerpoint/2010/main" val="1686037235"/>
       </p:ext>
     </p:extLst>
   </p:cSld>
@@ -5793,155 +5632,6 @@
       </p:grpSpPr>
       <p:sp>
         <p:nvSpPr>
-          <p:cNvPr id="7" name="TextBox 6"/>
-          <p:cNvSpPr txBox="1"/>
-          <p:nvPr/>
-        </p:nvSpPr>
-        <p:spPr>
-          <a:xfrm>
-            <a:off x="445000" y="166025"/>
-            <a:ext cx="11747000" cy="6494085"/>
-          </a:xfrm>
-          <a:prstGeom prst="rect">
-            <a:avLst/>
-          </a:prstGeom>
-          <a:noFill/>
-        </p:spPr>
-        <p:txBody>
-          <a:bodyPr wrap="square" rtlCol="0">
-            <a:spAutoFit/>
-          </a:bodyPr>
-          <a:lstStyle/>
-          <a:p>
-            <a:r>
-              <a:rPr lang="pt-PT" sz="3200" b="1" dirty="0" smtClean="0"/>
-              <a:t>Sistemas Web-</a:t>
-            </a:r>
-            <a:r>
-              <a:rPr lang="pt-PT" sz="3200" b="1" dirty="0" err="1" smtClean="0"/>
-              <a:t>Based</a:t>
-            </a:r>
-            <a:r>
-              <a:rPr lang="pt-PT" sz="3200" b="1" dirty="0" smtClean="0"/>
-              <a:t> para Controlo e Automação</a:t>
-            </a:r>
-          </a:p>
-          <a:p>
-            <a:pPr marL="342900" indent="-342900">
-              <a:buFont typeface="Arial" panose="020B0604020202020204" pitchFamily="34" charset="0"/>
-              <a:buChar char="•"/>
-            </a:pPr>
-            <a:endParaRPr lang="pt-PT" sz="2400" dirty="0" smtClean="0"/>
-          </a:p>
-          <a:p>
-            <a:r>
-              <a:rPr lang="en-US" sz="2400" b="1" u="sng" dirty="0" err="1"/>
-              <a:t>Caso</a:t>
-            </a:r>
-            <a:r>
-              <a:rPr lang="en-US" sz="2400" b="1" u="sng" dirty="0"/>
-              <a:t> </a:t>
-            </a:r>
-            <a:r>
-              <a:rPr lang="en-US" sz="2400" b="1" u="sng" dirty="0" smtClean="0"/>
-              <a:t>1</a:t>
-            </a:r>
-            <a:endParaRPr lang="en-US" sz="2400" b="1" u="sng" dirty="0"/>
-          </a:p>
-          <a:p>
-            <a:pPr marL="342900" indent="-342900">
-              <a:buFont typeface="Arial" panose="020B0604020202020204" pitchFamily="34" charset="0"/>
-              <a:buChar char="•"/>
-            </a:pPr>
-            <a:endParaRPr lang="en-US" sz="2400" dirty="0" smtClean="0"/>
-          </a:p>
-          <a:p>
-            <a:endParaRPr lang="pt-PT" sz="2400" dirty="0"/>
-          </a:p>
-          <a:p>
-            <a:pPr marL="342900" indent="-342900">
-              <a:buFont typeface="Arial" panose="020B0604020202020204" pitchFamily="34" charset="0"/>
-              <a:buChar char="•"/>
-            </a:pPr>
-            <a:endParaRPr lang="pt-PT" sz="2400" dirty="0" smtClean="0"/>
-          </a:p>
-          <a:p>
-            <a:pPr marL="342900" indent="-342900">
-              <a:buFont typeface="Arial" panose="020B0604020202020204" pitchFamily="34" charset="0"/>
-              <a:buChar char="•"/>
-            </a:pPr>
-            <a:endParaRPr lang="pt-PT" sz="2400" dirty="0" smtClean="0"/>
-          </a:p>
-          <a:p>
-            <a:endParaRPr lang="pt-PT" sz="2400" dirty="0" smtClean="0"/>
-          </a:p>
-          <a:p>
-            <a:pPr marL="342900" indent="-342900">
-              <a:buFont typeface="Arial" panose="020B0604020202020204" pitchFamily="34" charset="0"/>
-              <a:buChar char="•"/>
-            </a:pPr>
-            <a:endParaRPr lang="pt-PT" sz="2400" dirty="0" smtClean="0"/>
-          </a:p>
-          <a:p>
-            <a:pPr marL="342900" indent="-342900">
-              <a:buFont typeface="Arial" panose="020B0604020202020204" pitchFamily="34" charset="0"/>
-              <a:buChar char="•"/>
-            </a:pPr>
-            <a:endParaRPr lang="pt-PT" sz="2400" dirty="0" smtClean="0"/>
-          </a:p>
-          <a:p>
-            <a:pPr marL="342900" indent="-342900">
-              <a:buFont typeface="Arial" panose="020B0604020202020204" pitchFamily="34" charset="0"/>
-              <a:buChar char="•"/>
-            </a:pPr>
-            <a:endParaRPr lang="pt-PT" sz="2400" dirty="0"/>
-          </a:p>
-          <a:p>
-            <a:pPr marL="342900" indent="-342900">
-              <a:buFont typeface="Arial" panose="020B0604020202020204" pitchFamily="34" charset="0"/>
-              <a:buChar char="•"/>
-            </a:pPr>
-            <a:endParaRPr lang="pt-PT" sz="2400" dirty="0" smtClean="0"/>
-          </a:p>
-          <a:p>
-            <a:pPr marL="342900" indent="-342900">
-              <a:buFont typeface="Arial" panose="020B0604020202020204" pitchFamily="34" charset="0"/>
-              <a:buChar char="•"/>
-            </a:pPr>
-            <a:endParaRPr lang="pt-PT" sz="2400" dirty="0" smtClean="0"/>
-          </a:p>
-          <a:p>
-            <a:pPr marL="342900" indent="-342900">
-              <a:buFont typeface="Arial" panose="020B0604020202020204" pitchFamily="34" charset="0"/>
-              <a:buChar char="•"/>
-            </a:pPr>
-            <a:endParaRPr lang="pt-PT" sz="2400" dirty="0" smtClean="0"/>
-          </a:p>
-          <a:p>
-            <a:pPr marL="342900" indent="-342900">
-              <a:buFont typeface="Arial" panose="020B0604020202020204" pitchFamily="34" charset="0"/>
-              <a:buChar char="•"/>
-            </a:pPr>
-            <a:endParaRPr lang="pt-PT" sz="2400" dirty="0" smtClean="0"/>
-          </a:p>
-          <a:p>
-            <a:pPr marL="342900" indent="-342900">
-              <a:buFont typeface="Arial" panose="020B0604020202020204" pitchFamily="34" charset="0"/>
-              <a:buChar char="•"/>
-            </a:pPr>
-            <a:endParaRPr lang="pt-PT" sz="2400" dirty="0"/>
-          </a:p>
-          <a:p>
-            <a:pPr marL="342900" indent="-342900">
-              <a:buFont typeface="Arial" panose="020B0604020202020204" pitchFamily="34" charset="0"/>
-              <a:buChar char="•"/>
-            </a:pPr>
-            <a:endParaRPr lang="pt-PT" sz="2400" dirty="0" smtClean="0"/>
-          </a:p>
-        </p:txBody>
-      </p:sp>
-      <p:sp>
-        <p:nvSpPr>
           <p:cNvPr id="2" name="Slide Number Placeholder 1"/>
           <p:cNvSpPr>
             <a:spLocks noGrp="1"/>
@@ -6234,50 +5924,182 @@
             <a:pPr algn="ctr"/>
             <a:r>
               <a:rPr lang="pt-PT" sz="1600" b="1" dirty="0" smtClean="0"/>
-              <a:t>HMI </a:t>
-            </a:r>
-            <a:r>
-              <a:rPr lang="pt-PT" sz="1600" b="1" dirty="0" smtClean="0"/>
-              <a:t>para Fabrico Aditivo – Estado da Arte</a:t>
+              <a:t>HMI para Fabrico Aditivo – Trabalho Futuro</a:t>
             </a:r>
             <a:endParaRPr lang="pt-PT" sz="1600" b="1" dirty="0"/>
           </a:p>
         </p:txBody>
       </p:sp>
-      <p:pic>
-        <p:nvPicPr>
-          <p:cNvPr id="3" name="Imagem 2"/>
-          <p:cNvPicPr>
-            <a:picLocks noChangeAspect="1"/>
-          </p:cNvPicPr>
+      <p:sp>
+        <p:nvSpPr>
+          <p:cNvPr id="8" name="TextBox 6"/>
+          <p:cNvSpPr txBox="1"/>
           <p:nvPr/>
-        </p:nvPicPr>
-        <p:blipFill>
-          <a:blip r:embed="rId3">
-            <a:extLst>
-              <a:ext uri="{28A0092B-C50C-407E-A947-70E740481C1C}">
-                <a14:useLocalDpi xmlns:a14="http://schemas.microsoft.com/office/drawing/2010/main" val="0"/>
-              </a:ext>
-            </a:extLst>
-          </a:blip>
-          <a:stretch>
-            <a:fillRect/>
-          </a:stretch>
-        </p:blipFill>
+        </p:nvSpPr>
         <p:spPr>
           <a:xfrm>
-            <a:off x="2476205" y="1052580"/>
-            <a:ext cx="8080265" cy="4575711"/>
+            <a:off x="252980" y="300496"/>
+            <a:ext cx="11747000" cy="6001643"/>
           </a:xfrm>
           <a:prstGeom prst="rect">
             <a:avLst/>
           </a:prstGeom>
+          <a:noFill/>
         </p:spPr>
-      </p:pic>
+        <p:txBody>
+          <a:bodyPr wrap="square" rtlCol="0">
+            <a:spAutoFit/>
+          </a:bodyPr>
+          <a:lstStyle/>
+          <a:p>
+            <a:r>
+              <a:rPr lang="pt-PT" sz="2400" b="1" u="sng" dirty="0" smtClean="0"/>
+              <a:t>Trabalho Futuro</a:t>
+            </a:r>
+            <a:endParaRPr lang="pt-PT" sz="2400" b="1" u="sng" dirty="0"/>
+          </a:p>
+          <a:p>
+            <a:pPr marL="342900" indent="-342900">
+              <a:buFont typeface="Arial" panose="020B0604020202020204" pitchFamily="34" charset="0"/>
+              <a:buChar char="•"/>
+            </a:pPr>
+            <a:endParaRPr lang="pt-PT" sz="2400" dirty="0" smtClean="0"/>
+          </a:p>
+          <a:p>
+            <a:pPr marL="342900" indent="-342900">
+              <a:buFont typeface="Arial" panose="020B0604020202020204" pitchFamily="34" charset="0"/>
+              <a:buChar char="•"/>
+            </a:pPr>
+            <a:r>
+              <a:rPr lang="pt-PT" sz="2400" dirty="0" smtClean="0"/>
+              <a:t>Levantar requisitos para novo equipamento</a:t>
+            </a:r>
+          </a:p>
+          <a:p>
+            <a:pPr marL="342900" indent="-342900">
+              <a:buFont typeface="Arial" panose="020B0604020202020204" pitchFamily="34" charset="0"/>
+              <a:buChar char="•"/>
+            </a:pPr>
+            <a:endParaRPr lang="pt-PT" sz="2400" dirty="0" smtClean="0"/>
+          </a:p>
+          <a:p>
+            <a:pPr marL="342900" indent="-342900">
+              <a:buFont typeface="Arial" panose="020B0604020202020204" pitchFamily="34" charset="0"/>
+              <a:buChar char="•"/>
+            </a:pPr>
+            <a:r>
+              <a:rPr lang="pt-PT" sz="2400" dirty="0" smtClean="0"/>
+              <a:t>Readaptar sistema ao novo equipamento</a:t>
+            </a:r>
+          </a:p>
+          <a:p>
+            <a:pPr marL="342900" indent="-342900">
+              <a:buFont typeface="Arial" panose="020B0604020202020204" pitchFamily="34" charset="0"/>
+              <a:buChar char="•"/>
+            </a:pPr>
+            <a:endParaRPr lang="pt-PT" sz="2400" dirty="0" smtClean="0"/>
+          </a:p>
+          <a:p>
+            <a:pPr marL="342900" indent="-342900">
+              <a:buFont typeface="Arial" panose="020B0604020202020204" pitchFamily="34" charset="0"/>
+              <a:buChar char="•"/>
+            </a:pPr>
+            <a:r>
+              <a:rPr lang="pt-PT" sz="2400" dirty="0" smtClean="0"/>
+              <a:t>Desenvolver funcionalidades e módulos identificados em falta:</a:t>
+            </a:r>
+          </a:p>
+          <a:p>
+            <a:pPr marL="800100" lvl="1" indent="-342900">
+              <a:buFont typeface="Arial" panose="020B0604020202020204" pitchFamily="34" charset="0"/>
+              <a:buChar char="•"/>
+            </a:pPr>
+            <a:r>
+              <a:rPr lang="pt-PT" sz="2400" dirty="0" smtClean="0"/>
+              <a:t>Monitorizar parâmetros do equipamento e do processo em tempo real (pontos de medição de temperatura, </a:t>
+            </a:r>
+            <a:r>
+              <a:rPr lang="pt-PT" sz="2400" dirty="0" err="1" smtClean="0"/>
+              <a:t>etc</a:t>
+            </a:r>
+            <a:r>
+              <a:rPr lang="pt-PT" sz="2400" dirty="0" smtClean="0"/>
+              <a:t>)</a:t>
+            </a:r>
+          </a:p>
+          <a:p>
+            <a:pPr marL="800100" lvl="1" indent="-342900">
+              <a:buFont typeface="Arial" panose="020B0604020202020204" pitchFamily="34" charset="0"/>
+              <a:buChar char="•"/>
+            </a:pPr>
+            <a:r>
+              <a:rPr lang="pt-PT" sz="2400" dirty="0" smtClean="0"/>
+              <a:t>Recolha e armazenamento de dados das impressões</a:t>
+            </a:r>
+          </a:p>
+          <a:p>
+            <a:pPr marL="800100" lvl="1" indent="-342900">
+              <a:buFont typeface="Arial" panose="020B0604020202020204" pitchFamily="34" charset="0"/>
+              <a:buChar char="•"/>
+            </a:pPr>
+            <a:r>
+              <a:rPr lang="pt-PT" sz="2400" dirty="0" smtClean="0"/>
+              <a:t>Visualizar histórico das impressões</a:t>
+            </a:r>
+          </a:p>
+          <a:p>
+            <a:pPr marL="800100" lvl="1" indent="-342900">
+              <a:buFont typeface="Arial" panose="020B0604020202020204" pitchFamily="34" charset="0"/>
+              <a:buChar char="•"/>
+            </a:pPr>
+            <a:r>
+              <a:rPr lang="pt-PT" sz="2400" dirty="0" smtClean="0"/>
+              <a:t>Visualizar imagem da câmara termográfica em tempo real</a:t>
+            </a:r>
+          </a:p>
+          <a:p>
+            <a:pPr marL="800100" lvl="1" indent="-342900">
+              <a:buFont typeface="Arial" panose="020B0604020202020204" pitchFamily="34" charset="0"/>
+              <a:buChar char="•"/>
+            </a:pPr>
+            <a:r>
+              <a:rPr lang="pt-PT" sz="2400" dirty="0" smtClean="0"/>
+              <a:t>Reconhecimento do conteúdo da imagem termográfica em tempo real</a:t>
+            </a:r>
+          </a:p>
+          <a:p>
+            <a:pPr marL="800100" lvl="1" indent="-342900">
+              <a:buFont typeface="Arial" panose="020B0604020202020204" pitchFamily="34" charset="0"/>
+              <a:buChar char="•"/>
+            </a:pPr>
+            <a:r>
+              <a:rPr lang="pt-PT" sz="2400" dirty="0" smtClean="0"/>
+              <a:t>Módulo de Realidade Aumentada para visualização das peças em impressão</a:t>
+            </a:r>
+          </a:p>
+          <a:p>
+            <a:pPr marL="342900" indent="-342900">
+              <a:buFont typeface="Arial" panose="020B0604020202020204" pitchFamily="34" charset="0"/>
+              <a:buChar char="•"/>
+            </a:pPr>
+            <a:r>
+              <a:rPr lang="pt-PT" sz="2400" dirty="0" smtClean="0"/>
+              <a:t>Finalizar Relatório de Projeto de Mestrado</a:t>
+            </a:r>
+          </a:p>
+          <a:p>
+            <a:pPr marL="342900" indent="-342900">
+              <a:buFont typeface="Arial" panose="020B0604020202020204" pitchFamily="34" charset="0"/>
+              <a:buChar char="•"/>
+            </a:pPr>
+            <a:endParaRPr lang="pt-PT" sz="2400" dirty="0" smtClean="0"/>
+          </a:p>
+        </p:txBody>
+      </p:sp>
     </p:spTree>
     <p:extLst>
       <p:ext uri="{BB962C8B-B14F-4D97-AF65-F5344CB8AC3E}">
-        <p14:creationId xmlns:p14="http://schemas.microsoft.com/office/powerpoint/2010/main" val="3051048526"/>
+        <p14:creationId xmlns:p14="http://schemas.microsoft.com/office/powerpoint/2010/main" val="4229771930"/>
       </p:ext>
     </p:extLst>
   </p:cSld>
@@ -6313,155 +6135,6 @@
       </p:grpSpPr>
       <p:sp>
         <p:nvSpPr>
-          <p:cNvPr id="7" name="TextBox 6"/>
-          <p:cNvSpPr txBox="1"/>
-          <p:nvPr/>
-        </p:nvSpPr>
-        <p:spPr>
-          <a:xfrm>
-            <a:off x="445000" y="166025"/>
-            <a:ext cx="11747000" cy="6494085"/>
-          </a:xfrm>
-          <a:prstGeom prst="rect">
-            <a:avLst/>
-          </a:prstGeom>
-          <a:noFill/>
-        </p:spPr>
-        <p:txBody>
-          <a:bodyPr wrap="square" rtlCol="0">
-            <a:spAutoFit/>
-          </a:bodyPr>
-          <a:lstStyle/>
-          <a:p>
-            <a:r>
-              <a:rPr lang="pt-PT" sz="3200" b="1" dirty="0" smtClean="0"/>
-              <a:t>Sistemas Web-</a:t>
-            </a:r>
-            <a:r>
-              <a:rPr lang="pt-PT" sz="3200" b="1" dirty="0" err="1" smtClean="0"/>
-              <a:t>Based</a:t>
-            </a:r>
-            <a:r>
-              <a:rPr lang="pt-PT" sz="3200" b="1" dirty="0" smtClean="0"/>
-              <a:t> para Controlo e Automação</a:t>
-            </a:r>
-          </a:p>
-          <a:p>
-            <a:pPr marL="342900" indent="-342900">
-              <a:buFont typeface="Arial" panose="020B0604020202020204" pitchFamily="34" charset="0"/>
-              <a:buChar char="•"/>
-            </a:pPr>
-            <a:endParaRPr lang="pt-PT" sz="2400" dirty="0" smtClean="0"/>
-          </a:p>
-          <a:p>
-            <a:r>
-              <a:rPr lang="en-US" sz="2400" b="1" u="sng" dirty="0" err="1"/>
-              <a:t>Caso</a:t>
-            </a:r>
-            <a:r>
-              <a:rPr lang="en-US" sz="2400" b="1" u="sng" dirty="0"/>
-              <a:t> </a:t>
-            </a:r>
-            <a:r>
-              <a:rPr lang="en-US" sz="2400" b="1" u="sng" dirty="0" smtClean="0"/>
-              <a:t>1</a:t>
-            </a:r>
-            <a:endParaRPr lang="en-US" sz="2400" b="1" u="sng" dirty="0"/>
-          </a:p>
-          <a:p>
-            <a:pPr marL="342900" indent="-342900">
-              <a:buFont typeface="Arial" panose="020B0604020202020204" pitchFamily="34" charset="0"/>
-              <a:buChar char="•"/>
-            </a:pPr>
-            <a:endParaRPr lang="en-US" sz="2400" dirty="0" smtClean="0"/>
-          </a:p>
-          <a:p>
-            <a:endParaRPr lang="pt-PT" sz="2400" dirty="0"/>
-          </a:p>
-          <a:p>
-            <a:pPr marL="342900" indent="-342900">
-              <a:buFont typeface="Arial" panose="020B0604020202020204" pitchFamily="34" charset="0"/>
-              <a:buChar char="•"/>
-            </a:pPr>
-            <a:endParaRPr lang="pt-PT" sz="2400" dirty="0" smtClean="0"/>
-          </a:p>
-          <a:p>
-            <a:pPr marL="342900" indent="-342900">
-              <a:buFont typeface="Arial" panose="020B0604020202020204" pitchFamily="34" charset="0"/>
-              <a:buChar char="•"/>
-            </a:pPr>
-            <a:endParaRPr lang="pt-PT" sz="2400" dirty="0" smtClean="0"/>
-          </a:p>
-          <a:p>
-            <a:endParaRPr lang="pt-PT" sz="2400" dirty="0" smtClean="0"/>
-          </a:p>
-          <a:p>
-            <a:pPr marL="342900" indent="-342900">
-              <a:buFont typeface="Arial" panose="020B0604020202020204" pitchFamily="34" charset="0"/>
-              <a:buChar char="•"/>
-            </a:pPr>
-            <a:endParaRPr lang="pt-PT" sz="2400" dirty="0" smtClean="0"/>
-          </a:p>
-          <a:p>
-            <a:pPr marL="342900" indent="-342900">
-              <a:buFont typeface="Arial" panose="020B0604020202020204" pitchFamily="34" charset="0"/>
-              <a:buChar char="•"/>
-            </a:pPr>
-            <a:endParaRPr lang="pt-PT" sz="2400" dirty="0" smtClean="0"/>
-          </a:p>
-          <a:p>
-            <a:pPr marL="342900" indent="-342900">
-              <a:buFont typeface="Arial" panose="020B0604020202020204" pitchFamily="34" charset="0"/>
-              <a:buChar char="•"/>
-            </a:pPr>
-            <a:endParaRPr lang="pt-PT" sz="2400" dirty="0"/>
-          </a:p>
-          <a:p>
-            <a:pPr marL="342900" indent="-342900">
-              <a:buFont typeface="Arial" panose="020B0604020202020204" pitchFamily="34" charset="0"/>
-              <a:buChar char="•"/>
-            </a:pPr>
-            <a:endParaRPr lang="pt-PT" sz="2400" dirty="0" smtClean="0"/>
-          </a:p>
-          <a:p>
-            <a:pPr marL="342900" indent="-342900">
-              <a:buFont typeface="Arial" panose="020B0604020202020204" pitchFamily="34" charset="0"/>
-              <a:buChar char="•"/>
-            </a:pPr>
-            <a:endParaRPr lang="pt-PT" sz="2400" dirty="0" smtClean="0"/>
-          </a:p>
-          <a:p>
-            <a:pPr marL="342900" indent="-342900">
-              <a:buFont typeface="Arial" panose="020B0604020202020204" pitchFamily="34" charset="0"/>
-              <a:buChar char="•"/>
-            </a:pPr>
-            <a:endParaRPr lang="pt-PT" sz="2400" dirty="0" smtClean="0"/>
-          </a:p>
-          <a:p>
-            <a:pPr marL="342900" indent="-342900">
-              <a:buFont typeface="Arial" panose="020B0604020202020204" pitchFamily="34" charset="0"/>
-              <a:buChar char="•"/>
-            </a:pPr>
-            <a:endParaRPr lang="pt-PT" sz="2400" dirty="0" smtClean="0"/>
-          </a:p>
-          <a:p>
-            <a:pPr marL="342900" indent="-342900">
-              <a:buFont typeface="Arial" panose="020B0604020202020204" pitchFamily="34" charset="0"/>
-              <a:buChar char="•"/>
-            </a:pPr>
-            <a:endParaRPr lang="pt-PT" sz="2400" dirty="0"/>
-          </a:p>
-          <a:p>
-            <a:pPr marL="342900" indent="-342900">
-              <a:buFont typeface="Arial" panose="020B0604020202020204" pitchFamily="34" charset="0"/>
-              <a:buChar char="•"/>
-            </a:pPr>
-            <a:endParaRPr lang="pt-PT" sz="2400" dirty="0" smtClean="0"/>
-          </a:p>
-        </p:txBody>
-      </p:sp>
-      <p:sp>
-        <p:nvSpPr>
           <p:cNvPr id="2" name="Slide Number Placeholder 1"/>
           <p:cNvSpPr>
             <a:spLocks noGrp="1"/>
@@ -6646,8 +6319,8 @@
         </p:nvSpPr>
         <p:spPr>
           <a:xfrm>
-            <a:off x="3908571" y="6492875"/>
-            <a:ext cx="4435818" cy="365125"/>
+            <a:off x="3753131" y="6459785"/>
+            <a:ext cx="4746698" cy="332035"/>
           </a:xfrm>
           <a:prstGeom prst="rect">
             <a:avLst/>
@@ -6754,50 +6427,124 @@
             <a:pPr algn="ctr"/>
             <a:r>
               <a:rPr lang="pt-PT" sz="1600" b="1" dirty="0" smtClean="0"/>
-              <a:t>HMI </a:t>
-            </a:r>
-            <a:r>
-              <a:rPr lang="pt-PT" sz="1600" b="1" dirty="0" smtClean="0"/>
-              <a:t>para Fabrico Aditivo – Estado da Arte</a:t>
+              <a:t>HMI para Fabrico Aditivo – Conclusões Preliminares</a:t>
             </a:r>
             <a:endParaRPr lang="pt-PT" sz="1600" b="1" dirty="0"/>
           </a:p>
         </p:txBody>
       </p:sp>
-      <p:pic>
-        <p:nvPicPr>
-          <p:cNvPr id="3" name="Imagem 2"/>
-          <p:cNvPicPr>
-            <a:picLocks noChangeAspect="1"/>
-          </p:cNvPicPr>
+      <p:sp>
+        <p:nvSpPr>
+          <p:cNvPr id="8" name="TextBox 6"/>
+          <p:cNvSpPr txBox="1"/>
           <p:nvPr/>
-        </p:nvPicPr>
-        <p:blipFill>
-          <a:blip r:embed="rId3">
-            <a:extLst>
-              <a:ext uri="{28A0092B-C50C-407E-A947-70E740481C1C}">
-                <a14:useLocalDpi xmlns:a14="http://schemas.microsoft.com/office/drawing/2010/main" val="0"/>
-              </a:ext>
-            </a:extLst>
-          </a:blip>
-          <a:stretch>
-            <a:fillRect/>
-          </a:stretch>
-        </p:blipFill>
+        </p:nvSpPr>
         <p:spPr>
           <a:xfrm>
-            <a:off x="2214384" y="1036815"/>
-            <a:ext cx="8208231" cy="4749130"/>
+            <a:off x="252980" y="300496"/>
+            <a:ext cx="11747000" cy="4524315"/>
           </a:xfrm>
           <a:prstGeom prst="rect">
             <a:avLst/>
           </a:prstGeom>
+          <a:noFill/>
         </p:spPr>
-      </p:pic>
+        <p:txBody>
+          <a:bodyPr wrap="square" rtlCol="0">
+            <a:spAutoFit/>
+          </a:bodyPr>
+          <a:lstStyle/>
+          <a:p>
+            <a:r>
+              <a:rPr lang="pt-PT" sz="2400" b="1" u="sng" dirty="0" smtClean="0"/>
+              <a:t>Conclusões Preliminares</a:t>
+            </a:r>
+            <a:endParaRPr lang="pt-PT" sz="2400" b="1" u="sng" dirty="0"/>
+          </a:p>
+          <a:p>
+            <a:endParaRPr lang="pt-PT" sz="2400" dirty="0" smtClean="0"/>
+          </a:p>
+          <a:p>
+            <a:endParaRPr lang="pt-PT" sz="2400" dirty="0" smtClean="0"/>
+          </a:p>
+          <a:p>
+            <a:pPr marL="342900" indent="-342900">
+              <a:buFont typeface="Arial" panose="020B0604020202020204" pitchFamily="34" charset="0"/>
+              <a:buChar char="•"/>
+            </a:pPr>
+            <a:endParaRPr lang="pt-PT" sz="2400" dirty="0" smtClean="0"/>
+          </a:p>
+          <a:p>
+            <a:pPr marL="342900" indent="-342900">
+              <a:buFont typeface="Arial" panose="020B0604020202020204" pitchFamily="34" charset="0"/>
+              <a:buChar char="•"/>
+            </a:pPr>
+            <a:r>
+              <a:rPr lang="pt-PT" sz="2400" dirty="0" smtClean="0"/>
+              <a:t>Proposta de projeto para desenvolver HMI adaptada ao processo de Fabrico Aditivo</a:t>
+            </a:r>
+          </a:p>
+          <a:p>
+            <a:pPr marL="342900" indent="-342900">
+              <a:buFont typeface="Arial" panose="020B0604020202020204" pitchFamily="34" charset="0"/>
+              <a:buChar char="•"/>
+            </a:pPr>
+            <a:endParaRPr lang="pt-PT" sz="2400" dirty="0"/>
+          </a:p>
+          <a:p>
+            <a:pPr marL="342900" indent="-342900">
+              <a:buFont typeface="Arial" panose="020B0604020202020204" pitchFamily="34" charset="0"/>
+              <a:buChar char="•"/>
+            </a:pPr>
+            <a:r>
+              <a:rPr lang="pt-PT" sz="2400" dirty="0" smtClean="0"/>
+              <a:t>Estudo do estado da arte onde se encontraram alguns casos relacionados</a:t>
+            </a:r>
+          </a:p>
+          <a:p>
+            <a:pPr marL="342900" indent="-342900">
+              <a:buFont typeface="Arial" panose="020B0604020202020204" pitchFamily="34" charset="0"/>
+              <a:buChar char="•"/>
+            </a:pPr>
+            <a:endParaRPr lang="pt-PT" sz="2400" dirty="0"/>
+          </a:p>
+          <a:p>
+            <a:pPr marL="342900" indent="-342900">
+              <a:buFont typeface="Arial" panose="020B0604020202020204" pitchFamily="34" charset="0"/>
+              <a:buChar char="•"/>
+            </a:pPr>
+            <a:r>
+              <a:rPr lang="pt-PT" sz="2400" dirty="0" smtClean="0"/>
+              <a:t>Desenvolvimento de um protótipo funcional </a:t>
+            </a:r>
+            <a:r>
+              <a:rPr lang="pt-PT" sz="2400" dirty="0" smtClean="0">
+                <a:sym typeface="Wingdings" panose="05000000000000000000" pitchFamily="2" charset="2"/>
+              </a:rPr>
+              <a:t>Arquitetura e tecnologias utilizadas validadas</a:t>
+            </a:r>
+            <a:endParaRPr lang="pt-PT" sz="2400" dirty="0" smtClean="0"/>
+          </a:p>
+          <a:p>
+            <a:pPr marL="342900" indent="-342900">
+              <a:buFont typeface="Arial" panose="020B0604020202020204" pitchFamily="34" charset="0"/>
+              <a:buChar char="•"/>
+            </a:pPr>
+            <a:endParaRPr lang="pt-PT" sz="2400" dirty="0"/>
+          </a:p>
+          <a:p>
+            <a:pPr marL="342900" indent="-342900">
+              <a:buFont typeface="Arial" panose="020B0604020202020204" pitchFamily="34" charset="0"/>
+              <a:buChar char="•"/>
+            </a:pPr>
+            <a:endParaRPr lang="pt-PT" sz="2400" dirty="0" smtClean="0"/>
+          </a:p>
+        </p:txBody>
+      </p:sp>
     </p:spTree>
     <p:extLst>
       <p:ext uri="{BB962C8B-B14F-4D97-AF65-F5344CB8AC3E}">
-        <p14:creationId xmlns:p14="http://schemas.microsoft.com/office/powerpoint/2010/main" val="2246701774"/>
+        <p14:creationId xmlns:p14="http://schemas.microsoft.com/office/powerpoint/2010/main" val="2252076618"/>
       </p:ext>
     </p:extLst>
   </p:cSld>
@@ -6833,332 +6580,97 @@
       </p:grpSpPr>
       <p:sp>
         <p:nvSpPr>
-          <p:cNvPr id="7" name="TextBox 6"/>
-          <p:cNvSpPr txBox="1"/>
-          <p:nvPr/>
-        </p:nvSpPr>
-        <p:spPr>
-          <a:xfrm>
-            <a:off x="445000" y="166025"/>
-            <a:ext cx="11271871" cy="8340745"/>
-          </a:xfrm>
-          <a:prstGeom prst="rect">
-            <a:avLst/>
-          </a:prstGeom>
-          <a:noFill/>
-        </p:spPr>
-        <p:txBody>
-          <a:bodyPr wrap="square" rtlCol="0">
-            <a:spAutoFit/>
-          </a:bodyPr>
-          <a:lstStyle/>
-          <a:p>
-            <a:r>
-              <a:rPr lang="pt-PT" sz="3200" b="1" dirty="0" smtClean="0"/>
-              <a:t>Sistemas Web-</a:t>
-            </a:r>
-            <a:r>
-              <a:rPr lang="pt-PT" sz="3200" b="1" dirty="0" err="1" smtClean="0"/>
-              <a:t>Based</a:t>
-            </a:r>
-            <a:r>
-              <a:rPr lang="pt-PT" sz="3200" b="1" dirty="0" smtClean="0"/>
-              <a:t> para Controlo e Automação</a:t>
-            </a:r>
-          </a:p>
-          <a:p>
-            <a:pPr marL="342900" indent="-342900">
-              <a:buFont typeface="Arial" panose="020B0604020202020204" pitchFamily="34" charset="0"/>
-              <a:buChar char="•"/>
-            </a:pPr>
-            <a:endParaRPr lang="pt-PT" sz="2400" dirty="0" smtClean="0"/>
-          </a:p>
-          <a:p>
-            <a:r>
-              <a:rPr lang="en-US" sz="2400" b="1" u="sng" dirty="0" err="1"/>
-              <a:t>Caso</a:t>
-            </a:r>
-            <a:r>
-              <a:rPr lang="en-US" sz="2400" b="1" u="sng" dirty="0"/>
-              <a:t> 1</a:t>
-            </a:r>
-          </a:p>
-          <a:p>
-            <a:pPr marL="342900" indent="-342900">
-              <a:buFont typeface="Arial" panose="020B0604020202020204" pitchFamily="34" charset="0"/>
-              <a:buChar char="•"/>
-            </a:pPr>
-            <a:endParaRPr lang="en-US" sz="2400" dirty="0" smtClean="0"/>
-          </a:p>
-          <a:p>
-            <a:pPr marL="342900" indent="-342900">
-              <a:buFont typeface="Arial" panose="020B0604020202020204" pitchFamily="34" charset="0"/>
-              <a:buChar char="•"/>
-            </a:pPr>
-            <a:endParaRPr lang="pt-PT" sz="2400" dirty="0" smtClean="0"/>
-          </a:p>
-          <a:p>
-            <a:pPr marL="342900" indent="-342900">
-              <a:buFont typeface="Arial" panose="020B0604020202020204" pitchFamily="34" charset="0"/>
-              <a:buChar char="•"/>
-            </a:pPr>
-            <a:endParaRPr lang="pt-PT" sz="2400" dirty="0"/>
-          </a:p>
-          <a:p>
-            <a:r>
-              <a:rPr lang="pt-PT" sz="2400" b="1" dirty="0" smtClean="0"/>
-              <a:t>Conclusão</a:t>
-            </a:r>
-            <a:r>
-              <a:rPr lang="pt-PT" sz="2400" dirty="0" smtClean="0"/>
-              <a:t>: </a:t>
-            </a:r>
-          </a:p>
-          <a:p>
-            <a:pPr marL="800100" lvl="1" indent="-342900">
-              <a:buFont typeface="Arial" panose="020B0604020202020204" pitchFamily="34" charset="0"/>
-              <a:buChar char="•"/>
-            </a:pPr>
-            <a:r>
-              <a:rPr lang="pt-PT" sz="2400" dirty="0" smtClean="0"/>
-              <a:t>Sucesso na disponibilização de experiências de controlo remotamente, que significa que esta arquitetura pode ser estendida a outras experiências de controlo</a:t>
-            </a:r>
-            <a:endParaRPr lang="pt-PT" sz="2400" dirty="0"/>
-          </a:p>
-          <a:p>
-            <a:endParaRPr lang="pt-PT" sz="2400" dirty="0"/>
-          </a:p>
-          <a:p>
-            <a:pPr marL="342900" indent="-342900">
-              <a:buFont typeface="Arial" panose="020B0604020202020204" pitchFamily="34" charset="0"/>
-              <a:buChar char="•"/>
-            </a:pPr>
-            <a:endParaRPr lang="pt-PT" sz="2400" dirty="0" smtClean="0"/>
-          </a:p>
-          <a:p>
-            <a:pPr marL="342900" indent="-342900">
-              <a:buFont typeface="Arial" panose="020B0604020202020204" pitchFamily="34" charset="0"/>
-              <a:buChar char="•"/>
-            </a:pPr>
-            <a:endParaRPr lang="pt-PT" sz="2400" dirty="0" smtClean="0"/>
-          </a:p>
-          <a:p>
-            <a:endParaRPr lang="pt-PT" sz="2400" dirty="0" smtClean="0"/>
-          </a:p>
-          <a:p>
-            <a:pPr marL="342900" indent="-342900">
-              <a:buFont typeface="Arial" panose="020B0604020202020204" pitchFamily="34" charset="0"/>
-              <a:buChar char="•"/>
-            </a:pPr>
-            <a:endParaRPr lang="pt-PT" sz="2400" dirty="0" smtClean="0"/>
-          </a:p>
-          <a:p>
-            <a:pPr marL="342900" indent="-342900">
-              <a:buFont typeface="Arial" panose="020B0604020202020204" pitchFamily="34" charset="0"/>
-              <a:buChar char="•"/>
-            </a:pPr>
-            <a:endParaRPr lang="pt-PT" sz="2400" dirty="0" smtClean="0"/>
-          </a:p>
-          <a:p>
-            <a:pPr marL="342900" indent="-342900">
-              <a:buFont typeface="Arial" panose="020B0604020202020204" pitchFamily="34" charset="0"/>
-              <a:buChar char="•"/>
-            </a:pPr>
-            <a:endParaRPr lang="pt-PT" sz="2400" dirty="0"/>
-          </a:p>
-          <a:p>
-            <a:pPr marL="342900" indent="-342900">
-              <a:buFont typeface="Arial" panose="020B0604020202020204" pitchFamily="34" charset="0"/>
-              <a:buChar char="•"/>
-            </a:pPr>
-            <a:endParaRPr lang="pt-PT" sz="2400" dirty="0" smtClean="0"/>
-          </a:p>
-          <a:p>
-            <a:pPr marL="342900" indent="-342900">
-              <a:buFont typeface="Arial" panose="020B0604020202020204" pitchFamily="34" charset="0"/>
-              <a:buChar char="•"/>
-            </a:pPr>
-            <a:endParaRPr lang="pt-PT" sz="2400" dirty="0" smtClean="0"/>
-          </a:p>
-          <a:p>
-            <a:pPr marL="342900" indent="-342900">
-              <a:buFont typeface="Arial" panose="020B0604020202020204" pitchFamily="34" charset="0"/>
-              <a:buChar char="•"/>
-            </a:pPr>
-            <a:endParaRPr lang="pt-PT" sz="2400" dirty="0" smtClean="0"/>
-          </a:p>
-          <a:p>
-            <a:pPr marL="342900" indent="-342900">
-              <a:buFont typeface="Arial" panose="020B0604020202020204" pitchFamily="34" charset="0"/>
-              <a:buChar char="•"/>
-            </a:pPr>
-            <a:endParaRPr lang="pt-PT" sz="2400" dirty="0" smtClean="0"/>
-          </a:p>
-          <a:p>
-            <a:pPr marL="342900" indent="-342900">
-              <a:buFont typeface="Arial" panose="020B0604020202020204" pitchFamily="34" charset="0"/>
-              <a:buChar char="•"/>
-            </a:pPr>
-            <a:endParaRPr lang="pt-PT" sz="2400" dirty="0"/>
-          </a:p>
-          <a:p>
-            <a:pPr marL="342900" indent="-342900">
-              <a:buFont typeface="Arial" panose="020B0604020202020204" pitchFamily="34" charset="0"/>
-              <a:buChar char="•"/>
-            </a:pPr>
-            <a:endParaRPr lang="pt-PT" sz="2400" dirty="0" smtClean="0"/>
-          </a:p>
-        </p:txBody>
-      </p:sp>
-      <p:sp>
-        <p:nvSpPr>
-          <p:cNvPr id="2" name="Slide Number Placeholder 1"/>
+          <p:cNvPr id="2" name="Title 1"/>
           <p:cNvSpPr>
             <a:spLocks noGrp="1"/>
           </p:cNvSpPr>
           <p:nvPr>
-            <p:ph type="sldNum" sz="quarter" idx="12"/>
+            <p:ph type="ctrTitle"/>
           </p:nvPr>
         </p:nvSpPr>
-        <p:spPr/>
+        <p:spPr>
+          <a:xfrm>
+            <a:off x="1097280" y="2013615"/>
+            <a:ext cx="10058400" cy="1453025"/>
+          </a:xfrm>
+        </p:spPr>
         <p:txBody>
           <a:bodyPr/>
           <a:lstStyle/>
           <a:p>
-            <a:fld id="{422D536B-584E-486B-9435-086987A3D916}" type="slidenum">
-              <a:rPr lang="pt-PT" smtClean="0"/>
-              <a:t>13</a:t>
-            </a:fld>
+            <a:pPr algn="ctr"/>
+            <a:r>
+              <a:rPr lang="pt-PT" dirty="0" smtClean="0"/>
+              <a:t>Questões?</a:t>
+            </a:r>
             <a:endParaRPr lang="pt-PT" dirty="0"/>
           </a:p>
         </p:txBody>
       </p:sp>
       <p:sp>
         <p:nvSpPr>
-          <p:cNvPr id="6" name="Slide Number Placeholder 5"/>
-          <p:cNvSpPr txBox="1">
-            <a:spLocks/>
+          <p:cNvPr id="3" name="Subtitle 2"/>
+          <p:cNvSpPr>
+            <a:spLocks noGrp="1"/>
           </p:cNvSpPr>
-          <p:nvPr/>
+          <p:nvPr>
+            <p:ph type="subTitle" idx="1"/>
+          </p:nvPr>
         </p:nvSpPr>
         <p:spPr>
           <a:xfrm>
-            <a:off x="0" y="6464982"/>
-            <a:ext cx="475129" cy="365125"/>
+            <a:off x="4084320" y="4002518"/>
+            <a:ext cx="4084320" cy="2124474"/>
           </a:xfrm>
-          <a:prstGeom prst="rect">
-            <a:avLst/>
-          </a:prstGeom>
         </p:spPr>
         <p:txBody>
-          <a:bodyPr vert="horz" lIns="91440" tIns="45720" rIns="91440" bIns="45720" rtlCol="0" anchor="ctr"/>
-          <a:lstStyle>
-            <a:defPPr>
-              <a:defRPr lang="en-US"/>
-            </a:defPPr>
-            <a:lvl1pPr marL="0" algn="r" defTabSz="457200" rtl="0" eaLnBrk="1" latinLnBrk="0" hangingPunct="1">
-              <a:defRPr sz="1050" kern="1200">
-                <a:solidFill>
-                  <a:srgbClr val="FFFFFF"/>
-                </a:solidFill>
-                <a:latin typeface="+mn-lt"/>
-                <a:ea typeface="+mn-ea"/>
-                <a:cs typeface="+mn-cs"/>
-              </a:defRPr>
-            </a:lvl1pPr>
-            <a:lvl2pPr marL="457200" algn="l" defTabSz="457200" rtl="0" eaLnBrk="1" latinLnBrk="0" hangingPunct="1">
-              <a:defRPr sz="1800" kern="1200">
-                <a:solidFill>
-                  <a:schemeClr val="tx1"/>
-                </a:solidFill>
-                <a:latin typeface="+mn-lt"/>
-                <a:ea typeface="+mn-ea"/>
-                <a:cs typeface="+mn-cs"/>
-              </a:defRPr>
-            </a:lvl2pPr>
-            <a:lvl3pPr marL="914400" algn="l" defTabSz="457200" rtl="0" eaLnBrk="1" latinLnBrk="0" hangingPunct="1">
-              <a:defRPr sz="1800" kern="1200">
-                <a:solidFill>
-                  <a:schemeClr val="tx1"/>
-                </a:solidFill>
-                <a:latin typeface="+mn-lt"/>
-                <a:ea typeface="+mn-ea"/>
-                <a:cs typeface="+mn-cs"/>
-              </a:defRPr>
-            </a:lvl3pPr>
-            <a:lvl4pPr marL="1371600" algn="l" defTabSz="457200" rtl="0" eaLnBrk="1" latinLnBrk="0" hangingPunct="1">
-              <a:defRPr sz="1800" kern="1200">
-                <a:solidFill>
-                  <a:schemeClr val="tx1"/>
-                </a:solidFill>
-                <a:latin typeface="+mn-lt"/>
-                <a:ea typeface="+mn-ea"/>
-                <a:cs typeface="+mn-cs"/>
-              </a:defRPr>
-            </a:lvl4pPr>
-            <a:lvl5pPr marL="1828800" algn="l" defTabSz="457200" rtl="0" eaLnBrk="1" latinLnBrk="0" hangingPunct="1">
-              <a:defRPr sz="1800" kern="1200">
-                <a:solidFill>
-                  <a:schemeClr val="tx1"/>
-                </a:solidFill>
-                <a:latin typeface="+mn-lt"/>
-                <a:ea typeface="+mn-ea"/>
-                <a:cs typeface="+mn-cs"/>
-              </a:defRPr>
-            </a:lvl5pPr>
-            <a:lvl6pPr marL="2286000" algn="l" defTabSz="457200" rtl="0" eaLnBrk="1" latinLnBrk="0" hangingPunct="1">
-              <a:defRPr sz="1800" kern="1200">
-                <a:solidFill>
-                  <a:schemeClr val="tx1"/>
-                </a:solidFill>
-                <a:latin typeface="+mn-lt"/>
-                <a:ea typeface="+mn-ea"/>
-                <a:cs typeface="+mn-cs"/>
-              </a:defRPr>
-            </a:lvl6pPr>
-            <a:lvl7pPr marL="2743200" algn="l" defTabSz="457200" rtl="0" eaLnBrk="1" latinLnBrk="0" hangingPunct="1">
-              <a:defRPr sz="1800" kern="1200">
-                <a:solidFill>
-                  <a:schemeClr val="tx1"/>
-                </a:solidFill>
-                <a:latin typeface="+mn-lt"/>
-                <a:ea typeface="+mn-ea"/>
-                <a:cs typeface="+mn-cs"/>
-              </a:defRPr>
-            </a:lvl7pPr>
-            <a:lvl8pPr marL="3200400" algn="l" defTabSz="457200" rtl="0" eaLnBrk="1" latinLnBrk="0" hangingPunct="1">
-              <a:defRPr sz="1800" kern="1200">
-                <a:solidFill>
-                  <a:schemeClr val="tx1"/>
-                </a:solidFill>
-                <a:latin typeface="+mn-lt"/>
-                <a:ea typeface="+mn-ea"/>
-                <a:cs typeface="+mn-cs"/>
-              </a:defRPr>
-            </a:lvl8pPr>
-            <a:lvl9pPr marL="3657600" algn="l" defTabSz="457200" rtl="0" eaLnBrk="1" latinLnBrk="0" hangingPunct="1">
-              <a:defRPr sz="1800" kern="1200">
-                <a:solidFill>
-                  <a:schemeClr val="tx1"/>
-                </a:solidFill>
-                <a:latin typeface="+mn-lt"/>
-                <a:ea typeface="+mn-ea"/>
-                <a:cs typeface="+mn-cs"/>
-              </a:defRPr>
-            </a:lvl9pPr>
-          </a:lstStyle>
+          <a:bodyPr>
+            <a:normAutofit fontScale="92500" lnSpcReduction="20000"/>
+          </a:bodyPr>
+          <a:lstStyle/>
+          <a:p>
+            <a:endParaRPr lang="pt-PT" dirty="0" smtClean="0"/>
+          </a:p>
+          <a:p>
+            <a:endParaRPr lang="pt-PT" dirty="0"/>
+          </a:p>
+          <a:p>
+            <a:endParaRPr lang="pt-PT" dirty="0" smtClean="0"/>
+          </a:p>
           <a:p>
             <a:r>
               <a:rPr lang="pt-PT" dirty="0" smtClean="0"/>
-              <a:t>IPVC</a:t>
-            </a:r>
+              <a:t>Marco </a:t>
+            </a:r>
+            <a:r>
+              <a:rPr lang="pt-PT" dirty="0"/>
+              <a:t>rodrigues </a:t>
+            </a:r>
+            <a:r>
+              <a:rPr lang="pt-PT" dirty="0" smtClean="0"/>
+              <a:t>nº4652</a:t>
+            </a:r>
+          </a:p>
+          <a:p>
+            <a:r>
+              <a:rPr lang="pt-PT" dirty="0" smtClean="0"/>
+              <a:t>marcorodrigues@ipvc.pt</a:t>
+            </a:r>
+          </a:p>
+          <a:p>
             <a:endParaRPr lang="pt-PT" dirty="0"/>
+          </a:p>
+          <a:p>
+            <a:endParaRPr lang="pt-PT" dirty="0" smtClean="0"/>
+          </a:p>
+          <a:p>
+            <a:endParaRPr lang="pt-PT" dirty="0" smtClean="0"/>
           </a:p>
         </p:txBody>
       </p:sp>
       <p:pic>
         <p:nvPicPr>
-          <p:cNvPr id="9" name="Picture 4"/>
+          <p:cNvPr id="5" name="Picture 4"/>
           <p:cNvPicPr>
             <a:picLocks noChangeAspect="1"/>
           </p:cNvPicPr>
@@ -7188,372 +6700,7 @@
       </p:pic>
       <p:sp>
         <p:nvSpPr>
-          <p:cNvPr id="10" name="Slide Number Placeholder 5"/>
-          <p:cNvSpPr txBox="1">
-            <a:spLocks/>
-          </p:cNvSpPr>
-          <p:nvPr/>
-        </p:nvSpPr>
-        <p:spPr>
-          <a:xfrm>
-            <a:off x="3908571" y="6492875"/>
-            <a:ext cx="4435818" cy="365125"/>
-          </a:xfrm>
-          <a:prstGeom prst="rect">
-            <a:avLst/>
-          </a:prstGeom>
-        </p:spPr>
-        <p:txBody>
-          <a:bodyPr vert="horz" lIns="91440" tIns="45720" rIns="91440" bIns="45720" rtlCol="0" anchor="ctr"/>
-          <a:lstStyle>
-            <a:defPPr>
-              <a:defRPr lang="en-US"/>
-            </a:defPPr>
-            <a:lvl1pPr marL="0" algn="r" defTabSz="457200" rtl="0" eaLnBrk="1" latinLnBrk="0" hangingPunct="1">
-              <a:defRPr sz="1050" kern="1200">
-                <a:solidFill>
-                  <a:srgbClr val="FFFFFF"/>
-                </a:solidFill>
-                <a:latin typeface="+mn-lt"/>
-                <a:ea typeface="+mn-ea"/>
-                <a:cs typeface="+mn-cs"/>
-              </a:defRPr>
-            </a:lvl1pPr>
-            <a:lvl2pPr marL="457200" algn="l" defTabSz="457200" rtl="0" eaLnBrk="1" latinLnBrk="0" hangingPunct="1">
-              <a:defRPr sz="1800" kern="1200">
-                <a:solidFill>
-                  <a:schemeClr val="tx1"/>
-                </a:solidFill>
-                <a:latin typeface="+mn-lt"/>
-                <a:ea typeface="+mn-ea"/>
-                <a:cs typeface="+mn-cs"/>
-              </a:defRPr>
-            </a:lvl2pPr>
-            <a:lvl3pPr marL="914400" algn="l" defTabSz="457200" rtl="0" eaLnBrk="1" latinLnBrk="0" hangingPunct="1">
-              <a:defRPr sz="1800" kern="1200">
-                <a:solidFill>
-                  <a:schemeClr val="tx1"/>
-                </a:solidFill>
-                <a:latin typeface="+mn-lt"/>
-                <a:ea typeface="+mn-ea"/>
-                <a:cs typeface="+mn-cs"/>
-              </a:defRPr>
-            </a:lvl3pPr>
-            <a:lvl4pPr marL="1371600" algn="l" defTabSz="457200" rtl="0" eaLnBrk="1" latinLnBrk="0" hangingPunct="1">
-              <a:defRPr sz="1800" kern="1200">
-                <a:solidFill>
-                  <a:schemeClr val="tx1"/>
-                </a:solidFill>
-                <a:latin typeface="+mn-lt"/>
-                <a:ea typeface="+mn-ea"/>
-                <a:cs typeface="+mn-cs"/>
-              </a:defRPr>
-            </a:lvl4pPr>
-            <a:lvl5pPr marL="1828800" algn="l" defTabSz="457200" rtl="0" eaLnBrk="1" latinLnBrk="0" hangingPunct="1">
-              <a:defRPr sz="1800" kern="1200">
-                <a:solidFill>
-                  <a:schemeClr val="tx1"/>
-                </a:solidFill>
-                <a:latin typeface="+mn-lt"/>
-                <a:ea typeface="+mn-ea"/>
-                <a:cs typeface="+mn-cs"/>
-              </a:defRPr>
-            </a:lvl5pPr>
-            <a:lvl6pPr marL="2286000" algn="l" defTabSz="457200" rtl="0" eaLnBrk="1" latinLnBrk="0" hangingPunct="1">
-              <a:defRPr sz="1800" kern="1200">
-                <a:solidFill>
-                  <a:schemeClr val="tx1"/>
-                </a:solidFill>
-                <a:latin typeface="+mn-lt"/>
-                <a:ea typeface="+mn-ea"/>
-                <a:cs typeface="+mn-cs"/>
-              </a:defRPr>
-            </a:lvl6pPr>
-            <a:lvl7pPr marL="2743200" algn="l" defTabSz="457200" rtl="0" eaLnBrk="1" latinLnBrk="0" hangingPunct="1">
-              <a:defRPr sz="1800" kern="1200">
-                <a:solidFill>
-                  <a:schemeClr val="tx1"/>
-                </a:solidFill>
-                <a:latin typeface="+mn-lt"/>
-                <a:ea typeface="+mn-ea"/>
-                <a:cs typeface="+mn-cs"/>
-              </a:defRPr>
-            </a:lvl7pPr>
-            <a:lvl8pPr marL="3200400" algn="l" defTabSz="457200" rtl="0" eaLnBrk="1" latinLnBrk="0" hangingPunct="1">
-              <a:defRPr sz="1800" kern="1200">
-                <a:solidFill>
-                  <a:schemeClr val="tx1"/>
-                </a:solidFill>
-                <a:latin typeface="+mn-lt"/>
-                <a:ea typeface="+mn-ea"/>
-                <a:cs typeface="+mn-cs"/>
-              </a:defRPr>
-            </a:lvl8pPr>
-            <a:lvl9pPr marL="3657600" algn="l" defTabSz="457200" rtl="0" eaLnBrk="1" latinLnBrk="0" hangingPunct="1">
-              <a:defRPr sz="1800" kern="1200">
-                <a:solidFill>
-                  <a:schemeClr val="tx1"/>
-                </a:solidFill>
-                <a:latin typeface="+mn-lt"/>
-                <a:ea typeface="+mn-ea"/>
-                <a:cs typeface="+mn-cs"/>
-              </a:defRPr>
-            </a:lvl9pPr>
-          </a:lstStyle>
-          <a:p>
-            <a:pPr algn="ctr"/>
-            <a:r>
-              <a:rPr lang="pt-PT" sz="1600" b="1" dirty="0" smtClean="0"/>
-              <a:t>HMI </a:t>
-            </a:r>
-            <a:r>
-              <a:rPr lang="pt-PT" sz="1600" b="1" dirty="0" smtClean="0"/>
-              <a:t>para Fabrico Aditivo – Estado da Arte</a:t>
-            </a:r>
-            <a:endParaRPr lang="pt-PT" sz="1600" b="1" dirty="0"/>
-          </a:p>
-        </p:txBody>
-      </p:sp>
-    </p:spTree>
-    <p:extLst>
-      <p:ext uri="{BB962C8B-B14F-4D97-AF65-F5344CB8AC3E}">
-        <p14:creationId xmlns:p14="http://schemas.microsoft.com/office/powerpoint/2010/main" val="32972464"/>
-      </p:ext>
-    </p:extLst>
-  </p:cSld>
-  <p:clrMapOvr>
-    <a:masterClrMapping/>
-  </p:clrMapOvr>
-  <p:timing>
-    <p:tnLst>
-      <p:par>
-        <p:cTn id="1" dur="indefinite" restart="never" nodeType="tmRoot"/>
-      </p:par>
-    </p:tnLst>
-  </p:timing>
-</p:sld>
-</file>
-
-<file path=ppt/slides/slide14.xml><?xml version="1.0" encoding="utf-8"?>
-<p:sld xmlns:a="http://schemas.openxmlformats.org/drawingml/2006/main" xmlns:r="http://schemas.openxmlformats.org/officeDocument/2006/relationships" xmlns:p="http://schemas.openxmlformats.org/presentationml/2006/main">
-  <p:cSld>
-    <p:spTree>
-      <p:nvGrpSpPr>
-        <p:cNvPr id="1" name=""/>
-        <p:cNvGrpSpPr/>
-        <p:nvPr/>
-      </p:nvGrpSpPr>
-      <p:grpSpPr>
-        <a:xfrm>
-          <a:off x="0" y="0"/>
-          <a:ext cx="0" cy="0"/>
-          <a:chOff x="0" y="0"/>
-          <a:chExt cx="0" cy="0"/>
-        </a:xfrm>
-      </p:grpSpPr>
-      <p:sp>
-        <p:nvSpPr>
-          <p:cNvPr id="7" name="TextBox 6"/>
-          <p:cNvSpPr txBox="1"/>
-          <p:nvPr/>
-        </p:nvSpPr>
-        <p:spPr>
-          <a:xfrm>
-            <a:off x="445000" y="166025"/>
-            <a:ext cx="11747000" cy="8586966"/>
-          </a:xfrm>
-          <a:prstGeom prst="rect">
-            <a:avLst/>
-          </a:prstGeom>
-          <a:noFill/>
-        </p:spPr>
-        <p:txBody>
-          <a:bodyPr wrap="square" rtlCol="0">
-            <a:spAutoFit/>
-          </a:bodyPr>
-          <a:lstStyle/>
-          <a:p>
-            <a:r>
-              <a:rPr lang="pt-PT" sz="3200" b="1" dirty="0"/>
-              <a:t>Sistemas Web-</a:t>
-            </a:r>
-            <a:r>
-              <a:rPr lang="pt-PT" sz="3200" b="1" dirty="0" err="1"/>
-              <a:t>Based</a:t>
-            </a:r>
-            <a:r>
-              <a:rPr lang="pt-PT" sz="3200" b="1" dirty="0"/>
-              <a:t> para Controlo e Automação</a:t>
-            </a:r>
-          </a:p>
-          <a:p>
-            <a:endParaRPr lang="pt-PT" sz="3200" b="1" dirty="0" smtClean="0"/>
-          </a:p>
-          <a:p>
-            <a:r>
-              <a:rPr lang="en-US" sz="2400" b="1" u="sng" dirty="0" err="1"/>
-              <a:t>Caso</a:t>
-            </a:r>
-            <a:r>
-              <a:rPr lang="en-US" sz="2400" b="1" u="sng" dirty="0"/>
-              <a:t> </a:t>
-            </a:r>
-            <a:r>
-              <a:rPr lang="en-US" sz="2400" b="1" u="sng" dirty="0" smtClean="0"/>
-              <a:t>2</a:t>
-            </a:r>
-            <a:endParaRPr lang="en-US" sz="2400" b="1" u="sng" dirty="0"/>
-          </a:p>
-          <a:p>
-            <a:endParaRPr lang="pt-PT" sz="2400" dirty="0" smtClean="0"/>
-          </a:p>
-          <a:p>
-            <a:pPr marL="342900" indent="-342900">
-              <a:buFont typeface="Arial" panose="020B0604020202020204" pitchFamily="34" charset="0"/>
-              <a:buChar char="•"/>
-            </a:pPr>
-            <a:r>
-              <a:rPr lang="pt-PT" sz="2400" dirty="0" smtClean="0"/>
-              <a:t>Caso Real -&gt; Markforged: Marca de impressoras 3D</a:t>
-            </a:r>
-          </a:p>
-          <a:p>
-            <a:endParaRPr lang="pt-PT" sz="2400" dirty="0" smtClean="0"/>
-          </a:p>
-          <a:p>
-            <a:pPr marL="342900" indent="-342900">
-              <a:buFont typeface="Arial" panose="020B0604020202020204" pitchFamily="34" charset="0"/>
-              <a:buChar char="•"/>
-            </a:pPr>
-            <a:r>
-              <a:rPr lang="pt-PT" sz="2400" dirty="0" smtClean="0"/>
-              <a:t>Possui software web-based que permite:</a:t>
-            </a:r>
-          </a:p>
-          <a:p>
-            <a:pPr marL="800100" lvl="1" indent="-342900">
-              <a:buFont typeface="Arial" panose="020B0604020202020204" pitchFamily="34" charset="0"/>
-              <a:buChar char="•"/>
-            </a:pPr>
-            <a:r>
-              <a:rPr lang="pt-PT" sz="2400" dirty="0" smtClean="0"/>
-              <a:t>Enviar ficheiros de peças para serem impressas</a:t>
-            </a:r>
-          </a:p>
-          <a:p>
-            <a:pPr marL="800100" lvl="1" indent="-342900">
-              <a:buFont typeface="Arial" panose="020B0604020202020204" pitchFamily="34" charset="0"/>
-              <a:buChar char="•"/>
-            </a:pPr>
-            <a:r>
-              <a:rPr lang="pt-PT" sz="2400" dirty="0" smtClean="0"/>
-              <a:t>Alterar peça: dimensões, posicionamento, material, etc</a:t>
-            </a:r>
-          </a:p>
-          <a:p>
-            <a:pPr marL="800100" lvl="1" indent="-342900">
-              <a:buFont typeface="Arial" panose="020B0604020202020204" pitchFamily="34" charset="0"/>
-              <a:buChar char="•"/>
-            </a:pPr>
-            <a:r>
-              <a:rPr lang="pt-PT" sz="2400" dirty="0" smtClean="0"/>
-              <a:t>Monitorizar parâmetros de impressão em tempo real</a:t>
-            </a:r>
-          </a:p>
-          <a:p>
-            <a:pPr marL="800100" lvl="1" indent="-342900">
-              <a:buFont typeface="Arial" panose="020B0604020202020204" pitchFamily="34" charset="0"/>
-              <a:buChar char="•"/>
-            </a:pPr>
-            <a:r>
-              <a:rPr lang="pt-PT" sz="2400" dirty="0" smtClean="0"/>
-              <a:t>Armazenamento e gestão das peças que já foram impressas</a:t>
-            </a:r>
-          </a:p>
-          <a:p>
-            <a:pPr marL="800100" lvl="1" indent="-342900">
-              <a:buFont typeface="Arial" panose="020B0604020202020204" pitchFamily="34" charset="0"/>
-              <a:buChar char="•"/>
-            </a:pPr>
-            <a:r>
-              <a:rPr lang="pt-PT" sz="2400" dirty="0" smtClean="0"/>
-              <a:t>Visualizar uma peça em 2D e 3D</a:t>
-            </a:r>
-          </a:p>
-          <a:p>
-            <a:pPr marL="800100" lvl="1" indent="-342900">
-              <a:buFont typeface="Arial" panose="020B0604020202020204" pitchFamily="34" charset="0"/>
-              <a:buChar char="•"/>
-            </a:pPr>
-            <a:r>
-              <a:rPr lang="pt-PT" sz="2400" dirty="0" smtClean="0"/>
-              <a:t>Visualizar camadas de impressão</a:t>
-            </a:r>
-          </a:p>
-          <a:p>
-            <a:endParaRPr lang="pt-PT" sz="2400" dirty="0" smtClean="0"/>
-          </a:p>
-          <a:p>
-            <a:pPr marL="342900" indent="-342900">
-              <a:buFont typeface="Arial" panose="020B0604020202020204" pitchFamily="34" charset="0"/>
-              <a:buChar char="•"/>
-            </a:pPr>
-            <a:endParaRPr lang="pt-PT" sz="2400" dirty="0" smtClean="0"/>
-          </a:p>
-          <a:p>
-            <a:pPr marL="342900" indent="-342900">
-              <a:buFont typeface="Arial" panose="020B0604020202020204" pitchFamily="34" charset="0"/>
-              <a:buChar char="•"/>
-            </a:pPr>
-            <a:endParaRPr lang="pt-PT" sz="2400" dirty="0"/>
-          </a:p>
-          <a:p>
-            <a:pPr marL="342900" indent="-342900">
-              <a:buFont typeface="Arial" panose="020B0604020202020204" pitchFamily="34" charset="0"/>
-              <a:buChar char="•"/>
-            </a:pPr>
-            <a:endParaRPr lang="pt-PT" sz="2400" dirty="0" smtClean="0"/>
-          </a:p>
-          <a:p>
-            <a:pPr marL="342900" indent="-342900">
-              <a:buFont typeface="Arial" panose="020B0604020202020204" pitchFamily="34" charset="0"/>
-              <a:buChar char="•"/>
-            </a:pPr>
-            <a:endParaRPr lang="pt-PT" sz="2400" dirty="0" smtClean="0"/>
-          </a:p>
-          <a:p>
-            <a:pPr marL="342900" indent="-342900">
-              <a:buFont typeface="Arial" panose="020B0604020202020204" pitchFamily="34" charset="0"/>
-              <a:buChar char="•"/>
-            </a:pPr>
-            <a:endParaRPr lang="pt-PT" sz="2400" dirty="0" smtClean="0"/>
-          </a:p>
-          <a:p>
-            <a:pPr marL="342900" indent="-342900">
-              <a:buFont typeface="Arial" panose="020B0604020202020204" pitchFamily="34" charset="0"/>
-              <a:buChar char="•"/>
-            </a:pPr>
-            <a:endParaRPr lang="pt-PT" sz="2400" dirty="0" smtClean="0"/>
-          </a:p>
-          <a:p>
-            <a:pPr marL="342900" indent="-342900">
-              <a:buFont typeface="Arial" panose="020B0604020202020204" pitchFamily="34" charset="0"/>
-              <a:buChar char="•"/>
-            </a:pPr>
-            <a:endParaRPr lang="pt-PT" sz="2400" dirty="0"/>
-          </a:p>
-          <a:p>
-            <a:pPr marL="342900" indent="-342900">
-              <a:buFont typeface="Arial" panose="020B0604020202020204" pitchFamily="34" charset="0"/>
-              <a:buChar char="•"/>
-            </a:pPr>
-            <a:endParaRPr lang="pt-PT" sz="2400" dirty="0" smtClean="0"/>
-          </a:p>
-        </p:txBody>
-      </p:sp>
-      <p:sp>
-        <p:nvSpPr>
-          <p:cNvPr id="2" name="Slide Number Placeholder 1"/>
+          <p:cNvPr id="6" name="Slide Number Placeholder 5"/>
           <p:cNvSpPr>
             <a:spLocks noGrp="1"/>
           </p:cNvSpPr>
@@ -7568,7 +6715,7 @@
           <a:p>
             <a:fld id="{422D536B-584E-486B-9435-086987A3D916}" type="slidenum">
               <a:rPr lang="pt-PT" smtClean="0"/>
-              <a:t>14</a:t>
+              <a:t>13</a:t>
             </a:fld>
             <a:endParaRPr lang="pt-PT" dirty="0"/>
           </a:p>
@@ -7576,7 +6723,7 @@
       </p:sp>
       <p:sp>
         <p:nvSpPr>
-          <p:cNvPr id="6" name="Slide Number Placeholder 5"/>
+          <p:cNvPr id="8" name="Slide Number Placeholder 5"/>
           <p:cNvSpPr txBox="1">
             <a:spLocks/>
           </p:cNvSpPr>
@@ -7699,165 +6846,7 @@
       </p:sp>
       <p:pic>
         <p:nvPicPr>
-          <p:cNvPr id="9" name="Picture 4"/>
-          <p:cNvPicPr>
-            <a:picLocks noChangeAspect="1"/>
-          </p:cNvPicPr>
-          <p:nvPr/>
-        </p:nvPicPr>
-        <p:blipFill>
-          <a:blip r:embed="rId2" cstate="print">
-            <a:extLst>
-              <a:ext uri="{28A0092B-C50C-407E-A947-70E740481C1C}">
-                <a14:useLocalDpi xmlns:a14="http://schemas.microsoft.com/office/drawing/2010/main" val="0"/>
-              </a:ext>
-            </a:extLst>
-          </a:blip>
-          <a:stretch>
-            <a:fillRect/>
-          </a:stretch>
-        </p:blipFill>
-        <p:spPr>
-          <a:xfrm>
-            <a:off x="10468855" y="300496"/>
-            <a:ext cx="1373649" cy="916911"/>
-          </a:xfrm>
-          <a:prstGeom prst="rect">
-            <a:avLst/>
-          </a:prstGeom>
-        </p:spPr>
-      </p:pic>
-      <p:sp>
-        <p:nvSpPr>
-          <p:cNvPr id="10" name="Slide Number Placeholder 5"/>
-          <p:cNvSpPr txBox="1">
-            <a:spLocks/>
-          </p:cNvSpPr>
-          <p:nvPr/>
-        </p:nvSpPr>
-        <p:spPr>
-          <a:xfrm>
-            <a:off x="3908571" y="6492875"/>
-            <a:ext cx="4435818" cy="365125"/>
-          </a:xfrm>
-          <a:prstGeom prst="rect">
-            <a:avLst/>
-          </a:prstGeom>
-        </p:spPr>
-        <p:txBody>
-          <a:bodyPr vert="horz" lIns="91440" tIns="45720" rIns="91440" bIns="45720" rtlCol="0" anchor="ctr"/>
-          <a:lstStyle>
-            <a:defPPr>
-              <a:defRPr lang="en-US"/>
-            </a:defPPr>
-            <a:lvl1pPr marL="0" algn="r" defTabSz="457200" rtl="0" eaLnBrk="1" latinLnBrk="0" hangingPunct="1">
-              <a:defRPr sz="1050" kern="1200">
-                <a:solidFill>
-                  <a:srgbClr val="FFFFFF"/>
-                </a:solidFill>
-                <a:latin typeface="+mn-lt"/>
-                <a:ea typeface="+mn-ea"/>
-                <a:cs typeface="+mn-cs"/>
-              </a:defRPr>
-            </a:lvl1pPr>
-            <a:lvl2pPr marL="457200" algn="l" defTabSz="457200" rtl="0" eaLnBrk="1" latinLnBrk="0" hangingPunct="1">
-              <a:defRPr sz="1800" kern="1200">
-                <a:solidFill>
-                  <a:schemeClr val="tx1"/>
-                </a:solidFill>
-                <a:latin typeface="+mn-lt"/>
-                <a:ea typeface="+mn-ea"/>
-                <a:cs typeface="+mn-cs"/>
-              </a:defRPr>
-            </a:lvl2pPr>
-            <a:lvl3pPr marL="914400" algn="l" defTabSz="457200" rtl="0" eaLnBrk="1" latinLnBrk="0" hangingPunct="1">
-              <a:defRPr sz="1800" kern="1200">
-                <a:solidFill>
-                  <a:schemeClr val="tx1"/>
-                </a:solidFill>
-                <a:latin typeface="+mn-lt"/>
-                <a:ea typeface="+mn-ea"/>
-                <a:cs typeface="+mn-cs"/>
-              </a:defRPr>
-            </a:lvl3pPr>
-            <a:lvl4pPr marL="1371600" algn="l" defTabSz="457200" rtl="0" eaLnBrk="1" latinLnBrk="0" hangingPunct="1">
-              <a:defRPr sz="1800" kern="1200">
-                <a:solidFill>
-                  <a:schemeClr val="tx1"/>
-                </a:solidFill>
-                <a:latin typeface="+mn-lt"/>
-                <a:ea typeface="+mn-ea"/>
-                <a:cs typeface="+mn-cs"/>
-              </a:defRPr>
-            </a:lvl4pPr>
-            <a:lvl5pPr marL="1828800" algn="l" defTabSz="457200" rtl="0" eaLnBrk="1" latinLnBrk="0" hangingPunct="1">
-              <a:defRPr sz="1800" kern="1200">
-                <a:solidFill>
-                  <a:schemeClr val="tx1"/>
-                </a:solidFill>
-                <a:latin typeface="+mn-lt"/>
-                <a:ea typeface="+mn-ea"/>
-                <a:cs typeface="+mn-cs"/>
-              </a:defRPr>
-            </a:lvl5pPr>
-            <a:lvl6pPr marL="2286000" algn="l" defTabSz="457200" rtl="0" eaLnBrk="1" latinLnBrk="0" hangingPunct="1">
-              <a:defRPr sz="1800" kern="1200">
-                <a:solidFill>
-                  <a:schemeClr val="tx1"/>
-                </a:solidFill>
-                <a:latin typeface="+mn-lt"/>
-                <a:ea typeface="+mn-ea"/>
-                <a:cs typeface="+mn-cs"/>
-              </a:defRPr>
-            </a:lvl6pPr>
-            <a:lvl7pPr marL="2743200" algn="l" defTabSz="457200" rtl="0" eaLnBrk="1" latinLnBrk="0" hangingPunct="1">
-              <a:defRPr sz="1800" kern="1200">
-                <a:solidFill>
-                  <a:schemeClr val="tx1"/>
-                </a:solidFill>
-                <a:latin typeface="+mn-lt"/>
-                <a:ea typeface="+mn-ea"/>
-                <a:cs typeface="+mn-cs"/>
-              </a:defRPr>
-            </a:lvl7pPr>
-            <a:lvl8pPr marL="3200400" algn="l" defTabSz="457200" rtl="0" eaLnBrk="1" latinLnBrk="0" hangingPunct="1">
-              <a:defRPr sz="1800" kern="1200">
-                <a:solidFill>
-                  <a:schemeClr val="tx1"/>
-                </a:solidFill>
-                <a:latin typeface="+mn-lt"/>
-                <a:ea typeface="+mn-ea"/>
-                <a:cs typeface="+mn-cs"/>
-              </a:defRPr>
-            </a:lvl8pPr>
-            <a:lvl9pPr marL="3657600" algn="l" defTabSz="457200" rtl="0" eaLnBrk="1" latinLnBrk="0" hangingPunct="1">
-              <a:defRPr sz="1800" kern="1200">
-                <a:solidFill>
-                  <a:schemeClr val="tx1"/>
-                </a:solidFill>
-                <a:latin typeface="+mn-lt"/>
-                <a:ea typeface="+mn-ea"/>
-                <a:cs typeface="+mn-cs"/>
-              </a:defRPr>
-            </a:lvl9pPr>
-          </a:lstStyle>
-          <a:p>
-            <a:pPr algn="ctr"/>
-            <a:r>
-              <a:rPr lang="pt-PT" sz="1600" b="1" dirty="0" smtClean="0"/>
-              <a:t>HMI </a:t>
-            </a:r>
-            <a:r>
-              <a:rPr lang="pt-PT" sz="1600" b="1" dirty="0" smtClean="0"/>
-              <a:t>para Fabrico Aditivo – Estado da Arte</a:t>
-            </a:r>
-            <a:endParaRPr lang="pt-PT" sz="1600" b="1" dirty="0"/>
-          </a:p>
-        </p:txBody>
-      </p:sp>
-      <p:pic>
-        <p:nvPicPr>
-          <p:cNvPr id="3" name="Picture 2"/>
+          <p:cNvPr id="11" name="Imagem 10"/>
           <p:cNvPicPr>
             <a:picLocks noChangeAspect="1"/>
           </p:cNvPicPr>
@@ -7877,347 +6866,17 @@
         </p:blipFill>
         <p:spPr>
           <a:xfrm>
-            <a:off x="7282706" y="1217407"/>
-            <a:ext cx="2617752" cy="1671299"/>
+            <a:off x="0" y="300496"/>
+            <a:ext cx="1555746" cy="1037905"/>
           </a:xfrm>
           <a:prstGeom prst="rect">
             <a:avLst/>
           </a:prstGeom>
         </p:spPr>
       </p:pic>
-    </p:spTree>
-    <p:extLst>
-      <p:ext uri="{BB962C8B-B14F-4D97-AF65-F5344CB8AC3E}">
-        <p14:creationId xmlns:p14="http://schemas.microsoft.com/office/powerpoint/2010/main" val="1796285942"/>
-      </p:ext>
-    </p:extLst>
-  </p:cSld>
-  <p:clrMapOvr>
-    <a:masterClrMapping/>
-  </p:clrMapOvr>
-  <p:timing>
-    <p:tnLst>
-      <p:par>
-        <p:cTn id="1" dur="indefinite" restart="never" nodeType="tmRoot"/>
-      </p:par>
-    </p:tnLst>
-  </p:timing>
-</p:sld>
-</file>
-
-<file path=ppt/slides/slide15.xml><?xml version="1.0" encoding="utf-8"?>
-<p:sld xmlns:a="http://schemas.openxmlformats.org/drawingml/2006/main" xmlns:r="http://schemas.openxmlformats.org/officeDocument/2006/relationships" xmlns:p="http://schemas.openxmlformats.org/presentationml/2006/main">
-  <p:cSld>
-    <p:spTree>
-      <p:nvGrpSpPr>
-        <p:cNvPr id="1" name=""/>
-        <p:cNvGrpSpPr/>
-        <p:nvPr/>
-      </p:nvGrpSpPr>
-      <p:grpSpPr>
-        <a:xfrm>
-          <a:off x="0" y="0"/>
-          <a:ext cx="0" cy="0"/>
-          <a:chOff x="0" y="0"/>
-          <a:chExt cx="0" cy="0"/>
-        </a:xfrm>
-      </p:grpSpPr>
-      <p:sp>
-        <p:nvSpPr>
-          <p:cNvPr id="7" name="TextBox 6"/>
-          <p:cNvSpPr txBox="1"/>
-          <p:nvPr/>
-        </p:nvSpPr>
-        <p:spPr>
-          <a:xfrm>
-            <a:off x="445000" y="166025"/>
-            <a:ext cx="11747000" cy="5139869"/>
-          </a:xfrm>
-          <a:prstGeom prst="rect">
-            <a:avLst/>
-          </a:prstGeom>
-          <a:noFill/>
-        </p:spPr>
-        <p:txBody>
-          <a:bodyPr wrap="square" rtlCol="0">
-            <a:spAutoFit/>
-          </a:bodyPr>
-          <a:lstStyle/>
-          <a:p>
-            <a:r>
-              <a:rPr lang="pt-PT" sz="3200" b="1" dirty="0"/>
-              <a:t>Sistemas Web-</a:t>
-            </a:r>
-            <a:r>
-              <a:rPr lang="pt-PT" sz="3200" b="1" dirty="0" err="1"/>
-              <a:t>Based</a:t>
-            </a:r>
-            <a:r>
-              <a:rPr lang="pt-PT" sz="3200" b="1" dirty="0"/>
-              <a:t> para Controlo e Automação</a:t>
-            </a:r>
-          </a:p>
-          <a:p>
-            <a:endParaRPr lang="pt-PT" sz="3200" b="1" dirty="0" smtClean="0"/>
-          </a:p>
-          <a:p>
-            <a:r>
-              <a:rPr lang="en-US" sz="2400" b="1" u="sng" dirty="0" err="1"/>
-              <a:t>Caso</a:t>
-            </a:r>
-            <a:r>
-              <a:rPr lang="en-US" sz="2400" b="1" u="sng" dirty="0"/>
-              <a:t> </a:t>
-            </a:r>
-            <a:r>
-              <a:rPr lang="en-US" sz="2400" b="1" u="sng" dirty="0" smtClean="0"/>
-              <a:t>2</a:t>
-            </a:r>
-            <a:endParaRPr lang="en-US" sz="2400" b="1" u="sng" dirty="0"/>
-          </a:p>
-          <a:p>
-            <a:endParaRPr lang="pt-PT" sz="2400" dirty="0"/>
-          </a:p>
-          <a:p>
-            <a:endParaRPr lang="pt-PT" sz="2400" dirty="0" smtClean="0"/>
-          </a:p>
-          <a:p>
-            <a:pPr marL="342900" indent="-342900">
-              <a:buFont typeface="Arial" panose="020B0604020202020204" pitchFamily="34" charset="0"/>
-              <a:buChar char="•"/>
-            </a:pPr>
-            <a:endParaRPr lang="pt-PT" sz="2400" dirty="0" smtClean="0"/>
-          </a:p>
-          <a:p>
-            <a:pPr marL="342900" indent="-342900">
-              <a:buFont typeface="Arial" panose="020B0604020202020204" pitchFamily="34" charset="0"/>
-              <a:buChar char="•"/>
-            </a:pPr>
-            <a:endParaRPr lang="pt-PT" sz="2400" dirty="0"/>
-          </a:p>
-          <a:p>
-            <a:pPr marL="342900" indent="-342900">
-              <a:buFont typeface="Arial" panose="020B0604020202020204" pitchFamily="34" charset="0"/>
-              <a:buChar char="•"/>
-            </a:pPr>
-            <a:endParaRPr lang="pt-PT" sz="2400" dirty="0" smtClean="0"/>
-          </a:p>
-          <a:p>
-            <a:pPr marL="342900" indent="-342900">
-              <a:buFont typeface="Arial" panose="020B0604020202020204" pitchFamily="34" charset="0"/>
-              <a:buChar char="•"/>
-            </a:pPr>
-            <a:endParaRPr lang="pt-PT" sz="2400" dirty="0" smtClean="0"/>
-          </a:p>
-          <a:p>
-            <a:pPr marL="342900" indent="-342900">
-              <a:buFont typeface="Arial" panose="020B0604020202020204" pitchFamily="34" charset="0"/>
-              <a:buChar char="•"/>
-            </a:pPr>
-            <a:endParaRPr lang="pt-PT" sz="2400" dirty="0" smtClean="0"/>
-          </a:p>
-          <a:p>
-            <a:pPr marL="342900" indent="-342900">
-              <a:buFont typeface="Arial" panose="020B0604020202020204" pitchFamily="34" charset="0"/>
-              <a:buChar char="•"/>
-            </a:pPr>
-            <a:endParaRPr lang="pt-PT" sz="2400" dirty="0" smtClean="0"/>
-          </a:p>
-          <a:p>
-            <a:pPr marL="342900" indent="-342900">
-              <a:buFont typeface="Arial" panose="020B0604020202020204" pitchFamily="34" charset="0"/>
-              <a:buChar char="•"/>
-            </a:pPr>
-            <a:endParaRPr lang="pt-PT" sz="2400" dirty="0"/>
-          </a:p>
-          <a:p>
-            <a:pPr marL="342900" indent="-342900">
-              <a:buFont typeface="Arial" panose="020B0604020202020204" pitchFamily="34" charset="0"/>
-              <a:buChar char="•"/>
-            </a:pPr>
-            <a:endParaRPr lang="pt-PT" sz="2400" dirty="0" smtClean="0"/>
-          </a:p>
-        </p:txBody>
-      </p:sp>
-      <p:sp>
-        <p:nvSpPr>
-          <p:cNvPr id="2" name="Slide Number Placeholder 1"/>
-          <p:cNvSpPr>
-            <a:spLocks noGrp="1"/>
-          </p:cNvSpPr>
-          <p:nvPr>
-            <p:ph type="sldNum" sz="quarter" idx="12"/>
-          </p:nvPr>
-        </p:nvSpPr>
-        <p:spPr/>
-        <p:txBody>
-          <a:bodyPr/>
-          <a:lstStyle/>
-          <a:p>
-            <a:fld id="{422D536B-584E-486B-9435-086987A3D916}" type="slidenum">
-              <a:rPr lang="pt-PT" smtClean="0"/>
-              <a:t>15</a:t>
-            </a:fld>
-            <a:endParaRPr lang="pt-PT" dirty="0"/>
-          </a:p>
-        </p:txBody>
-      </p:sp>
-      <p:sp>
-        <p:nvSpPr>
-          <p:cNvPr id="6" name="Slide Number Placeholder 5"/>
-          <p:cNvSpPr txBox="1">
-            <a:spLocks/>
-          </p:cNvSpPr>
-          <p:nvPr/>
-        </p:nvSpPr>
-        <p:spPr>
-          <a:xfrm>
-            <a:off x="0" y="6464982"/>
-            <a:ext cx="475129" cy="365125"/>
-          </a:xfrm>
-          <a:prstGeom prst="rect">
-            <a:avLst/>
-          </a:prstGeom>
-        </p:spPr>
-        <p:txBody>
-          <a:bodyPr vert="horz" lIns="91440" tIns="45720" rIns="91440" bIns="45720" rtlCol="0" anchor="ctr"/>
-          <a:lstStyle>
-            <a:defPPr>
-              <a:defRPr lang="en-US"/>
-            </a:defPPr>
-            <a:lvl1pPr marL="0" algn="r" defTabSz="457200" rtl="0" eaLnBrk="1" latinLnBrk="0" hangingPunct="1">
-              <a:defRPr sz="1050" kern="1200">
-                <a:solidFill>
-                  <a:srgbClr val="FFFFFF"/>
-                </a:solidFill>
-                <a:latin typeface="+mn-lt"/>
-                <a:ea typeface="+mn-ea"/>
-                <a:cs typeface="+mn-cs"/>
-              </a:defRPr>
-            </a:lvl1pPr>
-            <a:lvl2pPr marL="457200" algn="l" defTabSz="457200" rtl="0" eaLnBrk="1" latinLnBrk="0" hangingPunct="1">
-              <a:defRPr sz="1800" kern="1200">
-                <a:solidFill>
-                  <a:schemeClr val="tx1"/>
-                </a:solidFill>
-                <a:latin typeface="+mn-lt"/>
-                <a:ea typeface="+mn-ea"/>
-                <a:cs typeface="+mn-cs"/>
-              </a:defRPr>
-            </a:lvl2pPr>
-            <a:lvl3pPr marL="914400" algn="l" defTabSz="457200" rtl="0" eaLnBrk="1" latinLnBrk="0" hangingPunct="1">
-              <a:defRPr sz="1800" kern="1200">
-                <a:solidFill>
-                  <a:schemeClr val="tx1"/>
-                </a:solidFill>
-                <a:latin typeface="+mn-lt"/>
-                <a:ea typeface="+mn-ea"/>
-                <a:cs typeface="+mn-cs"/>
-              </a:defRPr>
-            </a:lvl3pPr>
-            <a:lvl4pPr marL="1371600" algn="l" defTabSz="457200" rtl="0" eaLnBrk="1" latinLnBrk="0" hangingPunct="1">
-              <a:defRPr sz="1800" kern="1200">
-                <a:solidFill>
-                  <a:schemeClr val="tx1"/>
-                </a:solidFill>
-                <a:latin typeface="+mn-lt"/>
-                <a:ea typeface="+mn-ea"/>
-                <a:cs typeface="+mn-cs"/>
-              </a:defRPr>
-            </a:lvl4pPr>
-            <a:lvl5pPr marL="1828800" algn="l" defTabSz="457200" rtl="0" eaLnBrk="1" latinLnBrk="0" hangingPunct="1">
-              <a:defRPr sz="1800" kern="1200">
-                <a:solidFill>
-                  <a:schemeClr val="tx1"/>
-                </a:solidFill>
-                <a:latin typeface="+mn-lt"/>
-                <a:ea typeface="+mn-ea"/>
-                <a:cs typeface="+mn-cs"/>
-              </a:defRPr>
-            </a:lvl5pPr>
-            <a:lvl6pPr marL="2286000" algn="l" defTabSz="457200" rtl="0" eaLnBrk="1" latinLnBrk="0" hangingPunct="1">
-              <a:defRPr sz="1800" kern="1200">
-                <a:solidFill>
-                  <a:schemeClr val="tx1"/>
-                </a:solidFill>
-                <a:latin typeface="+mn-lt"/>
-                <a:ea typeface="+mn-ea"/>
-                <a:cs typeface="+mn-cs"/>
-              </a:defRPr>
-            </a:lvl6pPr>
-            <a:lvl7pPr marL="2743200" algn="l" defTabSz="457200" rtl="0" eaLnBrk="1" latinLnBrk="0" hangingPunct="1">
-              <a:defRPr sz="1800" kern="1200">
-                <a:solidFill>
-                  <a:schemeClr val="tx1"/>
-                </a:solidFill>
-                <a:latin typeface="+mn-lt"/>
-                <a:ea typeface="+mn-ea"/>
-                <a:cs typeface="+mn-cs"/>
-              </a:defRPr>
-            </a:lvl7pPr>
-            <a:lvl8pPr marL="3200400" algn="l" defTabSz="457200" rtl="0" eaLnBrk="1" latinLnBrk="0" hangingPunct="1">
-              <a:defRPr sz="1800" kern="1200">
-                <a:solidFill>
-                  <a:schemeClr val="tx1"/>
-                </a:solidFill>
-                <a:latin typeface="+mn-lt"/>
-                <a:ea typeface="+mn-ea"/>
-                <a:cs typeface="+mn-cs"/>
-              </a:defRPr>
-            </a:lvl8pPr>
-            <a:lvl9pPr marL="3657600" algn="l" defTabSz="457200" rtl="0" eaLnBrk="1" latinLnBrk="0" hangingPunct="1">
-              <a:defRPr sz="1800" kern="1200">
-                <a:solidFill>
-                  <a:schemeClr val="tx1"/>
-                </a:solidFill>
-                <a:latin typeface="+mn-lt"/>
-                <a:ea typeface="+mn-ea"/>
-                <a:cs typeface="+mn-cs"/>
-              </a:defRPr>
-            </a:lvl9pPr>
-          </a:lstStyle>
-          <a:p>
-            <a:r>
-              <a:rPr lang="pt-PT" dirty="0" smtClean="0"/>
-              <a:t>IPVC</a:t>
-            </a:r>
-            <a:endParaRPr lang="pt-PT" dirty="0"/>
-          </a:p>
-        </p:txBody>
-      </p:sp>
-      <p:pic>
-        <p:nvPicPr>
-          <p:cNvPr id="9" name="Picture 4"/>
-          <p:cNvPicPr>
-            <a:picLocks noChangeAspect="1"/>
-          </p:cNvPicPr>
-          <p:nvPr/>
-        </p:nvPicPr>
-        <p:blipFill>
-          <a:blip r:embed="rId2" cstate="print">
-            <a:extLst>
-              <a:ext uri="{28A0092B-C50C-407E-A947-70E740481C1C}">
-                <a14:useLocalDpi xmlns:a14="http://schemas.microsoft.com/office/drawing/2010/main" val="0"/>
-              </a:ext>
-            </a:extLst>
-          </a:blip>
-          <a:stretch>
-            <a:fillRect/>
-          </a:stretch>
-        </p:blipFill>
-        <p:spPr>
-          <a:xfrm>
-            <a:off x="10468855" y="300496"/>
-            <a:ext cx="1373649" cy="916911"/>
-          </a:xfrm>
-          <a:prstGeom prst="rect">
-            <a:avLst/>
-          </a:prstGeom>
-        </p:spPr>
-      </p:pic>
-      <p:sp>
-        <p:nvSpPr>
-          <p:cNvPr id="10" name="Slide Number Placeholder 5"/>
+      <p:sp>
+        <p:nvSpPr>
+          <p:cNvPr id="9" name="Slide Number Placeholder 5"/>
           <p:cNvSpPr txBox="1">
             <a:spLocks/>
           </p:cNvSpPr>
@@ -8333,2027 +6992,16 @@
             <a:pPr algn="ctr"/>
             <a:r>
               <a:rPr lang="pt-PT" sz="1600" b="1" dirty="0" smtClean="0"/>
-              <a:t>HMI </a:t>
-            </a:r>
-            <a:r>
-              <a:rPr lang="pt-PT" sz="1600" b="1" dirty="0" smtClean="0"/>
-              <a:t>para Fabrico Aditivo – Estado da Arte</a:t>
+              <a:t>IHM para Fabrico Aditivo – Fim</a:t>
             </a:r>
             <a:endParaRPr lang="pt-PT" sz="1600" b="1" dirty="0"/>
           </a:p>
         </p:txBody>
       </p:sp>
-      <p:pic>
-        <p:nvPicPr>
-          <p:cNvPr id="4" name="Imagem 3"/>
-          <p:cNvPicPr>
-            <a:picLocks noChangeAspect="1"/>
-          </p:cNvPicPr>
-          <p:nvPr/>
-        </p:nvPicPr>
-        <p:blipFill>
-          <a:blip r:embed="rId3">
-            <a:extLst>
-              <a:ext uri="{28A0092B-C50C-407E-A947-70E740481C1C}">
-                <a14:useLocalDpi xmlns:a14="http://schemas.microsoft.com/office/drawing/2010/main" val="0"/>
-              </a:ext>
-            </a:extLst>
-          </a:blip>
-          <a:stretch>
-            <a:fillRect/>
-          </a:stretch>
-        </p:blipFill>
-        <p:spPr>
-          <a:xfrm>
-            <a:off x="1579465" y="795173"/>
-            <a:ext cx="8715418" cy="5346157"/>
-          </a:xfrm>
-          <a:prstGeom prst="rect">
-            <a:avLst/>
-          </a:prstGeom>
-        </p:spPr>
-      </p:pic>
     </p:spTree>
     <p:extLst>
       <p:ext uri="{BB962C8B-B14F-4D97-AF65-F5344CB8AC3E}">
-        <p14:creationId xmlns:p14="http://schemas.microsoft.com/office/powerpoint/2010/main" val="1570402696"/>
-      </p:ext>
-    </p:extLst>
-  </p:cSld>
-  <p:clrMapOvr>
-    <a:masterClrMapping/>
-  </p:clrMapOvr>
-  <p:timing>
-    <p:tnLst>
-      <p:par>
-        <p:cTn id="1" dur="indefinite" restart="never" nodeType="tmRoot"/>
-      </p:par>
-    </p:tnLst>
-  </p:timing>
-</p:sld>
-</file>
-
-<file path=ppt/slides/slide16.xml><?xml version="1.0" encoding="utf-8"?>
-<p:sld xmlns:a="http://schemas.openxmlformats.org/drawingml/2006/main" xmlns:r="http://schemas.openxmlformats.org/officeDocument/2006/relationships" xmlns:p="http://schemas.openxmlformats.org/presentationml/2006/main">
-  <p:cSld>
-    <p:spTree>
-      <p:nvGrpSpPr>
-        <p:cNvPr id="1" name=""/>
-        <p:cNvGrpSpPr/>
-        <p:nvPr/>
-      </p:nvGrpSpPr>
-      <p:grpSpPr>
-        <a:xfrm>
-          <a:off x="0" y="0"/>
-          <a:ext cx="0" cy="0"/>
-          <a:chOff x="0" y="0"/>
-          <a:chExt cx="0" cy="0"/>
-        </a:xfrm>
-      </p:grpSpPr>
-      <p:sp>
-        <p:nvSpPr>
-          <p:cNvPr id="7" name="TextBox 6"/>
-          <p:cNvSpPr txBox="1"/>
-          <p:nvPr/>
-        </p:nvSpPr>
-        <p:spPr>
-          <a:xfrm>
-            <a:off x="445000" y="166025"/>
-            <a:ext cx="11747000" cy="4770537"/>
-          </a:xfrm>
-          <a:prstGeom prst="rect">
-            <a:avLst/>
-          </a:prstGeom>
-          <a:noFill/>
-        </p:spPr>
-        <p:txBody>
-          <a:bodyPr wrap="square" rtlCol="0">
-            <a:spAutoFit/>
-          </a:bodyPr>
-          <a:lstStyle/>
-          <a:p>
-            <a:r>
-              <a:rPr lang="pt-PT" sz="3200" b="1" dirty="0"/>
-              <a:t>Sistemas Web-</a:t>
-            </a:r>
-            <a:r>
-              <a:rPr lang="pt-PT" sz="3200" b="1" dirty="0" err="1"/>
-              <a:t>Based</a:t>
-            </a:r>
-            <a:r>
-              <a:rPr lang="pt-PT" sz="3200" b="1" dirty="0"/>
-              <a:t> para Controlo e Automação</a:t>
-            </a:r>
-          </a:p>
-          <a:p>
-            <a:endParaRPr lang="pt-PT" sz="3200" b="1" dirty="0" smtClean="0"/>
-          </a:p>
-          <a:p>
-            <a:endParaRPr lang="pt-PT" sz="2400" dirty="0"/>
-          </a:p>
-          <a:p>
-            <a:endParaRPr lang="pt-PT" sz="2400" dirty="0" smtClean="0"/>
-          </a:p>
-          <a:p>
-            <a:pPr marL="342900" indent="-342900">
-              <a:buFont typeface="Arial" panose="020B0604020202020204" pitchFamily="34" charset="0"/>
-              <a:buChar char="•"/>
-            </a:pPr>
-            <a:endParaRPr lang="pt-PT" sz="2400" dirty="0" smtClean="0"/>
-          </a:p>
-          <a:p>
-            <a:pPr marL="342900" indent="-342900">
-              <a:buFont typeface="Arial" panose="020B0604020202020204" pitchFamily="34" charset="0"/>
-              <a:buChar char="•"/>
-            </a:pPr>
-            <a:endParaRPr lang="pt-PT" sz="2400" dirty="0"/>
-          </a:p>
-          <a:p>
-            <a:pPr marL="342900" indent="-342900">
-              <a:buFont typeface="Arial" panose="020B0604020202020204" pitchFamily="34" charset="0"/>
-              <a:buChar char="•"/>
-            </a:pPr>
-            <a:endParaRPr lang="pt-PT" sz="2400" dirty="0" smtClean="0"/>
-          </a:p>
-          <a:p>
-            <a:pPr marL="342900" indent="-342900">
-              <a:buFont typeface="Arial" panose="020B0604020202020204" pitchFamily="34" charset="0"/>
-              <a:buChar char="•"/>
-            </a:pPr>
-            <a:endParaRPr lang="pt-PT" sz="2400" dirty="0" smtClean="0"/>
-          </a:p>
-          <a:p>
-            <a:pPr marL="342900" indent="-342900">
-              <a:buFont typeface="Arial" panose="020B0604020202020204" pitchFamily="34" charset="0"/>
-              <a:buChar char="•"/>
-            </a:pPr>
-            <a:endParaRPr lang="pt-PT" sz="2400" dirty="0" smtClean="0"/>
-          </a:p>
-          <a:p>
-            <a:pPr marL="342900" indent="-342900">
-              <a:buFont typeface="Arial" panose="020B0604020202020204" pitchFamily="34" charset="0"/>
-              <a:buChar char="•"/>
-            </a:pPr>
-            <a:endParaRPr lang="pt-PT" sz="2400" dirty="0" smtClean="0"/>
-          </a:p>
-          <a:p>
-            <a:pPr marL="342900" indent="-342900">
-              <a:buFont typeface="Arial" panose="020B0604020202020204" pitchFamily="34" charset="0"/>
-              <a:buChar char="•"/>
-            </a:pPr>
-            <a:endParaRPr lang="pt-PT" sz="2400" dirty="0"/>
-          </a:p>
-          <a:p>
-            <a:pPr marL="342900" indent="-342900">
-              <a:buFont typeface="Arial" panose="020B0604020202020204" pitchFamily="34" charset="0"/>
-              <a:buChar char="•"/>
-            </a:pPr>
-            <a:endParaRPr lang="pt-PT" sz="2400" dirty="0" smtClean="0"/>
-          </a:p>
-        </p:txBody>
-      </p:sp>
-      <p:sp>
-        <p:nvSpPr>
-          <p:cNvPr id="2" name="Slide Number Placeholder 1"/>
-          <p:cNvSpPr>
-            <a:spLocks noGrp="1"/>
-          </p:cNvSpPr>
-          <p:nvPr>
-            <p:ph type="sldNum" sz="quarter" idx="12"/>
-          </p:nvPr>
-        </p:nvSpPr>
-        <p:spPr/>
-        <p:txBody>
-          <a:bodyPr/>
-          <a:lstStyle/>
-          <a:p>
-            <a:fld id="{422D536B-584E-486B-9435-086987A3D916}" type="slidenum">
-              <a:rPr lang="pt-PT" smtClean="0"/>
-              <a:t>16</a:t>
-            </a:fld>
-            <a:endParaRPr lang="pt-PT" dirty="0"/>
-          </a:p>
-        </p:txBody>
-      </p:sp>
-      <p:sp>
-        <p:nvSpPr>
-          <p:cNvPr id="6" name="Slide Number Placeholder 5"/>
-          <p:cNvSpPr txBox="1">
-            <a:spLocks/>
-          </p:cNvSpPr>
-          <p:nvPr/>
-        </p:nvSpPr>
-        <p:spPr>
-          <a:xfrm>
-            <a:off x="0" y="6464982"/>
-            <a:ext cx="475129" cy="365125"/>
-          </a:xfrm>
-          <a:prstGeom prst="rect">
-            <a:avLst/>
-          </a:prstGeom>
-        </p:spPr>
-        <p:txBody>
-          <a:bodyPr vert="horz" lIns="91440" tIns="45720" rIns="91440" bIns="45720" rtlCol="0" anchor="ctr"/>
-          <a:lstStyle>
-            <a:defPPr>
-              <a:defRPr lang="en-US"/>
-            </a:defPPr>
-            <a:lvl1pPr marL="0" algn="r" defTabSz="457200" rtl="0" eaLnBrk="1" latinLnBrk="0" hangingPunct="1">
-              <a:defRPr sz="1050" kern="1200">
-                <a:solidFill>
-                  <a:srgbClr val="FFFFFF"/>
-                </a:solidFill>
-                <a:latin typeface="+mn-lt"/>
-                <a:ea typeface="+mn-ea"/>
-                <a:cs typeface="+mn-cs"/>
-              </a:defRPr>
-            </a:lvl1pPr>
-            <a:lvl2pPr marL="457200" algn="l" defTabSz="457200" rtl="0" eaLnBrk="1" latinLnBrk="0" hangingPunct="1">
-              <a:defRPr sz="1800" kern="1200">
-                <a:solidFill>
-                  <a:schemeClr val="tx1"/>
-                </a:solidFill>
-                <a:latin typeface="+mn-lt"/>
-                <a:ea typeface="+mn-ea"/>
-                <a:cs typeface="+mn-cs"/>
-              </a:defRPr>
-            </a:lvl2pPr>
-            <a:lvl3pPr marL="914400" algn="l" defTabSz="457200" rtl="0" eaLnBrk="1" latinLnBrk="0" hangingPunct="1">
-              <a:defRPr sz="1800" kern="1200">
-                <a:solidFill>
-                  <a:schemeClr val="tx1"/>
-                </a:solidFill>
-                <a:latin typeface="+mn-lt"/>
-                <a:ea typeface="+mn-ea"/>
-                <a:cs typeface="+mn-cs"/>
-              </a:defRPr>
-            </a:lvl3pPr>
-            <a:lvl4pPr marL="1371600" algn="l" defTabSz="457200" rtl="0" eaLnBrk="1" latinLnBrk="0" hangingPunct="1">
-              <a:defRPr sz="1800" kern="1200">
-                <a:solidFill>
-                  <a:schemeClr val="tx1"/>
-                </a:solidFill>
-                <a:latin typeface="+mn-lt"/>
-                <a:ea typeface="+mn-ea"/>
-                <a:cs typeface="+mn-cs"/>
-              </a:defRPr>
-            </a:lvl4pPr>
-            <a:lvl5pPr marL="1828800" algn="l" defTabSz="457200" rtl="0" eaLnBrk="1" latinLnBrk="0" hangingPunct="1">
-              <a:defRPr sz="1800" kern="1200">
-                <a:solidFill>
-                  <a:schemeClr val="tx1"/>
-                </a:solidFill>
-                <a:latin typeface="+mn-lt"/>
-                <a:ea typeface="+mn-ea"/>
-                <a:cs typeface="+mn-cs"/>
-              </a:defRPr>
-            </a:lvl5pPr>
-            <a:lvl6pPr marL="2286000" algn="l" defTabSz="457200" rtl="0" eaLnBrk="1" latinLnBrk="0" hangingPunct="1">
-              <a:defRPr sz="1800" kern="1200">
-                <a:solidFill>
-                  <a:schemeClr val="tx1"/>
-                </a:solidFill>
-                <a:latin typeface="+mn-lt"/>
-                <a:ea typeface="+mn-ea"/>
-                <a:cs typeface="+mn-cs"/>
-              </a:defRPr>
-            </a:lvl6pPr>
-            <a:lvl7pPr marL="2743200" algn="l" defTabSz="457200" rtl="0" eaLnBrk="1" latinLnBrk="0" hangingPunct="1">
-              <a:defRPr sz="1800" kern="1200">
-                <a:solidFill>
-                  <a:schemeClr val="tx1"/>
-                </a:solidFill>
-                <a:latin typeface="+mn-lt"/>
-                <a:ea typeface="+mn-ea"/>
-                <a:cs typeface="+mn-cs"/>
-              </a:defRPr>
-            </a:lvl7pPr>
-            <a:lvl8pPr marL="3200400" algn="l" defTabSz="457200" rtl="0" eaLnBrk="1" latinLnBrk="0" hangingPunct="1">
-              <a:defRPr sz="1800" kern="1200">
-                <a:solidFill>
-                  <a:schemeClr val="tx1"/>
-                </a:solidFill>
-                <a:latin typeface="+mn-lt"/>
-                <a:ea typeface="+mn-ea"/>
-                <a:cs typeface="+mn-cs"/>
-              </a:defRPr>
-            </a:lvl8pPr>
-            <a:lvl9pPr marL="3657600" algn="l" defTabSz="457200" rtl="0" eaLnBrk="1" latinLnBrk="0" hangingPunct="1">
-              <a:defRPr sz="1800" kern="1200">
-                <a:solidFill>
-                  <a:schemeClr val="tx1"/>
-                </a:solidFill>
-                <a:latin typeface="+mn-lt"/>
-                <a:ea typeface="+mn-ea"/>
-                <a:cs typeface="+mn-cs"/>
-              </a:defRPr>
-            </a:lvl9pPr>
-          </a:lstStyle>
-          <a:p>
-            <a:r>
-              <a:rPr lang="pt-PT" dirty="0" smtClean="0"/>
-              <a:t>IPVC</a:t>
-            </a:r>
-            <a:endParaRPr lang="pt-PT" dirty="0"/>
-          </a:p>
-        </p:txBody>
-      </p:sp>
-      <p:pic>
-        <p:nvPicPr>
-          <p:cNvPr id="9" name="Picture 4"/>
-          <p:cNvPicPr>
-            <a:picLocks noChangeAspect="1"/>
-          </p:cNvPicPr>
-          <p:nvPr/>
-        </p:nvPicPr>
-        <p:blipFill>
-          <a:blip r:embed="rId2" cstate="print">
-            <a:extLst>
-              <a:ext uri="{28A0092B-C50C-407E-A947-70E740481C1C}">
-                <a14:useLocalDpi xmlns:a14="http://schemas.microsoft.com/office/drawing/2010/main" val="0"/>
-              </a:ext>
-            </a:extLst>
-          </a:blip>
-          <a:stretch>
-            <a:fillRect/>
-          </a:stretch>
-        </p:blipFill>
-        <p:spPr>
-          <a:xfrm>
-            <a:off x="10468855" y="300496"/>
-            <a:ext cx="1373649" cy="916911"/>
-          </a:xfrm>
-          <a:prstGeom prst="rect">
-            <a:avLst/>
-          </a:prstGeom>
-        </p:spPr>
-      </p:pic>
-      <p:sp>
-        <p:nvSpPr>
-          <p:cNvPr id="10" name="Slide Number Placeholder 5"/>
-          <p:cNvSpPr txBox="1">
-            <a:spLocks/>
-          </p:cNvSpPr>
-          <p:nvPr/>
-        </p:nvSpPr>
-        <p:spPr>
-          <a:xfrm>
-            <a:off x="3908571" y="6492875"/>
-            <a:ext cx="4435818" cy="365125"/>
-          </a:xfrm>
-          <a:prstGeom prst="rect">
-            <a:avLst/>
-          </a:prstGeom>
-        </p:spPr>
-        <p:txBody>
-          <a:bodyPr vert="horz" lIns="91440" tIns="45720" rIns="91440" bIns="45720" rtlCol="0" anchor="ctr"/>
-          <a:lstStyle>
-            <a:defPPr>
-              <a:defRPr lang="en-US"/>
-            </a:defPPr>
-            <a:lvl1pPr marL="0" algn="r" defTabSz="457200" rtl="0" eaLnBrk="1" latinLnBrk="0" hangingPunct="1">
-              <a:defRPr sz="1050" kern="1200">
-                <a:solidFill>
-                  <a:srgbClr val="FFFFFF"/>
-                </a:solidFill>
-                <a:latin typeface="+mn-lt"/>
-                <a:ea typeface="+mn-ea"/>
-                <a:cs typeface="+mn-cs"/>
-              </a:defRPr>
-            </a:lvl1pPr>
-            <a:lvl2pPr marL="457200" algn="l" defTabSz="457200" rtl="0" eaLnBrk="1" latinLnBrk="0" hangingPunct="1">
-              <a:defRPr sz="1800" kern="1200">
-                <a:solidFill>
-                  <a:schemeClr val="tx1"/>
-                </a:solidFill>
-                <a:latin typeface="+mn-lt"/>
-                <a:ea typeface="+mn-ea"/>
-                <a:cs typeface="+mn-cs"/>
-              </a:defRPr>
-            </a:lvl2pPr>
-            <a:lvl3pPr marL="914400" algn="l" defTabSz="457200" rtl="0" eaLnBrk="1" latinLnBrk="0" hangingPunct="1">
-              <a:defRPr sz="1800" kern="1200">
-                <a:solidFill>
-                  <a:schemeClr val="tx1"/>
-                </a:solidFill>
-                <a:latin typeface="+mn-lt"/>
-                <a:ea typeface="+mn-ea"/>
-                <a:cs typeface="+mn-cs"/>
-              </a:defRPr>
-            </a:lvl3pPr>
-            <a:lvl4pPr marL="1371600" algn="l" defTabSz="457200" rtl="0" eaLnBrk="1" latinLnBrk="0" hangingPunct="1">
-              <a:defRPr sz="1800" kern="1200">
-                <a:solidFill>
-                  <a:schemeClr val="tx1"/>
-                </a:solidFill>
-                <a:latin typeface="+mn-lt"/>
-                <a:ea typeface="+mn-ea"/>
-                <a:cs typeface="+mn-cs"/>
-              </a:defRPr>
-            </a:lvl4pPr>
-            <a:lvl5pPr marL="1828800" algn="l" defTabSz="457200" rtl="0" eaLnBrk="1" latinLnBrk="0" hangingPunct="1">
-              <a:defRPr sz="1800" kern="1200">
-                <a:solidFill>
-                  <a:schemeClr val="tx1"/>
-                </a:solidFill>
-                <a:latin typeface="+mn-lt"/>
-                <a:ea typeface="+mn-ea"/>
-                <a:cs typeface="+mn-cs"/>
-              </a:defRPr>
-            </a:lvl5pPr>
-            <a:lvl6pPr marL="2286000" algn="l" defTabSz="457200" rtl="0" eaLnBrk="1" latinLnBrk="0" hangingPunct="1">
-              <a:defRPr sz="1800" kern="1200">
-                <a:solidFill>
-                  <a:schemeClr val="tx1"/>
-                </a:solidFill>
-                <a:latin typeface="+mn-lt"/>
-                <a:ea typeface="+mn-ea"/>
-                <a:cs typeface="+mn-cs"/>
-              </a:defRPr>
-            </a:lvl6pPr>
-            <a:lvl7pPr marL="2743200" algn="l" defTabSz="457200" rtl="0" eaLnBrk="1" latinLnBrk="0" hangingPunct="1">
-              <a:defRPr sz="1800" kern="1200">
-                <a:solidFill>
-                  <a:schemeClr val="tx1"/>
-                </a:solidFill>
-                <a:latin typeface="+mn-lt"/>
-                <a:ea typeface="+mn-ea"/>
-                <a:cs typeface="+mn-cs"/>
-              </a:defRPr>
-            </a:lvl7pPr>
-            <a:lvl8pPr marL="3200400" algn="l" defTabSz="457200" rtl="0" eaLnBrk="1" latinLnBrk="0" hangingPunct="1">
-              <a:defRPr sz="1800" kern="1200">
-                <a:solidFill>
-                  <a:schemeClr val="tx1"/>
-                </a:solidFill>
-                <a:latin typeface="+mn-lt"/>
-                <a:ea typeface="+mn-ea"/>
-                <a:cs typeface="+mn-cs"/>
-              </a:defRPr>
-            </a:lvl8pPr>
-            <a:lvl9pPr marL="3657600" algn="l" defTabSz="457200" rtl="0" eaLnBrk="1" latinLnBrk="0" hangingPunct="1">
-              <a:defRPr sz="1800" kern="1200">
-                <a:solidFill>
-                  <a:schemeClr val="tx1"/>
-                </a:solidFill>
-                <a:latin typeface="+mn-lt"/>
-                <a:ea typeface="+mn-ea"/>
-                <a:cs typeface="+mn-cs"/>
-              </a:defRPr>
-            </a:lvl9pPr>
-          </a:lstStyle>
-          <a:p>
-            <a:pPr algn="ctr"/>
-            <a:r>
-              <a:rPr lang="pt-PT" sz="1600" b="1" dirty="0" smtClean="0"/>
-              <a:t>HMI </a:t>
-            </a:r>
-            <a:r>
-              <a:rPr lang="pt-PT" sz="1600" b="1" dirty="0" smtClean="0"/>
-              <a:t>para Fabrico Aditivo – Estado da Arte</a:t>
-            </a:r>
-            <a:endParaRPr lang="pt-PT" sz="1600" b="1" dirty="0"/>
-          </a:p>
-        </p:txBody>
-      </p:sp>
-      <p:pic>
-        <p:nvPicPr>
-          <p:cNvPr id="8" name="Imagem 7"/>
-          <p:cNvPicPr/>
-          <p:nvPr/>
-        </p:nvPicPr>
-        <p:blipFill>
-          <a:blip r:embed="rId3">
-            <a:extLst>
-              <a:ext uri="{28A0092B-C50C-407E-A947-70E740481C1C}">
-                <a14:useLocalDpi xmlns:a14="http://schemas.microsoft.com/office/drawing/2010/main" val="0"/>
-              </a:ext>
-            </a:extLst>
-          </a:blip>
-          <a:stretch>
-            <a:fillRect/>
-          </a:stretch>
-        </p:blipFill>
-        <p:spPr>
-          <a:xfrm>
-            <a:off x="1808794" y="758951"/>
-            <a:ext cx="8310565" cy="5422298"/>
-          </a:xfrm>
-          <a:prstGeom prst="rect">
-            <a:avLst/>
-          </a:prstGeom>
-        </p:spPr>
-      </p:pic>
-    </p:spTree>
-    <p:extLst>
-      <p:ext uri="{BB962C8B-B14F-4D97-AF65-F5344CB8AC3E}">
-        <p14:creationId xmlns:p14="http://schemas.microsoft.com/office/powerpoint/2010/main" val="3924770669"/>
-      </p:ext>
-    </p:extLst>
-  </p:cSld>
-  <p:clrMapOvr>
-    <a:masterClrMapping/>
-  </p:clrMapOvr>
-  <p:timing>
-    <p:tnLst>
-      <p:par>
-        <p:cTn id="1" dur="indefinite" restart="never" nodeType="tmRoot"/>
-      </p:par>
-    </p:tnLst>
-  </p:timing>
-</p:sld>
-</file>
-
-<file path=ppt/slides/slide17.xml><?xml version="1.0" encoding="utf-8"?>
-<p:sld xmlns:a="http://schemas.openxmlformats.org/drawingml/2006/main" xmlns:r="http://schemas.openxmlformats.org/officeDocument/2006/relationships" xmlns:p="http://schemas.openxmlformats.org/presentationml/2006/main">
-  <p:cSld>
-    <p:spTree>
-      <p:nvGrpSpPr>
-        <p:cNvPr id="1" name=""/>
-        <p:cNvGrpSpPr/>
-        <p:nvPr/>
-      </p:nvGrpSpPr>
-      <p:grpSpPr>
-        <a:xfrm>
-          <a:off x="0" y="0"/>
-          <a:ext cx="0" cy="0"/>
-          <a:chOff x="0" y="0"/>
-          <a:chExt cx="0" cy="0"/>
-        </a:xfrm>
-      </p:grpSpPr>
-      <p:sp>
-        <p:nvSpPr>
-          <p:cNvPr id="2" name="Slide Number Placeholder 1"/>
-          <p:cNvSpPr>
-            <a:spLocks noGrp="1"/>
-          </p:cNvSpPr>
-          <p:nvPr>
-            <p:ph type="sldNum" sz="quarter" idx="12"/>
-          </p:nvPr>
-        </p:nvSpPr>
-        <p:spPr/>
-        <p:txBody>
-          <a:bodyPr/>
-          <a:lstStyle/>
-          <a:p>
-            <a:fld id="{422D536B-584E-486B-9435-086987A3D916}" type="slidenum">
-              <a:rPr lang="pt-PT" smtClean="0"/>
-              <a:t>17</a:t>
-            </a:fld>
-            <a:endParaRPr lang="pt-PT" dirty="0"/>
-          </a:p>
-        </p:txBody>
-      </p:sp>
-      <p:sp>
-        <p:nvSpPr>
-          <p:cNvPr id="6" name="Slide Number Placeholder 5"/>
-          <p:cNvSpPr txBox="1">
-            <a:spLocks/>
-          </p:cNvSpPr>
-          <p:nvPr/>
-        </p:nvSpPr>
-        <p:spPr>
-          <a:xfrm>
-            <a:off x="0" y="6464982"/>
-            <a:ext cx="475129" cy="365125"/>
-          </a:xfrm>
-          <a:prstGeom prst="rect">
-            <a:avLst/>
-          </a:prstGeom>
-        </p:spPr>
-        <p:txBody>
-          <a:bodyPr vert="horz" lIns="91440" tIns="45720" rIns="91440" bIns="45720" rtlCol="0" anchor="ctr"/>
-          <a:lstStyle>
-            <a:defPPr>
-              <a:defRPr lang="en-US"/>
-            </a:defPPr>
-            <a:lvl1pPr marL="0" algn="r" defTabSz="457200" rtl="0" eaLnBrk="1" latinLnBrk="0" hangingPunct="1">
-              <a:defRPr sz="1050" kern="1200">
-                <a:solidFill>
-                  <a:srgbClr val="FFFFFF"/>
-                </a:solidFill>
-                <a:latin typeface="+mn-lt"/>
-                <a:ea typeface="+mn-ea"/>
-                <a:cs typeface="+mn-cs"/>
-              </a:defRPr>
-            </a:lvl1pPr>
-            <a:lvl2pPr marL="457200" algn="l" defTabSz="457200" rtl="0" eaLnBrk="1" latinLnBrk="0" hangingPunct="1">
-              <a:defRPr sz="1800" kern="1200">
-                <a:solidFill>
-                  <a:schemeClr val="tx1"/>
-                </a:solidFill>
-                <a:latin typeface="+mn-lt"/>
-                <a:ea typeface="+mn-ea"/>
-                <a:cs typeface="+mn-cs"/>
-              </a:defRPr>
-            </a:lvl2pPr>
-            <a:lvl3pPr marL="914400" algn="l" defTabSz="457200" rtl="0" eaLnBrk="1" latinLnBrk="0" hangingPunct="1">
-              <a:defRPr sz="1800" kern="1200">
-                <a:solidFill>
-                  <a:schemeClr val="tx1"/>
-                </a:solidFill>
-                <a:latin typeface="+mn-lt"/>
-                <a:ea typeface="+mn-ea"/>
-                <a:cs typeface="+mn-cs"/>
-              </a:defRPr>
-            </a:lvl3pPr>
-            <a:lvl4pPr marL="1371600" algn="l" defTabSz="457200" rtl="0" eaLnBrk="1" latinLnBrk="0" hangingPunct="1">
-              <a:defRPr sz="1800" kern="1200">
-                <a:solidFill>
-                  <a:schemeClr val="tx1"/>
-                </a:solidFill>
-                <a:latin typeface="+mn-lt"/>
-                <a:ea typeface="+mn-ea"/>
-                <a:cs typeface="+mn-cs"/>
-              </a:defRPr>
-            </a:lvl4pPr>
-            <a:lvl5pPr marL="1828800" algn="l" defTabSz="457200" rtl="0" eaLnBrk="1" latinLnBrk="0" hangingPunct="1">
-              <a:defRPr sz="1800" kern="1200">
-                <a:solidFill>
-                  <a:schemeClr val="tx1"/>
-                </a:solidFill>
-                <a:latin typeface="+mn-lt"/>
-                <a:ea typeface="+mn-ea"/>
-                <a:cs typeface="+mn-cs"/>
-              </a:defRPr>
-            </a:lvl5pPr>
-            <a:lvl6pPr marL="2286000" algn="l" defTabSz="457200" rtl="0" eaLnBrk="1" latinLnBrk="0" hangingPunct="1">
-              <a:defRPr sz="1800" kern="1200">
-                <a:solidFill>
-                  <a:schemeClr val="tx1"/>
-                </a:solidFill>
-                <a:latin typeface="+mn-lt"/>
-                <a:ea typeface="+mn-ea"/>
-                <a:cs typeface="+mn-cs"/>
-              </a:defRPr>
-            </a:lvl6pPr>
-            <a:lvl7pPr marL="2743200" algn="l" defTabSz="457200" rtl="0" eaLnBrk="1" latinLnBrk="0" hangingPunct="1">
-              <a:defRPr sz="1800" kern="1200">
-                <a:solidFill>
-                  <a:schemeClr val="tx1"/>
-                </a:solidFill>
-                <a:latin typeface="+mn-lt"/>
-                <a:ea typeface="+mn-ea"/>
-                <a:cs typeface="+mn-cs"/>
-              </a:defRPr>
-            </a:lvl7pPr>
-            <a:lvl8pPr marL="3200400" algn="l" defTabSz="457200" rtl="0" eaLnBrk="1" latinLnBrk="0" hangingPunct="1">
-              <a:defRPr sz="1800" kern="1200">
-                <a:solidFill>
-                  <a:schemeClr val="tx1"/>
-                </a:solidFill>
-                <a:latin typeface="+mn-lt"/>
-                <a:ea typeface="+mn-ea"/>
-                <a:cs typeface="+mn-cs"/>
-              </a:defRPr>
-            </a:lvl8pPr>
-            <a:lvl9pPr marL="3657600" algn="l" defTabSz="457200" rtl="0" eaLnBrk="1" latinLnBrk="0" hangingPunct="1">
-              <a:defRPr sz="1800" kern="1200">
-                <a:solidFill>
-                  <a:schemeClr val="tx1"/>
-                </a:solidFill>
-                <a:latin typeface="+mn-lt"/>
-                <a:ea typeface="+mn-ea"/>
-                <a:cs typeface="+mn-cs"/>
-              </a:defRPr>
-            </a:lvl9pPr>
-          </a:lstStyle>
-          <a:p>
-            <a:r>
-              <a:rPr lang="pt-PT" dirty="0" smtClean="0"/>
-              <a:t>IPVC</a:t>
-            </a:r>
-            <a:endParaRPr lang="pt-PT" dirty="0"/>
-          </a:p>
-        </p:txBody>
-      </p:sp>
-      <p:pic>
-        <p:nvPicPr>
-          <p:cNvPr id="9" name="Picture 4"/>
-          <p:cNvPicPr>
-            <a:picLocks noChangeAspect="1"/>
-          </p:cNvPicPr>
-          <p:nvPr/>
-        </p:nvPicPr>
-        <p:blipFill>
-          <a:blip r:embed="rId2" cstate="print">
-            <a:extLst>
-              <a:ext uri="{28A0092B-C50C-407E-A947-70E740481C1C}">
-                <a14:useLocalDpi xmlns:a14="http://schemas.microsoft.com/office/drawing/2010/main" val="0"/>
-              </a:ext>
-            </a:extLst>
-          </a:blip>
-          <a:stretch>
-            <a:fillRect/>
-          </a:stretch>
-        </p:blipFill>
-        <p:spPr>
-          <a:xfrm>
-            <a:off x="10468855" y="300496"/>
-            <a:ext cx="1373649" cy="916911"/>
-          </a:xfrm>
-          <a:prstGeom prst="rect">
-            <a:avLst/>
-          </a:prstGeom>
-        </p:spPr>
-      </p:pic>
-      <p:sp>
-        <p:nvSpPr>
-          <p:cNvPr id="10" name="Slide Number Placeholder 5"/>
-          <p:cNvSpPr txBox="1">
-            <a:spLocks/>
-          </p:cNvSpPr>
-          <p:nvPr/>
-        </p:nvSpPr>
-        <p:spPr>
-          <a:xfrm>
-            <a:off x="3908571" y="6492875"/>
-            <a:ext cx="4435818" cy="365125"/>
-          </a:xfrm>
-          <a:prstGeom prst="rect">
-            <a:avLst/>
-          </a:prstGeom>
-        </p:spPr>
-        <p:txBody>
-          <a:bodyPr vert="horz" lIns="91440" tIns="45720" rIns="91440" bIns="45720" rtlCol="0" anchor="ctr"/>
-          <a:lstStyle>
-            <a:defPPr>
-              <a:defRPr lang="en-US"/>
-            </a:defPPr>
-            <a:lvl1pPr marL="0" algn="r" defTabSz="457200" rtl="0" eaLnBrk="1" latinLnBrk="0" hangingPunct="1">
-              <a:defRPr sz="1050" kern="1200">
-                <a:solidFill>
-                  <a:srgbClr val="FFFFFF"/>
-                </a:solidFill>
-                <a:latin typeface="+mn-lt"/>
-                <a:ea typeface="+mn-ea"/>
-                <a:cs typeface="+mn-cs"/>
-              </a:defRPr>
-            </a:lvl1pPr>
-            <a:lvl2pPr marL="457200" algn="l" defTabSz="457200" rtl="0" eaLnBrk="1" latinLnBrk="0" hangingPunct="1">
-              <a:defRPr sz="1800" kern="1200">
-                <a:solidFill>
-                  <a:schemeClr val="tx1"/>
-                </a:solidFill>
-                <a:latin typeface="+mn-lt"/>
-                <a:ea typeface="+mn-ea"/>
-                <a:cs typeface="+mn-cs"/>
-              </a:defRPr>
-            </a:lvl2pPr>
-            <a:lvl3pPr marL="914400" algn="l" defTabSz="457200" rtl="0" eaLnBrk="1" latinLnBrk="0" hangingPunct="1">
-              <a:defRPr sz="1800" kern="1200">
-                <a:solidFill>
-                  <a:schemeClr val="tx1"/>
-                </a:solidFill>
-                <a:latin typeface="+mn-lt"/>
-                <a:ea typeface="+mn-ea"/>
-                <a:cs typeface="+mn-cs"/>
-              </a:defRPr>
-            </a:lvl3pPr>
-            <a:lvl4pPr marL="1371600" algn="l" defTabSz="457200" rtl="0" eaLnBrk="1" latinLnBrk="0" hangingPunct="1">
-              <a:defRPr sz="1800" kern="1200">
-                <a:solidFill>
-                  <a:schemeClr val="tx1"/>
-                </a:solidFill>
-                <a:latin typeface="+mn-lt"/>
-                <a:ea typeface="+mn-ea"/>
-                <a:cs typeface="+mn-cs"/>
-              </a:defRPr>
-            </a:lvl4pPr>
-            <a:lvl5pPr marL="1828800" algn="l" defTabSz="457200" rtl="0" eaLnBrk="1" latinLnBrk="0" hangingPunct="1">
-              <a:defRPr sz="1800" kern="1200">
-                <a:solidFill>
-                  <a:schemeClr val="tx1"/>
-                </a:solidFill>
-                <a:latin typeface="+mn-lt"/>
-                <a:ea typeface="+mn-ea"/>
-                <a:cs typeface="+mn-cs"/>
-              </a:defRPr>
-            </a:lvl5pPr>
-            <a:lvl6pPr marL="2286000" algn="l" defTabSz="457200" rtl="0" eaLnBrk="1" latinLnBrk="0" hangingPunct="1">
-              <a:defRPr sz="1800" kern="1200">
-                <a:solidFill>
-                  <a:schemeClr val="tx1"/>
-                </a:solidFill>
-                <a:latin typeface="+mn-lt"/>
-                <a:ea typeface="+mn-ea"/>
-                <a:cs typeface="+mn-cs"/>
-              </a:defRPr>
-            </a:lvl6pPr>
-            <a:lvl7pPr marL="2743200" algn="l" defTabSz="457200" rtl="0" eaLnBrk="1" latinLnBrk="0" hangingPunct="1">
-              <a:defRPr sz="1800" kern="1200">
-                <a:solidFill>
-                  <a:schemeClr val="tx1"/>
-                </a:solidFill>
-                <a:latin typeface="+mn-lt"/>
-                <a:ea typeface="+mn-ea"/>
-                <a:cs typeface="+mn-cs"/>
-              </a:defRPr>
-            </a:lvl7pPr>
-            <a:lvl8pPr marL="3200400" algn="l" defTabSz="457200" rtl="0" eaLnBrk="1" latinLnBrk="0" hangingPunct="1">
-              <a:defRPr sz="1800" kern="1200">
-                <a:solidFill>
-                  <a:schemeClr val="tx1"/>
-                </a:solidFill>
-                <a:latin typeface="+mn-lt"/>
-                <a:ea typeface="+mn-ea"/>
-                <a:cs typeface="+mn-cs"/>
-              </a:defRPr>
-            </a:lvl8pPr>
-            <a:lvl9pPr marL="3657600" algn="l" defTabSz="457200" rtl="0" eaLnBrk="1" latinLnBrk="0" hangingPunct="1">
-              <a:defRPr sz="1800" kern="1200">
-                <a:solidFill>
-                  <a:schemeClr val="tx1"/>
-                </a:solidFill>
-                <a:latin typeface="+mn-lt"/>
-                <a:ea typeface="+mn-ea"/>
-                <a:cs typeface="+mn-cs"/>
-              </a:defRPr>
-            </a:lvl9pPr>
-          </a:lstStyle>
-          <a:p>
-            <a:pPr algn="ctr"/>
-            <a:r>
-              <a:rPr lang="pt-PT" sz="1600" b="1" dirty="0" smtClean="0"/>
-              <a:t>HMI </a:t>
-            </a:r>
-            <a:r>
-              <a:rPr lang="pt-PT" sz="1600" b="1" dirty="0" smtClean="0"/>
-              <a:t>para Fabrico Aditivo – Sistema Desenvolvido</a:t>
-            </a:r>
-            <a:endParaRPr lang="pt-PT" sz="1600" b="1" dirty="0"/>
-          </a:p>
-        </p:txBody>
-      </p:sp>
-      <p:sp>
-        <p:nvSpPr>
-          <p:cNvPr id="8" name="TextBox 6"/>
-          <p:cNvSpPr txBox="1"/>
-          <p:nvPr/>
-        </p:nvSpPr>
-        <p:spPr>
-          <a:xfrm>
-            <a:off x="252980" y="300496"/>
-            <a:ext cx="11747000" cy="4524315"/>
-          </a:xfrm>
-          <a:prstGeom prst="rect">
-            <a:avLst/>
-          </a:prstGeom>
-          <a:noFill/>
-        </p:spPr>
-        <p:txBody>
-          <a:bodyPr wrap="square" rtlCol="0">
-            <a:spAutoFit/>
-          </a:bodyPr>
-          <a:lstStyle/>
-          <a:p>
-            <a:pPr marL="342900" indent="-342900">
-              <a:buFont typeface="Arial" panose="020B0604020202020204" pitchFamily="34" charset="0"/>
-              <a:buChar char="•"/>
-            </a:pPr>
-            <a:endParaRPr lang="pt-PT" sz="2400" dirty="0" smtClean="0"/>
-          </a:p>
-          <a:p>
-            <a:pPr marL="342900" indent="-342900">
-              <a:buFont typeface="Arial" panose="020B0604020202020204" pitchFamily="34" charset="0"/>
-              <a:buChar char="•"/>
-            </a:pPr>
-            <a:r>
-              <a:rPr lang="pt-PT" sz="2400" dirty="0" smtClean="0"/>
-              <a:t>HMI Web-</a:t>
-            </a:r>
-            <a:r>
-              <a:rPr lang="pt-PT" sz="2400" dirty="0" err="1" smtClean="0"/>
-              <a:t>Based</a:t>
-            </a:r>
-            <a:endParaRPr lang="pt-PT" sz="2400" dirty="0" smtClean="0"/>
-          </a:p>
-          <a:p>
-            <a:pPr marL="342900" indent="-342900">
-              <a:buFont typeface="Arial" panose="020B0604020202020204" pitchFamily="34" charset="0"/>
-              <a:buChar char="•"/>
-            </a:pPr>
-            <a:endParaRPr lang="pt-PT" sz="2400" dirty="0" smtClean="0"/>
-          </a:p>
-          <a:p>
-            <a:pPr marL="342900" indent="-342900">
-              <a:buFont typeface="Arial" panose="020B0604020202020204" pitchFamily="34" charset="0"/>
-              <a:buChar char="•"/>
-            </a:pPr>
-            <a:r>
-              <a:rPr lang="pt-PT" sz="2400" dirty="0" smtClean="0"/>
-              <a:t>Monitorizar e Controlar equipamento de Fabrico Aditivo</a:t>
-            </a:r>
-          </a:p>
-          <a:p>
-            <a:pPr marL="342900" indent="-342900">
-              <a:buFont typeface="Arial" panose="020B0604020202020204" pitchFamily="34" charset="0"/>
-              <a:buChar char="•"/>
-            </a:pPr>
-            <a:endParaRPr lang="pt-PT" sz="2400" dirty="0"/>
-          </a:p>
-          <a:p>
-            <a:pPr marL="342900" indent="-342900">
-              <a:buFont typeface="Arial" panose="020B0604020202020204" pitchFamily="34" charset="0"/>
-              <a:buChar char="•"/>
-            </a:pPr>
-            <a:r>
-              <a:rPr lang="pt-PT" sz="2400" dirty="0" smtClean="0"/>
-              <a:t>Arquitetura:</a:t>
-            </a:r>
-          </a:p>
-          <a:p>
-            <a:endParaRPr lang="pt-PT" sz="2400" dirty="0" smtClean="0"/>
-          </a:p>
-          <a:p>
-            <a:endParaRPr lang="pt-PT" sz="2400" dirty="0"/>
-          </a:p>
-          <a:p>
-            <a:pPr marL="342900" indent="-342900">
-              <a:buFont typeface="Arial" panose="020B0604020202020204" pitchFamily="34" charset="0"/>
-              <a:buChar char="•"/>
-            </a:pPr>
-            <a:endParaRPr lang="pt-PT" sz="2400" dirty="0" smtClean="0"/>
-          </a:p>
-          <a:p>
-            <a:pPr marL="342900" indent="-342900">
-              <a:buFont typeface="Arial" panose="020B0604020202020204" pitchFamily="34" charset="0"/>
-              <a:buChar char="•"/>
-            </a:pPr>
-            <a:endParaRPr lang="pt-PT" sz="2400" dirty="0" smtClean="0"/>
-          </a:p>
-          <a:p>
-            <a:endParaRPr lang="pt-PT" sz="2400" dirty="0" smtClean="0"/>
-          </a:p>
-          <a:p>
-            <a:pPr marL="342900" indent="-342900">
-              <a:buFont typeface="Arial" panose="020B0604020202020204" pitchFamily="34" charset="0"/>
-              <a:buChar char="•"/>
-            </a:pPr>
-            <a:endParaRPr lang="pt-PT" sz="2400" dirty="0" smtClean="0"/>
-          </a:p>
-        </p:txBody>
-      </p:sp>
-      <p:pic>
-        <p:nvPicPr>
-          <p:cNvPr id="11" name="Picture 19"/>
-          <p:cNvPicPr/>
-          <p:nvPr/>
-        </p:nvPicPr>
-        <p:blipFill>
-          <a:blip r:embed="rId3">
-            <a:extLst>
-              <a:ext uri="{28A0092B-C50C-407E-A947-70E740481C1C}">
-                <a14:useLocalDpi xmlns:a14="http://schemas.microsoft.com/office/drawing/2010/main" val="0"/>
-              </a:ext>
-            </a:extLst>
-          </a:blip>
-          <a:stretch>
-            <a:fillRect/>
-          </a:stretch>
-        </p:blipFill>
-        <p:spPr>
-          <a:xfrm>
-            <a:off x="2387687" y="1849491"/>
-            <a:ext cx="9247265" cy="4330591"/>
-          </a:xfrm>
-          <a:prstGeom prst="rect">
-            <a:avLst/>
-          </a:prstGeom>
-        </p:spPr>
-      </p:pic>
-    </p:spTree>
-    <p:extLst>
-      <p:ext uri="{BB962C8B-B14F-4D97-AF65-F5344CB8AC3E}">
-        <p14:creationId xmlns:p14="http://schemas.microsoft.com/office/powerpoint/2010/main" val="1300417560"/>
-      </p:ext>
-    </p:extLst>
-  </p:cSld>
-  <p:clrMapOvr>
-    <a:masterClrMapping/>
-  </p:clrMapOvr>
-  <p:timing>
-    <p:tnLst>
-      <p:par>
-        <p:cTn id="1" dur="indefinite" restart="never" nodeType="tmRoot"/>
-      </p:par>
-    </p:tnLst>
-  </p:timing>
-</p:sld>
-</file>
-
-<file path=ppt/slides/slide18.xml><?xml version="1.0" encoding="utf-8"?>
-<p:sld xmlns:a="http://schemas.openxmlformats.org/drawingml/2006/main" xmlns:r="http://schemas.openxmlformats.org/officeDocument/2006/relationships" xmlns:p="http://schemas.openxmlformats.org/presentationml/2006/main">
-  <p:cSld>
-    <p:spTree>
-      <p:nvGrpSpPr>
-        <p:cNvPr id="1" name=""/>
-        <p:cNvGrpSpPr/>
-        <p:nvPr/>
-      </p:nvGrpSpPr>
-      <p:grpSpPr>
-        <a:xfrm>
-          <a:off x="0" y="0"/>
-          <a:ext cx="0" cy="0"/>
-          <a:chOff x="0" y="0"/>
-          <a:chExt cx="0" cy="0"/>
-        </a:xfrm>
-      </p:grpSpPr>
-      <p:sp>
-        <p:nvSpPr>
-          <p:cNvPr id="2" name="Slide Number Placeholder 1"/>
-          <p:cNvSpPr>
-            <a:spLocks noGrp="1"/>
-          </p:cNvSpPr>
-          <p:nvPr>
-            <p:ph type="sldNum" sz="quarter" idx="12"/>
-          </p:nvPr>
-        </p:nvSpPr>
-        <p:spPr/>
-        <p:txBody>
-          <a:bodyPr/>
-          <a:lstStyle/>
-          <a:p>
-            <a:fld id="{422D536B-584E-486B-9435-086987A3D916}" type="slidenum">
-              <a:rPr lang="pt-PT" smtClean="0"/>
-              <a:t>18</a:t>
-            </a:fld>
-            <a:endParaRPr lang="pt-PT" dirty="0"/>
-          </a:p>
-        </p:txBody>
-      </p:sp>
-      <p:sp>
-        <p:nvSpPr>
-          <p:cNvPr id="6" name="Slide Number Placeholder 5"/>
-          <p:cNvSpPr txBox="1">
-            <a:spLocks/>
-          </p:cNvSpPr>
-          <p:nvPr/>
-        </p:nvSpPr>
-        <p:spPr>
-          <a:xfrm>
-            <a:off x="0" y="6464982"/>
-            <a:ext cx="475129" cy="365125"/>
-          </a:xfrm>
-          <a:prstGeom prst="rect">
-            <a:avLst/>
-          </a:prstGeom>
-        </p:spPr>
-        <p:txBody>
-          <a:bodyPr vert="horz" lIns="91440" tIns="45720" rIns="91440" bIns="45720" rtlCol="0" anchor="ctr"/>
-          <a:lstStyle>
-            <a:defPPr>
-              <a:defRPr lang="en-US"/>
-            </a:defPPr>
-            <a:lvl1pPr marL="0" algn="r" defTabSz="457200" rtl="0" eaLnBrk="1" latinLnBrk="0" hangingPunct="1">
-              <a:defRPr sz="1050" kern="1200">
-                <a:solidFill>
-                  <a:srgbClr val="FFFFFF"/>
-                </a:solidFill>
-                <a:latin typeface="+mn-lt"/>
-                <a:ea typeface="+mn-ea"/>
-                <a:cs typeface="+mn-cs"/>
-              </a:defRPr>
-            </a:lvl1pPr>
-            <a:lvl2pPr marL="457200" algn="l" defTabSz="457200" rtl="0" eaLnBrk="1" latinLnBrk="0" hangingPunct="1">
-              <a:defRPr sz="1800" kern="1200">
-                <a:solidFill>
-                  <a:schemeClr val="tx1"/>
-                </a:solidFill>
-                <a:latin typeface="+mn-lt"/>
-                <a:ea typeface="+mn-ea"/>
-                <a:cs typeface="+mn-cs"/>
-              </a:defRPr>
-            </a:lvl2pPr>
-            <a:lvl3pPr marL="914400" algn="l" defTabSz="457200" rtl="0" eaLnBrk="1" latinLnBrk="0" hangingPunct="1">
-              <a:defRPr sz="1800" kern="1200">
-                <a:solidFill>
-                  <a:schemeClr val="tx1"/>
-                </a:solidFill>
-                <a:latin typeface="+mn-lt"/>
-                <a:ea typeface="+mn-ea"/>
-                <a:cs typeface="+mn-cs"/>
-              </a:defRPr>
-            </a:lvl3pPr>
-            <a:lvl4pPr marL="1371600" algn="l" defTabSz="457200" rtl="0" eaLnBrk="1" latinLnBrk="0" hangingPunct="1">
-              <a:defRPr sz="1800" kern="1200">
-                <a:solidFill>
-                  <a:schemeClr val="tx1"/>
-                </a:solidFill>
-                <a:latin typeface="+mn-lt"/>
-                <a:ea typeface="+mn-ea"/>
-                <a:cs typeface="+mn-cs"/>
-              </a:defRPr>
-            </a:lvl4pPr>
-            <a:lvl5pPr marL="1828800" algn="l" defTabSz="457200" rtl="0" eaLnBrk="1" latinLnBrk="0" hangingPunct="1">
-              <a:defRPr sz="1800" kern="1200">
-                <a:solidFill>
-                  <a:schemeClr val="tx1"/>
-                </a:solidFill>
-                <a:latin typeface="+mn-lt"/>
-                <a:ea typeface="+mn-ea"/>
-                <a:cs typeface="+mn-cs"/>
-              </a:defRPr>
-            </a:lvl5pPr>
-            <a:lvl6pPr marL="2286000" algn="l" defTabSz="457200" rtl="0" eaLnBrk="1" latinLnBrk="0" hangingPunct="1">
-              <a:defRPr sz="1800" kern="1200">
-                <a:solidFill>
-                  <a:schemeClr val="tx1"/>
-                </a:solidFill>
-                <a:latin typeface="+mn-lt"/>
-                <a:ea typeface="+mn-ea"/>
-                <a:cs typeface="+mn-cs"/>
-              </a:defRPr>
-            </a:lvl6pPr>
-            <a:lvl7pPr marL="2743200" algn="l" defTabSz="457200" rtl="0" eaLnBrk="1" latinLnBrk="0" hangingPunct="1">
-              <a:defRPr sz="1800" kern="1200">
-                <a:solidFill>
-                  <a:schemeClr val="tx1"/>
-                </a:solidFill>
-                <a:latin typeface="+mn-lt"/>
-                <a:ea typeface="+mn-ea"/>
-                <a:cs typeface="+mn-cs"/>
-              </a:defRPr>
-            </a:lvl7pPr>
-            <a:lvl8pPr marL="3200400" algn="l" defTabSz="457200" rtl="0" eaLnBrk="1" latinLnBrk="0" hangingPunct="1">
-              <a:defRPr sz="1800" kern="1200">
-                <a:solidFill>
-                  <a:schemeClr val="tx1"/>
-                </a:solidFill>
-                <a:latin typeface="+mn-lt"/>
-                <a:ea typeface="+mn-ea"/>
-                <a:cs typeface="+mn-cs"/>
-              </a:defRPr>
-            </a:lvl8pPr>
-            <a:lvl9pPr marL="3657600" algn="l" defTabSz="457200" rtl="0" eaLnBrk="1" latinLnBrk="0" hangingPunct="1">
-              <a:defRPr sz="1800" kern="1200">
-                <a:solidFill>
-                  <a:schemeClr val="tx1"/>
-                </a:solidFill>
-                <a:latin typeface="+mn-lt"/>
-                <a:ea typeface="+mn-ea"/>
-                <a:cs typeface="+mn-cs"/>
-              </a:defRPr>
-            </a:lvl9pPr>
-          </a:lstStyle>
-          <a:p>
-            <a:r>
-              <a:rPr lang="pt-PT" dirty="0" smtClean="0"/>
-              <a:t>IPVC</a:t>
-            </a:r>
-            <a:endParaRPr lang="pt-PT" dirty="0"/>
-          </a:p>
-        </p:txBody>
-      </p:sp>
-      <p:pic>
-        <p:nvPicPr>
-          <p:cNvPr id="9" name="Picture 4"/>
-          <p:cNvPicPr>
-            <a:picLocks noChangeAspect="1"/>
-          </p:cNvPicPr>
-          <p:nvPr/>
-        </p:nvPicPr>
-        <p:blipFill>
-          <a:blip r:embed="rId2" cstate="print">
-            <a:extLst>
-              <a:ext uri="{28A0092B-C50C-407E-A947-70E740481C1C}">
-                <a14:useLocalDpi xmlns:a14="http://schemas.microsoft.com/office/drawing/2010/main" val="0"/>
-              </a:ext>
-            </a:extLst>
-          </a:blip>
-          <a:stretch>
-            <a:fillRect/>
-          </a:stretch>
-        </p:blipFill>
-        <p:spPr>
-          <a:xfrm>
-            <a:off x="10468855" y="300496"/>
-            <a:ext cx="1373649" cy="916911"/>
-          </a:xfrm>
-          <a:prstGeom prst="rect">
-            <a:avLst/>
-          </a:prstGeom>
-        </p:spPr>
-      </p:pic>
-      <p:sp>
-        <p:nvSpPr>
-          <p:cNvPr id="10" name="Slide Number Placeholder 5"/>
-          <p:cNvSpPr txBox="1">
-            <a:spLocks/>
-          </p:cNvSpPr>
-          <p:nvPr/>
-        </p:nvSpPr>
-        <p:spPr>
-          <a:xfrm>
-            <a:off x="3908571" y="6492875"/>
-            <a:ext cx="4435818" cy="365125"/>
-          </a:xfrm>
-          <a:prstGeom prst="rect">
-            <a:avLst/>
-          </a:prstGeom>
-        </p:spPr>
-        <p:txBody>
-          <a:bodyPr vert="horz" lIns="91440" tIns="45720" rIns="91440" bIns="45720" rtlCol="0" anchor="ctr"/>
-          <a:lstStyle>
-            <a:defPPr>
-              <a:defRPr lang="en-US"/>
-            </a:defPPr>
-            <a:lvl1pPr marL="0" algn="r" defTabSz="457200" rtl="0" eaLnBrk="1" latinLnBrk="0" hangingPunct="1">
-              <a:defRPr sz="1050" kern="1200">
-                <a:solidFill>
-                  <a:srgbClr val="FFFFFF"/>
-                </a:solidFill>
-                <a:latin typeface="+mn-lt"/>
-                <a:ea typeface="+mn-ea"/>
-                <a:cs typeface="+mn-cs"/>
-              </a:defRPr>
-            </a:lvl1pPr>
-            <a:lvl2pPr marL="457200" algn="l" defTabSz="457200" rtl="0" eaLnBrk="1" latinLnBrk="0" hangingPunct="1">
-              <a:defRPr sz="1800" kern="1200">
-                <a:solidFill>
-                  <a:schemeClr val="tx1"/>
-                </a:solidFill>
-                <a:latin typeface="+mn-lt"/>
-                <a:ea typeface="+mn-ea"/>
-                <a:cs typeface="+mn-cs"/>
-              </a:defRPr>
-            </a:lvl2pPr>
-            <a:lvl3pPr marL="914400" algn="l" defTabSz="457200" rtl="0" eaLnBrk="1" latinLnBrk="0" hangingPunct="1">
-              <a:defRPr sz="1800" kern="1200">
-                <a:solidFill>
-                  <a:schemeClr val="tx1"/>
-                </a:solidFill>
-                <a:latin typeface="+mn-lt"/>
-                <a:ea typeface="+mn-ea"/>
-                <a:cs typeface="+mn-cs"/>
-              </a:defRPr>
-            </a:lvl3pPr>
-            <a:lvl4pPr marL="1371600" algn="l" defTabSz="457200" rtl="0" eaLnBrk="1" latinLnBrk="0" hangingPunct="1">
-              <a:defRPr sz="1800" kern="1200">
-                <a:solidFill>
-                  <a:schemeClr val="tx1"/>
-                </a:solidFill>
-                <a:latin typeface="+mn-lt"/>
-                <a:ea typeface="+mn-ea"/>
-                <a:cs typeface="+mn-cs"/>
-              </a:defRPr>
-            </a:lvl4pPr>
-            <a:lvl5pPr marL="1828800" algn="l" defTabSz="457200" rtl="0" eaLnBrk="1" latinLnBrk="0" hangingPunct="1">
-              <a:defRPr sz="1800" kern="1200">
-                <a:solidFill>
-                  <a:schemeClr val="tx1"/>
-                </a:solidFill>
-                <a:latin typeface="+mn-lt"/>
-                <a:ea typeface="+mn-ea"/>
-                <a:cs typeface="+mn-cs"/>
-              </a:defRPr>
-            </a:lvl5pPr>
-            <a:lvl6pPr marL="2286000" algn="l" defTabSz="457200" rtl="0" eaLnBrk="1" latinLnBrk="0" hangingPunct="1">
-              <a:defRPr sz="1800" kern="1200">
-                <a:solidFill>
-                  <a:schemeClr val="tx1"/>
-                </a:solidFill>
-                <a:latin typeface="+mn-lt"/>
-                <a:ea typeface="+mn-ea"/>
-                <a:cs typeface="+mn-cs"/>
-              </a:defRPr>
-            </a:lvl6pPr>
-            <a:lvl7pPr marL="2743200" algn="l" defTabSz="457200" rtl="0" eaLnBrk="1" latinLnBrk="0" hangingPunct="1">
-              <a:defRPr sz="1800" kern="1200">
-                <a:solidFill>
-                  <a:schemeClr val="tx1"/>
-                </a:solidFill>
-                <a:latin typeface="+mn-lt"/>
-                <a:ea typeface="+mn-ea"/>
-                <a:cs typeface="+mn-cs"/>
-              </a:defRPr>
-            </a:lvl7pPr>
-            <a:lvl8pPr marL="3200400" algn="l" defTabSz="457200" rtl="0" eaLnBrk="1" latinLnBrk="0" hangingPunct="1">
-              <a:defRPr sz="1800" kern="1200">
-                <a:solidFill>
-                  <a:schemeClr val="tx1"/>
-                </a:solidFill>
-                <a:latin typeface="+mn-lt"/>
-                <a:ea typeface="+mn-ea"/>
-                <a:cs typeface="+mn-cs"/>
-              </a:defRPr>
-            </a:lvl8pPr>
-            <a:lvl9pPr marL="3657600" algn="l" defTabSz="457200" rtl="0" eaLnBrk="1" latinLnBrk="0" hangingPunct="1">
-              <a:defRPr sz="1800" kern="1200">
-                <a:solidFill>
-                  <a:schemeClr val="tx1"/>
-                </a:solidFill>
-                <a:latin typeface="+mn-lt"/>
-                <a:ea typeface="+mn-ea"/>
-                <a:cs typeface="+mn-cs"/>
-              </a:defRPr>
-            </a:lvl9pPr>
-          </a:lstStyle>
-          <a:p>
-            <a:pPr algn="ctr"/>
-            <a:r>
-              <a:rPr lang="pt-PT" sz="1600" b="1" dirty="0" smtClean="0"/>
-              <a:t>HMI</a:t>
-            </a:r>
-            <a:r>
-              <a:rPr lang="pt-PT" sz="1600" b="1" dirty="0" smtClean="0"/>
-              <a:t> </a:t>
-            </a:r>
-            <a:r>
-              <a:rPr lang="pt-PT" sz="1600" b="1" dirty="0" smtClean="0"/>
-              <a:t>para Fabrico Aditivo – Sistema Desenvolvido</a:t>
-            </a:r>
-            <a:endParaRPr lang="pt-PT" sz="1600" b="1" dirty="0"/>
-          </a:p>
-        </p:txBody>
-      </p:sp>
-      <p:sp>
-        <p:nvSpPr>
-          <p:cNvPr id="8" name="TextBox 6"/>
-          <p:cNvSpPr txBox="1"/>
-          <p:nvPr/>
-        </p:nvSpPr>
-        <p:spPr>
-          <a:xfrm>
-            <a:off x="252980" y="300496"/>
-            <a:ext cx="11747000" cy="6001643"/>
-          </a:xfrm>
-          <a:prstGeom prst="rect">
-            <a:avLst/>
-          </a:prstGeom>
-          <a:noFill/>
-        </p:spPr>
-        <p:txBody>
-          <a:bodyPr wrap="square" rtlCol="0">
-            <a:spAutoFit/>
-          </a:bodyPr>
-          <a:lstStyle/>
-          <a:p>
-            <a:pPr marL="342900" indent="-342900">
-              <a:buFont typeface="Arial" panose="020B0604020202020204" pitchFamily="34" charset="0"/>
-              <a:buChar char="•"/>
-            </a:pPr>
-            <a:endParaRPr lang="pt-PT" sz="2400" dirty="0" smtClean="0"/>
-          </a:p>
-          <a:p>
-            <a:pPr marL="342900" indent="-342900">
-              <a:buFont typeface="Arial" panose="020B0604020202020204" pitchFamily="34" charset="0"/>
-              <a:buChar char="•"/>
-            </a:pPr>
-            <a:r>
-              <a:rPr lang="pt-PT" sz="2400" dirty="0" smtClean="0"/>
-              <a:t>1ª versão desenvolvida valida a arquitetura e as tecnologias utili</a:t>
-            </a:r>
-            <a:r>
-              <a:rPr lang="pt-PT" sz="2400" dirty="0"/>
-              <a:t>z</a:t>
-            </a:r>
-            <a:r>
-              <a:rPr lang="pt-PT" sz="2400" dirty="0" smtClean="0"/>
-              <a:t>adas</a:t>
-            </a:r>
-            <a:endParaRPr lang="pt-PT" sz="2400" dirty="0"/>
-          </a:p>
-          <a:p>
-            <a:endParaRPr lang="pt-PT" sz="2400" b="1" u="sng" dirty="0"/>
-          </a:p>
-          <a:p>
-            <a:r>
-              <a:rPr lang="pt-PT" sz="2400" b="1" u="sng" dirty="0" smtClean="0"/>
-              <a:t>Funcionalidades</a:t>
-            </a:r>
-          </a:p>
-          <a:p>
-            <a:pPr marL="342900" indent="-342900">
-              <a:buFont typeface="Arial" panose="020B0604020202020204" pitchFamily="34" charset="0"/>
-              <a:buChar char="•"/>
-            </a:pPr>
-            <a:endParaRPr lang="pt-PT" sz="2400" dirty="0" smtClean="0"/>
-          </a:p>
-          <a:p>
-            <a:pPr marL="342900" indent="-342900">
-              <a:buFont typeface="Arial" panose="020B0604020202020204" pitchFamily="34" charset="0"/>
-              <a:buChar char="•"/>
-            </a:pPr>
-            <a:r>
-              <a:rPr lang="pt-PT" sz="2400" dirty="0" smtClean="0"/>
-              <a:t>Controlo básico do equipamento: ligar, desligar, pausar, parar, monitorizar posições e movimentos dos eixos e estado geral do equipamento</a:t>
-            </a:r>
-          </a:p>
-          <a:p>
-            <a:pPr marL="342900" indent="-342900">
-              <a:buFont typeface="Arial" panose="020B0604020202020204" pitchFamily="34" charset="0"/>
-              <a:buChar char="•"/>
-            </a:pPr>
-            <a:r>
-              <a:rPr lang="pt-PT" sz="2400" dirty="0" smtClean="0"/>
-              <a:t>Modos de Operação: manual e automático</a:t>
-            </a:r>
-          </a:p>
-          <a:p>
-            <a:pPr marL="342900" indent="-342900">
-              <a:buFont typeface="Arial" panose="020B0604020202020204" pitchFamily="34" charset="0"/>
-              <a:buChar char="•"/>
-            </a:pPr>
-            <a:r>
-              <a:rPr lang="pt-PT" sz="2400" dirty="0" smtClean="0"/>
-              <a:t>Monitorização de parâmetros em tempo real</a:t>
-            </a:r>
-          </a:p>
-          <a:p>
-            <a:pPr marL="342900" indent="-342900">
-              <a:buFont typeface="Arial" panose="020B0604020202020204" pitchFamily="34" charset="0"/>
-              <a:buChar char="•"/>
-            </a:pPr>
-            <a:r>
-              <a:rPr lang="pt-PT" sz="2400" dirty="0" smtClean="0"/>
-              <a:t>Monitorização do progresso da impressão</a:t>
-            </a:r>
-          </a:p>
-          <a:p>
-            <a:pPr marL="342900" indent="-342900">
-              <a:buFont typeface="Arial" panose="020B0604020202020204" pitchFamily="34" charset="0"/>
-              <a:buChar char="•"/>
-            </a:pPr>
-            <a:r>
-              <a:rPr lang="pt-PT" sz="2400" dirty="0" smtClean="0"/>
-              <a:t>Importar remotamente e executar </a:t>
-            </a:r>
-            <a:r>
-              <a:rPr lang="pt-PT" sz="2400" dirty="0" err="1" smtClean="0"/>
-              <a:t>Gcode</a:t>
-            </a:r>
-            <a:endParaRPr lang="pt-PT" sz="2400" dirty="0" smtClean="0"/>
-          </a:p>
-          <a:p>
-            <a:pPr marL="342900" indent="-342900">
-              <a:buFont typeface="Arial" panose="020B0604020202020204" pitchFamily="34" charset="0"/>
-              <a:buChar char="•"/>
-            </a:pPr>
-            <a:r>
-              <a:rPr lang="pt-PT" sz="2400" dirty="0" smtClean="0"/>
-              <a:t>Visualizar </a:t>
-            </a:r>
-            <a:r>
-              <a:rPr lang="pt-PT" sz="2400" dirty="0" err="1" smtClean="0"/>
-              <a:t>Gcode</a:t>
-            </a:r>
-            <a:r>
-              <a:rPr lang="pt-PT" sz="2400" dirty="0" smtClean="0"/>
-              <a:t> a ser executado em tempo real</a:t>
-            </a:r>
-          </a:p>
-          <a:p>
-            <a:pPr marL="342900" indent="-342900">
-              <a:buFont typeface="Arial" panose="020B0604020202020204" pitchFamily="34" charset="0"/>
-              <a:buChar char="•"/>
-            </a:pPr>
-            <a:r>
-              <a:rPr lang="pt-PT" sz="2400" dirty="0" smtClean="0"/>
-              <a:t>Visualizar a peça em 2D e 3D através do </a:t>
-            </a:r>
-            <a:r>
-              <a:rPr lang="pt-PT" sz="2400" dirty="0" err="1" smtClean="0"/>
-              <a:t>Gcode</a:t>
-            </a:r>
-            <a:endParaRPr lang="pt-PT" sz="2400" dirty="0" smtClean="0"/>
-          </a:p>
-          <a:p>
-            <a:endParaRPr lang="pt-PT" sz="2400" dirty="0" smtClean="0"/>
-          </a:p>
-          <a:p>
-            <a:endParaRPr lang="pt-PT" sz="2400" dirty="0" smtClean="0"/>
-          </a:p>
-          <a:p>
-            <a:pPr marL="342900" indent="-342900">
-              <a:buFont typeface="Arial" panose="020B0604020202020204" pitchFamily="34" charset="0"/>
-              <a:buChar char="•"/>
-            </a:pPr>
-            <a:endParaRPr lang="pt-PT" sz="2400" dirty="0" smtClean="0"/>
-          </a:p>
-        </p:txBody>
-      </p:sp>
-    </p:spTree>
-    <p:extLst>
-      <p:ext uri="{BB962C8B-B14F-4D97-AF65-F5344CB8AC3E}">
-        <p14:creationId xmlns:p14="http://schemas.microsoft.com/office/powerpoint/2010/main" val="1686037235"/>
-      </p:ext>
-    </p:extLst>
-  </p:cSld>
-  <p:clrMapOvr>
-    <a:masterClrMapping/>
-  </p:clrMapOvr>
-  <p:timing>
-    <p:tnLst>
-      <p:par>
-        <p:cTn id="1" dur="indefinite" restart="never" nodeType="tmRoot"/>
-      </p:par>
-    </p:tnLst>
-  </p:timing>
-</p:sld>
-</file>
-
-<file path=ppt/slides/slide19.xml><?xml version="1.0" encoding="utf-8"?>
-<p:sld xmlns:a="http://schemas.openxmlformats.org/drawingml/2006/main" xmlns:r="http://schemas.openxmlformats.org/officeDocument/2006/relationships" xmlns:p="http://schemas.openxmlformats.org/presentationml/2006/main">
-  <p:cSld>
-    <p:spTree>
-      <p:nvGrpSpPr>
-        <p:cNvPr id="1" name=""/>
-        <p:cNvGrpSpPr/>
-        <p:nvPr/>
-      </p:nvGrpSpPr>
-      <p:grpSpPr>
-        <a:xfrm>
-          <a:off x="0" y="0"/>
-          <a:ext cx="0" cy="0"/>
-          <a:chOff x="0" y="0"/>
-          <a:chExt cx="0" cy="0"/>
-        </a:xfrm>
-      </p:grpSpPr>
-      <p:sp>
-        <p:nvSpPr>
-          <p:cNvPr id="2" name="Slide Number Placeholder 1"/>
-          <p:cNvSpPr>
-            <a:spLocks noGrp="1"/>
-          </p:cNvSpPr>
-          <p:nvPr>
-            <p:ph type="sldNum" sz="quarter" idx="12"/>
-          </p:nvPr>
-        </p:nvSpPr>
-        <p:spPr/>
-        <p:txBody>
-          <a:bodyPr/>
-          <a:lstStyle/>
-          <a:p>
-            <a:fld id="{422D536B-584E-486B-9435-086987A3D916}" type="slidenum">
-              <a:rPr lang="pt-PT" smtClean="0"/>
-              <a:t>19</a:t>
-            </a:fld>
-            <a:endParaRPr lang="pt-PT" dirty="0"/>
-          </a:p>
-        </p:txBody>
-      </p:sp>
-      <p:sp>
-        <p:nvSpPr>
-          <p:cNvPr id="6" name="Slide Number Placeholder 5"/>
-          <p:cNvSpPr txBox="1">
-            <a:spLocks/>
-          </p:cNvSpPr>
-          <p:nvPr/>
-        </p:nvSpPr>
-        <p:spPr>
-          <a:xfrm>
-            <a:off x="0" y="6464982"/>
-            <a:ext cx="475129" cy="365125"/>
-          </a:xfrm>
-          <a:prstGeom prst="rect">
-            <a:avLst/>
-          </a:prstGeom>
-        </p:spPr>
-        <p:txBody>
-          <a:bodyPr vert="horz" lIns="91440" tIns="45720" rIns="91440" bIns="45720" rtlCol="0" anchor="ctr"/>
-          <a:lstStyle>
-            <a:defPPr>
-              <a:defRPr lang="en-US"/>
-            </a:defPPr>
-            <a:lvl1pPr marL="0" algn="r" defTabSz="457200" rtl="0" eaLnBrk="1" latinLnBrk="0" hangingPunct="1">
-              <a:defRPr sz="1050" kern="1200">
-                <a:solidFill>
-                  <a:srgbClr val="FFFFFF"/>
-                </a:solidFill>
-                <a:latin typeface="+mn-lt"/>
-                <a:ea typeface="+mn-ea"/>
-                <a:cs typeface="+mn-cs"/>
-              </a:defRPr>
-            </a:lvl1pPr>
-            <a:lvl2pPr marL="457200" algn="l" defTabSz="457200" rtl="0" eaLnBrk="1" latinLnBrk="0" hangingPunct="1">
-              <a:defRPr sz="1800" kern="1200">
-                <a:solidFill>
-                  <a:schemeClr val="tx1"/>
-                </a:solidFill>
-                <a:latin typeface="+mn-lt"/>
-                <a:ea typeface="+mn-ea"/>
-                <a:cs typeface="+mn-cs"/>
-              </a:defRPr>
-            </a:lvl2pPr>
-            <a:lvl3pPr marL="914400" algn="l" defTabSz="457200" rtl="0" eaLnBrk="1" latinLnBrk="0" hangingPunct="1">
-              <a:defRPr sz="1800" kern="1200">
-                <a:solidFill>
-                  <a:schemeClr val="tx1"/>
-                </a:solidFill>
-                <a:latin typeface="+mn-lt"/>
-                <a:ea typeface="+mn-ea"/>
-                <a:cs typeface="+mn-cs"/>
-              </a:defRPr>
-            </a:lvl3pPr>
-            <a:lvl4pPr marL="1371600" algn="l" defTabSz="457200" rtl="0" eaLnBrk="1" latinLnBrk="0" hangingPunct="1">
-              <a:defRPr sz="1800" kern="1200">
-                <a:solidFill>
-                  <a:schemeClr val="tx1"/>
-                </a:solidFill>
-                <a:latin typeface="+mn-lt"/>
-                <a:ea typeface="+mn-ea"/>
-                <a:cs typeface="+mn-cs"/>
-              </a:defRPr>
-            </a:lvl4pPr>
-            <a:lvl5pPr marL="1828800" algn="l" defTabSz="457200" rtl="0" eaLnBrk="1" latinLnBrk="0" hangingPunct="1">
-              <a:defRPr sz="1800" kern="1200">
-                <a:solidFill>
-                  <a:schemeClr val="tx1"/>
-                </a:solidFill>
-                <a:latin typeface="+mn-lt"/>
-                <a:ea typeface="+mn-ea"/>
-                <a:cs typeface="+mn-cs"/>
-              </a:defRPr>
-            </a:lvl5pPr>
-            <a:lvl6pPr marL="2286000" algn="l" defTabSz="457200" rtl="0" eaLnBrk="1" latinLnBrk="0" hangingPunct="1">
-              <a:defRPr sz="1800" kern="1200">
-                <a:solidFill>
-                  <a:schemeClr val="tx1"/>
-                </a:solidFill>
-                <a:latin typeface="+mn-lt"/>
-                <a:ea typeface="+mn-ea"/>
-                <a:cs typeface="+mn-cs"/>
-              </a:defRPr>
-            </a:lvl6pPr>
-            <a:lvl7pPr marL="2743200" algn="l" defTabSz="457200" rtl="0" eaLnBrk="1" latinLnBrk="0" hangingPunct="1">
-              <a:defRPr sz="1800" kern="1200">
-                <a:solidFill>
-                  <a:schemeClr val="tx1"/>
-                </a:solidFill>
-                <a:latin typeface="+mn-lt"/>
-                <a:ea typeface="+mn-ea"/>
-                <a:cs typeface="+mn-cs"/>
-              </a:defRPr>
-            </a:lvl7pPr>
-            <a:lvl8pPr marL="3200400" algn="l" defTabSz="457200" rtl="0" eaLnBrk="1" latinLnBrk="0" hangingPunct="1">
-              <a:defRPr sz="1800" kern="1200">
-                <a:solidFill>
-                  <a:schemeClr val="tx1"/>
-                </a:solidFill>
-                <a:latin typeface="+mn-lt"/>
-                <a:ea typeface="+mn-ea"/>
-                <a:cs typeface="+mn-cs"/>
-              </a:defRPr>
-            </a:lvl8pPr>
-            <a:lvl9pPr marL="3657600" algn="l" defTabSz="457200" rtl="0" eaLnBrk="1" latinLnBrk="0" hangingPunct="1">
-              <a:defRPr sz="1800" kern="1200">
-                <a:solidFill>
-                  <a:schemeClr val="tx1"/>
-                </a:solidFill>
-                <a:latin typeface="+mn-lt"/>
-                <a:ea typeface="+mn-ea"/>
-                <a:cs typeface="+mn-cs"/>
-              </a:defRPr>
-            </a:lvl9pPr>
-          </a:lstStyle>
-          <a:p>
-            <a:r>
-              <a:rPr lang="pt-PT" dirty="0" smtClean="0"/>
-              <a:t>IPVC</a:t>
-            </a:r>
-            <a:endParaRPr lang="pt-PT" dirty="0"/>
-          </a:p>
-        </p:txBody>
-      </p:sp>
-      <p:pic>
-        <p:nvPicPr>
-          <p:cNvPr id="9" name="Picture 4"/>
-          <p:cNvPicPr>
-            <a:picLocks noChangeAspect="1"/>
-          </p:cNvPicPr>
-          <p:nvPr/>
-        </p:nvPicPr>
-        <p:blipFill>
-          <a:blip r:embed="rId2" cstate="print">
-            <a:extLst>
-              <a:ext uri="{28A0092B-C50C-407E-A947-70E740481C1C}">
-                <a14:useLocalDpi xmlns:a14="http://schemas.microsoft.com/office/drawing/2010/main" val="0"/>
-              </a:ext>
-            </a:extLst>
-          </a:blip>
-          <a:stretch>
-            <a:fillRect/>
-          </a:stretch>
-        </p:blipFill>
-        <p:spPr>
-          <a:xfrm>
-            <a:off x="10468855" y="300496"/>
-            <a:ext cx="1373649" cy="916911"/>
-          </a:xfrm>
-          <a:prstGeom prst="rect">
-            <a:avLst/>
-          </a:prstGeom>
-        </p:spPr>
-      </p:pic>
-      <p:sp>
-        <p:nvSpPr>
-          <p:cNvPr id="10" name="Slide Number Placeholder 5"/>
-          <p:cNvSpPr txBox="1">
-            <a:spLocks/>
-          </p:cNvSpPr>
-          <p:nvPr/>
-        </p:nvSpPr>
-        <p:spPr>
-          <a:xfrm>
-            <a:off x="3908571" y="6492875"/>
-            <a:ext cx="4435818" cy="365125"/>
-          </a:xfrm>
-          <a:prstGeom prst="rect">
-            <a:avLst/>
-          </a:prstGeom>
-        </p:spPr>
-        <p:txBody>
-          <a:bodyPr vert="horz" lIns="91440" tIns="45720" rIns="91440" bIns="45720" rtlCol="0" anchor="ctr"/>
-          <a:lstStyle>
-            <a:defPPr>
-              <a:defRPr lang="en-US"/>
-            </a:defPPr>
-            <a:lvl1pPr marL="0" algn="r" defTabSz="457200" rtl="0" eaLnBrk="1" latinLnBrk="0" hangingPunct="1">
-              <a:defRPr sz="1050" kern="1200">
-                <a:solidFill>
-                  <a:srgbClr val="FFFFFF"/>
-                </a:solidFill>
-                <a:latin typeface="+mn-lt"/>
-                <a:ea typeface="+mn-ea"/>
-                <a:cs typeface="+mn-cs"/>
-              </a:defRPr>
-            </a:lvl1pPr>
-            <a:lvl2pPr marL="457200" algn="l" defTabSz="457200" rtl="0" eaLnBrk="1" latinLnBrk="0" hangingPunct="1">
-              <a:defRPr sz="1800" kern="1200">
-                <a:solidFill>
-                  <a:schemeClr val="tx1"/>
-                </a:solidFill>
-                <a:latin typeface="+mn-lt"/>
-                <a:ea typeface="+mn-ea"/>
-                <a:cs typeface="+mn-cs"/>
-              </a:defRPr>
-            </a:lvl2pPr>
-            <a:lvl3pPr marL="914400" algn="l" defTabSz="457200" rtl="0" eaLnBrk="1" latinLnBrk="0" hangingPunct="1">
-              <a:defRPr sz="1800" kern="1200">
-                <a:solidFill>
-                  <a:schemeClr val="tx1"/>
-                </a:solidFill>
-                <a:latin typeface="+mn-lt"/>
-                <a:ea typeface="+mn-ea"/>
-                <a:cs typeface="+mn-cs"/>
-              </a:defRPr>
-            </a:lvl3pPr>
-            <a:lvl4pPr marL="1371600" algn="l" defTabSz="457200" rtl="0" eaLnBrk="1" latinLnBrk="0" hangingPunct="1">
-              <a:defRPr sz="1800" kern="1200">
-                <a:solidFill>
-                  <a:schemeClr val="tx1"/>
-                </a:solidFill>
-                <a:latin typeface="+mn-lt"/>
-                <a:ea typeface="+mn-ea"/>
-                <a:cs typeface="+mn-cs"/>
-              </a:defRPr>
-            </a:lvl4pPr>
-            <a:lvl5pPr marL="1828800" algn="l" defTabSz="457200" rtl="0" eaLnBrk="1" latinLnBrk="0" hangingPunct="1">
-              <a:defRPr sz="1800" kern="1200">
-                <a:solidFill>
-                  <a:schemeClr val="tx1"/>
-                </a:solidFill>
-                <a:latin typeface="+mn-lt"/>
-                <a:ea typeface="+mn-ea"/>
-                <a:cs typeface="+mn-cs"/>
-              </a:defRPr>
-            </a:lvl5pPr>
-            <a:lvl6pPr marL="2286000" algn="l" defTabSz="457200" rtl="0" eaLnBrk="1" latinLnBrk="0" hangingPunct="1">
-              <a:defRPr sz="1800" kern="1200">
-                <a:solidFill>
-                  <a:schemeClr val="tx1"/>
-                </a:solidFill>
-                <a:latin typeface="+mn-lt"/>
-                <a:ea typeface="+mn-ea"/>
-                <a:cs typeface="+mn-cs"/>
-              </a:defRPr>
-            </a:lvl6pPr>
-            <a:lvl7pPr marL="2743200" algn="l" defTabSz="457200" rtl="0" eaLnBrk="1" latinLnBrk="0" hangingPunct="1">
-              <a:defRPr sz="1800" kern="1200">
-                <a:solidFill>
-                  <a:schemeClr val="tx1"/>
-                </a:solidFill>
-                <a:latin typeface="+mn-lt"/>
-                <a:ea typeface="+mn-ea"/>
-                <a:cs typeface="+mn-cs"/>
-              </a:defRPr>
-            </a:lvl7pPr>
-            <a:lvl8pPr marL="3200400" algn="l" defTabSz="457200" rtl="0" eaLnBrk="1" latinLnBrk="0" hangingPunct="1">
-              <a:defRPr sz="1800" kern="1200">
-                <a:solidFill>
-                  <a:schemeClr val="tx1"/>
-                </a:solidFill>
-                <a:latin typeface="+mn-lt"/>
-                <a:ea typeface="+mn-ea"/>
-                <a:cs typeface="+mn-cs"/>
-              </a:defRPr>
-            </a:lvl8pPr>
-            <a:lvl9pPr marL="3657600" algn="l" defTabSz="457200" rtl="0" eaLnBrk="1" latinLnBrk="0" hangingPunct="1">
-              <a:defRPr sz="1800" kern="1200">
-                <a:solidFill>
-                  <a:schemeClr val="tx1"/>
-                </a:solidFill>
-                <a:latin typeface="+mn-lt"/>
-                <a:ea typeface="+mn-ea"/>
-                <a:cs typeface="+mn-cs"/>
-              </a:defRPr>
-            </a:lvl9pPr>
-          </a:lstStyle>
-          <a:p>
-            <a:pPr algn="ctr"/>
-            <a:r>
-              <a:rPr lang="pt-PT" sz="1600" b="1" dirty="0" smtClean="0"/>
-              <a:t>HMI </a:t>
-            </a:r>
-            <a:r>
-              <a:rPr lang="pt-PT" sz="1600" b="1" dirty="0" smtClean="0"/>
-              <a:t>para Fabrico Aditivo – Trabalho Futuro</a:t>
-            </a:r>
-            <a:endParaRPr lang="pt-PT" sz="1600" b="1" dirty="0"/>
-          </a:p>
-        </p:txBody>
-      </p:sp>
-      <p:sp>
-        <p:nvSpPr>
-          <p:cNvPr id="8" name="TextBox 6"/>
-          <p:cNvSpPr txBox="1"/>
-          <p:nvPr/>
-        </p:nvSpPr>
-        <p:spPr>
-          <a:xfrm>
-            <a:off x="252980" y="300496"/>
-            <a:ext cx="11747000" cy="6001643"/>
-          </a:xfrm>
-          <a:prstGeom prst="rect">
-            <a:avLst/>
-          </a:prstGeom>
-          <a:noFill/>
-        </p:spPr>
-        <p:txBody>
-          <a:bodyPr wrap="square" rtlCol="0">
-            <a:spAutoFit/>
-          </a:bodyPr>
-          <a:lstStyle/>
-          <a:p>
-            <a:r>
-              <a:rPr lang="pt-PT" sz="2400" b="1" u="sng" dirty="0" smtClean="0"/>
-              <a:t>Trabalho Futuro</a:t>
-            </a:r>
-            <a:endParaRPr lang="pt-PT" sz="2400" b="1" u="sng" dirty="0"/>
-          </a:p>
-          <a:p>
-            <a:pPr marL="342900" indent="-342900">
-              <a:buFont typeface="Arial" panose="020B0604020202020204" pitchFamily="34" charset="0"/>
-              <a:buChar char="•"/>
-            </a:pPr>
-            <a:endParaRPr lang="pt-PT" sz="2400" dirty="0" smtClean="0"/>
-          </a:p>
-          <a:p>
-            <a:pPr marL="342900" indent="-342900">
-              <a:buFont typeface="Arial" panose="020B0604020202020204" pitchFamily="34" charset="0"/>
-              <a:buChar char="•"/>
-            </a:pPr>
-            <a:r>
-              <a:rPr lang="pt-PT" sz="2400" dirty="0" smtClean="0"/>
-              <a:t>Levantar requisitos para novo equipamento</a:t>
-            </a:r>
-          </a:p>
-          <a:p>
-            <a:pPr marL="342900" indent="-342900">
-              <a:buFont typeface="Arial" panose="020B0604020202020204" pitchFamily="34" charset="0"/>
-              <a:buChar char="•"/>
-            </a:pPr>
-            <a:endParaRPr lang="pt-PT" sz="2400" dirty="0" smtClean="0"/>
-          </a:p>
-          <a:p>
-            <a:pPr marL="342900" indent="-342900">
-              <a:buFont typeface="Arial" panose="020B0604020202020204" pitchFamily="34" charset="0"/>
-              <a:buChar char="•"/>
-            </a:pPr>
-            <a:r>
-              <a:rPr lang="pt-PT" sz="2400" dirty="0" smtClean="0"/>
-              <a:t>Readaptar sistema ao novo equipamento</a:t>
-            </a:r>
-          </a:p>
-          <a:p>
-            <a:pPr marL="342900" indent="-342900">
-              <a:buFont typeface="Arial" panose="020B0604020202020204" pitchFamily="34" charset="0"/>
-              <a:buChar char="•"/>
-            </a:pPr>
-            <a:endParaRPr lang="pt-PT" sz="2400" dirty="0" smtClean="0"/>
-          </a:p>
-          <a:p>
-            <a:pPr marL="342900" indent="-342900">
-              <a:buFont typeface="Arial" panose="020B0604020202020204" pitchFamily="34" charset="0"/>
-              <a:buChar char="•"/>
-            </a:pPr>
-            <a:r>
-              <a:rPr lang="pt-PT" sz="2400" dirty="0" smtClean="0"/>
-              <a:t>Desenvolver funcionalidades e módulos identificados em falta:</a:t>
-            </a:r>
-          </a:p>
-          <a:p>
-            <a:pPr marL="800100" lvl="1" indent="-342900">
-              <a:buFont typeface="Arial" panose="020B0604020202020204" pitchFamily="34" charset="0"/>
-              <a:buChar char="•"/>
-            </a:pPr>
-            <a:r>
-              <a:rPr lang="pt-PT" sz="2400" dirty="0" smtClean="0"/>
-              <a:t>Monitorizar parâmetros do equipamento e do processo em tempo real (pontos de medição de temperatura, </a:t>
-            </a:r>
-            <a:r>
-              <a:rPr lang="pt-PT" sz="2400" dirty="0" err="1" smtClean="0"/>
-              <a:t>etc</a:t>
-            </a:r>
-            <a:r>
-              <a:rPr lang="pt-PT" sz="2400" dirty="0" smtClean="0"/>
-              <a:t>)</a:t>
-            </a:r>
-          </a:p>
-          <a:p>
-            <a:pPr marL="800100" lvl="1" indent="-342900">
-              <a:buFont typeface="Arial" panose="020B0604020202020204" pitchFamily="34" charset="0"/>
-              <a:buChar char="•"/>
-            </a:pPr>
-            <a:r>
-              <a:rPr lang="pt-PT" sz="2400" dirty="0" smtClean="0"/>
-              <a:t>Recolha e armazenamento de dados das impressões</a:t>
-            </a:r>
-          </a:p>
-          <a:p>
-            <a:pPr marL="800100" lvl="1" indent="-342900">
-              <a:buFont typeface="Arial" panose="020B0604020202020204" pitchFamily="34" charset="0"/>
-              <a:buChar char="•"/>
-            </a:pPr>
-            <a:r>
-              <a:rPr lang="pt-PT" sz="2400" dirty="0" smtClean="0"/>
-              <a:t>Visualizar histórico das impressões</a:t>
-            </a:r>
-          </a:p>
-          <a:p>
-            <a:pPr marL="800100" lvl="1" indent="-342900">
-              <a:buFont typeface="Arial" panose="020B0604020202020204" pitchFamily="34" charset="0"/>
-              <a:buChar char="•"/>
-            </a:pPr>
-            <a:r>
-              <a:rPr lang="pt-PT" sz="2400" dirty="0" smtClean="0"/>
-              <a:t>Visualizar imagem da câmara termográfica em tempo real</a:t>
-            </a:r>
-          </a:p>
-          <a:p>
-            <a:pPr marL="800100" lvl="1" indent="-342900">
-              <a:buFont typeface="Arial" panose="020B0604020202020204" pitchFamily="34" charset="0"/>
-              <a:buChar char="•"/>
-            </a:pPr>
-            <a:r>
-              <a:rPr lang="pt-PT" sz="2400" dirty="0" smtClean="0"/>
-              <a:t>Reconhecimento do conteúdo da imagem termográfica em tempo real</a:t>
-            </a:r>
-          </a:p>
-          <a:p>
-            <a:pPr marL="800100" lvl="1" indent="-342900">
-              <a:buFont typeface="Arial" panose="020B0604020202020204" pitchFamily="34" charset="0"/>
-              <a:buChar char="•"/>
-            </a:pPr>
-            <a:r>
-              <a:rPr lang="pt-PT" sz="2400" dirty="0" smtClean="0"/>
-              <a:t>Módulo de Realidade Aumentada para visualização das peças em </a:t>
-            </a:r>
-            <a:r>
-              <a:rPr lang="pt-PT" sz="2400" dirty="0" smtClean="0"/>
-              <a:t>impressão</a:t>
-            </a:r>
-            <a:endParaRPr lang="pt-PT" sz="2400" dirty="0" smtClean="0"/>
-          </a:p>
-          <a:p>
-            <a:pPr marL="342900" indent="-342900">
-              <a:buFont typeface="Arial" panose="020B0604020202020204" pitchFamily="34" charset="0"/>
-              <a:buChar char="•"/>
-            </a:pPr>
-            <a:r>
-              <a:rPr lang="pt-PT" sz="2400" dirty="0" smtClean="0"/>
-              <a:t>Finalizar Relatório de Projeto de </a:t>
-            </a:r>
-            <a:r>
-              <a:rPr lang="pt-PT" sz="2400" dirty="0" smtClean="0"/>
-              <a:t>Mestrado</a:t>
-            </a:r>
-            <a:endParaRPr lang="pt-PT" sz="2400" dirty="0" smtClean="0"/>
-          </a:p>
-          <a:p>
-            <a:pPr marL="342900" indent="-342900">
-              <a:buFont typeface="Arial" panose="020B0604020202020204" pitchFamily="34" charset="0"/>
-              <a:buChar char="•"/>
-            </a:pPr>
-            <a:endParaRPr lang="pt-PT" sz="2400" dirty="0" smtClean="0"/>
-          </a:p>
-        </p:txBody>
-      </p:sp>
-    </p:spTree>
-    <p:extLst>
-      <p:ext uri="{BB962C8B-B14F-4D97-AF65-F5344CB8AC3E}">
-        <p14:creationId xmlns:p14="http://schemas.microsoft.com/office/powerpoint/2010/main" val="4229771930"/>
+        <p14:creationId xmlns:p14="http://schemas.microsoft.com/office/powerpoint/2010/main" val="337673279"/>
       </p:ext>
     </p:extLst>
   </p:cSld>
@@ -10396,7 +7044,7 @@
         <p:spPr>
           <a:xfrm>
             <a:off x="445000" y="166025"/>
-            <a:ext cx="9455458" cy="4770537"/>
+            <a:ext cx="9455458" cy="6458178"/>
           </a:xfrm>
           <a:prstGeom prst="rect">
             <a:avLst/>
@@ -10419,6 +7067,9 @@
           </a:p>
           <a:p>
             <a:pPr marL="342900" indent="-342900">
+              <a:spcAft>
+                <a:spcPts val="200"/>
+              </a:spcAft>
               <a:buFont typeface="Arial" panose="020B0604020202020204" pitchFamily="34" charset="0"/>
               <a:buChar char="•"/>
             </a:pPr>
@@ -10430,56 +7081,161 @@
           </a:p>
           <a:p>
             <a:pPr marL="800100" lvl="1" indent="-342900">
-              <a:buFont typeface="Arial" panose="020B0604020202020204" pitchFamily="34" charset="0"/>
-              <a:buChar char="•"/>
-            </a:pPr>
-            <a:r>
-              <a:rPr lang="pt-PT" sz="2400" dirty="0"/>
+              <a:spcAft>
+                <a:spcPts val="200"/>
+              </a:spcAft>
+              <a:buFont typeface="Arial" panose="020B0604020202020204" pitchFamily="34" charset="0"/>
+              <a:buChar char="•"/>
+            </a:pPr>
+            <a:r>
+              <a:rPr lang="pt-PT" sz="2000" dirty="0"/>
               <a:t>Contexto e Motivação</a:t>
             </a:r>
+            <a:endParaRPr lang="pt-PT" sz="2400" dirty="0"/>
           </a:p>
           <a:p>
             <a:pPr marL="800100" lvl="1" indent="-342900">
-              <a:buFont typeface="Arial" panose="020B0604020202020204" pitchFamily="34" charset="0"/>
-              <a:buChar char="•"/>
-            </a:pPr>
-            <a:r>
-              <a:rPr lang="pt-PT" sz="2400" dirty="0"/>
+              <a:spcAft>
+                <a:spcPts val="200"/>
+              </a:spcAft>
+              <a:buFont typeface="Arial" panose="020B0604020202020204" pitchFamily="34" charset="0"/>
+              <a:buChar char="•"/>
+            </a:pPr>
+            <a:r>
+              <a:rPr lang="pt-PT" sz="2000" dirty="0"/>
               <a:t>Problema</a:t>
             </a:r>
           </a:p>
           <a:p>
             <a:pPr marL="800100" lvl="1" indent="-342900">
-              <a:buFont typeface="Arial" panose="020B0604020202020204" pitchFamily="34" charset="0"/>
-              <a:buChar char="•"/>
-            </a:pPr>
-            <a:r>
-              <a:rPr lang="pt-PT" sz="2400" dirty="0"/>
+              <a:spcAft>
+                <a:spcPts val="200"/>
+              </a:spcAft>
+              <a:buFont typeface="Arial" panose="020B0604020202020204" pitchFamily="34" charset="0"/>
+              <a:buChar char="•"/>
+            </a:pPr>
+            <a:r>
+              <a:rPr lang="pt-PT" sz="2000" dirty="0" smtClean="0"/>
               <a:t>Objetivos</a:t>
             </a:r>
-          </a:p>
-          <a:p>
-            <a:pPr marL="342900" indent="-342900">
+            <a:endParaRPr lang="pt-PT" sz="2000" dirty="0"/>
+          </a:p>
+          <a:p>
+            <a:pPr marL="342900" indent="-342900">
+              <a:spcAft>
+                <a:spcPts val="200"/>
+              </a:spcAft>
               <a:buFont typeface="Arial" panose="020B0604020202020204" pitchFamily="34" charset="0"/>
               <a:buChar char="•"/>
             </a:pPr>
             <a:r>
               <a:rPr lang="pt-PT" sz="2400" dirty="0" smtClean="0"/>
-              <a:t>Estado </a:t>
-            </a:r>
+              <a:t>Estado da Arte</a:t>
+            </a:r>
+          </a:p>
+          <a:p>
+            <a:pPr marL="800100" lvl="1" indent="-342900">
+              <a:spcAft>
+                <a:spcPts val="200"/>
+              </a:spcAft>
+              <a:buFont typeface="Arial" panose="020B0604020202020204" pitchFamily="34" charset="0"/>
+              <a:buChar char="•"/>
+            </a:pPr>
+            <a:r>
+              <a:rPr lang="pt-PT" sz="2000" dirty="0"/>
+              <a:t>Casos de Estudo</a:t>
+            </a:r>
+          </a:p>
+          <a:p>
+            <a:pPr marL="342900" indent="-342900">
+              <a:spcAft>
+                <a:spcPts val="200"/>
+              </a:spcAft>
+              <a:buFont typeface="Arial" panose="020B0604020202020204" pitchFamily="34" charset="0"/>
+              <a:buChar char="•"/>
+            </a:pPr>
             <a:r>
               <a:rPr lang="pt-PT" sz="2400" dirty="0" smtClean="0"/>
-              <a:t>da Arte</a:t>
+              <a:t>Proposta de Solução</a:t>
+            </a:r>
+          </a:p>
+          <a:p>
+            <a:pPr marL="342900" indent="-342900">
+              <a:spcAft>
+                <a:spcPts val="200"/>
+              </a:spcAft>
+              <a:buFont typeface="Arial" panose="020B0604020202020204" pitchFamily="34" charset="0"/>
+              <a:buChar char="•"/>
+            </a:pPr>
+            <a:r>
+              <a:rPr lang="pt-PT" sz="2400" dirty="0" smtClean="0"/>
+              <a:t>Solução Final</a:t>
             </a:r>
           </a:p>
           <a:p>
             <a:pPr marL="800100" lvl="1" indent="-342900">
+              <a:spcAft>
+                <a:spcPts val="200"/>
+              </a:spcAft>
+              <a:buFont typeface="Arial" panose="020B0604020202020204" pitchFamily="34" charset="0"/>
+              <a:buChar char="•"/>
+            </a:pPr>
+            <a:r>
+              <a:rPr lang="pt-PT" sz="2000" dirty="0" smtClean="0"/>
+              <a:t>Desenvolvimento de Maquetes</a:t>
+            </a:r>
+            <a:endParaRPr lang="pt-PT" sz="2000" dirty="0"/>
+          </a:p>
+          <a:p>
+            <a:pPr marL="800100" lvl="1" indent="-342900">
+              <a:spcAft>
+                <a:spcPts val="200"/>
+              </a:spcAft>
+              <a:buFont typeface="Arial" panose="020B0604020202020204" pitchFamily="34" charset="0"/>
+              <a:buChar char="•"/>
+            </a:pPr>
+            <a:r>
+              <a:rPr lang="pt-PT" sz="2000" dirty="0"/>
+              <a:t>Arquitetura</a:t>
+            </a:r>
+          </a:p>
+          <a:p>
+            <a:pPr marL="800100" lvl="1" indent="-342900">
+              <a:spcAft>
+                <a:spcPts val="200"/>
+              </a:spcAft>
+              <a:buFont typeface="Arial" panose="020B0604020202020204" pitchFamily="34" charset="0"/>
+              <a:buChar char="•"/>
+            </a:pPr>
+            <a:r>
+              <a:rPr lang="pt-PT" sz="2000" dirty="0"/>
+              <a:t>Sistema Desenvolvido</a:t>
+            </a:r>
+          </a:p>
+          <a:p>
+            <a:pPr marL="800100" lvl="1" indent="-342900">
+              <a:spcAft>
+                <a:spcPts val="200"/>
+              </a:spcAft>
+              <a:buFont typeface="Arial" panose="020B0604020202020204" pitchFamily="34" charset="0"/>
+              <a:buChar char="•"/>
+            </a:pPr>
+            <a:r>
+              <a:rPr lang="pt-PT" sz="2000" dirty="0"/>
+              <a:t>Resultados Obtidos</a:t>
+            </a:r>
+          </a:p>
+          <a:p>
+            <a:pPr marL="342900" indent="-342900">
+              <a:spcAft>
+                <a:spcPts val="200"/>
+              </a:spcAft>
               <a:buFont typeface="Arial" panose="020B0604020202020204" pitchFamily="34" charset="0"/>
               <a:buChar char="•"/>
             </a:pPr>
             <a:r>
               <a:rPr lang="pt-PT" sz="2400" dirty="0" smtClean="0"/>
-              <a:t>Automação e Software para Automação</a:t>
+              <a:t>Conclusões</a:t>
             </a:r>
             <a:endParaRPr lang="pt-PT" sz="2400" dirty="0"/>
           </a:p>
@@ -10488,45 +7244,14 @@
               <a:buFont typeface="Arial" panose="020B0604020202020204" pitchFamily="34" charset="0"/>
               <a:buChar char="•"/>
             </a:pPr>
-            <a:r>
-              <a:rPr lang="pt-PT" sz="2400" dirty="0"/>
-              <a:t>Fabrico Aditivo</a:t>
-            </a:r>
+            <a:endParaRPr lang="pt-PT" sz="2400" dirty="0"/>
           </a:p>
           <a:p>
             <a:pPr marL="800100" lvl="1" indent="-342900">
               <a:buFont typeface="Arial" panose="020B0604020202020204" pitchFamily="34" charset="0"/>
               <a:buChar char="•"/>
             </a:pPr>
-            <a:r>
-              <a:rPr lang="pt-PT" sz="2400" dirty="0" smtClean="0"/>
-              <a:t>Web para Automação</a:t>
-            </a:r>
-          </a:p>
-          <a:p>
-            <a:pPr marL="800100" lvl="1" indent="-342900">
-              <a:buFont typeface="Arial" panose="020B0604020202020204" pitchFamily="34" charset="0"/>
-              <a:buChar char="•"/>
-            </a:pPr>
-            <a:r>
-              <a:rPr lang="pt-PT" sz="2400" dirty="0" smtClean="0"/>
-              <a:t>Casos de Estudo</a:t>
-            </a:r>
-          </a:p>
-          <a:p>
-            <a:pPr marL="342900" indent="-342900">
-              <a:buFont typeface="Arial" panose="020B0604020202020204" pitchFamily="34" charset="0"/>
-              <a:buChar char="•"/>
-            </a:pPr>
-            <a:r>
-              <a:rPr lang="pt-PT" sz="2400" dirty="0" smtClean="0"/>
-              <a:t>Sistema </a:t>
-            </a:r>
-            <a:r>
-              <a:rPr lang="pt-PT" sz="2400" dirty="0" smtClean="0"/>
-              <a:t>Desenvolvido</a:t>
-            </a:r>
-            <a:endParaRPr lang="pt-PT" sz="2400" dirty="0"/>
+            <a:endParaRPr lang="pt-PT" sz="2400" dirty="0" smtClean="0"/>
           </a:p>
         </p:txBody>
       </p:sp>
@@ -10824,11 +7549,7 @@
             <a:pPr algn="ctr"/>
             <a:r>
               <a:rPr lang="pt-PT" sz="1600" b="1" dirty="0" smtClean="0"/>
-              <a:t>HMI </a:t>
-            </a:r>
-            <a:r>
-              <a:rPr lang="pt-PT" sz="1600" b="1" dirty="0" smtClean="0"/>
-              <a:t>para Fabrico Aditivo</a:t>
+              <a:t>HMI para Fabrico Aditivo</a:t>
             </a:r>
             <a:endParaRPr lang="pt-PT" sz="1600" b="1" dirty="0"/>
           </a:p>
@@ -10838,912 +7559,6 @@
     <p:extLst>
       <p:ext uri="{BB962C8B-B14F-4D97-AF65-F5344CB8AC3E}">
         <p14:creationId xmlns:p14="http://schemas.microsoft.com/office/powerpoint/2010/main" val="967993589"/>
-      </p:ext>
-    </p:extLst>
-  </p:cSld>
-  <p:clrMapOvr>
-    <a:masterClrMapping/>
-  </p:clrMapOvr>
-  <p:timing>
-    <p:tnLst>
-      <p:par>
-        <p:cTn id="1" dur="indefinite" restart="never" nodeType="tmRoot"/>
-      </p:par>
-    </p:tnLst>
-  </p:timing>
-</p:sld>
-</file>
-
-<file path=ppt/slides/slide20.xml><?xml version="1.0" encoding="utf-8"?>
-<p:sld xmlns:a="http://schemas.openxmlformats.org/drawingml/2006/main" xmlns:r="http://schemas.openxmlformats.org/officeDocument/2006/relationships" xmlns:p="http://schemas.openxmlformats.org/presentationml/2006/main">
-  <p:cSld>
-    <p:spTree>
-      <p:nvGrpSpPr>
-        <p:cNvPr id="1" name=""/>
-        <p:cNvGrpSpPr/>
-        <p:nvPr/>
-      </p:nvGrpSpPr>
-      <p:grpSpPr>
-        <a:xfrm>
-          <a:off x="0" y="0"/>
-          <a:ext cx="0" cy="0"/>
-          <a:chOff x="0" y="0"/>
-          <a:chExt cx="0" cy="0"/>
-        </a:xfrm>
-      </p:grpSpPr>
-      <p:sp>
-        <p:nvSpPr>
-          <p:cNvPr id="2" name="Slide Number Placeholder 1"/>
-          <p:cNvSpPr>
-            <a:spLocks noGrp="1"/>
-          </p:cNvSpPr>
-          <p:nvPr>
-            <p:ph type="sldNum" sz="quarter" idx="12"/>
-          </p:nvPr>
-        </p:nvSpPr>
-        <p:spPr/>
-        <p:txBody>
-          <a:bodyPr/>
-          <a:lstStyle/>
-          <a:p>
-            <a:fld id="{422D536B-584E-486B-9435-086987A3D916}" type="slidenum">
-              <a:rPr lang="pt-PT" smtClean="0"/>
-              <a:t>20</a:t>
-            </a:fld>
-            <a:endParaRPr lang="pt-PT" dirty="0"/>
-          </a:p>
-        </p:txBody>
-      </p:sp>
-      <p:sp>
-        <p:nvSpPr>
-          <p:cNvPr id="6" name="Slide Number Placeholder 5"/>
-          <p:cNvSpPr txBox="1">
-            <a:spLocks/>
-          </p:cNvSpPr>
-          <p:nvPr/>
-        </p:nvSpPr>
-        <p:spPr>
-          <a:xfrm>
-            <a:off x="0" y="6464982"/>
-            <a:ext cx="475129" cy="365125"/>
-          </a:xfrm>
-          <a:prstGeom prst="rect">
-            <a:avLst/>
-          </a:prstGeom>
-        </p:spPr>
-        <p:txBody>
-          <a:bodyPr vert="horz" lIns="91440" tIns="45720" rIns="91440" bIns="45720" rtlCol="0" anchor="ctr"/>
-          <a:lstStyle>
-            <a:defPPr>
-              <a:defRPr lang="en-US"/>
-            </a:defPPr>
-            <a:lvl1pPr marL="0" algn="r" defTabSz="457200" rtl="0" eaLnBrk="1" latinLnBrk="0" hangingPunct="1">
-              <a:defRPr sz="1050" kern="1200">
-                <a:solidFill>
-                  <a:srgbClr val="FFFFFF"/>
-                </a:solidFill>
-                <a:latin typeface="+mn-lt"/>
-                <a:ea typeface="+mn-ea"/>
-                <a:cs typeface="+mn-cs"/>
-              </a:defRPr>
-            </a:lvl1pPr>
-            <a:lvl2pPr marL="457200" algn="l" defTabSz="457200" rtl="0" eaLnBrk="1" latinLnBrk="0" hangingPunct="1">
-              <a:defRPr sz="1800" kern="1200">
-                <a:solidFill>
-                  <a:schemeClr val="tx1"/>
-                </a:solidFill>
-                <a:latin typeface="+mn-lt"/>
-                <a:ea typeface="+mn-ea"/>
-                <a:cs typeface="+mn-cs"/>
-              </a:defRPr>
-            </a:lvl2pPr>
-            <a:lvl3pPr marL="914400" algn="l" defTabSz="457200" rtl="0" eaLnBrk="1" latinLnBrk="0" hangingPunct="1">
-              <a:defRPr sz="1800" kern="1200">
-                <a:solidFill>
-                  <a:schemeClr val="tx1"/>
-                </a:solidFill>
-                <a:latin typeface="+mn-lt"/>
-                <a:ea typeface="+mn-ea"/>
-                <a:cs typeface="+mn-cs"/>
-              </a:defRPr>
-            </a:lvl3pPr>
-            <a:lvl4pPr marL="1371600" algn="l" defTabSz="457200" rtl="0" eaLnBrk="1" latinLnBrk="0" hangingPunct="1">
-              <a:defRPr sz="1800" kern="1200">
-                <a:solidFill>
-                  <a:schemeClr val="tx1"/>
-                </a:solidFill>
-                <a:latin typeface="+mn-lt"/>
-                <a:ea typeface="+mn-ea"/>
-                <a:cs typeface="+mn-cs"/>
-              </a:defRPr>
-            </a:lvl4pPr>
-            <a:lvl5pPr marL="1828800" algn="l" defTabSz="457200" rtl="0" eaLnBrk="1" latinLnBrk="0" hangingPunct="1">
-              <a:defRPr sz="1800" kern="1200">
-                <a:solidFill>
-                  <a:schemeClr val="tx1"/>
-                </a:solidFill>
-                <a:latin typeface="+mn-lt"/>
-                <a:ea typeface="+mn-ea"/>
-                <a:cs typeface="+mn-cs"/>
-              </a:defRPr>
-            </a:lvl5pPr>
-            <a:lvl6pPr marL="2286000" algn="l" defTabSz="457200" rtl="0" eaLnBrk="1" latinLnBrk="0" hangingPunct="1">
-              <a:defRPr sz="1800" kern="1200">
-                <a:solidFill>
-                  <a:schemeClr val="tx1"/>
-                </a:solidFill>
-                <a:latin typeface="+mn-lt"/>
-                <a:ea typeface="+mn-ea"/>
-                <a:cs typeface="+mn-cs"/>
-              </a:defRPr>
-            </a:lvl6pPr>
-            <a:lvl7pPr marL="2743200" algn="l" defTabSz="457200" rtl="0" eaLnBrk="1" latinLnBrk="0" hangingPunct="1">
-              <a:defRPr sz="1800" kern="1200">
-                <a:solidFill>
-                  <a:schemeClr val="tx1"/>
-                </a:solidFill>
-                <a:latin typeface="+mn-lt"/>
-                <a:ea typeface="+mn-ea"/>
-                <a:cs typeface="+mn-cs"/>
-              </a:defRPr>
-            </a:lvl7pPr>
-            <a:lvl8pPr marL="3200400" algn="l" defTabSz="457200" rtl="0" eaLnBrk="1" latinLnBrk="0" hangingPunct="1">
-              <a:defRPr sz="1800" kern="1200">
-                <a:solidFill>
-                  <a:schemeClr val="tx1"/>
-                </a:solidFill>
-                <a:latin typeface="+mn-lt"/>
-                <a:ea typeface="+mn-ea"/>
-                <a:cs typeface="+mn-cs"/>
-              </a:defRPr>
-            </a:lvl8pPr>
-            <a:lvl9pPr marL="3657600" algn="l" defTabSz="457200" rtl="0" eaLnBrk="1" latinLnBrk="0" hangingPunct="1">
-              <a:defRPr sz="1800" kern="1200">
-                <a:solidFill>
-                  <a:schemeClr val="tx1"/>
-                </a:solidFill>
-                <a:latin typeface="+mn-lt"/>
-                <a:ea typeface="+mn-ea"/>
-                <a:cs typeface="+mn-cs"/>
-              </a:defRPr>
-            </a:lvl9pPr>
-          </a:lstStyle>
-          <a:p>
-            <a:r>
-              <a:rPr lang="pt-PT" dirty="0" smtClean="0"/>
-              <a:t>IPVC</a:t>
-            </a:r>
-            <a:endParaRPr lang="pt-PT" dirty="0"/>
-          </a:p>
-        </p:txBody>
-      </p:sp>
-      <p:pic>
-        <p:nvPicPr>
-          <p:cNvPr id="9" name="Picture 4"/>
-          <p:cNvPicPr>
-            <a:picLocks noChangeAspect="1"/>
-          </p:cNvPicPr>
-          <p:nvPr/>
-        </p:nvPicPr>
-        <p:blipFill>
-          <a:blip r:embed="rId2" cstate="print">
-            <a:extLst>
-              <a:ext uri="{28A0092B-C50C-407E-A947-70E740481C1C}">
-                <a14:useLocalDpi xmlns:a14="http://schemas.microsoft.com/office/drawing/2010/main" val="0"/>
-              </a:ext>
-            </a:extLst>
-          </a:blip>
-          <a:stretch>
-            <a:fillRect/>
-          </a:stretch>
-        </p:blipFill>
-        <p:spPr>
-          <a:xfrm>
-            <a:off x="10468855" y="300496"/>
-            <a:ext cx="1373649" cy="916911"/>
-          </a:xfrm>
-          <a:prstGeom prst="rect">
-            <a:avLst/>
-          </a:prstGeom>
-        </p:spPr>
-      </p:pic>
-      <p:sp>
-        <p:nvSpPr>
-          <p:cNvPr id="10" name="Slide Number Placeholder 5"/>
-          <p:cNvSpPr txBox="1">
-            <a:spLocks/>
-          </p:cNvSpPr>
-          <p:nvPr/>
-        </p:nvSpPr>
-        <p:spPr>
-          <a:xfrm>
-            <a:off x="3753131" y="6459785"/>
-            <a:ext cx="4746698" cy="332035"/>
-          </a:xfrm>
-          <a:prstGeom prst="rect">
-            <a:avLst/>
-          </a:prstGeom>
-        </p:spPr>
-        <p:txBody>
-          <a:bodyPr vert="horz" lIns="91440" tIns="45720" rIns="91440" bIns="45720" rtlCol="0" anchor="ctr"/>
-          <a:lstStyle>
-            <a:defPPr>
-              <a:defRPr lang="en-US"/>
-            </a:defPPr>
-            <a:lvl1pPr marL="0" algn="r" defTabSz="457200" rtl="0" eaLnBrk="1" latinLnBrk="0" hangingPunct="1">
-              <a:defRPr sz="1050" kern="1200">
-                <a:solidFill>
-                  <a:srgbClr val="FFFFFF"/>
-                </a:solidFill>
-                <a:latin typeface="+mn-lt"/>
-                <a:ea typeface="+mn-ea"/>
-                <a:cs typeface="+mn-cs"/>
-              </a:defRPr>
-            </a:lvl1pPr>
-            <a:lvl2pPr marL="457200" algn="l" defTabSz="457200" rtl="0" eaLnBrk="1" latinLnBrk="0" hangingPunct="1">
-              <a:defRPr sz="1800" kern="1200">
-                <a:solidFill>
-                  <a:schemeClr val="tx1"/>
-                </a:solidFill>
-                <a:latin typeface="+mn-lt"/>
-                <a:ea typeface="+mn-ea"/>
-                <a:cs typeface="+mn-cs"/>
-              </a:defRPr>
-            </a:lvl2pPr>
-            <a:lvl3pPr marL="914400" algn="l" defTabSz="457200" rtl="0" eaLnBrk="1" latinLnBrk="0" hangingPunct="1">
-              <a:defRPr sz="1800" kern="1200">
-                <a:solidFill>
-                  <a:schemeClr val="tx1"/>
-                </a:solidFill>
-                <a:latin typeface="+mn-lt"/>
-                <a:ea typeface="+mn-ea"/>
-                <a:cs typeface="+mn-cs"/>
-              </a:defRPr>
-            </a:lvl3pPr>
-            <a:lvl4pPr marL="1371600" algn="l" defTabSz="457200" rtl="0" eaLnBrk="1" latinLnBrk="0" hangingPunct="1">
-              <a:defRPr sz="1800" kern="1200">
-                <a:solidFill>
-                  <a:schemeClr val="tx1"/>
-                </a:solidFill>
-                <a:latin typeface="+mn-lt"/>
-                <a:ea typeface="+mn-ea"/>
-                <a:cs typeface="+mn-cs"/>
-              </a:defRPr>
-            </a:lvl4pPr>
-            <a:lvl5pPr marL="1828800" algn="l" defTabSz="457200" rtl="0" eaLnBrk="1" latinLnBrk="0" hangingPunct="1">
-              <a:defRPr sz="1800" kern="1200">
-                <a:solidFill>
-                  <a:schemeClr val="tx1"/>
-                </a:solidFill>
-                <a:latin typeface="+mn-lt"/>
-                <a:ea typeface="+mn-ea"/>
-                <a:cs typeface="+mn-cs"/>
-              </a:defRPr>
-            </a:lvl5pPr>
-            <a:lvl6pPr marL="2286000" algn="l" defTabSz="457200" rtl="0" eaLnBrk="1" latinLnBrk="0" hangingPunct="1">
-              <a:defRPr sz="1800" kern="1200">
-                <a:solidFill>
-                  <a:schemeClr val="tx1"/>
-                </a:solidFill>
-                <a:latin typeface="+mn-lt"/>
-                <a:ea typeface="+mn-ea"/>
-                <a:cs typeface="+mn-cs"/>
-              </a:defRPr>
-            </a:lvl6pPr>
-            <a:lvl7pPr marL="2743200" algn="l" defTabSz="457200" rtl="0" eaLnBrk="1" latinLnBrk="0" hangingPunct="1">
-              <a:defRPr sz="1800" kern="1200">
-                <a:solidFill>
-                  <a:schemeClr val="tx1"/>
-                </a:solidFill>
-                <a:latin typeface="+mn-lt"/>
-                <a:ea typeface="+mn-ea"/>
-                <a:cs typeface="+mn-cs"/>
-              </a:defRPr>
-            </a:lvl7pPr>
-            <a:lvl8pPr marL="3200400" algn="l" defTabSz="457200" rtl="0" eaLnBrk="1" latinLnBrk="0" hangingPunct="1">
-              <a:defRPr sz="1800" kern="1200">
-                <a:solidFill>
-                  <a:schemeClr val="tx1"/>
-                </a:solidFill>
-                <a:latin typeface="+mn-lt"/>
-                <a:ea typeface="+mn-ea"/>
-                <a:cs typeface="+mn-cs"/>
-              </a:defRPr>
-            </a:lvl8pPr>
-            <a:lvl9pPr marL="3657600" algn="l" defTabSz="457200" rtl="0" eaLnBrk="1" latinLnBrk="0" hangingPunct="1">
-              <a:defRPr sz="1800" kern="1200">
-                <a:solidFill>
-                  <a:schemeClr val="tx1"/>
-                </a:solidFill>
-                <a:latin typeface="+mn-lt"/>
-                <a:ea typeface="+mn-ea"/>
-                <a:cs typeface="+mn-cs"/>
-              </a:defRPr>
-            </a:lvl9pPr>
-          </a:lstStyle>
-          <a:p>
-            <a:pPr algn="ctr"/>
-            <a:r>
-              <a:rPr lang="pt-PT" sz="1600" b="1" dirty="0" smtClean="0"/>
-              <a:t>HMI </a:t>
-            </a:r>
-            <a:r>
-              <a:rPr lang="pt-PT" sz="1600" b="1" dirty="0" smtClean="0"/>
-              <a:t>para Fabrico Aditivo – Conclusões Preliminares</a:t>
-            </a:r>
-            <a:endParaRPr lang="pt-PT" sz="1600" b="1" dirty="0"/>
-          </a:p>
-        </p:txBody>
-      </p:sp>
-      <p:sp>
-        <p:nvSpPr>
-          <p:cNvPr id="8" name="TextBox 6"/>
-          <p:cNvSpPr txBox="1"/>
-          <p:nvPr/>
-        </p:nvSpPr>
-        <p:spPr>
-          <a:xfrm>
-            <a:off x="252980" y="300496"/>
-            <a:ext cx="11747000" cy="4524315"/>
-          </a:xfrm>
-          <a:prstGeom prst="rect">
-            <a:avLst/>
-          </a:prstGeom>
-          <a:noFill/>
-        </p:spPr>
-        <p:txBody>
-          <a:bodyPr wrap="square" rtlCol="0">
-            <a:spAutoFit/>
-          </a:bodyPr>
-          <a:lstStyle/>
-          <a:p>
-            <a:r>
-              <a:rPr lang="pt-PT" sz="2400" b="1" u="sng" dirty="0" smtClean="0"/>
-              <a:t>Conclusões Preliminares</a:t>
-            </a:r>
-            <a:endParaRPr lang="pt-PT" sz="2400" b="1" u="sng" dirty="0"/>
-          </a:p>
-          <a:p>
-            <a:endParaRPr lang="pt-PT" sz="2400" dirty="0" smtClean="0"/>
-          </a:p>
-          <a:p>
-            <a:endParaRPr lang="pt-PT" sz="2400" dirty="0" smtClean="0"/>
-          </a:p>
-          <a:p>
-            <a:pPr marL="342900" indent="-342900">
-              <a:buFont typeface="Arial" panose="020B0604020202020204" pitchFamily="34" charset="0"/>
-              <a:buChar char="•"/>
-            </a:pPr>
-            <a:endParaRPr lang="pt-PT" sz="2400" dirty="0" smtClean="0"/>
-          </a:p>
-          <a:p>
-            <a:pPr marL="342900" indent="-342900">
-              <a:buFont typeface="Arial" panose="020B0604020202020204" pitchFamily="34" charset="0"/>
-              <a:buChar char="•"/>
-            </a:pPr>
-            <a:r>
-              <a:rPr lang="pt-PT" sz="2400" dirty="0" smtClean="0"/>
-              <a:t>Proposta de projeto para desenvolver HMI adaptada ao processo de Fabrico Aditivo</a:t>
-            </a:r>
-          </a:p>
-          <a:p>
-            <a:pPr marL="342900" indent="-342900">
-              <a:buFont typeface="Arial" panose="020B0604020202020204" pitchFamily="34" charset="0"/>
-              <a:buChar char="•"/>
-            </a:pPr>
-            <a:endParaRPr lang="pt-PT" sz="2400" dirty="0"/>
-          </a:p>
-          <a:p>
-            <a:pPr marL="342900" indent="-342900">
-              <a:buFont typeface="Arial" panose="020B0604020202020204" pitchFamily="34" charset="0"/>
-              <a:buChar char="•"/>
-            </a:pPr>
-            <a:r>
-              <a:rPr lang="pt-PT" sz="2400" dirty="0" smtClean="0"/>
-              <a:t>Estudo do estado da arte onde se encontraram alguns casos relacionados</a:t>
-            </a:r>
-          </a:p>
-          <a:p>
-            <a:pPr marL="342900" indent="-342900">
-              <a:buFont typeface="Arial" panose="020B0604020202020204" pitchFamily="34" charset="0"/>
-              <a:buChar char="•"/>
-            </a:pPr>
-            <a:endParaRPr lang="pt-PT" sz="2400" dirty="0"/>
-          </a:p>
-          <a:p>
-            <a:pPr marL="342900" indent="-342900">
-              <a:buFont typeface="Arial" panose="020B0604020202020204" pitchFamily="34" charset="0"/>
-              <a:buChar char="•"/>
-            </a:pPr>
-            <a:r>
-              <a:rPr lang="pt-PT" sz="2400" dirty="0" smtClean="0"/>
-              <a:t>Desenvolvimento de um protótipo funcional </a:t>
-            </a:r>
-            <a:r>
-              <a:rPr lang="pt-PT" sz="2400" dirty="0" smtClean="0">
-                <a:sym typeface="Wingdings" panose="05000000000000000000" pitchFamily="2" charset="2"/>
-              </a:rPr>
-              <a:t>Arquitetura e tecnologias utilizadas validadas</a:t>
-            </a:r>
-            <a:endParaRPr lang="pt-PT" sz="2400" dirty="0" smtClean="0"/>
-          </a:p>
-          <a:p>
-            <a:pPr marL="342900" indent="-342900">
-              <a:buFont typeface="Arial" panose="020B0604020202020204" pitchFamily="34" charset="0"/>
-              <a:buChar char="•"/>
-            </a:pPr>
-            <a:endParaRPr lang="pt-PT" sz="2400" dirty="0"/>
-          </a:p>
-          <a:p>
-            <a:pPr marL="342900" indent="-342900">
-              <a:buFont typeface="Arial" panose="020B0604020202020204" pitchFamily="34" charset="0"/>
-              <a:buChar char="•"/>
-            </a:pPr>
-            <a:endParaRPr lang="pt-PT" sz="2400" dirty="0" smtClean="0"/>
-          </a:p>
-        </p:txBody>
-      </p:sp>
-    </p:spTree>
-    <p:extLst>
-      <p:ext uri="{BB962C8B-B14F-4D97-AF65-F5344CB8AC3E}">
-        <p14:creationId xmlns:p14="http://schemas.microsoft.com/office/powerpoint/2010/main" val="2252076618"/>
-      </p:ext>
-    </p:extLst>
-  </p:cSld>
-  <p:clrMapOvr>
-    <a:masterClrMapping/>
-  </p:clrMapOvr>
-  <p:timing>
-    <p:tnLst>
-      <p:par>
-        <p:cTn id="1" dur="indefinite" restart="never" nodeType="tmRoot"/>
-      </p:par>
-    </p:tnLst>
-  </p:timing>
-</p:sld>
-</file>
-
-<file path=ppt/slides/slide21.xml><?xml version="1.0" encoding="utf-8"?>
-<p:sld xmlns:a="http://schemas.openxmlformats.org/drawingml/2006/main" xmlns:r="http://schemas.openxmlformats.org/officeDocument/2006/relationships" xmlns:p="http://schemas.openxmlformats.org/presentationml/2006/main">
-  <p:cSld>
-    <p:spTree>
-      <p:nvGrpSpPr>
-        <p:cNvPr id="1" name=""/>
-        <p:cNvGrpSpPr/>
-        <p:nvPr/>
-      </p:nvGrpSpPr>
-      <p:grpSpPr>
-        <a:xfrm>
-          <a:off x="0" y="0"/>
-          <a:ext cx="0" cy="0"/>
-          <a:chOff x="0" y="0"/>
-          <a:chExt cx="0" cy="0"/>
-        </a:xfrm>
-      </p:grpSpPr>
-      <p:sp>
-        <p:nvSpPr>
-          <p:cNvPr id="2" name="Title 1"/>
-          <p:cNvSpPr>
-            <a:spLocks noGrp="1"/>
-          </p:cNvSpPr>
-          <p:nvPr>
-            <p:ph type="ctrTitle"/>
-          </p:nvPr>
-        </p:nvSpPr>
-        <p:spPr>
-          <a:xfrm>
-            <a:off x="1097280" y="2013615"/>
-            <a:ext cx="10058400" cy="1453025"/>
-          </a:xfrm>
-        </p:spPr>
-        <p:txBody>
-          <a:bodyPr/>
-          <a:lstStyle/>
-          <a:p>
-            <a:pPr algn="ctr"/>
-            <a:r>
-              <a:rPr lang="pt-PT" dirty="0" smtClean="0"/>
-              <a:t>Questões?</a:t>
-            </a:r>
-            <a:endParaRPr lang="pt-PT" dirty="0"/>
-          </a:p>
-        </p:txBody>
-      </p:sp>
-      <p:sp>
-        <p:nvSpPr>
-          <p:cNvPr id="3" name="Subtitle 2"/>
-          <p:cNvSpPr>
-            <a:spLocks noGrp="1"/>
-          </p:cNvSpPr>
-          <p:nvPr>
-            <p:ph type="subTitle" idx="1"/>
-          </p:nvPr>
-        </p:nvSpPr>
-        <p:spPr>
-          <a:xfrm>
-            <a:off x="4084320" y="4002518"/>
-            <a:ext cx="4084320" cy="2124474"/>
-          </a:xfrm>
-        </p:spPr>
-        <p:txBody>
-          <a:bodyPr>
-            <a:normAutofit fontScale="92500" lnSpcReduction="20000"/>
-          </a:bodyPr>
-          <a:lstStyle/>
-          <a:p>
-            <a:endParaRPr lang="pt-PT" dirty="0" smtClean="0"/>
-          </a:p>
-          <a:p>
-            <a:endParaRPr lang="pt-PT" dirty="0"/>
-          </a:p>
-          <a:p>
-            <a:endParaRPr lang="pt-PT" dirty="0" smtClean="0"/>
-          </a:p>
-          <a:p>
-            <a:r>
-              <a:rPr lang="pt-PT" dirty="0" smtClean="0"/>
-              <a:t>Marco </a:t>
-            </a:r>
-            <a:r>
-              <a:rPr lang="pt-PT" dirty="0"/>
-              <a:t>rodrigues </a:t>
-            </a:r>
-            <a:r>
-              <a:rPr lang="pt-PT" dirty="0" smtClean="0"/>
-              <a:t>nº4652</a:t>
-            </a:r>
-          </a:p>
-          <a:p>
-            <a:r>
-              <a:rPr lang="pt-PT" dirty="0" smtClean="0"/>
-              <a:t>marcorodrigues@ipvc.pt</a:t>
-            </a:r>
-          </a:p>
-          <a:p>
-            <a:endParaRPr lang="pt-PT" dirty="0"/>
-          </a:p>
-          <a:p>
-            <a:endParaRPr lang="pt-PT" dirty="0" smtClean="0"/>
-          </a:p>
-          <a:p>
-            <a:endParaRPr lang="pt-PT" dirty="0" smtClean="0"/>
-          </a:p>
-        </p:txBody>
-      </p:sp>
-      <p:pic>
-        <p:nvPicPr>
-          <p:cNvPr id="5" name="Picture 4"/>
-          <p:cNvPicPr>
-            <a:picLocks noChangeAspect="1"/>
-          </p:cNvPicPr>
-          <p:nvPr/>
-        </p:nvPicPr>
-        <p:blipFill>
-          <a:blip r:embed="rId2" cstate="print">
-            <a:extLst>
-              <a:ext uri="{28A0092B-C50C-407E-A947-70E740481C1C}">
-                <a14:useLocalDpi xmlns:a14="http://schemas.microsoft.com/office/drawing/2010/main" val="0"/>
-              </a:ext>
-            </a:extLst>
-          </a:blip>
-          <a:stretch>
-            <a:fillRect/>
-          </a:stretch>
-        </p:blipFill>
-        <p:spPr>
-          <a:xfrm>
-            <a:off x="10468855" y="300496"/>
-            <a:ext cx="1373649" cy="916911"/>
-          </a:xfrm>
-          <a:prstGeom prst="rect">
-            <a:avLst/>
-          </a:prstGeom>
-        </p:spPr>
-      </p:pic>
-      <p:sp>
-        <p:nvSpPr>
-          <p:cNvPr id="6" name="Slide Number Placeholder 5"/>
-          <p:cNvSpPr>
-            <a:spLocks noGrp="1"/>
-          </p:cNvSpPr>
-          <p:nvPr>
-            <p:ph type="sldNum" sz="quarter" idx="12"/>
-          </p:nvPr>
-        </p:nvSpPr>
-        <p:spPr/>
-        <p:txBody>
-          <a:bodyPr/>
-          <a:lstStyle/>
-          <a:p>
-            <a:fld id="{422D536B-584E-486B-9435-086987A3D916}" type="slidenum">
-              <a:rPr lang="pt-PT" smtClean="0"/>
-              <a:t>21</a:t>
-            </a:fld>
-            <a:endParaRPr lang="pt-PT" dirty="0"/>
-          </a:p>
-        </p:txBody>
-      </p:sp>
-      <p:sp>
-        <p:nvSpPr>
-          <p:cNvPr id="8" name="Slide Number Placeholder 5"/>
-          <p:cNvSpPr txBox="1">
-            <a:spLocks/>
-          </p:cNvSpPr>
-          <p:nvPr/>
-        </p:nvSpPr>
-        <p:spPr>
-          <a:xfrm>
-            <a:off x="0" y="6464982"/>
-            <a:ext cx="475129" cy="365125"/>
-          </a:xfrm>
-          <a:prstGeom prst="rect">
-            <a:avLst/>
-          </a:prstGeom>
-        </p:spPr>
-        <p:txBody>
-          <a:bodyPr vert="horz" lIns="91440" tIns="45720" rIns="91440" bIns="45720" rtlCol="0" anchor="ctr"/>
-          <a:lstStyle>
-            <a:defPPr>
-              <a:defRPr lang="en-US"/>
-            </a:defPPr>
-            <a:lvl1pPr marL="0" algn="r" defTabSz="457200" rtl="0" eaLnBrk="1" latinLnBrk="0" hangingPunct="1">
-              <a:defRPr sz="1050" kern="1200">
-                <a:solidFill>
-                  <a:srgbClr val="FFFFFF"/>
-                </a:solidFill>
-                <a:latin typeface="+mn-lt"/>
-                <a:ea typeface="+mn-ea"/>
-                <a:cs typeface="+mn-cs"/>
-              </a:defRPr>
-            </a:lvl1pPr>
-            <a:lvl2pPr marL="457200" algn="l" defTabSz="457200" rtl="0" eaLnBrk="1" latinLnBrk="0" hangingPunct="1">
-              <a:defRPr sz="1800" kern="1200">
-                <a:solidFill>
-                  <a:schemeClr val="tx1"/>
-                </a:solidFill>
-                <a:latin typeface="+mn-lt"/>
-                <a:ea typeface="+mn-ea"/>
-                <a:cs typeface="+mn-cs"/>
-              </a:defRPr>
-            </a:lvl2pPr>
-            <a:lvl3pPr marL="914400" algn="l" defTabSz="457200" rtl="0" eaLnBrk="1" latinLnBrk="0" hangingPunct="1">
-              <a:defRPr sz="1800" kern="1200">
-                <a:solidFill>
-                  <a:schemeClr val="tx1"/>
-                </a:solidFill>
-                <a:latin typeface="+mn-lt"/>
-                <a:ea typeface="+mn-ea"/>
-                <a:cs typeface="+mn-cs"/>
-              </a:defRPr>
-            </a:lvl3pPr>
-            <a:lvl4pPr marL="1371600" algn="l" defTabSz="457200" rtl="0" eaLnBrk="1" latinLnBrk="0" hangingPunct="1">
-              <a:defRPr sz="1800" kern="1200">
-                <a:solidFill>
-                  <a:schemeClr val="tx1"/>
-                </a:solidFill>
-                <a:latin typeface="+mn-lt"/>
-                <a:ea typeface="+mn-ea"/>
-                <a:cs typeface="+mn-cs"/>
-              </a:defRPr>
-            </a:lvl4pPr>
-            <a:lvl5pPr marL="1828800" algn="l" defTabSz="457200" rtl="0" eaLnBrk="1" latinLnBrk="0" hangingPunct="1">
-              <a:defRPr sz="1800" kern="1200">
-                <a:solidFill>
-                  <a:schemeClr val="tx1"/>
-                </a:solidFill>
-                <a:latin typeface="+mn-lt"/>
-                <a:ea typeface="+mn-ea"/>
-                <a:cs typeface="+mn-cs"/>
-              </a:defRPr>
-            </a:lvl5pPr>
-            <a:lvl6pPr marL="2286000" algn="l" defTabSz="457200" rtl="0" eaLnBrk="1" latinLnBrk="0" hangingPunct="1">
-              <a:defRPr sz="1800" kern="1200">
-                <a:solidFill>
-                  <a:schemeClr val="tx1"/>
-                </a:solidFill>
-                <a:latin typeface="+mn-lt"/>
-                <a:ea typeface="+mn-ea"/>
-                <a:cs typeface="+mn-cs"/>
-              </a:defRPr>
-            </a:lvl6pPr>
-            <a:lvl7pPr marL="2743200" algn="l" defTabSz="457200" rtl="0" eaLnBrk="1" latinLnBrk="0" hangingPunct="1">
-              <a:defRPr sz="1800" kern="1200">
-                <a:solidFill>
-                  <a:schemeClr val="tx1"/>
-                </a:solidFill>
-                <a:latin typeface="+mn-lt"/>
-                <a:ea typeface="+mn-ea"/>
-                <a:cs typeface="+mn-cs"/>
-              </a:defRPr>
-            </a:lvl7pPr>
-            <a:lvl8pPr marL="3200400" algn="l" defTabSz="457200" rtl="0" eaLnBrk="1" latinLnBrk="0" hangingPunct="1">
-              <a:defRPr sz="1800" kern="1200">
-                <a:solidFill>
-                  <a:schemeClr val="tx1"/>
-                </a:solidFill>
-                <a:latin typeface="+mn-lt"/>
-                <a:ea typeface="+mn-ea"/>
-                <a:cs typeface="+mn-cs"/>
-              </a:defRPr>
-            </a:lvl8pPr>
-            <a:lvl9pPr marL="3657600" algn="l" defTabSz="457200" rtl="0" eaLnBrk="1" latinLnBrk="0" hangingPunct="1">
-              <a:defRPr sz="1800" kern="1200">
-                <a:solidFill>
-                  <a:schemeClr val="tx1"/>
-                </a:solidFill>
-                <a:latin typeface="+mn-lt"/>
-                <a:ea typeface="+mn-ea"/>
-                <a:cs typeface="+mn-cs"/>
-              </a:defRPr>
-            </a:lvl9pPr>
-          </a:lstStyle>
-          <a:p>
-            <a:r>
-              <a:rPr lang="pt-PT" dirty="0" smtClean="0"/>
-              <a:t>IPVC</a:t>
-            </a:r>
-            <a:endParaRPr lang="pt-PT" dirty="0"/>
-          </a:p>
-        </p:txBody>
-      </p:sp>
-      <p:pic>
-        <p:nvPicPr>
-          <p:cNvPr id="11" name="Imagem 10"/>
-          <p:cNvPicPr>
-            <a:picLocks noChangeAspect="1"/>
-          </p:cNvPicPr>
-          <p:nvPr/>
-        </p:nvPicPr>
-        <p:blipFill>
-          <a:blip r:embed="rId3" cstate="print">
-            <a:extLst>
-              <a:ext uri="{28A0092B-C50C-407E-A947-70E740481C1C}">
-                <a14:useLocalDpi xmlns:a14="http://schemas.microsoft.com/office/drawing/2010/main" val="0"/>
-              </a:ext>
-            </a:extLst>
-          </a:blip>
-          <a:stretch>
-            <a:fillRect/>
-          </a:stretch>
-        </p:blipFill>
-        <p:spPr>
-          <a:xfrm>
-            <a:off x="0" y="300496"/>
-            <a:ext cx="1555746" cy="1037905"/>
-          </a:xfrm>
-          <a:prstGeom prst="rect">
-            <a:avLst/>
-          </a:prstGeom>
-        </p:spPr>
-      </p:pic>
-      <p:sp>
-        <p:nvSpPr>
-          <p:cNvPr id="9" name="Slide Number Placeholder 5"/>
-          <p:cNvSpPr txBox="1">
-            <a:spLocks/>
-          </p:cNvSpPr>
-          <p:nvPr/>
-        </p:nvSpPr>
-        <p:spPr>
-          <a:xfrm>
-            <a:off x="3908571" y="6492875"/>
-            <a:ext cx="4435818" cy="365125"/>
-          </a:xfrm>
-          <a:prstGeom prst="rect">
-            <a:avLst/>
-          </a:prstGeom>
-        </p:spPr>
-        <p:txBody>
-          <a:bodyPr vert="horz" lIns="91440" tIns="45720" rIns="91440" bIns="45720" rtlCol="0" anchor="ctr"/>
-          <a:lstStyle>
-            <a:defPPr>
-              <a:defRPr lang="en-US"/>
-            </a:defPPr>
-            <a:lvl1pPr marL="0" algn="r" defTabSz="457200" rtl="0" eaLnBrk="1" latinLnBrk="0" hangingPunct="1">
-              <a:defRPr sz="1050" kern="1200">
-                <a:solidFill>
-                  <a:srgbClr val="FFFFFF"/>
-                </a:solidFill>
-                <a:latin typeface="+mn-lt"/>
-                <a:ea typeface="+mn-ea"/>
-                <a:cs typeface="+mn-cs"/>
-              </a:defRPr>
-            </a:lvl1pPr>
-            <a:lvl2pPr marL="457200" algn="l" defTabSz="457200" rtl="0" eaLnBrk="1" latinLnBrk="0" hangingPunct="1">
-              <a:defRPr sz="1800" kern="1200">
-                <a:solidFill>
-                  <a:schemeClr val="tx1"/>
-                </a:solidFill>
-                <a:latin typeface="+mn-lt"/>
-                <a:ea typeface="+mn-ea"/>
-                <a:cs typeface="+mn-cs"/>
-              </a:defRPr>
-            </a:lvl2pPr>
-            <a:lvl3pPr marL="914400" algn="l" defTabSz="457200" rtl="0" eaLnBrk="1" latinLnBrk="0" hangingPunct="1">
-              <a:defRPr sz="1800" kern="1200">
-                <a:solidFill>
-                  <a:schemeClr val="tx1"/>
-                </a:solidFill>
-                <a:latin typeface="+mn-lt"/>
-                <a:ea typeface="+mn-ea"/>
-                <a:cs typeface="+mn-cs"/>
-              </a:defRPr>
-            </a:lvl3pPr>
-            <a:lvl4pPr marL="1371600" algn="l" defTabSz="457200" rtl="0" eaLnBrk="1" latinLnBrk="0" hangingPunct="1">
-              <a:defRPr sz="1800" kern="1200">
-                <a:solidFill>
-                  <a:schemeClr val="tx1"/>
-                </a:solidFill>
-                <a:latin typeface="+mn-lt"/>
-                <a:ea typeface="+mn-ea"/>
-                <a:cs typeface="+mn-cs"/>
-              </a:defRPr>
-            </a:lvl4pPr>
-            <a:lvl5pPr marL="1828800" algn="l" defTabSz="457200" rtl="0" eaLnBrk="1" latinLnBrk="0" hangingPunct="1">
-              <a:defRPr sz="1800" kern="1200">
-                <a:solidFill>
-                  <a:schemeClr val="tx1"/>
-                </a:solidFill>
-                <a:latin typeface="+mn-lt"/>
-                <a:ea typeface="+mn-ea"/>
-                <a:cs typeface="+mn-cs"/>
-              </a:defRPr>
-            </a:lvl5pPr>
-            <a:lvl6pPr marL="2286000" algn="l" defTabSz="457200" rtl="0" eaLnBrk="1" latinLnBrk="0" hangingPunct="1">
-              <a:defRPr sz="1800" kern="1200">
-                <a:solidFill>
-                  <a:schemeClr val="tx1"/>
-                </a:solidFill>
-                <a:latin typeface="+mn-lt"/>
-                <a:ea typeface="+mn-ea"/>
-                <a:cs typeface="+mn-cs"/>
-              </a:defRPr>
-            </a:lvl6pPr>
-            <a:lvl7pPr marL="2743200" algn="l" defTabSz="457200" rtl="0" eaLnBrk="1" latinLnBrk="0" hangingPunct="1">
-              <a:defRPr sz="1800" kern="1200">
-                <a:solidFill>
-                  <a:schemeClr val="tx1"/>
-                </a:solidFill>
-                <a:latin typeface="+mn-lt"/>
-                <a:ea typeface="+mn-ea"/>
-                <a:cs typeface="+mn-cs"/>
-              </a:defRPr>
-            </a:lvl7pPr>
-            <a:lvl8pPr marL="3200400" algn="l" defTabSz="457200" rtl="0" eaLnBrk="1" latinLnBrk="0" hangingPunct="1">
-              <a:defRPr sz="1800" kern="1200">
-                <a:solidFill>
-                  <a:schemeClr val="tx1"/>
-                </a:solidFill>
-                <a:latin typeface="+mn-lt"/>
-                <a:ea typeface="+mn-ea"/>
-                <a:cs typeface="+mn-cs"/>
-              </a:defRPr>
-            </a:lvl8pPr>
-            <a:lvl9pPr marL="3657600" algn="l" defTabSz="457200" rtl="0" eaLnBrk="1" latinLnBrk="0" hangingPunct="1">
-              <a:defRPr sz="1800" kern="1200">
-                <a:solidFill>
-                  <a:schemeClr val="tx1"/>
-                </a:solidFill>
-                <a:latin typeface="+mn-lt"/>
-                <a:ea typeface="+mn-ea"/>
-                <a:cs typeface="+mn-cs"/>
-              </a:defRPr>
-            </a:lvl9pPr>
-          </a:lstStyle>
-          <a:p>
-            <a:pPr algn="ctr"/>
-            <a:r>
-              <a:rPr lang="pt-PT" sz="1600" b="1" dirty="0" smtClean="0"/>
-              <a:t>IHM para Fabrico Aditivo – Fim</a:t>
-            </a:r>
-            <a:endParaRPr lang="pt-PT" sz="1600" b="1" dirty="0"/>
-          </a:p>
-        </p:txBody>
-      </p:sp>
-    </p:spTree>
-    <p:extLst>
-      <p:ext uri="{BB962C8B-B14F-4D97-AF65-F5344CB8AC3E}">
-        <p14:creationId xmlns:p14="http://schemas.microsoft.com/office/powerpoint/2010/main" val="337673279"/>
       </p:ext>
     </p:extLst>
   </p:cSld>
@@ -12301,11 +8116,7 @@
             <a:pPr algn="ctr"/>
             <a:r>
               <a:rPr lang="pt-PT" sz="1600" b="1" dirty="0" smtClean="0"/>
-              <a:t>HMI </a:t>
-            </a:r>
-            <a:r>
-              <a:rPr lang="pt-PT" sz="1600" b="1" dirty="0" smtClean="0"/>
-              <a:t>para Fabrico Aditivo - Introdução</a:t>
+              <a:t>HMI para Fabrico Aditivo - Introdução</a:t>
             </a:r>
             <a:endParaRPr lang="pt-PT" sz="1600" b="1" dirty="0"/>
           </a:p>
@@ -12859,11 +8670,7 @@
             <a:pPr algn="ctr"/>
             <a:r>
               <a:rPr lang="pt-PT" sz="1600" b="1" dirty="0" smtClean="0"/>
-              <a:t>HMI </a:t>
-            </a:r>
-            <a:r>
-              <a:rPr lang="pt-PT" sz="1600" b="1" dirty="0" smtClean="0"/>
-              <a:t>para Fabrico Aditivo - Introdução</a:t>
+              <a:t>HMI para Fabrico Aditivo - Introdução</a:t>
             </a:r>
             <a:endParaRPr lang="pt-PT" sz="1600" b="1" dirty="0"/>
           </a:p>
@@ -13596,11 +9403,7 @@
             <a:pPr algn="ctr"/>
             <a:r>
               <a:rPr lang="pt-PT" sz="1600" b="1" dirty="0" smtClean="0"/>
-              <a:t>HMI </a:t>
-            </a:r>
-            <a:r>
-              <a:rPr lang="pt-PT" sz="1600" b="1" dirty="0" smtClean="0"/>
-              <a:t>para Fabrico Aditivo - Introdução</a:t>
+              <a:t>HMI para Fabrico Aditivo - Introdução</a:t>
             </a:r>
             <a:endParaRPr lang="pt-PT" sz="1600" b="1" dirty="0"/>
           </a:p>
@@ -13651,8 +9454,8 @@
         </p:nvSpPr>
         <p:spPr>
           <a:xfrm>
-            <a:off x="444999" y="166025"/>
-            <a:ext cx="11816669" cy="11295400"/>
+            <a:off x="445000" y="166025"/>
+            <a:ext cx="11747000" cy="4770537"/>
           </a:xfrm>
           <a:prstGeom prst="rect">
             <a:avLst/>
@@ -13667,162 +9470,17 @@
           <a:p>
             <a:r>
               <a:rPr lang="pt-PT" sz="3200" b="1" dirty="0" smtClean="0"/>
-              <a:t>Automação</a:t>
-            </a:r>
-          </a:p>
-          <a:p>
-            <a:pPr marL="342900" indent="-342900">
-              <a:buFont typeface="Arial" panose="020B0604020202020204" pitchFamily="34" charset="0"/>
-              <a:buChar char="•"/>
-            </a:pPr>
-            <a:endParaRPr lang="pt-PT" sz="2400" dirty="0" smtClean="0"/>
-          </a:p>
-          <a:p>
-            <a:pPr marL="342900" indent="-342900">
-              <a:buFont typeface="Arial" panose="020B0604020202020204" pitchFamily="34" charset="0"/>
-              <a:buChar char="•"/>
-            </a:pPr>
-            <a:r>
-              <a:rPr lang="pt-PT" sz="2400" dirty="0" smtClean="0"/>
-              <a:t>“Processo </a:t>
-            </a:r>
-            <a:r>
-              <a:rPr lang="pt-PT" sz="2400" dirty="0"/>
-              <a:t>de controlo e de monitorização de atividades e de tarefas de forma autónoma”(Carvalho &amp; Ferrolho, 2016, p. 3</a:t>
-            </a:r>
-            <a:r>
-              <a:rPr lang="pt-PT" sz="2400" dirty="0" smtClean="0"/>
-              <a:t>)</a:t>
-            </a:r>
-          </a:p>
-          <a:p>
-            <a:pPr marL="342900" indent="-342900">
-              <a:buFont typeface="Arial" panose="020B0604020202020204" pitchFamily="34" charset="0"/>
-              <a:buChar char="•"/>
-            </a:pPr>
+              <a:t>Casos de Estudo</a:t>
+            </a:r>
+            <a:endParaRPr lang="pt-PT" sz="3200" b="1" dirty="0"/>
+          </a:p>
+          <a:p>
+            <a:endParaRPr lang="pt-PT" sz="3200" b="1" dirty="0" smtClean="0"/>
+          </a:p>
+          <a:p>
             <a:endParaRPr lang="pt-PT" sz="2400" dirty="0"/>
           </a:p>
           <a:p>
-            <a:pPr marL="342900" indent="-342900">
-              <a:buFont typeface="Arial" panose="020B0604020202020204" pitchFamily="34" charset="0"/>
-              <a:buChar char="•"/>
-            </a:pPr>
-            <a:r>
-              <a:rPr lang="pt-PT" sz="2400" dirty="0" smtClean="0"/>
-              <a:t>Com implementação </a:t>
-            </a:r>
-            <a:r>
-              <a:rPr lang="pt-PT" sz="2400" dirty="0"/>
-              <a:t>da automação em ambiente industrial procura-se reduzir ao máximo, ou </a:t>
-            </a:r>
-            <a:r>
-              <a:rPr lang="pt-PT" sz="2400" dirty="0" smtClean="0"/>
-              <a:t>substituir</a:t>
-            </a:r>
-            <a:r>
-              <a:rPr lang="pt-PT" sz="2400" dirty="0"/>
-              <a:t>, a intervenção humana por sistemas automáticos (Dorf &amp; Bishop, 2010, p. 7)</a:t>
-            </a:r>
-          </a:p>
-          <a:p>
-            <a:pPr marL="342900" indent="-342900">
-              <a:buFont typeface="Arial" panose="020B0604020202020204" pitchFamily="34" charset="0"/>
-              <a:buChar char="•"/>
-            </a:pPr>
-            <a:endParaRPr lang="pt-PT" sz="2400" dirty="0" smtClean="0"/>
-          </a:p>
-          <a:p>
-            <a:pPr marL="342900" indent="-342900">
-              <a:buFont typeface="Arial" panose="020B0604020202020204" pitchFamily="34" charset="0"/>
-              <a:buChar char="•"/>
-            </a:pPr>
-            <a:endParaRPr lang="pt-PT" sz="2400" dirty="0" smtClean="0"/>
-          </a:p>
-          <a:p>
-            <a:pPr marL="342900" indent="-342900">
-              <a:buFont typeface="Arial" panose="020B0604020202020204" pitchFamily="34" charset="0"/>
-              <a:buChar char="•"/>
-            </a:pPr>
-            <a:endParaRPr lang="pt-PT" sz="2400" dirty="0"/>
-          </a:p>
-          <a:p>
-            <a:endParaRPr lang="pt-PT" sz="2400" dirty="0" smtClean="0"/>
-          </a:p>
-          <a:p>
-            <a:pPr marL="342900" indent="-342900">
-              <a:buFont typeface="Arial" panose="020B0604020202020204" pitchFamily="34" charset="0"/>
-              <a:buChar char="•"/>
-            </a:pPr>
-            <a:endParaRPr lang="pt-PT" sz="2400" dirty="0" smtClean="0"/>
-          </a:p>
-          <a:p>
-            <a:pPr marL="342900" indent="-342900">
-              <a:buFont typeface="Arial" panose="020B0604020202020204" pitchFamily="34" charset="0"/>
-              <a:buChar char="•"/>
-            </a:pPr>
-            <a:r>
-              <a:rPr lang="pt-PT" sz="2400" dirty="0" smtClean="0"/>
-              <a:t>Controlo </a:t>
-            </a:r>
-            <a:r>
-              <a:rPr lang="pt-PT" sz="2400" dirty="0"/>
-              <a:t>e monitorização de tarefas de forma </a:t>
-            </a:r>
-            <a:r>
-              <a:rPr lang="pt-PT" sz="2400" dirty="0" smtClean="0"/>
-              <a:t>autónoma</a:t>
-            </a:r>
-          </a:p>
-          <a:p>
-            <a:pPr marL="342900" indent="-342900">
-              <a:buFont typeface="Arial" panose="020B0604020202020204" pitchFamily="34" charset="0"/>
-              <a:buChar char="•"/>
-            </a:pPr>
-            <a:endParaRPr lang="pt-PT" sz="2400" dirty="0"/>
-          </a:p>
-          <a:p>
-            <a:pPr marL="342900" indent="-342900">
-              <a:buFont typeface="Arial" panose="020B0604020202020204" pitchFamily="34" charset="0"/>
-              <a:buChar char="•"/>
-            </a:pPr>
-            <a:r>
-              <a:rPr lang="pt-PT" sz="2400" dirty="0" smtClean="0"/>
-              <a:t>Objetivos: melhorar produtividade, acelerar processos, reduzir custos, aumentar segurança, etc</a:t>
-            </a:r>
-          </a:p>
-          <a:p>
-            <a:pPr marL="342900" indent="-342900">
-              <a:buFont typeface="Arial" panose="020B0604020202020204" pitchFamily="34" charset="0"/>
-              <a:buChar char="•"/>
-            </a:pPr>
-            <a:endParaRPr lang="pt-PT" sz="2400" dirty="0"/>
-          </a:p>
-          <a:p>
-            <a:pPr marL="342900" indent="-342900">
-              <a:buFont typeface="Arial" panose="020B0604020202020204" pitchFamily="34" charset="0"/>
-              <a:buChar char="•"/>
-            </a:pPr>
-            <a:endParaRPr lang="pt-PT" sz="2400" dirty="0" smtClean="0"/>
-          </a:p>
-          <a:p>
-            <a:pPr marL="342900" indent="-342900">
-              <a:buFont typeface="Arial" panose="020B0604020202020204" pitchFamily="34" charset="0"/>
-              <a:buChar char="•"/>
-            </a:pPr>
-            <a:endParaRPr lang="pt-PT" sz="2400" dirty="0" smtClean="0"/>
-          </a:p>
-          <a:p>
-            <a:pPr lvl="1"/>
-            <a:endParaRPr lang="pt-PT" sz="2400" dirty="0" smtClean="0"/>
-          </a:p>
-          <a:p>
-            <a:endParaRPr lang="pt-PT" sz="2400" dirty="0" smtClean="0"/>
-          </a:p>
-          <a:p>
-            <a:pPr marL="342900" indent="-342900">
-              <a:buFont typeface="Arial" panose="020B0604020202020204" pitchFamily="34" charset="0"/>
-              <a:buChar char="•"/>
-            </a:pPr>
             <a:endParaRPr lang="pt-PT" sz="2400" dirty="0" smtClean="0"/>
           </a:p>
           <a:p>
@@ -14059,12 +9717,134 @@
           </a:prstGeom>
         </p:spPr>
       </p:pic>
+      <p:sp>
+        <p:nvSpPr>
+          <p:cNvPr id="10" name="Slide Number Placeholder 5"/>
+          <p:cNvSpPr txBox="1">
+            <a:spLocks/>
+          </p:cNvSpPr>
+          <p:nvPr/>
+        </p:nvSpPr>
+        <p:spPr>
+          <a:xfrm>
+            <a:off x="3908571" y="6492875"/>
+            <a:ext cx="4435818" cy="365125"/>
+          </a:xfrm>
+          <a:prstGeom prst="rect">
+            <a:avLst/>
+          </a:prstGeom>
+        </p:spPr>
+        <p:txBody>
+          <a:bodyPr vert="horz" lIns="91440" tIns="45720" rIns="91440" bIns="45720" rtlCol="0" anchor="ctr"/>
+          <a:lstStyle>
+            <a:defPPr>
+              <a:defRPr lang="en-US"/>
+            </a:defPPr>
+            <a:lvl1pPr marL="0" algn="r" defTabSz="457200" rtl="0" eaLnBrk="1" latinLnBrk="0" hangingPunct="1">
+              <a:defRPr sz="1050" kern="1200">
+                <a:solidFill>
+                  <a:srgbClr val="FFFFFF"/>
+                </a:solidFill>
+                <a:latin typeface="+mn-lt"/>
+                <a:ea typeface="+mn-ea"/>
+                <a:cs typeface="+mn-cs"/>
+              </a:defRPr>
+            </a:lvl1pPr>
+            <a:lvl2pPr marL="457200" algn="l" defTabSz="457200" rtl="0" eaLnBrk="1" latinLnBrk="0" hangingPunct="1">
+              <a:defRPr sz="1800" kern="1200">
+                <a:solidFill>
+                  <a:schemeClr val="tx1"/>
+                </a:solidFill>
+                <a:latin typeface="+mn-lt"/>
+                <a:ea typeface="+mn-ea"/>
+                <a:cs typeface="+mn-cs"/>
+              </a:defRPr>
+            </a:lvl2pPr>
+            <a:lvl3pPr marL="914400" algn="l" defTabSz="457200" rtl="0" eaLnBrk="1" latinLnBrk="0" hangingPunct="1">
+              <a:defRPr sz="1800" kern="1200">
+                <a:solidFill>
+                  <a:schemeClr val="tx1"/>
+                </a:solidFill>
+                <a:latin typeface="+mn-lt"/>
+                <a:ea typeface="+mn-ea"/>
+                <a:cs typeface="+mn-cs"/>
+              </a:defRPr>
+            </a:lvl3pPr>
+            <a:lvl4pPr marL="1371600" algn="l" defTabSz="457200" rtl="0" eaLnBrk="1" latinLnBrk="0" hangingPunct="1">
+              <a:defRPr sz="1800" kern="1200">
+                <a:solidFill>
+                  <a:schemeClr val="tx1"/>
+                </a:solidFill>
+                <a:latin typeface="+mn-lt"/>
+                <a:ea typeface="+mn-ea"/>
+                <a:cs typeface="+mn-cs"/>
+              </a:defRPr>
+            </a:lvl4pPr>
+            <a:lvl5pPr marL="1828800" algn="l" defTabSz="457200" rtl="0" eaLnBrk="1" latinLnBrk="0" hangingPunct="1">
+              <a:defRPr sz="1800" kern="1200">
+                <a:solidFill>
+                  <a:schemeClr val="tx1"/>
+                </a:solidFill>
+                <a:latin typeface="+mn-lt"/>
+                <a:ea typeface="+mn-ea"/>
+                <a:cs typeface="+mn-cs"/>
+              </a:defRPr>
+            </a:lvl5pPr>
+            <a:lvl6pPr marL="2286000" algn="l" defTabSz="457200" rtl="0" eaLnBrk="1" latinLnBrk="0" hangingPunct="1">
+              <a:defRPr sz="1800" kern="1200">
+                <a:solidFill>
+                  <a:schemeClr val="tx1"/>
+                </a:solidFill>
+                <a:latin typeface="+mn-lt"/>
+                <a:ea typeface="+mn-ea"/>
+                <a:cs typeface="+mn-cs"/>
+              </a:defRPr>
+            </a:lvl6pPr>
+            <a:lvl7pPr marL="2743200" algn="l" defTabSz="457200" rtl="0" eaLnBrk="1" latinLnBrk="0" hangingPunct="1">
+              <a:defRPr sz="1800" kern="1200">
+                <a:solidFill>
+                  <a:schemeClr val="tx1"/>
+                </a:solidFill>
+                <a:latin typeface="+mn-lt"/>
+                <a:ea typeface="+mn-ea"/>
+                <a:cs typeface="+mn-cs"/>
+              </a:defRPr>
+            </a:lvl7pPr>
+            <a:lvl8pPr marL="3200400" algn="l" defTabSz="457200" rtl="0" eaLnBrk="1" latinLnBrk="0" hangingPunct="1">
+              <a:defRPr sz="1800" kern="1200">
+                <a:solidFill>
+                  <a:schemeClr val="tx1"/>
+                </a:solidFill>
+                <a:latin typeface="+mn-lt"/>
+                <a:ea typeface="+mn-ea"/>
+                <a:cs typeface="+mn-cs"/>
+              </a:defRPr>
+            </a:lvl8pPr>
+            <a:lvl9pPr marL="3657600" algn="l" defTabSz="457200" rtl="0" eaLnBrk="1" latinLnBrk="0" hangingPunct="1">
+              <a:defRPr sz="1800" kern="1200">
+                <a:solidFill>
+                  <a:schemeClr val="tx1"/>
+                </a:solidFill>
+                <a:latin typeface="+mn-lt"/>
+                <a:ea typeface="+mn-ea"/>
+                <a:cs typeface="+mn-cs"/>
+              </a:defRPr>
+            </a:lvl9pPr>
+          </a:lstStyle>
+          <a:p>
+            <a:pPr algn="ctr"/>
+            <a:r>
+              <a:rPr lang="pt-PT" sz="1600" b="1" dirty="0" smtClean="0"/>
+              <a:t>HMI para Fabrico Aditivo – Estado da Arte</a:t>
+            </a:r>
+            <a:endParaRPr lang="pt-PT" sz="1600" b="1" dirty="0"/>
+          </a:p>
+        </p:txBody>
+      </p:sp>
       <p:pic>
         <p:nvPicPr>
-          <p:cNvPr id="3" name="Imagem 2"/>
-          <p:cNvPicPr>
-            <a:picLocks noChangeAspect="1"/>
-          </p:cNvPicPr>
+          <p:cNvPr id="8" name="Imagem 7"/>
+          <p:cNvPicPr/>
           <p:nvPr/>
         </p:nvPicPr>
         <p:blipFill>
@@ -14081,146 +9861,18 @@
         </p:blipFill>
         <p:spPr>
           <a:xfrm>
-            <a:off x="4564354" y="2885432"/>
-            <a:ext cx="3124251" cy="1788693"/>
+            <a:off x="1808794" y="758951"/>
+            <a:ext cx="8310565" cy="5422298"/>
           </a:xfrm>
           <a:prstGeom prst="rect">
             <a:avLst/>
           </a:prstGeom>
         </p:spPr>
       </p:pic>
-      <p:sp>
-        <p:nvSpPr>
-          <p:cNvPr id="10" name="Slide Number Placeholder 5"/>
-          <p:cNvSpPr txBox="1">
-            <a:spLocks/>
-          </p:cNvSpPr>
-          <p:nvPr/>
-        </p:nvSpPr>
-        <p:spPr>
-          <a:xfrm>
-            <a:off x="3908571" y="6492875"/>
-            <a:ext cx="4435818" cy="365125"/>
-          </a:xfrm>
-          <a:prstGeom prst="rect">
-            <a:avLst/>
-          </a:prstGeom>
-        </p:spPr>
-        <p:txBody>
-          <a:bodyPr vert="horz" lIns="91440" tIns="45720" rIns="91440" bIns="45720" rtlCol="0" anchor="ctr"/>
-          <a:lstStyle>
-            <a:defPPr>
-              <a:defRPr lang="en-US"/>
-            </a:defPPr>
-            <a:lvl1pPr marL="0" algn="r" defTabSz="457200" rtl="0" eaLnBrk="1" latinLnBrk="0" hangingPunct="1">
-              <a:defRPr sz="1050" kern="1200">
-                <a:solidFill>
-                  <a:srgbClr val="FFFFFF"/>
-                </a:solidFill>
-                <a:latin typeface="+mn-lt"/>
-                <a:ea typeface="+mn-ea"/>
-                <a:cs typeface="+mn-cs"/>
-              </a:defRPr>
-            </a:lvl1pPr>
-            <a:lvl2pPr marL="457200" algn="l" defTabSz="457200" rtl="0" eaLnBrk="1" latinLnBrk="0" hangingPunct="1">
-              <a:defRPr sz="1800" kern="1200">
-                <a:solidFill>
-                  <a:schemeClr val="tx1"/>
-                </a:solidFill>
-                <a:latin typeface="+mn-lt"/>
-                <a:ea typeface="+mn-ea"/>
-                <a:cs typeface="+mn-cs"/>
-              </a:defRPr>
-            </a:lvl2pPr>
-            <a:lvl3pPr marL="914400" algn="l" defTabSz="457200" rtl="0" eaLnBrk="1" latinLnBrk="0" hangingPunct="1">
-              <a:defRPr sz="1800" kern="1200">
-                <a:solidFill>
-                  <a:schemeClr val="tx1"/>
-                </a:solidFill>
-                <a:latin typeface="+mn-lt"/>
-                <a:ea typeface="+mn-ea"/>
-                <a:cs typeface="+mn-cs"/>
-              </a:defRPr>
-            </a:lvl3pPr>
-            <a:lvl4pPr marL="1371600" algn="l" defTabSz="457200" rtl="0" eaLnBrk="1" latinLnBrk="0" hangingPunct="1">
-              <a:defRPr sz="1800" kern="1200">
-                <a:solidFill>
-                  <a:schemeClr val="tx1"/>
-                </a:solidFill>
-                <a:latin typeface="+mn-lt"/>
-                <a:ea typeface="+mn-ea"/>
-                <a:cs typeface="+mn-cs"/>
-              </a:defRPr>
-            </a:lvl4pPr>
-            <a:lvl5pPr marL="1828800" algn="l" defTabSz="457200" rtl="0" eaLnBrk="1" latinLnBrk="0" hangingPunct="1">
-              <a:defRPr sz="1800" kern="1200">
-                <a:solidFill>
-                  <a:schemeClr val="tx1"/>
-                </a:solidFill>
-                <a:latin typeface="+mn-lt"/>
-                <a:ea typeface="+mn-ea"/>
-                <a:cs typeface="+mn-cs"/>
-              </a:defRPr>
-            </a:lvl5pPr>
-            <a:lvl6pPr marL="2286000" algn="l" defTabSz="457200" rtl="0" eaLnBrk="1" latinLnBrk="0" hangingPunct="1">
-              <a:defRPr sz="1800" kern="1200">
-                <a:solidFill>
-                  <a:schemeClr val="tx1"/>
-                </a:solidFill>
-                <a:latin typeface="+mn-lt"/>
-                <a:ea typeface="+mn-ea"/>
-                <a:cs typeface="+mn-cs"/>
-              </a:defRPr>
-            </a:lvl6pPr>
-            <a:lvl7pPr marL="2743200" algn="l" defTabSz="457200" rtl="0" eaLnBrk="1" latinLnBrk="0" hangingPunct="1">
-              <a:defRPr sz="1800" kern="1200">
-                <a:solidFill>
-                  <a:schemeClr val="tx1"/>
-                </a:solidFill>
-                <a:latin typeface="+mn-lt"/>
-                <a:ea typeface="+mn-ea"/>
-                <a:cs typeface="+mn-cs"/>
-              </a:defRPr>
-            </a:lvl7pPr>
-            <a:lvl8pPr marL="3200400" algn="l" defTabSz="457200" rtl="0" eaLnBrk="1" latinLnBrk="0" hangingPunct="1">
-              <a:defRPr sz="1800" kern="1200">
-                <a:solidFill>
-                  <a:schemeClr val="tx1"/>
-                </a:solidFill>
-                <a:latin typeface="+mn-lt"/>
-                <a:ea typeface="+mn-ea"/>
-                <a:cs typeface="+mn-cs"/>
-              </a:defRPr>
-            </a:lvl8pPr>
-            <a:lvl9pPr marL="3657600" algn="l" defTabSz="457200" rtl="0" eaLnBrk="1" latinLnBrk="0" hangingPunct="1">
-              <a:defRPr sz="1800" kern="1200">
-                <a:solidFill>
-                  <a:schemeClr val="tx1"/>
-                </a:solidFill>
-                <a:latin typeface="+mn-lt"/>
-                <a:ea typeface="+mn-ea"/>
-                <a:cs typeface="+mn-cs"/>
-              </a:defRPr>
-            </a:lvl9pPr>
-          </a:lstStyle>
-          <a:p>
-            <a:pPr algn="ctr"/>
-            <a:r>
-              <a:rPr lang="pt-PT" sz="1600" b="1" dirty="0" smtClean="0"/>
-              <a:t>HMI </a:t>
-            </a:r>
-            <a:r>
-              <a:rPr lang="pt-PT" sz="1600" b="1" dirty="0" smtClean="0"/>
-              <a:t>para Fabrico Aditivo – Estado da Arte</a:t>
-            </a:r>
-            <a:endParaRPr lang="pt-PT" sz="1600" b="1" dirty="0"/>
-          </a:p>
-        </p:txBody>
-      </p:sp>
     </p:spTree>
     <p:extLst>
       <p:ext uri="{BB962C8B-B14F-4D97-AF65-F5344CB8AC3E}">
-        <p14:creationId xmlns:p14="http://schemas.microsoft.com/office/powerpoint/2010/main" val="3631251581"/>
+        <p14:creationId xmlns:p14="http://schemas.microsoft.com/office/powerpoint/2010/main" val="3924770669"/>
       </p:ext>
     </p:extLst>
   </p:cSld>
@@ -14256,184 +9908,6 @@
       </p:grpSpPr>
       <p:sp>
         <p:nvSpPr>
-          <p:cNvPr id="7" name="TextBox 6"/>
-          <p:cNvSpPr txBox="1"/>
-          <p:nvPr/>
-        </p:nvSpPr>
-        <p:spPr>
-          <a:xfrm>
-            <a:off x="444999" y="166025"/>
-            <a:ext cx="11816669" cy="5755422"/>
-          </a:xfrm>
-          <a:prstGeom prst="rect">
-            <a:avLst/>
-          </a:prstGeom>
-          <a:noFill/>
-        </p:spPr>
-        <p:txBody>
-          <a:bodyPr wrap="square" rtlCol="0">
-            <a:spAutoFit/>
-          </a:bodyPr>
-          <a:lstStyle/>
-          <a:p>
-            <a:r>
-              <a:rPr lang="pt-PT" sz="3200" b="1" dirty="0" smtClean="0"/>
-              <a:t>Software Para Automação</a:t>
-            </a:r>
-          </a:p>
-          <a:p>
-            <a:pPr marL="342900" indent="-342900">
-              <a:buFont typeface="Arial" panose="020B0604020202020204" pitchFamily="34" charset="0"/>
-              <a:buChar char="•"/>
-            </a:pPr>
-            <a:endParaRPr lang="pt-PT" sz="2400" dirty="0" smtClean="0"/>
-          </a:p>
-          <a:p>
-            <a:pPr marL="342900" indent="-342900">
-              <a:buFont typeface="Arial" panose="020B0604020202020204" pitchFamily="34" charset="0"/>
-              <a:buChar char="•"/>
-            </a:pPr>
-            <a:r>
-              <a:rPr lang="pt-PT" sz="2400" dirty="0" smtClean="0"/>
-              <a:t>Permite implementar sistemas de controlo e aquisição de dados</a:t>
-            </a:r>
-          </a:p>
-          <a:p>
-            <a:pPr marL="342900" indent="-342900">
-              <a:buFont typeface="Arial" panose="020B0604020202020204" pitchFamily="34" charset="0"/>
-              <a:buChar char="•"/>
-            </a:pPr>
-            <a:endParaRPr lang="pt-PT" sz="2400" dirty="0" smtClean="0"/>
-          </a:p>
-          <a:p>
-            <a:pPr marL="342900" indent="-342900">
-              <a:buFont typeface="Arial" panose="020B0604020202020204" pitchFamily="34" charset="0"/>
-              <a:buChar char="•"/>
-            </a:pPr>
-            <a:r>
-              <a:rPr lang="pt-PT" sz="2400" dirty="0" smtClean="0"/>
-              <a:t>Estabelecem linhas de comunicação eficientes com componentes de hardware como </a:t>
-            </a:r>
-            <a:r>
-              <a:rPr lang="pt-PT" sz="2400" dirty="0" err="1" smtClean="0"/>
-              <a:t>PLCs</a:t>
-            </a:r>
-            <a:r>
-              <a:rPr lang="pt-PT" sz="2400" dirty="0" smtClean="0"/>
-              <a:t>, drives de motores ou módulos de input e output</a:t>
-            </a:r>
-          </a:p>
-          <a:p>
-            <a:pPr marL="342900" indent="-342900">
-              <a:buFont typeface="Arial" panose="020B0604020202020204" pitchFamily="34" charset="0"/>
-              <a:buChar char="•"/>
-            </a:pPr>
-            <a:endParaRPr lang="pt-PT" sz="2400" dirty="0"/>
-          </a:p>
-          <a:p>
-            <a:pPr marL="342900" indent="-342900">
-              <a:buFont typeface="Arial" panose="020B0604020202020204" pitchFamily="34" charset="0"/>
-              <a:buChar char="•"/>
-            </a:pPr>
-            <a:r>
-              <a:rPr lang="pt-PT" sz="2400" dirty="0" smtClean="0"/>
-              <a:t>Exemplos:</a:t>
-            </a:r>
-          </a:p>
-          <a:p>
-            <a:pPr marL="800100" lvl="1" indent="-342900">
-              <a:buFont typeface="Arial" panose="020B0604020202020204" pitchFamily="34" charset="0"/>
-              <a:buChar char="•"/>
-            </a:pPr>
-            <a:r>
-              <a:rPr lang="pt-PT" sz="2400" dirty="0" err="1" smtClean="0"/>
-              <a:t>Twincat</a:t>
-            </a:r>
-            <a:r>
-              <a:rPr lang="pt-PT" sz="2400" dirty="0" smtClean="0"/>
-              <a:t> do fabricante </a:t>
-            </a:r>
-            <a:r>
-              <a:rPr lang="pt-PT" sz="2400" dirty="0" err="1" smtClean="0"/>
-              <a:t>Beckhoff</a:t>
-            </a:r>
-            <a:r>
-              <a:rPr lang="pt-PT" sz="2400" dirty="0" smtClean="0"/>
-              <a:t> – integrado no Visual </a:t>
-            </a:r>
-            <a:r>
-              <a:rPr lang="pt-PT" sz="2400" dirty="0" err="1" smtClean="0"/>
-              <a:t>Studio</a:t>
-            </a:r>
-            <a:r>
-              <a:rPr lang="pt-PT" sz="2400" dirty="0" smtClean="0"/>
-              <a:t>, livrarias para comunicação com C#, Java ou </a:t>
-            </a:r>
-            <a:r>
-              <a:rPr lang="pt-PT" sz="2400" dirty="0" err="1" smtClean="0"/>
-              <a:t>Javascript</a:t>
-            </a:r>
-            <a:endParaRPr lang="pt-PT" sz="2400" dirty="0" smtClean="0"/>
-          </a:p>
-          <a:p>
-            <a:pPr marL="800100" lvl="1" indent="-342900">
-              <a:buFont typeface="Arial" panose="020B0604020202020204" pitchFamily="34" charset="0"/>
-              <a:buChar char="•"/>
-            </a:pPr>
-            <a:r>
-              <a:rPr lang="pt-PT" sz="2400" dirty="0" smtClean="0"/>
-              <a:t>SIMATIC STEP 7 da Siemens</a:t>
-            </a:r>
-          </a:p>
-          <a:p>
-            <a:pPr marL="800100" lvl="1" indent="-342900">
-              <a:buFont typeface="Arial" panose="020B0604020202020204" pitchFamily="34" charset="0"/>
-              <a:buChar char="•"/>
-            </a:pPr>
-            <a:r>
-              <a:rPr lang="pt-PT" sz="2400" dirty="0" smtClean="0"/>
-              <a:t>PL7 da Schneider-</a:t>
-            </a:r>
-            <a:r>
-              <a:rPr lang="pt-PT" sz="2400" dirty="0" err="1" smtClean="0"/>
-              <a:t>Eletric</a:t>
-            </a:r>
-            <a:endParaRPr lang="pt-PT" sz="2400" dirty="0"/>
-          </a:p>
-          <a:p>
-            <a:pPr marL="342900" indent="-342900">
-              <a:buFont typeface="Arial" panose="020B0604020202020204" pitchFamily="34" charset="0"/>
-              <a:buChar char="•"/>
-            </a:pPr>
-            <a:endParaRPr lang="pt-PT" sz="2400" dirty="0" smtClean="0"/>
-          </a:p>
-          <a:p>
-            <a:pPr marL="342900" indent="-342900">
-              <a:buFont typeface="Arial" panose="020B0604020202020204" pitchFamily="34" charset="0"/>
-              <a:buChar char="•"/>
-            </a:pPr>
-            <a:r>
-              <a:rPr lang="pt-PT" sz="2400" dirty="0" smtClean="0"/>
-              <a:t>Fornecer ferramentas para convergir com as TI – bases de dados, serviços na </a:t>
-            </a:r>
-            <a:r>
-              <a:rPr lang="pt-PT" sz="2400" dirty="0" err="1" smtClean="0"/>
-              <a:t>cloud</a:t>
-            </a:r>
-            <a:r>
-              <a:rPr lang="pt-PT" sz="2400" dirty="0" smtClean="0"/>
-              <a:t>, tecnologias de desenvolvimento de software, </a:t>
-            </a:r>
-            <a:r>
-              <a:rPr lang="pt-PT" sz="2400" dirty="0" err="1" smtClean="0"/>
-              <a:t>etc</a:t>
-            </a:r>
-            <a:endParaRPr lang="pt-PT" sz="2400" dirty="0" smtClean="0"/>
-          </a:p>
-        </p:txBody>
-      </p:sp>
-      <p:sp>
-        <p:nvSpPr>
           <p:cNvPr id="2" name="Slide Number Placeholder 1"/>
           <p:cNvSpPr>
             <a:spLocks noGrp="1"/>
@@ -14726,20 +10200,314 @@
             <a:pPr algn="ctr"/>
             <a:r>
               <a:rPr lang="pt-PT" sz="1600" b="1" dirty="0" smtClean="0"/>
-              <a:t>HMI </a:t>
+              <a:t>HMI para Fabrico Aditivo – </a:t>
             </a:r>
             <a:r>
               <a:rPr lang="pt-PT" sz="1600" b="1" dirty="0" smtClean="0"/>
-              <a:t>para Fabrico Aditivo – Estado da Arte</a:t>
+              <a:t>Proposta de Solução</a:t>
             </a:r>
             <a:endParaRPr lang="pt-PT" sz="1600" b="1" dirty="0"/>
           </a:p>
         </p:txBody>
       </p:sp>
+      <p:sp>
+        <p:nvSpPr>
+          <p:cNvPr id="8" name="TextBox 6"/>
+          <p:cNvSpPr txBox="1"/>
+          <p:nvPr/>
+        </p:nvSpPr>
+        <p:spPr>
+          <a:xfrm>
+            <a:off x="252980" y="300496"/>
+            <a:ext cx="11747000" cy="5632311"/>
+          </a:xfrm>
+          <a:prstGeom prst="rect">
+            <a:avLst/>
+          </a:prstGeom>
+          <a:noFill/>
+        </p:spPr>
+        <p:txBody>
+          <a:bodyPr wrap="square" rtlCol="0">
+            <a:spAutoFit/>
+          </a:bodyPr>
+          <a:lstStyle/>
+          <a:p>
+            <a:pPr marL="342900" indent="-342900">
+              <a:buFont typeface="Arial" panose="020B0604020202020204" pitchFamily="34" charset="0"/>
+              <a:buChar char="•"/>
+            </a:pPr>
+            <a:endParaRPr lang="pt-PT" sz="2400" dirty="0" smtClean="0"/>
+          </a:p>
+          <a:p>
+            <a:pPr marL="342900" indent="-342900">
+              <a:buFont typeface="Arial" panose="020B0604020202020204" pitchFamily="34" charset="0"/>
+              <a:buChar char="•"/>
+            </a:pPr>
+            <a:endParaRPr lang="pt-PT" sz="2400" dirty="0" smtClean="0"/>
+          </a:p>
+          <a:p>
+            <a:pPr marL="342900" indent="-342900">
+              <a:buFont typeface="Arial" panose="020B0604020202020204" pitchFamily="34" charset="0"/>
+              <a:buChar char="•"/>
+            </a:pPr>
+            <a:r>
+              <a:rPr lang="pt-PT" sz="2400" dirty="0" smtClean="0"/>
+              <a:t>Desenvolvido protótipo funcional</a:t>
+            </a:r>
+          </a:p>
+          <a:p>
+            <a:pPr marL="800100" lvl="1" indent="-342900">
+              <a:buFont typeface="Arial" panose="020B0604020202020204" pitchFamily="34" charset="0"/>
+              <a:buChar char="•"/>
+            </a:pPr>
+            <a:r>
+              <a:rPr lang="pt-PT" sz="2400" dirty="0"/>
+              <a:t>Utilizado outro equipamento de impressão 3D</a:t>
+            </a:r>
+          </a:p>
+          <a:p>
+            <a:pPr marL="800100" lvl="1" indent="-342900">
+              <a:buFont typeface="Arial" panose="020B0604020202020204" pitchFamily="34" charset="0"/>
+              <a:buChar char="•"/>
+            </a:pPr>
+            <a:r>
+              <a:rPr lang="pt-PT" sz="2400" dirty="0"/>
+              <a:t>Hardware e software de automação eram semelhantes ao equipamento </a:t>
+            </a:r>
+            <a:r>
+              <a:rPr lang="pt-PT" sz="2400" dirty="0" smtClean="0"/>
+              <a:t>final</a:t>
+            </a:r>
+          </a:p>
+          <a:p>
+            <a:pPr marL="800100" lvl="1" indent="-342900">
+              <a:buFont typeface="Arial" panose="020B0604020202020204" pitchFamily="34" charset="0"/>
+              <a:buChar char="•"/>
+            </a:pPr>
+            <a:r>
+              <a:rPr lang="pt-PT" sz="2400" dirty="0" smtClean="0"/>
+              <a:t>Não foram consideradas questões de usabilidade/qualidade da interface</a:t>
+            </a:r>
+            <a:endParaRPr lang="pt-PT" sz="2400" dirty="0"/>
+          </a:p>
+          <a:p>
+            <a:pPr marL="800100" lvl="1" indent="-342900">
+              <a:buFont typeface="Arial" panose="020B0604020202020204" pitchFamily="34" charset="0"/>
+              <a:buChar char="•"/>
+            </a:pPr>
+            <a:r>
+              <a:rPr lang="pt-PT" sz="2400" dirty="0"/>
+              <a:t>Validou arquitetura e tecnologias consideradas para o sistema final</a:t>
+            </a:r>
+          </a:p>
+          <a:p>
+            <a:pPr marL="342900" indent="-342900">
+              <a:buFont typeface="Arial" panose="020B0604020202020204" pitchFamily="34" charset="0"/>
+              <a:buChar char="•"/>
+            </a:pPr>
+            <a:endParaRPr lang="pt-PT" sz="2400" dirty="0" smtClean="0"/>
+          </a:p>
+          <a:p>
+            <a:pPr marL="342900" indent="-342900">
+              <a:buFont typeface="Arial" panose="020B0604020202020204" pitchFamily="34" charset="0"/>
+              <a:buChar char="•"/>
+            </a:pPr>
+            <a:endParaRPr lang="pt-PT" sz="2400" dirty="0"/>
+          </a:p>
+          <a:p>
+            <a:endParaRPr lang="pt-PT" sz="2400" dirty="0" smtClean="0"/>
+          </a:p>
+          <a:p>
+            <a:endParaRPr lang="pt-PT" sz="2400" dirty="0"/>
+          </a:p>
+          <a:p>
+            <a:pPr marL="342900" indent="-342900">
+              <a:buFont typeface="Arial" panose="020B0604020202020204" pitchFamily="34" charset="0"/>
+              <a:buChar char="•"/>
+            </a:pPr>
+            <a:endParaRPr lang="pt-PT" sz="2400" dirty="0" smtClean="0"/>
+          </a:p>
+          <a:p>
+            <a:pPr marL="342900" indent="-342900">
+              <a:buFont typeface="Arial" panose="020B0604020202020204" pitchFamily="34" charset="0"/>
+              <a:buChar char="•"/>
+            </a:pPr>
+            <a:endParaRPr lang="pt-PT" sz="2400" dirty="0" smtClean="0"/>
+          </a:p>
+          <a:p>
+            <a:endParaRPr lang="pt-PT" sz="2400" dirty="0" smtClean="0"/>
+          </a:p>
+          <a:p>
+            <a:pPr marL="342900" indent="-342900">
+              <a:buFont typeface="Arial" panose="020B0604020202020204" pitchFamily="34" charset="0"/>
+              <a:buChar char="•"/>
+            </a:pPr>
+            <a:endParaRPr lang="pt-PT" sz="2400" dirty="0" smtClean="0"/>
+          </a:p>
+        </p:txBody>
+      </p:sp>
+      <p:sp>
+        <p:nvSpPr>
+          <p:cNvPr id="12" name="TextBox 6"/>
+          <p:cNvSpPr txBox="1"/>
+          <p:nvPr/>
+        </p:nvSpPr>
+        <p:spPr>
+          <a:xfrm>
+            <a:off x="445000" y="166025"/>
+            <a:ext cx="4440765" cy="5262979"/>
+          </a:xfrm>
+          <a:prstGeom prst="rect">
+            <a:avLst/>
+          </a:prstGeom>
+          <a:noFill/>
+        </p:spPr>
+        <p:txBody>
+          <a:bodyPr wrap="square" rtlCol="0">
+            <a:spAutoFit/>
+          </a:bodyPr>
+          <a:lstStyle/>
+          <a:p>
+            <a:r>
+              <a:rPr lang="pt-PT" sz="3200" b="1" dirty="0" smtClean="0"/>
+              <a:t>Proposta de Solução</a:t>
+            </a:r>
+            <a:endParaRPr lang="pt-PT" sz="3200" b="1" dirty="0"/>
+          </a:p>
+          <a:p>
+            <a:endParaRPr lang="pt-PT" sz="3200" b="1" dirty="0" smtClean="0"/>
+          </a:p>
+          <a:p>
+            <a:endParaRPr lang="pt-PT" sz="3200" b="1" dirty="0" smtClean="0"/>
+          </a:p>
+          <a:p>
+            <a:endParaRPr lang="pt-PT" sz="2400" dirty="0"/>
+          </a:p>
+          <a:p>
+            <a:endParaRPr lang="pt-PT" sz="2400" dirty="0" smtClean="0"/>
+          </a:p>
+          <a:p>
+            <a:pPr marL="342900" indent="-342900">
+              <a:buFont typeface="Arial" panose="020B0604020202020204" pitchFamily="34" charset="0"/>
+              <a:buChar char="•"/>
+            </a:pPr>
+            <a:endParaRPr lang="pt-PT" sz="2400" dirty="0" smtClean="0"/>
+          </a:p>
+          <a:p>
+            <a:pPr marL="342900" indent="-342900">
+              <a:buFont typeface="Arial" panose="020B0604020202020204" pitchFamily="34" charset="0"/>
+              <a:buChar char="•"/>
+            </a:pPr>
+            <a:endParaRPr lang="pt-PT" sz="2400" dirty="0"/>
+          </a:p>
+          <a:p>
+            <a:pPr marL="342900" indent="-342900">
+              <a:buFont typeface="Arial" panose="020B0604020202020204" pitchFamily="34" charset="0"/>
+              <a:buChar char="•"/>
+            </a:pPr>
+            <a:endParaRPr lang="pt-PT" sz="2400" dirty="0" smtClean="0"/>
+          </a:p>
+          <a:p>
+            <a:pPr marL="342900" indent="-342900">
+              <a:buFont typeface="Arial" panose="020B0604020202020204" pitchFamily="34" charset="0"/>
+              <a:buChar char="•"/>
+            </a:pPr>
+            <a:endParaRPr lang="pt-PT" sz="2400" dirty="0" smtClean="0"/>
+          </a:p>
+          <a:p>
+            <a:pPr marL="342900" indent="-342900">
+              <a:buFont typeface="Arial" panose="020B0604020202020204" pitchFamily="34" charset="0"/>
+              <a:buChar char="•"/>
+            </a:pPr>
+            <a:endParaRPr lang="pt-PT" sz="2400" dirty="0" smtClean="0"/>
+          </a:p>
+          <a:p>
+            <a:pPr marL="342900" indent="-342900">
+              <a:buFont typeface="Arial" panose="020B0604020202020204" pitchFamily="34" charset="0"/>
+              <a:buChar char="•"/>
+            </a:pPr>
+            <a:endParaRPr lang="pt-PT" sz="2400" dirty="0" smtClean="0"/>
+          </a:p>
+          <a:p>
+            <a:pPr marL="342900" indent="-342900">
+              <a:buFont typeface="Arial" panose="020B0604020202020204" pitchFamily="34" charset="0"/>
+              <a:buChar char="•"/>
+            </a:pPr>
+            <a:endParaRPr lang="pt-PT" sz="2400" dirty="0"/>
+          </a:p>
+          <a:p>
+            <a:pPr marL="342900" indent="-342900">
+              <a:buFont typeface="Arial" panose="020B0604020202020204" pitchFamily="34" charset="0"/>
+              <a:buChar char="•"/>
+            </a:pPr>
+            <a:endParaRPr lang="pt-PT" sz="2400" dirty="0" smtClean="0"/>
+          </a:p>
+        </p:txBody>
+      </p:sp>
+      <p:pic>
+        <p:nvPicPr>
+          <p:cNvPr id="3" name="Imagem 2"/>
+          <p:cNvPicPr>
+            <a:picLocks noChangeAspect="1"/>
+          </p:cNvPicPr>
+          <p:nvPr/>
+        </p:nvPicPr>
+        <p:blipFill>
+          <a:blip r:embed="rId3">
+            <a:extLst>
+              <a:ext uri="{28A0092B-C50C-407E-A947-70E740481C1C}">
+                <a14:useLocalDpi xmlns:a14="http://schemas.microsoft.com/office/drawing/2010/main" val="0"/>
+              </a:ext>
+            </a:extLst>
+          </a:blip>
+          <a:stretch>
+            <a:fillRect/>
+          </a:stretch>
+        </p:blipFill>
+        <p:spPr>
+          <a:xfrm>
+            <a:off x="2399869" y="3065041"/>
+            <a:ext cx="1840435" cy="2888926"/>
+          </a:xfrm>
+          <a:prstGeom prst="rect">
+            <a:avLst/>
+          </a:prstGeom>
+        </p:spPr>
+      </p:pic>
+      <p:pic>
+        <p:nvPicPr>
+          <p:cNvPr id="4" name="Imagem 3"/>
+          <p:cNvPicPr>
+            <a:picLocks noChangeAspect="1"/>
+          </p:cNvPicPr>
+          <p:nvPr/>
+        </p:nvPicPr>
+        <p:blipFill>
+          <a:blip r:embed="rId4" cstate="print">
+            <a:extLst>
+              <a:ext uri="{28A0092B-C50C-407E-A947-70E740481C1C}">
+                <a14:useLocalDpi xmlns:a14="http://schemas.microsoft.com/office/drawing/2010/main" val="0"/>
+              </a:ext>
+            </a:extLst>
+          </a:blip>
+          <a:stretch>
+            <a:fillRect/>
+          </a:stretch>
+        </p:blipFill>
+        <p:spPr>
+          <a:xfrm>
+            <a:off x="5251396" y="3073131"/>
+            <a:ext cx="5217459" cy="2872745"/>
+          </a:xfrm>
+          <a:prstGeom prst="rect">
+            <a:avLst/>
+          </a:prstGeom>
+        </p:spPr>
+      </p:pic>
     </p:spTree>
     <p:extLst>
       <p:ext uri="{BB962C8B-B14F-4D97-AF65-F5344CB8AC3E}">
-        <p14:creationId xmlns:p14="http://schemas.microsoft.com/office/powerpoint/2010/main" val="2222990600"/>
+        <p14:creationId xmlns:p14="http://schemas.microsoft.com/office/powerpoint/2010/main" val="1300417560"/>
       </p:ext>
     </p:extLst>
   </p:cSld>
@@ -14775,236 +10543,6 @@
       </p:grpSpPr>
       <p:sp>
         <p:nvSpPr>
-          <p:cNvPr id="7" name="TextBox 6"/>
-          <p:cNvSpPr txBox="1"/>
-          <p:nvPr/>
-        </p:nvSpPr>
-        <p:spPr>
-          <a:xfrm>
-            <a:off x="445000" y="166025"/>
-            <a:ext cx="11747000" cy="10926068"/>
-          </a:xfrm>
-          <a:prstGeom prst="rect">
-            <a:avLst/>
-          </a:prstGeom>
-          <a:noFill/>
-        </p:spPr>
-        <p:txBody>
-          <a:bodyPr wrap="square" rtlCol="0">
-            <a:spAutoFit/>
-          </a:bodyPr>
-          <a:lstStyle/>
-          <a:p>
-            <a:r>
-              <a:rPr lang="pt-PT" sz="3200" b="1" dirty="0" smtClean="0"/>
-              <a:t>Fabrico Aditivo</a:t>
-            </a:r>
-          </a:p>
-          <a:p>
-            <a:pPr marL="342900" indent="-342900">
-              <a:buFont typeface="Arial" panose="020B0604020202020204" pitchFamily="34" charset="0"/>
-              <a:buChar char="•"/>
-            </a:pPr>
-            <a:endParaRPr lang="pt-PT" sz="2400" dirty="0" smtClean="0"/>
-          </a:p>
-          <a:p>
-            <a:pPr marL="342900" indent="-342900">
-              <a:buFont typeface="Arial" panose="020B0604020202020204" pitchFamily="34" charset="0"/>
-              <a:buChar char="•"/>
-            </a:pPr>
-            <a:r>
-              <a:rPr lang="pt-PT" sz="2400" dirty="0"/>
-              <a:t>Mais conhecido como impressão </a:t>
-            </a:r>
-            <a:r>
-              <a:rPr lang="pt-PT" sz="2400" dirty="0" smtClean="0"/>
-              <a:t>3D</a:t>
-            </a:r>
-          </a:p>
-          <a:p>
-            <a:pPr marL="342900" indent="-342900">
-              <a:buFont typeface="Arial" panose="020B0604020202020204" pitchFamily="34" charset="0"/>
-              <a:buChar char="•"/>
-            </a:pPr>
-            <a:endParaRPr lang="pt-PT" sz="2400" dirty="0" smtClean="0"/>
-          </a:p>
-          <a:p>
-            <a:pPr marL="342900" indent="-342900">
-              <a:buFont typeface="Arial" panose="020B0604020202020204" pitchFamily="34" charset="0"/>
-              <a:buChar char="•"/>
-            </a:pPr>
-            <a:r>
-              <a:rPr lang="pt-PT" sz="2400" dirty="0" smtClean="0"/>
-              <a:t>Criar </a:t>
-            </a:r>
-            <a:r>
-              <a:rPr lang="pt-PT" sz="2400" dirty="0"/>
-              <a:t>objeto sólido, em três dimensões, proveniente de </a:t>
-            </a:r>
-            <a:r>
-              <a:rPr lang="pt-PT" sz="2400" dirty="0" smtClean="0"/>
-              <a:t>uma representação digital </a:t>
-            </a:r>
-            <a:r>
-              <a:rPr lang="pt-PT" sz="2400" dirty="0"/>
-              <a:t>(Canas &amp; Pires, 2014, p. 10)</a:t>
-            </a:r>
-          </a:p>
-          <a:p>
-            <a:pPr marL="342900" indent="-342900">
-              <a:buFont typeface="Arial" panose="020B0604020202020204" pitchFamily="34" charset="0"/>
-              <a:buChar char="•"/>
-            </a:pPr>
-            <a:endParaRPr lang="pt-PT" sz="2400" dirty="0" smtClean="0"/>
-          </a:p>
-          <a:p>
-            <a:pPr marL="342900" indent="-342900">
-              <a:buFont typeface="Arial" panose="020B0604020202020204" pitchFamily="34" charset="0"/>
-              <a:buChar char="•"/>
-            </a:pPr>
-            <a:r>
-              <a:rPr lang="pt-PT" sz="2400" dirty="0" smtClean="0"/>
-              <a:t>Construção de peças camada a camada</a:t>
-            </a:r>
-          </a:p>
-          <a:p>
-            <a:endParaRPr lang="pt-PT" sz="2400" dirty="0"/>
-          </a:p>
-          <a:p>
-            <a:pPr marL="342900" indent="-342900">
-              <a:buFont typeface="Arial" panose="020B0604020202020204" pitchFamily="34" charset="0"/>
-              <a:buChar char="•"/>
-            </a:pPr>
-            <a:endParaRPr lang="pt-PT" sz="2400" dirty="0" smtClean="0"/>
-          </a:p>
-          <a:p>
-            <a:pPr marL="342900" indent="-342900">
-              <a:buFont typeface="Arial" panose="020B0604020202020204" pitchFamily="34" charset="0"/>
-              <a:buChar char="•"/>
-            </a:pPr>
-            <a:endParaRPr lang="pt-PT" sz="2400" dirty="0"/>
-          </a:p>
-          <a:p>
-            <a:pPr marL="342900" indent="-342900">
-              <a:buFont typeface="Arial" panose="020B0604020202020204" pitchFamily="34" charset="0"/>
-              <a:buChar char="•"/>
-            </a:pPr>
-            <a:endParaRPr lang="pt-PT" sz="2400" dirty="0" smtClean="0"/>
-          </a:p>
-          <a:p>
-            <a:endParaRPr lang="pt-PT" sz="2400" dirty="0"/>
-          </a:p>
-          <a:p>
-            <a:pPr marL="342900" indent="-342900">
-              <a:buFont typeface="Arial" panose="020B0604020202020204" pitchFamily="34" charset="0"/>
-              <a:buChar char="•"/>
-            </a:pPr>
-            <a:r>
-              <a:rPr lang="pt-PT" sz="2400" dirty="0" smtClean="0"/>
-              <a:t>Pode ser uma das próximas forças motoras na indústria</a:t>
-            </a:r>
-          </a:p>
-          <a:p>
-            <a:pPr marL="342900" indent="-342900">
-              <a:buFont typeface="Arial" panose="020B0604020202020204" pitchFamily="34" charset="0"/>
-              <a:buChar char="•"/>
-            </a:pPr>
-            <a:endParaRPr lang="pt-PT" sz="2400" dirty="0"/>
-          </a:p>
-          <a:p>
-            <a:pPr marL="342900" indent="-342900">
-              <a:buFont typeface="Arial" panose="020B0604020202020204" pitchFamily="34" charset="0"/>
-              <a:buChar char="•"/>
-            </a:pPr>
-            <a:r>
-              <a:rPr lang="pt-PT" sz="2400" dirty="0" smtClean="0"/>
-              <a:t>Impressão nos mais diversos materiais está em investigação</a:t>
-            </a:r>
-          </a:p>
-          <a:p>
-            <a:pPr marL="342900" indent="-342900">
-              <a:buFont typeface="Arial" panose="020B0604020202020204" pitchFamily="34" charset="0"/>
-              <a:buChar char="•"/>
-            </a:pPr>
-            <a:endParaRPr lang="pt-PT" sz="2400" dirty="0" smtClean="0"/>
-          </a:p>
-          <a:p>
-            <a:pPr marL="342900" indent="-342900">
-              <a:buFont typeface="Arial" panose="020B0604020202020204" pitchFamily="34" charset="0"/>
-              <a:buChar char="•"/>
-            </a:pPr>
-            <a:endParaRPr lang="pt-PT" sz="2400" dirty="0" smtClean="0"/>
-          </a:p>
-          <a:p>
-            <a:endParaRPr lang="pt-PT" sz="2400" dirty="0" smtClean="0"/>
-          </a:p>
-          <a:p>
-            <a:pPr marL="342900" indent="-342900">
-              <a:buFont typeface="Arial" panose="020B0604020202020204" pitchFamily="34" charset="0"/>
-              <a:buChar char="•"/>
-            </a:pPr>
-            <a:endParaRPr lang="pt-PT" sz="2400" dirty="0" smtClean="0"/>
-          </a:p>
-          <a:p>
-            <a:pPr marL="342900" indent="-342900">
-              <a:buFont typeface="Arial" panose="020B0604020202020204" pitchFamily="34" charset="0"/>
-              <a:buChar char="•"/>
-            </a:pPr>
-            <a:endParaRPr lang="pt-PT" sz="2400" dirty="0" smtClean="0"/>
-          </a:p>
-          <a:p>
-            <a:pPr marL="342900" indent="-342900">
-              <a:buFont typeface="Arial" panose="020B0604020202020204" pitchFamily="34" charset="0"/>
-              <a:buChar char="•"/>
-            </a:pPr>
-            <a:endParaRPr lang="pt-PT" sz="2400" dirty="0"/>
-          </a:p>
-          <a:p>
-            <a:pPr marL="342900" indent="-342900">
-              <a:buFont typeface="Arial" panose="020B0604020202020204" pitchFamily="34" charset="0"/>
-              <a:buChar char="•"/>
-            </a:pPr>
-            <a:endParaRPr lang="pt-PT" sz="2400" dirty="0" smtClean="0"/>
-          </a:p>
-          <a:p>
-            <a:pPr marL="342900" indent="-342900">
-              <a:buFont typeface="Arial" panose="020B0604020202020204" pitchFamily="34" charset="0"/>
-              <a:buChar char="•"/>
-            </a:pPr>
-            <a:endParaRPr lang="pt-PT" sz="2400" dirty="0" smtClean="0"/>
-          </a:p>
-          <a:p>
-            <a:pPr marL="342900" indent="-342900">
-              <a:buFont typeface="Arial" panose="020B0604020202020204" pitchFamily="34" charset="0"/>
-              <a:buChar char="•"/>
-            </a:pPr>
-            <a:endParaRPr lang="pt-PT" sz="2400" dirty="0" smtClean="0"/>
-          </a:p>
-          <a:p>
-            <a:pPr marL="342900" indent="-342900">
-              <a:buFont typeface="Arial" panose="020B0604020202020204" pitchFamily="34" charset="0"/>
-              <a:buChar char="•"/>
-            </a:pPr>
-            <a:endParaRPr lang="pt-PT" sz="2400" dirty="0" smtClean="0"/>
-          </a:p>
-          <a:p>
-            <a:pPr marL="342900" indent="-342900">
-              <a:buFont typeface="Arial" panose="020B0604020202020204" pitchFamily="34" charset="0"/>
-              <a:buChar char="•"/>
-            </a:pPr>
-            <a:endParaRPr lang="pt-PT" sz="2400" dirty="0"/>
-          </a:p>
-          <a:p>
-            <a:pPr marL="342900" indent="-342900">
-              <a:buFont typeface="Arial" panose="020B0604020202020204" pitchFamily="34" charset="0"/>
-              <a:buChar char="•"/>
-            </a:pPr>
-            <a:endParaRPr lang="pt-PT" sz="2400" dirty="0" smtClean="0"/>
-          </a:p>
-        </p:txBody>
-      </p:sp>
-      <p:sp>
-        <p:nvSpPr>
           <p:cNvPr id="2" name="Slide Number Placeholder 1"/>
           <p:cNvSpPr>
             <a:spLocks noGrp="1"/>
@@ -15179,9 +10717,283 @@
           </a:prstGeom>
         </p:spPr>
       </p:pic>
+      <p:sp>
+        <p:nvSpPr>
+          <p:cNvPr id="10" name="Slide Number Placeholder 5"/>
+          <p:cNvSpPr txBox="1">
+            <a:spLocks/>
+          </p:cNvSpPr>
+          <p:nvPr/>
+        </p:nvSpPr>
+        <p:spPr>
+          <a:xfrm>
+            <a:off x="3908571" y="6492875"/>
+            <a:ext cx="4435818" cy="365125"/>
+          </a:xfrm>
+          <a:prstGeom prst="rect">
+            <a:avLst/>
+          </a:prstGeom>
+        </p:spPr>
+        <p:txBody>
+          <a:bodyPr vert="horz" lIns="91440" tIns="45720" rIns="91440" bIns="45720" rtlCol="0" anchor="ctr"/>
+          <a:lstStyle>
+            <a:defPPr>
+              <a:defRPr lang="en-US"/>
+            </a:defPPr>
+            <a:lvl1pPr marL="0" algn="r" defTabSz="457200" rtl="0" eaLnBrk="1" latinLnBrk="0" hangingPunct="1">
+              <a:defRPr sz="1050" kern="1200">
+                <a:solidFill>
+                  <a:srgbClr val="FFFFFF"/>
+                </a:solidFill>
+                <a:latin typeface="+mn-lt"/>
+                <a:ea typeface="+mn-ea"/>
+                <a:cs typeface="+mn-cs"/>
+              </a:defRPr>
+            </a:lvl1pPr>
+            <a:lvl2pPr marL="457200" algn="l" defTabSz="457200" rtl="0" eaLnBrk="1" latinLnBrk="0" hangingPunct="1">
+              <a:defRPr sz="1800" kern="1200">
+                <a:solidFill>
+                  <a:schemeClr val="tx1"/>
+                </a:solidFill>
+                <a:latin typeface="+mn-lt"/>
+                <a:ea typeface="+mn-ea"/>
+                <a:cs typeface="+mn-cs"/>
+              </a:defRPr>
+            </a:lvl2pPr>
+            <a:lvl3pPr marL="914400" algn="l" defTabSz="457200" rtl="0" eaLnBrk="1" latinLnBrk="0" hangingPunct="1">
+              <a:defRPr sz="1800" kern="1200">
+                <a:solidFill>
+                  <a:schemeClr val="tx1"/>
+                </a:solidFill>
+                <a:latin typeface="+mn-lt"/>
+                <a:ea typeface="+mn-ea"/>
+                <a:cs typeface="+mn-cs"/>
+              </a:defRPr>
+            </a:lvl3pPr>
+            <a:lvl4pPr marL="1371600" algn="l" defTabSz="457200" rtl="0" eaLnBrk="1" latinLnBrk="0" hangingPunct="1">
+              <a:defRPr sz="1800" kern="1200">
+                <a:solidFill>
+                  <a:schemeClr val="tx1"/>
+                </a:solidFill>
+                <a:latin typeface="+mn-lt"/>
+                <a:ea typeface="+mn-ea"/>
+                <a:cs typeface="+mn-cs"/>
+              </a:defRPr>
+            </a:lvl4pPr>
+            <a:lvl5pPr marL="1828800" algn="l" defTabSz="457200" rtl="0" eaLnBrk="1" latinLnBrk="0" hangingPunct="1">
+              <a:defRPr sz="1800" kern="1200">
+                <a:solidFill>
+                  <a:schemeClr val="tx1"/>
+                </a:solidFill>
+                <a:latin typeface="+mn-lt"/>
+                <a:ea typeface="+mn-ea"/>
+                <a:cs typeface="+mn-cs"/>
+              </a:defRPr>
+            </a:lvl5pPr>
+            <a:lvl6pPr marL="2286000" algn="l" defTabSz="457200" rtl="0" eaLnBrk="1" latinLnBrk="0" hangingPunct="1">
+              <a:defRPr sz="1800" kern="1200">
+                <a:solidFill>
+                  <a:schemeClr val="tx1"/>
+                </a:solidFill>
+                <a:latin typeface="+mn-lt"/>
+                <a:ea typeface="+mn-ea"/>
+                <a:cs typeface="+mn-cs"/>
+              </a:defRPr>
+            </a:lvl6pPr>
+            <a:lvl7pPr marL="2743200" algn="l" defTabSz="457200" rtl="0" eaLnBrk="1" latinLnBrk="0" hangingPunct="1">
+              <a:defRPr sz="1800" kern="1200">
+                <a:solidFill>
+                  <a:schemeClr val="tx1"/>
+                </a:solidFill>
+                <a:latin typeface="+mn-lt"/>
+                <a:ea typeface="+mn-ea"/>
+                <a:cs typeface="+mn-cs"/>
+              </a:defRPr>
+            </a:lvl7pPr>
+            <a:lvl8pPr marL="3200400" algn="l" defTabSz="457200" rtl="0" eaLnBrk="1" latinLnBrk="0" hangingPunct="1">
+              <a:defRPr sz="1800" kern="1200">
+                <a:solidFill>
+                  <a:schemeClr val="tx1"/>
+                </a:solidFill>
+                <a:latin typeface="+mn-lt"/>
+                <a:ea typeface="+mn-ea"/>
+                <a:cs typeface="+mn-cs"/>
+              </a:defRPr>
+            </a:lvl8pPr>
+            <a:lvl9pPr marL="3657600" algn="l" defTabSz="457200" rtl="0" eaLnBrk="1" latinLnBrk="0" hangingPunct="1">
+              <a:defRPr sz="1800" kern="1200">
+                <a:solidFill>
+                  <a:schemeClr val="tx1"/>
+                </a:solidFill>
+                <a:latin typeface="+mn-lt"/>
+                <a:ea typeface="+mn-ea"/>
+                <a:cs typeface="+mn-cs"/>
+              </a:defRPr>
+            </a:lvl9pPr>
+          </a:lstStyle>
+          <a:p>
+            <a:pPr algn="ctr"/>
+            <a:r>
+              <a:rPr lang="pt-PT" sz="1600" b="1" dirty="0" smtClean="0"/>
+              <a:t>HMI para Fabrico Aditivo – </a:t>
+            </a:r>
+            <a:r>
+              <a:rPr lang="pt-PT" sz="1600" b="1" dirty="0" smtClean="0"/>
+              <a:t>Solução Final</a:t>
+            </a:r>
+            <a:endParaRPr lang="pt-PT" sz="1600" b="1" dirty="0"/>
+          </a:p>
+        </p:txBody>
+      </p:sp>
+      <p:sp>
+        <p:nvSpPr>
+          <p:cNvPr id="8" name="TextBox 6"/>
+          <p:cNvSpPr txBox="1"/>
+          <p:nvPr/>
+        </p:nvSpPr>
+        <p:spPr>
+          <a:xfrm>
+            <a:off x="252980" y="300496"/>
+            <a:ext cx="11747000" cy="2677656"/>
+          </a:xfrm>
+          <a:prstGeom prst="rect">
+            <a:avLst/>
+          </a:prstGeom>
+          <a:noFill/>
+        </p:spPr>
+        <p:txBody>
+          <a:bodyPr wrap="square" rtlCol="0">
+            <a:spAutoFit/>
+          </a:bodyPr>
+          <a:lstStyle/>
+          <a:p>
+            <a:pPr marL="342900" indent="-342900">
+              <a:buFont typeface="Arial" panose="020B0604020202020204" pitchFamily="34" charset="0"/>
+              <a:buChar char="•"/>
+            </a:pPr>
+            <a:endParaRPr lang="pt-PT" sz="2400" dirty="0" smtClean="0"/>
+          </a:p>
+          <a:p>
+            <a:pPr marL="342900" indent="-342900">
+              <a:buFont typeface="Arial" panose="020B0604020202020204" pitchFamily="34" charset="0"/>
+              <a:buChar char="•"/>
+            </a:pPr>
+            <a:endParaRPr lang="pt-PT" sz="2400" dirty="0" smtClean="0"/>
+          </a:p>
+          <a:p>
+            <a:endParaRPr lang="pt-PT" sz="2400" dirty="0"/>
+          </a:p>
+          <a:p>
+            <a:pPr marL="342900" indent="-342900">
+              <a:buFont typeface="Arial" panose="020B0604020202020204" pitchFamily="34" charset="0"/>
+              <a:buChar char="•"/>
+            </a:pPr>
+            <a:endParaRPr lang="pt-PT" sz="2400" dirty="0" smtClean="0"/>
+          </a:p>
+          <a:p>
+            <a:pPr marL="342900" indent="-342900">
+              <a:buFont typeface="Arial" panose="020B0604020202020204" pitchFamily="34" charset="0"/>
+              <a:buChar char="•"/>
+            </a:pPr>
+            <a:endParaRPr lang="pt-PT" sz="2400" dirty="0" smtClean="0"/>
+          </a:p>
+          <a:p>
+            <a:endParaRPr lang="pt-PT" sz="2400" dirty="0" smtClean="0"/>
+          </a:p>
+          <a:p>
+            <a:pPr marL="342900" indent="-342900">
+              <a:buFont typeface="Arial" panose="020B0604020202020204" pitchFamily="34" charset="0"/>
+              <a:buChar char="•"/>
+            </a:pPr>
+            <a:endParaRPr lang="pt-PT" sz="2400" dirty="0" smtClean="0"/>
+          </a:p>
+        </p:txBody>
+      </p:sp>
+      <p:sp>
+        <p:nvSpPr>
+          <p:cNvPr id="12" name="TextBox 6"/>
+          <p:cNvSpPr txBox="1"/>
+          <p:nvPr/>
+        </p:nvSpPr>
+        <p:spPr>
+          <a:xfrm>
+            <a:off x="444999" y="166025"/>
+            <a:ext cx="9326529" cy="3170099"/>
+          </a:xfrm>
+          <a:prstGeom prst="rect">
+            <a:avLst/>
+          </a:prstGeom>
+          <a:noFill/>
+        </p:spPr>
+        <p:txBody>
+          <a:bodyPr wrap="square" rtlCol="0">
+            <a:spAutoFit/>
+          </a:bodyPr>
+          <a:lstStyle/>
+          <a:p>
+            <a:r>
+              <a:rPr lang="pt-PT" sz="3200" b="1" dirty="0" smtClean="0"/>
+              <a:t>Desenvolvimento de Maquetes</a:t>
+            </a:r>
+          </a:p>
+          <a:p>
+            <a:pPr marL="342900" indent="-342900">
+              <a:buFont typeface="Arial" panose="020B0604020202020204" pitchFamily="34" charset="0"/>
+              <a:buChar char="•"/>
+            </a:pPr>
+            <a:endParaRPr lang="pt-PT" sz="2400" dirty="0" smtClean="0"/>
+          </a:p>
+          <a:p>
+            <a:pPr marL="342900" indent="-342900">
+              <a:buFont typeface="Arial" panose="020B0604020202020204" pitchFamily="34" charset="0"/>
+              <a:buChar char="•"/>
+            </a:pPr>
+            <a:r>
+              <a:rPr lang="pt-PT" sz="2400" dirty="0" smtClean="0"/>
+              <a:t>Após levantamento de requisitos, foram criadas maquetes estáticas…</a:t>
+            </a:r>
+            <a:endParaRPr lang="pt-PT" sz="2400" dirty="0" smtClean="0"/>
+          </a:p>
+          <a:p>
+            <a:pPr marL="342900" indent="-342900">
+              <a:buFont typeface="Arial" panose="020B0604020202020204" pitchFamily="34" charset="0"/>
+              <a:buChar char="•"/>
+            </a:pPr>
+            <a:endParaRPr lang="pt-PT" sz="2400" dirty="0" smtClean="0"/>
+          </a:p>
+          <a:p>
+            <a:pPr marL="342900" indent="-342900">
+              <a:buFont typeface="Arial" panose="020B0604020202020204" pitchFamily="34" charset="0"/>
+              <a:buChar char="•"/>
+            </a:pPr>
+            <a:endParaRPr lang="pt-PT" sz="2400" dirty="0" smtClean="0"/>
+          </a:p>
+          <a:p>
+            <a:pPr marL="342900" indent="-342900">
+              <a:buFont typeface="Arial" panose="020B0604020202020204" pitchFamily="34" charset="0"/>
+              <a:buChar char="•"/>
+            </a:pPr>
+            <a:endParaRPr lang="pt-PT" sz="2400" dirty="0" smtClean="0"/>
+          </a:p>
+          <a:p>
+            <a:pPr marL="342900" indent="-342900">
+              <a:buFont typeface="Arial" panose="020B0604020202020204" pitchFamily="34" charset="0"/>
+              <a:buChar char="•"/>
+            </a:pPr>
+            <a:endParaRPr lang="pt-PT" sz="2400" dirty="0"/>
+          </a:p>
+          <a:p>
+            <a:pPr marL="342900" indent="-342900">
+              <a:buFont typeface="Arial" panose="020B0604020202020204" pitchFamily="34" charset="0"/>
+              <a:buChar char="•"/>
+            </a:pPr>
+            <a:endParaRPr lang="pt-PT" sz="2400" dirty="0" smtClean="0"/>
+          </a:p>
+        </p:txBody>
+      </p:sp>
       <p:pic>
         <p:nvPicPr>
-          <p:cNvPr id="4" name="Picture 3"/>
+          <p:cNvPr id="3" name="Imagem 2"/>
           <p:cNvPicPr>
             <a:picLocks noChangeAspect="1"/>
           </p:cNvPicPr>
@@ -15201,146 +11013,48 @@
         </p:blipFill>
         <p:spPr>
           <a:xfrm>
-            <a:off x="7073113" y="2749411"/>
-            <a:ext cx="4356735" cy="2178369"/>
+            <a:off x="865575" y="1886643"/>
+            <a:ext cx="4065013" cy="3802027"/>
           </a:xfrm>
           <a:prstGeom prst="rect">
             <a:avLst/>
           </a:prstGeom>
         </p:spPr>
       </p:pic>
-      <p:sp>
-        <p:nvSpPr>
-          <p:cNvPr id="10" name="Slide Number Placeholder 5"/>
-          <p:cNvSpPr txBox="1">
-            <a:spLocks/>
-          </p:cNvSpPr>
+      <p:pic>
+        <p:nvPicPr>
+          <p:cNvPr id="4" name="Imagem 3"/>
+          <p:cNvPicPr>
+            <a:picLocks noChangeAspect="1"/>
+          </p:cNvPicPr>
           <p:nvPr/>
-        </p:nvSpPr>
+        </p:nvPicPr>
+        <p:blipFill>
+          <a:blip r:embed="rId4">
+            <a:extLst>
+              <a:ext uri="{28A0092B-C50C-407E-A947-70E740481C1C}">
+                <a14:useLocalDpi xmlns:a14="http://schemas.microsoft.com/office/drawing/2010/main" val="0"/>
+              </a:ext>
+            </a:extLst>
+          </a:blip>
+          <a:stretch>
+            <a:fillRect/>
+          </a:stretch>
+        </p:blipFill>
         <p:spPr>
           <a:xfrm>
-            <a:off x="3908571" y="6492875"/>
-            <a:ext cx="4435818" cy="365125"/>
+            <a:off x="5705894" y="1856433"/>
+            <a:ext cx="4065634" cy="3832237"/>
           </a:xfrm>
           <a:prstGeom prst="rect">
             <a:avLst/>
           </a:prstGeom>
         </p:spPr>
-        <p:txBody>
-          <a:bodyPr vert="horz" lIns="91440" tIns="45720" rIns="91440" bIns="45720" rtlCol="0" anchor="ctr"/>
-          <a:lstStyle>
-            <a:defPPr>
-              <a:defRPr lang="en-US"/>
-            </a:defPPr>
-            <a:lvl1pPr marL="0" algn="r" defTabSz="457200" rtl="0" eaLnBrk="1" latinLnBrk="0" hangingPunct="1">
-              <a:defRPr sz="1050" kern="1200">
-                <a:solidFill>
-                  <a:srgbClr val="FFFFFF"/>
-                </a:solidFill>
-                <a:latin typeface="+mn-lt"/>
-                <a:ea typeface="+mn-ea"/>
-                <a:cs typeface="+mn-cs"/>
-              </a:defRPr>
-            </a:lvl1pPr>
-            <a:lvl2pPr marL="457200" algn="l" defTabSz="457200" rtl="0" eaLnBrk="1" latinLnBrk="0" hangingPunct="1">
-              <a:defRPr sz="1800" kern="1200">
-                <a:solidFill>
-                  <a:schemeClr val="tx1"/>
-                </a:solidFill>
-                <a:latin typeface="+mn-lt"/>
-                <a:ea typeface="+mn-ea"/>
-                <a:cs typeface="+mn-cs"/>
-              </a:defRPr>
-            </a:lvl2pPr>
-            <a:lvl3pPr marL="914400" algn="l" defTabSz="457200" rtl="0" eaLnBrk="1" latinLnBrk="0" hangingPunct="1">
-              <a:defRPr sz="1800" kern="1200">
-                <a:solidFill>
-                  <a:schemeClr val="tx1"/>
-                </a:solidFill>
-                <a:latin typeface="+mn-lt"/>
-                <a:ea typeface="+mn-ea"/>
-                <a:cs typeface="+mn-cs"/>
-              </a:defRPr>
-            </a:lvl3pPr>
-            <a:lvl4pPr marL="1371600" algn="l" defTabSz="457200" rtl="0" eaLnBrk="1" latinLnBrk="0" hangingPunct="1">
-              <a:defRPr sz="1800" kern="1200">
-                <a:solidFill>
-                  <a:schemeClr val="tx1"/>
-                </a:solidFill>
-                <a:latin typeface="+mn-lt"/>
-                <a:ea typeface="+mn-ea"/>
-                <a:cs typeface="+mn-cs"/>
-              </a:defRPr>
-            </a:lvl4pPr>
-            <a:lvl5pPr marL="1828800" algn="l" defTabSz="457200" rtl="0" eaLnBrk="1" latinLnBrk="0" hangingPunct="1">
-              <a:defRPr sz="1800" kern="1200">
-                <a:solidFill>
-                  <a:schemeClr val="tx1"/>
-                </a:solidFill>
-                <a:latin typeface="+mn-lt"/>
-                <a:ea typeface="+mn-ea"/>
-                <a:cs typeface="+mn-cs"/>
-              </a:defRPr>
-            </a:lvl5pPr>
-            <a:lvl6pPr marL="2286000" algn="l" defTabSz="457200" rtl="0" eaLnBrk="1" latinLnBrk="0" hangingPunct="1">
-              <a:defRPr sz="1800" kern="1200">
-                <a:solidFill>
-                  <a:schemeClr val="tx1"/>
-                </a:solidFill>
-                <a:latin typeface="+mn-lt"/>
-                <a:ea typeface="+mn-ea"/>
-                <a:cs typeface="+mn-cs"/>
-              </a:defRPr>
-            </a:lvl6pPr>
-            <a:lvl7pPr marL="2743200" algn="l" defTabSz="457200" rtl="0" eaLnBrk="1" latinLnBrk="0" hangingPunct="1">
-              <a:defRPr sz="1800" kern="1200">
-                <a:solidFill>
-                  <a:schemeClr val="tx1"/>
-                </a:solidFill>
-                <a:latin typeface="+mn-lt"/>
-                <a:ea typeface="+mn-ea"/>
-                <a:cs typeface="+mn-cs"/>
-              </a:defRPr>
-            </a:lvl7pPr>
-            <a:lvl8pPr marL="3200400" algn="l" defTabSz="457200" rtl="0" eaLnBrk="1" latinLnBrk="0" hangingPunct="1">
-              <a:defRPr sz="1800" kern="1200">
-                <a:solidFill>
-                  <a:schemeClr val="tx1"/>
-                </a:solidFill>
-                <a:latin typeface="+mn-lt"/>
-                <a:ea typeface="+mn-ea"/>
-                <a:cs typeface="+mn-cs"/>
-              </a:defRPr>
-            </a:lvl8pPr>
-            <a:lvl9pPr marL="3657600" algn="l" defTabSz="457200" rtl="0" eaLnBrk="1" latinLnBrk="0" hangingPunct="1">
-              <a:defRPr sz="1800" kern="1200">
-                <a:solidFill>
-                  <a:schemeClr val="tx1"/>
-                </a:solidFill>
-                <a:latin typeface="+mn-lt"/>
-                <a:ea typeface="+mn-ea"/>
-                <a:cs typeface="+mn-cs"/>
-              </a:defRPr>
-            </a:lvl9pPr>
-          </a:lstStyle>
-          <a:p>
-            <a:pPr algn="ctr"/>
-            <a:r>
-              <a:rPr lang="pt-PT" sz="1600" b="1" dirty="0" smtClean="0"/>
-              <a:t>HMI </a:t>
-            </a:r>
-            <a:r>
-              <a:rPr lang="pt-PT" sz="1600" b="1" dirty="0" smtClean="0"/>
-              <a:t>para Fabrico Aditivo – Estado da Arte</a:t>
-            </a:r>
-            <a:endParaRPr lang="pt-PT" sz="1600" b="1" dirty="0"/>
-          </a:p>
-        </p:txBody>
-      </p:sp>
+      </p:pic>
     </p:spTree>
     <p:extLst>
       <p:ext uri="{BB962C8B-B14F-4D97-AF65-F5344CB8AC3E}">
-        <p14:creationId xmlns:p14="http://schemas.microsoft.com/office/powerpoint/2010/main" val="2554370127"/>
+        <p14:creationId xmlns:p14="http://schemas.microsoft.com/office/powerpoint/2010/main" val="1444497842"/>
       </p:ext>
     </p:extLst>
   </p:cSld>
@@ -15376,221 +11090,6 @@
       </p:grpSpPr>
       <p:sp>
         <p:nvSpPr>
-          <p:cNvPr id="7" name="TextBox 6"/>
-          <p:cNvSpPr txBox="1"/>
-          <p:nvPr/>
-        </p:nvSpPr>
-        <p:spPr>
-          <a:xfrm>
-            <a:off x="445000" y="166025"/>
-            <a:ext cx="11747000" cy="10926068"/>
-          </a:xfrm>
-          <a:prstGeom prst="rect">
-            <a:avLst/>
-          </a:prstGeom>
-          <a:noFill/>
-        </p:spPr>
-        <p:txBody>
-          <a:bodyPr wrap="square" rtlCol="0">
-            <a:spAutoFit/>
-          </a:bodyPr>
-          <a:lstStyle/>
-          <a:p>
-            <a:r>
-              <a:rPr lang="pt-PT" sz="3200" b="1" dirty="0" smtClean="0"/>
-              <a:t>Web para Automação</a:t>
-            </a:r>
-          </a:p>
-          <a:p>
-            <a:pPr marL="342900" indent="-342900">
-              <a:buFont typeface="Arial" panose="020B0604020202020204" pitchFamily="34" charset="0"/>
-              <a:buChar char="•"/>
-            </a:pPr>
-            <a:endParaRPr lang="pt-PT" sz="2400" dirty="0" smtClean="0"/>
-          </a:p>
-          <a:p>
-            <a:pPr marL="342900" indent="-342900">
-              <a:buFont typeface="Arial" panose="020B0604020202020204" pitchFamily="34" charset="0"/>
-              <a:buChar char="•"/>
-            </a:pPr>
-            <a:r>
-              <a:rPr lang="pt-PT" sz="2400" dirty="0" smtClean="0"/>
-              <a:t>Evolução da web permite vasta aplicabilidade</a:t>
-            </a:r>
-            <a:endParaRPr lang="pt-PT" sz="2400" dirty="0"/>
-          </a:p>
-          <a:p>
-            <a:pPr marL="342900" indent="-342900">
-              <a:buFont typeface="Arial" panose="020B0604020202020204" pitchFamily="34" charset="0"/>
-              <a:buChar char="•"/>
-            </a:pPr>
-            <a:endParaRPr lang="pt-PT" sz="2400" dirty="0" smtClean="0"/>
-          </a:p>
-          <a:p>
-            <a:pPr marL="342900" indent="-342900">
-              <a:buFont typeface="Arial" panose="020B0604020202020204" pitchFamily="34" charset="0"/>
-              <a:buChar char="•"/>
-            </a:pPr>
-            <a:r>
-              <a:rPr lang="pt-PT" sz="2400" dirty="0" smtClean="0"/>
-              <a:t>Integração com processos de outras áreas</a:t>
-            </a:r>
-          </a:p>
-          <a:p>
-            <a:pPr marL="342900" indent="-342900">
-              <a:buFont typeface="Arial" panose="020B0604020202020204" pitchFamily="34" charset="0"/>
-              <a:buChar char="•"/>
-            </a:pPr>
-            <a:endParaRPr lang="pt-PT" sz="2400" dirty="0"/>
-          </a:p>
-          <a:p>
-            <a:pPr marL="342900" indent="-342900">
-              <a:buFont typeface="Arial" panose="020B0604020202020204" pitchFamily="34" charset="0"/>
-              <a:buChar char="•"/>
-            </a:pPr>
-            <a:endParaRPr lang="pt-PT" sz="2400" dirty="0" smtClean="0"/>
-          </a:p>
-          <a:p>
-            <a:pPr marL="342900" indent="-342900">
-              <a:buFont typeface="Arial" panose="020B0604020202020204" pitchFamily="34" charset="0"/>
-              <a:buChar char="•"/>
-            </a:pPr>
-            <a:endParaRPr lang="pt-PT" sz="2400" dirty="0"/>
-          </a:p>
-          <a:p>
-            <a:endParaRPr lang="pt-PT" sz="2400" dirty="0" smtClean="0"/>
-          </a:p>
-          <a:p>
-            <a:endParaRPr lang="pt-PT" sz="2400" dirty="0" smtClean="0"/>
-          </a:p>
-          <a:p>
-            <a:pPr marL="342900" indent="-342900">
-              <a:buFont typeface="Arial" panose="020B0604020202020204" pitchFamily="34" charset="0"/>
-              <a:buChar char="•"/>
-            </a:pPr>
-            <a:r>
-              <a:rPr lang="pt-PT" sz="2400" dirty="0" smtClean="0"/>
-              <a:t>Aquisição, processamento e armazenamento de dados</a:t>
-            </a:r>
-          </a:p>
-          <a:p>
-            <a:pPr marL="342900" indent="-342900">
-              <a:buFont typeface="Arial" panose="020B0604020202020204" pitchFamily="34" charset="0"/>
-              <a:buChar char="•"/>
-            </a:pPr>
-            <a:endParaRPr lang="pt-PT" sz="2400" dirty="0"/>
-          </a:p>
-          <a:p>
-            <a:pPr marL="342900" indent="-342900">
-              <a:buFont typeface="Arial" panose="020B0604020202020204" pitchFamily="34" charset="0"/>
-              <a:buChar char="•"/>
-            </a:pPr>
-            <a:r>
-              <a:rPr lang="pt-PT" sz="2400" dirty="0" smtClean="0"/>
-              <a:t>Disponibilização de dados em tempo real/processados através de soluções web-based</a:t>
-            </a:r>
-          </a:p>
-          <a:p>
-            <a:pPr marL="342900" indent="-342900">
-              <a:buFont typeface="Arial" panose="020B0604020202020204" pitchFamily="34" charset="0"/>
-              <a:buChar char="•"/>
-            </a:pPr>
-            <a:endParaRPr lang="pt-PT" sz="2400" dirty="0"/>
-          </a:p>
-          <a:p>
-            <a:pPr marL="342900" indent="-342900">
-              <a:buFont typeface="Arial" panose="020B0604020202020204" pitchFamily="34" charset="0"/>
-              <a:buChar char="•"/>
-            </a:pPr>
-            <a:r>
-              <a:rPr lang="pt-PT" sz="2400" dirty="0" smtClean="0"/>
-              <a:t>Visualização dos dados em diversos dispositivos, local ou remotamente, integração com tecnologias emergentes, entre outras</a:t>
-            </a:r>
-          </a:p>
-          <a:p>
-            <a:pPr marL="342900" indent="-342900">
-              <a:buFont typeface="Arial" panose="020B0604020202020204" pitchFamily="34" charset="0"/>
-              <a:buChar char="•"/>
-            </a:pPr>
-            <a:endParaRPr lang="pt-PT" sz="2400" dirty="0" smtClean="0"/>
-          </a:p>
-          <a:p>
-            <a:pPr marL="342900" indent="-342900">
-              <a:buFont typeface="Arial" panose="020B0604020202020204" pitchFamily="34" charset="0"/>
-              <a:buChar char="•"/>
-            </a:pPr>
-            <a:endParaRPr lang="pt-PT" sz="2400" dirty="0" smtClean="0"/>
-          </a:p>
-          <a:p>
-            <a:endParaRPr lang="pt-PT" sz="2400" dirty="0" smtClean="0"/>
-          </a:p>
-          <a:p>
-            <a:pPr marL="342900" indent="-342900">
-              <a:buFont typeface="Arial" panose="020B0604020202020204" pitchFamily="34" charset="0"/>
-              <a:buChar char="•"/>
-            </a:pPr>
-            <a:endParaRPr lang="pt-PT" sz="2400" dirty="0" smtClean="0"/>
-          </a:p>
-          <a:p>
-            <a:pPr marL="342900" indent="-342900">
-              <a:buFont typeface="Arial" panose="020B0604020202020204" pitchFamily="34" charset="0"/>
-              <a:buChar char="•"/>
-            </a:pPr>
-            <a:endParaRPr lang="pt-PT" sz="2400" dirty="0" smtClean="0"/>
-          </a:p>
-          <a:p>
-            <a:pPr marL="342900" indent="-342900">
-              <a:buFont typeface="Arial" panose="020B0604020202020204" pitchFamily="34" charset="0"/>
-              <a:buChar char="•"/>
-            </a:pPr>
-            <a:endParaRPr lang="pt-PT" sz="2400" dirty="0"/>
-          </a:p>
-          <a:p>
-            <a:pPr marL="342900" indent="-342900">
-              <a:buFont typeface="Arial" panose="020B0604020202020204" pitchFamily="34" charset="0"/>
-              <a:buChar char="•"/>
-            </a:pPr>
-            <a:endParaRPr lang="pt-PT" sz="2400" dirty="0" smtClean="0"/>
-          </a:p>
-          <a:p>
-            <a:pPr marL="342900" indent="-342900">
-              <a:buFont typeface="Arial" panose="020B0604020202020204" pitchFamily="34" charset="0"/>
-              <a:buChar char="•"/>
-            </a:pPr>
-            <a:endParaRPr lang="pt-PT" sz="2400" dirty="0" smtClean="0"/>
-          </a:p>
-          <a:p>
-            <a:pPr marL="342900" indent="-342900">
-              <a:buFont typeface="Arial" panose="020B0604020202020204" pitchFamily="34" charset="0"/>
-              <a:buChar char="•"/>
-            </a:pPr>
-            <a:endParaRPr lang="pt-PT" sz="2400" dirty="0" smtClean="0"/>
-          </a:p>
-          <a:p>
-            <a:pPr marL="342900" indent="-342900">
-              <a:buFont typeface="Arial" panose="020B0604020202020204" pitchFamily="34" charset="0"/>
-              <a:buChar char="•"/>
-            </a:pPr>
-            <a:endParaRPr lang="pt-PT" sz="2400" dirty="0" smtClean="0"/>
-          </a:p>
-          <a:p>
-            <a:pPr marL="342900" indent="-342900">
-              <a:buFont typeface="Arial" panose="020B0604020202020204" pitchFamily="34" charset="0"/>
-              <a:buChar char="•"/>
-            </a:pPr>
-            <a:endParaRPr lang="pt-PT" sz="2400" dirty="0"/>
-          </a:p>
-          <a:p>
-            <a:pPr marL="342900" indent="-342900">
-              <a:buFont typeface="Arial" panose="020B0604020202020204" pitchFamily="34" charset="0"/>
-              <a:buChar char="•"/>
-            </a:pPr>
-            <a:endParaRPr lang="pt-PT" sz="2400" dirty="0" smtClean="0"/>
-          </a:p>
-        </p:txBody>
-      </p:sp>
-      <p:sp>
-        <p:nvSpPr>
           <p:cNvPr id="2" name="Slide Number Placeholder 1"/>
           <p:cNvSpPr>
             <a:spLocks noGrp="1"/>
@@ -15883,19 +11382,224 @@
             <a:pPr algn="ctr"/>
             <a:r>
               <a:rPr lang="pt-PT" sz="1600" b="1" dirty="0" smtClean="0"/>
-              <a:t>HMI </a:t>
+              <a:t>HMI para Fabrico Aditivo – </a:t>
             </a:r>
             <a:r>
               <a:rPr lang="pt-PT" sz="1600" b="1" dirty="0" smtClean="0"/>
-              <a:t>para Fabrico Aditivo – Estado da Arte</a:t>
+              <a:t>Solução Final</a:t>
             </a:r>
             <a:endParaRPr lang="pt-PT" sz="1600" b="1" dirty="0"/>
+          </a:p>
+        </p:txBody>
+      </p:sp>
+      <p:sp>
+        <p:nvSpPr>
+          <p:cNvPr id="8" name="TextBox 6"/>
+          <p:cNvSpPr txBox="1"/>
+          <p:nvPr/>
+        </p:nvSpPr>
+        <p:spPr>
+          <a:xfrm>
+            <a:off x="252980" y="300496"/>
+            <a:ext cx="11747000" cy="2677656"/>
+          </a:xfrm>
+          <a:prstGeom prst="rect">
+            <a:avLst/>
+          </a:prstGeom>
+          <a:noFill/>
+        </p:spPr>
+        <p:txBody>
+          <a:bodyPr wrap="square" rtlCol="0">
+            <a:spAutoFit/>
+          </a:bodyPr>
+          <a:lstStyle/>
+          <a:p>
+            <a:pPr marL="342900" indent="-342900">
+              <a:buFont typeface="Arial" panose="020B0604020202020204" pitchFamily="34" charset="0"/>
+              <a:buChar char="•"/>
+            </a:pPr>
+            <a:endParaRPr lang="pt-PT" sz="2400" dirty="0" smtClean="0"/>
+          </a:p>
+          <a:p>
+            <a:pPr marL="342900" indent="-342900">
+              <a:buFont typeface="Arial" panose="020B0604020202020204" pitchFamily="34" charset="0"/>
+              <a:buChar char="•"/>
+            </a:pPr>
+            <a:endParaRPr lang="pt-PT" sz="2400" dirty="0" smtClean="0"/>
+          </a:p>
+          <a:p>
+            <a:endParaRPr lang="pt-PT" sz="2400" dirty="0"/>
+          </a:p>
+          <a:p>
+            <a:pPr marL="342900" indent="-342900">
+              <a:buFont typeface="Arial" panose="020B0604020202020204" pitchFamily="34" charset="0"/>
+              <a:buChar char="•"/>
+            </a:pPr>
+            <a:endParaRPr lang="pt-PT" sz="2400" dirty="0" smtClean="0"/>
+          </a:p>
+          <a:p>
+            <a:pPr marL="342900" indent="-342900">
+              <a:buFont typeface="Arial" panose="020B0604020202020204" pitchFamily="34" charset="0"/>
+              <a:buChar char="•"/>
+            </a:pPr>
+            <a:endParaRPr lang="pt-PT" sz="2400" dirty="0" smtClean="0"/>
+          </a:p>
+          <a:p>
+            <a:endParaRPr lang="pt-PT" sz="2400" dirty="0" smtClean="0"/>
+          </a:p>
+          <a:p>
+            <a:pPr marL="342900" indent="-342900">
+              <a:buFont typeface="Arial" panose="020B0604020202020204" pitchFamily="34" charset="0"/>
+              <a:buChar char="•"/>
+            </a:pPr>
+            <a:endParaRPr lang="pt-PT" sz="2400" dirty="0" smtClean="0"/>
+          </a:p>
+        </p:txBody>
+      </p:sp>
+      <p:sp>
+        <p:nvSpPr>
+          <p:cNvPr id="12" name="TextBox 6"/>
+          <p:cNvSpPr txBox="1"/>
+          <p:nvPr/>
+        </p:nvSpPr>
+        <p:spPr>
+          <a:xfrm>
+            <a:off x="444999" y="166025"/>
+            <a:ext cx="9326529" cy="6124754"/>
+          </a:xfrm>
+          <a:prstGeom prst="rect">
+            <a:avLst/>
+          </a:prstGeom>
+          <a:noFill/>
+        </p:spPr>
+        <p:txBody>
+          <a:bodyPr wrap="square" rtlCol="0">
+            <a:spAutoFit/>
+          </a:bodyPr>
+          <a:lstStyle/>
+          <a:p>
+            <a:r>
+              <a:rPr lang="pt-PT" sz="3200" b="1" dirty="0" smtClean="0"/>
+              <a:t>Desenvolvimento de Maquetes</a:t>
+            </a:r>
+          </a:p>
+          <a:p>
+            <a:pPr marL="342900" indent="-342900">
+              <a:buFont typeface="Arial" panose="020B0604020202020204" pitchFamily="34" charset="0"/>
+              <a:buChar char="•"/>
+            </a:pPr>
+            <a:endParaRPr lang="pt-PT" sz="2400" dirty="0" smtClean="0"/>
+          </a:p>
+          <a:p>
+            <a:pPr marL="342900" indent="-342900">
+              <a:buFont typeface="Arial" panose="020B0604020202020204" pitchFamily="34" charset="0"/>
+              <a:buChar char="•"/>
+            </a:pPr>
+            <a:r>
+              <a:rPr lang="pt-PT" sz="2400" dirty="0" smtClean="0"/>
+              <a:t>…e maquetes interativas</a:t>
+            </a:r>
+          </a:p>
+          <a:p>
+            <a:pPr marL="342900" indent="-342900">
+              <a:buFont typeface="Arial" panose="020B0604020202020204" pitchFamily="34" charset="0"/>
+              <a:buChar char="•"/>
+            </a:pPr>
+            <a:endParaRPr lang="pt-PT" sz="2400" dirty="0" smtClean="0"/>
+          </a:p>
+          <a:p>
+            <a:pPr marL="342900" indent="-342900">
+              <a:buFont typeface="Arial" panose="020B0604020202020204" pitchFamily="34" charset="0"/>
+              <a:buChar char="•"/>
+            </a:pPr>
+            <a:endParaRPr lang="pt-PT" sz="2400" dirty="0" smtClean="0"/>
+          </a:p>
+          <a:p>
+            <a:pPr marL="342900" indent="-342900">
+              <a:buFont typeface="Arial" panose="020B0604020202020204" pitchFamily="34" charset="0"/>
+              <a:buChar char="•"/>
+            </a:pPr>
+            <a:endParaRPr lang="pt-PT" sz="2400" dirty="0" smtClean="0"/>
+          </a:p>
+          <a:p>
+            <a:pPr marL="342900" indent="-342900">
+              <a:buFont typeface="Arial" panose="020B0604020202020204" pitchFamily="34" charset="0"/>
+              <a:buChar char="•"/>
+            </a:pPr>
+            <a:endParaRPr lang="pt-PT" sz="2400" dirty="0"/>
+          </a:p>
+          <a:p>
+            <a:pPr marL="342900" indent="-342900">
+              <a:buFont typeface="Arial" panose="020B0604020202020204" pitchFamily="34" charset="0"/>
+              <a:buChar char="•"/>
+            </a:pPr>
+            <a:endParaRPr lang="pt-PT" sz="2400" dirty="0" smtClean="0"/>
+          </a:p>
+          <a:p>
+            <a:pPr marL="342900" indent="-342900">
+              <a:buFont typeface="Arial" panose="020B0604020202020204" pitchFamily="34" charset="0"/>
+              <a:buChar char="•"/>
+            </a:pPr>
+            <a:endParaRPr lang="pt-PT" sz="2400" dirty="0"/>
+          </a:p>
+          <a:p>
+            <a:pPr marL="342900" indent="-342900">
+              <a:buFont typeface="Arial" panose="020B0604020202020204" pitchFamily="34" charset="0"/>
+              <a:buChar char="•"/>
+            </a:pPr>
+            <a:endParaRPr lang="pt-PT" sz="2400" dirty="0" smtClean="0"/>
+          </a:p>
+          <a:p>
+            <a:pPr marL="342900" indent="-342900">
+              <a:buFont typeface="Arial" panose="020B0604020202020204" pitchFamily="34" charset="0"/>
+              <a:buChar char="•"/>
+            </a:pPr>
+            <a:endParaRPr lang="pt-PT" sz="2400" dirty="0"/>
+          </a:p>
+          <a:p>
+            <a:pPr marL="342900" indent="-342900">
+              <a:buFont typeface="Arial" panose="020B0604020202020204" pitchFamily="34" charset="0"/>
+              <a:buChar char="•"/>
+            </a:pPr>
+            <a:endParaRPr lang="pt-PT" sz="2400" dirty="0" smtClean="0"/>
+          </a:p>
+          <a:p>
+            <a:pPr marL="342900" indent="-342900">
+              <a:buFont typeface="Arial" panose="020B0604020202020204" pitchFamily="34" charset="0"/>
+              <a:buChar char="•"/>
+            </a:pPr>
+            <a:endParaRPr lang="pt-PT" sz="2400" dirty="0"/>
+          </a:p>
+          <a:p>
+            <a:endParaRPr lang="pt-PT" sz="2400" dirty="0"/>
+          </a:p>
+          <a:p>
+            <a:pPr marL="342900" indent="-342900">
+              <a:buFont typeface="Arial" panose="020B0604020202020204" pitchFamily="34" charset="0"/>
+              <a:buChar char="•"/>
+            </a:pPr>
+            <a:r>
+              <a:rPr lang="pt-PT" sz="2400" dirty="0"/>
+              <a:t>Reproduzidas no ecrã tátil do equipamento para </a:t>
+            </a:r>
+            <a:r>
+              <a:rPr lang="pt-PT" sz="2400" dirty="0" smtClean="0"/>
+              <a:t>avaliação</a:t>
+            </a:r>
+            <a:endParaRPr lang="pt-PT" sz="2400" dirty="0"/>
+          </a:p>
+          <a:p>
+            <a:pPr marL="342900" indent="-342900">
+              <a:buFont typeface="Arial" panose="020B0604020202020204" pitchFamily="34" charset="0"/>
+              <a:buChar char="•"/>
+            </a:pPr>
+            <a:endParaRPr lang="pt-PT" sz="2400" dirty="0" smtClean="0"/>
           </a:p>
         </p:txBody>
       </p:sp>
       <p:pic>
         <p:nvPicPr>
-          <p:cNvPr id="3" name="Picture 2"/>
+          <p:cNvPr id="3" name="Imagem 2"/>
           <p:cNvPicPr>
             <a:picLocks noChangeAspect="1"/>
           </p:cNvPicPr>
@@ -15915,8 +11619,38 @@
         </p:blipFill>
         <p:spPr>
           <a:xfrm>
-            <a:off x="3830194" y="2242590"/>
-            <a:ext cx="2971200" cy="1671299"/>
+            <a:off x="749033" y="1912692"/>
+            <a:ext cx="5027645" cy="2856532"/>
+          </a:xfrm>
+          <a:prstGeom prst="rect">
+            <a:avLst/>
+          </a:prstGeom>
+        </p:spPr>
+      </p:pic>
+      <p:pic>
+        <p:nvPicPr>
+          <p:cNvPr id="4" name="Imagem 3"/>
+          <p:cNvPicPr>
+            <a:picLocks noChangeAspect="1"/>
+          </p:cNvPicPr>
+          <p:nvPr/>
+        </p:nvPicPr>
+        <p:blipFill>
+          <a:blip r:embed="rId4" cstate="print">
+            <a:extLst>
+              <a:ext uri="{28A0092B-C50C-407E-A947-70E740481C1C}">
+                <a14:useLocalDpi xmlns:a14="http://schemas.microsoft.com/office/drawing/2010/main" val="0"/>
+              </a:ext>
+            </a:extLst>
+          </a:blip>
+          <a:stretch>
+            <a:fillRect/>
+          </a:stretch>
+        </p:blipFill>
+        <p:spPr>
+          <a:xfrm>
+            <a:off x="6124842" y="1912692"/>
+            <a:ext cx="5087641" cy="2862030"/>
           </a:xfrm>
           <a:prstGeom prst="rect">
             <a:avLst/>
@@ -15926,7 +11660,7 @@
     </p:spTree>
     <p:extLst>
       <p:ext uri="{BB962C8B-B14F-4D97-AF65-F5344CB8AC3E}">
-        <p14:creationId xmlns:p14="http://schemas.microsoft.com/office/powerpoint/2010/main" val="3658370109"/>
+        <p14:creationId xmlns:p14="http://schemas.microsoft.com/office/powerpoint/2010/main" val="3440513291"/>
       </p:ext>
     </p:extLst>
   </p:cSld>

--- a/Apresentacao_Final_MarcoRodrigues4652.pptx
+++ b/Apresentacao_Final_MarcoRodrigues4652.pptx
@@ -5,7 +5,7 @@
     <p:sldMasterId id="2147483660" r:id="rId1"/>
   </p:sldMasterIdLst>
   <p:notesMasterIdLst>
-    <p:notesMasterId r:id="rId28"/>
+    <p:notesMasterId r:id="rId26"/>
   </p:notesMasterIdLst>
   <p:sldIdLst>
     <p:sldId id="256" r:id="rId2"/>
@@ -15,25 +15,23 @@
     <p:sldId id="317" r:id="rId6"/>
     <p:sldId id="340" r:id="rId7"/>
     <p:sldId id="341" r:id="rId8"/>
-    <p:sldId id="342" r:id="rId9"/>
-    <p:sldId id="347" r:id="rId10"/>
-    <p:sldId id="348" r:id="rId11"/>
-    <p:sldId id="349" r:id="rId12"/>
-    <p:sldId id="350" r:id="rId13"/>
-    <p:sldId id="351" r:id="rId14"/>
-    <p:sldId id="352" r:id="rId15"/>
-    <p:sldId id="357" r:id="rId16"/>
-    <p:sldId id="353" r:id="rId17"/>
-    <p:sldId id="355" r:id="rId18"/>
-    <p:sldId id="356" r:id="rId19"/>
-    <p:sldId id="358" r:id="rId20"/>
-    <p:sldId id="359" r:id="rId21"/>
-    <p:sldId id="360" r:id="rId22"/>
-    <p:sldId id="361" r:id="rId23"/>
-    <p:sldId id="362" r:id="rId24"/>
-    <p:sldId id="363" r:id="rId25"/>
-    <p:sldId id="346" r:id="rId26"/>
-    <p:sldId id="325" r:id="rId27"/>
+    <p:sldId id="347" r:id="rId9"/>
+    <p:sldId id="348" r:id="rId10"/>
+    <p:sldId id="349" r:id="rId11"/>
+    <p:sldId id="350" r:id="rId12"/>
+    <p:sldId id="351" r:id="rId13"/>
+    <p:sldId id="352" r:id="rId14"/>
+    <p:sldId id="357" r:id="rId15"/>
+    <p:sldId id="353" r:id="rId16"/>
+    <p:sldId id="355" r:id="rId17"/>
+    <p:sldId id="356" r:id="rId18"/>
+    <p:sldId id="358" r:id="rId19"/>
+    <p:sldId id="359" r:id="rId20"/>
+    <p:sldId id="360" r:id="rId21"/>
+    <p:sldId id="361" r:id="rId22"/>
+    <p:sldId id="362" r:id="rId23"/>
+    <p:sldId id="363" r:id="rId24"/>
+    <p:sldId id="325" r:id="rId25"/>
   </p:sldIdLst>
   <p:sldSz cx="12192000" cy="6858000"/>
   <p:notesSz cx="6858000" cy="9144000"/>
@@ -222,7 +220,7 @@
           <a:p>
             <a:fld id="{6CB5A5B5-1B7C-493B-BEA9-B04B9AF1EC94}" type="datetimeFigureOut">
               <a:rPr lang="pt-PT" smtClean="0"/>
-              <a:t>11/06/2018</a:t>
+              <a:t>14/06/2018</a:t>
             </a:fld>
             <a:endParaRPr lang="pt-PT"/>
           </a:p>
@@ -716,7 +714,7 @@
           <a:p>
             <a:fld id="{A0083D08-FD67-44B3-8536-5A75C98273AA}" type="datetime1">
               <a:rPr lang="pt-PT" smtClean="0"/>
-              <a:t>11/06/2018</a:t>
+              <a:t>14/06/2018</a:t>
             </a:fld>
             <a:endParaRPr lang="pt-PT"/>
           </a:p>
@@ -924,7 +922,7 @@
           <a:p>
             <a:fld id="{BF30FC89-4E20-4F82-94CC-7A0B490014A9}" type="datetime1">
               <a:rPr lang="pt-PT" smtClean="0"/>
-              <a:t>11/06/2018</a:t>
+              <a:t>14/06/2018</a:t>
             </a:fld>
             <a:endParaRPr lang="pt-PT"/>
           </a:p>
@@ -1180,7 +1178,7 @@
           <a:p>
             <a:fld id="{1524E4FF-162B-4E62-8C13-B067390AF403}" type="datetime1">
               <a:rPr lang="pt-PT" smtClean="0"/>
-              <a:t>11/06/2018</a:t>
+              <a:t>14/06/2018</a:t>
             </a:fld>
             <a:endParaRPr lang="pt-PT"/>
           </a:p>
@@ -1354,7 +1352,7 @@
           <a:p>
             <a:fld id="{B6A0BBBF-4B9F-4CC1-BA01-A44B1A6EDF03}" type="datetime1">
               <a:rPr lang="pt-PT" smtClean="0"/>
-              <a:t>11/06/2018</a:t>
+              <a:t>14/06/2018</a:t>
             </a:fld>
             <a:endParaRPr lang="pt-PT"/>
           </a:p>
@@ -1697,7 +1695,7 @@
           <a:p>
             <a:fld id="{BE139743-3392-4C87-AC94-289E3CB69E10}" type="datetime1">
               <a:rPr lang="pt-PT" smtClean="0"/>
-              <a:t>11/06/2018</a:t>
+              <a:t>14/06/2018</a:t>
             </a:fld>
             <a:endParaRPr lang="pt-PT"/>
           </a:p>
@@ -1972,7 +1970,7 @@
           <a:p>
             <a:fld id="{10E54368-472F-4004-9BF2-652DF4E1D694}" type="datetime1">
               <a:rPr lang="pt-PT" smtClean="0"/>
-              <a:t>11/06/2018</a:t>
+              <a:t>14/06/2018</a:t>
             </a:fld>
             <a:endParaRPr lang="pt-PT"/>
           </a:p>
@@ -2351,7 +2349,7 @@
           <a:p>
             <a:fld id="{4A41B1F8-CD6E-4AC7-A381-6A8415EFB578}" type="datetime1">
               <a:rPr lang="pt-PT" smtClean="0"/>
-              <a:t>11/06/2018</a:t>
+              <a:t>14/06/2018</a:t>
             </a:fld>
             <a:endParaRPr lang="pt-PT"/>
           </a:p>
@@ -2469,7 +2467,7 @@
           <a:p>
             <a:fld id="{4189860D-16F1-46DC-8A79-3E3C18B197C5}" type="datetime1">
               <a:rPr lang="pt-PT" smtClean="0"/>
-              <a:t>11/06/2018</a:t>
+              <a:t>14/06/2018</a:t>
             </a:fld>
             <a:endParaRPr lang="pt-PT"/>
           </a:p>
@@ -2640,7 +2638,7 @@
           <a:p>
             <a:fld id="{5086A0AB-3E78-4279-A25F-8B66A23831F2}" type="datetime1">
               <a:rPr lang="pt-PT" smtClean="0"/>
-              <a:t>11/06/2018</a:t>
+              <a:t>14/06/2018</a:t>
             </a:fld>
             <a:endParaRPr lang="pt-PT"/>
           </a:p>
@@ -2994,7 +2992,7 @@
           <a:p>
             <a:fld id="{4ABA9473-AC19-4C64-9BE3-A35C1472D40C}" type="datetime1">
               <a:rPr lang="pt-PT" smtClean="0"/>
-              <a:t>11/06/2018</a:t>
+              <a:t>14/06/2018</a:t>
             </a:fld>
             <a:endParaRPr lang="pt-PT"/>
           </a:p>
@@ -3376,7 +3374,7 @@
           <a:p>
             <a:fld id="{9D79879D-ACE8-4CD7-811D-1E9CD9972304}" type="datetime1">
               <a:rPr lang="pt-PT" smtClean="0"/>
-              <a:t>11/06/2018</a:t>
+              <a:t>14/06/2018</a:t>
             </a:fld>
             <a:endParaRPr lang="pt-PT"/>
           </a:p>
@@ -3663,7 +3661,7 @@
           <a:p>
             <a:fld id="{D0966B32-2EDE-4658-A6AA-7FE6BBDCB583}" type="datetime1">
               <a:rPr lang="pt-PT" smtClean="0"/>
-              <a:t>11/06/2018</a:t>
+              <a:t>14/06/2018</a:t>
             </a:fld>
             <a:endParaRPr lang="pt-PT"/>
           </a:p>
@@ -5389,608 +5387,6 @@
         <p:spPr>
           <a:xfrm>
             <a:off x="252980" y="300496"/>
-            <a:ext cx="11033585" cy="2677656"/>
-          </a:xfrm>
-          <a:prstGeom prst="rect">
-            <a:avLst/>
-          </a:prstGeom>
-          <a:noFill/>
-        </p:spPr>
-        <p:txBody>
-          <a:bodyPr wrap="square" rtlCol="0">
-            <a:spAutoFit/>
-          </a:bodyPr>
-          <a:lstStyle/>
-          <a:p>
-            <a:pPr marL="342900" indent="-342900">
-              <a:buFont typeface="Arial" panose="020B0604020202020204" pitchFamily="34" charset="0"/>
-              <a:buChar char="•"/>
-            </a:pPr>
-            <a:endParaRPr lang="pt-PT" sz="2400" dirty="0" smtClean="0"/>
-          </a:p>
-          <a:p>
-            <a:pPr marL="342900" indent="-342900">
-              <a:buFont typeface="Arial" panose="020B0604020202020204" pitchFamily="34" charset="0"/>
-              <a:buChar char="•"/>
-            </a:pPr>
-            <a:endParaRPr lang="pt-PT" sz="2400" dirty="0" smtClean="0"/>
-          </a:p>
-          <a:p>
-            <a:endParaRPr lang="pt-PT" sz="2400" dirty="0"/>
-          </a:p>
-          <a:p>
-            <a:pPr marL="342900" indent="-342900">
-              <a:buFont typeface="Arial" panose="020B0604020202020204" pitchFamily="34" charset="0"/>
-              <a:buChar char="•"/>
-            </a:pPr>
-            <a:endParaRPr lang="pt-PT" sz="2400" dirty="0" smtClean="0"/>
-          </a:p>
-          <a:p>
-            <a:pPr marL="342900" indent="-342900">
-              <a:buFont typeface="Arial" panose="020B0604020202020204" pitchFamily="34" charset="0"/>
-              <a:buChar char="•"/>
-            </a:pPr>
-            <a:endParaRPr lang="pt-PT" sz="2400" dirty="0" smtClean="0"/>
-          </a:p>
-          <a:p>
-            <a:endParaRPr lang="pt-PT" sz="2400" dirty="0" smtClean="0"/>
-          </a:p>
-          <a:p>
-            <a:pPr marL="342900" indent="-342900">
-              <a:buFont typeface="Arial" panose="020B0604020202020204" pitchFamily="34" charset="0"/>
-              <a:buChar char="•"/>
-            </a:pPr>
-            <a:endParaRPr lang="pt-PT" sz="2400" dirty="0" smtClean="0"/>
-          </a:p>
-        </p:txBody>
-      </p:sp>
-      <p:sp>
-        <p:nvSpPr>
-          <p:cNvPr id="12" name="TextBox 6"/>
-          <p:cNvSpPr txBox="1"/>
-          <p:nvPr/>
-        </p:nvSpPr>
-        <p:spPr>
-          <a:xfrm>
-            <a:off x="444999" y="166025"/>
-            <a:ext cx="9326529" cy="6124754"/>
-          </a:xfrm>
-          <a:prstGeom prst="rect">
-            <a:avLst/>
-          </a:prstGeom>
-          <a:noFill/>
-        </p:spPr>
-        <p:txBody>
-          <a:bodyPr wrap="square" rtlCol="0">
-            <a:spAutoFit/>
-          </a:bodyPr>
-          <a:lstStyle/>
-          <a:p>
-            <a:r>
-              <a:rPr lang="pt-PT" sz="3200" b="1" dirty="0" smtClean="0"/>
-              <a:t>Desenvolvimento de Maquetes</a:t>
-            </a:r>
-          </a:p>
-          <a:p>
-            <a:pPr marL="342900" indent="-342900">
-              <a:buFont typeface="Arial" panose="020B0604020202020204" pitchFamily="34" charset="0"/>
-              <a:buChar char="•"/>
-            </a:pPr>
-            <a:endParaRPr lang="pt-PT" sz="2400" dirty="0" smtClean="0"/>
-          </a:p>
-          <a:p>
-            <a:pPr marL="342900" indent="-342900">
-              <a:buFont typeface="Arial" panose="020B0604020202020204" pitchFamily="34" charset="0"/>
-              <a:buChar char="•"/>
-            </a:pPr>
-            <a:r>
-              <a:rPr lang="pt-PT" sz="2400" dirty="0" smtClean="0"/>
-              <a:t>…e maquetes interativas</a:t>
-            </a:r>
-          </a:p>
-          <a:p>
-            <a:pPr marL="342900" indent="-342900">
-              <a:buFont typeface="Arial" panose="020B0604020202020204" pitchFamily="34" charset="0"/>
-              <a:buChar char="•"/>
-            </a:pPr>
-            <a:endParaRPr lang="pt-PT" sz="2400" dirty="0" smtClean="0"/>
-          </a:p>
-          <a:p>
-            <a:pPr marL="342900" indent="-342900">
-              <a:buFont typeface="Arial" panose="020B0604020202020204" pitchFamily="34" charset="0"/>
-              <a:buChar char="•"/>
-            </a:pPr>
-            <a:endParaRPr lang="pt-PT" sz="2400" dirty="0" smtClean="0"/>
-          </a:p>
-          <a:p>
-            <a:pPr marL="342900" indent="-342900">
-              <a:buFont typeface="Arial" panose="020B0604020202020204" pitchFamily="34" charset="0"/>
-              <a:buChar char="•"/>
-            </a:pPr>
-            <a:endParaRPr lang="pt-PT" sz="2400" dirty="0" smtClean="0"/>
-          </a:p>
-          <a:p>
-            <a:pPr marL="342900" indent="-342900">
-              <a:buFont typeface="Arial" panose="020B0604020202020204" pitchFamily="34" charset="0"/>
-              <a:buChar char="•"/>
-            </a:pPr>
-            <a:endParaRPr lang="pt-PT" sz="2400" dirty="0"/>
-          </a:p>
-          <a:p>
-            <a:pPr marL="342900" indent="-342900">
-              <a:buFont typeface="Arial" panose="020B0604020202020204" pitchFamily="34" charset="0"/>
-              <a:buChar char="•"/>
-            </a:pPr>
-            <a:endParaRPr lang="pt-PT" sz="2400" dirty="0" smtClean="0"/>
-          </a:p>
-          <a:p>
-            <a:pPr marL="342900" indent="-342900">
-              <a:buFont typeface="Arial" panose="020B0604020202020204" pitchFamily="34" charset="0"/>
-              <a:buChar char="•"/>
-            </a:pPr>
-            <a:endParaRPr lang="pt-PT" sz="2400" dirty="0"/>
-          </a:p>
-          <a:p>
-            <a:pPr marL="342900" indent="-342900">
-              <a:buFont typeface="Arial" panose="020B0604020202020204" pitchFamily="34" charset="0"/>
-              <a:buChar char="•"/>
-            </a:pPr>
-            <a:endParaRPr lang="pt-PT" sz="2400" dirty="0" smtClean="0"/>
-          </a:p>
-          <a:p>
-            <a:pPr marL="342900" indent="-342900">
-              <a:buFont typeface="Arial" panose="020B0604020202020204" pitchFamily="34" charset="0"/>
-              <a:buChar char="•"/>
-            </a:pPr>
-            <a:endParaRPr lang="pt-PT" sz="2400" dirty="0"/>
-          </a:p>
-          <a:p>
-            <a:pPr marL="342900" indent="-342900">
-              <a:buFont typeface="Arial" panose="020B0604020202020204" pitchFamily="34" charset="0"/>
-              <a:buChar char="•"/>
-            </a:pPr>
-            <a:endParaRPr lang="pt-PT" sz="2400" dirty="0" smtClean="0"/>
-          </a:p>
-          <a:p>
-            <a:pPr marL="342900" indent="-342900">
-              <a:buFont typeface="Arial" panose="020B0604020202020204" pitchFamily="34" charset="0"/>
-              <a:buChar char="•"/>
-            </a:pPr>
-            <a:endParaRPr lang="pt-PT" sz="2400" dirty="0"/>
-          </a:p>
-          <a:p>
-            <a:endParaRPr lang="pt-PT" sz="2400" dirty="0"/>
-          </a:p>
-          <a:p>
-            <a:pPr marL="342900" indent="-342900">
-              <a:buFont typeface="Arial" panose="020B0604020202020204" pitchFamily="34" charset="0"/>
-              <a:buChar char="•"/>
-            </a:pPr>
-            <a:r>
-              <a:rPr lang="pt-PT" sz="2400" dirty="0"/>
-              <a:t>Reproduzidas no ecrã tátil do equipamento para </a:t>
-            </a:r>
-            <a:r>
-              <a:rPr lang="pt-PT" sz="2400" dirty="0" smtClean="0"/>
-              <a:t>avaliação</a:t>
-            </a:r>
-            <a:endParaRPr lang="pt-PT" sz="2400" dirty="0"/>
-          </a:p>
-          <a:p>
-            <a:pPr marL="342900" indent="-342900">
-              <a:buFont typeface="Arial" panose="020B0604020202020204" pitchFamily="34" charset="0"/>
-              <a:buChar char="•"/>
-            </a:pPr>
-            <a:endParaRPr lang="pt-PT" sz="2400" dirty="0" smtClean="0"/>
-          </a:p>
-        </p:txBody>
-      </p:sp>
-      <p:pic>
-        <p:nvPicPr>
-          <p:cNvPr id="3" name="Imagem 2"/>
-          <p:cNvPicPr>
-            <a:picLocks noChangeAspect="1"/>
-          </p:cNvPicPr>
-          <p:nvPr/>
-        </p:nvPicPr>
-        <p:blipFill>
-          <a:blip r:embed="rId2" cstate="print">
-            <a:extLst>
-              <a:ext uri="{28A0092B-C50C-407E-A947-70E740481C1C}">
-                <a14:useLocalDpi xmlns:a14="http://schemas.microsoft.com/office/drawing/2010/main" val="0"/>
-              </a:ext>
-            </a:extLst>
-          </a:blip>
-          <a:stretch>
-            <a:fillRect/>
-          </a:stretch>
-        </p:blipFill>
-        <p:spPr>
-          <a:xfrm>
-            <a:off x="749033" y="1912692"/>
-            <a:ext cx="5027645" cy="2856532"/>
-          </a:xfrm>
-          <a:prstGeom prst="rect">
-            <a:avLst/>
-          </a:prstGeom>
-        </p:spPr>
-      </p:pic>
-      <p:pic>
-        <p:nvPicPr>
-          <p:cNvPr id="4" name="Imagem 3"/>
-          <p:cNvPicPr>
-            <a:picLocks noChangeAspect="1"/>
-          </p:cNvPicPr>
-          <p:nvPr/>
-        </p:nvPicPr>
-        <p:blipFill>
-          <a:blip r:embed="rId3" cstate="print">
-            <a:extLst>
-              <a:ext uri="{28A0092B-C50C-407E-A947-70E740481C1C}">
-                <a14:useLocalDpi xmlns:a14="http://schemas.microsoft.com/office/drawing/2010/main" val="0"/>
-              </a:ext>
-            </a:extLst>
-          </a:blip>
-          <a:stretch>
-            <a:fillRect/>
-          </a:stretch>
-        </p:blipFill>
-        <p:spPr>
-          <a:xfrm>
-            <a:off x="6124842" y="1912692"/>
-            <a:ext cx="5087641" cy="2862030"/>
-          </a:xfrm>
-          <a:prstGeom prst="rect">
-            <a:avLst/>
-          </a:prstGeom>
-        </p:spPr>
-      </p:pic>
-      <p:pic>
-        <p:nvPicPr>
-          <p:cNvPr id="11" name="Imagem 10"/>
-          <p:cNvPicPr>
-            <a:picLocks noChangeAspect="1"/>
-          </p:cNvPicPr>
-          <p:nvPr/>
-        </p:nvPicPr>
-        <p:blipFill>
-          <a:blip r:embed="rId4" cstate="print">
-            <a:extLst>
-              <a:ext uri="{28A0092B-C50C-407E-A947-70E740481C1C}">
-                <a14:useLocalDpi xmlns:a14="http://schemas.microsoft.com/office/drawing/2010/main" val="0"/>
-              </a:ext>
-            </a:extLst>
-          </a:blip>
-          <a:stretch>
-            <a:fillRect/>
-          </a:stretch>
-        </p:blipFill>
-        <p:spPr>
-          <a:xfrm>
-            <a:off x="10556470" y="132544"/>
-            <a:ext cx="1555746" cy="1037905"/>
-          </a:xfrm>
-          <a:prstGeom prst="rect">
-            <a:avLst/>
-          </a:prstGeom>
-        </p:spPr>
-      </p:pic>
-    </p:spTree>
-    <p:extLst>
-      <p:ext uri="{BB962C8B-B14F-4D97-AF65-F5344CB8AC3E}">
-        <p14:creationId xmlns:p14="http://schemas.microsoft.com/office/powerpoint/2010/main" val="3440513291"/>
-      </p:ext>
-    </p:extLst>
-  </p:cSld>
-  <p:clrMapOvr>
-    <a:masterClrMapping/>
-  </p:clrMapOvr>
-  <p:timing>
-    <p:tnLst>
-      <p:par>
-        <p:cTn id="1" dur="indefinite" restart="never" nodeType="tmRoot"/>
-      </p:par>
-    </p:tnLst>
-  </p:timing>
-</p:sld>
-</file>
-
-<file path=ppt/slides/slide11.xml><?xml version="1.0" encoding="utf-8"?>
-<p:sld xmlns:a="http://schemas.openxmlformats.org/drawingml/2006/main" xmlns:r="http://schemas.openxmlformats.org/officeDocument/2006/relationships" xmlns:p="http://schemas.openxmlformats.org/presentationml/2006/main">
-  <p:cSld>
-    <p:spTree>
-      <p:nvGrpSpPr>
-        <p:cNvPr id="1" name=""/>
-        <p:cNvGrpSpPr/>
-        <p:nvPr/>
-      </p:nvGrpSpPr>
-      <p:grpSpPr>
-        <a:xfrm>
-          <a:off x="0" y="0"/>
-          <a:ext cx="0" cy="0"/>
-          <a:chOff x="0" y="0"/>
-          <a:chExt cx="0" cy="0"/>
-        </a:xfrm>
-      </p:grpSpPr>
-      <p:sp>
-        <p:nvSpPr>
-          <p:cNvPr id="2" name="Slide Number Placeholder 1"/>
-          <p:cNvSpPr>
-            <a:spLocks noGrp="1"/>
-          </p:cNvSpPr>
-          <p:nvPr>
-            <p:ph type="sldNum" sz="quarter" idx="12"/>
-          </p:nvPr>
-        </p:nvSpPr>
-        <p:spPr/>
-        <p:txBody>
-          <a:bodyPr/>
-          <a:lstStyle/>
-          <a:p>
-            <a:fld id="{422D536B-584E-486B-9435-086987A3D916}" type="slidenum">
-              <a:rPr lang="pt-PT" smtClean="0"/>
-              <a:t>11</a:t>
-            </a:fld>
-            <a:endParaRPr lang="pt-PT" dirty="0"/>
-          </a:p>
-        </p:txBody>
-      </p:sp>
-      <p:sp>
-        <p:nvSpPr>
-          <p:cNvPr id="6" name="Slide Number Placeholder 5"/>
-          <p:cNvSpPr txBox="1">
-            <a:spLocks/>
-          </p:cNvSpPr>
-          <p:nvPr/>
-        </p:nvSpPr>
-        <p:spPr>
-          <a:xfrm>
-            <a:off x="0" y="6464982"/>
-            <a:ext cx="475129" cy="365125"/>
-          </a:xfrm>
-          <a:prstGeom prst="rect">
-            <a:avLst/>
-          </a:prstGeom>
-        </p:spPr>
-        <p:txBody>
-          <a:bodyPr vert="horz" lIns="91440" tIns="45720" rIns="91440" bIns="45720" rtlCol="0" anchor="ctr"/>
-          <a:lstStyle>
-            <a:defPPr>
-              <a:defRPr lang="en-US"/>
-            </a:defPPr>
-            <a:lvl1pPr marL="0" algn="r" defTabSz="457200" rtl="0" eaLnBrk="1" latinLnBrk="0" hangingPunct="1">
-              <a:defRPr sz="1050" kern="1200">
-                <a:solidFill>
-                  <a:srgbClr val="FFFFFF"/>
-                </a:solidFill>
-                <a:latin typeface="+mn-lt"/>
-                <a:ea typeface="+mn-ea"/>
-                <a:cs typeface="+mn-cs"/>
-              </a:defRPr>
-            </a:lvl1pPr>
-            <a:lvl2pPr marL="457200" algn="l" defTabSz="457200" rtl="0" eaLnBrk="1" latinLnBrk="0" hangingPunct="1">
-              <a:defRPr sz="1800" kern="1200">
-                <a:solidFill>
-                  <a:schemeClr val="tx1"/>
-                </a:solidFill>
-                <a:latin typeface="+mn-lt"/>
-                <a:ea typeface="+mn-ea"/>
-                <a:cs typeface="+mn-cs"/>
-              </a:defRPr>
-            </a:lvl2pPr>
-            <a:lvl3pPr marL="914400" algn="l" defTabSz="457200" rtl="0" eaLnBrk="1" latinLnBrk="0" hangingPunct="1">
-              <a:defRPr sz="1800" kern="1200">
-                <a:solidFill>
-                  <a:schemeClr val="tx1"/>
-                </a:solidFill>
-                <a:latin typeface="+mn-lt"/>
-                <a:ea typeface="+mn-ea"/>
-                <a:cs typeface="+mn-cs"/>
-              </a:defRPr>
-            </a:lvl3pPr>
-            <a:lvl4pPr marL="1371600" algn="l" defTabSz="457200" rtl="0" eaLnBrk="1" latinLnBrk="0" hangingPunct="1">
-              <a:defRPr sz="1800" kern="1200">
-                <a:solidFill>
-                  <a:schemeClr val="tx1"/>
-                </a:solidFill>
-                <a:latin typeface="+mn-lt"/>
-                <a:ea typeface="+mn-ea"/>
-                <a:cs typeface="+mn-cs"/>
-              </a:defRPr>
-            </a:lvl4pPr>
-            <a:lvl5pPr marL="1828800" algn="l" defTabSz="457200" rtl="0" eaLnBrk="1" latinLnBrk="0" hangingPunct="1">
-              <a:defRPr sz="1800" kern="1200">
-                <a:solidFill>
-                  <a:schemeClr val="tx1"/>
-                </a:solidFill>
-                <a:latin typeface="+mn-lt"/>
-                <a:ea typeface="+mn-ea"/>
-                <a:cs typeface="+mn-cs"/>
-              </a:defRPr>
-            </a:lvl5pPr>
-            <a:lvl6pPr marL="2286000" algn="l" defTabSz="457200" rtl="0" eaLnBrk="1" latinLnBrk="0" hangingPunct="1">
-              <a:defRPr sz="1800" kern="1200">
-                <a:solidFill>
-                  <a:schemeClr val="tx1"/>
-                </a:solidFill>
-                <a:latin typeface="+mn-lt"/>
-                <a:ea typeface="+mn-ea"/>
-                <a:cs typeface="+mn-cs"/>
-              </a:defRPr>
-            </a:lvl6pPr>
-            <a:lvl7pPr marL="2743200" algn="l" defTabSz="457200" rtl="0" eaLnBrk="1" latinLnBrk="0" hangingPunct="1">
-              <a:defRPr sz="1800" kern="1200">
-                <a:solidFill>
-                  <a:schemeClr val="tx1"/>
-                </a:solidFill>
-                <a:latin typeface="+mn-lt"/>
-                <a:ea typeface="+mn-ea"/>
-                <a:cs typeface="+mn-cs"/>
-              </a:defRPr>
-            </a:lvl7pPr>
-            <a:lvl8pPr marL="3200400" algn="l" defTabSz="457200" rtl="0" eaLnBrk="1" latinLnBrk="0" hangingPunct="1">
-              <a:defRPr sz="1800" kern="1200">
-                <a:solidFill>
-                  <a:schemeClr val="tx1"/>
-                </a:solidFill>
-                <a:latin typeface="+mn-lt"/>
-                <a:ea typeface="+mn-ea"/>
-                <a:cs typeface="+mn-cs"/>
-              </a:defRPr>
-            </a:lvl8pPr>
-            <a:lvl9pPr marL="3657600" algn="l" defTabSz="457200" rtl="0" eaLnBrk="1" latinLnBrk="0" hangingPunct="1">
-              <a:defRPr sz="1800" kern="1200">
-                <a:solidFill>
-                  <a:schemeClr val="tx1"/>
-                </a:solidFill>
-                <a:latin typeface="+mn-lt"/>
-                <a:ea typeface="+mn-ea"/>
-                <a:cs typeface="+mn-cs"/>
-              </a:defRPr>
-            </a:lvl9pPr>
-          </a:lstStyle>
-          <a:p>
-            <a:r>
-              <a:rPr lang="pt-PT" dirty="0" smtClean="0"/>
-              <a:t>IPVC</a:t>
-            </a:r>
-            <a:endParaRPr lang="pt-PT" dirty="0"/>
-          </a:p>
-        </p:txBody>
-      </p:sp>
-      <p:sp>
-        <p:nvSpPr>
-          <p:cNvPr id="10" name="Slide Number Placeholder 5"/>
-          <p:cNvSpPr txBox="1">
-            <a:spLocks/>
-          </p:cNvSpPr>
-          <p:nvPr/>
-        </p:nvSpPr>
-        <p:spPr>
-          <a:xfrm>
-            <a:off x="3908571" y="6492875"/>
-            <a:ext cx="4435818" cy="365125"/>
-          </a:xfrm>
-          <a:prstGeom prst="rect">
-            <a:avLst/>
-          </a:prstGeom>
-        </p:spPr>
-        <p:txBody>
-          <a:bodyPr vert="horz" lIns="91440" tIns="45720" rIns="91440" bIns="45720" rtlCol="0" anchor="ctr"/>
-          <a:lstStyle>
-            <a:defPPr>
-              <a:defRPr lang="en-US"/>
-            </a:defPPr>
-            <a:lvl1pPr marL="0" algn="r" defTabSz="457200" rtl="0" eaLnBrk="1" latinLnBrk="0" hangingPunct="1">
-              <a:defRPr sz="1050" kern="1200">
-                <a:solidFill>
-                  <a:srgbClr val="FFFFFF"/>
-                </a:solidFill>
-                <a:latin typeface="+mn-lt"/>
-                <a:ea typeface="+mn-ea"/>
-                <a:cs typeface="+mn-cs"/>
-              </a:defRPr>
-            </a:lvl1pPr>
-            <a:lvl2pPr marL="457200" algn="l" defTabSz="457200" rtl="0" eaLnBrk="1" latinLnBrk="0" hangingPunct="1">
-              <a:defRPr sz="1800" kern="1200">
-                <a:solidFill>
-                  <a:schemeClr val="tx1"/>
-                </a:solidFill>
-                <a:latin typeface="+mn-lt"/>
-                <a:ea typeface="+mn-ea"/>
-                <a:cs typeface="+mn-cs"/>
-              </a:defRPr>
-            </a:lvl2pPr>
-            <a:lvl3pPr marL="914400" algn="l" defTabSz="457200" rtl="0" eaLnBrk="1" latinLnBrk="0" hangingPunct="1">
-              <a:defRPr sz="1800" kern="1200">
-                <a:solidFill>
-                  <a:schemeClr val="tx1"/>
-                </a:solidFill>
-                <a:latin typeface="+mn-lt"/>
-                <a:ea typeface="+mn-ea"/>
-                <a:cs typeface="+mn-cs"/>
-              </a:defRPr>
-            </a:lvl3pPr>
-            <a:lvl4pPr marL="1371600" algn="l" defTabSz="457200" rtl="0" eaLnBrk="1" latinLnBrk="0" hangingPunct="1">
-              <a:defRPr sz="1800" kern="1200">
-                <a:solidFill>
-                  <a:schemeClr val="tx1"/>
-                </a:solidFill>
-                <a:latin typeface="+mn-lt"/>
-                <a:ea typeface="+mn-ea"/>
-                <a:cs typeface="+mn-cs"/>
-              </a:defRPr>
-            </a:lvl4pPr>
-            <a:lvl5pPr marL="1828800" algn="l" defTabSz="457200" rtl="0" eaLnBrk="1" latinLnBrk="0" hangingPunct="1">
-              <a:defRPr sz="1800" kern="1200">
-                <a:solidFill>
-                  <a:schemeClr val="tx1"/>
-                </a:solidFill>
-                <a:latin typeface="+mn-lt"/>
-                <a:ea typeface="+mn-ea"/>
-                <a:cs typeface="+mn-cs"/>
-              </a:defRPr>
-            </a:lvl5pPr>
-            <a:lvl6pPr marL="2286000" algn="l" defTabSz="457200" rtl="0" eaLnBrk="1" latinLnBrk="0" hangingPunct="1">
-              <a:defRPr sz="1800" kern="1200">
-                <a:solidFill>
-                  <a:schemeClr val="tx1"/>
-                </a:solidFill>
-                <a:latin typeface="+mn-lt"/>
-                <a:ea typeface="+mn-ea"/>
-                <a:cs typeface="+mn-cs"/>
-              </a:defRPr>
-            </a:lvl6pPr>
-            <a:lvl7pPr marL="2743200" algn="l" defTabSz="457200" rtl="0" eaLnBrk="1" latinLnBrk="0" hangingPunct="1">
-              <a:defRPr sz="1800" kern="1200">
-                <a:solidFill>
-                  <a:schemeClr val="tx1"/>
-                </a:solidFill>
-                <a:latin typeface="+mn-lt"/>
-                <a:ea typeface="+mn-ea"/>
-                <a:cs typeface="+mn-cs"/>
-              </a:defRPr>
-            </a:lvl7pPr>
-            <a:lvl8pPr marL="3200400" algn="l" defTabSz="457200" rtl="0" eaLnBrk="1" latinLnBrk="0" hangingPunct="1">
-              <a:defRPr sz="1800" kern="1200">
-                <a:solidFill>
-                  <a:schemeClr val="tx1"/>
-                </a:solidFill>
-                <a:latin typeface="+mn-lt"/>
-                <a:ea typeface="+mn-ea"/>
-                <a:cs typeface="+mn-cs"/>
-              </a:defRPr>
-            </a:lvl8pPr>
-            <a:lvl9pPr marL="3657600" algn="l" defTabSz="457200" rtl="0" eaLnBrk="1" latinLnBrk="0" hangingPunct="1">
-              <a:defRPr sz="1800" kern="1200">
-                <a:solidFill>
-                  <a:schemeClr val="tx1"/>
-                </a:solidFill>
-                <a:latin typeface="+mn-lt"/>
-                <a:ea typeface="+mn-ea"/>
-                <a:cs typeface="+mn-cs"/>
-              </a:defRPr>
-            </a:lvl9pPr>
-          </a:lstStyle>
-          <a:p>
-            <a:pPr algn="ctr"/>
-            <a:r>
-              <a:rPr lang="pt-PT" sz="1600" b="1" dirty="0" smtClean="0"/>
-              <a:t>HMI para Fabrico Aditivo – Solução Final</a:t>
-            </a:r>
-            <a:endParaRPr lang="pt-PT" sz="1600" b="1" dirty="0"/>
-          </a:p>
-        </p:txBody>
-      </p:sp>
-      <p:sp>
-        <p:nvSpPr>
-          <p:cNvPr id="8" name="TextBox 6"/>
-          <p:cNvSpPr txBox="1"/>
-          <p:nvPr/>
-        </p:nvSpPr>
-        <p:spPr>
-          <a:xfrm>
-            <a:off x="252980" y="300496"/>
             <a:ext cx="10818432" cy="2677656"/>
           </a:xfrm>
           <a:prstGeom prst="rect">
@@ -6072,7 +5468,6 @@
               <a:rPr lang="pt-PT" sz="3200" b="1" dirty="0" smtClean="0"/>
               <a:t>Arquitetura Final</a:t>
             </a:r>
-            <a:endParaRPr lang="pt-PT" sz="3200" b="1" dirty="0" smtClean="0"/>
           </a:p>
           <a:p>
             <a:endParaRPr lang="pt-PT" sz="2400" dirty="0" smtClean="0"/>
@@ -6232,7 +5627,7 @@
 </p:sld>
 </file>
 
-<file path=ppt/slides/slide12.xml><?xml version="1.0" encoding="utf-8"?>
+<file path=ppt/slides/slide11.xml><?xml version="1.0" encoding="utf-8"?>
 <p:sld xmlns:a="http://schemas.openxmlformats.org/drawingml/2006/main" xmlns:r="http://schemas.openxmlformats.org/officeDocument/2006/relationships" xmlns:p="http://schemas.openxmlformats.org/presentationml/2006/main">
   <p:cSld>
     <p:spTree>
@@ -6266,7 +5661,7 @@
           <a:p>
             <a:fld id="{422D536B-584E-486B-9435-086987A3D916}" type="slidenum">
               <a:rPr lang="pt-PT" smtClean="0"/>
-              <a:t>12</a:t>
+              <a:t>11</a:t>
             </a:fld>
             <a:endParaRPr lang="pt-PT" dirty="0"/>
           </a:p>
@@ -6918,7 +6313,7 @@
 </p:sld>
 </file>
 
-<file path=ppt/slides/slide13.xml><?xml version="1.0" encoding="utf-8"?>
+<file path=ppt/slides/slide12.xml><?xml version="1.0" encoding="utf-8"?>
 <p:sld xmlns:a="http://schemas.openxmlformats.org/drawingml/2006/main" xmlns:r="http://schemas.openxmlformats.org/officeDocument/2006/relationships" xmlns:p="http://schemas.openxmlformats.org/presentationml/2006/main">
   <p:cSld>
     <p:spTree>
@@ -6952,7 +6347,7 @@
           <a:p>
             <a:fld id="{422D536B-584E-486B-9435-086987A3D916}" type="slidenum">
               <a:rPr lang="pt-PT" smtClean="0"/>
-              <a:t>13</a:t>
+              <a:t>12</a:t>
             </a:fld>
             <a:endParaRPr lang="pt-PT" dirty="0"/>
           </a:p>
@@ -7295,7 +6690,6 @@
               <a:rPr lang="pt-PT" sz="3200" b="1" dirty="0" smtClean="0"/>
               <a:t>Avaliação da Interface</a:t>
             </a:r>
-            <a:endParaRPr lang="pt-PT" sz="3200" b="1" dirty="0" smtClean="0"/>
           </a:p>
           <a:p>
             <a:endParaRPr lang="pt-PT" sz="2400" dirty="0" smtClean="0"/>
@@ -7490,7 +6884,7 @@
 </p:sld>
 </file>
 
-<file path=ppt/slides/slide14.xml><?xml version="1.0" encoding="utf-8"?>
+<file path=ppt/slides/slide13.xml><?xml version="1.0" encoding="utf-8"?>
 <p:sld xmlns:a="http://schemas.openxmlformats.org/drawingml/2006/main" xmlns:r="http://schemas.openxmlformats.org/officeDocument/2006/relationships" xmlns:p="http://schemas.openxmlformats.org/presentationml/2006/main">
   <p:cSld>
     <p:spTree>
@@ -7524,7 +6918,7 @@
           <a:p>
             <a:fld id="{422D536B-584E-486B-9435-086987A3D916}" type="slidenum">
               <a:rPr lang="pt-PT" smtClean="0"/>
-              <a:t>14</a:t>
+              <a:t>13</a:t>
             </a:fld>
             <a:endParaRPr lang="pt-PT" dirty="0"/>
           </a:p>
@@ -7867,23 +7261,22 @@
               <a:rPr lang="pt-PT" sz="3200" b="1" dirty="0" smtClean="0"/>
               <a:t>Sistema Desenvolvido</a:t>
             </a:r>
-            <a:endParaRPr lang="pt-PT" sz="3200" b="1" dirty="0" smtClean="0"/>
-          </a:p>
-          <a:p>
-            <a:endParaRPr lang="pt-PT" sz="2400" dirty="0" smtClean="0"/>
-          </a:p>
-          <a:p>
-            <a:pPr marL="342900" indent="-342900">
-              <a:buFont typeface="Arial" panose="020B0604020202020204" pitchFamily="34" charset="0"/>
-              <a:buChar char="•"/>
-            </a:pPr>
-            <a:r>
-              <a:rPr lang="pt-PT" sz="2400" dirty="0" err="1" smtClean="0"/>
+          </a:p>
+          <a:p>
+            <a:endParaRPr lang="pt-PT" sz="2400" dirty="0"/>
+          </a:p>
+          <a:p>
+            <a:r>
+              <a:rPr lang="pt-PT" sz="2400" u="sng" dirty="0" err="1" smtClean="0"/>
               <a:t>Subobjetivos</a:t>
             </a:r>
             <a:r>
-              <a:rPr lang="pt-PT" sz="2400" dirty="0" smtClean="0"/>
-              <a:t> implementados:</a:t>
+              <a:rPr lang="pt-PT" sz="2400" u="sng" dirty="0" smtClean="0"/>
+              <a:t> </a:t>
+            </a:r>
+            <a:r>
+              <a:rPr lang="pt-PT" sz="2400" u="sng" dirty="0" smtClean="0"/>
+              <a:t>implementados:</a:t>
             </a:r>
           </a:p>
           <a:p>
@@ -8143,7 +7536,7 @@
 </p:sld>
 </file>
 
-<file path=ppt/slides/slide15.xml><?xml version="1.0" encoding="utf-8"?>
+<file path=ppt/slides/slide14.xml><?xml version="1.0" encoding="utf-8"?>
 <p:sld xmlns:a="http://schemas.openxmlformats.org/drawingml/2006/main" xmlns:r="http://schemas.openxmlformats.org/officeDocument/2006/relationships" xmlns:p="http://schemas.openxmlformats.org/presentationml/2006/main">
   <p:cSld>
     <p:spTree>
@@ -8177,7 +7570,7 @@
           <a:p>
             <a:fld id="{422D536B-584E-486B-9435-086987A3D916}" type="slidenum">
               <a:rPr lang="pt-PT" smtClean="0"/>
-              <a:t>15</a:t>
+              <a:t>14</a:t>
             </a:fld>
             <a:endParaRPr lang="pt-PT" dirty="0"/>
           </a:p>
@@ -8520,7 +7913,6 @@
               <a:rPr lang="pt-PT" sz="3200" b="1" dirty="0" smtClean="0"/>
               <a:t>Sistema Desenvolvido</a:t>
             </a:r>
-            <a:endParaRPr lang="pt-PT" sz="3200" b="1" dirty="0" smtClean="0"/>
           </a:p>
           <a:p>
             <a:endParaRPr lang="pt-PT" sz="2400" dirty="0" smtClean="0"/>
@@ -8715,7 +8107,7 @@
 </p:sld>
 </file>
 
-<file path=ppt/slides/slide16.xml><?xml version="1.0" encoding="utf-8"?>
+<file path=ppt/slides/slide15.xml><?xml version="1.0" encoding="utf-8"?>
 <p:sld xmlns:a="http://schemas.openxmlformats.org/drawingml/2006/main" xmlns:r="http://schemas.openxmlformats.org/officeDocument/2006/relationships" xmlns:p="http://schemas.openxmlformats.org/presentationml/2006/main">
   <p:cSld>
     <p:spTree>
@@ -8749,7 +8141,7 @@
           <a:p>
             <a:fld id="{422D536B-584E-486B-9435-086987A3D916}" type="slidenum">
               <a:rPr lang="pt-PT" smtClean="0"/>
-              <a:t>16</a:t>
+              <a:t>15</a:t>
             </a:fld>
             <a:endParaRPr lang="pt-PT" dirty="0"/>
           </a:p>
@@ -9092,7 +8484,6 @@
               <a:rPr lang="pt-PT" sz="3200" b="1" dirty="0" smtClean="0"/>
               <a:t>Sistema Desenvolvido</a:t>
             </a:r>
-            <a:endParaRPr lang="pt-PT" sz="3200" b="1" dirty="0" smtClean="0"/>
           </a:p>
           <a:p>
             <a:endParaRPr lang="pt-PT" sz="2400" dirty="0" smtClean="0"/>
@@ -9287,7 +8678,7 @@
 </p:sld>
 </file>
 
-<file path=ppt/slides/slide17.xml><?xml version="1.0" encoding="utf-8"?>
+<file path=ppt/slides/slide16.xml><?xml version="1.0" encoding="utf-8"?>
 <p:sld xmlns:a="http://schemas.openxmlformats.org/drawingml/2006/main" xmlns:r="http://schemas.openxmlformats.org/officeDocument/2006/relationships" xmlns:p="http://schemas.openxmlformats.org/presentationml/2006/main">
   <p:cSld>
     <p:spTree>
@@ -9321,7 +8712,7 @@
           <a:p>
             <a:fld id="{422D536B-584E-486B-9435-086987A3D916}" type="slidenum">
               <a:rPr lang="pt-PT" smtClean="0"/>
-              <a:t>17</a:t>
+              <a:t>16</a:t>
             </a:fld>
             <a:endParaRPr lang="pt-PT" dirty="0"/>
           </a:p>
@@ -9664,7 +9055,6 @@
               <a:rPr lang="pt-PT" sz="3200" b="1" dirty="0" smtClean="0"/>
               <a:t>Sistema Desenvolvido</a:t>
             </a:r>
-            <a:endParaRPr lang="pt-PT" sz="3200" b="1" dirty="0" smtClean="0"/>
           </a:p>
           <a:p>
             <a:endParaRPr lang="pt-PT" sz="2400" dirty="0" smtClean="0"/>
@@ -9859,7 +9249,7 @@
 </p:sld>
 </file>
 
-<file path=ppt/slides/slide18.xml><?xml version="1.0" encoding="utf-8"?>
+<file path=ppt/slides/slide17.xml><?xml version="1.0" encoding="utf-8"?>
 <p:sld xmlns:a="http://schemas.openxmlformats.org/drawingml/2006/main" xmlns:r="http://schemas.openxmlformats.org/officeDocument/2006/relationships" xmlns:p="http://schemas.openxmlformats.org/presentationml/2006/main">
   <p:cSld>
     <p:spTree>
@@ -9893,7 +9283,7 @@
           <a:p>
             <a:fld id="{422D536B-584E-486B-9435-086987A3D916}" type="slidenum">
               <a:rPr lang="pt-PT" smtClean="0"/>
-              <a:t>18</a:t>
+              <a:t>17</a:t>
             </a:fld>
             <a:endParaRPr lang="pt-PT" dirty="0"/>
           </a:p>
@@ -10236,7 +9626,6 @@
               <a:rPr lang="pt-PT" sz="3200" b="1" dirty="0" smtClean="0"/>
               <a:t>Resultados Obtidos</a:t>
             </a:r>
-            <a:endParaRPr lang="pt-PT" sz="3200" b="1" dirty="0" smtClean="0"/>
           </a:p>
           <a:p>
             <a:endParaRPr lang="pt-PT" sz="2400" dirty="0" smtClean="0"/>
@@ -10483,7 +9872,7 @@
 </p:sld>
 </file>
 
-<file path=ppt/slides/slide19.xml><?xml version="1.0" encoding="utf-8"?>
+<file path=ppt/slides/slide18.xml><?xml version="1.0" encoding="utf-8"?>
 <p:sld xmlns:a="http://schemas.openxmlformats.org/drawingml/2006/main" xmlns:r="http://schemas.openxmlformats.org/officeDocument/2006/relationships" xmlns:p="http://schemas.openxmlformats.org/presentationml/2006/main">
   <p:cSld>
     <p:spTree>
@@ -10517,7 +9906,7 @@
           <a:p>
             <a:fld id="{422D536B-584E-486B-9435-086987A3D916}" type="slidenum">
               <a:rPr lang="pt-PT" smtClean="0"/>
-              <a:t>19</a:t>
+              <a:t>18</a:t>
             </a:fld>
             <a:endParaRPr lang="pt-PT" dirty="0"/>
           </a:p>
@@ -10860,7 +10249,6 @@
               <a:rPr lang="pt-PT" sz="3200" b="1" dirty="0" smtClean="0"/>
               <a:t>Resultados Obtidos</a:t>
             </a:r>
-            <a:endParaRPr lang="pt-PT" sz="3200" b="1" dirty="0" smtClean="0"/>
           </a:p>
           <a:p>
             <a:endParaRPr lang="pt-PT" sz="2400" dirty="0" smtClean="0"/>
@@ -11059,7 +10447,7 @@
 </p:sld>
 </file>
 
-<file path=ppt/slides/slide2.xml><?xml version="1.0" encoding="utf-8"?>
+<file path=ppt/slides/slide19.xml><?xml version="1.0" encoding="utf-8"?>
 <p:sld xmlns:a="http://schemas.openxmlformats.org/drawingml/2006/main" xmlns:r="http://schemas.openxmlformats.org/officeDocument/2006/relationships" xmlns:p="http://schemas.openxmlformats.org/presentationml/2006/main">
   <p:cSld>
     <p:spTree>
@@ -11078,240 +10466,6 @@
       </p:grpSpPr>
       <p:sp>
         <p:nvSpPr>
-          <p:cNvPr id="7" name="TextBox 6"/>
-          <p:cNvSpPr txBox="1"/>
-          <p:nvPr/>
-        </p:nvSpPr>
-        <p:spPr>
-          <a:xfrm>
-            <a:off x="445000" y="166025"/>
-            <a:ext cx="9455458" cy="6791603"/>
-          </a:xfrm>
-          <a:prstGeom prst="rect">
-            <a:avLst/>
-          </a:prstGeom>
-          <a:noFill/>
-        </p:spPr>
-        <p:txBody>
-          <a:bodyPr wrap="square" rtlCol="0">
-            <a:spAutoFit/>
-          </a:bodyPr>
-          <a:lstStyle/>
-          <a:p>
-            <a:r>
-              <a:rPr lang="pt-PT" sz="3200" b="1" dirty="0" smtClean="0"/>
-              <a:t>Agenda</a:t>
-            </a:r>
-          </a:p>
-          <a:p>
-            <a:endParaRPr lang="pt-PT" sz="3200" b="1" dirty="0" smtClean="0"/>
-          </a:p>
-          <a:p>
-            <a:pPr marL="342900" indent="-342900">
-              <a:spcAft>
-                <a:spcPts val="200"/>
-              </a:spcAft>
-              <a:buFont typeface="Arial" panose="020B0604020202020204" pitchFamily="34" charset="0"/>
-              <a:buChar char="•"/>
-            </a:pPr>
-            <a:r>
-              <a:rPr lang="pt-PT" sz="2400" dirty="0" smtClean="0"/>
-              <a:t>Introdução</a:t>
-            </a:r>
-            <a:endParaRPr lang="pt-PT" sz="2400" dirty="0"/>
-          </a:p>
-          <a:p>
-            <a:pPr marL="800100" lvl="1" indent="-342900">
-              <a:spcAft>
-                <a:spcPts val="200"/>
-              </a:spcAft>
-              <a:buFont typeface="Arial" panose="020B0604020202020204" pitchFamily="34" charset="0"/>
-              <a:buChar char="•"/>
-            </a:pPr>
-            <a:r>
-              <a:rPr lang="pt-PT" sz="2000" dirty="0"/>
-              <a:t>Contexto e Motivação</a:t>
-            </a:r>
-            <a:endParaRPr lang="pt-PT" sz="2400" dirty="0"/>
-          </a:p>
-          <a:p>
-            <a:pPr marL="800100" lvl="1" indent="-342900">
-              <a:spcAft>
-                <a:spcPts val="200"/>
-              </a:spcAft>
-              <a:buFont typeface="Arial" panose="020B0604020202020204" pitchFamily="34" charset="0"/>
-              <a:buChar char="•"/>
-            </a:pPr>
-            <a:r>
-              <a:rPr lang="pt-PT" sz="2000" dirty="0"/>
-              <a:t>Problema</a:t>
-            </a:r>
-          </a:p>
-          <a:p>
-            <a:pPr marL="800100" lvl="1" indent="-342900">
-              <a:spcAft>
-                <a:spcPts val="200"/>
-              </a:spcAft>
-              <a:buFont typeface="Arial" panose="020B0604020202020204" pitchFamily="34" charset="0"/>
-              <a:buChar char="•"/>
-            </a:pPr>
-            <a:r>
-              <a:rPr lang="pt-PT" sz="2000" dirty="0" smtClean="0"/>
-              <a:t>Objetivos</a:t>
-            </a:r>
-            <a:endParaRPr lang="pt-PT" sz="2000" dirty="0"/>
-          </a:p>
-          <a:p>
-            <a:pPr marL="342900" indent="-342900">
-              <a:spcAft>
-                <a:spcPts val="200"/>
-              </a:spcAft>
-              <a:buFont typeface="Arial" panose="020B0604020202020204" pitchFamily="34" charset="0"/>
-              <a:buChar char="•"/>
-            </a:pPr>
-            <a:r>
-              <a:rPr lang="pt-PT" sz="2400" dirty="0" smtClean="0"/>
-              <a:t>Estado da Arte</a:t>
-            </a:r>
-          </a:p>
-          <a:p>
-            <a:pPr marL="800100" lvl="1" indent="-342900">
-              <a:spcAft>
-                <a:spcPts val="200"/>
-              </a:spcAft>
-              <a:buFont typeface="Arial" panose="020B0604020202020204" pitchFamily="34" charset="0"/>
-              <a:buChar char="•"/>
-            </a:pPr>
-            <a:r>
-              <a:rPr lang="pt-PT" sz="2000" dirty="0"/>
-              <a:t>Casos de Estudo</a:t>
-            </a:r>
-          </a:p>
-          <a:p>
-            <a:pPr marL="342900" indent="-342900">
-              <a:spcAft>
-                <a:spcPts val="200"/>
-              </a:spcAft>
-              <a:buFont typeface="Arial" panose="020B0604020202020204" pitchFamily="34" charset="0"/>
-              <a:buChar char="•"/>
-            </a:pPr>
-            <a:r>
-              <a:rPr lang="pt-PT" sz="2400" dirty="0" smtClean="0"/>
-              <a:t>Proposta de Solução</a:t>
-            </a:r>
-          </a:p>
-          <a:p>
-            <a:pPr marL="342900" indent="-342900">
-              <a:spcAft>
-                <a:spcPts val="200"/>
-              </a:spcAft>
-              <a:buFont typeface="Arial" panose="020B0604020202020204" pitchFamily="34" charset="0"/>
-              <a:buChar char="•"/>
-            </a:pPr>
-            <a:r>
-              <a:rPr lang="pt-PT" sz="2400" dirty="0" smtClean="0"/>
-              <a:t>Solução Final</a:t>
-            </a:r>
-          </a:p>
-          <a:p>
-            <a:pPr marL="800100" lvl="1" indent="-342900">
-              <a:spcAft>
-                <a:spcPts val="200"/>
-              </a:spcAft>
-              <a:buFont typeface="Arial" panose="020B0604020202020204" pitchFamily="34" charset="0"/>
-              <a:buChar char="•"/>
-            </a:pPr>
-            <a:r>
-              <a:rPr lang="pt-PT" sz="2000" dirty="0" smtClean="0"/>
-              <a:t>Desenvolvimento de Maquetes</a:t>
-            </a:r>
-            <a:endParaRPr lang="pt-PT" sz="2000" dirty="0"/>
-          </a:p>
-          <a:p>
-            <a:pPr marL="800100" lvl="1" indent="-342900">
-              <a:spcAft>
-                <a:spcPts val="200"/>
-              </a:spcAft>
-              <a:buFont typeface="Arial" panose="020B0604020202020204" pitchFamily="34" charset="0"/>
-              <a:buChar char="•"/>
-            </a:pPr>
-            <a:r>
-              <a:rPr lang="pt-PT" sz="2000" dirty="0" smtClean="0"/>
-              <a:t>Arquitetura</a:t>
-            </a:r>
-          </a:p>
-          <a:p>
-            <a:pPr marL="800100" lvl="1" indent="-342900">
-              <a:spcAft>
-                <a:spcPts val="200"/>
-              </a:spcAft>
-              <a:buFont typeface="Arial" panose="020B0604020202020204" pitchFamily="34" charset="0"/>
-              <a:buChar char="•"/>
-            </a:pPr>
-            <a:r>
-              <a:rPr lang="pt-PT" sz="2000" dirty="0" smtClean="0"/>
-              <a:t>Avaliação da Interface</a:t>
-            </a:r>
-            <a:endParaRPr lang="pt-PT" sz="2000" dirty="0"/>
-          </a:p>
-          <a:p>
-            <a:pPr marL="800100" lvl="1" indent="-342900">
-              <a:spcAft>
-                <a:spcPts val="200"/>
-              </a:spcAft>
-              <a:buFont typeface="Arial" panose="020B0604020202020204" pitchFamily="34" charset="0"/>
-              <a:buChar char="•"/>
-            </a:pPr>
-            <a:r>
-              <a:rPr lang="pt-PT" sz="2000" dirty="0"/>
-              <a:t>Sistema Desenvolvido</a:t>
-            </a:r>
-          </a:p>
-          <a:p>
-            <a:pPr marL="800100" lvl="1" indent="-342900">
-              <a:spcAft>
-                <a:spcPts val="200"/>
-              </a:spcAft>
-              <a:buFont typeface="Arial" panose="020B0604020202020204" pitchFamily="34" charset="0"/>
-              <a:buChar char="•"/>
-            </a:pPr>
-            <a:r>
-              <a:rPr lang="pt-PT" sz="2000" dirty="0"/>
-              <a:t>Resultados Obtidos</a:t>
-            </a:r>
-          </a:p>
-          <a:p>
-            <a:pPr marL="342900" indent="-342900">
-              <a:spcAft>
-                <a:spcPts val="200"/>
-              </a:spcAft>
-              <a:buFont typeface="Arial" panose="020B0604020202020204" pitchFamily="34" charset="0"/>
-              <a:buChar char="•"/>
-            </a:pPr>
-            <a:r>
-              <a:rPr lang="pt-PT" sz="2400" dirty="0" smtClean="0"/>
-              <a:t>Conclusões</a:t>
-            </a:r>
-            <a:endParaRPr lang="pt-PT" sz="2400" dirty="0"/>
-          </a:p>
-          <a:p>
-            <a:pPr marL="800100" lvl="1" indent="-342900">
-              <a:buFont typeface="Arial" panose="020B0604020202020204" pitchFamily="34" charset="0"/>
-              <a:buChar char="•"/>
-            </a:pPr>
-            <a:endParaRPr lang="pt-PT" sz="2400" dirty="0"/>
-          </a:p>
-          <a:p>
-            <a:pPr marL="800100" lvl="1" indent="-342900">
-              <a:buFont typeface="Arial" panose="020B0604020202020204" pitchFamily="34" charset="0"/>
-              <a:buChar char="•"/>
-            </a:pPr>
-            <a:endParaRPr lang="pt-PT" sz="2400" dirty="0" smtClean="0"/>
-          </a:p>
-        </p:txBody>
-      </p:sp>
-      <p:sp>
-        <p:nvSpPr>
           <p:cNvPr id="2" name="Slide Number Placeholder 1"/>
           <p:cNvSpPr>
             <a:spLocks noGrp="1"/>
@@ -11327,7 +10481,7 @@
           <a:p>
             <a:fld id="{422D536B-584E-486B-9435-086987A3D916}" type="slidenum">
               <a:rPr lang="pt-PT" smtClean="0"/>
-              <a:t>2</a:t>
+              <a:t>19</a:t>
             </a:fld>
             <a:endParaRPr lang="pt-PT" dirty="0"/>
           </a:p>
@@ -11574,343 +10728,6 @@
             <a:pPr algn="ctr"/>
             <a:r>
               <a:rPr lang="pt-PT" sz="1600" b="1" dirty="0" smtClean="0"/>
-              <a:t>HMI para Fabrico Aditivo</a:t>
-            </a:r>
-            <a:endParaRPr lang="pt-PT" sz="1600" b="1" dirty="0"/>
-          </a:p>
-        </p:txBody>
-      </p:sp>
-      <p:pic>
-        <p:nvPicPr>
-          <p:cNvPr id="8" name="Imagem 7"/>
-          <p:cNvPicPr>
-            <a:picLocks noChangeAspect="1"/>
-          </p:cNvPicPr>
-          <p:nvPr/>
-        </p:nvPicPr>
-        <p:blipFill>
-          <a:blip r:embed="rId2" cstate="print">
-            <a:extLst>
-              <a:ext uri="{28A0092B-C50C-407E-A947-70E740481C1C}">
-                <a14:useLocalDpi xmlns:a14="http://schemas.microsoft.com/office/drawing/2010/main" val="0"/>
-              </a:ext>
-            </a:extLst>
-          </a:blip>
-          <a:stretch>
-            <a:fillRect/>
-          </a:stretch>
-        </p:blipFill>
-        <p:spPr>
-          <a:xfrm>
-            <a:off x="10556470" y="132544"/>
-            <a:ext cx="1555746" cy="1037905"/>
-          </a:xfrm>
-          <a:prstGeom prst="rect">
-            <a:avLst/>
-          </a:prstGeom>
-        </p:spPr>
-      </p:pic>
-    </p:spTree>
-    <p:extLst>
-      <p:ext uri="{BB962C8B-B14F-4D97-AF65-F5344CB8AC3E}">
-        <p14:creationId xmlns:p14="http://schemas.microsoft.com/office/powerpoint/2010/main" val="967993589"/>
-      </p:ext>
-    </p:extLst>
-  </p:cSld>
-  <p:clrMapOvr>
-    <a:masterClrMapping/>
-  </p:clrMapOvr>
-  <p:timing>
-    <p:tnLst>
-      <p:par>
-        <p:cTn id="1" dur="indefinite" restart="never" nodeType="tmRoot"/>
-      </p:par>
-    </p:tnLst>
-  </p:timing>
-</p:sld>
-</file>
-
-<file path=ppt/slides/slide20.xml><?xml version="1.0" encoding="utf-8"?>
-<p:sld xmlns:a="http://schemas.openxmlformats.org/drawingml/2006/main" xmlns:r="http://schemas.openxmlformats.org/officeDocument/2006/relationships" xmlns:p="http://schemas.openxmlformats.org/presentationml/2006/main">
-  <p:cSld>
-    <p:spTree>
-      <p:nvGrpSpPr>
-        <p:cNvPr id="1" name=""/>
-        <p:cNvGrpSpPr/>
-        <p:nvPr/>
-      </p:nvGrpSpPr>
-      <p:grpSpPr>
-        <a:xfrm>
-          <a:off x="0" y="0"/>
-          <a:ext cx="0" cy="0"/>
-          <a:chOff x="0" y="0"/>
-          <a:chExt cx="0" cy="0"/>
-        </a:xfrm>
-      </p:grpSpPr>
-      <p:sp>
-        <p:nvSpPr>
-          <p:cNvPr id="2" name="Slide Number Placeholder 1"/>
-          <p:cNvSpPr>
-            <a:spLocks noGrp="1"/>
-          </p:cNvSpPr>
-          <p:nvPr>
-            <p:ph type="sldNum" sz="quarter" idx="12"/>
-          </p:nvPr>
-        </p:nvSpPr>
-        <p:spPr/>
-        <p:txBody>
-          <a:bodyPr/>
-          <a:lstStyle/>
-          <a:p>
-            <a:fld id="{422D536B-584E-486B-9435-086987A3D916}" type="slidenum">
-              <a:rPr lang="pt-PT" smtClean="0"/>
-              <a:t>20</a:t>
-            </a:fld>
-            <a:endParaRPr lang="pt-PT" dirty="0"/>
-          </a:p>
-        </p:txBody>
-      </p:sp>
-      <p:sp>
-        <p:nvSpPr>
-          <p:cNvPr id="6" name="Slide Number Placeholder 5"/>
-          <p:cNvSpPr txBox="1">
-            <a:spLocks/>
-          </p:cNvSpPr>
-          <p:nvPr/>
-        </p:nvSpPr>
-        <p:spPr>
-          <a:xfrm>
-            <a:off x="0" y="6464982"/>
-            <a:ext cx="475129" cy="365125"/>
-          </a:xfrm>
-          <a:prstGeom prst="rect">
-            <a:avLst/>
-          </a:prstGeom>
-        </p:spPr>
-        <p:txBody>
-          <a:bodyPr vert="horz" lIns="91440" tIns="45720" rIns="91440" bIns="45720" rtlCol="0" anchor="ctr"/>
-          <a:lstStyle>
-            <a:defPPr>
-              <a:defRPr lang="en-US"/>
-            </a:defPPr>
-            <a:lvl1pPr marL="0" algn="r" defTabSz="457200" rtl="0" eaLnBrk="1" latinLnBrk="0" hangingPunct="1">
-              <a:defRPr sz="1050" kern="1200">
-                <a:solidFill>
-                  <a:srgbClr val="FFFFFF"/>
-                </a:solidFill>
-                <a:latin typeface="+mn-lt"/>
-                <a:ea typeface="+mn-ea"/>
-                <a:cs typeface="+mn-cs"/>
-              </a:defRPr>
-            </a:lvl1pPr>
-            <a:lvl2pPr marL="457200" algn="l" defTabSz="457200" rtl="0" eaLnBrk="1" latinLnBrk="0" hangingPunct="1">
-              <a:defRPr sz="1800" kern="1200">
-                <a:solidFill>
-                  <a:schemeClr val="tx1"/>
-                </a:solidFill>
-                <a:latin typeface="+mn-lt"/>
-                <a:ea typeface="+mn-ea"/>
-                <a:cs typeface="+mn-cs"/>
-              </a:defRPr>
-            </a:lvl2pPr>
-            <a:lvl3pPr marL="914400" algn="l" defTabSz="457200" rtl="0" eaLnBrk="1" latinLnBrk="0" hangingPunct="1">
-              <a:defRPr sz="1800" kern="1200">
-                <a:solidFill>
-                  <a:schemeClr val="tx1"/>
-                </a:solidFill>
-                <a:latin typeface="+mn-lt"/>
-                <a:ea typeface="+mn-ea"/>
-                <a:cs typeface="+mn-cs"/>
-              </a:defRPr>
-            </a:lvl3pPr>
-            <a:lvl4pPr marL="1371600" algn="l" defTabSz="457200" rtl="0" eaLnBrk="1" latinLnBrk="0" hangingPunct="1">
-              <a:defRPr sz="1800" kern="1200">
-                <a:solidFill>
-                  <a:schemeClr val="tx1"/>
-                </a:solidFill>
-                <a:latin typeface="+mn-lt"/>
-                <a:ea typeface="+mn-ea"/>
-                <a:cs typeface="+mn-cs"/>
-              </a:defRPr>
-            </a:lvl4pPr>
-            <a:lvl5pPr marL="1828800" algn="l" defTabSz="457200" rtl="0" eaLnBrk="1" latinLnBrk="0" hangingPunct="1">
-              <a:defRPr sz="1800" kern="1200">
-                <a:solidFill>
-                  <a:schemeClr val="tx1"/>
-                </a:solidFill>
-                <a:latin typeface="+mn-lt"/>
-                <a:ea typeface="+mn-ea"/>
-                <a:cs typeface="+mn-cs"/>
-              </a:defRPr>
-            </a:lvl5pPr>
-            <a:lvl6pPr marL="2286000" algn="l" defTabSz="457200" rtl="0" eaLnBrk="1" latinLnBrk="0" hangingPunct="1">
-              <a:defRPr sz="1800" kern="1200">
-                <a:solidFill>
-                  <a:schemeClr val="tx1"/>
-                </a:solidFill>
-                <a:latin typeface="+mn-lt"/>
-                <a:ea typeface="+mn-ea"/>
-                <a:cs typeface="+mn-cs"/>
-              </a:defRPr>
-            </a:lvl6pPr>
-            <a:lvl7pPr marL="2743200" algn="l" defTabSz="457200" rtl="0" eaLnBrk="1" latinLnBrk="0" hangingPunct="1">
-              <a:defRPr sz="1800" kern="1200">
-                <a:solidFill>
-                  <a:schemeClr val="tx1"/>
-                </a:solidFill>
-                <a:latin typeface="+mn-lt"/>
-                <a:ea typeface="+mn-ea"/>
-                <a:cs typeface="+mn-cs"/>
-              </a:defRPr>
-            </a:lvl7pPr>
-            <a:lvl8pPr marL="3200400" algn="l" defTabSz="457200" rtl="0" eaLnBrk="1" latinLnBrk="0" hangingPunct="1">
-              <a:defRPr sz="1800" kern="1200">
-                <a:solidFill>
-                  <a:schemeClr val="tx1"/>
-                </a:solidFill>
-                <a:latin typeface="+mn-lt"/>
-                <a:ea typeface="+mn-ea"/>
-                <a:cs typeface="+mn-cs"/>
-              </a:defRPr>
-            </a:lvl8pPr>
-            <a:lvl9pPr marL="3657600" algn="l" defTabSz="457200" rtl="0" eaLnBrk="1" latinLnBrk="0" hangingPunct="1">
-              <a:defRPr sz="1800" kern="1200">
-                <a:solidFill>
-                  <a:schemeClr val="tx1"/>
-                </a:solidFill>
-                <a:latin typeface="+mn-lt"/>
-                <a:ea typeface="+mn-ea"/>
-                <a:cs typeface="+mn-cs"/>
-              </a:defRPr>
-            </a:lvl9pPr>
-          </a:lstStyle>
-          <a:p>
-            <a:r>
-              <a:rPr lang="pt-PT" dirty="0" smtClean="0"/>
-              <a:t>IPVC</a:t>
-            </a:r>
-            <a:endParaRPr lang="pt-PT" dirty="0"/>
-          </a:p>
-        </p:txBody>
-      </p:sp>
-      <p:sp>
-        <p:nvSpPr>
-          <p:cNvPr id="10" name="Slide Number Placeholder 5"/>
-          <p:cNvSpPr txBox="1">
-            <a:spLocks/>
-          </p:cNvSpPr>
-          <p:nvPr/>
-        </p:nvSpPr>
-        <p:spPr>
-          <a:xfrm>
-            <a:off x="3908571" y="6492875"/>
-            <a:ext cx="4435818" cy="365125"/>
-          </a:xfrm>
-          <a:prstGeom prst="rect">
-            <a:avLst/>
-          </a:prstGeom>
-        </p:spPr>
-        <p:txBody>
-          <a:bodyPr vert="horz" lIns="91440" tIns="45720" rIns="91440" bIns="45720" rtlCol="0" anchor="ctr"/>
-          <a:lstStyle>
-            <a:defPPr>
-              <a:defRPr lang="en-US"/>
-            </a:defPPr>
-            <a:lvl1pPr marL="0" algn="r" defTabSz="457200" rtl="0" eaLnBrk="1" latinLnBrk="0" hangingPunct="1">
-              <a:defRPr sz="1050" kern="1200">
-                <a:solidFill>
-                  <a:srgbClr val="FFFFFF"/>
-                </a:solidFill>
-                <a:latin typeface="+mn-lt"/>
-                <a:ea typeface="+mn-ea"/>
-                <a:cs typeface="+mn-cs"/>
-              </a:defRPr>
-            </a:lvl1pPr>
-            <a:lvl2pPr marL="457200" algn="l" defTabSz="457200" rtl="0" eaLnBrk="1" latinLnBrk="0" hangingPunct="1">
-              <a:defRPr sz="1800" kern="1200">
-                <a:solidFill>
-                  <a:schemeClr val="tx1"/>
-                </a:solidFill>
-                <a:latin typeface="+mn-lt"/>
-                <a:ea typeface="+mn-ea"/>
-                <a:cs typeface="+mn-cs"/>
-              </a:defRPr>
-            </a:lvl2pPr>
-            <a:lvl3pPr marL="914400" algn="l" defTabSz="457200" rtl="0" eaLnBrk="1" latinLnBrk="0" hangingPunct="1">
-              <a:defRPr sz="1800" kern="1200">
-                <a:solidFill>
-                  <a:schemeClr val="tx1"/>
-                </a:solidFill>
-                <a:latin typeface="+mn-lt"/>
-                <a:ea typeface="+mn-ea"/>
-                <a:cs typeface="+mn-cs"/>
-              </a:defRPr>
-            </a:lvl3pPr>
-            <a:lvl4pPr marL="1371600" algn="l" defTabSz="457200" rtl="0" eaLnBrk="1" latinLnBrk="0" hangingPunct="1">
-              <a:defRPr sz="1800" kern="1200">
-                <a:solidFill>
-                  <a:schemeClr val="tx1"/>
-                </a:solidFill>
-                <a:latin typeface="+mn-lt"/>
-                <a:ea typeface="+mn-ea"/>
-                <a:cs typeface="+mn-cs"/>
-              </a:defRPr>
-            </a:lvl4pPr>
-            <a:lvl5pPr marL="1828800" algn="l" defTabSz="457200" rtl="0" eaLnBrk="1" latinLnBrk="0" hangingPunct="1">
-              <a:defRPr sz="1800" kern="1200">
-                <a:solidFill>
-                  <a:schemeClr val="tx1"/>
-                </a:solidFill>
-                <a:latin typeface="+mn-lt"/>
-                <a:ea typeface="+mn-ea"/>
-                <a:cs typeface="+mn-cs"/>
-              </a:defRPr>
-            </a:lvl5pPr>
-            <a:lvl6pPr marL="2286000" algn="l" defTabSz="457200" rtl="0" eaLnBrk="1" latinLnBrk="0" hangingPunct="1">
-              <a:defRPr sz="1800" kern="1200">
-                <a:solidFill>
-                  <a:schemeClr val="tx1"/>
-                </a:solidFill>
-                <a:latin typeface="+mn-lt"/>
-                <a:ea typeface="+mn-ea"/>
-                <a:cs typeface="+mn-cs"/>
-              </a:defRPr>
-            </a:lvl6pPr>
-            <a:lvl7pPr marL="2743200" algn="l" defTabSz="457200" rtl="0" eaLnBrk="1" latinLnBrk="0" hangingPunct="1">
-              <a:defRPr sz="1800" kern="1200">
-                <a:solidFill>
-                  <a:schemeClr val="tx1"/>
-                </a:solidFill>
-                <a:latin typeface="+mn-lt"/>
-                <a:ea typeface="+mn-ea"/>
-                <a:cs typeface="+mn-cs"/>
-              </a:defRPr>
-            </a:lvl7pPr>
-            <a:lvl8pPr marL="3200400" algn="l" defTabSz="457200" rtl="0" eaLnBrk="1" latinLnBrk="0" hangingPunct="1">
-              <a:defRPr sz="1800" kern="1200">
-                <a:solidFill>
-                  <a:schemeClr val="tx1"/>
-                </a:solidFill>
-                <a:latin typeface="+mn-lt"/>
-                <a:ea typeface="+mn-ea"/>
-                <a:cs typeface="+mn-cs"/>
-              </a:defRPr>
-            </a:lvl8pPr>
-            <a:lvl9pPr marL="3657600" algn="l" defTabSz="457200" rtl="0" eaLnBrk="1" latinLnBrk="0" hangingPunct="1">
-              <a:defRPr sz="1800" kern="1200">
-                <a:solidFill>
-                  <a:schemeClr val="tx1"/>
-                </a:solidFill>
-                <a:latin typeface="+mn-lt"/>
-                <a:ea typeface="+mn-ea"/>
-                <a:cs typeface="+mn-cs"/>
-              </a:defRPr>
-            </a:lvl9pPr>
-          </a:lstStyle>
-          <a:p>
-            <a:pPr algn="ctr"/>
-            <a:r>
-              <a:rPr lang="pt-PT" sz="1600" b="1" dirty="0" smtClean="0"/>
               <a:t>HMI para Fabrico Aditivo – Solução Final</a:t>
             </a:r>
             <a:endParaRPr lang="pt-PT" sz="1600" b="1" dirty="0"/>
@@ -12007,7 +10824,6 @@
               <a:rPr lang="pt-PT" sz="3200" b="1" dirty="0" smtClean="0"/>
               <a:t>Resultados Obtidos</a:t>
             </a:r>
-            <a:endParaRPr lang="pt-PT" sz="3200" b="1" dirty="0" smtClean="0"/>
           </a:p>
           <a:p>
             <a:endParaRPr lang="pt-PT" sz="2400" dirty="0" smtClean="0"/>
@@ -12206,7 +11022,7 @@
 </p:sld>
 </file>
 
-<file path=ppt/slides/slide21.xml><?xml version="1.0" encoding="utf-8"?>
+<file path=ppt/slides/slide2.xml><?xml version="1.0" encoding="utf-8"?>
 <p:sld xmlns:a="http://schemas.openxmlformats.org/drawingml/2006/main" xmlns:r="http://schemas.openxmlformats.org/officeDocument/2006/relationships" xmlns:p="http://schemas.openxmlformats.org/presentationml/2006/main">
   <p:cSld>
     <p:spTree>
@@ -12225,6 +11041,252 @@
       </p:grpSpPr>
       <p:sp>
         <p:nvSpPr>
+          <p:cNvPr id="7" name="TextBox 6"/>
+          <p:cNvSpPr txBox="1"/>
+          <p:nvPr/>
+        </p:nvSpPr>
+        <p:spPr>
+          <a:xfrm>
+            <a:off x="445000" y="166025"/>
+            <a:ext cx="9455458" cy="6047809"/>
+          </a:xfrm>
+          <a:prstGeom prst="rect">
+            <a:avLst/>
+          </a:prstGeom>
+          <a:noFill/>
+        </p:spPr>
+        <p:txBody>
+          <a:bodyPr wrap="square" rtlCol="0">
+            <a:spAutoFit/>
+          </a:bodyPr>
+          <a:lstStyle/>
+          <a:p>
+            <a:r>
+              <a:rPr lang="pt-PT" sz="3200" b="1" dirty="0" smtClean="0"/>
+              <a:t>Agenda</a:t>
+            </a:r>
+          </a:p>
+          <a:p>
+            <a:endParaRPr lang="pt-PT" sz="2800" b="1" dirty="0" smtClean="0"/>
+          </a:p>
+          <a:p>
+            <a:pPr marL="342900" indent="-342900">
+              <a:spcAft>
+                <a:spcPts val="200"/>
+              </a:spcAft>
+              <a:buFont typeface="Arial" panose="020B0604020202020204" pitchFamily="34" charset="0"/>
+              <a:buChar char="•"/>
+            </a:pPr>
+            <a:r>
+              <a:rPr lang="pt-PT" sz="2000" dirty="0" smtClean="0"/>
+              <a:t>Introdução</a:t>
+            </a:r>
+            <a:endParaRPr lang="pt-PT" sz="2000" dirty="0"/>
+          </a:p>
+          <a:p>
+            <a:pPr marL="800100" lvl="1" indent="-342900">
+              <a:spcAft>
+                <a:spcPts val="200"/>
+              </a:spcAft>
+              <a:buFont typeface="Arial" panose="020B0604020202020204" pitchFamily="34" charset="0"/>
+              <a:buChar char="•"/>
+            </a:pPr>
+            <a:r>
+              <a:rPr lang="pt-PT" dirty="0"/>
+              <a:t>Contexto e Motivação</a:t>
+            </a:r>
+            <a:endParaRPr lang="pt-PT" sz="2000" dirty="0"/>
+          </a:p>
+          <a:p>
+            <a:pPr marL="800100" lvl="1" indent="-342900">
+              <a:spcAft>
+                <a:spcPts val="200"/>
+              </a:spcAft>
+              <a:buFont typeface="Arial" panose="020B0604020202020204" pitchFamily="34" charset="0"/>
+              <a:buChar char="•"/>
+            </a:pPr>
+            <a:r>
+              <a:rPr lang="pt-PT" dirty="0"/>
+              <a:t>Problema</a:t>
+            </a:r>
+          </a:p>
+          <a:p>
+            <a:pPr marL="800100" lvl="1" indent="-342900">
+              <a:spcAft>
+                <a:spcPts val="200"/>
+              </a:spcAft>
+              <a:buFont typeface="Arial" panose="020B0604020202020204" pitchFamily="34" charset="0"/>
+              <a:buChar char="•"/>
+            </a:pPr>
+            <a:r>
+              <a:rPr lang="pt-PT" dirty="0" smtClean="0"/>
+              <a:t>Objetivos</a:t>
+            </a:r>
+            <a:endParaRPr lang="pt-PT" dirty="0"/>
+          </a:p>
+          <a:p>
+            <a:pPr marL="342900" indent="-342900">
+              <a:spcAft>
+                <a:spcPts val="200"/>
+              </a:spcAft>
+              <a:buFont typeface="Arial" panose="020B0604020202020204" pitchFamily="34" charset="0"/>
+              <a:buChar char="•"/>
+            </a:pPr>
+            <a:r>
+              <a:rPr lang="pt-PT" sz="2000" dirty="0" smtClean="0"/>
+              <a:t>Estado da Arte</a:t>
+            </a:r>
+          </a:p>
+          <a:p>
+            <a:pPr marL="800100" lvl="1" indent="-342900">
+              <a:spcAft>
+                <a:spcPts val="200"/>
+              </a:spcAft>
+              <a:buFont typeface="Arial" panose="020B0604020202020204" pitchFamily="34" charset="0"/>
+              <a:buChar char="•"/>
+            </a:pPr>
+            <a:r>
+              <a:rPr lang="pt-PT" dirty="0"/>
+              <a:t>Casos de Estudo</a:t>
+            </a:r>
+          </a:p>
+          <a:p>
+            <a:pPr marL="342900" indent="-342900">
+              <a:spcAft>
+                <a:spcPts val="200"/>
+              </a:spcAft>
+              <a:buFont typeface="Arial" panose="020B0604020202020204" pitchFamily="34" charset="0"/>
+              <a:buChar char="•"/>
+            </a:pPr>
+            <a:r>
+              <a:rPr lang="pt-PT" sz="2000" dirty="0" smtClean="0"/>
+              <a:t>Proposta de Solução</a:t>
+            </a:r>
+          </a:p>
+          <a:p>
+            <a:pPr marL="342900" indent="-342900">
+              <a:spcAft>
+                <a:spcPts val="200"/>
+              </a:spcAft>
+              <a:buFont typeface="Arial" panose="020B0604020202020204" pitchFamily="34" charset="0"/>
+              <a:buChar char="•"/>
+            </a:pPr>
+            <a:r>
+              <a:rPr lang="pt-PT" sz="2000" dirty="0" smtClean="0"/>
+              <a:t>Solução Final</a:t>
+            </a:r>
+          </a:p>
+          <a:p>
+            <a:pPr marL="800100" lvl="1" indent="-342900">
+              <a:spcAft>
+                <a:spcPts val="200"/>
+              </a:spcAft>
+              <a:buFont typeface="Arial" panose="020B0604020202020204" pitchFamily="34" charset="0"/>
+              <a:buChar char="•"/>
+            </a:pPr>
+            <a:r>
+              <a:rPr lang="pt-PT" dirty="0" smtClean="0"/>
+              <a:t>Desenvolvimento de Maquetes</a:t>
+            </a:r>
+            <a:endParaRPr lang="pt-PT" dirty="0"/>
+          </a:p>
+          <a:p>
+            <a:pPr marL="800100" lvl="1" indent="-342900">
+              <a:spcAft>
+                <a:spcPts val="200"/>
+              </a:spcAft>
+              <a:buFont typeface="Arial" panose="020B0604020202020204" pitchFamily="34" charset="0"/>
+              <a:buChar char="•"/>
+            </a:pPr>
+            <a:r>
+              <a:rPr lang="pt-PT" dirty="0" smtClean="0"/>
+              <a:t>Arquitetura</a:t>
+            </a:r>
+          </a:p>
+          <a:p>
+            <a:pPr marL="800100" lvl="1" indent="-342900">
+              <a:spcAft>
+                <a:spcPts val="200"/>
+              </a:spcAft>
+              <a:buFont typeface="Arial" panose="020B0604020202020204" pitchFamily="34" charset="0"/>
+              <a:buChar char="•"/>
+            </a:pPr>
+            <a:r>
+              <a:rPr lang="pt-PT" dirty="0" smtClean="0"/>
+              <a:t>Avaliação da Interface</a:t>
+            </a:r>
+            <a:endParaRPr lang="pt-PT" dirty="0"/>
+          </a:p>
+          <a:p>
+            <a:pPr marL="800100" lvl="1" indent="-342900">
+              <a:spcAft>
+                <a:spcPts val="200"/>
+              </a:spcAft>
+              <a:buFont typeface="Arial" panose="020B0604020202020204" pitchFamily="34" charset="0"/>
+              <a:buChar char="•"/>
+            </a:pPr>
+            <a:r>
+              <a:rPr lang="pt-PT" dirty="0"/>
+              <a:t>Sistema Desenvolvido</a:t>
+            </a:r>
+          </a:p>
+          <a:p>
+            <a:pPr marL="800100" lvl="1" indent="-342900">
+              <a:spcAft>
+                <a:spcPts val="200"/>
+              </a:spcAft>
+              <a:buFont typeface="Arial" panose="020B0604020202020204" pitchFamily="34" charset="0"/>
+              <a:buChar char="•"/>
+            </a:pPr>
+            <a:r>
+              <a:rPr lang="pt-PT" dirty="0"/>
+              <a:t>Resultados Obtidos</a:t>
+            </a:r>
+          </a:p>
+          <a:p>
+            <a:pPr marL="342900" indent="-342900">
+              <a:spcAft>
+                <a:spcPts val="200"/>
+              </a:spcAft>
+              <a:buFont typeface="Arial" panose="020B0604020202020204" pitchFamily="34" charset="0"/>
+              <a:buChar char="•"/>
+            </a:pPr>
+            <a:r>
+              <a:rPr lang="pt-PT" sz="2000" dirty="0" smtClean="0"/>
+              <a:t>Conclusões</a:t>
+            </a:r>
+          </a:p>
+          <a:p>
+            <a:pPr marL="342900" indent="-342900">
+              <a:spcAft>
+                <a:spcPts val="200"/>
+              </a:spcAft>
+              <a:buFont typeface="Arial" panose="020B0604020202020204" pitchFamily="34" charset="0"/>
+              <a:buChar char="•"/>
+            </a:pPr>
+            <a:r>
+              <a:rPr lang="pt-PT" sz="2000" dirty="0" smtClean="0"/>
+              <a:t>Trabalho Futuro</a:t>
+            </a:r>
+          </a:p>
+          <a:p>
+            <a:pPr marL="342900" indent="-342900">
+              <a:spcAft>
+                <a:spcPts val="200"/>
+              </a:spcAft>
+              <a:buFont typeface="Arial" panose="020B0604020202020204" pitchFamily="34" charset="0"/>
+              <a:buChar char="•"/>
+            </a:pPr>
+            <a:r>
+              <a:rPr lang="pt-PT" sz="2000" dirty="0" smtClean="0"/>
+              <a:t>Questões</a:t>
+            </a:r>
+            <a:endParaRPr lang="pt-PT" sz="2400" dirty="0"/>
+          </a:p>
+        </p:txBody>
+      </p:sp>
+      <p:sp>
+        <p:nvSpPr>
           <p:cNvPr id="2" name="Slide Number Placeholder 1"/>
           <p:cNvSpPr>
             <a:spLocks noGrp="1"/>
@@ -12240,7 +11302,7 @@
           <a:p>
             <a:fld id="{422D536B-584E-486B-9435-086987A3D916}" type="slidenum">
               <a:rPr lang="pt-PT" smtClean="0"/>
-              <a:t>21</a:t>
+              <a:t>2</a:t>
             </a:fld>
             <a:endParaRPr lang="pt-PT" dirty="0"/>
           </a:p>
@@ -12487,6 +11549,343 @@
             <a:pPr algn="ctr"/>
             <a:r>
               <a:rPr lang="pt-PT" sz="1600" b="1" dirty="0" smtClean="0"/>
+              <a:t>HMI para Fabrico Aditivo</a:t>
+            </a:r>
+            <a:endParaRPr lang="pt-PT" sz="1600" b="1" dirty="0"/>
+          </a:p>
+        </p:txBody>
+      </p:sp>
+      <p:pic>
+        <p:nvPicPr>
+          <p:cNvPr id="8" name="Imagem 7"/>
+          <p:cNvPicPr>
+            <a:picLocks noChangeAspect="1"/>
+          </p:cNvPicPr>
+          <p:nvPr/>
+        </p:nvPicPr>
+        <p:blipFill>
+          <a:blip r:embed="rId2" cstate="print">
+            <a:extLst>
+              <a:ext uri="{28A0092B-C50C-407E-A947-70E740481C1C}">
+                <a14:useLocalDpi xmlns:a14="http://schemas.microsoft.com/office/drawing/2010/main" val="0"/>
+              </a:ext>
+            </a:extLst>
+          </a:blip>
+          <a:stretch>
+            <a:fillRect/>
+          </a:stretch>
+        </p:blipFill>
+        <p:spPr>
+          <a:xfrm>
+            <a:off x="10556470" y="132544"/>
+            <a:ext cx="1555746" cy="1037905"/>
+          </a:xfrm>
+          <a:prstGeom prst="rect">
+            <a:avLst/>
+          </a:prstGeom>
+        </p:spPr>
+      </p:pic>
+    </p:spTree>
+    <p:extLst>
+      <p:ext uri="{BB962C8B-B14F-4D97-AF65-F5344CB8AC3E}">
+        <p14:creationId xmlns:p14="http://schemas.microsoft.com/office/powerpoint/2010/main" val="967993589"/>
+      </p:ext>
+    </p:extLst>
+  </p:cSld>
+  <p:clrMapOvr>
+    <a:masterClrMapping/>
+  </p:clrMapOvr>
+  <p:timing>
+    <p:tnLst>
+      <p:par>
+        <p:cTn id="1" dur="indefinite" restart="never" nodeType="tmRoot"/>
+      </p:par>
+    </p:tnLst>
+  </p:timing>
+</p:sld>
+</file>
+
+<file path=ppt/slides/slide20.xml><?xml version="1.0" encoding="utf-8"?>
+<p:sld xmlns:a="http://schemas.openxmlformats.org/drawingml/2006/main" xmlns:r="http://schemas.openxmlformats.org/officeDocument/2006/relationships" xmlns:p="http://schemas.openxmlformats.org/presentationml/2006/main">
+  <p:cSld>
+    <p:spTree>
+      <p:nvGrpSpPr>
+        <p:cNvPr id="1" name=""/>
+        <p:cNvGrpSpPr/>
+        <p:nvPr/>
+      </p:nvGrpSpPr>
+      <p:grpSpPr>
+        <a:xfrm>
+          <a:off x="0" y="0"/>
+          <a:ext cx="0" cy="0"/>
+          <a:chOff x="0" y="0"/>
+          <a:chExt cx="0" cy="0"/>
+        </a:xfrm>
+      </p:grpSpPr>
+      <p:sp>
+        <p:nvSpPr>
+          <p:cNvPr id="2" name="Slide Number Placeholder 1"/>
+          <p:cNvSpPr>
+            <a:spLocks noGrp="1"/>
+          </p:cNvSpPr>
+          <p:nvPr>
+            <p:ph type="sldNum" sz="quarter" idx="12"/>
+          </p:nvPr>
+        </p:nvSpPr>
+        <p:spPr/>
+        <p:txBody>
+          <a:bodyPr/>
+          <a:lstStyle/>
+          <a:p>
+            <a:fld id="{422D536B-584E-486B-9435-086987A3D916}" type="slidenum">
+              <a:rPr lang="pt-PT" smtClean="0"/>
+              <a:t>20</a:t>
+            </a:fld>
+            <a:endParaRPr lang="pt-PT" dirty="0"/>
+          </a:p>
+        </p:txBody>
+      </p:sp>
+      <p:sp>
+        <p:nvSpPr>
+          <p:cNvPr id="6" name="Slide Number Placeholder 5"/>
+          <p:cNvSpPr txBox="1">
+            <a:spLocks/>
+          </p:cNvSpPr>
+          <p:nvPr/>
+        </p:nvSpPr>
+        <p:spPr>
+          <a:xfrm>
+            <a:off x="0" y="6464982"/>
+            <a:ext cx="475129" cy="365125"/>
+          </a:xfrm>
+          <a:prstGeom prst="rect">
+            <a:avLst/>
+          </a:prstGeom>
+        </p:spPr>
+        <p:txBody>
+          <a:bodyPr vert="horz" lIns="91440" tIns="45720" rIns="91440" bIns="45720" rtlCol="0" anchor="ctr"/>
+          <a:lstStyle>
+            <a:defPPr>
+              <a:defRPr lang="en-US"/>
+            </a:defPPr>
+            <a:lvl1pPr marL="0" algn="r" defTabSz="457200" rtl="0" eaLnBrk="1" latinLnBrk="0" hangingPunct="1">
+              <a:defRPr sz="1050" kern="1200">
+                <a:solidFill>
+                  <a:srgbClr val="FFFFFF"/>
+                </a:solidFill>
+                <a:latin typeface="+mn-lt"/>
+                <a:ea typeface="+mn-ea"/>
+                <a:cs typeface="+mn-cs"/>
+              </a:defRPr>
+            </a:lvl1pPr>
+            <a:lvl2pPr marL="457200" algn="l" defTabSz="457200" rtl="0" eaLnBrk="1" latinLnBrk="0" hangingPunct="1">
+              <a:defRPr sz="1800" kern="1200">
+                <a:solidFill>
+                  <a:schemeClr val="tx1"/>
+                </a:solidFill>
+                <a:latin typeface="+mn-lt"/>
+                <a:ea typeface="+mn-ea"/>
+                <a:cs typeface="+mn-cs"/>
+              </a:defRPr>
+            </a:lvl2pPr>
+            <a:lvl3pPr marL="914400" algn="l" defTabSz="457200" rtl="0" eaLnBrk="1" latinLnBrk="0" hangingPunct="1">
+              <a:defRPr sz="1800" kern="1200">
+                <a:solidFill>
+                  <a:schemeClr val="tx1"/>
+                </a:solidFill>
+                <a:latin typeface="+mn-lt"/>
+                <a:ea typeface="+mn-ea"/>
+                <a:cs typeface="+mn-cs"/>
+              </a:defRPr>
+            </a:lvl3pPr>
+            <a:lvl4pPr marL="1371600" algn="l" defTabSz="457200" rtl="0" eaLnBrk="1" latinLnBrk="0" hangingPunct="1">
+              <a:defRPr sz="1800" kern="1200">
+                <a:solidFill>
+                  <a:schemeClr val="tx1"/>
+                </a:solidFill>
+                <a:latin typeface="+mn-lt"/>
+                <a:ea typeface="+mn-ea"/>
+                <a:cs typeface="+mn-cs"/>
+              </a:defRPr>
+            </a:lvl4pPr>
+            <a:lvl5pPr marL="1828800" algn="l" defTabSz="457200" rtl="0" eaLnBrk="1" latinLnBrk="0" hangingPunct="1">
+              <a:defRPr sz="1800" kern="1200">
+                <a:solidFill>
+                  <a:schemeClr val="tx1"/>
+                </a:solidFill>
+                <a:latin typeface="+mn-lt"/>
+                <a:ea typeface="+mn-ea"/>
+                <a:cs typeface="+mn-cs"/>
+              </a:defRPr>
+            </a:lvl5pPr>
+            <a:lvl6pPr marL="2286000" algn="l" defTabSz="457200" rtl="0" eaLnBrk="1" latinLnBrk="0" hangingPunct="1">
+              <a:defRPr sz="1800" kern="1200">
+                <a:solidFill>
+                  <a:schemeClr val="tx1"/>
+                </a:solidFill>
+                <a:latin typeface="+mn-lt"/>
+                <a:ea typeface="+mn-ea"/>
+                <a:cs typeface="+mn-cs"/>
+              </a:defRPr>
+            </a:lvl6pPr>
+            <a:lvl7pPr marL="2743200" algn="l" defTabSz="457200" rtl="0" eaLnBrk="1" latinLnBrk="0" hangingPunct="1">
+              <a:defRPr sz="1800" kern="1200">
+                <a:solidFill>
+                  <a:schemeClr val="tx1"/>
+                </a:solidFill>
+                <a:latin typeface="+mn-lt"/>
+                <a:ea typeface="+mn-ea"/>
+                <a:cs typeface="+mn-cs"/>
+              </a:defRPr>
+            </a:lvl7pPr>
+            <a:lvl8pPr marL="3200400" algn="l" defTabSz="457200" rtl="0" eaLnBrk="1" latinLnBrk="0" hangingPunct="1">
+              <a:defRPr sz="1800" kern="1200">
+                <a:solidFill>
+                  <a:schemeClr val="tx1"/>
+                </a:solidFill>
+                <a:latin typeface="+mn-lt"/>
+                <a:ea typeface="+mn-ea"/>
+                <a:cs typeface="+mn-cs"/>
+              </a:defRPr>
+            </a:lvl8pPr>
+            <a:lvl9pPr marL="3657600" algn="l" defTabSz="457200" rtl="0" eaLnBrk="1" latinLnBrk="0" hangingPunct="1">
+              <a:defRPr sz="1800" kern="1200">
+                <a:solidFill>
+                  <a:schemeClr val="tx1"/>
+                </a:solidFill>
+                <a:latin typeface="+mn-lt"/>
+                <a:ea typeface="+mn-ea"/>
+                <a:cs typeface="+mn-cs"/>
+              </a:defRPr>
+            </a:lvl9pPr>
+          </a:lstStyle>
+          <a:p>
+            <a:r>
+              <a:rPr lang="pt-PT" dirty="0" smtClean="0"/>
+              <a:t>IPVC</a:t>
+            </a:r>
+            <a:endParaRPr lang="pt-PT" dirty="0"/>
+          </a:p>
+        </p:txBody>
+      </p:sp>
+      <p:sp>
+        <p:nvSpPr>
+          <p:cNvPr id="10" name="Slide Number Placeholder 5"/>
+          <p:cNvSpPr txBox="1">
+            <a:spLocks/>
+          </p:cNvSpPr>
+          <p:nvPr/>
+        </p:nvSpPr>
+        <p:spPr>
+          <a:xfrm>
+            <a:off x="3908571" y="6492875"/>
+            <a:ext cx="4435818" cy="365125"/>
+          </a:xfrm>
+          <a:prstGeom prst="rect">
+            <a:avLst/>
+          </a:prstGeom>
+        </p:spPr>
+        <p:txBody>
+          <a:bodyPr vert="horz" lIns="91440" tIns="45720" rIns="91440" bIns="45720" rtlCol="0" anchor="ctr"/>
+          <a:lstStyle>
+            <a:defPPr>
+              <a:defRPr lang="en-US"/>
+            </a:defPPr>
+            <a:lvl1pPr marL="0" algn="r" defTabSz="457200" rtl="0" eaLnBrk="1" latinLnBrk="0" hangingPunct="1">
+              <a:defRPr sz="1050" kern="1200">
+                <a:solidFill>
+                  <a:srgbClr val="FFFFFF"/>
+                </a:solidFill>
+                <a:latin typeface="+mn-lt"/>
+                <a:ea typeface="+mn-ea"/>
+                <a:cs typeface="+mn-cs"/>
+              </a:defRPr>
+            </a:lvl1pPr>
+            <a:lvl2pPr marL="457200" algn="l" defTabSz="457200" rtl="0" eaLnBrk="1" latinLnBrk="0" hangingPunct="1">
+              <a:defRPr sz="1800" kern="1200">
+                <a:solidFill>
+                  <a:schemeClr val="tx1"/>
+                </a:solidFill>
+                <a:latin typeface="+mn-lt"/>
+                <a:ea typeface="+mn-ea"/>
+                <a:cs typeface="+mn-cs"/>
+              </a:defRPr>
+            </a:lvl2pPr>
+            <a:lvl3pPr marL="914400" algn="l" defTabSz="457200" rtl="0" eaLnBrk="1" latinLnBrk="0" hangingPunct="1">
+              <a:defRPr sz="1800" kern="1200">
+                <a:solidFill>
+                  <a:schemeClr val="tx1"/>
+                </a:solidFill>
+                <a:latin typeface="+mn-lt"/>
+                <a:ea typeface="+mn-ea"/>
+                <a:cs typeface="+mn-cs"/>
+              </a:defRPr>
+            </a:lvl3pPr>
+            <a:lvl4pPr marL="1371600" algn="l" defTabSz="457200" rtl="0" eaLnBrk="1" latinLnBrk="0" hangingPunct="1">
+              <a:defRPr sz="1800" kern="1200">
+                <a:solidFill>
+                  <a:schemeClr val="tx1"/>
+                </a:solidFill>
+                <a:latin typeface="+mn-lt"/>
+                <a:ea typeface="+mn-ea"/>
+                <a:cs typeface="+mn-cs"/>
+              </a:defRPr>
+            </a:lvl4pPr>
+            <a:lvl5pPr marL="1828800" algn="l" defTabSz="457200" rtl="0" eaLnBrk="1" latinLnBrk="0" hangingPunct="1">
+              <a:defRPr sz="1800" kern="1200">
+                <a:solidFill>
+                  <a:schemeClr val="tx1"/>
+                </a:solidFill>
+                <a:latin typeface="+mn-lt"/>
+                <a:ea typeface="+mn-ea"/>
+                <a:cs typeface="+mn-cs"/>
+              </a:defRPr>
+            </a:lvl5pPr>
+            <a:lvl6pPr marL="2286000" algn="l" defTabSz="457200" rtl="0" eaLnBrk="1" latinLnBrk="0" hangingPunct="1">
+              <a:defRPr sz="1800" kern="1200">
+                <a:solidFill>
+                  <a:schemeClr val="tx1"/>
+                </a:solidFill>
+                <a:latin typeface="+mn-lt"/>
+                <a:ea typeface="+mn-ea"/>
+                <a:cs typeface="+mn-cs"/>
+              </a:defRPr>
+            </a:lvl6pPr>
+            <a:lvl7pPr marL="2743200" algn="l" defTabSz="457200" rtl="0" eaLnBrk="1" latinLnBrk="0" hangingPunct="1">
+              <a:defRPr sz="1800" kern="1200">
+                <a:solidFill>
+                  <a:schemeClr val="tx1"/>
+                </a:solidFill>
+                <a:latin typeface="+mn-lt"/>
+                <a:ea typeface="+mn-ea"/>
+                <a:cs typeface="+mn-cs"/>
+              </a:defRPr>
+            </a:lvl7pPr>
+            <a:lvl8pPr marL="3200400" algn="l" defTabSz="457200" rtl="0" eaLnBrk="1" latinLnBrk="0" hangingPunct="1">
+              <a:defRPr sz="1800" kern="1200">
+                <a:solidFill>
+                  <a:schemeClr val="tx1"/>
+                </a:solidFill>
+                <a:latin typeface="+mn-lt"/>
+                <a:ea typeface="+mn-ea"/>
+                <a:cs typeface="+mn-cs"/>
+              </a:defRPr>
+            </a:lvl8pPr>
+            <a:lvl9pPr marL="3657600" algn="l" defTabSz="457200" rtl="0" eaLnBrk="1" latinLnBrk="0" hangingPunct="1">
+              <a:defRPr sz="1800" kern="1200">
+                <a:solidFill>
+                  <a:schemeClr val="tx1"/>
+                </a:solidFill>
+                <a:latin typeface="+mn-lt"/>
+                <a:ea typeface="+mn-ea"/>
+                <a:cs typeface="+mn-cs"/>
+              </a:defRPr>
+            </a:lvl9pPr>
+          </a:lstStyle>
+          <a:p>
+            <a:pPr algn="ctr"/>
+            <a:r>
+              <a:rPr lang="pt-PT" sz="1600" b="1" dirty="0" smtClean="0"/>
               <a:t>HMI para Fabrico Aditivo – Solução Final</a:t>
             </a:r>
             <a:endParaRPr lang="pt-PT" sz="1600" b="1" dirty="0"/>
@@ -12583,7 +11982,6 @@
               <a:rPr lang="pt-PT" sz="3200" b="1" dirty="0" smtClean="0"/>
               <a:t>Resultados Obtidos</a:t>
             </a:r>
-            <a:endParaRPr lang="pt-PT" sz="3200" b="1" dirty="0" smtClean="0"/>
           </a:p>
           <a:p>
             <a:endParaRPr lang="pt-PT" sz="2400" dirty="0" smtClean="0"/>
@@ -12782,7 +12180,7 @@
 </p:sld>
 </file>
 
-<file path=ppt/slides/slide22.xml><?xml version="1.0" encoding="utf-8"?>
+<file path=ppt/slides/slide21.xml><?xml version="1.0" encoding="utf-8"?>
 <p:sld xmlns:a="http://schemas.openxmlformats.org/drawingml/2006/main" xmlns:r="http://schemas.openxmlformats.org/officeDocument/2006/relationships" xmlns:p="http://schemas.openxmlformats.org/presentationml/2006/main">
   <p:cSld>
     <p:spTree>
@@ -12816,7 +12214,7 @@
           <a:p>
             <a:fld id="{422D536B-584E-486B-9435-086987A3D916}" type="slidenum">
               <a:rPr lang="pt-PT" smtClean="0"/>
-              <a:t>22</a:t>
+              <a:t>21</a:t>
             </a:fld>
             <a:endParaRPr lang="pt-PT" dirty="0"/>
           </a:p>
@@ -13159,7 +12557,6 @@
               <a:rPr lang="pt-PT" sz="3200" b="1" dirty="0" smtClean="0"/>
               <a:t>Resultados Obtidos</a:t>
             </a:r>
-            <a:endParaRPr lang="pt-PT" sz="3200" b="1" dirty="0" smtClean="0"/>
           </a:p>
           <a:p>
             <a:endParaRPr lang="pt-PT" sz="2400" dirty="0" smtClean="0"/>
@@ -13343,7 +12740,7 @@
 </p:sld>
 </file>
 
-<file path=ppt/slides/slide23.xml><?xml version="1.0" encoding="utf-8"?>
+<file path=ppt/slides/slide22.xml><?xml version="1.0" encoding="utf-8"?>
 <p:sld xmlns:a="http://schemas.openxmlformats.org/drawingml/2006/main" xmlns:r="http://schemas.openxmlformats.org/officeDocument/2006/relationships" xmlns:p="http://schemas.openxmlformats.org/presentationml/2006/main">
   <p:cSld>
     <p:spTree>
@@ -13377,7 +12774,7 @@
           <a:p>
             <a:fld id="{422D536B-584E-486B-9435-086987A3D916}" type="slidenum">
               <a:rPr lang="pt-PT" smtClean="0"/>
-              <a:t>23</a:t>
+              <a:t>22</a:t>
             </a:fld>
             <a:endParaRPr lang="pt-PT" dirty="0"/>
           </a:p>
@@ -13624,7 +13021,11 @@
             <a:pPr algn="ctr"/>
             <a:r>
               <a:rPr lang="pt-PT" sz="1600" b="1" dirty="0" smtClean="0"/>
-              <a:t>HMI para Fabrico Aditivo – Solução Final</a:t>
+              <a:t>HMI para Fabrico Aditivo – </a:t>
+            </a:r>
+            <a:r>
+              <a:rPr lang="pt-PT" sz="1600" b="1" dirty="0" smtClean="0"/>
+              <a:t>Conclusões</a:t>
             </a:r>
             <a:endParaRPr lang="pt-PT" sz="1600" b="1" dirty="0"/>
           </a:p>
@@ -13720,7 +13121,6 @@
               <a:rPr lang="pt-PT" sz="3200" b="1" dirty="0" smtClean="0"/>
               <a:t>Conclusões</a:t>
             </a:r>
-            <a:endParaRPr lang="pt-PT" sz="3200" b="1" dirty="0" smtClean="0"/>
           </a:p>
           <a:p>
             <a:pPr lvl="2"/>
@@ -13733,7 +13133,11 @@
             </a:pPr>
             <a:r>
               <a:rPr lang="pt-PT" sz="2400" dirty="0" smtClean="0"/>
-              <a:t>Análise e investigação sobre abordagens relacionadas</a:t>
+              <a:t>Análise e investigação sobre abordagens </a:t>
+            </a:r>
+            <a:r>
+              <a:rPr lang="pt-PT" sz="2400" dirty="0" smtClean="0"/>
+              <a:t>relacionadas</a:t>
             </a:r>
           </a:p>
           <a:p>
@@ -13743,8 +13147,9 @@
             </a:pPr>
             <a:r>
               <a:rPr lang="pt-PT" sz="2400" dirty="0" smtClean="0"/>
-              <a:t>Pouca evolução no aproveitamento das tecnologias para o processo de Fabrico Aditivo</a:t>
-            </a:r>
+              <a:t>Potencial de tecnologias emergentes -&gt; pouco aproveitamento para o processo de Fabrico Aditivo</a:t>
+            </a:r>
+            <a:endParaRPr lang="pt-PT" sz="2400" dirty="0" smtClean="0"/>
           </a:p>
           <a:p>
             <a:pPr marL="342900" indent="-342900">
@@ -13753,51 +13158,71 @@
             </a:pPr>
             <a:r>
               <a:rPr lang="pt-PT" sz="2400" dirty="0" smtClean="0"/>
-              <a:t>Criado protótipo funcional que validou arquitetura e tecnologias consideradas</a:t>
-            </a:r>
-            <a:endParaRPr lang="pt-PT" sz="2400" dirty="0" smtClean="0"/>
-          </a:p>
-          <a:p>
-            <a:pPr marL="342900" indent="-342900">
-              <a:buFont typeface="Arial" panose="020B0604020202020204" pitchFamily="34" charset="0"/>
-              <a:buChar char="•"/>
-            </a:pPr>
-            <a:endParaRPr lang="pt-PT" sz="2400" dirty="0" smtClean="0"/>
-          </a:p>
-          <a:p>
-            <a:pPr marL="342900" indent="-342900">
-              <a:buFont typeface="Arial" panose="020B0604020202020204" pitchFamily="34" charset="0"/>
-              <a:buChar char="•"/>
-            </a:pPr>
-            <a:endParaRPr lang="pt-PT" sz="2400" dirty="0"/>
-          </a:p>
-          <a:p>
-            <a:pPr marL="342900" indent="-342900">
-              <a:buFont typeface="Arial" panose="020B0604020202020204" pitchFamily="34" charset="0"/>
-              <a:buChar char="•"/>
-            </a:pPr>
-            <a:endParaRPr lang="pt-PT" sz="2400" dirty="0" smtClean="0"/>
-          </a:p>
-          <a:p>
-            <a:pPr marL="342900" indent="-342900">
-              <a:buFont typeface="Arial" panose="020B0604020202020204" pitchFamily="34" charset="0"/>
-              <a:buChar char="•"/>
-            </a:pPr>
-            <a:endParaRPr lang="pt-PT" sz="2400" dirty="0"/>
-          </a:p>
-          <a:p>
-            <a:pPr marL="342900" indent="-342900">
-              <a:buFont typeface="Arial" panose="020B0604020202020204" pitchFamily="34" charset="0"/>
-              <a:buChar char="•"/>
-            </a:pPr>
-            <a:endParaRPr lang="pt-PT" sz="2400" dirty="0" smtClean="0"/>
-          </a:p>
-          <a:p>
-            <a:pPr marL="342900" indent="-342900">
-              <a:buFont typeface="Arial" panose="020B0604020202020204" pitchFamily="34" charset="0"/>
-              <a:buChar char="•"/>
-            </a:pPr>
-            <a:endParaRPr lang="pt-PT" sz="2400" dirty="0"/>
+              <a:t>Criado </a:t>
+            </a:r>
+            <a:r>
+              <a:rPr lang="pt-PT" sz="2400" dirty="0" smtClean="0"/>
+              <a:t>protótipo </a:t>
+            </a:r>
+            <a:r>
+              <a:rPr lang="pt-PT" sz="2400" dirty="0" smtClean="0"/>
+              <a:t>funcional -&gt; validou </a:t>
+            </a:r>
+            <a:r>
+              <a:rPr lang="pt-PT" sz="2400" dirty="0" smtClean="0"/>
+              <a:t>arquitetura e </a:t>
+            </a:r>
+            <a:r>
+              <a:rPr lang="pt-PT" sz="2400" dirty="0" smtClean="0"/>
+              <a:t>tecnologias</a:t>
+            </a:r>
+          </a:p>
+          <a:p>
+            <a:pPr marL="342900" indent="-342900">
+              <a:buFont typeface="Arial" panose="020B0604020202020204" pitchFamily="34" charset="0"/>
+              <a:buChar char="•"/>
+            </a:pPr>
+            <a:r>
+              <a:rPr lang="pt-PT" sz="2400" dirty="0" smtClean="0"/>
+              <a:t>Levantamento de Requisitos -&gt; Maquetes -&gt; validaram solução proposta</a:t>
+            </a:r>
+          </a:p>
+          <a:p>
+            <a:pPr marL="342900" indent="-342900">
+              <a:buFont typeface="Arial" panose="020B0604020202020204" pitchFamily="34" charset="0"/>
+              <a:buChar char="•"/>
+            </a:pPr>
+            <a:r>
+              <a:rPr lang="pt-PT" sz="2400" dirty="0" smtClean="0"/>
+              <a:t>Desenvolvida solução final -&gt; Impressão de uma peça</a:t>
+            </a:r>
+          </a:p>
+          <a:p>
+            <a:pPr marL="342900" indent="-342900">
+              <a:buFont typeface="Arial" panose="020B0604020202020204" pitchFamily="34" charset="0"/>
+              <a:buChar char="•"/>
+            </a:pPr>
+            <a:r>
+              <a:rPr lang="pt-PT" sz="2400" dirty="0" smtClean="0"/>
+              <a:t>Metodologia de desenvolvimento da interface e processos de avaliação da usabilidade foram fundamentais para atingir objetivos</a:t>
+            </a:r>
+          </a:p>
+          <a:p>
+            <a:pPr marL="342900" indent="-342900">
+              <a:buFont typeface="Arial" panose="020B0604020202020204" pitchFamily="34" charset="0"/>
+              <a:buChar char="•"/>
+            </a:pPr>
+            <a:r>
+              <a:rPr lang="pt-PT" sz="2400" dirty="0" smtClean="0"/>
+              <a:t>Criada solução única e customizada ao processo de Fabrico Aditivo</a:t>
+            </a:r>
+          </a:p>
+          <a:p>
+            <a:pPr marL="800100" lvl="1" indent="-342900">
+              <a:buFont typeface="Arial" panose="020B0604020202020204" pitchFamily="34" charset="0"/>
+              <a:buChar char="•"/>
+            </a:pPr>
+            <a:endParaRPr lang="pt-PT" sz="2400" dirty="0" smtClean="0"/>
           </a:p>
           <a:p>
             <a:pPr marL="342900" indent="-342900">
@@ -13875,7 +13300,7 @@
 </p:sld>
 </file>
 
-<file path=ppt/slides/slide24.xml><?xml version="1.0" encoding="utf-8"?>
+<file path=ppt/slides/slide23.xml><?xml version="1.0" encoding="utf-8"?>
 <p:sld xmlns:a="http://schemas.openxmlformats.org/drawingml/2006/main" xmlns:r="http://schemas.openxmlformats.org/officeDocument/2006/relationships" xmlns:p="http://schemas.openxmlformats.org/presentationml/2006/main">
   <p:cSld>
     <p:spTree>
@@ -13909,7 +13334,7 @@
           <a:p>
             <a:fld id="{422D536B-584E-486B-9435-086987A3D916}" type="slidenum">
               <a:rPr lang="pt-PT" smtClean="0"/>
-              <a:t>24</a:t>
+              <a:t>23</a:t>
             </a:fld>
             <a:endParaRPr lang="pt-PT" dirty="0"/>
           </a:p>
@@ -14156,7 +13581,11 @@
             <a:pPr algn="ctr"/>
             <a:r>
               <a:rPr lang="pt-PT" sz="1600" b="1" dirty="0" smtClean="0"/>
-              <a:t>HMI para Fabrico Aditivo – Solução Final</a:t>
+              <a:t>HMI para Fabrico Aditivo – </a:t>
+            </a:r>
+            <a:r>
+              <a:rPr lang="pt-PT" sz="1600" b="1" dirty="0" smtClean="0"/>
+              <a:t>Trabalho Futuro</a:t>
             </a:r>
             <a:endParaRPr lang="pt-PT" sz="1600" b="1" dirty="0"/>
           </a:p>
@@ -14235,7 +13664,7 @@
         <p:spPr>
           <a:xfrm>
             <a:off x="444999" y="166025"/>
-            <a:ext cx="11187368" cy="6124754"/>
+            <a:ext cx="11187368" cy="5755422"/>
           </a:xfrm>
           <a:prstGeom prst="rect">
             <a:avLst/>
@@ -14252,10 +13681,8 @@
               <a:rPr lang="pt-PT" sz="3200" b="1" dirty="0" smtClean="0"/>
               <a:t>Trabalho Futuro</a:t>
             </a:r>
-            <a:endParaRPr lang="pt-PT" sz="3200" b="1" dirty="0" smtClean="0"/>
-          </a:p>
-          <a:p>
-            <a:pPr lvl="2"/>
+          </a:p>
+          <a:p>
             <a:endParaRPr lang="pt-PT" sz="2400" dirty="0"/>
           </a:p>
           <a:p>
@@ -14265,7 +13692,15 @@
             </a:pPr>
             <a:r>
               <a:rPr lang="pt-PT" sz="2400" dirty="0" smtClean="0"/>
-              <a:t>Análise e investigação sobre abordagens relacionadas</a:t>
+              <a:t>Finalizar requisitos (</a:t>
+            </a:r>
+            <a:r>
+              <a:rPr lang="pt-PT" sz="2400" dirty="0" err="1" smtClean="0"/>
+              <a:t>subobjetivos</a:t>
+            </a:r>
+            <a:r>
+              <a:rPr lang="pt-PT" sz="2400" dirty="0" smtClean="0"/>
+              <a:t>) definidos</a:t>
             </a:r>
           </a:p>
           <a:p>
@@ -14275,18 +13710,79 @@
             </a:pPr>
             <a:r>
               <a:rPr lang="pt-PT" sz="2400" dirty="0" smtClean="0"/>
-              <a:t>Pouca evolução no aproveitamento das tecnologias para o processo de Fabrico Aditivo</a:t>
-            </a:r>
-          </a:p>
-          <a:p>
-            <a:pPr marL="342900" indent="-342900">
+              <a:t>Velocidades de trabalho</a:t>
+            </a:r>
+          </a:p>
+          <a:p>
+            <a:pPr marL="800100" lvl="1" indent="-342900">
               <a:buFont typeface="Arial" panose="020B0604020202020204" pitchFamily="34" charset="0"/>
               <a:buChar char="•"/>
             </a:pPr>
             <a:r>
               <a:rPr lang="pt-PT" sz="2400" dirty="0" smtClean="0"/>
-              <a:t>Criado protótipo funcional que validou arquitetura e tecnologias consideradas</a:t>
-            </a:r>
+              <a:t>Temperaturas</a:t>
+            </a:r>
+          </a:p>
+          <a:p>
+            <a:pPr marL="800100" lvl="1" indent="-342900">
+              <a:buFont typeface="Arial" panose="020B0604020202020204" pitchFamily="34" charset="0"/>
+              <a:buChar char="•"/>
+            </a:pPr>
+            <a:r>
+              <a:rPr lang="pt-PT" sz="2400" dirty="0" smtClean="0"/>
+              <a:t>Controlo dos sistemas de aquecimento e insuflação de ar</a:t>
+            </a:r>
+          </a:p>
+          <a:p>
+            <a:pPr marL="800100" lvl="1" indent="-342900">
+              <a:buFont typeface="Arial" panose="020B0604020202020204" pitchFamily="34" charset="0"/>
+              <a:buChar char="•"/>
+            </a:pPr>
+            <a:r>
+              <a:rPr lang="pt-PT" sz="2400" dirty="0" smtClean="0"/>
+              <a:t>Modo de Operação MDI</a:t>
+            </a:r>
+          </a:p>
+          <a:p>
+            <a:pPr marL="800100" lvl="1" indent="-342900">
+              <a:buFont typeface="Arial" panose="020B0604020202020204" pitchFamily="34" charset="0"/>
+              <a:buChar char="•"/>
+            </a:pPr>
+            <a:r>
+              <a:rPr lang="pt-PT" sz="2400" dirty="0" smtClean="0"/>
+              <a:t>Comandos de controlo do </a:t>
+            </a:r>
+            <a:r>
+              <a:rPr lang="pt-PT" sz="2400" dirty="0" err="1" smtClean="0"/>
+              <a:t>extrusor</a:t>
+            </a:r>
+            <a:endParaRPr lang="pt-PT" sz="2400" dirty="0" smtClean="0"/>
+          </a:p>
+          <a:p>
+            <a:pPr marL="800100" lvl="1" indent="-342900">
+              <a:buFont typeface="Arial" panose="020B0604020202020204" pitchFamily="34" charset="0"/>
+              <a:buChar char="•"/>
+            </a:pPr>
+            <a:r>
+              <a:rPr lang="pt-PT" sz="2400" dirty="0" smtClean="0"/>
+              <a:t>Iluminação da câmara</a:t>
+            </a:r>
+          </a:p>
+          <a:p>
+            <a:pPr marL="342900" indent="-342900">
+              <a:buFont typeface="Arial" panose="020B0604020202020204" pitchFamily="34" charset="0"/>
+              <a:buChar char="•"/>
+            </a:pPr>
+            <a:r>
+              <a:rPr lang="pt-PT" sz="2400" dirty="0" smtClean="0"/>
+              <a:t>Integração de módulo de Realidade Aumentada para visualização da peça</a:t>
+            </a:r>
+          </a:p>
+          <a:p>
+            <a:pPr marL="342900" indent="-342900">
+              <a:buFont typeface="Arial" panose="020B0604020202020204" pitchFamily="34" charset="0"/>
+              <a:buChar char="•"/>
+            </a:pPr>
             <a:endParaRPr lang="pt-PT" sz="2400" dirty="0" smtClean="0"/>
           </a:p>
           <a:p>
@@ -14309,44 +13805,6 @@
               <a:buChar char="•"/>
             </a:pPr>
             <a:endParaRPr lang="pt-PT" sz="2400" dirty="0" smtClean="0"/>
-          </a:p>
-          <a:p>
-            <a:pPr marL="342900" indent="-342900">
-              <a:buFont typeface="Arial" panose="020B0604020202020204" pitchFamily="34" charset="0"/>
-              <a:buChar char="•"/>
-            </a:pPr>
-            <a:endParaRPr lang="pt-PT" sz="2400" dirty="0"/>
-          </a:p>
-          <a:p>
-            <a:pPr marL="342900" indent="-342900">
-              <a:buFont typeface="Arial" panose="020B0604020202020204" pitchFamily="34" charset="0"/>
-              <a:buChar char="•"/>
-            </a:pPr>
-            <a:endParaRPr lang="pt-PT" sz="2400" dirty="0" smtClean="0"/>
-          </a:p>
-          <a:p>
-            <a:pPr marL="342900" indent="-342900">
-              <a:buFont typeface="Arial" panose="020B0604020202020204" pitchFamily="34" charset="0"/>
-              <a:buChar char="•"/>
-            </a:pPr>
-            <a:endParaRPr lang="pt-PT" sz="2400" dirty="0"/>
-          </a:p>
-          <a:p>
-            <a:pPr marL="342900" indent="-342900">
-              <a:buFont typeface="Arial" panose="020B0604020202020204" pitchFamily="34" charset="0"/>
-              <a:buChar char="•"/>
-            </a:pPr>
-            <a:endParaRPr lang="pt-PT" sz="2400" dirty="0" smtClean="0"/>
-          </a:p>
-          <a:p>
-            <a:pPr marL="342900" indent="-342900">
-              <a:buFont typeface="Arial" panose="020B0604020202020204" pitchFamily="34" charset="0"/>
-              <a:buChar char="•"/>
-            </a:pPr>
-            <a:endParaRPr lang="pt-PT" sz="2400" dirty="0"/>
-          </a:p>
-          <a:p>
-            <a:endParaRPr lang="pt-PT" sz="2400" dirty="0"/>
           </a:p>
           <a:p>
             <a:pPr marL="342900" indent="-342900">
@@ -14407,7 +13865,7 @@
 </p:sld>
 </file>
 
-<file path=ppt/slides/slide25.xml><?xml version="1.0" encoding="utf-8"?>
+<file path=ppt/slides/slide24.xml><?xml version="1.0" encoding="utf-8"?>
 <p:sld xmlns:a="http://schemas.openxmlformats.org/drawingml/2006/main" xmlns:r="http://schemas.openxmlformats.org/officeDocument/2006/relationships" xmlns:p="http://schemas.openxmlformats.org/presentationml/2006/main">
   <p:cSld>
     <p:spTree>
@@ -14426,7 +13884,97 @@
       </p:grpSpPr>
       <p:sp>
         <p:nvSpPr>
-          <p:cNvPr id="2" name="Slide Number Placeholder 1"/>
+          <p:cNvPr id="2" name="Title 1"/>
+          <p:cNvSpPr>
+            <a:spLocks noGrp="1"/>
+          </p:cNvSpPr>
+          <p:nvPr>
+            <p:ph type="ctrTitle"/>
+          </p:nvPr>
+        </p:nvSpPr>
+        <p:spPr>
+          <a:xfrm>
+            <a:off x="1097280" y="2013615"/>
+            <a:ext cx="10058400" cy="1453025"/>
+          </a:xfrm>
+        </p:spPr>
+        <p:txBody>
+          <a:bodyPr/>
+          <a:lstStyle/>
+          <a:p>
+            <a:pPr algn="ctr"/>
+            <a:r>
+              <a:rPr lang="pt-PT" dirty="0" smtClean="0"/>
+              <a:t>Questões?</a:t>
+            </a:r>
+            <a:endParaRPr lang="pt-PT" dirty="0"/>
+          </a:p>
+        </p:txBody>
+      </p:sp>
+      <p:sp>
+        <p:nvSpPr>
+          <p:cNvPr id="3" name="Subtitle 2"/>
+          <p:cNvSpPr>
+            <a:spLocks noGrp="1"/>
+          </p:cNvSpPr>
+          <p:nvPr>
+            <p:ph type="subTitle" idx="1"/>
+          </p:nvPr>
+        </p:nvSpPr>
+        <p:spPr>
+          <a:xfrm>
+            <a:off x="4084320" y="4002518"/>
+            <a:ext cx="4084320" cy="2124474"/>
+          </a:xfrm>
+        </p:spPr>
+        <p:txBody>
+          <a:bodyPr>
+            <a:normAutofit fontScale="92500" lnSpcReduction="20000"/>
+          </a:bodyPr>
+          <a:lstStyle/>
+          <a:p>
+            <a:endParaRPr lang="pt-PT" dirty="0" smtClean="0"/>
+          </a:p>
+          <a:p>
+            <a:endParaRPr lang="pt-PT" dirty="0"/>
+          </a:p>
+          <a:p>
+            <a:endParaRPr lang="pt-PT" dirty="0" smtClean="0"/>
+          </a:p>
+          <a:p>
+            <a:r>
+              <a:rPr lang="pt-PT" dirty="0" smtClean="0"/>
+              <a:t>Marco </a:t>
+            </a:r>
+            <a:r>
+              <a:rPr lang="pt-PT" dirty="0"/>
+              <a:t>rodrigues </a:t>
+            </a:r>
+            <a:r>
+              <a:rPr lang="pt-PT" dirty="0" smtClean="0"/>
+              <a:t>nº4652</a:t>
+            </a:r>
+          </a:p>
+          <a:p>
+            <a:r>
+              <a:rPr lang="pt-PT" dirty="0" smtClean="0"/>
+              <a:t>marcorodrigues@ipvc.pt</a:t>
+            </a:r>
+          </a:p>
+          <a:p>
+            <a:endParaRPr lang="pt-PT" dirty="0"/>
+          </a:p>
+          <a:p>
+            <a:endParaRPr lang="pt-PT" dirty="0" smtClean="0"/>
+          </a:p>
+          <a:p>
+            <a:endParaRPr lang="pt-PT" dirty="0" smtClean="0"/>
+          </a:p>
+        </p:txBody>
+      </p:sp>
+      <p:sp>
+        <p:nvSpPr>
+          <p:cNvPr id="6" name="Slide Number Placeholder 5"/>
           <p:cNvSpPr>
             <a:spLocks noGrp="1"/>
           </p:cNvSpPr>
@@ -14441,7 +13989,7 @@
           <a:p>
             <a:fld id="{422D536B-584E-486B-9435-086987A3D916}" type="slidenum">
               <a:rPr lang="pt-PT" smtClean="0"/>
-              <a:t>25</a:t>
+              <a:t>24</a:t>
             </a:fld>
             <a:endParaRPr lang="pt-PT" dirty="0"/>
           </a:p>
@@ -14449,7 +13997,7 @@
       </p:sp>
       <p:sp>
         <p:nvSpPr>
-          <p:cNvPr id="6" name="Slide Number Placeholder 5"/>
+          <p:cNvPr id="8" name="Slide Number Placeholder 5"/>
           <p:cNvSpPr txBox="1">
             <a:spLocks/>
           </p:cNvSpPr>
@@ -14572,541 +14120,6 @@
       </p:sp>
       <p:sp>
         <p:nvSpPr>
-          <p:cNvPr id="10" name="Slide Number Placeholder 5"/>
-          <p:cNvSpPr txBox="1">
-            <a:spLocks/>
-          </p:cNvSpPr>
-          <p:nvPr/>
-        </p:nvSpPr>
-        <p:spPr>
-          <a:xfrm>
-            <a:off x="3753131" y="6459785"/>
-            <a:ext cx="4746698" cy="332035"/>
-          </a:xfrm>
-          <a:prstGeom prst="rect">
-            <a:avLst/>
-          </a:prstGeom>
-        </p:spPr>
-        <p:txBody>
-          <a:bodyPr vert="horz" lIns="91440" tIns="45720" rIns="91440" bIns="45720" rtlCol="0" anchor="ctr"/>
-          <a:lstStyle>
-            <a:defPPr>
-              <a:defRPr lang="en-US"/>
-            </a:defPPr>
-            <a:lvl1pPr marL="0" algn="r" defTabSz="457200" rtl="0" eaLnBrk="1" latinLnBrk="0" hangingPunct="1">
-              <a:defRPr sz="1050" kern="1200">
-                <a:solidFill>
-                  <a:srgbClr val="FFFFFF"/>
-                </a:solidFill>
-                <a:latin typeface="+mn-lt"/>
-                <a:ea typeface="+mn-ea"/>
-                <a:cs typeface="+mn-cs"/>
-              </a:defRPr>
-            </a:lvl1pPr>
-            <a:lvl2pPr marL="457200" algn="l" defTabSz="457200" rtl="0" eaLnBrk="1" latinLnBrk="0" hangingPunct="1">
-              <a:defRPr sz="1800" kern="1200">
-                <a:solidFill>
-                  <a:schemeClr val="tx1"/>
-                </a:solidFill>
-                <a:latin typeface="+mn-lt"/>
-                <a:ea typeface="+mn-ea"/>
-                <a:cs typeface="+mn-cs"/>
-              </a:defRPr>
-            </a:lvl2pPr>
-            <a:lvl3pPr marL="914400" algn="l" defTabSz="457200" rtl="0" eaLnBrk="1" latinLnBrk="0" hangingPunct="1">
-              <a:defRPr sz="1800" kern="1200">
-                <a:solidFill>
-                  <a:schemeClr val="tx1"/>
-                </a:solidFill>
-                <a:latin typeface="+mn-lt"/>
-                <a:ea typeface="+mn-ea"/>
-                <a:cs typeface="+mn-cs"/>
-              </a:defRPr>
-            </a:lvl3pPr>
-            <a:lvl4pPr marL="1371600" algn="l" defTabSz="457200" rtl="0" eaLnBrk="1" latinLnBrk="0" hangingPunct="1">
-              <a:defRPr sz="1800" kern="1200">
-                <a:solidFill>
-                  <a:schemeClr val="tx1"/>
-                </a:solidFill>
-                <a:latin typeface="+mn-lt"/>
-                <a:ea typeface="+mn-ea"/>
-                <a:cs typeface="+mn-cs"/>
-              </a:defRPr>
-            </a:lvl4pPr>
-            <a:lvl5pPr marL="1828800" algn="l" defTabSz="457200" rtl="0" eaLnBrk="1" latinLnBrk="0" hangingPunct="1">
-              <a:defRPr sz="1800" kern="1200">
-                <a:solidFill>
-                  <a:schemeClr val="tx1"/>
-                </a:solidFill>
-                <a:latin typeface="+mn-lt"/>
-                <a:ea typeface="+mn-ea"/>
-                <a:cs typeface="+mn-cs"/>
-              </a:defRPr>
-            </a:lvl5pPr>
-            <a:lvl6pPr marL="2286000" algn="l" defTabSz="457200" rtl="0" eaLnBrk="1" latinLnBrk="0" hangingPunct="1">
-              <a:defRPr sz="1800" kern="1200">
-                <a:solidFill>
-                  <a:schemeClr val="tx1"/>
-                </a:solidFill>
-                <a:latin typeface="+mn-lt"/>
-                <a:ea typeface="+mn-ea"/>
-                <a:cs typeface="+mn-cs"/>
-              </a:defRPr>
-            </a:lvl6pPr>
-            <a:lvl7pPr marL="2743200" algn="l" defTabSz="457200" rtl="0" eaLnBrk="1" latinLnBrk="0" hangingPunct="1">
-              <a:defRPr sz="1800" kern="1200">
-                <a:solidFill>
-                  <a:schemeClr val="tx1"/>
-                </a:solidFill>
-                <a:latin typeface="+mn-lt"/>
-                <a:ea typeface="+mn-ea"/>
-                <a:cs typeface="+mn-cs"/>
-              </a:defRPr>
-            </a:lvl7pPr>
-            <a:lvl8pPr marL="3200400" algn="l" defTabSz="457200" rtl="0" eaLnBrk="1" latinLnBrk="0" hangingPunct="1">
-              <a:defRPr sz="1800" kern="1200">
-                <a:solidFill>
-                  <a:schemeClr val="tx1"/>
-                </a:solidFill>
-                <a:latin typeface="+mn-lt"/>
-                <a:ea typeface="+mn-ea"/>
-                <a:cs typeface="+mn-cs"/>
-              </a:defRPr>
-            </a:lvl8pPr>
-            <a:lvl9pPr marL="3657600" algn="l" defTabSz="457200" rtl="0" eaLnBrk="1" latinLnBrk="0" hangingPunct="1">
-              <a:defRPr sz="1800" kern="1200">
-                <a:solidFill>
-                  <a:schemeClr val="tx1"/>
-                </a:solidFill>
-                <a:latin typeface="+mn-lt"/>
-                <a:ea typeface="+mn-ea"/>
-                <a:cs typeface="+mn-cs"/>
-              </a:defRPr>
-            </a:lvl9pPr>
-          </a:lstStyle>
-          <a:p>
-            <a:pPr algn="ctr"/>
-            <a:r>
-              <a:rPr lang="pt-PT" sz="1600" b="1" dirty="0" smtClean="0"/>
-              <a:t>HMI para Fabrico Aditivo – Conclusões Preliminares</a:t>
-            </a:r>
-            <a:endParaRPr lang="pt-PT" sz="1600" b="1" dirty="0"/>
-          </a:p>
-        </p:txBody>
-      </p:sp>
-      <p:sp>
-        <p:nvSpPr>
-          <p:cNvPr id="8" name="TextBox 6"/>
-          <p:cNvSpPr txBox="1"/>
-          <p:nvPr/>
-        </p:nvSpPr>
-        <p:spPr>
-          <a:xfrm>
-            <a:off x="252980" y="300496"/>
-            <a:ext cx="11257702" cy="4524315"/>
-          </a:xfrm>
-          <a:prstGeom prst="rect">
-            <a:avLst/>
-          </a:prstGeom>
-          <a:noFill/>
-        </p:spPr>
-        <p:txBody>
-          <a:bodyPr wrap="square" rtlCol="0">
-            <a:spAutoFit/>
-          </a:bodyPr>
-          <a:lstStyle/>
-          <a:p>
-            <a:r>
-              <a:rPr lang="pt-PT" sz="2400" b="1" u="sng" dirty="0" smtClean="0"/>
-              <a:t>Conclusões Preliminares</a:t>
-            </a:r>
-            <a:endParaRPr lang="pt-PT" sz="2400" b="1" u="sng" dirty="0"/>
-          </a:p>
-          <a:p>
-            <a:endParaRPr lang="pt-PT" sz="2400" dirty="0" smtClean="0"/>
-          </a:p>
-          <a:p>
-            <a:endParaRPr lang="pt-PT" sz="2400" dirty="0" smtClean="0"/>
-          </a:p>
-          <a:p>
-            <a:pPr marL="342900" indent="-342900">
-              <a:buFont typeface="Arial" panose="020B0604020202020204" pitchFamily="34" charset="0"/>
-              <a:buChar char="•"/>
-            </a:pPr>
-            <a:endParaRPr lang="pt-PT" sz="2400" dirty="0" smtClean="0"/>
-          </a:p>
-          <a:p>
-            <a:pPr marL="342900" indent="-342900">
-              <a:buFont typeface="Arial" panose="020B0604020202020204" pitchFamily="34" charset="0"/>
-              <a:buChar char="•"/>
-            </a:pPr>
-            <a:r>
-              <a:rPr lang="pt-PT" sz="2400" dirty="0" smtClean="0"/>
-              <a:t>Proposta de projeto para desenvolver HMI adaptada ao processo de Fabrico Aditivo</a:t>
-            </a:r>
-          </a:p>
-          <a:p>
-            <a:pPr marL="342900" indent="-342900">
-              <a:buFont typeface="Arial" panose="020B0604020202020204" pitchFamily="34" charset="0"/>
-              <a:buChar char="•"/>
-            </a:pPr>
-            <a:endParaRPr lang="pt-PT" sz="2400" dirty="0"/>
-          </a:p>
-          <a:p>
-            <a:pPr marL="342900" indent="-342900">
-              <a:buFont typeface="Arial" panose="020B0604020202020204" pitchFamily="34" charset="0"/>
-              <a:buChar char="•"/>
-            </a:pPr>
-            <a:r>
-              <a:rPr lang="pt-PT" sz="2400" dirty="0" smtClean="0"/>
-              <a:t>Estudo do estado da arte onde se encontraram alguns casos relacionados</a:t>
-            </a:r>
-          </a:p>
-          <a:p>
-            <a:pPr marL="342900" indent="-342900">
-              <a:buFont typeface="Arial" panose="020B0604020202020204" pitchFamily="34" charset="0"/>
-              <a:buChar char="•"/>
-            </a:pPr>
-            <a:endParaRPr lang="pt-PT" sz="2400" dirty="0"/>
-          </a:p>
-          <a:p>
-            <a:pPr marL="342900" indent="-342900">
-              <a:buFont typeface="Arial" panose="020B0604020202020204" pitchFamily="34" charset="0"/>
-              <a:buChar char="•"/>
-            </a:pPr>
-            <a:r>
-              <a:rPr lang="pt-PT" sz="2400" dirty="0" smtClean="0"/>
-              <a:t>Desenvolvimento de um protótipo funcional </a:t>
-            </a:r>
-            <a:r>
-              <a:rPr lang="pt-PT" sz="2400" dirty="0" smtClean="0">
-                <a:sym typeface="Wingdings" panose="05000000000000000000" pitchFamily="2" charset="2"/>
-              </a:rPr>
-              <a:t>Arquitetura e tecnologias utilizadas validadas</a:t>
-            </a:r>
-            <a:endParaRPr lang="pt-PT" sz="2400" dirty="0" smtClean="0"/>
-          </a:p>
-          <a:p>
-            <a:pPr marL="342900" indent="-342900">
-              <a:buFont typeface="Arial" panose="020B0604020202020204" pitchFamily="34" charset="0"/>
-              <a:buChar char="•"/>
-            </a:pPr>
-            <a:endParaRPr lang="pt-PT" sz="2400" dirty="0"/>
-          </a:p>
-          <a:p>
-            <a:pPr marL="342900" indent="-342900">
-              <a:buFont typeface="Arial" panose="020B0604020202020204" pitchFamily="34" charset="0"/>
-              <a:buChar char="•"/>
-            </a:pPr>
-            <a:endParaRPr lang="pt-PT" sz="2400" dirty="0" smtClean="0"/>
-          </a:p>
-        </p:txBody>
-      </p:sp>
-      <p:pic>
-        <p:nvPicPr>
-          <p:cNvPr id="7" name="Imagem 6"/>
-          <p:cNvPicPr>
-            <a:picLocks noChangeAspect="1"/>
-          </p:cNvPicPr>
-          <p:nvPr/>
-        </p:nvPicPr>
-        <p:blipFill>
-          <a:blip r:embed="rId2" cstate="print">
-            <a:extLst>
-              <a:ext uri="{28A0092B-C50C-407E-A947-70E740481C1C}">
-                <a14:useLocalDpi xmlns:a14="http://schemas.microsoft.com/office/drawing/2010/main" val="0"/>
-              </a:ext>
-            </a:extLst>
-          </a:blip>
-          <a:stretch>
-            <a:fillRect/>
-          </a:stretch>
-        </p:blipFill>
-        <p:spPr>
-          <a:xfrm>
-            <a:off x="10556470" y="132544"/>
-            <a:ext cx="1555746" cy="1037905"/>
-          </a:xfrm>
-          <a:prstGeom prst="rect">
-            <a:avLst/>
-          </a:prstGeom>
-        </p:spPr>
-      </p:pic>
-    </p:spTree>
-    <p:extLst>
-      <p:ext uri="{BB962C8B-B14F-4D97-AF65-F5344CB8AC3E}">
-        <p14:creationId xmlns:p14="http://schemas.microsoft.com/office/powerpoint/2010/main" val="2252076618"/>
-      </p:ext>
-    </p:extLst>
-  </p:cSld>
-  <p:clrMapOvr>
-    <a:masterClrMapping/>
-  </p:clrMapOvr>
-  <p:timing>
-    <p:tnLst>
-      <p:par>
-        <p:cTn id="1" dur="indefinite" restart="never" nodeType="tmRoot"/>
-      </p:par>
-    </p:tnLst>
-  </p:timing>
-</p:sld>
-</file>
-
-<file path=ppt/slides/slide26.xml><?xml version="1.0" encoding="utf-8"?>
-<p:sld xmlns:a="http://schemas.openxmlformats.org/drawingml/2006/main" xmlns:r="http://schemas.openxmlformats.org/officeDocument/2006/relationships" xmlns:p="http://schemas.openxmlformats.org/presentationml/2006/main">
-  <p:cSld>
-    <p:spTree>
-      <p:nvGrpSpPr>
-        <p:cNvPr id="1" name=""/>
-        <p:cNvGrpSpPr/>
-        <p:nvPr/>
-      </p:nvGrpSpPr>
-      <p:grpSpPr>
-        <a:xfrm>
-          <a:off x="0" y="0"/>
-          <a:ext cx="0" cy="0"/>
-          <a:chOff x="0" y="0"/>
-          <a:chExt cx="0" cy="0"/>
-        </a:xfrm>
-      </p:grpSpPr>
-      <p:sp>
-        <p:nvSpPr>
-          <p:cNvPr id="2" name="Title 1"/>
-          <p:cNvSpPr>
-            <a:spLocks noGrp="1"/>
-          </p:cNvSpPr>
-          <p:nvPr>
-            <p:ph type="ctrTitle"/>
-          </p:nvPr>
-        </p:nvSpPr>
-        <p:spPr>
-          <a:xfrm>
-            <a:off x="1097280" y="2013615"/>
-            <a:ext cx="10058400" cy="1453025"/>
-          </a:xfrm>
-        </p:spPr>
-        <p:txBody>
-          <a:bodyPr/>
-          <a:lstStyle/>
-          <a:p>
-            <a:pPr algn="ctr"/>
-            <a:r>
-              <a:rPr lang="pt-PT" dirty="0" smtClean="0"/>
-              <a:t>Questões?</a:t>
-            </a:r>
-            <a:endParaRPr lang="pt-PT" dirty="0"/>
-          </a:p>
-        </p:txBody>
-      </p:sp>
-      <p:sp>
-        <p:nvSpPr>
-          <p:cNvPr id="3" name="Subtitle 2"/>
-          <p:cNvSpPr>
-            <a:spLocks noGrp="1"/>
-          </p:cNvSpPr>
-          <p:nvPr>
-            <p:ph type="subTitle" idx="1"/>
-          </p:nvPr>
-        </p:nvSpPr>
-        <p:spPr>
-          <a:xfrm>
-            <a:off x="4084320" y="4002518"/>
-            <a:ext cx="4084320" cy="2124474"/>
-          </a:xfrm>
-        </p:spPr>
-        <p:txBody>
-          <a:bodyPr>
-            <a:normAutofit fontScale="92500" lnSpcReduction="20000"/>
-          </a:bodyPr>
-          <a:lstStyle/>
-          <a:p>
-            <a:endParaRPr lang="pt-PT" dirty="0" smtClean="0"/>
-          </a:p>
-          <a:p>
-            <a:endParaRPr lang="pt-PT" dirty="0"/>
-          </a:p>
-          <a:p>
-            <a:endParaRPr lang="pt-PT" dirty="0" smtClean="0"/>
-          </a:p>
-          <a:p>
-            <a:r>
-              <a:rPr lang="pt-PT" dirty="0" smtClean="0"/>
-              <a:t>Marco </a:t>
-            </a:r>
-            <a:r>
-              <a:rPr lang="pt-PT" dirty="0"/>
-              <a:t>rodrigues </a:t>
-            </a:r>
-            <a:r>
-              <a:rPr lang="pt-PT" dirty="0" smtClean="0"/>
-              <a:t>nº4652</a:t>
-            </a:r>
-          </a:p>
-          <a:p>
-            <a:r>
-              <a:rPr lang="pt-PT" dirty="0" smtClean="0"/>
-              <a:t>marcorodrigues@ipvc.pt</a:t>
-            </a:r>
-          </a:p>
-          <a:p>
-            <a:endParaRPr lang="pt-PT" dirty="0"/>
-          </a:p>
-          <a:p>
-            <a:endParaRPr lang="pt-PT" dirty="0" smtClean="0"/>
-          </a:p>
-          <a:p>
-            <a:endParaRPr lang="pt-PT" dirty="0" smtClean="0"/>
-          </a:p>
-        </p:txBody>
-      </p:sp>
-      <p:sp>
-        <p:nvSpPr>
-          <p:cNvPr id="6" name="Slide Number Placeholder 5"/>
-          <p:cNvSpPr>
-            <a:spLocks noGrp="1"/>
-          </p:cNvSpPr>
-          <p:nvPr>
-            <p:ph type="sldNum" sz="quarter" idx="12"/>
-          </p:nvPr>
-        </p:nvSpPr>
-        <p:spPr/>
-        <p:txBody>
-          <a:bodyPr/>
-          <a:lstStyle/>
-          <a:p>
-            <a:fld id="{422D536B-584E-486B-9435-086987A3D916}" type="slidenum">
-              <a:rPr lang="pt-PT" smtClean="0"/>
-              <a:t>26</a:t>
-            </a:fld>
-            <a:endParaRPr lang="pt-PT" dirty="0"/>
-          </a:p>
-        </p:txBody>
-      </p:sp>
-      <p:sp>
-        <p:nvSpPr>
-          <p:cNvPr id="8" name="Slide Number Placeholder 5"/>
-          <p:cNvSpPr txBox="1">
-            <a:spLocks/>
-          </p:cNvSpPr>
-          <p:nvPr/>
-        </p:nvSpPr>
-        <p:spPr>
-          <a:xfrm>
-            <a:off x="0" y="6464982"/>
-            <a:ext cx="475129" cy="365125"/>
-          </a:xfrm>
-          <a:prstGeom prst="rect">
-            <a:avLst/>
-          </a:prstGeom>
-        </p:spPr>
-        <p:txBody>
-          <a:bodyPr vert="horz" lIns="91440" tIns="45720" rIns="91440" bIns="45720" rtlCol="0" anchor="ctr"/>
-          <a:lstStyle>
-            <a:defPPr>
-              <a:defRPr lang="en-US"/>
-            </a:defPPr>
-            <a:lvl1pPr marL="0" algn="r" defTabSz="457200" rtl="0" eaLnBrk="1" latinLnBrk="0" hangingPunct="1">
-              <a:defRPr sz="1050" kern="1200">
-                <a:solidFill>
-                  <a:srgbClr val="FFFFFF"/>
-                </a:solidFill>
-                <a:latin typeface="+mn-lt"/>
-                <a:ea typeface="+mn-ea"/>
-                <a:cs typeface="+mn-cs"/>
-              </a:defRPr>
-            </a:lvl1pPr>
-            <a:lvl2pPr marL="457200" algn="l" defTabSz="457200" rtl="0" eaLnBrk="1" latinLnBrk="0" hangingPunct="1">
-              <a:defRPr sz="1800" kern="1200">
-                <a:solidFill>
-                  <a:schemeClr val="tx1"/>
-                </a:solidFill>
-                <a:latin typeface="+mn-lt"/>
-                <a:ea typeface="+mn-ea"/>
-                <a:cs typeface="+mn-cs"/>
-              </a:defRPr>
-            </a:lvl2pPr>
-            <a:lvl3pPr marL="914400" algn="l" defTabSz="457200" rtl="0" eaLnBrk="1" latinLnBrk="0" hangingPunct="1">
-              <a:defRPr sz="1800" kern="1200">
-                <a:solidFill>
-                  <a:schemeClr val="tx1"/>
-                </a:solidFill>
-                <a:latin typeface="+mn-lt"/>
-                <a:ea typeface="+mn-ea"/>
-                <a:cs typeface="+mn-cs"/>
-              </a:defRPr>
-            </a:lvl3pPr>
-            <a:lvl4pPr marL="1371600" algn="l" defTabSz="457200" rtl="0" eaLnBrk="1" latinLnBrk="0" hangingPunct="1">
-              <a:defRPr sz="1800" kern="1200">
-                <a:solidFill>
-                  <a:schemeClr val="tx1"/>
-                </a:solidFill>
-                <a:latin typeface="+mn-lt"/>
-                <a:ea typeface="+mn-ea"/>
-                <a:cs typeface="+mn-cs"/>
-              </a:defRPr>
-            </a:lvl4pPr>
-            <a:lvl5pPr marL="1828800" algn="l" defTabSz="457200" rtl="0" eaLnBrk="1" latinLnBrk="0" hangingPunct="1">
-              <a:defRPr sz="1800" kern="1200">
-                <a:solidFill>
-                  <a:schemeClr val="tx1"/>
-                </a:solidFill>
-                <a:latin typeface="+mn-lt"/>
-                <a:ea typeface="+mn-ea"/>
-                <a:cs typeface="+mn-cs"/>
-              </a:defRPr>
-            </a:lvl5pPr>
-            <a:lvl6pPr marL="2286000" algn="l" defTabSz="457200" rtl="0" eaLnBrk="1" latinLnBrk="0" hangingPunct="1">
-              <a:defRPr sz="1800" kern="1200">
-                <a:solidFill>
-                  <a:schemeClr val="tx1"/>
-                </a:solidFill>
-                <a:latin typeface="+mn-lt"/>
-                <a:ea typeface="+mn-ea"/>
-                <a:cs typeface="+mn-cs"/>
-              </a:defRPr>
-            </a:lvl6pPr>
-            <a:lvl7pPr marL="2743200" algn="l" defTabSz="457200" rtl="0" eaLnBrk="1" latinLnBrk="0" hangingPunct="1">
-              <a:defRPr sz="1800" kern="1200">
-                <a:solidFill>
-                  <a:schemeClr val="tx1"/>
-                </a:solidFill>
-                <a:latin typeface="+mn-lt"/>
-                <a:ea typeface="+mn-ea"/>
-                <a:cs typeface="+mn-cs"/>
-              </a:defRPr>
-            </a:lvl7pPr>
-            <a:lvl8pPr marL="3200400" algn="l" defTabSz="457200" rtl="0" eaLnBrk="1" latinLnBrk="0" hangingPunct="1">
-              <a:defRPr sz="1800" kern="1200">
-                <a:solidFill>
-                  <a:schemeClr val="tx1"/>
-                </a:solidFill>
-                <a:latin typeface="+mn-lt"/>
-                <a:ea typeface="+mn-ea"/>
-                <a:cs typeface="+mn-cs"/>
-              </a:defRPr>
-            </a:lvl8pPr>
-            <a:lvl9pPr marL="3657600" algn="l" defTabSz="457200" rtl="0" eaLnBrk="1" latinLnBrk="0" hangingPunct="1">
-              <a:defRPr sz="1800" kern="1200">
-                <a:solidFill>
-                  <a:schemeClr val="tx1"/>
-                </a:solidFill>
-                <a:latin typeface="+mn-lt"/>
-                <a:ea typeface="+mn-ea"/>
-                <a:cs typeface="+mn-cs"/>
-              </a:defRPr>
-            </a:lvl9pPr>
-          </a:lstStyle>
-          <a:p>
-            <a:r>
-              <a:rPr lang="pt-PT" dirty="0" smtClean="0"/>
-              <a:t>IPVC</a:t>
-            </a:r>
-            <a:endParaRPr lang="pt-PT" dirty="0"/>
-          </a:p>
-        </p:txBody>
-      </p:sp>
-      <p:sp>
-        <p:nvSpPr>
           <p:cNvPr id="9" name="Slide Number Placeholder 5"/>
           <p:cNvSpPr txBox="1">
             <a:spLocks/>
@@ -15223,15 +14236,7 @@
             <a:pPr algn="ctr"/>
             <a:r>
               <a:rPr lang="pt-PT" sz="1600" b="1" dirty="0" smtClean="0"/>
-              <a:t>HMI</a:t>
-            </a:r>
-            <a:r>
-              <a:rPr lang="pt-PT" sz="1600" b="1" dirty="0" smtClean="0"/>
-              <a:t> </a:t>
-            </a:r>
-            <a:r>
-              <a:rPr lang="pt-PT" sz="1600" b="1" dirty="0" smtClean="0"/>
-              <a:t>para Fabrico Aditivo – Fim</a:t>
+              <a:t>HMI para Fabrico Aditivo – Fim</a:t>
             </a:r>
             <a:endParaRPr lang="pt-PT" sz="1600" b="1" dirty="0"/>
           </a:p>
@@ -16524,7 +15529,7 @@
         <p:spPr>
           <a:xfrm>
             <a:off x="444999" y="166025"/>
-            <a:ext cx="11677331" cy="10618291"/>
+            <a:ext cx="11677331" cy="6124754"/>
           </a:xfrm>
           <a:prstGeom prst="rect">
             <a:avLst/>
@@ -16583,11 +15588,11 @@
           </a:p>
           <a:p>
             <a:r>
-              <a:rPr lang="pt-PT" sz="2400" dirty="0" err="1" smtClean="0"/>
+              <a:rPr lang="pt-PT" sz="2000" u="sng" dirty="0" err="1" smtClean="0"/>
               <a:t>Sub-Objetivos</a:t>
             </a:r>
             <a:r>
-              <a:rPr lang="pt-PT" sz="2400" dirty="0" smtClean="0"/>
+              <a:rPr lang="pt-PT" sz="2000" u="sng" dirty="0" smtClean="0"/>
               <a:t>:</a:t>
             </a:r>
           </a:p>
@@ -16734,83 +15739,6 @@
               <a:rPr lang="pt-PT" sz="2000" dirty="0" smtClean="0"/>
               <a:t>Módulo de Realidade Aumentada para visualização da peça a ser impressa</a:t>
             </a:r>
-          </a:p>
-          <a:p>
-            <a:pPr marL="342900" indent="-342900">
-              <a:buFont typeface="Arial" panose="020B0604020202020204" pitchFamily="34" charset="0"/>
-              <a:buChar char="•"/>
-            </a:pPr>
-            <a:endParaRPr lang="pt-PT" sz="2400" dirty="0" smtClean="0"/>
-          </a:p>
-          <a:p>
-            <a:pPr marL="342900" indent="-342900">
-              <a:buFont typeface="Arial" panose="020B0604020202020204" pitchFamily="34" charset="0"/>
-              <a:buChar char="•"/>
-            </a:pPr>
-            <a:endParaRPr lang="pt-PT" sz="2400" dirty="0" smtClean="0"/>
-          </a:p>
-          <a:p>
-            <a:pPr lvl="1"/>
-            <a:endParaRPr lang="pt-PT" sz="2400" dirty="0" smtClean="0"/>
-          </a:p>
-          <a:p>
-            <a:endParaRPr lang="pt-PT" sz="2400" dirty="0" smtClean="0"/>
-          </a:p>
-          <a:p>
-            <a:pPr marL="342900" indent="-342900">
-              <a:buFont typeface="Arial" panose="020B0604020202020204" pitchFamily="34" charset="0"/>
-              <a:buChar char="•"/>
-            </a:pPr>
-            <a:endParaRPr lang="pt-PT" sz="2400" dirty="0" smtClean="0"/>
-          </a:p>
-          <a:p>
-            <a:pPr marL="342900" indent="-342900">
-              <a:buFont typeface="Arial" panose="020B0604020202020204" pitchFamily="34" charset="0"/>
-              <a:buChar char="•"/>
-            </a:pPr>
-            <a:endParaRPr lang="pt-PT" sz="2400" dirty="0" smtClean="0"/>
-          </a:p>
-          <a:p>
-            <a:pPr marL="342900" indent="-342900">
-              <a:buFont typeface="Arial" panose="020B0604020202020204" pitchFamily="34" charset="0"/>
-              <a:buChar char="•"/>
-            </a:pPr>
-            <a:endParaRPr lang="pt-PT" sz="2400" dirty="0"/>
-          </a:p>
-          <a:p>
-            <a:pPr marL="342900" indent="-342900">
-              <a:buFont typeface="Arial" panose="020B0604020202020204" pitchFamily="34" charset="0"/>
-              <a:buChar char="•"/>
-            </a:pPr>
-            <a:endParaRPr lang="pt-PT" sz="2400" dirty="0" smtClean="0"/>
-          </a:p>
-          <a:p>
-            <a:pPr marL="342900" indent="-342900">
-              <a:buFont typeface="Arial" panose="020B0604020202020204" pitchFamily="34" charset="0"/>
-              <a:buChar char="•"/>
-            </a:pPr>
-            <a:endParaRPr lang="pt-PT" sz="2400" dirty="0" smtClean="0"/>
-          </a:p>
-          <a:p>
-            <a:pPr marL="342900" indent="-342900">
-              <a:buFont typeface="Arial" panose="020B0604020202020204" pitchFamily="34" charset="0"/>
-              <a:buChar char="•"/>
-            </a:pPr>
-            <a:endParaRPr lang="pt-PT" sz="2400" dirty="0" smtClean="0"/>
-          </a:p>
-          <a:p>
-            <a:pPr marL="342900" indent="-342900">
-              <a:buFont typeface="Arial" panose="020B0604020202020204" pitchFamily="34" charset="0"/>
-              <a:buChar char="•"/>
-            </a:pPr>
-            <a:endParaRPr lang="pt-PT" sz="2400" dirty="0" smtClean="0"/>
-          </a:p>
-          <a:p>
-            <a:pPr marL="342900" indent="-342900">
-              <a:buFont typeface="Arial" panose="020B0604020202020204" pitchFamily="34" charset="0"/>
-              <a:buChar char="•"/>
-            </a:pPr>
-            <a:endParaRPr lang="pt-PT" sz="2400" dirty="0"/>
           </a:p>
           <a:p>
             <a:pPr marL="342900" indent="-342900">
@@ -18513,509 +17441,6 @@
             <a:pPr algn="ctr"/>
             <a:r>
               <a:rPr lang="pt-PT" sz="1600" b="1" dirty="0" smtClean="0"/>
-              <a:t>HMI para Fabrico Aditivo – Sistema Desenvolvido</a:t>
-            </a:r>
-            <a:endParaRPr lang="pt-PT" sz="1600" b="1" dirty="0"/>
-          </a:p>
-        </p:txBody>
-      </p:sp>
-      <p:sp>
-        <p:nvSpPr>
-          <p:cNvPr id="8" name="TextBox 6"/>
-          <p:cNvSpPr txBox="1"/>
-          <p:nvPr/>
-        </p:nvSpPr>
-        <p:spPr>
-          <a:xfrm>
-            <a:off x="252980" y="300496"/>
-            <a:ext cx="11248738" cy="6001643"/>
-          </a:xfrm>
-          <a:prstGeom prst="rect">
-            <a:avLst/>
-          </a:prstGeom>
-          <a:noFill/>
-        </p:spPr>
-        <p:txBody>
-          <a:bodyPr wrap="square" rtlCol="0">
-            <a:spAutoFit/>
-          </a:bodyPr>
-          <a:lstStyle/>
-          <a:p>
-            <a:pPr marL="342900" indent="-342900">
-              <a:buFont typeface="Arial" panose="020B0604020202020204" pitchFamily="34" charset="0"/>
-              <a:buChar char="•"/>
-            </a:pPr>
-            <a:endParaRPr lang="pt-PT" sz="2400" dirty="0" smtClean="0"/>
-          </a:p>
-          <a:p>
-            <a:pPr marL="342900" indent="-342900">
-              <a:buFont typeface="Arial" panose="020B0604020202020204" pitchFamily="34" charset="0"/>
-              <a:buChar char="•"/>
-            </a:pPr>
-            <a:r>
-              <a:rPr lang="pt-PT" sz="2400" dirty="0" smtClean="0"/>
-              <a:t>1ª versão desenvolvida valida a arquitetura e as tecnologias utili</a:t>
-            </a:r>
-            <a:r>
-              <a:rPr lang="pt-PT" sz="2400" dirty="0"/>
-              <a:t>z</a:t>
-            </a:r>
-            <a:r>
-              <a:rPr lang="pt-PT" sz="2400" dirty="0" smtClean="0"/>
-              <a:t>adas</a:t>
-            </a:r>
-            <a:endParaRPr lang="pt-PT" sz="2400" dirty="0"/>
-          </a:p>
-          <a:p>
-            <a:endParaRPr lang="pt-PT" sz="2400" b="1" u="sng" dirty="0"/>
-          </a:p>
-          <a:p>
-            <a:r>
-              <a:rPr lang="pt-PT" sz="2400" b="1" u="sng" dirty="0" smtClean="0"/>
-              <a:t>Funcionalidades</a:t>
-            </a:r>
-          </a:p>
-          <a:p>
-            <a:pPr marL="342900" indent="-342900">
-              <a:buFont typeface="Arial" panose="020B0604020202020204" pitchFamily="34" charset="0"/>
-              <a:buChar char="•"/>
-            </a:pPr>
-            <a:endParaRPr lang="pt-PT" sz="2400" dirty="0" smtClean="0"/>
-          </a:p>
-          <a:p>
-            <a:pPr marL="342900" indent="-342900">
-              <a:buFont typeface="Arial" panose="020B0604020202020204" pitchFamily="34" charset="0"/>
-              <a:buChar char="•"/>
-            </a:pPr>
-            <a:r>
-              <a:rPr lang="pt-PT" sz="2400" dirty="0" smtClean="0"/>
-              <a:t>Controlo básico do equipamento: ligar, desligar, pausar, parar, monitorizar posições e movimentos dos eixos e estado geral do equipamento</a:t>
-            </a:r>
-          </a:p>
-          <a:p>
-            <a:pPr marL="342900" indent="-342900">
-              <a:buFont typeface="Arial" panose="020B0604020202020204" pitchFamily="34" charset="0"/>
-              <a:buChar char="•"/>
-            </a:pPr>
-            <a:r>
-              <a:rPr lang="pt-PT" sz="2400" dirty="0" smtClean="0"/>
-              <a:t>Modos de Operação: manual e automático</a:t>
-            </a:r>
-          </a:p>
-          <a:p>
-            <a:pPr marL="342900" indent="-342900">
-              <a:buFont typeface="Arial" panose="020B0604020202020204" pitchFamily="34" charset="0"/>
-              <a:buChar char="•"/>
-            </a:pPr>
-            <a:r>
-              <a:rPr lang="pt-PT" sz="2400" dirty="0" smtClean="0"/>
-              <a:t>Monitorização de parâmetros em tempo real</a:t>
-            </a:r>
-          </a:p>
-          <a:p>
-            <a:pPr marL="342900" indent="-342900">
-              <a:buFont typeface="Arial" panose="020B0604020202020204" pitchFamily="34" charset="0"/>
-              <a:buChar char="•"/>
-            </a:pPr>
-            <a:r>
-              <a:rPr lang="pt-PT" sz="2400" dirty="0" smtClean="0"/>
-              <a:t>Monitorização do progresso da impressão</a:t>
-            </a:r>
-          </a:p>
-          <a:p>
-            <a:pPr marL="342900" indent="-342900">
-              <a:buFont typeface="Arial" panose="020B0604020202020204" pitchFamily="34" charset="0"/>
-              <a:buChar char="•"/>
-            </a:pPr>
-            <a:r>
-              <a:rPr lang="pt-PT" sz="2400" dirty="0" smtClean="0"/>
-              <a:t>Importar remotamente e executar </a:t>
-            </a:r>
-            <a:r>
-              <a:rPr lang="pt-PT" sz="2400" dirty="0" err="1" smtClean="0"/>
-              <a:t>Gcode</a:t>
-            </a:r>
-            <a:endParaRPr lang="pt-PT" sz="2400" dirty="0" smtClean="0"/>
-          </a:p>
-          <a:p>
-            <a:pPr marL="342900" indent="-342900">
-              <a:buFont typeface="Arial" panose="020B0604020202020204" pitchFamily="34" charset="0"/>
-              <a:buChar char="•"/>
-            </a:pPr>
-            <a:r>
-              <a:rPr lang="pt-PT" sz="2400" dirty="0" smtClean="0"/>
-              <a:t>Visualizar </a:t>
-            </a:r>
-            <a:r>
-              <a:rPr lang="pt-PT" sz="2400" dirty="0" err="1" smtClean="0"/>
-              <a:t>Gcode</a:t>
-            </a:r>
-            <a:r>
-              <a:rPr lang="pt-PT" sz="2400" dirty="0" smtClean="0"/>
-              <a:t> a ser executado em tempo real</a:t>
-            </a:r>
-          </a:p>
-          <a:p>
-            <a:pPr marL="342900" indent="-342900">
-              <a:buFont typeface="Arial" panose="020B0604020202020204" pitchFamily="34" charset="0"/>
-              <a:buChar char="•"/>
-            </a:pPr>
-            <a:r>
-              <a:rPr lang="pt-PT" sz="2400" dirty="0" smtClean="0"/>
-              <a:t>Visualizar a peça em 2D e 3D através do </a:t>
-            </a:r>
-            <a:r>
-              <a:rPr lang="pt-PT" sz="2400" dirty="0" err="1" smtClean="0"/>
-              <a:t>Gcode</a:t>
-            </a:r>
-            <a:endParaRPr lang="pt-PT" sz="2400" dirty="0" smtClean="0"/>
-          </a:p>
-          <a:p>
-            <a:endParaRPr lang="pt-PT" sz="2400" dirty="0" smtClean="0"/>
-          </a:p>
-          <a:p>
-            <a:endParaRPr lang="pt-PT" sz="2400" dirty="0" smtClean="0"/>
-          </a:p>
-          <a:p>
-            <a:pPr marL="342900" indent="-342900">
-              <a:buFont typeface="Arial" panose="020B0604020202020204" pitchFamily="34" charset="0"/>
-              <a:buChar char="•"/>
-            </a:pPr>
-            <a:endParaRPr lang="pt-PT" sz="2400" dirty="0" smtClean="0"/>
-          </a:p>
-        </p:txBody>
-      </p:sp>
-      <p:pic>
-        <p:nvPicPr>
-          <p:cNvPr id="7" name="Imagem 6"/>
-          <p:cNvPicPr>
-            <a:picLocks noChangeAspect="1"/>
-          </p:cNvPicPr>
-          <p:nvPr/>
-        </p:nvPicPr>
-        <p:blipFill>
-          <a:blip r:embed="rId2" cstate="print">
-            <a:extLst>
-              <a:ext uri="{28A0092B-C50C-407E-A947-70E740481C1C}">
-                <a14:useLocalDpi xmlns:a14="http://schemas.microsoft.com/office/drawing/2010/main" val="0"/>
-              </a:ext>
-            </a:extLst>
-          </a:blip>
-          <a:stretch>
-            <a:fillRect/>
-          </a:stretch>
-        </p:blipFill>
-        <p:spPr>
-          <a:xfrm>
-            <a:off x="10556470" y="132544"/>
-            <a:ext cx="1555746" cy="1037905"/>
-          </a:xfrm>
-          <a:prstGeom prst="rect">
-            <a:avLst/>
-          </a:prstGeom>
-        </p:spPr>
-      </p:pic>
-    </p:spTree>
-    <p:extLst>
-      <p:ext uri="{BB962C8B-B14F-4D97-AF65-F5344CB8AC3E}">
-        <p14:creationId xmlns:p14="http://schemas.microsoft.com/office/powerpoint/2010/main" val="1686037235"/>
-      </p:ext>
-    </p:extLst>
-  </p:cSld>
-  <p:clrMapOvr>
-    <a:masterClrMapping/>
-  </p:clrMapOvr>
-  <p:timing>
-    <p:tnLst>
-      <p:par>
-        <p:cTn id="1" dur="indefinite" restart="never" nodeType="tmRoot"/>
-      </p:par>
-    </p:tnLst>
-  </p:timing>
-</p:sld>
-</file>
-
-<file path=ppt/slides/slide9.xml><?xml version="1.0" encoding="utf-8"?>
-<p:sld xmlns:a="http://schemas.openxmlformats.org/drawingml/2006/main" xmlns:r="http://schemas.openxmlformats.org/officeDocument/2006/relationships" xmlns:p="http://schemas.openxmlformats.org/presentationml/2006/main">
-  <p:cSld>
-    <p:spTree>
-      <p:nvGrpSpPr>
-        <p:cNvPr id="1" name=""/>
-        <p:cNvGrpSpPr/>
-        <p:nvPr/>
-      </p:nvGrpSpPr>
-      <p:grpSpPr>
-        <a:xfrm>
-          <a:off x="0" y="0"/>
-          <a:ext cx="0" cy="0"/>
-          <a:chOff x="0" y="0"/>
-          <a:chExt cx="0" cy="0"/>
-        </a:xfrm>
-      </p:grpSpPr>
-      <p:sp>
-        <p:nvSpPr>
-          <p:cNvPr id="2" name="Slide Number Placeholder 1"/>
-          <p:cNvSpPr>
-            <a:spLocks noGrp="1"/>
-          </p:cNvSpPr>
-          <p:nvPr>
-            <p:ph type="sldNum" sz="quarter" idx="12"/>
-          </p:nvPr>
-        </p:nvSpPr>
-        <p:spPr/>
-        <p:txBody>
-          <a:bodyPr/>
-          <a:lstStyle/>
-          <a:p>
-            <a:fld id="{422D536B-584E-486B-9435-086987A3D916}" type="slidenum">
-              <a:rPr lang="pt-PT" smtClean="0"/>
-              <a:t>9</a:t>
-            </a:fld>
-            <a:endParaRPr lang="pt-PT" dirty="0"/>
-          </a:p>
-        </p:txBody>
-      </p:sp>
-      <p:sp>
-        <p:nvSpPr>
-          <p:cNvPr id="6" name="Slide Number Placeholder 5"/>
-          <p:cNvSpPr txBox="1">
-            <a:spLocks/>
-          </p:cNvSpPr>
-          <p:nvPr/>
-        </p:nvSpPr>
-        <p:spPr>
-          <a:xfrm>
-            <a:off x="0" y="6464982"/>
-            <a:ext cx="475129" cy="365125"/>
-          </a:xfrm>
-          <a:prstGeom prst="rect">
-            <a:avLst/>
-          </a:prstGeom>
-        </p:spPr>
-        <p:txBody>
-          <a:bodyPr vert="horz" lIns="91440" tIns="45720" rIns="91440" bIns="45720" rtlCol="0" anchor="ctr"/>
-          <a:lstStyle>
-            <a:defPPr>
-              <a:defRPr lang="en-US"/>
-            </a:defPPr>
-            <a:lvl1pPr marL="0" algn="r" defTabSz="457200" rtl="0" eaLnBrk="1" latinLnBrk="0" hangingPunct="1">
-              <a:defRPr sz="1050" kern="1200">
-                <a:solidFill>
-                  <a:srgbClr val="FFFFFF"/>
-                </a:solidFill>
-                <a:latin typeface="+mn-lt"/>
-                <a:ea typeface="+mn-ea"/>
-                <a:cs typeface="+mn-cs"/>
-              </a:defRPr>
-            </a:lvl1pPr>
-            <a:lvl2pPr marL="457200" algn="l" defTabSz="457200" rtl="0" eaLnBrk="1" latinLnBrk="0" hangingPunct="1">
-              <a:defRPr sz="1800" kern="1200">
-                <a:solidFill>
-                  <a:schemeClr val="tx1"/>
-                </a:solidFill>
-                <a:latin typeface="+mn-lt"/>
-                <a:ea typeface="+mn-ea"/>
-                <a:cs typeface="+mn-cs"/>
-              </a:defRPr>
-            </a:lvl2pPr>
-            <a:lvl3pPr marL="914400" algn="l" defTabSz="457200" rtl="0" eaLnBrk="1" latinLnBrk="0" hangingPunct="1">
-              <a:defRPr sz="1800" kern="1200">
-                <a:solidFill>
-                  <a:schemeClr val="tx1"/>
-                </a:solidFill>
-                <a:latin typeface="+mn-lt"/>
-                <a:ea typeface="+mn-ea"/>
-                <a:cs typeface="+mn-cs"/>
-              </a:defRPr>
-            </a:lvl3pPr>
-            <a:lvl4pPr marL="1371600" algn="l" defTabSz="457200" rtl="0" eaLnBrk="1" latinLnBrk="0" hangingPunct="1">
-              <a:defRPr sz="1800" kern="1200">
-                <a:solidFill>
-                  <a:schemeClr val="tx1"/>
-                </a:solidFill>
-                <a:latin typeface="+mn-lt"/>
-                <a:ea typeface="+mn-ea"/>
-                <a:cs typeface="+mn-cs"/>
-              </a:defRPr>
-            </a:lvl4pPr>
-            <a:lvl5pPr marL="1828800" algn="l" defTabSz="457200" rtl="0" eaLnBrk="1" latinLnBrk="0" hangingPunct="1">
-              <a:defRPr sz="1800" kern="1200">
-                <a:solidFill>
-                  <a:schemeClr val="tx1"/>
-                </a:solidFill>
-                <a:latin typeface="+mn-lt"/>
-                <a:ea typeface="+mn-ea"/>
-                <a:cs typeface="+mn-cs"/>
-              </a:defRPr>
-            </a:lvl5pPr>
-            <a:lvl6pPr marL="2286000" algn="l" defTabSz="457200" rtl="0" eaLnBrk="1" latinLnBrk="0" hangingPunct="1">
-              <a:defRPr sz="1800" kern="1200">
-                <a:solidFill>
-                  <a:schemeClr val="tx1"/>
-                </a:solidFill>
-                <a:latin typeface="+mn-lt"/>
-                <a:ea typeface="+mn-ea"/>
-                <a:cs typeface="+mn-cs"/>
-              </a:defRPr>
-            </a:lvl6pPr>
-            <a:lvl7pPr marL="2743200" algn="l" defTabSz="457200" rtl="0" eaLnBrk="1" latinLnBrk="0" hangingPunct="1">
-              <a:defRPr sz="1800" kern="1200">
-                <a:solidFill>
-                  <a:schemeClr val="tx1"/>
-                </a:solidFill>
-                <a:latin typeface="+mn-lt"/>
-                <a:ea typeface="+mn-ea"/>
-                <a:cs typeface="+mn-cs"/>
-              </a:defRPr>
-            </a:lvl7pPr>
-            <a:lvl8pPr marL="3200400" algn="l" defTabSz="457200" rtl="0" eaLnBrk="1" latinLnBrk="0" hangingPunct="1">
-              <a:defRPr sz="1800" kern="1200">
-                <a:solidFill>
-                  <a:schemeClr val="tx1"/>
-                </a:solidFill>
-                <a:latin typeface="+mn-lt"/>
-                <a:ea typeface="+mn-ea"/>
-                <a:cs typeface="+mn-cs"/>
-              </a:defRPr>
-            </a:lvl8pPr>
-            <a:lvl9pPr marL="3657600" algn="l" defTabSz="457200" rtl="0" eaLnBrk="1" latinLnBrk="0" hangingPunct="1">
-              <a:defRPr sz="1800" kern="1200">
-                <a:solidFill>
-                  <a:schemeClr val="tx1"/>
-                </a:solidFill>
-                <a:latin typeface="+mn-lt"/>
-                <a:ea typeface="+mn-ea"/>
-                <a:cs typeface="+mn-cs"/>
-              </a:defRPr>
-            </a:lvl9pPr>
-          </a:lstStyle>
-          <a:p>
-            <a:r>
-              <a:rPr lang="pt-PT" dirty="0" smtClean="0"/>
-              <a:t>IPVC</a:t>
-            </a:r>
-            <a:endParaRPr lang="pt-PT" dirty="0"/>
-          </a:p>
-        </p:txBody>
-      </p:sp>
-      <p:sp>
-        <p:nvSpPr>
-          <p:cNvPr id="10" name="Slide Number Placeholder 5"/>
-          <p:cNvSpPr txBox="1">
-            <a:spLocks/>
-          </p:cNvSpPr>
-          <p:nvPr/>
-        </p:nvSpPr>
-        <p:spPr>
-          <a:xfrm>
-            <a:off x="3908571" y="6492875"/>
-            <a:ext cx="4435818" cy="365125"/>
-          </a:xfrm>
-          <a:prstGeom prst="rect">
-            <a:avLst/>
-          </a:prstGeom>
-        </p:spPr>
-        <p:txBody>
-          <a:bodyPr vert="horz" lIns="91440" tIns="45720" rIns="91440" bIns="45720" rtlCol="0" anchor="ctr"/>
-          <a:lstStyle>
-            <a:defPPr>
-              <a:defRPr lang="en-US"/>
-            </a:defPPr>
-            <a:lvl1pPr marL="0" algn="r" defTabSz="457200" rtl="0" eaLnBrk="1" latinLnBrk="0" hangingPunct="1">
-              <a:defRPr sz="1050" kern="1200">
-                <a:solidFill>
-                  <a:srgbClr val="FFFFFF"/>
-                </a:solidFill>
-                <a:latin typeface="+mn-lt"/>
-                <a:ea typeface="+mn-ea"/>
-                <a:cs typeface="+mn-cs"/>
-              </a:defRPr>
-            </a:lvl1pPr>
-            <a:lvl2pPr marL="457200" algn="l" defTabSz="457200" rtl="0" eaLnBrk="1" latinLnBrk="0" hangingPunct="1">
-              <a:defRPr sz="1800" kern="1200">
-                <a:solidFill>
-                  <a:schemeClr val="tx1"/>
-                </a:solidFill>
-                <a:latin typeface="+mn-lt"/>
-                <a:ea typeface="+mn-ea"/>
-                <a:cs typeface="+mn-cs"/>
-              </a:defRPr>
-            </a:lvl2pPr>
-            <a:lvl3pPr marL="914400" algn="l" defTabSz="457200" rtl="0" eaLnBrk="1" latinLnBrk="0" hangingPunct="1">
-              <a:defRPr sz="1800" kern="1200">
-                <a:solidFill>
-                  <a:schemeClr val="tx1"/>
-                </a:solidFill>
-                <a:latin typeface="+mn-lt"/>
-                <a:ea typeface="+mn-ea"/>
-                <a:cs typeface="+mn-cs"/>
-              </a:defRPr>
-            </a:lvl3pPr>
-            <a:lvl4pPr marL="1371600" algn="l" defTabSz="457200" rtl="0" eaLnBrk="1" latinLnBrk="0" hangingPunct="1">
-              <a:defRPr sz="1800" kern="1200">
-                <a:solidFill>
-                  <a:schemeClr val="tx1"/>
-                </a:solidFill>
-                <a:latin typeface="+mn-lt"/>
-                <a:ea typeface="+mn-ea"/>
-                <a:cs typeface="+mn-cs"/>
-              </a:defRPr>
-            </a:lvl4pPr>
-            <a:lvl5pPr marL="1828800" algn="l" defTabSz="457200" rtl="0" eaLnBrk="1" latinLnBrk="0" hangingPunct="1">
-              <a:defRPr sz="1800" kern="1200">
-                <a:solidFill>
-                  <a:schemeClr val="tx1"/>
-                </a:solidFill>
-                <a:latin typeface="+mn-lt"/>
-                <a:ea typeface="+mn-ea"/>
-                <a:cs typeface="+mn-cs"/>
-              </a:defRPr>
-            </a:lvl5pPr>
-            <a:lvl6pPr marL="2286000" algn="l" defTabSz="457200" rtl="0" eaLnBrk="1" latinLnBrk="0" hangingPunct="1">
-              <a:defRPr sz="1800" kern="1200">
-                <a:solidFill>
-                  <a:schemeClr val="tx1"/>
-                </a:solidFill>
-                <a:latin typeface="+mn-lt"/>
-                <a:ea typeface="+mn-ea"/>
-                <a:cs typeface="+mn-cs"/>
-              </a:defRPr>
-            </a:lvl6pPr>
-            <a:lvl7pPr marL="2743200" algn="l" defTabSz="457200" rtl="0" eaLnBrk="1" latinLnBrk="0" hangingPunct="1">
-              <a:defRPr sz="1800" kern="1200">
-                <a:solidFill>
-                  <a:schemeClr val="tx1"/>
-                </a:solidFill>
-                <a:latin typeface="+mn-lt"/>
-                <a:ea typeface="+mn-ea"/>
-                <a:cs typeface="+mn-cs"/>
-              </a:defRPr>
-            </a:lvl7pPr>
-            <a:lvl8pPr marL="3200400" algn="l" defTabSz="457200" rtl="0" eaLnBrk="1" latinLnBrk="0" hangingPunct="1">
-              <a:defRPr sz="1800" kern="1200">
-                <a:solidFill>
-                  <a:schemeClr val="tx1"/>
-                </a:solidFill>
-                <a:latin typeface="+mn-lt"/>
-                <a:ea typeface="+mn-ea"/>
-                <a:cs typeface="+mn-cs"/>
-              </a:defRPr>
-            </a:lvl8pPr>
-            <a:lvl9pPr marL="3657600" algn="l" defTabSz="457200" rtl="0" eaLnBrk="1" latinLnBrk="0" hangingPunct="1">
-              <a:defRPr sz="1800" kern="1200">
-                <a:solidFill>
-                  <a:schemeClr val="tx1"/>
-                </a:solidFill>
-                <a:latin typeface="+mn-lt"/>
-                <a:ea typeface="+mn-ea"/>
-                <a:cs typeface="+mn-cs"/>
-              </a:defRPr>
-            </a:lvl9pPr>
-          </a:lstStyle>
-          <a:p>
-            <a:pPr algn="ctr"/>
-            <a:r>
-              <a:rPr lang="pt-PT" sz="1600" b="1" dirty="0" smtClean="0"/>
               <a:t>HMI para Fabrico Aditivo – Solução Final</a:t>
             </a:r>
             <a:endParaRPr lang="pt-PT" sz="1600" b="1" dirty="0"/>
@@ -19261,6 +17686,608 @@
     <p:extLst>
       <p:ext uri="{BB962C8B-B14F-4D97-AF65-F5344CB8AC3E}">
         <p14:creationId xmlns:p14="http://schemas.microsoft.com/office/powerpoint/2010/main" val="1444497842"/>
+      </p:ext>
+    </p:extLst>
+  </p:cSld>
+  <p:clrMapOvr>
+    <a:masterClrMapping/>
+  </p:clrMapOvr>
+  <p:timing>
+    <p:tnLst>
+      <p:par>
+        <p:cTn id="1" dur="indefinite" restart="never" nodeType="tmRoot"/>
+      </p:par>
+    </p:tnLst>
+  </p:timing>
+</p:sld>
+</file>
+
+<file path=ppt/slides/slide9.xml><?xml version="1.0" encoding="utf-8"?>
+<p:sld xmlns:a="http://schemas.openxmlformats.org/drawingml/2006/main" xmlns:r="http://schemas.openxmlformats.org/officeDocument/2006/relationships" xmlns:p="http://schemas.openxmlformats.org/presentationml/2006/main">
+  <p:cSld>
+    <p:spTree>
+      <p:nvGrpSpPr>
+        <p:cNvPr id="1" name=""/>
+        <p:cNvGrpSpPr/>
+        <p:nvPr/>
+      </p:nvGrpSpPr>
+      <p:grpSpPr>
+        <a:xfrm>
+          <a:off x="0" y="0"/>
+          <a:ext cx="0" cy="0"/>
+          <a:chOff x="0" y="0"/>
+          <a:chExt cx="0" cy="0"/>
+        </a:xfrm>
+      </p:grpSpPr>
+      <p:sp>
+        <p:nvSpPr>
+          <p:cNvPr id="2" name="Slide Number Placeholder 1"/>
+          <p:cNvSpPr>
+            <a:spLocks noGrp="1"/>
+          </p:cNvSpPr>
+          <p:nvPr>
+            <p:ph type="sldNum" sz="quarter" idx="12"/>
+          </p:nvPr>
+        </p:nvSpPr>
+        <p:spPr/>
+        <p:txBody>
+          <a:bodyPr/>
+          <a:lstStyle/>
+          <a:p>
+            <a:fld id="{422D536B-584E-486B-9435-086987A3D916}" type="slidenum">
+              <a:rPr lang="pt-PT" smtClean="0"/>
+              <a:t>9</a:t>
+            </a:fld>
+            <a:endParaRPr lang="pt-PT" dirty="0"/>
+          </a:p>
+        </p:txBody>
+      </p:sp>
+      <p:sp>
+        <p:nvSpPr>
+          <p:cNvPr id="6" name="Slide Number Placeholder 5"/>
+          <p:cNvSpPr txBox="1">
+            <a:spLocks/>
+          </p:cNvSpPr>
+          <p:nvPr/>
+        </p:nvSpPr>
+        <p:spPr>
+          <a:xfrm>
+            <a:off x="0" y="6464982"/>
+            <a:ext cx="475129" cy="365125"/>
+          </a:xfrm>
+          <a:prstGeom prst="rect">
+            <a:avLst/>
+          </a:prstGeom>
+        </p:spPr>
+        <p:txBody>
+          <a:bodyPr vert="horz" lIns="91440" tIns="45720" rIns="91440" bIns="45720" rtlCol="0" anchor="ctr"/>
+          <a:lstStyle>
+            <a:defPPr>
+              <a:defRPr lang="en-US"/>
+            </a:defPPr>
+            <a:lvl1pPr marL="0" algn="r" defTabSz="457200" rtl="0" eaLnBrk="1" latinLnBrk="0" hangingPunct="1">
+              <a:defRPr sz="1050" kern="1200">
+                <a:solidFill>
+                  <a:srgbClr val="FFFFFF"/>
+                </a:solidFill>
+                <a:latin typeface="+mn-lt"/>
+                <a:ea typeface="+mn-ea"/>
+                <a:cs typeface="+mn-cs"/>
+              </a:defRPr>
+            </a:lvl1pPr>
+            <a:lvl2pPr marL="457200" algn="l" defTabSz="457200" rtl="0" eaLnBrk="1" latinLnBrk="0" hangingPunct="1">
+              <a:defRPr sz="1800" kern="1200">
+                <a:solidFill>
+                  <a:schemeClr val="tx1"/>
+                </a:solidFill>
+                <a:latin typeface="+mn-lt"/>
+                <a:ea typeface="+mn-ea"/>
+                <a:cs typeface="+mn-cs"/>
+              </a:defRPr>
+            </a:lvl2pPr>
+            <a:lvl3pPr marL="914400" algn="l" defTabSz="457200" rtl="0" eaLnBrk="1" latinLnBrk="0" hangingPunct="1">
+              <a:defRPr sz="1800" kern="1200">
+                <a:solidFill>
+                  <a:schemeClr val="tx1"/>
+                </a:solidFill>
+                <a:latin typeface="+mn-lt"/>
+                <a:ea typeface="+mn-ea"/>
+                <a:cs typeface="+mn-cs"/>
+              </a:defRPr>
+            </a:lvl3pPr>
+            <a:lvl4pPr marL="1371600" algn="l" defTabSz="457200" rtl="0" eaLnBrk="1" latinLnBrk="0" hangingPunct="1">
+              <a:defRPr sz="1800" kern="1200">
+                <a:solidFill>
+                  <a:schemeClr val="tx1"/>
+                </a:solidFill>
+                <a:latin typeface="+mn-lt"/>
+                <a:ea typeface="+mn-ea"/>
+                <a:cs typeface="+mn-cs"/>
+              </a:defRPr>
+            </a:lvl4pPr>
+            <a:lvl5pPr marL="1828800" algn="l" defTabSz="457200" rtl="0" eaLnBrk="1" latinLnBrk="0" hangingPunct="1">
+              <a:defRPr sz="1800" kern="1200">
+                <a:solidFill>
+                  <a:schemeClr val="tx1"/>
+                </a:solidFill>
+                <a:latin typeface="+mn-lt"/>
+                <a:ea typeface="+mn-ea"/>
+                <a:cs typeface="+mn-cs"/>
+              </a:defRPr>
+            </a:lvl5pPr>
+            <a:lvl6pPr marL="2286000" algn="l" defTabSz="457200" rtl="0" eaLnBrk="1" latinLnBrk="0" hangingPunct="1">
+              <a:defRPr sz="1800" kern="1200">
+                <a:solidFill>
+                  <a:schemeClr val="tx1"/>
+                </a:solidFill>
+                <a:latin typeface="+mn-lt"/>
+                <a:ea typeface="+mn-ea"/>
+                <a:cs typeface="+mn-cs"/>
+              </a:defRPr>
+            </a:lvl6pPr>
+            <a:lvl7pPr marL="2743200" algn="l" defTabSz="457200" rtl="0" eaLnBrk="1" latinLnBrk="0" hangingPunct="1">
+              <a:defRPr sz="1800" kern="1200">
+                <a:solidFill>
+                  <a:schemeClr val="tx1"/>
+                </a:solidFill>
+                <a:latin typeface="+mn-lt"/>
+                <a:ea typeface="+mn-ea"/>
+                <a:cs typeface="+mn-cs"/>
+              </a:defRPr>
+            </a:lvl7pPr>
+            <a:lvl8pPr marL="3200400" algn="l" defTabSz="457200" rtl="0" eaLnBrk="1" latinLnBrk="0" hangingPunct="1">
+              <a:defRPr sz="1800" kern="1200">
+                <a:solidFill>
+                  <a:schemeClr val="tx1"/>
+                </a:solidFill>
+                <a:latin typeface="+mn-lt"/>
+                <a:ea typeface="+mn-ea"/>
+                <a:cs typeface="+mn-cs"/>
+              </a:defRPr>
+            </a:lvl8pPr>
+            <a:lvl9pPr marL="3657600" algn="l" defTabSz="457200" rtl="0" eaLnBrk="1" latinLnBrk="0" hangingPunct="1">
+              <a:defRPr sz="1800" kern="1200">
+                <a:solidFill>
+                  <a:schemeClr val="tx1"/>
+                </a:solidFill>
+                <a:latin typeface="+mn-lt"/>
+                <a:ea typeface="+mn-ea"/>
+                <a:cs typeface="+mn-cs"/>
+              </a:defRPr>
+            </a:lvl9pPr>
+          </a:lstStyle>
+          <a:p>
+            <a:r>
+              <a:rPr lang="pt-PT" dirty="0" smtClean="0"/>
+              <a:t>IPVC</a:t>
+            </a:r>
+            <a:endParaRPr lang="pt-PT" dirty="0"/>
+          </a:p>
+        </p:txBody>
+      </p:sp>
+      <p:sp>
+        <p:nvSpPr>
+          <p:cNvPr id="10" name="Slide Number Placeholder 5"/>
+          <p:cNvSpPr txBox="1">
+            <a:spLocks/>
+          </p:cNvSpPr>
+          <p:nvPr/>
+        </p:nvSpPr>
+        <p:spPr>
+          <a:xfrm>
+            <a:off x="3908571" y="6492875"/>
+            <a:ext cx="4435818" cy="365125"/>
+          </a:xfrm>
+          <a:prstGeom prst="rect">
+            <a:avLst/>
+          </a:prstGeom>
+        </p:spPr>
+        <p:txBody>
+          <a:bodyPr vert="horz" lIns="91440" tIns="45720" rIns="91440" bIns="45720" rtlCol="0" anchor="ctr"/>
+          <a:lstStyle>
+            <a:defPPr>
+              <a:defRPr lang="en-US"/>
+            </a:defPPr>
+            <a:lvl1pPr marL="0" algn="r" defTabSz="457200" rtl="0" eaLnBrk="1" latinLnBrk="0" hangingPunct="1">
+              <a:defRPr sz="1050" kern="1200">
+                <a:solidFill>
+                  <a:srgbClr val="FFFFFF"/>
+                </a:solidFill>
+                <a:latin typeface="+mn-lt"/>
+                <a:ea typeface="+mn-ea"/>
+                <a:cs typeface="+mn-cs"/>
+              </a:defRPr>
+            </a:lvl1pPr>
+            <a:lvl2pPr marL="457200" algn="l" defTabSz="457200" rtl="0" eaLnBrk="1" latinLnBrk="0" hangingPunct="1">
+              <a:defRPr sz="1800" kern="1200">
+                <a:solidFill>
+                  <a:schemeClr val="tx1"/>
+                </a:solidFill>
+                <a:latin typeface="+mn-lt"/>
+                <a:ea typeface="+mn-ea"/>
+                <a:cs typeface="+mn-cs"/>
+              </a:defRPr>
+            </a:lvl2pPr>
+            <a:lvl3pPr marL="914400" algn="l" defTabSz="457200" rtl="0" eaLnBrk="1" latinLnBrk="0" hangingPunct="1">
+              <a:defRPr sz="1800" kern="1200">
+                <a:solidFill>
+                  <a:schemeClr val="tx1"/>
+                </a:solidFill>
+                <a:latin typeface="+mn-lt"/>
+                <a:ea typeface="+mn-ea"/>
+                <a:cs typeface="+mn-cs"/>
+              </a:defRPr>
+            </a:lvl3pPr>
+            <a:lvl4pPr marL="1371600" algn="l" defTabSz="457200" rtl="0" eaLnBrk="1" latinLnBrk="0" hangingPunct="1">
+              <a:defRPr sz="1800" kern="1200">
+                <a:solidFill>
+                  <a:schemeClr val="tx1"/>
+                </a:solidFill>
+                <a:latin typeface="+mn-lt"/>
+                <a:ea typeface="+mn-ea"/>
+                <a:cs typeface="+mn-cs"/>
+              </a:defRPr>
+            </a:lvl4pPr>
+            <a:lvl5pPr marL="1828800" algn="l" defTabSz="457200" rtl="0" eaLnBrk="1" latinLnBrk="0" hangingPunct="1">
+              <a:defRPr sz="1800" kern="1200">
+                <a:solidFill>
+                  <a:schemeClr val="tx1"/>
+                </a:solidFill>
+                <a:latin typeface="+mn-lt"/>
+                <a:ea typeface="+mn-ea"/>
+                <a:cs typeface="+mn-cs"/>
+              </a:defRPr>
+            </a:lvl5pPr>
+            <a:lvl6pPr marL="2286000" algn="l" defTabSz="457200" rtl="0" eaLnBrk="1" latinLnBrk="0" hangingPunct="1">
+              <a:defRPr sz="1800" kern="1200">
+                <a:solidFill>
+                  <a:schemeClr val="tx1"/>
+                </a:solidFill>
+                <a:latin typeface="+mn-lt"/>
+                <a:ea typeface="+mn-ea"/>
+                <a:cs typeface="+mn-cs"/>
+              </a:defRPr>
+            </a:lvl6pPr>
+            <a:lvl7pPr marL="2743200" algn="l" defTabSz="457200" rtl="0" eaLnBrk="1" latinLnBrk="0" hangingPunct="1">
+              <a:defRPr sz="1800" kern="1200">
+                <a:solidFill>
+                  <a:schemeClr val="tx1"/>
+                </a:solidFill>
+                <a:latin typeface="+mn-lt"/>
+                <a:ea typeface="+mn-ea"/>
+                <a:cs typeface="+mn-cs"/>
+              </a:defRPr>
+            </a:lvl7pPr>
+            <a:lvl8pPr marL="3200400" algn="l" defTabSz="457200" rtl="0" eaLnBrk="1" latinLnBrk="0" hangingPunct="1">
+              <a:defRPr sz="1800" kern="1200">
+                <a:solidFill>
+                  <a:schemeClr val="tx1"/>
+                </a:solidFill>
+                <a:latin typeface="+mn-lt"/>
+                <a:ea typeface="+mn-ea"/>
+                <a:cs typeface="+mn-cs"/>
+              </a:defRPr>
+            </a:lvl8pPr>
+            <a:lvl9pPr marL="3657600" algn="l" defTabSz="457200" rtl="0" eaLnBrk="1" latinLnBrk="0" hangingPunct="1">
+              <a:defRPr sz="1800" kern="1200">
+                <a:solidFill>
+                  <a:schemeClr val="tx1"/>
+                </a:solidFill>
+                <a:latin typeface="+mn-lt"/>
+                <a:ea typeface="+mn-ea"/>
+                <a:cs typeface="+mn-cs"/>
+              </a:defRPr>
+            </a:lvl9pPr>
+          </a:lstStyle>
+          <a:p>
+            <a:pPr algn="ctr"/>
+            <a:r>
+              <a:rPr lang="pt-PT" sz="1600" b="1" dirty="0" smtClean="0"/>
+              <a:t>HMI para Fabrico Aditivo – Solução Final</a:t>
+            </a:r>
+            <a:endParaRPr lang="pt-PT" sz="1600" b="1" dirty="0"/>
+          </a:p>
+        </p:txBody>
+      </p:sp>
+      <p:sp>
+        <p:nvSpPr>
+          <p:cNvPr id="8" name="TextBox 6"/>
+          <p:cNvSpPr txBox="1"/>
+          <p:nvPr/>
+        </p:nvSpPr>
+        <p:spPr>
+          <a:xfrm>
+            <a:off x="252980" y="300496"/>
+            <a:ext cx="11033585" cy="2677656"/>
+          </a:xfrm>
+          <a:prstGeom prst="rect">
+            <a:avLst/>
+          </a:prstGeom>
+          <a:noFill/>
+        </p:spPr>
+        <p:txBody>
+          <a:bodyPr wrap="square" rtlCol="0">
+            <a:spAutoFit/>
+          </a:bodyPr>
+          <a:lstStyle/>
+          <a:p>
+            <a:pPr marL="342900" indent="-342900">
+              <a:buFont typeface="Arial" panose="020B0604020202020204" pitchFamily="34" charset="0"/>
+              <a:buChar char="•"/>
+            </a:pPr>
+            <a:endParaRPr lang="pt-PT" sz="2400" dirty="0" smtClean="0"/>
+          </a:p>
+          <a:p>
+            <a:pPr marL="342900" indent="-342900">
+              <a:buFont typeface="Arial" panose="020B0604020202020204" pitchFamily="34" charset="0"/>
+              <a:buChar char="•"/>
+            </a:pPr>
+            <a:endParaRPr lang="pt-PT" sz="2400" dirty="0" smtClean="0"/>
+          </a:p>
+          <a:p>
+            <a:endParaRPr lang="pt-PT" sz="2400" dirty="0"/>
+          </a:p>
+          <a:p>
+            <a:pPr marL="342900" indent="-342900">
+              <a:buFont typeface="Arial" panose="020B0604020202020204" pitchFamily="34" charset="0"/>
+              <a:buChar char="•"/>
+            </a:pPr>
+            <a:endParaRPr lang="pt-PT" sz="2400" dirty="0" smtClean="0"/>
+          </a:p>
+          <a:p>
+            <a:pPr marL="342900" indent="-342900">
+              <a:buFont typeface="Arial" panose="020B0604020202020204" pitchFamily="34" charset="0"/>
+              <a:buChar char="•"/>
+            </a:pPr>
+            <a:endParaRPr lang="pt-PT" sz="2400" dirty="0" smtClean="0"/>
+          </a:p>
+          <a:p>
+            <a:endParaRPr lang="pt-PT" sz="2400" dirty="0" smtClean="0"/>
+          </a:p>
+          <a:p>
+            <a:pPr marL="342900" indent="-342900">
+              <a:buFont typeface="Arial" panose="020B0604020202020204" pitchFamily="34" charset="0"/>
+              <a:buChar char="•"/>
+            </a:pPr>
+            <a:endParaRPr lang="pt-PT" sz="2400" dirty="0" smtClean="0"/>
+          </a:p>
+        </p:txBody>
+      </p:sp>
+      <p:sp>
+        <p:nvSpPr>
+          <p:cNvPr id="12" name="TextBox 6"/>
+          <p:cNvSpPr txBox="1"/>
+          <p:nvPr/>
+        </p:nvSpPr>
+        <p:spPr>
+          <a:xfrm>
+            <a:off x="444999" y="166025"/>
+            <a:ext cx="9326529" cy="6124754"/>
+          </a:xfrm>
+          <a:prstGeom prst="rect">
+            <a:avLst/>
+          </a:prstGeom>
+          <a:noFill/>
+        </p:spPr>
+        <p:txBody>
+          <a:bodyPr wrap="square" rtlCol="0">
+            <a:spAutoFit/>
+          </a:bodyPr>
+          <a:lstStyle/>
+          <a:p>
+            <a:r>
+              <a:rPr lang="pt-PT" sz="3200" b="1" dirty="0" smtClean="0"/>
+              <a:t>Desenvolvimento de Maquetes</a:t>
+            </a:r>
+          </a:p>
+          <a:p>
+            <a:pPr marL="342900" indent="-342900">
+              <a:buFont typeface="Arial" panose="020B0604020202020204" pitchFamily="34" charset="0"/>
+              <a:buChar char="•"/>
+            </a:pPr>
+            <a:endParaRPr lang="pt-PT" sz="2400" dirty="0" smtClean="0"/>
+          </a:p>
+          <a:p>
+            <a:pPr marL="342900" indent="-342900">
+              <a:buFont typeface="Arial" panose="020B0604020202020204" pitchFamily="34" charset="0"/>
+              <a:buChar char="•"/>
+            </a:pPr>
+            <a:r>
+              <a:rPr lang="pt-PT" sz="2400" dirty="0" smtClean="0"/>
+              <a:t>…e maquetes interativas</a:t>
+            </a:r>
+          </a:p>
+          <a:p>
+            <a:pPr marL="342900" indent="-342900">
+              <a:buFont typeface="Arial" panose="020B0604020202020204" pitchFamily="34" charset="0"/>
+              <a:buChar char="•"/>
+            </a:pPr>
+            <a:endParaRPr lang="pt-PT" sz="2400" dirty="0" smtClean="0"/>
+          </a:p>
+          <a:p>
+            <a:pPr marL="342900" indent="-342900">
+              <a:buFont typeface="Arial" panose="020B0604020202020204" pitchFamily="34" charset="0"/>
+              <a:buChar char="•"/>
+            </a:pPr>
+            <a:endParaRPr lang="pt-PT" sz="2400" dirty="0" smtClean="0"/>
+          </a:p>
+          <a:p>
+            <a:pPr marL="342900" indent="-342900">
+              <a:buFont typeface="Arial" panose="020B0604020202020204" pitchFamily="34" charset="0"/>
+              <a:buChar char="•"/>
+            </a:pPr>
+            <a:endParaRPr lang="pt-PT" sz="2400" dirty="0" smtClean="0"/>
+          </a:p>
+          <a:p>
+            <a:pPr marL="342900" indent="-342900">
+              <a:buFont typeface="Arial" panose="020B0604020202020204" pitchFamily="34" charset="0"/>
+              <a:buChar char="•"/>
+            </a:pPr>
+            <a:endParaRPr lang="pt-PT" sz="2400" dirty="0"/>
+          </a:p>
+          <a:p>
+            <a:pPr marL="342900" indent="-342900">
+              <a:buFont typeface="Arial" panose="020B0604020202020204" pitchFamily="34" charset="0"/>
+              <a:buChar char="•"/>
+            </a:pPr>
+            <a:endParaRPr lang="pt-PT" sz="2400" dirty="0" smtClean="0"/>
+          </a:p>
+          <a:p>
+            <a:pPr marL="342900" indent="-342900">
+              <a:buFont typeface="Arial" panose="020B0604020202020204" pitchFamily="34" charset="0"/>
+              <a:buChar char="•"/>
+            </a:pPr>
+            <a:endParaRPr lang="pt-PT" sz="2400" dirty="0"/>
+          </a:p>
+          <a:p>
+            <a:pPr marL="342900" indent="-342900">
+              <a:buFont typeface="Arial" panose="020B0604020202020204" pitchFamily="34" charset="0"/>
+              <a:buChar char="•"/>
+            </a:pPr>
+            <a:endParaRPr lang="pt-PT" sz="2400" dirty="0" smtClean="0"/>
+          </a:p>
+          <a:p>
+            <a:pPr marL="342900" indent="-342900">
+              <a:buFont typeface="Arial" panose="020B0604020202020204" pitchFamily="34" charset="0"/>
+              <a:buChar char="•"/>
+            </a:pPr>
+            <a:endParaRPr lang="pt-PT" sz="2400" dirty="0"/>
+          </a:p>
+          <a:p>
+            <a:pPr marL="342900" indent="-342900">
+              <a:buFont typeface="Arial" panose="020B0604020202020204" pitchFamily="34" charset="0"/>
+              <a:buChar char="•"/>
+            </a:pPr>
+            <a:endParaRPr lang="pt-PT" sz="2400" dirty="0" smtClean="0"/>
+          </a:p>
+          <a:p>
+            <a:pPr marL="342900" indent="-342900">
+              <a:buFont typeface="Arial" panose="020B0604020202020204" pitchFamily="34" charset="0"/>
+              <a:buChar char="•"/>
+            </a:pPr>
+            <a:endParaRPr lang="pt-PT" sz="2400" dirty="0"/>
+          </a:p>
+          <a:p>
+            <a:endParaRPr lang="pt-PT" sz="2400" dirty="0"/>
+          </a:p>
+          <a:p>
+            <a:pPr marL="342900" indent="-342900">
+              <a:buFont typeface="Arial" panose="020B0604020202020204" pitchFamily="34" charset="0"/>
+              <a:buChar char="•"/>
+            </a:pPr>
+            <a:r>
+              <a:rPr lang="pt-PT" sz="2400" dirty="0"/>
+              <a:t>Reproduzidas no ecrã tátil do equipamento para </a:t>
+            </a:r>
+            <a:r>
+              <a:rPr lang="pt-PT" sz="2400" dirty="0" smtClean="0"/>
+              <a:t>avaliação</a:t>
+            </a:r>
+            <a:endParaRPr lang="pt-PT" sz="2400" dirty="0"/>
+          </a:p>
+          <a:p>
+            <a:pPr marL="342900" indent="-342900">
+              <a:buFont typeface="Arial" panose="020B0604020202020204" pitchFamily="34" charset="0"/>
+              <a:buChar char="•"/>
+            </a:pPr>
+            <a:endParaRPr lang="pt-PT" sz="2400" dirty="0" smtClean="0"/>
+          </a:p>
+        </p:txBody>
+      </p:sp>
+      <p:pic>
+        <p:nvPicPr>
+          <p:cNvPr id="3" name="Imagem 2"/>
+          <p:cNvPicPr>
+            <a:picLocks noChangeAspect="1"/>
+          </p:cNvPicPr>
+          <p:nvPr/>
+        </p:nvPicPr>
+        <p:blipFill>
+          <a:blip r:embed="rId2" cstate="print">
+            <a:extLst>
+              <a:ext uri="{28A0092B-C50C-407E-A947-70E740481C1C}">
+                <a14:useLocalDpi xmlns:a14="http://schemas.microsoft.com/office/drawing/2010/main" val="0"/>
+              </a:ext>
+            </a:extLst>
+          </a:blip>
+          <a:stretch>
+            <a:fillRect/>
+          </a:stretch>
+        </p:blipFill>
+        <p:spPr>
+          <a:xfrm>
+            <a:off x="749033" y="1912692"/>
+            <a:ext cx="5027645" cy="2856532"/>
+          </a:xfrm>
+          <a:prstGeom prst="rect">
+            <a:avLst/>
+          </a:prstGeom>
+        </p:spPr>
+      </p:pic>
+      <p:pic>
+        <p:nvPicPr>
+          <p:cNvPr id="4" name="Imagem 3"/>
+          <p:cNvPicPr>
+            <a:picLocks noChangeAspect="1"/>
+          </p:cNvPicPr>
+          <p:nvPr/>
+        </p:nvPicPr>
+        <p:blipFill>
+          <a:blip r:embed="rId3" cstate="print">
+            <a:extLst>
+              <a:ext uri="{28A0092B-C50C-407E-A947-70E740481C1C}">
+                <a14:useLocalDpi xmlns:a14="http://schemas.microsoft.com/office/drawing/2010/main" val="0"/>
+              </a:ext>
+            </a:extLst>
+          </a:blip>
+          <a:stretch>
+            <a:fillRect/>
+          </a:stretch>
+        </p:blipFill>
+        <p:spPr>
+          <a:xfrm>
+            <a:off x="6124842" y="1912692"/>
+            <a:ext cx="5087641" cy="2862030"/>
+          </a:xfrm>
+          <a:prstGeom prst="rect">
+            <a:avLst/>
+          </a:prstGeom>
+        </p:spPr>
+      </p:pic>
+      <p:pic>
+        <p:nvPicPr>
+          <p:cNvPr id="11" name="Imagem 10"/>
+          <p:cNvPicPr>
+            <a:picLocks noChangeAspect="1"/>
+          </p:cNvPicPr>
+          <p:nvPr/>
+        </p:nvPicPr>
+        <p:blipFill>
+          <a:blip r:embed="rId4" cstate="print">
+            <a:extLst>
+              <a:ext uri="{28A0092B-C50C-407E-A947-70E740481C1C}">
+                <a14:useLocalDpi xmlns:a14="http://schemas.microsoft.com/office/drawing/2010/main" val="0"/>
+              </a:ext>
+            </a:extLst>
+          </a:blip>
+          <a:stretch>
+            <a:fillRect/>
+          </a:stretch>
+        </p:blipFill>
+        <p:spPr>
+          <a:xfrm>
+            <a:off x="10556470" y="132544"/>
+            <a:ext cx="1555746" cy="1037905"/>
+          </a:xfrm>
+          <a:prstGeom prst="rect">
+            <a:avLst/>
+          </a:prstGeom>
+        </p:spPr>
+      </p:pic>
+    </p:spTree>
+    <p:extLst>
+      <p:ext uri="{BB962C8B-B14F-4D97-AF65-F5344CB8AC3E}">
+        <p14:creationId xmlns:p14="http://schemas.microsoft.com/office/powerpoint/2010/main" val="3440513291"/>
       </p:ext>
     </p:extLst>
   </p:cSld>

--- a/Apresentacao_Final_MarcoRodrigues4652.pptx
+++ b/Apresentacao_Final_MarcoRodrigues4652.pptx
@@ -21,7 +21,7 @@
     <p:sldId id="356" r:id="rId12"/>
     <p:sldId id="360" r:id="rId13"/>
     <p:sldId id="361" r:id="rId14"/>
-    <p:sldId id="362" r:id="rId15"/>
+    <p:sldId id="365" r:id="rId15"/>
     <p:sldId id="363" r:id="rId16"/>
     <p:sldId id="325" r:id="rId17"/>
   </p:sldIdLst>
@@ -212,7 +212,7 @@
           <a:p>
             <a:fld id="{6CB5A5B5-1B7C-493B-BEA9-B04B9AF1EC94}" type="datetimeFigureOut">
               <a:rPr lang="pt-PT" smtClean="0"/>
-              <a:t>18/06/2018</a:t>
+              <a:t>19/06/2018</a:t>
             </a:fld>
             <a:endParaRPr lang="pt-PT"/>
           </a:p>
@@ -706,7 +706,7 @@
           <a:p>
             <a:fld id="{A0083D08-FD67-44B3-8536-5A75C98273AA}" type="datetime1">
               <a:rPr lang="pt-PT" smtClean="0"/>
-              <a:t>18/06/2018</a:t>
+              <a:t>19/06/2018</a:t>
             </a:fld>
             <a:endParaRPr lang="pt-PT"/>
           </a:p>
@@ -914,7 +914,7 @@
           <a:p>
             <a:fld id="{BF30FC89-4E20-4F82-94CC-7A0B490014A9}" type="datetime1">
               <a:rPr lang="pt-PT" smtClean="0"/>
-              <a:t>18/06/2018</a:t>
+              <a:t>19/06/2018</a:t>
             </a:fld>
             <a:endParaRPr lang="pt-PT"/>
           </a:p>
@@ -1170,7 +1170,7 @@
           <a:p>
             <a:fld id="{1524E4FF-162B-4E62-8C13-B067390AF403}" type="datetime1">
               <a:rPr lang="pt-PT" smtClean="0"/>
-              <a:t>18/06/2018</a:t>
+              <a:t>19/06/2018</a:t>
             </a:fld>
             <a:endParaRPr lang="pt-PT"/>
           </a:p>
@@ -1344,7 +1344,7 @@
           <a:p>
             <a:fld id="{B6A0BBBF-4B9F-4CC1-BA01-A44B1A6EDF03}" type="datetime1">
               <a:rPr lang="pt-PT" smtClean="0"/>
-              <a:t>18/06/2018</a:t>
+              <a:t>19/06/2018</a:t>
             </a:fld>
             <a:endParaRPr lang="pt-PT"/>
           </a:p>
@@ -1687,7 +1687,7 @@
           <a:p>
             <a:fld id="{BE139743-3392-4C87-AC94-289E3CB69E10}" type="datetime1">
               <a:rPr lang="pt-PT" smtClean="0"/>
-              <a:t>18/06/2018</a:t>
+              <a:t>19/06/2018</a:t>
             </a:fld>
             <a:endParaRPr lang="pt-PT"/>
           </a:p>
@@ -1962,7 +1962,7 @@
           <a:p>
             <a:fld id="{10E54368-472F-4004-9BF2-652DF4E1D694}" type="datetime1">
               <a:rPr lang="pt-PT" smtClean="0"/>
-              <a:t>18/06/2018</a:t>
+              <a:t>19/06/2018</a:t>
             </a:fld>
             <a:endParaRPr lang="pt-PT"/>
           </a:p>
@@ -2341,7 +2341,7 @@
           <a:p>
             <a:fld id="{4A41B1F8-CD6E-4AC7-A381-6A8415EFB578}" type="datetime1">
               <a:rPr lang="pt-PT" smtClean="0"/>
-              <a:t>18/06/2018</a:t>
+              <a:t>19/06/2018</a:t>
             </a:fld>
             <a:endParaRPr lang="pt-PT"/>
           </a:p>
@@ -2459,7 +2459,7 @@
           <a:p>
             <a:fld id="{4189860D-16F1-46DC-8A79-3E3C18B197C5}" type="datetime1">
               <a:rPr lang="pt-PT" smtClean="0"/>
-              <a:t>18/06/2018</a:t>
+              <a:t>19/06/2018</a:t>
             </a:fld>
             <a:endParaRPr lang="pt-PT"/>
           </a:p>
@@ -2630,7 +2630,7 @@
           <a:p>
             <a:fld id="{5086A0AB-3E78-4279-A25F-8B66A23831F2}" type="datetime1">
               <a:rPr lang="pt-PT" smtClean="0"/>
-              <a:t>18/06/2018</a:t>
+              <a:t>19/06/2018</a:t>
             </a:fld>
             <a:endParaRPr lang="pt-PT"/>
           </a:p>
@@ -2984,7 +2984,7 @@
           <a:p>
             <a:fld id="{4ABA9473-AC19-4C64-9BE3-A35C1472D40C}" type="datetime1">
               <a:rPr lang="pt-PT" smtClean="0"/>
-              <a:t>18/06/2018</a:t>
+              <a:t>19/06/2018</a:t>
             </a:fld>
             <a:endParaRPr lang="pt-PT"/>
           </a:p>
@@ -3366,7 +3366,7 @@
           <a:p>
             <a:fld id="{9D79879D-ACE8-4CD7-811D-1E9CD9972304}" type="datetime1">
               <a:rPr lang="pt-PT" smtClean="0"/>
-              <a:t>18/06/2018</a:t>
+              <a:t>19/06/2018</a:t>
             </a:fld>
             <a:endParaRPr lang="pt-PT"/>
           </a:p>
@@ -3653,7 +3653,7 @@
           <a:p>
             <a:fld id="{D0966B32-2EDE-4658-A6AA-7FE6BBDCB583}" type="datetime1">
               <a:rPr lang="pt-PT" smtClean="0"/>
-              <a:t>18/06/2018</a:t>
+              <a:t>19/06/2018</a:t>
             </a:fld>
             <a:endParaRPr lang="pt-PT"/>
           </a:p>
@@ -4477,8 +4477,8 @@
         </p:nvSpPr>
         <p:spPr>
           <a:xfrm>
-            <a:off x="6230471" y="3666565"/>
-            <a:ext cx="5708980" cy="2586572"/>
+            <a:off x="6097121" y="3695140"/>
+            <a:ext cx="6180604" cy="2793220"/>
           </a:xfrm>
           <a:prstGeom prst="rect">
             <a:avLst/>
@@ -4486,7 +4486,7 @@
         </p:spPr>
         <p:txBody>
           <a:bodyPr vert="horz" lIns="91440" tIns="45720" rIns="91440" bIns="45720" rtlCol="0">
-            <a:normAutofit fontScale="85000" lnSpcReduction="10000"/>
+            <a:normAutofit fontScale="92500" lnSpcReduction="20000"/>
           </a:bodyPr>
           <a:lstStyle>
             <a:lvl1pPr marL="0" indent="0" algn="l" defTabSz="914400" rtl="0" eaLnBrk="1" latinLnBrk="0" hangingPunct="1">
@@ -4749,13 +4749,33 @@
           <a:p>
             <a:r>
               <a:rPr lang="pt-PT" dirty="0" smtClean="0"/>
-              <a:t>Prof. DR. Pedro moreira</a:t>
-            </a:r>
-          </a:p>
-          <a:p>
+              <a:t>Professor Doutor </a:t>
+            </a:r>
             <a:r>
               <a:rPr lang="pt-PT" dirty="0" smtClean="0"/>
-              <a:t>MESTRE Eng.º João Paulo pereira (INEGI)</a:t>
+              <a:t>Pedro moreira</a:t>
+            </a:r>
+          </a:p>
+          <a:p>
+            <a:r>
+              <a:rPr lang="pt-PT" dirty="0" smtClean="0"/>
+              <a:t>MESTRE </a:t>
+            </a:r>
+            <a:r>
+              <a:rPr lang="pt-PT" dirty="0" smtClean="0"/>
+              <a:t>Eng</a:t>
+            </a:r>
+            <a:r>
+              <a:rPr lang="pt-PT" dirty="0" smtClean="0"/>
+              <a:t>enheiro</a:t>
+            </a:r>
+            <a:r>
+              <a:rPr lang="pt-PT" dirty="0" smtClean="0"/>
+              <a:t> </a:t>
+            </a:r>
+            <a:r>
+              <a:rPr lang="pt-PT" dirty="0" smtClean="0"/>
+              <a:t>João Paulo pereira (INEGI)</a:t>
             </a:r>
           </a:p>
           <a:p>
@@ -7756,147 +7776,52 @@
             <a:endParaRPr lang="pt-PT" sz="2400" dirty="0"/>
           </a:p>
           <a:p>
-            <a:pPr marL="342900" indent="-342900">
-              <a:buFont typeface="Arial" panose="020B0604020202020204" pitchFamily="34" charset="0"/>
-              <a:buChar char="•"/>
-            </a:pPr>
             <a:r>
               <a:rPr lang="pt-PT" sz="2400" dirty="0" smtClean="0"/>
-              <a:t>Análise e investigação sobre abordagens relacionadas</a:t>
-            </a:r>
-          </a:p>
-          <a:p>
-            <a:pPr marL="800100" lvl="1" indent="-342900">
-              <a:buFont typeface="Arial" panose="020B0604020202020204" pitchFamily="34" charset="0"/>
-              <a:buChar char="•"/>
-            </a:pPr>
+              <a:t>Após investigação verificou-se um baixo aproveitamento de tecnologias emergentes no processo de Fabrico Aditivo.</a:t>
+            </a:r>
+            <a:endParaRPr lang="pt-PT" sz="2400" dirty="0" smtClean="0"/>
+          </a:p>
+          <a:p>
+            <a:endParaRPr lang="pt-PT" sz="2400" dirty="0" smtClean="0"/>
+          </a:p>
+          <a:p>
             <a:r>
               <a:rPr lang="pt-PT" sz="2400" dirty="0" smtClean="0"/>
-              <a:t>Potencial de tecnologias emergentes </a:t>
-            </a:r>
-            <a:r>
-              <a:rPr lang="pt-PT" sz="2400" dirty="0" smtClean="0">
-                <a:sym typeface="Wingdings" panose="05000000000000000000" pitchFamily="2" charset="2"/>
-              </a:rPr>
-              <a:t></a:t>
-            </a:r>
+              <a:t>A arquitetura proposta </a:t>
+            </a:r>
+            <a:r>
+              <a:rPr lang="pt-PT" sz="2400" dirty="0"/>
+              <a:t>permitiu criar uma HMI para monitorização e controlo de um processo de Fabrico Aditivo.</a:t>
+            </a:r>
+          </a:p>
+          <a:p>
+            <a:endParaRPr lang="pt-PT" sz="2400" dirty="0" smtClean="0"/>
+          </a:p>
+          <a:p>
             <a:r>
               <a:rPr lang="pt-PT" sz="2400" dirty="0" smtClean="0"/>
-              <a:t> pouco aproveitamento para o processo de Fabrico Aditivo</a:t>
-            </a:r>
-          </a:p>
-          <a:p>
-            <a:pPr marL="342900" indent="-342900">
-              <a:buFont typeface="Arial" panose="020B0604020202020204" pitchFamily="34" charset="0"/>
-              <a:buChar char="•"/>
-            </a:pPr>
+              <a:t>Os operadores foram envolvidos no processo desde o início, sendo envolvidos em diversos testes.</a:t>
+            </a:r>
+          </a:p>
+          <a:p>
+            <a:endParaRPr lang="pt-PT" sz="2400" dirty="0"/>
+          </a:p>
+          <a:p>
             <a:r>
               <a:rPr lang="pt-PT" sz="2400" dirty="0" smtClean="0"/>
-              <a:t>Criado protótipo funcional </a:t>
-            </a:r>
-            <a:r>
-              <a:rPr lang="pt-PT" sz="2400" dirty="0" smtClean="0">
-                <a:sym typeface="Wingdings" panose="05000000000000000000" pitchFamily="2" charset="2"/>
-              </a:rPr>
-              <a:t></a:t>
-            </a:r>
+              <a:t>Os testes permitiram fechar um ciclo e confirmar o propósito da criação deste trabalho.</a:t>
+            </a:r>
+            <a:endParaRPr lang="pt-PT" sz="2400" dirty="0" smtClean="0"/>
+          </a:p>
+          <a:p>
+            <a:endParaRPr lang="pt-PT" sz="2400" dirty="0"/>
+          </a:p>
+          <a:p>
             <a:r>
               <a:rPr lang="pt-PT" sz="2400" dirty="0" smtClean="0"/>
-              <a:t> validação da arquitetura e tecnologias</a:t>
-            </a:r>
-          </a:p>
-          <a:p>
-            <a:pPr marL="342900" indent="-342900">
-              <a:buFont typeface="Arial" panose="020B0604020202020204" pitchFamily="34" charset="0"/>
-              <a:buChar char="•"/>
-            </a:pPr>
-            <a:r>
-              <a:rPr lang="pt-PT" sz="2400" dirty="0" smtClean="0"/>
-              <a:t>Levantamento de Requisitos </a:t>
-            </a:r>
-            <a:r>
-              <a:rPr lang="pt-PT" sz="2400" dirty="0" smtClean="0">
-                <a:sym typeface="Wingdings" panose="05000000000000000000" pitchFamily="2" charset="2"/>
-              </a:rPr>
-              <a:t></a:t>
-            </a:r>
-            <a:r>
-              <a:rPr lang="pt-PT" sz="2400" dirty="0" smtClean="0"/>
-              <a:t> Maquetes </a:t>
-            </a:r>
-            <a:r>
-              <a:rPr lang="pt-PT" sz="2400" dirty="0" smtClean="0">
-                <a:sym typeface="Wingdings" panose="05000000000000000000" pitchFamily="2" charset="2"/>
-              </a:rPr>
-              <a:t></a:t>
-            </a:r>
-            <a:r>
-              <a:rPr lang="pt-PT" sz="2400" dirty="0" smtClean="0"/>
-              <a:t> validação da solução proposta</a:t>
-            </a:r>
-          </a:p>
-          <a:p>
-            <a:pPr marL="342900" indent="-342900">
-              <a:buFont typeface="Arial" panose="020B0604020202020204" pitchFamily="34" charset="0"/>
-              <a:buChar char="•"/>
-            </a:pPr>
-            <a:r>
-              <a:rPr lang="pt-PT" sz="2400" dirty="0" smtClean="0"/>
-              <a:t>Desenvolvida solução final </a:t>
-            </a:r>
-            <a:r>
-              <a:rPr lang="pt-PT" sz="2400" dirty="0" smtClean="0">
-                <a:sym typeface="Wingdings" panose="05000000000000000000" pitchFamily="2" charset="2"/>
-              </a:rPr>
-              <a:t></a:t>
-            </a:r>
-            <a:r>
-              <a:rPr lang="pt-PT" sz="2400" dirty="0" smtClean="0"/>
-              <a:t> Impressão de uma peça</a:t>
-            </a:r>
-          </a:p>
-          <a:p>
-            <a:pPr marL="342900" indent="-342900">
-              <a:buFont typeface="Arial" panose="020B0604020202020204" pitchFamily="34" charset="0"/>
-              <a:buChar char="•"/>
-            </a:pPr>
-            <a:r>
-              <a:rPr lang="pt-PT" sz="2400" dirty="0" smtClean="0"/>
-              <a:t>Metodologia de desenvolvimento da interface e processos de avaliação da usabilidade foram fundamentais para atingir objetivos</a:t>
-            </a:r>
-          </a:p>
-          <a:p>
-            <a:pPr marL="342900" indent="-342900">
-              <a:buFont typeface="Arial" panose="020B0604020202020204" pitchFamily="34" charset="0"/>
-              <a:buChar char="•"/>
-            </a:pPr>
-            <a:r>
-              <a:rPr lang="pt-PT" sz="2400" dirty="0" smtClean="0"/>
-              <a:t>Criada solução única e customizada ao processo de Fabrico Aditivo</a:t>
-            </a:r>
-          </a:p>
-          <a:p>
-            <a:pPr marL="800100" lvl="1" indent="-342900">
-              <a:buFont typeface="Arial" panose="020B0604020202020204" pitchFamily="34" charset="0"/>
-              <a:buChar char="•"/>
-            </a:pPr>
-            <a:endParaRPr lang="pt-PT" sz="2400" dirty="0" smtClean="0"/>
-          </a:p>
-          <a:p>
-            <a:pPr marL="342900" indent="-342900">
-              <a:buFont typeface="Arial" panose="020B0604020202020204" pitchFamily="34" charset="0"/>
-              <a:buChar char="•"/>
-            </a:pPr>
-            <a:endParaRPr lang="pt-PT" sz="2400" dirty="0" smtClean="0"/>
-          </a:p>
-          <a:p>
-            <a:pPr marL="342900" indent="-342900">
-              <a:buFont typeface="Arial" panose="020B0604020202020204" pitchFamily="34" charset="0"/>
-              <a:buChar char="•"/>
-            </a:pPr>
-            <a:endParaRPr lang="pt-PT" sz="2400" dirty="0"/>
-          </a:p>
-          <a:p>
+              <a:t>A metodologia centrada no operador revelou-se fundamental para atingir os objetivos propostos, e resultando numa solução próxima do “excelente”.</a:t>
+            </a:r>
             <a:endParaRPr lang="pt-PT" sz="2400" dirty="0"/>
           </a:p>
           <a:p>
@@ -7930,8 +7855,8 @@
         </p:blipFill>
         <p:spPr>
           <a:xfrm>
-            <a:off x="10556470" y="132544"/>
-            <a:ext cx="1555746" cy="1037905"/>
+            <a:off x="10597614" y="132545"/>
+            <a:ext cx="1514602" cy="1010456"/>
           </a:xfrm>
           <a:prstGeom prst="rect">
             <a:avLst/>
@@ -7941,7 +7866,7 @@
     </p:spTree>
     <p:extLst>
       <p:ext uri="{BB962C8B-B14F-4D97-AF65-F5344CB8AC3E}">
-        <p14:creationId xmlns:p14="http://schemas.microsoft.com/office/powerpoint/2010/main" val="50805112"/>
+        <p14:creationId xmlns:p14="http://schemas.microsoft.com/office/powerpoint/2010/main" val="3662048977"/>
       </p:ext>
     </p:extLst>
   </p:cSld>
@@ -8340,13 +8265,13 @@
             <a:endParaRPr lang="pt-PT" sz="2400" dirty="0"/>
           </a:p>
           <a:p>
-            <a:pPr marL="342900" indent="-342900">
-              <a:buFont typeface="Arial" panose="020B0604020202020204" pitchFamily="34" charset="0"/>
-              <a:buChar char="•"/>
-            </a:pPr>
             <a:r>
               <a:rPr lang="pt-PT" sz="2400" dirty="0" smtClean="0"/>
-              <a:t>Finalizar requisitos (</a:t>
+              <a:t>Finalizar </a:t>
+            </a:r>
+            <a:r>
+              <a:rPr lang="pt-PT" sz="2400" dirty="0" smtClean="0"/>
+              <a:t>requisitos (</a:t>
             </a:r>
             <a:r>
               <a:rPr lang="pt-PT" sz="2400" dirty="0" err="1" smtClean="0"/>
@@ -8430,10 +8355,6 @@
             <a:endParaRPr lang="pt-PT" sz="2400" dirty="0" smtClean="0"/>
           </a:p>
           <a:p>
-            <a:pPr marL="342900" indent="-342900">
-              <a:buFont typeface="Arial" panose="020B0604020202020204" pitchFamily="34" charset="0"/>
-              <a:buChar char="•"/>
-            </a:pPr>
             <a:r>
               <a:rPr lang="pt-PT" sz="2400" dirty="0" smtClean="0"/>
               <a:t>Integração de módulo de Realidade Aumentada para visualização da peça</a:t>
@@ -9024,11 +8945,7 @@
             </a:pPr>
             <a:r>
               <a:rPr lang="pt-PT" sz="2000" dirty="0" smtClean="0"/>
-              <a:t>Estado </a:t>
-            </a:r>
-            <a:r>
-              <a:rPr lang="pt-PT" sz="2000" dirty="0" smtClean="0"/>
-              <a:t>da Arte</a:t>
+              <a:t>Estado da Arte</a:t>
             </a:r>
           </a:p>
           <a:p>
@@ -12401,11 +12318,7 @@
             </a:pPr>
             <a:r>
               <a:rPr lang="pt-PT" sz="2400" dirty="0" smtClean="0"/>
-              <a:t>Questões </a:t>
-            </a:r>
-            <a:r>
-              <a:rPr lang="pt-PT" sz="2400" dirty="0" smtClean="0"/>
-              <a:t>abertas e </a:t>
+              <a:t>Questões abertas e </a:t>
             </a:r>
             <a:r>
               <a:rPr lang="pt-PT" sz="2400" dirty="0" err="1" smtClean="0"/>

--- a/Apresentacao_Final_MarcoRodrigues4652.pptx
+++ b/Apresentacao_Final_MarcoRodrigues4652.pptx
@@ -5,7 +5,7 @@
     <p:sldMasterId id="2147483660" r:id="rId1"/>
   </p:sldMasterIdLst>
   <p:notesMasterIdLst>
-    <p:notesMasterId r:id="rId18"/>
+    <p:notesMasterId r:id="rId19"/>
   </p:notesMasterIdLst>
   <p:sldIdLst>
     <p:sldId id="256" r:id="rId2"/>
@@ -14,16 +14,17 @@
     <p:sldId id="340" r:id="rId5"/>
     <p:sldId id="341" r:id="rId6"/>
     <p:sldId id="347" r:id="rId7"/>
-    <p:sldId id="348" r:id="rId8"/>
-    <p:sldId id="349" r:id="rId9"/>
-    <p:sldId id="364" r:id="rId10"/>
-    <p:sldId id="355" r:id="rId11"/>
-    <p:sldId id="356" r:id="rId12"/>
-    <p:sldId id="360" r:id="rId13"/>
-    <p:sldId id="361" r:id="rId14"/>
-    <p:sldId id="365" r:id="rId15"/>
-    <p:sldId id="363" r:id="rId16"/>
-    <p:sldId id="325" r:id="rId17"/>
+    <p:sldId id="366" r:id="rId8"/>
+    <p:sldId id="348" r:id="rId9"/>
+    <p:sldId id="349" r:id="rId10"/>
+    <p:sldId id="364" r:id="rId11"/>
+    <p:sldId id="355" r:id="rId12"/>
+    <p:sldId id="356" r:id="rId13"/>
+    <p:sldId id="360" r:id="rId14"/>
+    <p:sldId id="361" r:id="rId15"/>
+    <p:sldId id="365" r:id="rId16"/>
+    <p:sldId id="363" r:id="rId17"/>
+    <p:sldId id="325" r:id="rId18"/>
   </p:sldIdLst>
   <p:sldSz cx="12192000" cy="6858000"/>
   <p:notesSz cx="6858000" cy="9144000"/>
@@ -4749,33 +4750,13 @@
           <a:p>
             <a:r>
               <a:rPr lang="pt-PT" dirty="0" smtClean="0"/>
-              <a:t>Professor Doutor </a:t>
-            </a:r>
+              <a:t>Professor Doutor Pedro moreira</a:t>
+            </a:r>
+          </a:p>
+          <a:p>
             <a:r>
               <a:rPr lang="pt-PT" dirty="0" smtClean="0"/>
-              <a:t>Pedro moreira</a:t>
-            </a:r>
-          </a:p>
-          <a:p>
-            <a:r>
-              <a:rPr lang="pt-PT" dirty="0" smtClean="0"/>
-              <a:t>MESTRE </a:t>
-            </a:r>
-            <a:r>
-              <a:rPr lang="pt-PT" dirty="0" smtClean="0"/>
-              <a:t>Eng</a:t>
-            </a:r>
-            <a:r>
-              <a:rPr lang="pt-PT" dirty="0" smtClean="0"/>
-              <a:t>enheiro</a:t>
-            </a:r>
-            <a:r>
-              <a:rPr lang="pt-PT" dirty="0" smtClean="0"/>
-              <a:t> </a:t>
-            </a:r>
-            <a:r>
-              <a:rPr lang="pt-PT" dirty="0" smtClean="0"/>
-              <a:t>João Paulo pereira (INEGI)</a:t>
+              <a:t>MESTRE Engenheiro João Paulo pereira (INEGI)</a:t>
             </a:r>
           </a:p>
           <a:p>
@@ -5453,7 +5434,7 @@
         <p:spPr>
           <a:xfrm>
             <a:off x="444999" y="166025"/>
-            <a:ext cx="11187368" cy="5755422"/>
+            <a:ext cx="11187368" cy="6124754"/>
           </a:xfrm>
           <a:prstGeom prst="rect">
             <a:avLst/>
@@ -5476,16 +5457,12 @@
           </a:p>
           <a:p>
             <a:r>
-              <a:rPr lang="pt-PT" sz="2400" u="sng" dirty="0"/>
+              <a:rPr lang="pt-PT" sz="2400" u="sng" dirty="0" smtClean="0"/>
               <a:t>Sistema Desenvolvido:</a:t>
             </a:r>
           </a:p>
           <a:p>
-            <a:pPr marL="342900" indent="-342900">
-              <a:buFont typeface="Arial" panose="020B0604020202020204" pitchFamily="34" charset="0"/>
-              <a:buChar char="•"/>
-            </a:pPr>
-            <a:endParaRPr lang="pt-PT" sz="2400" dirty="0" smtClean="0"/>
+            <a:endParaRPr lang="pt-PT" sz="2400" u="sng" dirty="0"/>
           </a:p>
           <a:p>
             <a:pPr marL="342900" indent="-342900">
@@ -5494,45 +5471,42 @@
             </a:pPr>
             <a:r>
               <a:rPr lang="pt-PT" sz="2400" dirty="0" smtClean="0"/>
-              <a:t>Listagem de execuções</a:t>
-            </a:r>
-          </a:p>
-          <a:p>
-            <a:pPr marL="342900" indent="-342900">
-              <a:buFont typeface="Arial" panose="020B0604020202020204" pitchFamily="34" charset="0"/>
-              <a:buChar char="•"/>
-            </a:pPr>
+              <a:t>Ecrã principal</a:t>
+            </a:r>
             <a:endParaRPr lang="pt-PT" sz="2400" dirty="0"/>
           </a:p>
           <a:p>
-            <a:pPr marL="342900" indent="-342900">
-              <a:buFont typeface="Arial" panose="020B0604020202020204" pitchFamily="34" charset="0"/>
-              <a:buChar char="•"/>
-            </a:pPr>
-            <a:endParaRPr lang="pt-PT" sz="2400" dirty="0" smtClean="0"/>
-          </a:p>
-          <a:p>
-            <a:pPr marL="342900" indent="-342900">
-              <a:buFont typeface="Arial" panose="020B0604020202020204" pitchFamily="34" charset="0"/>
-              <a:buChar char="•"/>
-            </a:pPr>
             <a:endParaRPr lang="pt-PT" sz="2400" dirty="0"/>
           </a:p>
           <a:p>
-            <a:pPr marL="342900" indent="-342900">
-              <a:buFont typeface="Arial" panose="020B0604020202020204" pitchFamily="34" charset="0"/>
-              <a:buChar char="•"/>
-            </a:pPr>
-            <a:endParaRPr lang="pt-PT" sz="2400" dirty="0" smtClean="0"/>
-          </a:p>
-          <a:p>
-            <a:pPr marL="342900" indent="-342900">
+            <a:endParaRPr lang="pt-PT" sz="2400" dirty="0" smtClean="0"/>
+          </a:p>
+          <a:p>
+            <a:pPr marL="1257300" lvl="2" indent="-342900">
+              <a:buFont typeface="Arial" panose="020B0604020202020204" pitchFamily="34" charset="0"/>
+              <a:buChar char="•"/>
+            </a:pPr>
+            <a:endParaRPr lang="pt-PT" sz="2400" dirty="0" smtClean="0"/>
+          </a:p>
+          <a:p>
+            <a:pPr marL="1257300" lvl="2" indent="-342900">
               <a:buFont typeface="Arial" panose="020B0604020202020204" pitchFamily="34" charset="0"/>
               <a:buChar char="•"/>
             </a:pPr>
             <a:endParaRPr lang="pt-PT" sz="2400" dirty="0"/>
           </a:p>
           <a:p>
+            <a:pPr marL="1257300" lvl="2" indent="-342900">
+              <a:buFont typeface="Arial" panose="020B0604020202020204" pitchFamily="34" charset="0"/>
+              <a:buChar char="•"/>
+            </a:pPr>
+            <a:endParaRPr lang="pt-PT" sz="2400" dirty="0" smtClean="0"/>
+          </a:p>
+          <a:p>
+            <a:pPr lvl="2"/>
+            <a:endParaRPr lang="pt-PT" sz="2400" dirty="0" smtClean="0"/>
+          </a:p>
+          <a:p>
             <a:pPr marL="342900" indent="-342900">
               <a:buFont typeface="Arial" panose="020B0604020202020204" pitchFamily="34" charset="0"/>
               <a:buChar char="•"/>
@@ -5551,11 +5525,7 @@
               <a:buFont typeface="Arial" panose="020B0604020202020204" pitchFamily="34" charset="0"/>
               <a:buChar char="•"/>
             </a:pPr>
-            <a:r>
-              <a:rPr lang="pt-PT" sz="2400" dirty="0" smtClean="0"/>
-              <a:t>Visualização 3D</a:t>
-            </a:r>
-            <a:endParaRPr lang="pt-PT" sz="2400" dirty="0"/>
+            <a:endParaRPr lang="pt-PT" sz="2400" dirty="0" smtClean="0"/>
           </a:p>
           <a:p>
             <a:endParaRPr lang="pt-PT" sz="2400" dirty="0"/>
@@ -5608,7 +5578,7 @@
           <p:nvPr/>
         </p:nvPicPr>
         <p:blipFill>
-          <a:blip r:embed="rId3" cstate="print">
+          <a:blip r:embed="rId3">
             <a:extLst>
               <a:ext uri="{28A0092B-C50C-407E-A947-70E740481C1C}">
                 <a14:useLocalDpi xmlns:a14="http://schemas.microsoft.com/office/drawing/2010/main" val="0"/>
@@ -5621,38 +5591,8 @@
         </p:blipFill>
         <p:spPr>
           <a:xfrm>
-            <a:off x="3842689" y="3741653"/>
-            <a:ext cx="4511529" cy="2536496"/>
-          </a:xfrm>
-          <a:prstGeom prst="rect">
-            <a:avLst/>
-          </a:prstGeom>
-        </p:spPr>
-      </p:pic>
-      <p:pic>
-        <p:nvPicPr>
-          <p:cNvPr id="5" name="Imagem 4"/>
-          <p:cNvPicPr>
-            <a:picLocks noChangeAspect="1"/>
-          </p:cNvPicPr>
-          <p:nvPr/>
-        </p:nvPicPr>
-        <p:blipFill>
-          <a:blip r:embed="rId4" cstate="print">
-            <a:extLst>
-              <a:ext uri="{28A0092B-C50C-407E-A947-70E740481C1C}">
-                <a14:useLocalDpi xmlns:a14="http://schemas.microsoft.com/office/drawing/2010/main" val="0"/>
-              </a:ext>
-            </a:extLst>
-          </a:blip>
-          <a:stretch>
-            <a:fillRect/>
-          </a:stretch>
-        </p:blipFill>
-        <p:spPr>
-          <a:xfrm>
-            <a:off x="3842689" y="493251"/>
-            <a:ext cx="5700003" cy="3080061"/>
+            <a:off x="2720306" y="1494038"/>
+            <a:ext cx="8492176" cy="4774518"/>
           </a:xfrm>
           <a:prstGeom prst="rect">
             <a:avLst/>
@@ -5662,7 +5602,7 @@
     </p:spTree>
     <p:extLst>
       <p:ext uri="{BB962C8B-B14F-4D97-AF65-F5344CB8AC3E}">
-        <p14:creationId xmlns:p14="http://schemas.microsoft.com/office/powerpoint/2010/main" val="1568297513"/>
+        <p14:creationId xmlns:p14="http://schemas.microsoft.com/office/powerpoint/2010/main" val="3347195260"/>
       </p:ext>
     </p:extLst>
   </p:cSld>
@@ -6039,7 +5979,7 @@
         <p:spPr>
           <a:xfrm>
             <a:off x="444999" y="166025"/>
-            <a:ext cx="11187368" cy="6124754"/>
+            <a:ext cx="11187368" cy="5755422"/>
           </a:xfrm>
           <a:prstGeom prst="rect">
             <a:avLst/>
@@ -6062,9 +6002,16 @@
           </a:p>
           <a:p>
             <a:r>
-              <a:rPr lang="pt-PT" sz="2400" u="sng" dirty="0" smtClean="0"/>
-              <a:t>Resultados Obtidos</a:t>
-            </a:r>
+              <a:rPr lang="pt-PT" sz="2400" u="sng" dirty="0"/>
+              <a:t>Sistema Desenvolvido:</a:t>
+            </a:r>
+          </a:p>
+          <a:p>
+            <a:pPr marL="342900" indent="-342900">
+              <a:buFont typeface="Arial" panose="020B0604020202020204" pitchFamily="34" charset="0"/>
+              <a:buChar char="•"/>
+            </a:pPr>
+            <a:endParaRPr lang="pt-PT" sz="2400" dirty="0" smtClean="0"/>
           </a:p>
           <a:p>
             <a:pPr marL="342900" indent="-342900">
@@ -6073,8 +6020,57 @@
             </a:pPr>
             <a:r>
               <a:rPr lang="pt-PT" sz="2400" dirty="0" smtClean="0"/>
-              <a:t>Testes com utilizadores no equipamento final</a:t>
-            </a:r>
+              <a:t>Listagem de execuções</a:t>
+            </a:r>
+          </a:p>
+          <a:p>
+            <a:pPr marL="342900" indent="-342900">
+              <a:buFont typeface="Arial" panose="020B0604020202020204" pitchFamily="34" charset="0"/>
+              <a:buChar char="•"/>
+            </a:pPr>
+            <a:endParaRPr lang="pt-PT" sz="2400" dirty="0"/>
+          </a:p>
+          <a:p>
+            <a:pPr marL="342900" indent="-342900">
+              <a:buFont typeface="Arial" panose="020B0604020202020204" pitchFamily="34" charset="0"/>
+              <a:buChar char="•"/>
+            </a:pPr>
+            <a:endParaRPr lang="pt-PT" sz="2400" dirty="0" smtClean="0"/>
+          </a:p>
+          <a:p>
+            <a:pPr marL="342900" indent="-342900">
+              <a:buFont typeface="Arial" panose="020B0604020202020204" pitchFamily="34" charset="0"/>
+              <a:buChar char="•"/>
+            </a:pPr>
+            <a:endParaRPr lang="pt-PT" sz="2400" dirty="0"/>
+          </a:p>
+          <a:p>
+            <a:pPr marL="342900" indent="-342900">
+              <a:buFont typeface="Arial" panose="020B0604020202020204" pitchFamily="34" charset="0"/>
+              <a:buChar char="•"/>
+            </a:pPr>
+            <a:endParaRPr lang="pt-PT" sz="2400" dirty="0" smtClean="0"/>
+          </a:p>
+          <a:p>
+            <a:pPr marL="342900" indent="-342900">
+              <a:buFont typeface="Arial" panose="020B0604020202020204" pitchFamily="34" charset="0"/>
+              <a:buChar char="•"/>
+            </a:pPr>
+            <a:endParaRPr lang="pt-PT" sz="2400" dirty="0"/>
+          </a:p>
+          <a:p>
+            <a:pPr marL="342900" indent="-342900">
+              <a:buFont typeface="Arial" panose="020B0604020202020204" pitchFamily="34" charset="0"/>
+              <a:buChar char="•"/>
+            </a:pPr>
+            <a:endParaRPr lang="pt-PT" sz="2400" dirty="0" smtClean="0"/>
+          </a:p>
+          <a:p>
+            <a:pPr marL="342900" indent="-342900">
+              <a:buFont typeface="Arial" panose="020B0604020202020204" pitchFamily="34" charset="0"/>
+              <a:buChar char="•"/>
+            </a:pPr>
+            <a:endParaRPr lang="pt-PT" sz="2400" dirty="0"/>
           </a:p>
           <a:p>
             <a:pPr marL="342900" indent="-342900">
@@ -6083,70 +6079,11 @@
             </a:pPr>
             <a:r>
               <a:rPr lang="pt-PT" sz="2400" dirty="0" smtClean="0"/>
-              <a:t>Impressão de uma peça</a:t>
-            </a:r>
-          </a:p>
-          <a:p>
-            <a:pPr marL="342900" indent="-342900">
-              <a:buFont typeface="Arial" panose="020B0604020202020204" pitchFamily="34" charset="0"/>
-              <a:buChar char="•"/>
-            </a:pPr>
-            <a:endParaRPr lang="pt-PT" sz="2400" dirty="0" smtClean="0"/>
-          </a:p>
-          <a:p>
-            <a:pPr marL="342900" indent="-342900">
-              <a:buFont typeface="Arial" panose="020B0604020202020204" pitchFamily="34" charset="0"/>
-              <a:buChar char="•"/>
-            </a:pPr>
+              <a:t>Visualização 3D</a:t>
+            </a:r>
             <a:endParaRPr lang="pt-PT" sz="2400" dirty="0"/>
           </a:p>
           <a:p>
-            <a:pPr marL="342900" indent="-342900">
-              <a:buFont typeface="Arial" panose="020B0604020202020204" pitchFamily="34" charset="0"/>
-              <a:buChar char="•"/>
-            </a:pPr>
-            <a:endParaRPr lang="pt-PT" sz="2400" dirty="0" smtClean="0"/>
-          </a:p>
-          <a:p>
-            <a:pPr marL="342900" indent="-342900">
-              <a:buFont typeface="Arial" panose="020B0604020202020204" pitchFamily="34" charset="0"/>
-              <a:buChar char="•"/>
-            </a:pPr>
-            <a:endParaRPr lang="pt-PT" sz="2400" dirty="0"/>
-          </a:p>
-          <a:p>
-            <a:pPr marL="342900" indent="-342900">
-              <a:buFont typeface="Arial" panose="020B0604020202020204" pitchFamily="34" charset="0"/>
-              <a:buChar char="•"/>
-            </a:pPr>
-            <a:endParaRPr lang="pt-PT" sz="2400" dirty="0"/>
-          </a:p>
-          <a:p>
-            <a:endParaRPr lang="pt-PT" sz="2400" dirty="0" smtClean="0"/>
-          </a:p>
-          <a:p>
-            <a:pPr marL="1257300" lvl="2" indent="-342900">
-              <a:buFont typeface="Arial" panose="020B0604020202020204" pitchFamily="34" charset="0"/>
-              <a:buChar char="•"/>
-            </a:pPr>
-            <a:endParaRPr lang="pt-PT" sz="2400" dirty="0" smtClean="0"/>
-          </a:p>
-          <a:p>
-            <a:pPr marL="1257300" lvl="2" indent="-342900">
-              <a:buFont typeface="Arial" panose="020B0604020202020204" pitchFamily="34" charset="0"/>
-              <a:buChar char="•"/>
-            </a:pPr>
-            <a:endParaRPr lang="pt-PT" sz="2400" dirty="0"/>
-          </a:p>
-          <a:p>
-            <a:pPr marL="1257300" lvl="2" indent="-342900">
-              <a:buFont typeface="Arial" panose="020B0604020202020204" pitchFamily="34" charset="0"/>
-              <a:buChar char="•"/>
-            </a:pPr>
-            <a:endParaRPr lang="pt-PT" sz="2400" dirty="0" smtClean="0"/>
-          </a:p>
-          <a:p>
-            <a:pPr lvl="2"/>
             <a:endParaRPr lang="pt-PT" sz="2400" dirty="0"/>
           </a:p>
           <a:p>
@@ -6190,7 +6127,7 @@
       </p:pic>
       <p:pic>
         <p:nvPicPr>
-          <p:cNvPr id="9" name="Imagem 8"/>
+          <p:cNvPr id="3" name="Imagem 2"/>
           <p:cNvPicPr>
             <a:picLocks noChangeAspect="1"/>
           </p:cNvPicPr>
@@ -6210,8 +6147,8 @@
         </p:blipFill>
         <p:spPr>
           <a:xfrm>
-            <a:off x="475129" y="2445547"/>
-            <a:ext cx="5491521" cy="3088979"/>
+            <a:off x="3842689" y="3741653"/>
+            <a:ext cx="4511529" cy="2536496"/>
           </a:xfrm>
           <a:prstGeom prst="rect">
             <a:avLst/>
@@ -6220,7 +6157,7 @@
       </p:pic>
       <p:pic>
         <p:nvPicPr>
-          <p:cNvPr id="13" name="Imagem 12"/>
+          <p:cNvPr id="5" name="Imagem 4"/>
           <p:cNvPicPr>
             <a:picLocks noChangeAspect="1"/>
           </p:cNvPicPr>
@@ -6240,8 +6177,8 @@
         </p:blipFill>
         <p:spPr>
           <a:xfrm>
-            <a:off x="6380775" y="2445547"/>
-            <a:ext cx="5491517" cy="3088979"/>
+            <a:off x="3842689" y="493251"/>
+            <a:ext cx="5700003" cy="3080061"/>
           </a:xfrm>
           <a:prstGeom prst="rect">
             <a:avLst/>
@@ -6251,7 +6188,7 @@
     </p:spTree>
     <p:extLst>
       <p:ext uri="{BB962C8B-B14F-4D97-AF65-F5344CB8AC3E}">
-        <p14:creationId xmlns:p14="http://schemas.microsoft.com/office/powerpoint/2010/main" val="1104235041"/>
+        <p14:creationId xmlns:p14="http://schemas.microsoft.com/office/powerpoint/2010/main" val="1568297513"/>
       </p:ext>
     </p:extLst>
   </p:cSld>
@@ -6651,7 +6588,7 @@
           </a:p>
           <a:p>
             <a:r>
-              <a:rPr lang="pt-PT" sz="2400" u="sng" dirty="0"/>
+              <a:rPr lang="pt-PT" sz="2400" u="sng" dirty="0" smtClean="0"/>
               <a:t>Resultados Obtidos</a:t>
             </a:r>
           </a:p>
@@ -6662,11 +6599,55 @@
             </a:pPr>
             <a:r>
               <a:rPr lang="pt-PT" sz="2400" dirty="0" smtClean="0"/>
-              <a:t>Temperaturas registadas durante a impressão da peça</a:t>
-            </a:r>
+              <a:t>Testes com utilizadores no equipamento final</a:t>
+            </a:r>
+          </a:p>
+          <a:p>
+            <a:pPr marL="342900" indent="-342900">
+              <a:buFont typeface="Arial" panose="020B0604020202020204" pitchFamily="34" charset="0"/>
+              <a:buChar char="•"/>
+            </a:pPr>
+            <a:r>
+              <a:rPr lang="pt-PT" sz="2400" dirty="0" smtClean="0"/>
+              <a:t>Impressão de uma peça</a:t>
+            </a:r>
+          </a:p>
+          <a:p>
+            <a:pPr marL="342900" indent="-342900">
+              <a:buFont typeface="Arial" panose="020B0604020202020204" pitchFamily="34" charset="0"/>
+              <a:buChar char="•"/>
+            </a:pPr>
+            <a:endParaRPr lang="pt-PT" sz="2400" dirty="0" smtClean="0"/>
+          </a:p>
+          <a:p>
+            <a:pPr marL="342900" indent="-342900">
+              <a:buFont typeface="Arial" panose="020B0604020202020204" pitchFamily="34" charset="0"/>
+              <a:buChar char="•"/>
+            </a:pPr>
             <a:endParaRPr lang="pt-PT" sz="2400" dirty="0"/>
           </a:p>
           <a:p>
+            <a:pPr marL="342900" indent="-342900">
+              <a:buFont typeface="Arial" panose="020B0604020202020204" pitchFamily="34" charset="0"/>
+              <a:buChar char="•"/>
+            </a:pPr>
+            <a:endParaRPr lang="pt-PT" sz="2400" dirty="0" smtClean="0"/>
+          </a:p>
+          <a:p>
+            <a:pPr marL="342900" indent="-342900">
+              <a:buFont typeface="Arial" panose="020B0604020202020204" pitchFamily="34" charset="0"/>
+              <a:buChar char="•"/>
+            </a:pPr>
+            <a:endParaRPr lang="pt-PT" sz="2400" dirty="0"/>
+          </a:p>
+          <a:p>
+            <a:pPr marL="342900" indent="-342900">
+              <a:buFont typeface="Arial" panose="020B0604020202020204" pitchFamily="34" charset="0"/>
+              <a:buChar char="•"/>
+            </a:pPr>
+            <a:endParaRPr lang="pt-PT" sz="2400" dirty="0"/>
+          </a:p>
+          <a:p>
             <a:endParaRPr lang="pt-PT" sz="2400" dirty="0" smtClean="0"/>
           </a:p>
           <a:p>
@@ -6692,45 +6673,6 @@
           </a:p>
           <a:p>
             <a:pPr lvl="2"/>
-            <a:endParaRPr lang="pt-PT" sz="2400" dirty="0"/>
-          </a:p>
-          <a:p>
-            <a:pPr marL="1257300" lvl="2" indent="-342900">
-              <a:buFont typeface="Arial" panose="020B0604020202020204" pitchFamily="34" charset="0"/>
-              <a:buChar char="•"/>
-            </a:pPr>
-            <a:endParaRPr lang="pt-PT" sz="2400" dirty="0" smtClean="0"/>
-          </a:p>
-          <a:p>
-            <a:pPr lvl="2"/>
-            <a:endParaRPr lang="pt-PT" sz="2400" dirty="0" smtClean="0"/>
-          </a:p>
-          <a:p>
-            <a:pPr marL="342900" indent="-342900">
-              <a:buFont typeface="Arial" panose="020B0604020202020204" pitchFamily="34" charset="0"/>
-              <a:buChar char="•"/>
-            </a:pPr>
-            <a:endParaRPr lang="pt-PT" sz="2400" dirty="0" smtClean="0"/>
-          </a:p>
-          <a:p>
-            <a:pPr marL="342900" indent="-342900">
-              <a:buFont typeface="Arial" panose="020B0604020202020204" pitchFamily="34" charset="0"/>
-              <a:buChar char="•"/>
-            </a:pPr>
-            <a:endParaRPr lang="pt-PT" sz="2400" dirty="0"/>
-          </a:p>
-          <a:p>
-            <a:pPr marL="342900" indent="-342900">
-              <a:buFont typeface="Arial" panose="020B0604020202020204" pitchFamily="34" charset="0"/>
-              <a:buChar char="•"/>
-            </a:pPr>
-            <a:endParaRPr lang="pt-PT" sz="2400" dirty="0" smtClean="0"/>
-          </a:p>
-          <a:p>
-            <a:pPr marL="342900" indent="-342900">
-              <a:buFont typeface="Arial" panose="020B0604020202020204" pitchFamily="34" charset="0"/>
-              <a:buChar char="•"/>
-            </a:pPr>
             <a:endParaRPr lang="pt-PT" sz="2400" dirty="0"/>
           </a:p>
           <a:p>
@@ -6774,14 +6716,14 @@
       </p:pic>
       <p:pic>
         <p:nvPicPr>
-          <p:cNvPr id="4" name="Imagem 3"/>
+          <p:cNvPr id="9" name="Imagem 8"/>
           <p:cNvPicPr>
             <a:picLocks noChangeAspect="1"/>
           </p:cNvPicPr>
           <p:nvPr/>
         </p:nvPicPr>
         <p:blipFill>
-          <a:blip r:embed="rId3">
+          <a:blip r:embed="rId3" cstate="print">
             <a:extLst>
               <a:ext uri="{28A0092B-C50C-407E-A947-70E740481C1C}">
                 <a14:useLocalDpi xmlns:a14="http://schemas.microsoft.com/office/drawing/2010/main" val="0"/>
@@ -6794,8 +6736,38 @@
         </p:blipFill>
         <p:spPr>
           <a:xfrm>
-            <a:off x="2092827" y="1808285"/>
-            <a:ext cx="7487099" cy="4370199"/>
+            <a:off x="475129" y="2445547"/>
+            <a:ext cx="5491521" cy="3088979"/>
+          </a:xfrm>
+          <a:prstGeom prst="rect">
+            <a:avLst/>
+          </a:prstGeom>
+        </p:spPr>
+      </p:pic>
+      <p:pic>
+        <p:nvPicPr>
+          <p:cNvPr id="13" name="Imagem 12"/>
+          <p:cNvPicPr>
+            <a:picLocks noChangeAspect="1"/>
+          </p:cNvPicPr>
+          <p:nvPr/>
+        </p:nvPicPr>
+        <p:blipFill>
+          <a:blip r:embed="rId4" cstate="print">
+            <a:extLst>
+              <a:ext uri="{28A0092B-C50C-407E-A947-70E740481C1C}">
+                <a14:useLocalDpi xmlns:a14="http://schemas.microsoft.com/office/drawing/2010/main" val="0"/>
+              </a:ext>
+            </a:extLst>
+          </a:blip>
+          <a:stretch>
+            <a:fillRect/>
+          </a:stretch>
+        </p:blipFill>
+        <p:spPr>
+          <a:xfrm>
+            <a:off x="6380775" y="2445547"/>
+            <a:ext cx="5491517" cy="3088979"/>
           </a:xfrm>
           <a:prstGeom prst="rect">
             <a:avLst/>
@@ -6805,7 +6777,7 @@
     </p:spTree>
     <p:extLst>
       <p:ext uri="{BB962C8B-B14F-4D97-AF65-F5344CB8AC3E}">
-        <p14:creationId xmlns:p14="http://schemas.microsoft.com/office/powerpoint/2010/main" val="2092686563"/>
+        <p14:creationId xmlns:p14="http://schemas.microsoft.com/office/powerpoint/2010/main" val="1104235041"/>
       </p:ext>
     </p:extLst>
   </p:cSld>
@@ -7201,14 +7173,13 @@
             </a:r>
           </a:p>
           <a:p>
-            <a:endParaRPr lang="pt-PT" sz="2400" u="sng" dirty="0" smtClean="0"/>
-          </a:p>
-          <a:p>
-            <a:r>
-              <a:rPr lang="pt-PT" sz="2400" u="sng" dirty="0" smtClean="0"/>
-              <a:t>Avaliação</a:t>
-            </a:r>
-            <a:endParaRPr lang="pt-PT" sz="2400" u="sng" dirty="0"/>
+            <a:endParaRPr lang="pt-PT" sz="2400" dirty="0" smtClean="0"/>
+          </a:p>
+          <a:p>
+            <a:r>
+              <a:rPr lang="pt-PT" sz="2400" u="sng" dirty="0"/>
+              <a:t>Resultados Obtidos</a:t>
+            </a:r>
           </a:p>
           <a:p>
             <a:pPr marL="342900" indent="-342900">
@@ -7217,45 +7188,50 @@
             </a:pPr>
             <a:r>
               <a:rPr lang="pt-PT" sz="2400" dirty="0" smtClean="0"/>
-              <a:t>Realizado novo inquérito SUS</a:t>
-            </a:r>
-          </a:p>
-          <a:p>
-            <a:pPr marL="342900" indent="-342900">
-              <a:buFont typeface="Arial" panose="020B0604020202020204" pitchFamily="34" charset="0"/>
-              <a:buChar char="•"/>
-            </a:pPr>
+              <a:t>Temperaturas registadas durante a impressão da peça</a:t>
+            </a:r>
             <a:endParaRPr lang="pt-PT" sz="2400" dirty="0"/>
           </a:p>
           <a:p>
-            <a:pPr marL="342900" indent="-342900">
-              <a:buFont typeface="Arial" panose="020B0604020202020204" pitchFamily="34" charset="0"/>
-              <a:buChar char="•"/>
-            </a:pPr>
-            <a:endParaRPr lang="pt-PT" sz="2400" dirty="0" smtClean="0"/>
-          </a:p>
-          <a:p>
-            <a:pPr marL="342900" indent="-342900">
+            <a:endParaRPr lang="pt-PT" sz="2400" dirty="0" smtClean="0"/>
+          </a:p>
+          <a:p>
+            <a:pPr marL="1257300" lvl="2" indent="-342900">
+              <a:buFont typeface="Arial" panose="020B0604020202020204" pitchFamily="34" charset="0"/>
+              <a:buChar char="•"/>
+            </a:pPr>
+            <a:endParaRPr lang="pt-PT" sz="2400" dirty="0" smtClean="0"/>
+          </a:p>
+          <a:p>
+            <a:pPr marL="1257300" lvl="2" indent="-342900">
               <a:buFont typeface="Arial" panose="020B0604020202020204" pitchFamily="34" charset="0"/>
               <a:buChar char="•"/>
             </a:pPr>
             <a:endParaRPr lang="pt-PT" sz="2400" dirty="0"/>
           </a:p>
           <a:p>
-            <a:pPr marL="342900" indent="-342900">
-              <a:buFont typeface="Arial" panose="020B0604020202020204" pitchFamily="34" charset="0"/>
-              <a:buChar char="•"/>
-            </a:pPr>
-            <a:endParaRPr lang="pt-PT" sz="2400" dirty="0" smtClean="0"/>
-          </a:p>
-          <a:p>
-            <a:pPr marL="342900" indent="-342900">
-              <a:buFont typeface="Arial" panose="020B0604020202020204" pitchFamily="34" charset="0"/>
-              <a:buChar char="•"/>
-            </a:pPr>
+            <a:pPr marL="1257300" lvl="2" indent="-342900">
+              <a:buFont typeface="Arial" panose="020B0604020202020204" pitchFamily="34" charset="0"/>
+              <a:buChar char="•"/>
+            </a:pPr>
+            <a:endParaRPr lang="pt-PT" sz="2400" dirty="0" smtClean="0"/>
+          </a:p>
+          <a:p>
+            <a:pPr lvl="2"/>
             <a:endParaRPr lang="pt-PT" sz="2400" dirty="0"/>
           </a:p>
           <a:p>
+            <a:pPr marL="1257300" lvl="2" indent="-342900">
+              <a:buFont typeface="Arial" panose="020B0604020202020204" pitchFamily="34" charset="0"/>
+              <a:buChar char="•"/>
+            </a:pPr>
+            <a:endParaRPr lang="pt-PT" sz="2400" dirty="0" smtClean="0"/>
+          </a:p>
+          <a:p>
+            <a:pPr lvl="2"/>
+            <a:endParaRPr lang="pt-PT" sz="2400" dirty="0" smtClean="0"/>
+          </a:p>
+          <a:p>
             <a:pPr marL="342900" indent="-342900">
               <a:buFont typeface="Arial" panose="020B0604020202020204" pitchFamily="34" charset="0"/>
               <a:buChar char="•"/>
@@ -7282,27 +7258,6 @@
               <a:buChar char="•"/>
             </a:pPr>
             <a:endParaRPr lang="pt-PT" sz="2400" dirty="0"/>
-          </a:p>
-          <a:p>
-            <a:pPr marL="342900" indent="-342900">
-              <a:buFont typeface="Arial" panose="020B0604020202020204" pitchFamily="34" charset="0"/>
-              <a:buChar char="•"/>
-            </a:pPr>
-            <a:endParaRPr lang="pt-PT" sz="2400" dirty="0" smtClean="0"/>
-          </a:p>
-          <a:p>
-            <a:pPr marL="342900" indent="-342900">
-              <a:buFont typeface="Arial" panose="020B0604020202020204" pitchFamily="34" charset="0"/>
-              <a:buChar char="•"/>
-            </a:pPr>
-            <a:r>
-              <a:rPr lang="pt-PT" sz="2400" dirty="0" smtClean="0"/>
-              <a:t>Score Final 89.375 -&gt; </a:t>
-            </a:r>
-            <a:r>
-              <a:rPr lang="pt-PT" sz="2400" u="sng" dirty="0" smtClean="0"/>
-              <a:t>Elevado grau de satisfação</a:t>
-            </a:r>
           </a:p>
           <a:p>
             <a:pPr marL="342900" indent="-342900">
@@ -7345,7 +7300,7 @@
       </p:pic>
       <p:pic>
         <p:nvPicPr>
-          <p:cNvPr id="3" name="Imagem 2"/>
+          <p:cNvPr id="4" name="Imagem 3"/>
           <p:cNvPicPr>
             <a:picLocks noChangeAspect="1"/>
           </p:cNvPicPr>
@@ -7365,8 +7320,8 @@
         </p:blipFill>
         <p:spPr>
           <a:xfrm>
-            <a:off x="1366385" y="2009727"/>
-            <a:ext cx="9520189" cy="2910370"/>
+            <a:off x="2092827" y="1808285"/>
+            <a:ext cx="7487099" cy="4370199"/>
           </a:xfrm>
           <a:prstGeom prst="rect">
             <a:avLst/>
@@ -7376,7 +7331,7 @@
     </p:spTree>
     <p:extLst>
       <p:ext uri="{BB962C8B-B14F-4D97-AF65-F5344CB8AC3E}">
-        <p14:creationId xmlns:p14="http://schemas.microsoft.com/office/powerpoint/2010/main" val="3227102463"/>
+        <p14:creationId xmlns:p14="http://schemas.microsoft.com/office/powerpoint/2010/main" val="2092686563"/>
       </p:ext>
     </p:extLst>
   </p:cSld>
@@ -7768,61 +7723,112 @@
           <a:p>
             <a:r>
               <a:rPr lang="pt-PT" sz="3200" b="1" dirty="0" smtClean="0"/>
-              <a:t>Conclusões</a:t>
-            </a:r>
-          </a:p>
-          <a:p>
-            <a:pPr lvl="2"/>
+              <a:t>Solução Final</a:t>
+            </a:r>
+          </a:p>
+          <a:p>
+            <a:endParaRPr lang="pt-PT" sz="2400" u="sng" dirty="0" smtClean="0"/>
+          </a:p>
+          <a:p>
+            <a:r>
+              <a:rPr lang="pt-PT" sz="2400" u="sng" dirty="0" smtClean="0"/>
+              <a:t>Avaliação</a:t>
+            </a:r>
+            <a:endParaRPr lang="pt-PT" sz="2400" u="sng" dirty="0"/>
+          </a:p>
+          <a:p>
+            <a:pPr marL="342900" indent="-342900">
+              <a:buFont typeface="Arial" panose="020B0604020202020204" pitchFamily="34" charset="0"/>
+              <a:buChar char="•"/>
+            </a:pPr>
+            <a:r>
+              <a:rPr lang="pt-PT" sz="2400" dirty="0" smtClean="0"/>
+              <a:t>Realizado novo inquérito SUS</a:t>
+            </a:r>
+          </a:p>
+          <a:p>
+            <a:pPr marL="342900" indent="-342900">
+              <a:buFont typeface="Arial" panose="020B0604020202020204" pitchFamily="34" charset="0"/>
+              <a:buChar char="•"/>
+            </a:pPr>
             <a:endParaRPr lang="pt-PT" sz="2400" dirty="0"/>
           </a:p>
           <a:p>
+            <a:pPr marL="342900" indent="-342900">
+              <a:buFont typeface="Arial" panose="020B0604020202020204" pitchFamily="34" charset="0"/>
+              <a:buChar char="•"/>
+            </a:pPr>
+            <a:endParaRPr lang="pt-PT" sz="2400" dirty="0" smtClean="0"/>
+          </a:p>
+          <a:p>
+            <a:pPr marL="342900" indent="-342900">
+              <a:buFont typeface="Arial" panose="020B0604020202020204" pitchFamily="34" charset="0"/>
+              <a:buChar char="•"/>
+            </a:pPr>
+            <a:endParaRPr lang="pt-PT" sz="2400" dirty="0"/>
+          </a:p>
+          <a:p>
+            <a:pPr marL="342900" indent="-342900">
+              <a:buFont typeface="Arial" panose="020B0604020202020204" pitchFamily="34" charset="0"/>
+              <a:buChar char="•"/>
+            </a:pPr>
+            <a:endParaRPr lang="pt-PT" sz="2400" dirty="0" smtClean="0"/>
+          </a:p>
+          <a:p>
+            <a:pPr marL="342900" indent="-342900">
+              <a:buFont typeface="Arial" panose="020B0604020202020204" pitchFamily="34" charset="0"/>
+              <a:buChar char="•"/>
+            </a:pPr>
+            <a:endParaRPr lang="pt-PT" sz="2400" dirty="0"/>
+          </a:p>
+          <a:p>
+            <a:pPr marL="342900" indent="-342900">
+              <a:buFont typeface="Arial" panose="020B0604020202020204" pitchFamily="34" charset="0"/>
+              <a:buChar char="•"/>
+            </a:pPr>
+            <a:endParaRPr lang="pt-PT" sz="2400" dirty="0" smtClean="0"/>
+          </a:p>
+          <a:p>
+            <a:pPr marL="342900" indent="-342900">
+              <a:buFont typeface="Arial" panose="020B0604020202020204" pitchFamily="34" charset="0"/>
+              <a:buChar char="•"/>
+            </a:pPr>
+            <a:endParaRPr lang="pt-PT" sz="2400" dirty="0"/>
+          </a:p>
+          <a:p>
+            <a:pPr marL="342900" indent="-342900">
+              <a:buFont typeface="Arial" panose="020B0604020202020204" pitchFamily="34" charset="0"/>
+              <a:buChar char="•"/>
+            </a:pPr>
+            <a:endParaRPr lang="pt-PT" sz="2400" dirty="0" smtClean="0"/>
+          </a:p>
+          <a:p>
+            <a:pPr marL="342900" indent="-342900">
+              <a:buFont typeface="Arial" panose="020B0604020202020204" pitchFamily="34" charset="0"/>
+              <a:buChar char="•"/>
+            </a:pPr>
+            <a:endParaRPr lang="pt-PT" sz="2400" dirty="0"/>
+          </a:p>
+          <a:p>
+            <a:pPr marL="342900" indent="-342900">
+              <a:buFont typeface="Arial" panose="020B0604020202020204" pitchFamily="34" charset="0"/>
+              <a:buChar char="•"/>
+            </a:pPr>
+            <a:endParaRPr lang="pt-PT" sz="2400" dirty="0" smtClean="0"/>
+          </a:p>
+          <a:p>
+            <a:pPr marL="342900" indent="-342900">
+              <a:buFont typeface="Arial" panose="020B0604020202020204" pitchFamily="34" charset="0"/>
+              <a:buChar char="•"/>
+            </a:pPr>
             <a:r>
               <a:rPr lang="pt-PT" sz="2400" dirty="0" smtClean="0"/>
-              <a:t>Após investigação verificou-se um baixo aproveitamento de tecnologias emergentes no processo de Fabrico Aditivo.</a:t>
-            </a:r>
-            <a:endParaRPr lang="pt-PT" sz="2400" dirty="0" smtClean="0"/>
-          </a:p>
-          <a:p>
-            <a:endParaRPr lang="pt-PT" sz="2400" dirty="0" smtClean="0"/>
-          </a:p>
-          <a:p>
-            <a:r>
-              <a:rPr lang="pt-PT" sz="2400" dirty="0" smtClean="0"/>
-              <a:t>A arquitetura proposta </a:t>
-            </a:r>
-            <a:r>
-              <a:rPr lang="pt-PT" sz="2400" dirty="0"/>
-              <a:t>permitiu criar uma HMI para monitorização e controlo de um processo de Fabrico Aditivo.</a:t>
-            </a:r>
-          </a:p>
-          <a:p>
-            <a:endParaRPr lang="pt-PT" sz="2400" dirty="0" smtClean="0"/>
-          </a:p>
-          <a:p>
-            <a:r>
-              <a:rPr lang="pt-PT" sz="2400" dirty="0" smtClean="0"/>
-              <a:t>Os operadores foram envolvidos no processo desde o início, sendo envolvidos em diversos testes.</a:t>
-            </a:r>
-          </a:p>
-          <a:p>
-            <a:endParaRPr lang="pt-PT" sz="2400" dirty="0"/>
-          </a:p>
-          <a:p>
-            <a:r>
-              <a:rPr lang="pt-PT" sz="2400" dirty="0" smtClean="0"/>
-              <a:t>Os testes permitiram fechar um ciclo e confirmar o propósito da criação deste trabalho.</a:t>
-            </a:r>
-            <a:endParaRPr lang="pt-PT" sz="2400" dirty="0" smtClean="0"/>
-          </a:p>
-          <a:p>
-            <a:endParaRPr lang="pt-PT" sz="2400" dirty="0"/>
-          </a:p>
-          <a:p>
-            <a:r>
-              <a:rPr lang="pt-PT" sz="2400" dirty="0" smtClean="0"/>
-              <a:t>A metodologia centrada no operador revelou-se fundamental para atingir os objetivos propostos, e resultando numa solução próxima do “excelente”.</a:t>
-            </a:r>
-            <a:endParaRPr lang="pt-PT" sz="2400" dirty="0"/>
+              <a:t>Score Final 89.375 -&gt; </a:t>
+            </a:r>
+            <a:r>
+              <a:rPr lang="pt-PT" sz="2400" u="sng" dirty="0" smtClean="0"/>
+              <a:t>Elevado grau de satisfação</a:t>
+            </a:r>
           </a:p>
           <a:p>
             <a:pPr marL="342900" indent="-342900">
@@ -7855,8 +7861,38 @@
         </p:blipFill>
         <p:spPr>
           <a:xfrm>
-            <a:off x="10597614" y="132545"/>
-            <a:ext cx="1514602" cy="1010456"/>
+            <a:off x="10556470" y="132544"/>
+            <a:ext cx="1555746" cy="1037905"/>
+          </a:xfrm>
+          <a:prstGeom prst="rect">
+            <a:avLst/>
+          </a:prstGeom>
+        </p:spPr>
+      </p:pic>
+      <p:pic>
+        <p:nvPicPr>
+          <p:cNvPr id="3" name="Imagem 2"/>
+          <p:cNvPicPr>
+            <a:picLocks noChangeAspect="1"/>
+          </p:cNvPicPr>
+          <p:nvPr/>
+        </p:nvPicPr>
+        <p:blipFill>
+          <a:blip r:embed="rId3">
+            <a:extLst>
+              <a:ext uri="{28A0092B-C50C-407E-A947-70E740481C1C}">
+                <a14:useLocalDpi xmlns:a14="http://schemas.microsoft.com/office/drawing/2010/main" val="0"/>
+              </a:ext>
+            </a:extLst>
+          </a:blip>
+          <a:stretch>
+            <a:fillRect/>
+          </a:stretch>
+        </p:blipFill>
+        <p:spPr>
+          <a:xfrm>
+            <a:off x="1366385" y="2009727"/>
+            <a:ext cx="9520189" cy="2910370"/>
           </a:xfrm>
           <a:prstGeom prst="rect">
             <a:avLst/>
@@ -7866,7 +7902,7 @@
     </p:spTree>
     <p:extLst>
       <p:ext uri="{BB962C8B-B14F-4D97-AF65-F5344CB8AC3E}">
-        <p14:creationId xmlns:p14="http://schemas.microsoft.com/office/powerpoint/2010/main" val="3662048977"/>
+        <p14:creationId xmlns:p14="http://schemas.microsoft.com/office/powerpoint/2010/main" val="3227102463"/>
       </p:ext>
     </p:extLst>
   </p:cSld>
@@ -8258,135 +8294,71 @@
           <a:p>
             <a:r>
               <a:rPr lang="pt-PT" sz="3200" b="1" dirty="0" smtClean="0"/>
-              <a:t>Trabalho Futuro</a:t>
-            </a:r>
-          </a:p>
-          <a:p>
+              <a:t>Conclusões</a:t>
+            </a:r>
+          </a:p>
+          <a:p>
+            <a:pPr lvl="2"/>
             <a:endParaRPr lang="pt-PT" sz="2400" dirty="0"/>
           </a:p>
           <a:p>
             <a:r>
               <a:rPr lang="pt-PT" sz="2400" dirty="0" smtClean="0"/>
-              <a:t>Finalizar </a:t>
+              <a:t>A </a:t>
             </a:r>
             <a:r>
               <a:rPr lang="pt-PT" sz="2400" dirty="0" smtClean="0"/>
-              <a:t>requisitos (</a:t>
-            </a:r>
-            <a:r>
-              <a:rPr lang="pt-PT" sz="2400" dirty="0" err="1" smtClean="0"/>
-              <a:t>subobjetivos</a:t>
+              <a:t>investigação </a:t>
             </a:r>
             <a:r>
               <a:rPr lang="pt-PT" sz="2400" dirty="0" smtClean="0"/>
-              <a:t>) definidos</a:t>
-            </a:r>
-          </a:p>
-          <a:p>
-            <a:pPr marL="800100" lvl="1" indent="-342900">
-              <a:buFont typeface="Arial" panose="020B0604020202020204" pitchFamily="34" charset="0"/>
-              <a:buChar char="•"/>
-            </a:pPr>
+              <a:t>feita constatou </a:t>
+            </a:r>
             <a:r>
               <a:rPr lang="pt-PT" sz="2400" dirty="0" smtClean="0"/>
-              <a:t>Velocidades de trabalho</a:t>
-            </a:r>
-          </a:p>
-          <a:p>
-            <a:pPr marL="800100" lvl="1" indent="-342900">
-              <a:buFont typeface="Arial" panose="020B0604020202020204" pitchFamily="34" charset="0"/>
-              <a:buChar char="•"/>
-            </a:pPr>
+              <a:t>um baixo aproveitamento de tecnologias emergentes no processo de Fabrico Aditivo.</a:t>
+            </a:r>
+          </a:p>
+          <a:p>
+            <a:endParaRPr lang="pt-PT" sz="2400" dirty="0" smtClean="0"/>
+          </a:p>
+          <a:p>
             <a:r>
               <a:rPr lang="pt-PT" sz="2400" dirty="0" smtClean="0"/>
-              <a:t>Temperaturas</a:t>
-            </a:r>
-          </a:p>
-          <a:p>
-            <a:pPr marL="800100" lvl="1" indent="-342900">
-              <a:buFont typeface="Arial" panose="020B0604020202020204" pitchFamily="34" charset="0"/>
-              <a:buChar char="•"/>
-            </a:pPr>
+              <a:t>A arquitetura proposta </a:t>
+            </a:r>
+            <a:r>
+              <a:rPr lang="pt-PT" sz="2400" dirty="0"/>
+              <a:t>permitiu criar uma HMI para monitorização e controlo de um processo de Fabrico Aditivo.</a:t>
+            </a:r>
+          </a:p>
+          <a:p>
+            <a:endParaRPr lang="pt-PT" sz="2400" dirty="0" smtClean="0"/>
+          </a:p>
+          <a:p>
             <a:r>
               <a:rPr lang="pt-PT" sz="2400" dirty="0" smtClean="0"/>
-              <a:t>Controlo dos sistemas de aquecimento e insuflação de ar</a:t>
-            </a:r>
-          </a:p>
-          <a:p>
-            <a:pPr marL="800100" lvl="1" indent="-342900">
-              <a:buFont typeface="Arial" panose="020B0604020202020204" pitchFamily="34" charset="0"/>
-              <a:buChar char="•"/>
-            </a:pPr>
+              <a:t>Os operadores foram envolvidos no processo desde o início, sendo envolvidos em diversos testes.</a:t>
+            </a:r>
+          </a:p>
+          <a:p>
+            <a:endParaRPr lang="pt-PT" sz="2400" dirty="0"/>
+          </a:p>
+          <a:p>
             <a:r>
               <a:rPr lang="pt-PT" sz="2400" dirty="0" smtClean="0"/>
-              <a:t>Modo de Operação MDI</a:t>
-            </a:r>
-          </a:p>
-          <a:p>
-            <a:pPr marL="800100" lvl="1" indent="-342900">
-              <a:buFont typeface="Arial" panose="020B0604020202020204" pitchFamily="34" charset="0"/>
-              <a:buChar char="•"/>
-            </a:pPr>
+              <a:t>Os testes permitiram fechar um ciclo e confirmar o propósito da criação deste trabalho.</a:t>
+            </a:r>
+          </a:p>
+          <a:p>
+            <a:endParaRPr lang="pt-PT" sz="2400" dirty="0"/>
+          </a:p>
+          <a:p>
             <a:r>
               <a:rPr lang="pt-PT" sz="2400" dirty="0" smtClean="0"/>
-              <a:t>Comandos de controlo do </a:t>
-            </a:r>
-            <a:r>
-              <a:rPr lang="pt-PT" sz="2400" dirty="0" err="1" smtClean="0"/>
-              <a:t>extrusor</a:t>
-            </a:r>
-            <a:endParaRPr lang="pt-PT" sz="2400" dirty="0" smtClean="0"/>
-          </a:p>
-          <a:p>
-            <a:pPr marL="800100" lvl="1" indent="-342900">
-              <a:buFont typeface="Arial" panose="020B0604020202020204" pitchFamily="34" charset="0"/>
-              <a:buChar char="•"/>
-            </a:pPr>
-            <a:r>
-              <a:rPr lang="pt-PT" sz="2400" dirty="0" smtClean="0"/>
-              <a:t>Iluminação da câmara</a:t>
-            </a:r>
-          </a:p>
-          <a:p>
-            <a:pPr marL="342900" indent="-342900">
-              <a:buFont typeface="Arial" panose="020B0604020202020204" pitchFamily="34" charset="0"/>
-              <a:buChar char="•"/>
-            </a:pPr>
-            <a:endParaRPr lang="pt-PT" sz="2400" dirty="0" smtClean="0"/>
-          </a:p>
-          <a:p>
-            <a:r>
-              <a:rPr lang="pt-PT" sz="2400" dirty="0" smtClean="0"/>
-              <a:t>Integração de módulo de Realidade Aumentada para visualização da peça</a:t>
-            </a:r>
-          </a:p>
-          <a:p>
-            <a:pPr marL="342900" indent="-342900">
-              <a:buFont typeface="Arial" panose="020B0604020202020204" pitchFamily="34" charset="0"/>
-              <a:buChar char="•"/>
-            </a:pPr>
-            <a:endParaRPr lang="pt-PT" sz="2400" dirty="0" smtClean="0"/>
-          </a:p>
-          <a:p>
-            <a:pPr marL="342900" indent="-342900">
-              <a:buFont typeface="Arial" panose="020B0604020202020204" pitchFamily="34" charset="0"/>
-              <a:buChar char="•"/>
-            </a:pPr>
-            <a:endParaRPr lang="pt-PT" sz="2400" dirty="0" smtClean="0"/>
-          </a:p>
-          <a:p>
-            <a:pPr marL="342900" indent="-342900">
-              <a:buFont typeface="Arial" panose="020B0604020202020204" pitchFamily="34" charset="0"/>
-              <a:buChar char="•"/>
-            </a:pPr>
+              <a:t>A metodologia centrada no operador revelou-se fundamental para atingir os objetivos propostos, e resultando numa solução próxima do “excelente”.</a:t>
+            </a:r>
             <a:endParaRPr lang="pt-PT" sz="2400" dirty="0"/>
-          </a:p>
-          <a:p>
-            <a:pPr marL="342900" indent="-342900">
-              <a:buFont typeface="Arial" panose="020B0604020202020204" pitchFamily="34" charset="0"/>
-              <a:buChar char="•"/>
-            </a:pPr>
-            <a:endParaRPr lang="pt-PT" sz="2400" dirty="0" smtClean="0"/>
           </a:p>
           <a:p>
             <a:pPr marL="342900" indent="-342900">
@@ -8419,8 +8391,8 @@
         </p:blipFill>
         <p:spPr>
           <a:xfrm>
-            <a:off x="10556470" y="132544"/>
-            <a:ext cx="1555746" cy="1037905"/>
+            <a:off x="10597614" y="132545"/>
+            <a:ext cx="1514602" cy="1010456"/>
           </a:xfrm>
           <a:prstGeom prst="rect">
             <a:avLst/>
@@ -8430,7 +8402,7 @@
     </p:spTree>
     <p:extLst>
       <p:ext uri="{BB962C8B-B14F-4D97-AF65-F5344CB8AC3E}">
-        <p14:creationId xmlns:p14="http://schemas.microsoft.com/office/powerpoint/2010/main" val="3909986176"/>
+        <p14:creationId xmlns:p14="http://schemas.microsoft.com/office/powerpoint/2010/main" val="3662048977"/>
       </p:ext>
     </p:extLst>
   </p:cSld>
@@ -8466,6 +8438,566 @@
       </p:grpSpPr>
       <p:sp>
         <p:nvSpPr>
+          <p:cNvPr id="2" name="Slide Number Placeholder 1"/>
+          <p:cNvSpPr>
+            <a:spLocks noGrp="1"/>
+          </p:cNvSpPr>
+          <p:nvPr>
+            <p:ph type="sldNum" sz="quarter" idx="12"/>
+          </p:nvPr>
+        </p:nvSpPr>
+        <p:spPr/>
+        <p:txBody>
+          <a:bodyPr/>
+          <a:lstStyle/>
+          <a:p>
+            <a:fld id="{422D536B-584E-486B-9435-086987A3D916}" type="slidenum">
+              <a:rPr lang="pt-PT" smtClean="0"/>
+              <a:t>16</a:t>
+            </a:fld>
+            <a:endParaRPr lang="pt-PT" dirty="0"/>
+          </a:p>
+        </p:txBody>
+      </p:sp>
+      <p:sp>
+        <p:nvSpPr>
+          <p:cNvPr id="6" name="Slide Number Placeholder 5"/>
+          <p:cNvSpPr txBox="1">
+            <a:spLocks/>
+          </p:cNvSpPr>
+          <p:nvPr/>
+        </p:nvSpPr>
+        <p:spPr>
+          <a:xfrm>
+            <a:off x="0" y="6464982"/>
+            <a:ext cx="475129" cy="365125"/>
+          </a:xfrm>
+          <a:prstGeom prst="rect">
+            <a:avLst/>
+          </a:prstGeom>
+        </p:spPr>
+        <p:txBody>
+          <a:bodyPr vert="horz" lIns="91440" tIns="45720" rIns="91440" bIns="45720" rtlCol="0" anchor="ctr"/>
+          <a:lstStyle>
+            <a:defPPr>
+              <a:defRPr lang="en-US"/>
+            </a:defPPr>
+            <a:lvl1pPr marL="0" algn="r" defTabSz="457200" rtl="0" eaLnBrk="1" latinLnBrk="0" hangingPunct="1">
+              <a:defRPr sz="1050" kern="1200">
+                <a:solidFill>
+                  <a:srgbClr val="FFFFFF"/>
+                </a:solidFill>
+                <a:latin typeface="+mn-lt"/>
+                <a:ea typeface="+mn-ea"/>
+                <a:cs typeface="+mn-cs"/>
+              </a:defRPr>
+            </a:lvl1pPr>
+            <a:lvl2pPr marL="457200" algn="l" defTabSz="457200" rtl="0" eaLnBrk="1" latinLnBrk="0" hangingPunct="1">
+              <a:defRPr sz="1800" kern="1200">
+                <a:solidFill>
+                  <a:schemeClr val="tx1"/>
+                </a:solidFill>
+                <a:latin typeface="+mn-lt"/>
+                <a:ea typeface="+mn-ea"/>
+                <a:cs typeface="+mn-cs"/>
+              </a:defRPr>
+            </a:lvl2pPr>
+            <a:lvl3pPr marL="914400" algn="l" defTabSz="457200" rtl="0" eaLnBrk="1" latinLnBrk="0" hangingPunct="1">
+              <a:defRPr sz="1800" kern="1200">
+                <a:solidFill>
+                  <a:schemeClr val="tx1"/>
+                </a:solidFill>
+                <a:latin typeface="+mn-lt"/>
+                <a:ea typeface="+mn-ea"/>
+                <a:cs typeface="+mn-cs"/>
+              </a:defRPr>
+            </a:lvl3pPr>
+            <a:lvl4pPr marL="1371600" algn="l" defTabSz="457200" rtl="0" eaLnBrk="1" latinLnBrk="0" hangingPunct="1">
+              <a:defRPr sz="1800" kern="1200">
+                <a:solidFill>
+                  <a:schemeClr val="tx1"/>
+                </a:solidFill>
+                <a:latin typeface="+mn-lt"/>
+                <a:ea typeface="+mn-ea"/>
+                <a:cs typeface="+mn-cs"/>
+              </a:defRPr>
+            </a:lvl4pPr>
+            <a:lvl5pPr marL="1828800" algn="l" defTabSz="457200" rtl="0" eaLnBrk="1" latinLnBrk="0" hangingPunct="1">
+              <a:defRPr sz="1800" kern="1200">
+                <a:solidFill>
+                  <a:schemeClr val="tx1"/>
+                </a:solidFill>
+                <a:latin typeface="+mn-lt"/>
+                <a:ea typeface="+mn-ea"/>
+                <a:cs typeface="+mn-cs"/>
+              </a:defRPr>
+            </a:lvl5pPr>
+            <a:lvl6pPr marL="2286000" algn="l" defTabSz="457200" rtl="0" eaLnBrk="1" latinLnBrk="0" hangingPunct="1">
+              <a:defRPr sz="1800" kern="1200">
+                <a:solidFill>
+                  <a:schemeClr val="tx1"/>
+                </a:solidFill>
+                <a:latin typeface="+mn-lt"/>
+                <a:ea typeface="+mn-ea"/>
+                <a:cs typeface="+mn-cs"/>
+              </a:defRPr>
+            </a:lvl6pPr>
+            <a:lvl7pPr marL="2743200" algn="l" defTabSz="457200" rtl="0" eaLnBrk="1" latinLnBrk="0" hangingPunct="1">
+              <a:defRPr sz="1800" kern="1200">
+                <a:solidFill>
+                  <a:schemeClr val="tx1"/>
+                </a:solidFill>
+                <a:latin typeface="+mn-lt"/>
+                <a:ea typeface="+mn-ea"/>
+                <a:cs typeface="+mn-cs"/>
+              </a:defRPr>
+            </a:lvl7pPr>
+            <a:lvl8pPr marL="3200400" algn="l" defTabSz="457200" rtl="0" eaLnBrk="1" latinLnBrk="0" hangingPunct="1">
+              <a:defRPr sz="1800" kern="1200">
+                <a:solidFill>
+                  <a:schemeClr val="tx1"/>
+                </a:solidFill>
+                <a:latin typeface="+mn-lt"/>
+                <a:ea typeface="+mn-ea"/>
+                <a:cs typeface="+mn-cs"/>
+              </a:defRPr>
+            </a:lvl8pPr>
+            <a:lvl9pPr marL="3657600" algn="l" defTabSz="457200" rtl="0" eaLnBrk="1" latinLnBrk="0" hangingPunct="1">
+              <a:defRPr sz="1800" kern="1200">
+                <a:solidFill>
+                  <a:schemeClr val="tx1"/>
+                </a:solidFill>
+                <a:latin typeface="+mn-lt"/>
+                <a:ea typeface="+mn-ea"/>
+                <a:cs typeface="+mn-cs"/>
+              </a:defRPr>
+            </a:lvl9pPr>
+          </a:lstStyle>
+          <a:p>
+            <a:r>
+              <a:rPr lang="pt-PT" dirty="0" smtClean="0"/>
+              <a:t>IPVC</a:t>
+            </a:r>
+            <a:endParaRPr lang="pt-PT" dirty="0"/>
+          </a:p>
+        </p:txBody>
+      </p:sp>
+      <p:sp>
+        <p:nvSpPr>
+          <p:cNvPr id="10" name="Slide Number Placeholder 5"/>
+          <p:cNvSpPr txBox="1">
+            <a:spLocks/>
+          </p:cNvSpPr>
+          <p:nvPr/>
+        </p:nvSpPr>
+        <p:spPr>
+          <a:xfrm>
+            <a:off x="3908571" y="6492875"/>
+            <a:ext cx="4435818" cy="365125"/>
+          </a:xfrm>
+          <a:prstGeom prst="rect">
+            <a:avLst/>
+          </a:prstGeom>
+        </p:spPr>
+        <p:txBody>
+          <a:bodyPr vert="horz" lIns="91440" tIns="45720" rIns="91440" bIns="45720" rtlCol="0" anchor="ctr"/>
+          <a:lstStyle>
+            <a:defPPr>
+              <a:defRPr lang="en-US"/>
+            </a:defPPr>
+            <a:lvl1pPr marL="0" algn="r" defTabSz="457200" rtl="0" eaLnBrk="1" latinLnBrk="0" hangingPunct="1">
+              <a:defRPr sz="1050" kern="1200">
+                <a:solidFill>
+                  <a:srgbClr val="FFFFFF"/>
+                </a:solidFill>
+                <a:latin typeface="+mn-lt"/>
+                <a:ea typeface="+mn-ea"/>
+                <a:cs typeface="+mn-cs"/>
+              </a:defRPr>
+            </a:lvl1pPr>
+            <a:lvl2pPr marL="457200" algn="l" defTabSz="457200" rtl="0" eaLnBrk="1" latinLnBrk="0" hangingPunct="1">
+              <a:defRPr sz="1800" kern="1200">
+                <a:solidFill>
+                  <a:schemeClr val="tx1"/>
+                </a:solidFill>
+                <a:latin typeface="+mn-lt"/>
+                <a:ea typeface="+mn-ea"/>
+                <a:cs typeface="+mn-cs"/>
+              </a:defRPr>
+            </a:lvl2pPr>
+            <a:lvl3pPr marL="914400" algn="l" defTabSz="457200" rtl="0" eaLnBrk="1" latinLnBrk="0" hangingPunct="1">
+              <a:defRPr sz="1800" kern="1200">
+                <a:solidFill>
+                  <a:schemeClr val="tx1"/>
+                </a:solidFill>
+                <a:latin typeface="+mn-lt"/>
+                <a:ea typeface="+mn-ea"/>
+                <a:cs typeface="+mn-cs"/>
+              </a:defRPr>
+            </a:lvl3pPr>
+            <a:lvl4pPr marL="1371600" algn="l" defTabSz="457200" rtl="0" eaLnBrk="1" latinLnBrk="0" hangingPunct="1">
+              <a:defRPr sz="1800" kern="1200">
+                <a:solidFill>
+                  <a:schemeClr val="tx1"/>
+                </a:solidFill>
+                <a:latin typeface="+mn-lt"/>
+                <a:ea typeface="+mn-ea"/>
+                <a:cs typeface="+mn-cs"/>
+              </a:defRPr>
+            </a:lvl4pPr>
+            <a:lvl5pPr marL="1828800" algn="l" defTabSz="457200" rtl="0" eaLnBrk="1" latinLnBrk="0" hangingPunct="1">
+              <a:defRPr sz="1800" kern="1200">
+                <a:solidFill>
+                  <a:schemeClr val="tx1"/>
+                </a:solidFill>
+                <a:latin typeface="+mn-lt"/>
+                <a:ea typeface="+mn-ea"/>
+                <a:cs typeface="+mn-cs"/>
+              </a:defRPr>
+            </a:lvl5pPr>
+            <a:lvl6pPr marL="2286000" algn="l" defTabSz="457200" rtl="0" eaLnBrk="1" latinLnBrk="0" hangingPunct="1">
+              <a:defRPr sz="1800" kern="1200">
+                <a:solidFill>
+                  <a:schemeClr val="tx1"/>
+                </a:solidFill>
+                <a:latin typeface="+mn-lt"/>
+                <a:ea typeface="+mn-ea"/>
+                <a:cs typeface="+mn-cs"/>
+              </a:defRPr>
+            </a:lvl6pPr>
+            <a:lvl7pPr marL="2743200" algn="l" defTabSz="457200" rtl="0" eaLnBrk="1" latinLnBrk="0" hangingPunct="1">
+              <a:defRPr sz="1800" kern="1200">
+                <a:solidFill>
+                  <a:schemeClr val="tx1"/>
+                </a:solidFill>
+                <a:latin typeface="+mn-lt"/>
+                <a:ea typeface="+mn-ea"/>
+                <a:cs typeface="+mn-cs"/>
+              </a:defRPr>
+            </a:lvl7pPr>
+            <a:lvl8pPr marL="3200400" algn="l" defTabSz="457200" rtl="0" eaLnBrk="1" latinLnBrk="0" hangingPunct="1">
+              <a:defRPr sz="1800" kern="1200">
+                <a:solidFill>
+                  <a:schemeClr val="tx1"/>
+                </a:solidFill>
+                <a:latin typeface="+mn-lt"/>
+                <a:ea typeface="+mn-ea"/>
+                <a:cs typeface="+mn-cs"/>
+              </a:defRPr>
+            </a:lvl8pPr>
+            <a:lvl9pPr marL="3657600" algn="l" defTabSz="457200" rtl="0" eaLnBrk="1" latinLnBrk="0" hangingPunct="1">
+              <a:defRPr sz="1800" kern="1200">
+                <a:solidFill>
+                  <a:schemeClr val="tx1"/>
+                </a:solidFill>
+                <a:latin typeface="+mn-lt"/>
+                <a:ea typeface="+mn-ea"/>
+                <a:cs typeface="+mn-cs"/>
+              </a:defRPr>
+            </a:lvl9pPr>
+          </a:lstStyle>
+          <a:p>
+            <a:pPr algn="ctr"/>
+            <a:r>
+              <a:rPr lang="pt-PT" sz="1600" b="1" dirty="0" smtClean="0"/>
+              <a:t>HMI para Fabrico Aditivo</a:t>
+            </a:r>
+            <a:endParaRPr lang="pt-PT" sz="1600" b="1" dirty="0"/>
+          </a:p>
+        </p:txBody>
+      </p:sp>
+      <p:sp>
+        <p:nvSpPr>
+          <p:cNvPr id="8" name="TextBox 6"/>
+          <p:cNvSpPr txBox="1"/>
+          <p:nvPr/>
+        </p:nvSpPr>
+        <p:spPr>
+          <a:xfrm>
+            <a:off x="252980" y="300496"/>
+            <a:ext cx="10818432" cy="2677656"/>
+          </a:xfrm>
+          <a:prstGeom prst="rect">
+            <a:avLst/>
+          </a:prstGeom>
+          <a:noFill/>
+        </p:spPr>
+        <p:txBody>
+          <a:bodyPr wrap="square" rtlCol="0">
+            <a:spAutoFit/>
+          </a:bodyPr>
+          <a:lstStyle/>
+          <a:p>
+            <a:pPr marL="342900" indent="-342900">
+              <a:buFont typeface="Arial" panose="020B0604020202020204" pitchFamily="34" charset="0"/>
+              <a:buChar char="•"/>
+            </a:pPr>
+            <a:endParaRPr lang="pt-PT" sz="2400" dirty="0" smtClean="0"/>
+          </a:p>
+          <a:p>
+            <a:pPr marL="342900" indent="-342900">
+              <a:buFont typeface="Arial" panose="020B0604020202020204" pitchFamily="34" charset="0"/>
+              <a:buChar char="•"/>
+            </a:pPr>
+            <a:endParaRPr lang="pt-PT" sz="2400" dirty="0" smtClean="0"/>
+          </a:p>
+          <a:p>
+            <a:endParaRPr lang="pt-PT" sz="2400" dirty="0"/>
+          </a:p>
+          <a:p>
+            <a:pPr marL="342900" indent="-342900">
+              <a:buFont typeface="Arial" panose="020B0604020202020204" pitchFamily="34" charset="0"/>
+              <a:buChar char="•"/>
+            </a:pPr>
+            <a:endParaRPr lang="pt-PT" sz="2400" dirty="0" smtClean="0"/>
+          </a:p>
+          <a:p>
+            <a:pPr marL="342900" indent="-342900">
+              <a:buFont typeface="Arial" panose="020B0604020202020204" pitchFamily="34" charset="0"/>
+              <a:buChar char="•"/>
+            </a:pPr>
+            <a:endParaRPr lang="pt-PT" sz="2400" dirty="0" smtClean="0"/>
+          </a:p>
+          <a:p>
+            <a:endParaRPr lang="pt-PT" sz="2400" dirty="0" smtClean="0"/>
+          </a:p>
+          <a:p>
+            <a:pPr marL="342900" indent="-342900">
+              <a:buFont typeface="Arial" panose="020B0604020202020204" pitchFamily="34" charset="0"/>
+              <a:buChar char="•"/>
+            </a:pPr>
+            <a:endParaRPr lang="pt-PT" sz="2400" dirty="0" smtClean="0"/>
+          </a:p>
+        </p:txBody>
+      </p:sp>
+      <p:sp>
+        <p:nvSpPr>
+          <p:cNvPr id="12" name="TextBox 6"/>
+          <p:cNvSpPr txBox="1"/>
+          <p:nvPr/>
+        </p:nvSpPr>
+        <p:spPr>
+          <a:xfrm>
+            <a:off x="444999" y="166025"/>
+            <a:ext cx="11187368" cy="6124754"/>
+          </a:xfrm>
+          <a:prstGeom prst="rect">
+            <a:avLst/>
+          </a:prstGeom>
+          <a:noFill/>
+        </p:spPr>
+        <p:txBody>
+          <a:bodyPr wrap="square" rtlCol="0">
+            <a:spAutoFit/>
+          </a:bodyPr>
+          <a:lstStyle/>
+          <a:p>
+            <a:r>
+              <a:rPr lang="pt-PT" sz="3200" b="1" dirty="0" smtClean="0"/>
+              <a:t>Trabalho Futuro</a:t>
+            </a:r>
+          </a:p>
+          <a:p>
+            <a:endParaRPr lang="pt-PT" sz="2400" dirty="0"/>
+          </a:p>
+          <a:p>
+            <a:r>
+              <a:rPr lang="pt-PT" sz="2400" dirty="0" smtClean="0"/>
+              <a:t>Finalizar requisitos (</a:t>
+            </a:r>
+            <a:r>
+              <a:rPr lang="pt-PT" sz="2400" dirty="0" err="1" smtClean="0"/>
+              <a:t>subobjetivos</a:t>
+            </a:r>
+            <a:r>
+              <a:rPr lang="pt-PT" sz="2400" dirty="0" smtClean="0"/>
+              <a:t>) definidos</a:t>
+            </a:r>
+          </a:p>
+          <a:p>
+            <a:pPr marL="800100" lvl="1" indent="-342900">
+              <a:buFont typeface="Arial" panose="020B0604020202020204" pitchFamily="34" charset="0"/>
+              <a:buChar char="•"/>
+            </a:pPr>
+            <a:r>
+              <a:rPr lang="pt-PT" sz="2400" dirty="0" smtClean="0"/>
+              <a:t>Velocidades de trabalho</a:t>
+            </a:r>
+          </a:p>
+          <a:p>
+            <a:pPr marL="800100" lvl="1" indent="-342900">
+              <a:buFont typeface="Arial" panose="020B0604020202020204" pitchFamily="34" charset="0"/>
+              <a:buChar char="•"/>
+            </a:pPr>
+            <a:r>
+              <a:rPr lang="pt-PT" sz="2400" dirty="0" smtClean="0"/>
+              <a:t>Temperaturas</a:t>
+            </a:r>
+          </a:p>
+          <a:p>
+            <a:pPr marL="800100" lvl="1" indent="-342900">
+              <a:buFont typeface="Arial" panose="020B0604020202020204" pitchFamily="34" charset="0"/>
+              <a:buChar char="•"/>
+            </a:pPr>
+            <a:r>
+              <a:rPr lang="pt-PT" sz="2400" dirty="0" smtClean="0"/>
+              <a:t>Controlo dos sistemas de aquecimento e insuflação de ar</a:t>
+            </a:r>
+          </a:p>
+          <a:p>
+            <a:pPr marL="800100" lvl="1" indent="-342900">
+              <a:buFont typeface="Arial" panose="020B0604020202020204" pitchFamily="34" charset="0"/>
+              <a:buChar char="•"/>
+            </a:pPr>
+            <a:r>
+              <a:rPr lang="pt-PT" sz="2400" dirty="0" smtClean="0"/>
+              <a:t>Modo de Operação MDI</a:t>
+            </a:r>
+          </a:p>
+          <a:p>
+            <a:pPr marL="800100" lvl="1" indent="-342900">
+              <a:buFont typeface="Arial" panose="020B0604020202020204" pitchFamily="34" charset="0"/>
+              <a:buChar char="•"/>
+            </a:pPr>
+            <a:r>
+              <a:rPr lang="pt-PT" sz="2400" dirty="0" smtClean="0"/>
+              <a:t>Comandos de controlo do </a:t>
+            </a:r>
+            <a:r>
+              <a:rPr lang="pt-PT" sz="2400" dirty="0" err="1" smtClean="0"/>
+              <a:t>extrusor</a:t>
+            </a:r>
+            <a:endParaRPr lang="pt-PT" sz="2400" dirty="0" smtClean="0"/>
+          </a:p>
+          <a:p>
+            <a:pPr marL="800100" lvl="1" indent="-342900">
+              <a:buFont typeface="Arial" panose="020B0604020202020204" pitchFamily="34" charset="0"/>
+              <a:buChar char="•"/>
+            </a:pPr>
+            <a:r>
+              <a:rPr lang="pt-PT" sz="2400" dirty="0" smtClean="0"/>
+              <a:t>Iluminação da câmara</a:t>
+            </a:r>
+          </a:p>
+          <a:p>
+            <a:pPr marL="342900" indent="-342900">
+              <a:buFont typeface="Arial" panose="020B0604020202020204" pitchFamily="34" charset="0"/>
+              <a:buChar char="•"/>
+            </a:pPr>
+            <a:endParaRPr lang="pt-PT" sz="2400" dirty="0" smtClean="0"/>
+          </a:p>
+          <a:p>
+            <a:r>
+              <a:rPr lang="pt-PT" sz="2400" dirty="0" smtClean="0"/>
+              <a:t>Integração de módulo de Realidade Aumentada para visualização da peça</a:t>
+            </a:r>
+          </a:p>
+          <a:p>
+            <a:pPr marL="342900" indent="-342900">
+              <a:buFont typeface="Arial" panose="020B0604020202020204" pitchFamily="34" charset="0"/>
+              <a:buChar char="•"/>
+            </a:pPr>
+            <a:endParaRPr lang="pt-PT" sz="2400" dirty="0" smtClean="0"/>
+          </a:p>
+          <a:p>
+            <a:pPr marL="342900" indent="-342900">
+              <a:buFont typeface="Arial" panose="020B0604020202020204" pitchFamily="34" charset="0"/>
+              <a:buChar char="•"/>
+            </a:pPr>
+            <a:endParaRPr lang="pt-PT" sz="2400" dirty="0" smtClean="0"/>
+          </a:p>
+          <a:p>
+            <a:pPr marL="342900" indent="-342900">
+              <a:buFont typeface="Arial" panose="020B0604020202020204" pitchFamily="34" charset="0"/>
+              <a:buChar char="•"/>
+            </a:pPr>
+            <a:endParaRPr lang="pt-PT" sz="2400" dirty="0"/>
+          </a:p>
+          <a:p>
+            <a:pPr marL="342900" indent="-342900">
+              <a:buFont typeface="Arial" panose="020B0604020202020204" pitchFamily="34" charset="0"/>
+              <a:buChar char="•"/>
+            </a:pPr>
+            <a:endParaRPr lang="pt-PT" sz="2400" dirty="0" smtClean="0"/>
+          </a:p>
+          <a:p>
+            <a:pPr marL="342900" indent="-342900">
+              <a:buFont typeface="Arial" panose="020B0604020202020204" pitchFamily="34" charset="0"/>
+              <a:buChar char="•"/>
+            </a:pPr>
+            <a:endParaRPr lang="pt-PT" sz="2400" dirty="0" smtClean="0"/>
+          </a:p>
+        </p:txBody>
+      </p:sp>
+      <p:pic>
+        <p:nvPicPr>
+          <p:cNvPr id="11" name="Imagem 10"/>
+          <p:cNvPicPr>
+            <a:picLocks noChangeAspect="1"/>
+          </p:cNvPicPr>
+          <p:nvPr/>
+        </p:nvPicPr>
+        <p:blipFill>
+          <a:blip r:embed="rId2" cstate="print">
+            <a:extLst>
+              <a:ext uri="{28A0092B-C50C-407E-A947-70E740481C1C}">
+                <a14:useLocalDpi xmlns:a14="http://schemas.microsoft.com/office/drawing/2010/main" val="0"/>
+              </a:ext>
+            </a:extLst>
+          </a:blip>
+          <a:stretch>
+            <a:fillRect/>
+          </a:stretch>
+        </p:blipFill>
+        <p:spPr>
+          <a:xfrm>
+            <a:off x="10556470" y="132544"/>
+            <a:ext cx="1555746" cy="1037905"/>
+          </a:xfrm>
+          <a:prstGeom prst="rect">
+            <a:avLst/>
+          </a:prstGeom>
+        </p:spPr>
+      </p:pic>
+    </p:spTree>
+    <p:extLst>
+      <p:ext uri="{BB962C8B-B14F-4D97-AF65-F5344CB8AC3E}">
+        <p14:creationId xmlns:p14="http://schemas.microsoft.com/office/powerpoint/2010/main" val="3909986176"/>
+      </p:ext>
+    </p:extLst>
+  </p:cSld>
+  <p:clrMapOvr>
+    <a:masterClrMapping/>
+  </p:clrMapOvr>
+  <p:timing>
+    <p:tnLst>
+      <p:par>
+        <p:cTn id="1" dur="indefinite" restart="never" nodeType="tmRoot"/>
+      </p:par>
+    </p:tnLst>
+  </p:timing>
+</p:sld>
+</file>
+
+<file path=ppt/slides/slide17.xml><?xml version="1.0" encoding="utf-8"?>
+<p:sld xmlns:a="http://schemas.openxmlformats.org/drawingml/2006/main" xmlns:r="http://schemas.openxmlformats.org/officeDocument/2006/relationships" xmlns:p="http://schemas.openxmlformats.org/presentationml/2006/main">
+  <p:cSld>
+    <p:spTree>
+      <p:nvGrpSpPr>
+        <p:cNvPr id="1" name=""/>
+        <p:cNvGrpSpPr/>
+        <p:nvPr/>
+      </p:nvGrpSpPr>
+      <p:grpSpPr>
+        <a:xfrm>
+          <a:off x="0" y="0"/>
+          <a:ext cx="0" cy="0"/>
+          <a:chOff x="0" y="0"/>
+          <a:chExt cx="0" cy="0"/>
+        </a:xfrm>
+      </p:grpSpPr>
+      <p:sp>
+        <p:nvSpPr>
           <p:cNvPr id="2" name="Title 1"/>
           <p:cNvSpPr>
             <a:spLocks noGrp="1"/>
@@ -8571,7 +9103,7 @@
           <a:p>
             <a:fld id="{422D536B-584E-486B-9435-086987A3D916}" type="slidenum">
               <a:rPr lang="pt-PT" smtClean="0"/>
-              <a:t>16</a:t>
+              <a:t>17</a:t>
             </a:fld>
             <a:endParaRPr lang="pt-PT" dirty="0"/>
           </a:p>
@@ -8953,8 +9485,8 @@
               <a:spcAft>
                 <a:spcPts val="200"/>
               </a:spcAft>
-              <a:buFont typeface="Arial" panose="020B0604020202020204" pitchFamily="34" charset="0"/>
-              <a:buChar char="•"/>
+              <a:buFont typeface="Wingdings" panose="05000000000000000000" pitchFamily="2" charset="2"/>
+              <a:buChar char="Ø"/>
             </a:pPr>
             <a:r>
               <a:rPr lang="pt-PT" dirty="0" smtClean="0"/>
@@ -9005,11 +9537,11 @@
               <a:spcAft>
                 <a:spcPts val="200"/>
               </a:spcAft>
-              <a:buFont typeface="Arial" panose="020B0604020202020204" pitchFamily="34" charset="0"/>
-              <a:buChar char="•"/>
-            </a:pPr>
-            <a:r>
-              <a:rPr lang="pt-PT" dirty="0" smtClean="0"/>
+              <a:buFont typeface="Wingdings" panose="05000000000000000000" pitchFamily="2" charset="2"/>
+              <a:buChar char="Ø"/>
+            </a:pPr>
+            <a:r>
+              <a:rPr lang="pt-PT" dirty="0"/>
               <a:t>Arquitetura</a:t>
             </a:r>
           </a:p>
@@ -9018,11 +9550,11 @@
               <a:spcAft>
                 <a:spcPts val="200"/>
               </a:spcAft>
-              <a:buFont typeface="Arial" panose="020B0604020202020204" pitchFamily="34" charset="0"/>
-              <a:buChar char="•"/>
-            </a:pPr>
-            <a:r>
-              <a:rPr lang="pt-PT" dirty="0" smtClean="0"/>
+              <a:buFont typeface="Wingdings" panose="05000000000000000000" pitchFamily="2" charset="2"/>
+              <a:buChar char="Ø"/>
+            </a:pPr>
+            <a:r>
+              <a:rPr lang="pt-PT" dirty="0"/>
               <a:t>Sistema </a:t>
             </a:r>
             <a:r>
@@ -9035,15 +9567,15 @@
               <a:spcAft>
                 <a:spcPts val="200"/>
               </a:spcAft>
-              <a:buFont typeface="Arial" panose="020B0604020202020204" pitchFamily="34" charset="0"/>
-              <a:buChar char="•"/>
+              <a:buFont typeface="Wingdings" panose="05000000000000000000" pitchFamily="2" charset="2"/>
+              <a:buChar char="Ø"/>
             </a:pPr>
             <a:r>
               <a:rPr lang="pt-PT" dirty="0"/>
               <a:t>Resultados </a:t>
             </a:r>
             <a:r>
-              <a:rPr lang="pt-PT" dirty="0" smtClean="0"/>
+              <a:rPr lang="pt-PT" dirty="0"/>
               <a:t>Obtidos</a:t>
             </a:r>
           </a:p>
@@ -9052,11 +9584,11 @@
               <a:spcAft>
                 <a:spcPts val="200"/>
               </a:spcAft>
-              <a:buFont typeface="Arial" panose="020B0604020202020204" pitchFamily="34" charset="0"/>
-              <a:buChar char="•"/>
-            </a:pPr>
-            <a:r>
-              <a:rPr lang="pt-PT" dirty="0" smtClean="0"/>
+              <a:buFont typeface="Wingdings" panose="05000000000000000000" pitchFamily="2" charset="2"/>
+              <a:buChar char="Ø"/>
+            </a:pPr>
+            <a:r>
+              <a:rPr lang="pt-PT" dirty="0"/>
               <a:t>Avaliação</a:t>
             </a:r>
             <a:endParaRPr lang="pt-PT" dirty="0"/>
@@ -9510,8 +10042,8 @@
           </a:p>
           <a:p>
             <a:pPr marL="800100" lvl="1" indent="-342900">
-              <a:buFont typeface="Arial" panose="020B0604020202020204" pitchFamily="34" charset="0"/>
-              <a:buChar char="•"/>
+              <a:buFont typeface="Wingdings" panose="05000000000000000000" pitchFamily="2" charset="2"/>
+              <a:buChar char="Ø"/>
             </a:pPr>
             <a:r>
               <a:rPr lang="pt-PT" sz="2400" dirty="0" smtClean="0"/>
@@ -9520,21 +10052,21 @@
           </a:p>
           <a:p>
             <a:pPr marL="800100" lvl="1" indent="-342900">
-              <a:buFont typeface="Arial" panose="020B0604020202020204" pitchFamily="34" charset="0"/>
-              <a:buChar char="•"/>
-            </a:pPr>
-            <a:r>
-              <a:rPr lang="pt-PT" sz="2400" dirty="0" smtClean="0"/>
+              <a:buFont typeface="Wingdings" panose="05000000000000000000" pitchFamily="2" charset="2"/>
+              <a:buChar char="Ø"/>
+            </a:pPr>
+            <a:r>
+              <a:rPr lang="pt-PT" sz="2400" dirty="0"/>
               <a:t>Controlar equipamento</a:t>
             </a:r>
           </a:p>
           <a:p>
             <a:pPr marL="800100" lvl="1" indent="-342900">
-              <a:buFont typeface="Arial" panose="020B0604020202020204" pitchFamily="34" charset="0"/>
-              <a:buChar char="•"/>
-            </a:pPr>
-            <a:r>
-              <a:rPr lang="pt-PT" sz="2400" dirty="0" smtClean="0"/>
+              <a:buFont typeface="Wingdings" panose="05000000000000000000" pitchFamily="2" charset="2"/>
+              <a:buChar char="Ø"/>
+            </a:pPr>
+            <a:r>
+              <a:rPr lang="pt-PT" sz="2400" dirty="0"/>
               <a:t>Fornecer as ferramentas necessárias para o operador manusear o equipamento</a:t>
             </a:r>
           </a:p>
@@ -10895,8 +11427,8 @@
           </a:p>
           <a:p>
             <a:pPr marL="800100" lvl="1" indent="-342900">
-              <a:buFont typeface="Arial" panose="020B0604020202020204" pitchFamily="34" charset="0"/>
-              <a:buChar char="•"/>
+              <a:buFont typeface="Wingdings" panose="05000000000000000000" pitchFamily="2" charset="2"/>
+              <a:buChar char="Ø"/>
             </a:pPr>
             <a:r>
               <a:rPr lang="pt-PT" sz="2400" dirty="0"/>
@@ -10905,15 +11437,15 @@
           </a:p>
           <a:p>
             <a:pPr marL="800100" lvl="1" indent="-342900">
-              <a:buFont typeface="Arial" panose="020B0604020202020204" pitchFamily="34" charset="0"/>
-              <a:buChar char="•"/>
+              <a:buFont typeface="Wingdings" panose="05000000000000000000" pitchFamily="2" charset="2"/>
+              <a:buChar char="Ø"/>
             </a:pPr>
             <a:r>
               <a:rPr lang="pt-PT" sz="2400" dirty="0"/>
               <a:t>Hardware e software de automação </a:t>
             </a:r>
             <a:r>
-              <a:rPr lang="pt-PT" sz="2400" dirty="0" smtClean="0"/>
+              <a:rPr lang="pt-PT" sz="2400" dirty="0"/>
               <a:t>semelhantes </a:t>
             </a:r>
             <a:r>
@@ -10921,25 +11453,25 @@
               <a:t>ao equipamento </a:t>
             </a:r>
             <a:r>
-              <a:rPr lang="pt-PT" sz="2400" dirty="0" smtClean="0"/>
+              <a:rPr lang="pt-PT" sz="2400" dirty="0"/>
               <a:t>final</a:t>
             </a:r>
           </a:p>
           <a:p>
             <a:pPr marL="800100" lvl="1" indent="-342900">
-              <a:buFont typeface="Arial" panose="020B0604020202020204" pitchFamily="34" charset="0"/>
-              <a:buChar char="•"/>
-            </a:pPr>
-            <a:r>
-              <a:rPr lang="pt-PT" sz="2400" dirty="0" smtClean="0"/>
+              <a:buFont typeface="Wingdings" panose="05000000000000000000" pitchFamily="2" charset="2"/>
+              <a:buChar char="Ø"/>
+            </a:pPr>
+            <a:r>
+              <a:rPr lang="pt-PT" sz="2400" dirty="0"/>
               <a:t>Não foram consideradas questões de usabilidade/qualidade da interface</a:t>
             </a:r>
             <a:endParaRPr lang="pt-PT" sz="2400" dirty="0"/>
           </a:p>
           <a:p>
             <a:pPr marL="800100" lvl="1" indent="-342900">
-              <a:buFont typeface="Arial" panose="020B0604020202020204" pitchFamily="34" charset="0"/>
-              <a:buChar char="•"/>
+              <a:buFont typeface="Wingdings" panose="05000000000000000000" pitchFamily="2" charset="2"/>
+              <a:buChar char="Ø"/>
             </a:pPr>
             <a:r>
               <a:rPr lang="pt-PT" sz="2400" dirty="0"/>
@@ -11560,7 +12092,7 @@
         <p:spPr>
           <a:xfrm>
             <a:off x="444999" y="166025"/>
-            <a:ext cx="9326529" cy="5386090"/>
+            <a:ext cx="10699251" cy="6124754"/>
           </a:xfrm>
           <a:prstGeom prst="rect">
             <a:avLst/>
@@ -11586,46 +12118,133 @@
             <a:endParaRPr lang="pt-PT" sz="2400" dirty="0" smtClean="0"/>
           </a:p>
           <a:p>
-            <a:pPr marL="342900" indent="-342900">
-              <a:buFont typeface="Arial" panose="020B0604020202020204" pitchFamily="34" charset="0"/>
-              <a:buChar char="•"/>
-            </a:pPr>
             <a:r>
               <a:rPr lang="pt-PT" sz="2400" dirty="0" smtClean="0"/>
-              <a:t>Levantamento de Requisitos</a:t>
-            </a:r>
-          </a:p>
-          <a:p>
-            <a:pPr marL="342900" indent="-342900">
-              <a:buFont typeface="Arial" panose="020B0604020202020204" pitchFamily="34" charset="0"/>
-              <a:buChar char="•"/>
-            </a:pPr>
+              <a:t>Levantamento de </a:t>
+            </a:r>
             <a:r>
               <a:rPr lang="pt-PT" sz="2400" dirty="0" smtClean="0"/>
-              <a:t>Criação </a:t>
-            </a:r>
+              <a:t>Requisitos</a:t>
+            </a:r>
+          </a:p>
+          <a:p>
+            <a:pPr marL="800100" lvl="1" indent="-342900">
+              <a:buFont typeface="Arial" panose="020B0604020202020204" pitchFamily="34" charset="0"/>
+              <a:buChar char="•"/>
+            </a:pPr>
+            <a:r>
+              <a:rPr lang="pt-PT" sz="2400" dirty="0" smtClean="0"/>
+              <a:t>Informativos</a:t>
+            </a:r>
+          </a:p>
+          <a:p>
+            <a:pPr marL="1257300" lvl="2" indent="-342900">
+              <a:buFont typeface="Wingdings" panose="05000000000000000000" pitchFamily="2" charset="2"/>
+              <a:buChar char="Ø"/>
+            </a:pPr>
             <a:r>
               <a:rPr lang="pt-PT" sz="2400" dirty="0"/>
-              <a:t>de </a:t>
-            </a:r>
+              <a:t>Visualização de posição dos eixos em tempo real</a:t>
+            </a:r>
+          </a:p>
+          <a:p>
+            <a:pPr marL="1257300" lvl="2" indent="-342900">
+              <a:buFont typeface="Wingdings" panose="05000000000000000000" pitchFamily="2" charset="2"/>
+              <a:buChar char="Ø"/>
+            </a:pPr>
+            <a:r>
+              <a:rPr lang="pt-PT" sz="2400" dirty="0"/>
+              <a:t>Visualização de temperaturas em tempo real</a:t>
+            </a:r>
+          </a:p>
+          <a:p>
+            <a:pPr marL="1257300" lvl="2" indent="-342900">
+              <a:buFont typeface="Wingdings" panose="05000000000000000000" pitchFamily="2" charset="2"/>
+              <a:buChar char="Ø"/>
+            </a:pPr>
             <a:r>
               <a:rPr lang="pt-PT" sz="2400" dirty="0" smtClean="0"/>
-              <a:t>maquetes</a:t>
-            </a:r>
-          </a:p>
-          <a:p>
-            <a:pPr marL="342900" indent="-342900">
-              <a:buFont typeface="Arial" panose="020B0604020202020204" pitchFamily="34" charset="0"/>
-              <a:buChar char="•"/>
-            </a:pPr>
+              <a:t>Entre outros</a:t>
+            </a:r>
+          </a:p>
+          <a:p>
+            <a:pPr marL="1257300" lvl="2" indent="-342900">
+              <a:buFont typeface="Arial" panose="020B0604020202020204" pitchFamily="34" charset="0"/>
+              <a:buChar char="•"/>
+            </a:pPr>
+            <a:endParaRPr lang="pt-PT" sz="2400" dirty="0" smtClean="0"/>
+          </a:p>
+          <a:p>
+            <a:pPr marL="800100" lvl="1" indent="-342900">
+              <a:buFont typeface="Arial" panose="020B0604020202020204" pitchFamily="34" charset="0"/>
+              <a:buChar char="•"/>
+            </a:pPr>
+            <a:r>
+              <a:rPr lang="pt-PT" sz="2400" dirty="0" smtClean="0"/>
+              <a:t>Funcionais</a:t>
+            </a:r>
+          </a:p>
+          <a:p>
+            <a:pPr marL="1257300" lvl="2" indent="-342900">
+              <a:buFont typeface="Wingdings" panose="05000000000000000000" pitchFamily="2" charset="2"/>
+              <a:buChar char="Ø"/>
+            </a:pPr>
+            <a:r>
+              <a:rPr lang="pt-PT" sz="2400" dirty="0"/>
+              <a:t>Ligar sistemas de aquecimento da câmara, do tabuleiro ou do </a:t>
+            </a:r>
+            <a:r>
+              <a:rPr lang="pt-PT" sz="2400" dirty="0" err="1"/>
+              <a:t>extrusor</a:t>
+            </a:r>
             <a:endParaRPr lang="pt-PT" sz="2400" dirty="0"/>
           </a:p>
           <a:p>
-            <a:pPr marL="342900" indent="-342900">
-              <a:buFont typeface="Arial" panose="020B0604020202020204" pitchFamily="34" charset="0"/>
-              <a:buChar char="•"/>
-            </a:pPr>
-            <a:endParaRPr lang="pt-PT" sz="2400" dirty="0" smtClean="0"/>
+            <a:pPr marL="1257300" lvl="2" indent="-342900">
+              <a:buFont typeface="Wingdings" panose="05000000000000000000" pitchFamily="2" charset="2"/>
+              <a:buChar char="Ø"/>
+            </a:pPr>
+            <a:r>
+              <a:rPr lang="pt-PT" sz="2400" dirty="0"/>
+              <a:t>Movimentação dos eixos de forma manual</a:t>
+            </a:r>
+          </a:p>
+          <a:p>
+            <a:pPr marL="1257300" lvl="2" indent="-342900">
+              <a:buFont typeface="Wingdings" panose="05000000000000000000" pitchFamily="2" charset="2"/>
+              <a:buChar char="Ø"/>
+            </a:pPr>
+            <a:r>
+              <a:rPr lang="pt-PT" sz="2400" dirty="0"/>
+              <a:t>Entre outros</a:t>
+            </a:r>
+          </a:p>
+          <a:p>
+            <a:pPr marL="1257300" lvl="2" indent="-342900">
+              <a:buFont typeface="Arial" panose="020B0604020202020204" pitchFamily="34" charset="0"/>
+              <a:buChar char="•"/>
+            </a:pPr>
+            <a:endParaRPr lang="pt-PT" sz="2400" dirty="0" smtClean="0"/>
+          </a:p>
+          <a:p>
+            <a:pPr marL="800100" lvl="1" indent="-342900">
+              <a:buFont typeface="Arial" panose="020B0604020202020204" pitchFamily="34" charset="0"/>
+              <a:buChar char="•"/>
+            </a:pPr>
+            <a:r>
+              <a:rPr lang="pt-PT" sz="2400" dirty="0" smtClean="0"/>
+              <a:t>Complementares</a:t>
+            </a:r>
+          </a:p>
+          <a:p>
+            <a:pPr marL="1257300" lvl="2" indent="-342900">
+              <a:buFont typeface="Wingdings" panose="05000000000000000000" pitchFamily="2" charset="2"/>
+              <a:buChar char="Ø"/>
+            </a:pPr>
+            <a:r>
+              <a:rPr lang="pt-PT" sz="2400" dirty="0"/>
+              <a:t>Ligar iluminação da câmara</a:t>
+            </a:r>
           </a:p>
           <a:p>
             <a:pPr marL="342900" indent="-342900">
@@ -11633,66 +12252,6 @@
               <a:buChar char="•"/>
             </a:pPr>
             <a:endParaRPr lang="pt-PT" sz="2400" dirty="0"/>
-          </a:p>
-          <a:p>
-            <a:pPr marL="342900" indent="-342900">
-              <a:buFont typeface="Arial" panose="020B0604020202020204" pitchFamily="34" charset="0"/>
-              <a:buChar char="•"/>
-            </a:pPr>
-            <a:endParaRPr lang="pt-PT" sz="2400" dirty="0" smtClean="0"/>
-          </a:p>
-          <a:p>
-            <a:pPr marL="342900" indent="-342900">
-              <a:buFont typeface="Arial" panose="020B0604020202020204" pitchFamily="34" charset="0"/>
-              <a:buChar char="•"/>
-            </a:pPr>
-            <a:endParaRPr lang="pt-PT" sz="2400" dirty="0"/>
-          </a:p>
-          <a:p>
-            <a:pPr marL="342900" indent="-342900">
-              <a:buFont typeface="Arial" panose="020B0604020202020204" pitchFamily="34" charset="0"/>
-              <a:buChar char="•"/>
-            </a:pPr>
-            <a:endParaRPr lang="pt-PT" sz="2400" dirty="0" smtClean="0"/>
-          </a:p>
-          <a:p>
-            <a:pPr marL="342900" indent="-342900">
-              <a:buFont typeface="Arial" panose="020B0604020202020204" pitchFamily="34" charset="0"/>
-              <a:buChar char="•"/>
-            </a:pPr>
-            <a:endParaRPr lang="pt-PT" sz="2400" dirty="0"/>
-          </a:p>
-          <a:p>
-            <a:pPr marL="342900" indent="-342900">
-              <a:buFont typeface="Arial" panose="020B0604020202020204" pitchFamily="34" charset="0"/>
-              <a:buChar char="•"/>
-            </a:pPr>
-            <a:endParaRPr lang="pt-PT" sz="2400" dirty="0" smtClean="0"/>
-          </a:p>
-          <a:p>
-            <a:pPr marL="342900" indent="-342900">
-              <a:buFont typeface="Arial" panose="020B0604020202020204" pitchFamily="34" charset="0"/>
-              <a:buChar char="•"/>
-            </a:pPr>
-            <a:endParaRPr lang="pt-PT" sz="2400" dirty="0"/>
-          </a:p>
-          <a:p>
-            <a:pPr marL="342900" indent="-342900">
-              <a:buFont typeface="Arial" panose="020B0604020202020204" pitchFamily="34" charset="0"/>
-              <a:buChar char="•"/>
-            </a:pPr>
-            <a:r>
-              <a:rPr lang="pt-PT" sz="2400" dirty="0" smtClean="0"/>
-              <a:t>Testes </a:t>
-            </a:r>
-            <a:r>
-              <a:rPr lang="pt-PT" sz="2400" dirty="0"/>
-              <a:t>no ecrã </a:t>
-            </a:r>
-            <a:r>
-              <a:rPr lang="pt-PT" sz="2400" dirty="0" smtClean="0"/>
-              <a:t>tátil</a:t>
-            </a:r>
           </a:p>
         </p:txBody>
       </p:sp>
@@ -11720,66 +12279,6 @@
           <a:xfrm>
             <a:off x="10556470" y="132544"/>
             <a:ext cx="1555746" cy="1037905"/>
-          </a:xfrm>
-          <a:prstGeom prst="rect">
-            <a:avLst/>
-          </a:prstGeom>
-        </p:spPr>
-      </p:pic>
-      <p:pic>
-        <p:nvPicPr>
-          <p:cNvPr id="13" name="Imagem 12"/>
-          <p:cNvPicPr>
-            <a:picLocks noChangeAspect="1"/>
-          </p:cNvPicPr>
-          <p:nvPr/>
-        </p:nvPicPr>
-        <p:blipFill>
-          <a:blip r:embed="rId3" cstate="print">
-            <a:extLst>
-              <a:ext uri="{28A0092B-C50C-407E-A947-70E740481C1C}">
-                <a14:useLocalDpi xmlns:a14="http://schemas.microsoft.com/office/drawing/2010/main" val="0"/>
-              </a:ext>
-            </a:extLst>
-          </a:blip>
-          <a:stretch>
-            <a:fillRect/>
-          </a:stretch>
-        </p:blipFill>
-        <p:spPr>
-          <a:xfrm>
-            <a:off x="749033" y="1879070"/>
-            <a:ext cx="5027645" cy="2856532"/>
-          </a:xfrm>
-          <a:prstGeom prst="rect">
-            <a:avLst/>
-          </a:prstGeom>
-        </p:spPr>
-      </p:pic>
-      <p:pic>
-        <p:nvPicPr>
-          <p:cNvPr id="14" name="Imagem 13"/>
-          <p:cNvPicPr>
-            <a:picLocks noChangeAspect="1"/>
-          </p:cNvPicPr>
-          <p:nvPr/>
-        </p:nvPicPr>
-        <p:blipFill>
-          <a:blip r:embed="rId4" cstate="print">
-            <a:extLst>
-              <a:ext uri="{28A0092B-C50C-407E-A947-70E740481C1C}">
-                <a14:useLocalDpi xmlns:a14="http://schemas.microsoft.com/office/drawing/2010/main" val="0"/>
-              </a:ext>
-            </a:extLst>
-          </a:blip>
-          <a:stretch>
-            <a:fillRect/>
-          </a:stretch>
-        </p:blipFill>
-        <p:spPr>
-          <a:xfrm>
-            <a:off x="6124842" y="1879070"/>
-            <a:ext cx="5087641" cy="2862030"/>
           </a:xfrm>
           <a:prstGeom prst="rect">
             <a:avLst/>
@@ -11823,16 +12322,484 @@
           <a:chExt cx="0" cy="0"/>
         </a:xfrm>
       </p:grpSpPr>
+      <p:sp>
+        <p:nvSpPr>
+          <p:cNvPr id="2" name="Slide Number Placeholder 1"/>
+          <p:cNvSpPr>
+            <a:spLocks noGrp="1"/>
+          </p:cNvSpPr>
+          <p:nvPr>
+            <p:ph type="sldNum" sz="quarter" idx="12"/>
+          </p:nvPr>
+        </p:nvSpPr>
+        <p:spPr/>
+        <p:txBody>
+          <a:bodyPr/>
+          <a:lstStyle/>
+          <a:p>
+            <a:fld id="{422D536B-584E-486B-9435-086987A3D916}" type="slidenum">
+              <a:rPr lang="pt-PT" smtClean="0"/>
+              <a:t>7</a:t>
+            </a:fld>
+            <a:endParaRPr lang="pt-PT" dirty="0"/>
+          </a:p>
+        </p:txBody>
+      </p:sp>
+      <p:sp>
+        <p:nvSpPr>
+          <p:cNvPr id="6" name="Slide Number Placeholder 5"/>
+          <p:cNvSpPr txBox="1">
+            <a:spLocks/>
+          </p:cNvSpPr>
+          <p:nvPr/>
+        </p:nvSpPr>
+        <p:spPr>
+          <a:xfrm>
+            <a:off x="0" y="6464982"/>
+            <a:ext cx="475129" cy="365125"/>
+          </a:xfrm>
+          <a:prstGeom prst="rect">
+            <a:avLst/>
+          </a:prstGeom>
+        </p:spPr>
+        <p:txBody>
+          <a:bodyPr vert="horz" lIns="91440" tIns="45720" rIns="91440" bIns="45720" rtlCol="0" anchor="ctr"/>
+          <a:lstStyle>
+            <a:defPPr>
+              <a:defRPr lang="en-US"/>
+            </a:defPPr>
+            <a:lvl1pPr marL="0" algn="r" defTabSz="457200" rtl="0" eaLnBrk="1" latinLnBrk="0" hangingPunct="1">
+              <a:defRPr sz="1050" kern="1200">
+                <a:solidFill>
+                  <a:srgbClr val="FFFFFF"/>
+                </a:solidFill>
+                <a:latin typeface="+mn-lt"/>
+                <a:ea typeface="+mn-ea"/>
+                <a:cs typeface="+mn-cs"/>
+              </a:defRPr>
+            </a:lvl1pPr>
+            <a:lvl2pPr marL="457200" algn="l" defTabSz="457200" rtl="0" eaLnBrk="1" latinLnBrk="0" hangingPunct="1">
+              <a:defRPr sz="1800" kern="1200">
+                <a:solidFill>
+                  <a:schemeClr val="tx1"/>
+                </a:solidFill>
+                <a:latin typeface="+mn-lt"/>
+                <a:ea typeface="+mn-ea"/>
+                <a:cs typeface="+mn-cs"/>
+              </a:defRPr>
+            </a:lvl2pPr>
+            <a:lvl3pPr marL="914400" algn="l" defTabSz="457200" rtl="0" eaLnBrk="1" latinLnBrk="0" hangingPunct="1">
+              <a:defRPr sz="1800" kern="1200">
+                <a:solidFill>
+                  <a:schemeClr val="tx1"/>
+                </a:solidFill>
+                <a:latin typeface="+mn-lt"/>
+                <a:ea typeface="+mn-ea"/>
+                <a:cs typeface="+mn-cs"/>
+              </a:defRPr>
+            </a:lvl3pPr>
+            <a:lvl4pPr marL="1371600" algn="l" defTabSz="457200" rtl="0" eaLnBrk="1" latinLnBrk="0" hangingPunct="1">
+              <a:defRPr sz="1800" kern="1200">
+                <a:solidFill>
+                  <a:schemeClr val="tx1"/>
+                </a:solidFill>
+                <a:latin typeface="+mn-lt"/>
+                <a:ea typeface="+mn-ea"/>
+                <a:cs typeface="+mn-cs"/>
+              </a:defRPr>
+            </a:lvl4pPr>
+            <a:lvl5pPr marL="1828800" algn="l" defTabSz="457200" rtl="0" eaLnBrk="1" latinLnBrk="0" hangingPunct="1">
+              <a:defRPr sz="1800" kern="1200">
+                <a:solidFill>
+                  <a:schemeClr val="tx1"/>
+                </a:solidFill>
+                <a:latin typeface="+mn-lt"/>
+                <a:ea typeface="+mn-ea"/>
+                <a:cs typeface="+mn-cs"/>
+              </a:defRPr>
+            </a:lvl5pPr>
+            <a:lvl6pPr marL="2286000" algn="l" defTabSz="457200" rtl="0" eaLnBrk="1" latinLnBrk="0" hangingPunct="1">
+              <a:defRPr sz="1800" kern="1200">
+                <a:solidFill>
+                  <a:schemeClr val="tx1"/>
+                </a:solidFill>
+                <a:latin typeface="+mn-lt"/>
+                <a:ea typeface="+mn-ea"/>
+                <a:cs typeface="+mn-cs"/>
+              </a:defRPr>
+            </a:lvl6pPr>
+            <a:lvl7pPr marL="2743200" algn="l" defTabSz="457200" rtl="0" eaLnBrk="1" latinLnBrk="0" hangingPunct="1">
+              <a:defRPr sz="1800" kern="1200">
+                <a:solidFill>
+                  <a:schemeClr val="tx1"/>
+                </a:solidFill>
+                <a:latin typeface="+mn-lt"/>
+                <a:ea typeface="+mn-ea"/>
+                <a:cs typeface="+mn-cs"/>
+              </a:defRPr>
+            </a:lvl7pPr>
+            <a:lvl8pPr marL="3200400" algn="l" defTabSz="457200" rtl="0" eaLnBrk="1" latinLnBrk="0" hangingPunct="1">
+              <a:defRPr sz="1800" kern="1200">
+                <a:solidFill>
+                  <a:schemeClr val="tx1"/>
+                </a:solidFill>
+                <a:latin typeface="+mn-lt"/>
+                <a:ea typeface="+mn-ea"/>
+                <a:cs typeface="+mn-cs"/>
+              </a:defRPr>
+            </a:lvl8pPr>
+            <a:lvl9pPr marL="3657600" algn="l" defTabSz="457200" rtl="0" eaLnBrk="1" latinLnBrk="0" hangingPunct="1">
+              <a:defRPr sz="1800" kern="1200">
+                <a:solidFill>
+                  <a:schemeClr val="tx1"/>
+                </a:solidFill>
+                <a:latin typeface="+mn-lt"/>
+                <a:ea typeface="+mn-ea"/>
+                <a:cs typeface="+mn-cs"/>
+              </a:defRPr>
+            </a:lvl9pPr>
+          </a:lstStyle>
+          <a:p>
+            <a:r>
+              <a:rPr lang="pt-PT" dirty="0" smtClean="0"/>
+              <a:t>IPVC</a:t>
+            </a:r>
+            <a:endParaRPr lang="pt-PT" dirty="0"/>
+          </a:p>
+        </p:txBody>
+      </p:sp>
+      <p:sp>
+        <p:nvSpPr>
+          <p:cNvPr id="10" name="Slide Number Placeholder 5"/>
+          <p:cNvSpPr txBox="1">
+            <a:spLocks/>
+          </p:cNvSpPr>
+          <p:nvPr/>
+        </p:nvSpPr>
+        <p:spPr>
+          <a:xfrm>
+            <a:off x="3908571" y="6492875"/>
+            <a:ext cx="4435818" cy="365125"/>
+          </a:xfrm>
+          <a:prstGeom prst="rect">
+            <a:avLst/>
+          </a:prstGeom>
+        </p:spPr>
+        <p:txBody>
+          <a:bodyPr vert="horz" lIns="91440" tIns="45720" rIns="91440" bIns="45720" rtlCol="0" anchor="ctr"/>
+          <a:lstStyle>
+            <a:defPPr>
+              <a:defRPr lang="en-US"/>
+            </a:defPPr>
+            <a:lvl1pPr marL="0" algn="r" defTabSz="457200" rtl="0" eaLnBrk="1" latinLnBrk="0" hangingPunct="1">
+              <a:defRPr sz="1050" kern="1200">
+                <a:solidFill>
+                  <a:srgbClr val="FFFFFF"/>
+                </a:solidFill>
+                <a:latin typeface="+mn-lt"/>
+                <a:ea typeface="+mn-ea"/>
+                <a:cs typeface="+mn-cs"/>
+              </a:defRPr>
+            </a:lvl1pPr>
+            <a:lvl2pPr marL="457200" algn="l" defTabSz="457200" rtl="0" eaLnBrk="1" latinLnBrk="0" hangingPunct="1">
+              <a:defRPr sz="1800" kern="1200">
+                <a:solidFill>
+                  <a:schemeClr val="tx1"/>
+                </a:solidFill>
+                <a:latin typeface="+mn-lt"/>
+                <a:ea typeface="+mn-ea"/>
+                <a:cs typeface="+mn-cs"/>
+              </a:defRPr>
+            </a:lvl2pPr>
+            <a:lvl3pPr marL="914400" algn="l" defTabSz="457200" rtl="0" eaLnBrk="1" latinLnBrk="0" hangingPunct="1">
+              <a:defRPr sz="1800" kern="1200">
+                <a:solidFill>
+                  <a:schemeClr val="tx1"/>
+                </a:solidFill>
+                <a:latin typeface="+mn-lt"/>
+                <a:ea typeface="+mn-ea"/>
+                <a:cs typeface="+mn-cs"/>
+              </a:defRPr>
+            </a:lvl3pPr>
+            <a:lvl4pPr marL="1371600" algn="l" defTabSz="457200" rtl="0" eaLnBrk="1" latinLnBrk="0" hangingPunct="1">
+              <a:defRPr sz="1800" kern="1200">
+                <a:solidFill>
+                  <a:schemeClr val="tx1"/>
+                </a:solidFill>
+                <a:latin typeface="+mn-lt"/>
+                <a:ea typeface="+mn-ea"/>
+                <a:cs typeface="+mn-cs"/>
+              </a:defRPr>
+            </a:lvl4pPr>
+            <a:lvl5pPr marL="1828800" algn="l" defTabSz="457200" rtl="0" eaLnBrk="1" latinLnBrk="0" hangingPunct="1">
+              <a:defRPr sz="1800" kern="1200">
+                <a:solidFill>
+                  <a:schemeClr val="tx1"/>
+                </a:solidFill>
+                <a:latin typeface="+mn-lt"/>
+                <a:ea typeface="+mn-ea"/>
+                <a:cs typeface="+mn-cs"/>
+              </a:defRPr>
+            </a:lvl5pPr>
+            <a:lvl6pPr marL="2286000" algn="l" defTabSz="457200" rtl="0" eaLnBrk="1" latinLnBrk="0" hangingPunct="1">
+              <a:defRPr sz="1800" kern="1200">
+                <a:solidFill>
+                  <a:schemeClr val="tx1"/>
+                </a:solidFill>
+                <a:latin typeface="+mn-lt"/>
+                <a:ea typeface="+mn-ea"/>
+                <a:cs typeface="+mn-cs"/>
+              </a:defRPr>
+            </a:lvl6pPr>
+            <a:lvl7pPr marL="2743200" algn="l" defTabSz="457200" rtl="0" eaLnBrk="1" latinLnBrk="0" hangingPunct="1">
+              <a:defRPr sz="1800" kern="1200">
+                <a:solidFill>
+                  <a:schemeClr val="tx1"/>
+                </a:solidFill>
+                <a:latin typeface="+mn-lt"/>
+                <a:ea typeface="+mn-ea"/>
+                <a:cs typeface="+mn-cs"/>
+              </a:defRPr>
+            </a:lvl7pPr>
+            <a:lvl8pPr marL="3200400" algn="l" defTabSz="457200" rtl="0" eaLnBrk="1" latinLnBrk="0" hangingPunct="1">
+              <a:defRPr sz="1800" kern="1200">
+                <a:solidFill>
+                  <a:schemeClr val="tx1"/>
+                </a:solidFill>
+                <a:latin typeface="+mn-lt"/>
+                <a:ea typeface="+mn-ea"/>
+                <a:cs typeface="+mn-cs"/>
+              </a:defRPr>
+            </a:lvl8pPr>
+            <a:lvl9pPr marL="3657600" algn="l" defTabSz="457200" rtl="0" eaLnBrk="1" latinLnBrk="0" hangingPunct="1">
+              <a:defRPr sz="1800" kern="1200">
+                <a:solidFill>
+                  <a:schemeClr val="tx1"/>
+                </a:solidFill>
+                <a:latin typeface="+mn-lt"/>
+                <a:ea typeface="+mn-ea"/>
+                <a:cs typeface="+mn-cs"/>
+              </a:defRPr>
+            </a:lvl9pPr>
+          </a:lstStyle>
+          <a:p>
+            <a:pPr algn="ctr"/>
+            <a:r>
+              <a:rPr lang="pt-PT" sz="1600" b="1" dirty="0" smtClean="0"/>
+              <a:t>HMI para Fabrico Aditivo</a:t>
+            </a:r>
+            <a:endParaRPr lang="pt-PT" sz="1600" b="1" dirty="0"/>
+          </a:p>
+        </p:txBody>
+      </p:sp>
+      <p:sp>
+        <p:nvSpPr>
+          <p:cNvPr id="8" name="TextBox 6"/>
+          <p:cNvSpPr txBox="1"/>
+          <p:nvPr/>
+        </p:nvSpPr>
+        <p:spPr>
+          <a:xfrm>
+            <a:off x="252980" y="300496"/>
+            <a:ext cx="11293561" cy="2677656"/>
+          </a:xfrm>
+          <a:prstGeom prst="rect">
+            <a:avLst/>
+          </a:prstGeom>
+          <a:noFill/>
+        </p:spPr>
+        <p:txBody>
+          <a:bodyPr wrap="square" rtlCol="0">
+            <a:spAutoFit/>
+          </a:bodyPr>
+          <a:lstStyle/>
+          <a:p>
+            <a:pPr marL="342900" indent="-342900">
+              <a:buFont typeface="Arial" panose="020B0604020202020204" pitchFamily="34" charset="0"/>
+              <a:buChar char="•"/>
+            </a:pPr>
+            <a:endParaRPr lang="pt-PT" sz="2400" dirty="0" smtClean="0"/>
+          </a:p>
+          <a:p>
+            <a:pPr marL="342900" indent="-342900">
+              <a:buFont typeface="Arial" panose="020B0604020202020204" pitchFamily="34" charset="0"/>
+              <a:buChar char="•"/>
+            </a:pPr>
+            <a:endParaRPr lang="pt-PT" sz="2400" dirty="0" smtClean="0"/>
+          </a:p>
+          <a:p>
+            <a:endParaRPr lang="pt-PT" sz="2400" dirty="0"/>
+          </a:p>
+          <a:p>
+            <a:pPr marL="342900" indent="-342900">
+              <a:buFont typeface="Arial" panose="020B0604020202020204" pitchFamily="34" charset="0"/>
+              <a:buChar char="•"/>
+            </a:pPr>
+            <a:endParaRPr lang="pt-PT" sz="2400" dirty="0" smtClean="0"/>
+          </a:p>
+          <a:p>
+            <a:pPr marL="342900" indent="-342900">
+              <a:buFont typeface="Arial" panose="020B0604020202020204" pitchFamily="34" charset="0"/>
+              <a:buChar char="•"/>
+            </a:pPr>
+            <a:endParaRPr lang="pt-PT" sz="2400" dirty="0" smtClean="0"/>
+          </a:p>
+          <a:p>
+            <a:endParaRPr lang="pt-PT" sz="2400" dirty="0" smtClean="0"/>
+          </a:p>
+          <a:p>
+            <a:pPr marL="342900" indent="-342900">
+              <a:buFont typeface="Arial" panose="020B0604020202020204" pitchFamily="34" charset="0"/>
+              <a:buChar char="•"/>
+            </a:pPr>
+            <a:endParaRPr lang="pt-PT" sz="2400" dirty="0" smtClean="0"/>
+          </a:p>
+        </p:txBody>
+      </p:sp>
+      <p:sp>
+        <p:nvSpPr>
+          <p:cNvPr id="12" name="TextBox 6"/>
+          <p:cNvSpPr txBox="1"/>
+          <p:nvPr/>
+        </p:nvSpPr>
+        <p:spPr>
+          <a:xfrm>
+            <a:off x="444999" y="166025"/>
+            <a:ext cx="9326529" cy="5386090"/>
+          </a:xfrm>
+          <a:prstGeom prst="rect">
+            <a:avLst/>
+          </a:prstGeom>
+          <a:noFill/>
+        </p:spPr>
+        <p:txBody>
+          <a:bodyPr wrap="square" rtlCol="0">
+            <a:spAutoFit/>
+          </a:bodyPr>
+          <a:lstStyle/>
+          <a:p>
+            <a:r>
+              <a:rPr lang="pt-PT" sz="3200" b="1" dirty="0" smtClean="0"/>
+              <a:t>Metodologia</a:t>
+            </a:r>
+          </a:p>
+          <a:p>
+            <a:pPr marL="342900" indent="-342900">
+              <a:buFont typeface="Arial" panose="020B0604020202020204" pitchFamily="34" charset="0"/>
+              <a:buChar char="•"/>
+            </a:pPr>
+            <a:endParaRPr lang="pt-PT" sz="2400" dirty="0" smtClean="0"/>
+          </a:p>
+          <a:p>
+            <a:r>
+              <a:rPr lang="pt-PT" sz="2400" dirty="0" smtClean="0"/>
+              <a:t>Criação </a:t>
+            </a:r>
+            <a:r>
+              <a:rPr lang="pt-PT" sz="2400" dirty="0"/>
+              <a:t>de </a:t>
+            </a:r>
+            <a:r>
+              <a:rPr lang="pt-PT" sz="2400" dirty="0" smtClean="0"/>
+              <a:t>maquetes</a:t>
+            </a:r>
+          </a:p>
+          <a:p>
+            <a:pPr marL="342900" indent="-342900">
+              <a:buFont typeface="Arial" panose="020B0604020202020204" pitchFamily="34" charset="0"/>
+              <a:buChar char="•"/>
+            </a:pPr>
+            <a:endParaRPr lang="pt-PT" sz="2400" dirty="0"/>
+          </a:p>
+          <a:p>
+            <a:pPr marL="342900" indent="-342900">
+              <a:buFont typeface="Arial" panose="020B0604020202020204" pitchFamily="34" charset="0"/>
+              <a:buChar char="•"/>
+            </a:pPr>
+            <a:endParaRPr lang="pt-PT" sz="2400" dirty="0" smtClean="0"/>
+          </a:p>
+          <a:p>
+            <a:pPr marL="342900" indent="-342900">
+              <a:buFont typeface="Arial" panose="020B0604020202020204" pitchFamily="34" charset="0"/>
+              <a:buChar char="•"/>
+            </a:pPr>
+            <a:endParaRPr lang="pt-PT" sz="2400" dirty="0"/>
+          </a:p>
+          <a:p>
+            <a:pPr marL="342900" indent="-342900">
+              <a:buFont typeface="Arial" panose="020B0604020202020204" pitchFamily="34" charset="0"/>
+              <a:buChar char="•"/>
+            </a:pPr>
+            <a:endParaRPr lang="pt-PT" sz="2400" dirty="0" smtClean="0"/>
+          </a:p>
+          <a:p>
+            <a:pPr marL="342900" indent="-342900">
+              <a:buFont typeface="Arial" panose="020B0604020202020204" pitchFamily="34" charset="0"/>
+              <a:buChar char="•"/>
+            </a:pPr>
+            <a:endParaRPr lang="pt-PT" sz="2400" dirty="0"/>
+          </a:p>
+          <a:p>
+            <a:pPr marL="342900" indent="-342900">
+              <a:buFont typeface="Arial" panose="020B0604020202020204" pitchFamily="34" charset="0"/>
+              <a:buChar char="•"/>
+            </a:pPr>
+            <a:endParaRPr lang="pt-PT" sz="2400" dirty="0" smtClean="0"/>
+          </a:p>
+          <a:p>
+            <a:pPr marL="342900" indent="-342900">
+              <a:buFont typeface="Arial" panose="020B0604020202020204" pitchFamily="34" charset="0"/>
+              <a:buChar char="•"/>
+            </a:pPr>
+            <a:endParaRPr lang="pt-PT" sz="2400" dirty="0"/>
+          </a:p>
+          <a:p>
+            <a:pPr marL="342900" indent="-342900">
+              <a:buFont typeface="Arial" panose="020B0604020202020204" pitchFamily="34" charset="0"/>
+              <a:buChar char="•"/>
+            </a:pPr>
+            <a:endParaRPr lang="pt-PT" sz="2400" dirty="0" smtClean="0"/>
+          </a:p>
+          <a:p>
+            <a:pPr marL="342900" indent="-342900">
+              <a:buFont typeface="Arial" panose="020B0604020202020204" pitchFamily="34" charset="0"/>
+              <a:buChar char="•"/>
+            </a:pPr>
+            <a:endParaRPr lang="pt-PT" sz="2400" dirty="0"/>
+          </a:p>
+          <a:p>
+            <a:endParaRPr lang="pt-PT" sz="2400" dirty="0" smtClean="0"/>
+          </a:p>
+          <a:p>
+            <a:r>
+              <a:rPr lang="pt-PT" sz="2400" dirty="0" smtClean="0"/>
+              <a:t>Realização de </a:t>
+            </a:r>
+            <a:r>
+              <a:rPr lang="pt-PT" sz="2400" dirty="0" smtClean="0"/>
+              <a:t>testes </a:t>
+            </a:r>
+            <a:r>
+              <a:rPr lang="pt-PT" sz="2400" dirty="0"/>
+              <a:t>no ecrã </a:t>
+            </a:r>
+            <a:r>
+              <a:rPr lang="pt-PT" sz="2400" dirty="0" smtClean="0"/>
+              <a:t>tátil</a:t>
+            </a:r>
+          </a:p>
+        </p:txBody>
+      </p:sp>
       <p:pic>
         <p:nvPicPr>
-          <p:cNvPr id="13" name="Imagem 12"/>
+          <p:cNvPr id="11" name="Imagem 10"/>
           <p:cNvPicPr>
             <a:picLocks noChangeAspect="1"/>
           </p:cNvPicPr>
           <p:nvPr/>
         </p:nvPicPr>
         <p:blipFill>
-          <a:blip r:embed="rId2">
+          <a:blip r:embed="rId2" cstate="print">
             <a:extLst>
               <a:ext uri="{28A0092B-C50C-407E-A947-70E740481C1C}">
                 <a14:useLocalDpi xmlns:a14="http://schemas.microsoft.com/office/drawing/2010/main" val="0"/>
@@ -11845,514 +12812,17 @@
         </p:blipFill>
         <p:spPr>
           <a:xfrm>
-            <a:off x="1713386" y="1363099"/>
-            <a:ext cx="8120398" cy="2465743"/>
+            <a:off x="10556470" y="132544"/>
+            <a:ext cx="1555746" cy="1037905"/>
           </a:xfrm>
           <a:prstGeom prst="rect">
             <a:avLst/>
           </a:prstGeom>
         </p:spPr>
       </p:pic>
-      <p:sp>
-        <p:nvSpPr>
-          <p:cNvPr id="2" name="Slide Number Placeholder 1"/>
-          <p:cNvSpPr>
-            <a:spLocks noGrp="1"/>
-          </p:cNvSpPr>
-          <p:nvPr>
-            <p:ph type="sldNum" sz="quarter" idx="12"/>
-          </p:nvPr>
-        </p:nvSpPr>
-        <p:spPr/>
-        <p:txBody>
-          <a:bodyPr/>
-          <a:lstStyle/>
-          <a:p>
-            <a:fld id="{422D536B-584E-486B-9435-086987A3D916}" type="slidenum">
-              <a:rPr lang="pt-PT" smtClean="0"/>
-              <a:t>7</a:t>
-            </a:fld>
-            <a:endParaRPr lang="pt-PT" dirty="0"/>
-          </a:p>
-        </p:txBody>
-      </p:sp>
-      <p:sp>
-        <p:nvSpPr>
-          <p:cNvPr id="6" name="Slide Number Placeholder 5"/>
-          <p:cNvSpPr txBox="1">
-            <a:spLocks/>
-          </p:cNvSpPr>
-          <p:nvPr/>
-        </p:nvSpPr>
-        <p:spPr>
-          <a:xfrm>
-            <a:off x="0" y="6464982"/>
-            <a:ext cx="475129" cy="365125"/>
-          </a:xfrm>
-          <a:prstGeom prst="rect">
-            <a:avLst/>
-          </a:prstGeom>
-        </p:spPr>
-        <p:txBody>
-          <a:bodyPr vert="horz" lIns="91440" tIns="45720" rIns="91440" bIns="45720" rtlCol="0" anchor="ctr"/>
-          <a:lstStyle>
-            <a:defPPr>
-              <a:defRPr lang="en-US"/>
-            </a:defPPr>
-            <a:lvl1pPr marL="0" algn="r" defTabSz="457200" rtl="0" eaLnBrk="1" latinLnBrk="0" hangingPunct="1">
-              <a:defRPr sz="1050" kern="1200">
-                <a:solidFill>
-                  <a:srgbClr val="FFFFFF"/>
-                </a:solidFill>
-                <a:latin typeface="+mn-lt"/>
-                <a:ea typeface="+mn-ea"/>
-                <a:cs typeface="+mn-cs"/>
-              </a:defRPr>
-            </a:lvl1pPr>
-            <a:lvl2pPr marL="457200" algn="l" defTabSz="457200" rtl="0" eaLnBrk="1" latinLnBrk="0" hangingPunct="1">
-              <a:defRPr sz="1800" kern="1200">
-                <a:solidFill>
-                  <a:schemeClr val="tx1"/>
-                </a:solidFill>
-                <a:latin typeface="+mn-lt"/>
-                <a:ea typeface="+mn-ea"/>
-                <a:cs typeface="+mn-cs"/>
-              </a:defRPr>
-            </a:lvl2pPr>
-            <a:lvl3pPr marL="914400" algn="l" defTabSz="457200" rtl="0" eaLnBrk="1" latinLnBrk="0" hangingPunct="1">
-              <a:defRPr sz="1800" kern="1200">
-                <a:solidFill>
-                  <a:schemeClr val="tx1"/>
-                </a:solidFill>
-                <a:latin typeface="+mn-lt"/>
-                <a:ea typeface="+mn-ea"/>
-                <a:cs typeface="+mn-cs"/>
-              </a:defRPr>
-            </a:lvl3pPr>
-            <a:lvl4pPr marL="1371600" algn="l" defTabSz="457200" rtl="0" eaLnBrk="1" latinLnBrk="0" hangingPunct="1">
-              <a:defRPr sz="1800" kern="1200">
-                <a:solidFill>
-                  <a:schemeClr val="tx1"/>
-                </a:solidFill>
-                <a:latin typeface="+mn-lt"/>
-                <a:ea typeface="+mn-ea"/>
-                <a:cs typeface="+mn-cs"/>
-              </a:defRPr>
-            </a:lvl4pPr>
-            <a:lvl5pPr marL="1828800" algn="l" defTabSz="457200" rtl="0" eaLnBrk="1" latinLnBrk="0" hangingPunct="1">
-              <a:defRPr sz="1800" kern="1200">
-                <a:solidFill>
-                  <a:schemeClr val="tx1"/>
-                </a:solidFill>
-                <a:latin typeface="+mn-lt"/>
-                <a:ea typeface="+mn-ea"/>
-                <a:cs typeface="+mn-cs"/>
-              </a:defRPr>
-            </a:lvl5pPr>
-            <a:lvl6pPr marL="2286000" algn="l" defTabSz="457200" rtl="0" eaLnBrk="1" latinLnBrk="0" hangingPunct="1">
-              <a:defRPr sz="1800" kern="1200">
-                <a:solidFill>
-                  <a:schemeClr val="tx1"/>
-                </a:solidFill>
-                <a:latin typeface="+mn-lt"/>
-                <a:ea typeface="+mn-ea"/>
-                <a:cs typeface="+mn-cs"/>
-              </a:defRPr>
-            </a:lvl6pPr>
-            <a:lvl7pPr marL="2743200" algn="l" defTabSz="457200" rtl="0" eaLnBrk="1" latinLnBrk="0" hangingPunct="1">
-              <a:defRPr sz="1800" kern="1200">
-                <a:solidFill>
-                  <a:schemeClr val="tx1"/>
-                </a:solidFill>
-                <a:latin typeface="+mn-lt"/>
-                <a:ea typeface="+mn-ea"/>
-                <a:cs typeface="+mn-cs"/>
-              </a:defRPr>
-            </a:lvl7pPr>
-            <a:lvl8pPr marL="3200400" algn="l" defTabSz="457200" rtl="0" eaLnBrk="1" latinLnBrk="0" hangingPunct="1">
-              <a:defRPr sz="1800" kern="1200">
-                <a:solidFill>
-                  <a:schemeClr val="tx1"/>
-                </a:solidFill>
-                <a:latin typeface="+mn-lt"/>
-                <a:ea typeface="+mn-ea"/>
-                <a:cs typeface="+mn-cs"/>
-              </a:defRPr>
-            </a:lvl8pPr>
-            <a:lvl9pPr marL="3657600" algn="l" defTabSz="457200" rtl="0" eaLnBrk="1" latinLnBrk="0" hangingPunct="1">
-              <a:defRPr sz="1800" kern="1200">
-                <a:solidFill>
-                  <a:schemeClr val="tx1"/>
-                </a:solidFill>
-                <a:latin typeface="+mn-lt"/>
-                <a:ea typeface="+mn-ea"/>
-                <a:cs typeface="+mn-cs"/>
-              </a:defRPr>
-            </a:lvl9pPr>
-          </a:lstStyle>
-          <a:p>
-            <a:r>
-              <a:rPr lang="pt-PT" dirty="0" smtClean="0"/>
-              <a:t>IPVC</a:t>
-            </a:r>
-            <a:endParaRPr lang="pt-PT" dirty="0"/>
-          </a:p>
-        </p:txBody>
-      </p:sp>
-      <p:sp>
-        <p:nvSpPr>
-          <p:cNvPr id="10" name="Slide Number Placeholder 5"/>
-          <p:cNvSpPr txBox="1">
-            <a:spLocks/>
-          </p:cNvSpPr>
-          <p:nvPr/>
-        </p:nvSpPr>
-        <p:spPr>
-          <a:xfrm>
-            <a:off x="3908571" y="6492875"/>
-            <a:ext cx="4435818" cy="365125"/>
-          </a:xfrm>
-          <a:prstGeom prst="rect">
-            <a:avLst/>
-          </a:prstGeom>
-        </p:spPr>
-        <p:txBody>
-          <a:bodyPr vert="horz" lIns="91440" tIns="45720" rIns="91440" bIns="45720" rtlCol="0" anchor="ctr"/>
-          <a:lstStyle>
-            <a:defPPr>
-              <a:defRPr lang="en-US"/>
-            </a:defPPr>
-            <a:lvl1pPr marL="0" algn="r" defTabSz="457200" rtl="0" eaLnBrk="1" latinLnBrk="0" hangingPunct="1">
-              <a:defRPr sz="1050" kern="1200">
-                <a:solidFill>
-                  <a:srgbClr val="FFFFFF"/>
-                </a:solidFill>
-                <a:latin typeface="+mn-lt"/>
-                <a:ea typeface="+mn-ea"/>
-                <a:cs typeface="+mn-cs"/>
-              </a:defRPr>
-            </a:lvl1pPr>
-            <a:lvl2pPr marL="457200" algn="l" defTabSz="457200" rtl="0" eaLnBrk="1" latinLnBrk="0" hangingPunct="1">
-              <a:defRPr sz="1800" kern="1200">
-                <a:solidFill>
-                  <a:schemeClr val="tx1"/>
-                </a:solidFill>
-                <a:latin typeface="+mn-lt"/>
-                <a:ea typeface="+mn-ea"/>
-                <a:cs typeface="+mn-cs"/>
-              </a:defRPr>
-            </a:lvl2pPr>
-            <a:lvl3pPr marL="914400" algn="l" defTabSz="457200" rtl="0" eaLnBrk="1" latinLnBrk="0" hangingPunct="1">
-              <a:defRPr sz="1800" kern="1200">
-                <a:solidFill>
-                  <a:schemeClr val="tx1"/>
-                </a:solidFill>
-                <a:latin typeface="+mn-lt"/>
-                <a:ea typeface="+mn-ea"/>
-                <a:cs typeface="+mn-cs"/>
-              </a:defRPr>
-            </a:lvl3pPr>
-            <a:lvl4pPr marL="1371600" algn="l" defTabSz="457200" rtl="0" eaLnBrk="1" latinLnBrk="0" hangingPunct="1">
-              <a:defRPr sz="1800" kern="1200">
-                <a:solidFill>
-                  <a:schemeClr val="tx1"/>
-                </a:solidFill>
-                <a:latin typeface="+mn-lt"/>
-                <a:ea typeface="+mn-ea"/>
-                <a:cs typeface="+mn-cs"/>
-              </a:defRPr>
-            </a:lvl4pPr>
-            <a:lvl5pPr marL="1828800" algn="l" defTabSz="457200" rtl="0" eaLnBrk="1" latinLnBrk="0" hangingPunct="1">
-              <a:defRPr sz="1800" kern="1200">
-                <a:solidFill>
-                  <a:schemeClr val="tx1"/>
-                </a:solidFill>
-                <a:latin typeface="+mn-lt"/>
-                <a:ea typeface="+mn-ea"/>
-                <a:cs typeface="+mn-cs"/>
-              </a:defRPr>
-            </a:lvl5pPr>
-            <a:lvl6pPr marL="2286000" algn="l" defTabSz="457200" rtl="0" eaLnBrk="1" latinLnBrk="0" hangingPunct="1">
-              <a:defRPr sz="1800" kern="1200">
-                <a:solidFill>
-                  <a:schemeClr val="tx1"/>
-                </a:solidFill>
-                <a:latin typeface="+mn-lt"/>
-                <a:ea typeface="+mn-ea"/>
-                <a:cs typeface="+mn-cs"/>
-              </a:defRPr>
-            </a:lvl6pPr>
-            <a:lvl7pPr marL="2743200" algn="l" defTabSz="457200" rtl="0" eaLnBrk="1" latinLnBrk="0" hangingPunct="1">
-              <a:defRPr sz="1800" kern="1200">
-                <a:solidFill>
-                  <a:schemeClr val="tx1"/>
-                </a:solidFill>
-                <a:latin typeface="+mn-lt"/>
-                <a:ea typeface="+mn-ea"/>
-                <a:cs typeface="+mn-cs"/>
-              </a:defRPr>
-            </a:lvl7pPr>
-            <a:lvl8pPr marL="3200400" algn="l" defTabSz="457200" rtl="0" eaLnBrk="1" latinLnBrk="0" hangingPunct="1">
-              <a:defRPr sz="1800" kern="1200">
-                <a:solidFill>
-                  <a:schemeClr val="tx1"/>
-                </a:solidFill>
-                <a:latin typeface="+mn-lt"/>
-                <a:ea typeface="+mn-ea"/>
-                <a:cs typeface="+mn-cs"/>
-              </a:defRPr>
-            </a:lvl8pPr>
-            <a:lvl9pPr marL="3657600" algn="l" defTabSz="457200" rtl="0" eaLnBrk="1" latinLnBrk="0" hangingPunct="1">
-              <a:defRPr sz="1800" kern="1200">
-                <a:solidFill>
-                  <a:schemeClr val="tx1"/>
-                </a:solidFill>
-                <a:latin typeface="+mn-lt"/>
-                <a:ea typeface="+mn-ea"/>
-                <a:cs typeface="+mn-cs"/>
-              </a:defRPr>
-            </a:lvl9pPr>
-          </a:lstStyle>
-          <a:p>
-            <a:pPr algn="ctr"/>
-            <a:r>
-              <a:rPr lang="pt-PT" sz="1600" b="1" dirty="0" smtClean="0"/>
-              <a:t>HMI para Fabrico Aditivo</a:t>
-            </a:r>
-            <a:endParaRPr lang="pt-PT" sz="1600" b="1" dirty="0"/>
-          </a:p>
-        </p:txBody>
-      </p:sp>
-      <p:sp>
-        <p:nvSpPr>
-          <p:cNvPr id="8" name="TextBox 6"/>
-          <p:cNvSpPr txBox="1"/>
-          <p:nvPr/>
-        </p:nvSpPr>
-        <p:spPr>
-          <a:xfrm>
-            <a:off x="252980" y="300496"/>
-            <a:ext cx="11033585" cy="2677656"/>
-          </a:xfrm>
-          <a:prstGeom prst="rect">
-            <a:avLst/>
-          </a:prstGeom>
-          <a:noFill/>
-        </p:spPr>
-        <p:txBody>
-          <a:bodyPr wrap="square" rtlCol="0">
-            <a:spAutoFit/>
-          </a:bodyPr>
-          <a:lstStyle/>
-          <a:p>
-            <a:pPr marL="342900" indent="-342900">
-              <a:buFont typeface="Arial" panose="020B0604020202020204" pitchFamily="34" charset="0"/>
-              <a:buChar char="•"/>
-            </a:pPr>
-            <a:endParaRPr lang="pt-PT" sz="2400" dirty="0" smtClean="0"/>
-          </a:p>
-          <a:p>
-            <a:pPr marL="342900" indent="-342900">
-              <a:buFont typeface="Arial" panose="020B0604020202020204" pitchFamily="34" charset="0"/>
-              <a:buChar char="•"/>
-            </a:pPr>
-            <a:endParaRPr lang="pt-PT" sz="2400" dirty="0" smtClean="0"/>
-          </a:p>
-          <a:p>
-            <a:endParaRPr lang="pt-PT" sz="2400" dirty="0"/>
-          </a:p>
-          <a:p>
-            <a:pPr marL="342900" indent="-342900">
-              <a:buFont typeface="Arial" panose="020B0604020202020204" pitchFamily="34" charset="0"/>
-              <a:buChar char="•"/>
-            </a:pPr>
-            <a:endParaRPr lang="pt-PT" sz="2400" dirty="0" smtClean="0"/>
-          </a:p>
-          <a:p>
-            <a:pPr marL="342900" indent="-342900">
-              <a:buFont typeface="Arial" panose="020B0604020202020204" pitchFamily="34" charset="0"/>
-              <a:buChar char="•"/>
-            </a:pPr>
-            <a:endParaRPr lang="pt-PT" sz="2400" dirty="0" smtClean="0"/>
-          </a:p>
-          <a:p>
-            <a:endParaRPr lang="pt-PT" sz="2400" dirty="0" smtClean="0"/>
-          </a:p>
-          <a:p>
-            <a:pPr marL="342900" indent="-342900">
-              <a:buFont typeface="Arial" panose="020B0604020202020204" pitchFamily="34" charset="0"/>
-              <a:buChar char="•"/>
-            </a:pPr>
-            <a:endParaRPr lang="pt-PT" sz="2400" dirty="0" smtClean="0"/>
-          </a:p>
-        </p:txBody>
-      </p:sp>
-      <p:sp>
-        <p:nvSpPr>
-          <p:cNvPr id="12" name="TextBox 6"/>
-          <p:cNvSpPr txBox="1"/>
-          <p:nvPr/>
-        </p:nvSpPr>
-        <p:spPr>
-          <a:xfrm>
-            <a:off x="445000" y="166025"/>
-            <a:ext cx="8937126" cy="4278094"/>
-          </a:xfrm>
-          <a:prstGeom prst="rect">
-            <a:avLst/>
-          </a:prstGeom>
-          <a:noFill/>
-        </p:spPr>
-        <p:txBody>
-          <a:bodyPr wrap="square" rtlCol="0">
-            <a:spAutoFit/>
-          </a:bodyPr>
-          <a:lstStyle/>
-          <a:p>
-            <a:r>
-              <a:rPr lang="pt-PT" sz="3200" b="1" dirty="0" smtClean="0"/>
-              <a:t>Metodologia</a:t>
-            </a:r>
-          </a:p>
-          <a:p>
-            <a:pPr marL="342900" indent="-342900">
-              <a:buFont typeface="Arial" panose="020B0604020202020204" pitchFamily="34" charset="0"/>
-              <a:buChar char="•"/>
-            </a:pPr>
-            <a:r>
-              <a:rPr lang="pt-PT" sz="2400" dirty="0" smtClean="0"/>
-              <a:t>Avaliação de usabilidade:</a:t>
-            </a:r>
-          </a:p>
-          <a:p>
-            <a:pPr marL="914400" lvl="1" indent="-457200">
-              <a:buFont typeface="+mj-lt"/>
-              <a:buAutoNum type="arabicPeriod"/>
-            </a:pPr>
-            <a:r>
-              <a:rPr lang="pt-PT" sz="2400" dirty="0" smtClean="0"/>
-              <a:t>Inquérito </a:t>
-            </a:r>
-            <a:r>
-              <a:rPr lang="pt-PT" sz="2400" dirty="0"/>
-              <a:t>SUS (“</a:t>
-            </a:r>
-            <a:r>
-              <a:rPr lang="pt-PT" sz="2400" dirty="0" err="1"/>
-              <a:t>System</a:t>
-            </a:r>
-            <a:r>
-              <a:rPr lang="pt-PT" sz="2400" dirty="0"/>
-              <a:t> </a:t>
-            </a:r>
-            <a:r>
-              <a:rPr lang="pt-PT" sz="2400" dirty="0" err="1"/>
-              <a:t>Usability</a:t>
-            </a:r>
-            <a:r>
-              <a:rPr lang="pt-PT" sz="2400" dirty="0"/>
-              <a:t> </a:t>
-            </a:r>
-            <a:r>
-              <a:rPr lang="pt-PT" sz="2400" dirty="0" err="1"/>
-              <a:t>Scale</a:t>
-            </a:r>
-            <a:r>
-              <a:rPr lang="pt-PT" sz="2400" dirty="0"/>
-              <a:t>”)</a:t>
-            </a:r>
-          </a:p>
-          <a:p>
-            <a:pPr marL="1257300" lvl="2" indent="-342900">
-              <a:buFont typeface="Arial" panose="020B0604020202020204" pitchFamily="34" charset="0"/>
-              <a:buChar char="•"/>
-            </a:pPr>
-            <a:endParaRPr lang="pt-PT" sz="2400" dirty="0" smtClean="0"/>
-          </a:p>
-          <a:p>
-            <a:pPr marL="1257300" lvl="2" indent="-342900">
-              <a:buFont typeface="Arial" panose="020B0604020202020204" pitchFamily="34" charset="0"/>
-              <a:buChar char="•"/>
-            </a:pPr>
-            <a:endParaRPr lang="pt-PT" sz="2400" dirty="0"/>
-          </a:p>
-          <a:p>
-            <a:pPr marL="1257300" lvl="2" indent="-342900">
-              <a:buFont typeface="Arial" panose="020B0604020202020204" pitchFamily="34" charset="0"/>
-              <a:buChar char="•"/>
-            </a:pPr>
-            <a:endParaRPr lang="pt-PT" sz="2400" dirty="0" smtClean="0"/>
-          </a:p>
-          <a:p>
-            <a:pPr marL="1257300" lvl="2" indent="-342900">
-              <a:buFont typeface="Arial" panose="020B0604020202020204" pitchFamily="34" charset="0"/>
-              <a:buChar char="•"/>
-            </a:pPr>
-            <a:endParaRPr lang="pt-PT" sz="2400" dirty="0"/>
-          </a:p>
-          <a:p>
-            <a:pPr marL="1257300" lvl="2" indent="-342900">
-              <a:buFont typeface="Arial" panose="020B0604020202020204" pitchFamily="34" charset="0"/>
-              <a:buChar char="•"/>
-            </a:pPr>
-            <a:endParaRPr lang="pt-PT" sz="2400" dirty="0" smtClean="0"/>
-          </a:p>
-          <a:p>
-            <a:pPr marL="1257300" lvl="2" indent="-342900">
-              <a:buFont typeface="Arial" panose="020B0604020202020204" pitchFamily="34" charset="0"/>
-              <a:buChar char="•"/>
-            </a:pPr>
-            <a:endParaRPr lang="pt-PT" sz="2400" dirty="0"/>
-          </a:p>
-          <a:p>
-            <a:pPr marL="914400" lvl="1" indent="-457200">
-              <a:buFont typeface="+mj-lt"/>
-              <a:buAutoNum type="arabicPeriod" startAt="2"/>
-            </a:pPr>
-            <a:endParaRPr lang="pt-PT" sz="2400" dirty="0" smtClean="0"/>
-          </a:p>
-          <a:p>
-            <a:pPr marL="914400" lvl="1" indent="-457200">
-              <a:buFont typeface="+mj-lt"/>
-              <a:buAutoNum type="arabicPeriod" startAt="2"/>
-            </a:pPr>
-            <a:r>
-              <a:rPr lang="pt-PT" sz="2400" dirty="0" smtClean="0"/>
-              <a:t>Questões abertas e </a:t>
-            </a:r>
-            <a:r>
-              <a:rPr lang="pt-PT" sz="2400" dirty="0" err="1" smtClean="0"/>
-              <a:t>fechadas</a:t>
-            </a:r>
-            <a:r>
-              <a:rPr lang="pt-PT" sz="2400" dirty="0" err="1" smtClean="0">
-                <a:sym typeface="Wingdings" panose="05000000000000000000" pitchFamily="2" charset="2"/>
-              </a:rPr>
-              <a:t></a:t>
-            </a:r>
-            <a:r>
-              <a:rPr lang="pt-PT" sz="2400" dirty="0" err="1" smtClean="0"/>
-              <a:t>sugestões</a:t>
-            </a:r>
-            <a:r>
-              <a:rPr lang="pt-PT" sz="2400" dirty="0" smtClean="0"/>
-              <a:t> </a:t>
-            </a:r>
-            <a:r>
-              <a:rPr lang="pt-PT" sz="2400" dirty="0"/>
-              <a:t>de </a:t>
-            </a:r>
-            <a:r>
-              <a:rPr lang="pt-PT" sz="2400" dirty="0" smtClean="0"/>
-              <a:t>melhoria</a:t>
-            </a:r>
-            <a:endParaRPr lang="pt-PT" sz="2400" dirty="0"/>
-          </a:p>
-        </p:txBody>
-      </p:sp>
       <p:pic>
         <p:nvPicPr>
-          <p:cNvPr id="11" name="Imagem 10"/>
+          <p:cNvPr id="13" name="Imagem 12"/>
           <p:cNvPicPr>
             <a:picLocks noChangeAspect="1"/>
           </p:cNvPicPr>
@@ -12372,8 +12842,8 @@
         </p:blipFill>
         <p:spPr>
           <a:xfrm>
-            <a:off x="10556470" y="132544"/>
-            <a:ext cx="1555746" cy="1037905"/>
+            <a:off x="749033" y="1670524"/>
+            <a:ext cx="5027645" cy="2856532"/>
           </a:xfrm>
           <a:prstGeom prst="rect">
             <a:avLst/>
@@ -12382,14 +12852,14 @@
       </p:pic>
       <p:pic>
         <p:nvPicPr>
-          <p:cNvPr id="3" name="Imagem 2"/>
+          <p:cNvPr id="14" name="Imagem 13"/>
           <p:cNvPicPr>
             <a:picLocks noChangeAspect="1"/>
           </p:cNvPicPr>
           <p:nvPr/>
         </p:nvPicPr>
         <p:blipFill>
-          <a:blip r:embed="rId4">
+          <a:blip r:embed="rId4" cstate="print">
             <a:extLst>
               <a:ext uri="{28A0092B-C50C-407E-A947-70E740481C1C}">
                 <a14:useLocalDpi xmlns:a14="http://schemas.microsoft.com/office/drawing/2010/main" val="0"/>
@@ -12402,8 +12872,8 @@
         </p:blipFill>
         <p:spPr>
           <a:xfrm>
-            <a:off x="3085935" y="4397596"/>
-            <a:ext cx="5367673" cy="1844910"/>
+            <a:off x="6124842" y="1670524"/>
+            <a:ext cx="5087641" cy="2862030"/>
           </a:xfrm>
           <a:prstGeom prst="rect">
             <a:avLst/>
@@ -12413,7 +12883,7 @@
     </p:spTree>
     <p:extLst>
       <p:ext uri="{BB962C8B-B14F-4D97-AF65-F5344CB8AC3E}">
-        <p14:creationId xmlns:p14="http://schemas.microsoft.com/office/powerpoint/2010/main" val="3440513291"/>
+        <p14:creationId xmlns:p14="http://schemas.microsoft.com/office/powerpoint/2010/main" val="3463427204"/>
       </p:ext>
     </p:extLst>
   </p:cSld>
@@ -12447,491 +12917,9 @@
           <a:chExt cx="0" cy="0"/>
         </a:xfrm>
       </p:grpSpPr>
-      <p:sp>
-        <p:nvSpPr>
-          <p:cNvPr id="2" name="Slide Number Placeholder 1"/>
-          <p:cNvSpPr>
-            <a:spLocks noGrp="1"/>
-          </p:cNvSpPr>
-          <p:nvPr>
-            <p:ph type="sldNum" sz="quarter" idx="12"/>
-          </p:nvPr>
-        </p:nvSpPr>
-        <p:spPr/>
-        <p:txBody>
-          <a:bodyPr/>
-          <a:lstStyle/>
-          <a:p>
-            <a:fld id="{422D536B-584E-486B-9435-086987A3D916}" type="slidenum">
-              <a:rPr lang="pt-PT" smtClean="0"/>
-              <a:t>8</a:t>
-            </a:fld>
-            <a:endParaRPr lang="pt-PT" dirty="0"/>
-          </a:p>
-        </p:txBody>
-      </p:sp>
-      <p:sp>
-        <p:nvSpPr>
-          <p:cNvPr id="6" name="Slide Number Placeholder 5"/>
-          <p:cNvSpPr txBox="1">
-            <a:spLocks/>
-          </p:cNvSpPr>
-          <p:nvPr/>
-        </p:nvSpPr>
-        <p:spPr>
-          <a:xfrm>
-            <a:off x="0" y="6464982"/>
-            <a:ext cx="475129" cy="365125"/>
-          </a:xfrm>
-          <a:prstGeom prst="rect">
-            <a:avLst/>
-          </a:prstGeom>
-        </p:spPr>
-        <p:txBody>
-          <a:bodyPr vert="horz" lIns="91440" tIns="45720" rIns="91440" bIns="45720" rtlCol="0" anchor="ctr"/>
-          <a:lstStyle>
-            <a:defPPr>
-              <a:defRPr lang="en-US"/>
-            </a:defPPr>
-            <a:lvl1pPr marL="0" algn="r" defTabSz="457200" rtl="0" eaLnBrk="1" latinLnBrk="0" hangingPunct="1">
-              <a:defRPr sz="1050" kern="1200">
-                <a:solidFill>
-                  <a:srgbClr val="FFFFFF"/>
-                </a:solidFill>
-                <a:latin typeface="+mn-lt"/>
-                <a:ea typeface="+mn-ea"/>
-                <a:cs typeface="+mn-cs"/>
-              </a:defRPr>
-            </a:lvl1pPr>
-            <a:lvl2pPr marL="457200" algn="l" defTabSz="457200" rtl="0" eaLnBrk="1" latinLnBrk="0" hangingPunct="1">
-              <a:defRPr sz="1800" kern="1200">
-                <a:solidFill>
-                  <a:schemeClr val="tx1"/>
-                </a:solidFill>
-                <a:latin typeface="+mn-lt"/>
-                <a:ea typeface="+mn-ea"/>
-                <a:cs typeface="+mn-cs"/>
-              </a:defRPr>
-            </a:lvl2pPr>
-            <a:lvl3pPr marL="914400" algn="l" defTabSz="457200" rtl="0" eaLnBrk="1" latinLnBrk="0" hangingPunct="1">
-              <a:defRPr sz="1800" kern="1200">
-                <a:solidFill>
-                  <a:schemeClr val="tx1"/>
-                </a:solidFill>
-                <a:latin typeface="+mn-lt"/>
-                <a:ea typeface="+mn-ea"/>
-                <a:cs typeface="+mn-cs"/>
-              </a:defRPr>
-            </a:lvl3pPr>
-            <a:lvl4pPr marL="1371600" algn="l" defTabSz="457200" rtl="0" eaLnBrk="1" latinLnBrk="0" hangingPunct="1">
-              <a:defRPr sz="1800" kern="1200">
-                <a:solidFill>
-                  <a:schemeClr val="tx1"/>
-                </a:solidFill>
-                <a:latin typeface="+mn-lt"/>
-                <a:ea typeface="+mn-ea"/>
-                <a:cs typeface="+mn-cs"/>
-              </a:defRPr>
-            </a:lvl4pPr>
-            <a:lvl5pPr marL="1828800" algn="l" defTabSz="457200" rtl="0" eaLnBrk="1" latinLnBrk="0" hangingPunct="1">
-              <a:defRPr sz="1800" kern="1200">
-                <a:solidFill>
-                  <a:schemeClr val="tx1"/>
-                </a:solidFill>
-                <a:latin typeface="+mn-lt"/>
-                <a:ea typeface="+mn-ea"/>
-                <a:cs typeface="+mn-cs"/>
-              </a:defRPr>
-            </a:lvl5pPr>
-            <a:lvl6pPr marL="2286000" algn="l" defTabSz="457200" rtl="0" eaLnBrk="1" latinLnBrk="0" hangingPunct="1">
-              <a:defRPr sz="1800" kern="1200">
-                <a:solidFill>
-                  <a:schemeClr val="tx1"/>
-                </a:solidFill>
-                <a:latin typeface="+mn-lt"/>
-                <a:ea typeface="+mn-ea"/>
-                <a:cs typeface="+mn-cs"/>
-              </a:defRPr>
-            </a:lvl6pPr>
-            <a:lvl7pPr marL="2743200" algn="l" defTabSz="457200" rtl="0" eaLnBrk="1" latinLnBrk="0" hangingPunct="1">
-              <a:defRPr sz="1800" kern="1200">
-                <a:solidFill>
-                  <a:schemeClr val="tx1"/>
-                </a:solidFill>
-                <a:latin typeface="+mn-lt"/>
-                <a:ea typeface="+mn-ea"/>
-                <a:cs typeface="+mn-cs"/>
-              </a:defRPr>
-            </a:lvl7pPr>
-            <a:lvl8pPr marL="3200400" algn="l" defTabSz="457200" rtl="0" eaLnBrk="1" latinLnBrk="0" hangingPunct="1">
-              <a:defRPr sz="1800" kern="1200">
-                <a:solidFill>
-                  <a:schemeClr val="tx1"/>
-                </a:solidFill>
-                <a:latin typeface="+mn-lt"/>
-                <a:ea typeface="+mn-ea"/>
-                <a:cs typeface="+mn-cs"/>
-              </a:defRPr>
-            </a:lvl8pPr>
-            <a:lvl9pPr marL="3657600" algn="l" defTabSz="457200" rtl="0" eaLnBrk="1" latinLnBrk="0" hangingPunct="1">
-              <a:defRPr sz="1800" kern="1200">
-                <a:solidFill>
-                  <a:schemeClr val="tx1"/>
-                </a:solidFill>
-                <a:latin typeface="+mn-lt"/>
-                <a:ea typeface="+mn-ea"/>
-                <a:cs typeface="+mn-cs"/>
-              </a:defRPr>
-            </a:lvl9pPr>
-          </a:lstStyle>
-          <a:p>
-            <a:r>
-              <a:rPr lang="pt-PT" dirty="0" smtClean="0"/>
-              <a:t>IPVC</a:t>
-            </a:r>
-            <a:endParaRPr lang="pt-PT" dirty="0"/>
-          </a:p>
-        </p:txBody>
-      </p:sp>
-      <p:sp>
-        <p:nvSpPr>
-          <p:cNvPr id="10" name="Slide Number Placeholder 5"/>
-          <p:cNvSpPr txBox="1">
-            <a:spLocks/>
-          </p:cNvSpPr>
-          <p:nvPr/>
-        </p:nvSpPr>
-        <p:spPr>
-          <a:xfrm>
-            <a:off x="3908571" y="6492875"/>
-            <a:ext cx="4435818" cy="365125"/>
-          </a:xfrm>
-          <a:prstGeom prst="rect">
-            <a:avLst/>
-          </a:prstGeom>
-        </p:spPr>
-        <p:txBody>
-          <a:bodyPr vert="horz" lIns="91440" tIns="45720" rIns="91440" bIns="45720" rtlCol="0" anchor="ctr"/>
-          <a:lstStyle>
-            <a:defPPr>
-              <a:defRPr lang="en-US"/>
-            </a:defPPr>
-            <a:lvl1pPr marL="0" algn="r" defTabSz="457200" rtl="0" eaLnBrk="1" latinLnBrk="0" hangingPunct="1">
-              <a:defRPr sz="1050" kern="1200">
-                <a:solidFill>
-                  <a:srgbClr val="FFFFFF"/>
-                </a:solidFill>
-                <a:latin typeface="+mn-lt"/>
-                <a:ea typeface="+mn-ea"/>
-                <a:cs typeface="+mn-cs"/>
-              </a:defRPr>
-            </a:lvl1pPr>
-            <a:lvl2pPr marL="457200" algn="l" defTabSz="457200" rtl="0" eaLnBrk="1" latinLnBrk="0" hangingPunct="1">
-              <a:defRPr sz="1800" kern="1200">
-                <a:solidFill>
-                  <a:schemeClr val="tx1"/>
-                </a:solidFill>
-                <a:latin typeface="+mn-lt"/>
-                <a:ea typeface="+mn-ea"/>
-                <a:cs typeface="+mn-cs"/>
-              </a:defRPr>
-            </a:lvl2pPr>
-            <a:lvl3pPr marL="914400" algn="l" defTabSz="457200" rtl="0" eaLnBrk="1" latinLnBrk="0" hangingPunct="1">
-              <a:defRPr sz="1800" kern="1200">
-                <a:solidFill>
-                  <a:schemeClr val="tx1"/>
-                </a:solidFill>
-                <a:latin typeface="+mn-lt"/>
-                <a:ea typeface="+mn-ea"/>
-                <a:cs typeface="+mn-cs"/>
-              </a:defRPr>
-            </a:lvl3pPr>
-            <a:lvl4pPr marL="1371600" algn="l" defTabSz="457200" rtl="0" eaLnBrk="1" latinLnBrk="0" hangingPunct="1">
-              <a:defRPr sz="1800" kern="1200">
-                <a:solidFill>
-                  <a:schemeClr val="tx1"/>
-                </a:solidFill>
-                <a:latin typeface="+mn-lt"/>
-                <a:ea typeface="+mn-ea"/>
-                <a:cs typeface="+mn-cs"/>
-              </a:defRPr>
-            </a:lvl4pPr>
-            <a:lvl5pPr marL="1828800" algn="l" defTabSz="457200" rtl="0" eaLnBrk="1" latinLnBrk="0" hangingPunct="1">
-              <a:defRPr sz="1800" kern="1200">
-                <a:solidFill>
-                  <a:schemeClr val="tx1"/>
-                </a:solidFill>
-                <a:latin typeface="+mn-lt"/>
-                <a:ea typeface="+mn-ea"/>
-                <a:cs typeface="+mn-cs"/>
-              </a:defRPr>
-            </a:lvl5pPr>
-            <a:lvl6pPr marL="2286000" algn="l" defTabSz="457200" rtl="0" eaLnBrk="1" latinLnBrk="0" hangingPunct="1">
-              <a:defRPr sz="1800" kern="1200">
-                <a:solidFill>
-                  <a:schemeClr val="tx1"/>
-                </a:solidFill>
-                <a:latin typeface="+mn-lt"/>
-                <a:ea typeface="+mn-ea"/>
-                <a:cs typeface="+mn-cs"/>
-              </a:defRPr>
-            </a:lvl6pPr>
-            <a:lvl7pPr marL="2743200" algn="l" defTabSz="457200" rtl="0" eaLnBrk="1" latinLnBrk="0" hangingPunct="1">
-              <a:defRPr sz="1800" kern="1200">
-                <a:solidFill>
-                  <a:schemeClr val="tx1"/>
-                </a:solidFill>
-                <a:latin typeface="+mn-lt"/>
-                <a:ea typeface="+mn-ea"/>
-                <a:cs typeface="+mn-cs"/>
-              </a:defRPr>
-            </a:lvl7pPr>
-            <a:lvl8pPr marL="3200400" algn="l" defTabSz="457200" rtl="0" eaLnBrk="1" latinLnBrk="0" hangingPunct="1">
-              <a:defRPr sz="1800" kern="1200">
-                <a:solidFill>
-                  <a:schemeClr val="tx1"/>
-                </a:solidFill>
-                <a:latin typeface="+mn-lt"/>
-                <a:ea typeface="+mn-ea"/>
-                <a:cs typeface="+mn-cs"/>
-              </a:defRPr>
-            </a:lvl8pPr>
-            <a:lvl9pPr marL="3657600" algn="l" defTabSz="457200" rtl="0" eaLnBrk="1" latinLnBrk="0" hangingPunct="1">
-              <a:defRPr sz="1800" kern="1200">
-                <a:solidFill>
-                  <a:schemeClr val="tx1"/>
-                </a:solidFill>
-                <a:latin typeface="+mn-lt"/>
-                <a:ea typeface="+mn-ea"/>
-                <a:cs typeface="+mn-cs"/>
-              </a:defRPr>
-            </a:lvl9pPr>
-          </a:lstStyle>
-          <a:p>
-            <a:pPr algn="ctr"/>
-            <a:r>
-              <a:rPr lang="pt-PT" sz="1600" b="1" dirty="0" smtClean="0"/>
-              <a:t>HMI para Fabrico Aditivo</a:t>
-            </a:r>
-            <a:endParaRPr lang="pt-PT" sz="1600" b="1" dirty="0"/>
-          </a:p>
-        </p:txBody>
-      </p:sp>
-      <p:sp>
-        <p:nvSpPr>
-          <p:cNvPr id="8" name="TextBox 6"/>
-          <p:cNvSpPr txBox="1"/>
-          <p:nvPr/>
-        </p:nvSpPr>
-        <p:spPr>
-          <a:xfrm>
-            <a:off x="252980" y="300496"/>
-            <a:ext cx="10818432" cy="2677656"/>
-          </a:xfrm>
-          <a:prstGeom prst="rect">
-            <a:avLst/>
-          </a:prstGeom>
-          <a:noFill/>
-        </p:spPr>
-        <p:txBody>
-          <a:bodyPr wrap="square" rtlCol="0">
-            <a:spAutoFit/>
-          </a:bodyPr>
-          <a:lstStyle/>
-          <a:p>
-            <a:pPr marL="342900" indent="-342900">
-              <a:buFont typeface="Arial" panose="020B0604020202020204" pitchFamily="34" charset="0"/>
-              <a:buChar char="•"/>
-            </a:pPr>
-            <a:endParaRPr lang="pt-PT" sz="2400" dirty="0" smtClean="0"/>
-          </a:p>
-          <a:p>
-            <a:pPr marL="342900" indent="-342900">
-              <a:buFont typeface="Arial" panose="020B0604020202020204" pitchFamily="34" charset="0"/>
-              <a:buChar char="•"/>
-            </a:pPr>
-            <a:endParaRPr lang="pt-PT" sz="2400" dirty="0" smtClean="0"/>
-          </a:p>
-          <a:p>
-            <a:endParaRPr lang="pt-PT" sz="2400" dirty="0"/>
-          </a:p>
-          <a:p>
-            <a:pPr marL="342900" indent="-342900">
-              <a:buFont typeface="Arial" panose="020B0604020202020204" pitchFamily="34" charset="0"/>
-              <a:buChar char="•"/>
-            </a:pPr>
-            <a:endParaRPr lang="pt-PT" sz="2400" dirty="0" smtClean="0"/>
-          </a:p>
-          <a:p>
-            <a:pPr marL="342900" indent="-342900">
-              <a:buFont typeface="Arial" panose="020B0604020202020204" pitchFamily="34" charset="0"/>
-              <a:buChar char="•"/>
-            </a:pPr>
-            <a:endParaRPr lang="pt-PT" sz="2400" dirty="0" smtClean="0"/>
-          </a:p>
-          <a:p>
-            <a:endParaRPr lang="pt-PT" sz="2400" dirty="0" smtClean="0"/>
-          </a:p>
-          <a:p>
-            <a:pPr marL="342900" indent="-342900">
-              <a:buFont typeface="Arial" panose="020B0604020202020204" pitchFamily="34" charset="0"/>
-              <a:buChar char="•"/>
-            </a:pPr>
-            <a:endParaRPr lang="pt-PT" sz="2400" dirty="0" smtClean="0"/>
-          </a:p>
-        </p:txBody>
-      </p:sp>
-      <p:sp>
-        <p:nvSpPr>
-          <p:cNvPr id="12" name="TextBox 6"/>
-          <p:cNvSpPr txBox="1"/>
-          <p:nvPr/>
-        </p:nvSpPr>
-        <p:spPr>
-          <a:xfrm>
-            <a:off x="444999" y="166025"/>
-            <a:ext cx="9326529" cy="6124754"/>
-          </a:xfrm>
-          <a:prstGeom prst="rect">
-            <a:avLst/>
-          </a:prstGeom>
-          <a:noFill/>
-        </p:spPr>
-        <p:txBody>
-          <a:bodyPr wrap="square" rtlCol="0">
-            <a:spAutoFit/>
-          </a:bodyPr>
-          <a:lstStyle/>
-          <a:p>
-            <a:r>
-              <a:rPr lang="pt-PT" sz="3200" b="1" dirty="0" smtClean="0"/>
-              <a:t>Solução Final</a:t>
-            </a:r>
-          </a:p>
-          <a:p>
-            <a:endParaRPr lang="pt-PT" sz="2400" dirty="0" smtClean="0"/>
-          </a:p>
-          <a:p>
-            <a:r>
-              <a:rPr lang="pt-PT" sz="2400" u="sng" dirty="0" smtClean="0"/>
-              <a:t>Arquitetura:</a:t>
-            </a:r>
-          </a:p>
-          <a:p>
-            <a:endParaRPr lang="pt-PT" sz="2400" dirty="0" smtClean="0"/>
-          </a:p>
-          <a:p>
-            <a:endParaRPr lang="pt-PT" sz="2400" dirty="0"/>
-          </a:p>
-          <a:p>
-            <a:endParaRPr lang="pt-PT" sz="2400" dirty="0" smtClean="0"/>
-          </a:p>
-          <a:p>
-            <a:endParaRPr lang="pt-PT" sz="2400" dirty="0"/>
-          </a:p>
-          <a:p>
-            <a:endParaRPr lang="pt-PT" sz="2400" dirty="0" smtClean="0"/>
-          </a:p>
-          <a:p>
-            <a:endParaRPr lang="pt-PT" sz="2400" dirty="0"/>
-          </a:p>
-          <a:p>
-            <a:endParaRPr lang="pt-PT" sz="2400" dirty="0" smtClean="0"/>
-          </a:p>
-          <a:p>
-            <a:endParaRPr lang="pt-PT" sz="2400" dirty="0"/>
-          </a:p>
-          <a:p>
-            <a:endParaRPr lang="pt-PT" sz="2400" dirty="0" smtClean="0"/>
-          </a:p>
-          <a:p>
-            <a:pPr marL="342900" indent="-342900">
-              <a:buFont typeface="Arial" panose="020B0604020202020204" pitchFamily="34" charset="0"/>
-              <a:buChar char="•"/>
-            </a:pPr>
-            <a:r>
-              <a:rPr lang="pt-PT" sz="2400" dirty="0" smtClean="0"/>
-              <a:t>Automação: hardware </a:t>
-            </a:r>
-            <a:r>
-              <a:rPr lang="pt-PT" sz="2400" dirty="0" err="1" smtClean="0"/>
-              <a:t>Beckhoff</a:t>
-            </a:r>
-            <a:r>
-              <a:rPr lang="pt-PT" sz="2400" dirty="0" smtClean="0"/>
-              <a:t> + software </a:t>
-            </a:r>
-            <a:r>
-              <a:rPr lang="pt-PT" sz="2400" dirty="0" err="1" smtClean="0"/>
-              <a:t>Twincat</a:t>
-            </a:r>
-            <a:r>
-              <a:rPr lang="pt-PT" sz="2400" dirty="0" smtClean="0"/>
-              <a:t> 3</a:t>
-            </a:r>
-          </a:p>
-          <a:p>
-            <a:pPr marL="342900" indent="-342900">
-              <a:buFont typeface="Arial" panose="020B0604020202020204" pitchFamily="34" charset="0"/>
-              <a:buChar char="•"/>
-            </a:pPr>
-            <a:r>
-              <a:rPr lang="pt-PT" sz="2400" dirty="0" err="1" smtClean="0"/>
-              <a:t>Backend</a:t>
-            </a:r>
-            <a:r>
-              <a:rPr lang="pt-PT" sz="2400" dirty="0" smtClean="0"/>
-              <a:t>: </a:t>
-            </a:r>
-            <a:r>
-              <a:rPr lang="pt-PT" sz="2400" dirty="0" err="1" smtClean="0"/>
-              <a:t>NodeJS</a:t>
-            </a:r>
-            <a:r>
-              <a:rPr lang="pt-PT" sz="2400" dirty="0" smtClean="0"/>
-              <a:t> + ADS.js + </a:t>
-            </a:r>
-            <a:r>
-              <a:rPr lang="pt-PT" sz="2400" dirty="0" err="1" smtClean="0"/>
-              <a:t>RethinkDB</a:t>
-            </a:r>
-            <a:endParaRPr lang="pt-PT" sz="2400" dirty="0" smtClean="0"/>
-          </a:p>
-          <a:p>
-            <a:pPr marL="342900" indent="-342900">
-              <a:buFont typeface="Arial" panose="020B0604020202020204" pitchFamily="34" charset="0"/>
-              <a:buChar char="•"/>
-            </a:pPr>
-            <a:r>
-              <a:rPr lang="pt-PT" sz="2400" dirty="0" err="1" smtClean="0"/>
-              <a:t>Frontend</a:t>
-            </a:r>
-            <a:r>
-              <a:rPr lang="pt-PT" sz="2400" dirty="0" smtClean="0"/>
-              <a:t>: HTML + CSS + </a:t>
-            </a:r>
-            <a:r>
-              <a:rPr lang="pt-PT" sz="2400" dirty="0" err="1" smtClean="0"/>
-              <a:t>Javascript</a:t>
-            </a:r>
-            <a:r>
-              <a:rPr lang="pt-PT" sz="2400" dirty="0" smtClean="0"/>
-              <a:t> + D3.JS + Ember.JS </a:t>
-            </a:r>
-            <a:endParaRPr lang="pt-PT" sz="2400" dirty="0"/>
-          </a:p>
-          <a:p>
-            <a:pPr marL="342900" indent="-342900">
-              <a:buFont typeface="Arial" panose="020B0604020202020204" pitchFamily="34" charset="0"/>
-              <a:buChar char="•"/>
-            </a:pPr>
-            <a:endParaRPr lang="pt-PT" sz="2400" dirty="0" smtClean="0"/>
-          </a:p>
-        </p:txBody>
-      </p:sp>
       <p:pic>
         <p:nvPicPr>
-          <p:cNvPr id="3" name="Imagem 2"/>
+          <p:cNvPr id="13" name="Imagem 12"/>
           <p:cNvPicPr>
             <a:picLocks noChangeAspect="1"/>
           </p:cNvPicPr>
@@ -12951,14 +12939,507 @@
         </p:blipFill>
         <p:spPr>
           <a:xfrm>
-            <a:off x="3120525" y="651496"/>
-            <a:ext cx="6011910" cy="3767025"/>
+            <a:off x="1713386" y="1363099"/>
+            <a:ext cx="8120398" cy="2465743"/>
           </a:xfrm>
           <a:prstGeom prst="rect">
             <a:avLst/>
           </a:prstGeom>
         </p:spPr>
       </p:pic>
+      <p:sp>
+        <p:nvSpPr>
+          <p:cNvPr id="2" name="Slide Number Placeholder 1"/>
+          <p:cNvSpPr>
+            <a:spLocks noGrp="1"/>
+          </p:cNvSpPr>
+          <p:nvPr>
+            <p:ph type="sldNum" sz="quarter" idx="12"/>
+          </p:nvPr>
+        </p:nvSpPr>
+        <p:spPr/>
+        <p:txBody>
+          <a:bodyPr/>
+          <a:lstStyle/>
+          <a:p>
+            <a:fld id="{422D536B-584E-486B-9435-086987A3D916}" type="slidenum">
+              <a:rPr lang="pt-PT" smtClean="0"/>
+              <a:t>8</a:t>
+            </a:fld>
+            <a:endParaRPr lang="pt-PT" dirty="0"/>
+          </a:p>
+        </p:txBody>
+      </p:sp>
+      <p:sp>
+        <p:nvSpPr>
+          <p:cNvPr id="6" name="Slide Number Placeholder 5"/>
+          <p:cNvSpPr txBox="1">
+            <a:spLocks/>
+          </p:cNvSpPr>
+          <p:nvPr/>
+        </p:nvSpPr>
+        <p:spPr>
+          <a:xfrm>
+            <a:off x="0" y="6464982"/>
+            <a:ext cx="475129" cy="365125"/>
+          </a:xfrm>
+          <a:prstGeom prst="rect">
+            <a:avLst/>
+          </a:prstGeom>
+        </p:spPr>
+        <p:txBody>
+          <a:bodyPr vert="horz" lIns="91440" tIns="45720" rIns="91440" bIns="45720" rtlCol="0" anchor="ctr"/>
+          <a:lstStyle>
+            <a:defPPr>
+              <a:defRPr lang="en-US"/>
+            </a:defPPr>
+            <a:lvl1pPr marL="0" algn="r" defTabSz="457200" rtl="0" eaLnBrk="1" latinLnBrk="0" hangingPunct="1">
+              <a:defRPr sz="1050" kern="1200">
+                <a:solidFill>
+                  <a:srgbClr val="FFFFFF"/>
+                </a:solidFill>
+                <a:latin typeface="+mn-lt"/>
+                <a:ea typeface="+mn-ea"/>
+                <a:cs typeface="+mn-cs"/>
+              </a:defRPr>
+            </a:lvl1pPr>
+            <a:lvl2pPr marL="457200" algn="l" defTabSz="457200" rtl="0" eaLnBrk="1" latinLnBrk="0" hangingPunct="1">
+              <a:defRPr sz="1800" kern="1200">
+                <a:solidFill>
+                  <a:schemeClr val="tx1"/>
+                </a:solidFill>
+                <a:latin typeface="+mn-lt"/>
+                <a:ea typeface="+mn-ea"/>
+                <a:cs typeface="+mn-cs"/>
+              </a:defRPr>
+            </a:lvl2pPr>
+            <a:lvl3pPr marL="914400" algn="l" defTabSz="457200" rtl="0" eaLnBrk="1" latinLnBrk="0" hangingPunct="1">
+              <a:defRPr sz="1800" kern="1200">
+                <a:solidFill>
+                  <a:schemeClr val="tx1"/>
+                </a:solidFill>
+                <a:latin typeface="+mn-lt"/>
+                <a:ea typeface="+mn-ea"/>
+                <a:cs typeface="+mn-cs"/>
+              </a:defRPr>
+            </a:lvl3pPr>
+            <a:lvl4pPr marL="1371600" algn="l" defTabSz="457200" rtl="0" eaLnBrk="1" latinLnBrk="0" hangingPunct="1">
+              <a:defRPr sz="1800" kern="1200">
+                <a:solidFill>
+                  <a:schemeClr val="tx1"/>
+                </a:solidFill>
+                <a:latin typeface="+mn-lt"/>
+                <a:ea typeface="+mn-ea"/>
+                <a:cs typeface="+mn-cs"/>
+              </a:defRPr>
+            </a:lvl4pPr>
+            <a:lvl5pPr marL="1828800" algn="l" defTabSz="457200" rtl="0" eaLnBrk="1" latinLnBrk="0" hangingPunct="1">
+              <a:defRPr sz="1800" kern="1200">
+                <a:solidFill>
+                  <a:schemeClr val="tx1"/>
+                </a:solidFill>
+                <a:latin typeface="+mn-lt"/>
+                <a:ea typeface="+mn-ea"/>
+                <a:cs typeface="+mn-cs"/>
+              </a:defRPr>
+            </a:lvl5pPr>
+            <a:lvl6pPr marL="2286000" algn="l" defTabSz="457200" rtl="0" eaLnBrk="1" latinLnBrk="0" hangingPunct="1">
+              <a:defRPr sz="1800" kern="1200">
+                <a:solidFill>
+                  <a:schemeClr val="tx1"/>
+                </a:solidFill>
+                <a:latin typeface="+mn-lt"/>
+                <a:ea typeface="+mn-ea"/>
+                <a:cs typeface="+mn-cs"/>
+              </a:defRPr>
+            </a:lvl6pPr>
+            <a:lvl7pPr marL="2743200" algn="l" defTabSz="457200" rtl="0" eaLnBrk="1" latinLnBrk="0" hangingPunct="1">
+              <a:defRPr sz="1800" kern="1200">
+                <a:solidFill>
+                  <a:schemeClr val="tx1"/>
+                </a:solidFill>
+                <a:latin typeface="+mn-lt"/>
+                <a:ea typeface="+mn-ea"/>
+                <a:cs typeface="+mn-cs"/>
+              </a:defRPr>
+            </a:lvl7pPr>
+            <a:lvl8pPr marL="3200400" algn="l" defTabSz="457200" rtl="0" eaLnBrk="1" latinLnBrk="0" hangingPunct="1">
+              <a:defRPr sz="1800" kern="1200">
+                <a:solidFill>
+                  <a:schemeClr val="tx1"/>
+                </a:solidFill>
+                <a:latin typeface="+mn-lt"/>
+                <a:ea typeface="+mn-ea"/>
+                <a:cs typeface="+mn-cs"/>
+              </a:defRPr>
+            </a:lvl8pPr>
+            <a:lvl9pPr marL="3657600" algn="l" defTabSz="457200" rtl="0" eaLnBrk="1" latinLnBrk="0" hangingPunct="1">
+              <a:defRPr sz="1800" kern="1200">
+                <a:solidFill>
+                  <a:schemeClr val="tx1"/>
+                </a:solidFill>
+                <a:latin typeface="+mn-lt"/>
+                <a:ea typeface="+mn-ea"/>
+                <a:cs typeface="+mn-cs"/>
+              </a:defRPr>
+            </a:lvl9pPr>
+          </a:lstStyle>
+          <a:p>
+            <a:r>
+              <a:rPr lang="pt-PT" dirty="0" smtClean="0"/>
+              <a:t>IPVC</a:t>
+            </a:r>
+            <a:endParaRPr lang="pt-PT" dirty="0"/>
+          </a:p>
+        </p:txBody>
+      </p:sp>
+      <p:sp>
+        <p:nvSpPr>
+          <p:cNvPr id="10" name="Slide Number Placeholder 5"/>
+          <p:cNvSpPr txBox="1">
+            <a:spLocks/>
+          </p:cNvSpPr>
+          <p:nvPr/>
+        </p:nvSpPr>
+        <p:spPr>
+          <a:xfrm>
+            <a:off x="3908571" y="6492875"/>
+            <a:ext cx="4435818" cy="365125"/>
+          </a:xfrm>
+          <a:prstGeom prst="rect">
+            <a:avLst/>
+          </a:prstGeom>
+        </p:spPr>
+        <p:txBody>
+          <a:bodyPr vert="horz" lIns="91440" tIns="45720" rIns="91440" bIns="45720" rtlCol="0" anchor="ctr"/>
+          <a:lstStyle>
+            <a:defPPr>
+              <a:defRPr lang="en-US"/>
+            </a:defPPr>
+            <a:lvl1pPr marL="0" algn="r" defTabSz="457200" rtl="0" eaLnBrk="1" latinLnBrk="0" hangingPunct="1">
+              <a:defRPr sz="1050" kern="1200">
+                <a:solidFill>
+                  <a:srgbClr val="FFFFFF"/>
+                </a:solidFill>
+                <a:latin typeface="+mn-lt"/>
+                <a:ea typeface="+mn-ea"/>
+                <a:cs typeface="+mn-cs"/>
+              </a:defRPr>
+            </a:lvl1pPr>
+            <a:lvl2pPr marL="457200" algn="l" defTabSz="457200" rtl="0" eaLnBrk="1" latinLnBrk="0" hangingPunct="1">
+              <a:defRPr sz="1800" kern="1200">
+                <a:solidFill>
+                  <a:schemeClr val="tx1"/>
+                </a:solidFill>
+                <a:latin typeface="+mn-lt"/>
+                <a:ea typeface="+mn-ea"/>
+                <a:cs typeface="+mn-cs"/>
+              </a:defRPr>
+            </a:lvl2pPr>
+            <a:lvl3pPr marL="914400" algn="l" defTabSz="457200" rtl="0" eaLnBrk="1" latinLnBrk="0" hangingPunct="1">
+              <a:defRPr sz="1800" kern="1200">
+                <a:solidFill>
+                  <a:schemeClr val="tx1"/>
+                </a:solidFill>
+                <a:latin typeface="+mn-lt"/>
+                <a:ea typeface="+mn-ea"/>
+                <a:cs typeface="+mn-cs"/>
+              </a:defRPr>
+            </a:lvl3pPr>
+            <a:lvl4pPr marL="1371600" algn="l" defTabSz="457200" rtl="0" eaLnBrk="1" latinLnBrk="0" hangingPunct="1">
+              <a:defRPr sz="1800" kern="1200">
+                <a:solidFill>
+                  <a:schemeClr val="tx1"/>
+                </a:solidFill>
+                <a:latin typeface="+mn-lt"/>
+                <a:ea typeface="+mn-ea"/>
+                <a:cs typeface="+mn-cs"/>
+              </a:defRPr>
+            </a:lvl4pPr>
+            <a:lvl5pPr marL="1828800" algn="l" defTabSz="457200" rtl="0" eaLnBrk="1" latinLnBrk="0" hangingPunct="1">
+              <a:defRPr sz="1800" kern="1200">
+                <a:solidFill>
+                  <a:schemeClr val="tx1"/>
+                </a:solidFill>
+                <a:latin typeface="+mn-lt"/>
+                <a:ea typeface="+mn-ea"/>
+                <a:cs typeface="+mn-cs"/>
+              </a:defRPr>
+            </a:lvl5pPr>
+            <a:lvl6pPr marL="2286000" algn="l" defTabSz="457200" rtl="0" eaLnBrk="1" latinLnBrk="0" hangingPunct="1">
+              <a:defRPr sz="1800" kern="1200">
+                <a:solidFill>
+                  <a:schemeClr val="tx1"/>
+                </a:solidFill>
+                <a:latin typeface="+mn-lt"/>
+                <a:ea typeface="+mn-ea"/>
+                <a:cs typeface="+mn-cs"/>
+              </a:defRPr>
+            </a:lvl6pPr>
+            <a:lvl7pPr marL="2743200" algn="l" defTabSz="457200" rtl="0" eaLnBrk="1" latinLnBrk="0" hangingPunct="1">
+              <a:defRPr sz="1800" kern="1200">
+                <a:solidFill>
+                  <a:schemeClr val="tx1"/>
+                </a:solidFill>
+                <a:latin typeface="+mn-lt"/>
+                <a:ea typeface="+mn-ea"/>
+                <a:cs typeface="+mn-cs"/>
+              </a:defRPr>
+            </a:lvl7pPr>
+            <a:lvl8pPr marL="3200400" algn="l" defTabSz="457200" rtl="0" eaLnBrk="1" latinLnBrk="0" hangingPunct="1">
+              <a:defRPr sz="1800" kern="1200">
+                <a:solidFill>
+                  <a:schemeClr val="tx1"/>
+                </a:solidFill>
+                <a:latin typeface="+mn-lt"/>
+                <a:ea typeface="+mn-ea"/>
+                <a:cs typeface="+mn-cs"/>
+              </a:defRPr>
+            </a:lvl8pPr>
+            <a:lvl9pPr marL="3657600" algn="l" defTabSz="457200" rtl="0" eaLnBrk="1" latinLnBrk="0" hangingPunct="1">
+              <a:defRPr sz="1800" kern="1200">
+                <a:solidFill>
+                  <a:schemeClr val="tx1"/>
+                </a:solidFill>
+                <a:latin typeface="+mn-lt"/>
+                <a:ea typeface="+mn-ea"/>
+                <a:cs typeface="+mn-cs"/>
+              </a:defRPr>
+            </a:lvl9pPr>
+          </a:lstStyle>
+          <a:p>
+            <a:pPr algn="ctr"/>
+            <a:r>
+              <a:rPr lang="pt-PT" sz="1600" b="1" dirty="0" smtClean="0"/>
+              <a:t>HMI para Fabrico Aditivo</a:t>
+            </a:r>
+            <a:endParaRPr lang="pt-PT" sz="1600" b="1" dirty="0"/>
+          </a:p>
+        </p:txBody>
+      </p:sp>
+      <p:sp>
+        <p:nvSpPr>
+          <p:cNvPr id="8" name="TextBox 6"/>
+          <p:cNvSpPr txBox="1"/>
+          <p:nvPr/>
+        </p:nvSpPr>
+        <p:spPr>
+          <a:xfrm>
+            <a:off x="252980" y="300496"/>
+            <a:ext cx="11033585" cy="2677656"/>
+          </a:xfrm>
+          <a:prstGeom prst="rect">
+            <a:avLst/>
+          </a:prstGeom>
+          <a:noFill/>
+        </p:spPr>
+        <p:txBody>
+          <a:bodyPr wrap="square" rtlCol="0">
+            <a:spAutoFit/>
+          </a:bodyPr>
+          <a:lstStyle/>
+          <a:p>
+            <a:pPr marL="342900" indent="-342900">
+              <a:buFont typeface="Arial" panose="020B0604020202020204" pitchFamily="34" charset="0"/>
+              <a:buChar char="•"/>
+            </a:pPr>
+            <a:endParaRPr lang="pt-PT" sz="2400" dirty="0" smtClean="0"/>
+          </a:p>
+          <a:p>
+            <a:pPr marL="342900" indent="-342900">
+              <a:buFont typeface="Arial" panose="020B0604020202020204" pitchFamily="34" charset="0"/>
+              <a:buChar char="•"/>
+            </a:pPr>
+            <a:endParaRPr lang="pt-PT" sz="2400" dirty="0" smtClean="0"/>
+          </a:p>
+          <a:p>
+            <a:endParaRPr lang="pt-PT" sz="2400" dirty="0"/>
+          </a:p>
+          <a:p>
+            <a:pPr marL="342900" indent="-342900">
+              <a:buFont typeface="Arial" panose="020B0604020202020204" pitchFamily="34" charset="0"/>
+              <a:buChar char="•"/>
+            </a:pPr>
+            <a:endParaRPr lang="pt-PT" sz="2400" dirty="0" smtClean="0"/>
+          </a:p>
+          <a:p>
+            <a:pPr marL="342900" indent="-342900">
+              <a:buFont typeface="Arial" panose="020B0604020202020204" pitchFamily="34" charset="0"/>
+              <a:buChar char="•"/>
+            </a:pPr>
+            <a:endParaRPr lang="pt-PT" sz="2400" dirty="0" smtClean="0"/>
+          </a:p>
+          <a:p>
+            <a:endParaRPr lang="pt-PT" sz="2400" dirty="0" smtClean="0"/>
+          </a:p>
+          <a:p>
+            <a:pPr marL="342900" indent="-342900">
+              <a:buFont typeface="Arial" panose="020B0604020202020204" pitchFamily="34" charset="0"/>
+              <a:buChar char="•"/>
+            </a:pPr>
+            <a:endParaRPr lang="pt-PT" sz="2400" dirty="0" smtClean="0"/>
+          </a:p>
+        </p:txBody>
+      </p:sp>
+      <p:sp>
+        <p:nvSpPr>
+          <p:cNvPr id="12" name="TextBox 6"/>
+          <p:cNvSpPr txBox="1"/>
+          <p:nvPr/>
+        </p:nvSpPr>
+        <p:spPr>
+          <a:xfrm>
+            <a:off x="445000" y="166025"/>
+            <a:ext cx="8937126" cy="4278094"/>
+          </a:xfrm>
+          <a:prstGeom prst="rect">
+            <a:avLst/>
+          </a:prstGeom>
+          <a:noFill/>
+        </p:spPr>
+        <p:txBody>
+          <a:bodyPr wrap="square" rtlCol="0">
+            <a:spAutoFit/>
+          </a:bodyPr>
+          <a:lstStyle/>
+          <a:p>
+            <a:r>
+              <a:rPr lang="pt-PT" sz="3200" b="1" dirty="0" smtClean="0"/>
+              <a:t>Metodologia</a:t>
+            </a:r>
+          </a:p>
+          <a:p>
+            <a:r>
+              <a:rPr lang="pt-PT" sz="2400" dirty="0" smtClean="0"/>
+              <a:t>Avaliação de usabilidade:</a:t>
+            </a:r>
+          </a:p>
+          <a:p>
+            <a:pPr marL="914400" lvl="1" indent="-457200">
+              <a:buFont typeface="+mj-lt"/>
+              <a:buAutoNum type="arabicPeriod"/>
+            </a:pPr>
+            <a:r>
+              <a:rPr lang="pt-PT" sz="2400" dirty="0" smtClean="0"/>
+              <a:t>Inquérito </a:t>
+            </a:r>
+            <a:r>
+              <a:rPr lang="pt-PT" sz="2400" dirty="0"/>
+              <a:t>SUS (“</a:t>
+            </a:r>
+            <a:r>
+              <a:rPr lang="pt-PT" sz="2400" dirty="0" err="1"/>
+              <a:t>System</a:t>
+            </a:r>
+            <a:r>
+              <a:rPr lang="pt-PT" sz="2400" dirty="0"/>
+              <a:t> </a:t>
+            </a:r>
+            <a:r>
+              <a:rPr lang="pt-PT" sz="2400" dirty="0" err="1"/>
+              <a:t>Usability</a:t>
+            </a:r>
+            <a:r>
+              <a:rPr lang="pt-PT" sz="2400" dirty="0"/>
+              <a:t> </a:t>
+            </a:r>
+            <a:r>
+              <a:rPr lang="pt-PT" sz="2400" dirty="0" err="1"/>
+              <a:t>Scale</a:t>
+            </a:r>
+            <a:r>
+              <a:rPr lang="pt-PT" sz="2400" dirty="0"/>
+              <a:t>”)</a:t>
+            </a:r>
+          </a:p>
+          <a:p>
+            <a:pPr marL="1257300" lvl="2" indent="-342900">
+              <a:buFont typeface="Arial" panose="020B0604020202020204" pitchFamily="34" charset="0"/>
+              <a:buChar char="•"/>
+            </a:pPr>
+            <a:endParaRPr lang="pt-PT" sz="2400" dirty="0" smtClean="0"/>
+          </a:p>
+          <a:p>
+            <a:pPr marL="1257300" lvl="2" indent="-342900">
+              <a:buFont typeface="Arial" panose="020B0604020202020204" pitchFamily="34" charset="0"/>
+              <a:buChar char="•"/>
+            </a:pPr>
+            <a:endParaRPr lang="pt-PT" sz="2400" dirty="0"/>
+          </a:p>
+          <a:p>
+            <a:pPr marL="1257300" lvl="2" indent="-342900">
+              <a:buFont typeface="Arial" panose="020B0604020202020204" pitchFamily="34" charset="0"/>
+              <a:buChar char="•"/>
+            </a:pPr>
+            <a:endParaRPr lang="pt-PT" sz="2400" dirty="0" smtClean="0"/>
+          </a:p>
+          <a:p>
+            <a:pPr marL="1257300" lvl="2" indent="-342900">
+              <a:buFont typeface="Arial" panose="020B0604020202020204" pitchFamily="34" charset="0"/>
+              <a:buChar char="•"/>
+            </a:pPr>
+            <a:endParaRPr lang="pt-PT" sz="2400" dirty="0"/>
+          </a:p>
+          <a:p>
+            <a:pPr marL="1257300" lvl="2" indent="-342900">
+              <a:buFont typeface="Arial" panose="020B0604020202020204" pitchFamily="34" charset="0"/>
+              <a:buChar char="•"/>
+            </a:pPr>
+            <a:endParaRPr lang="pt-PT" sz="2400" dirty="0" smtClean="0"/>
+          </a:p>
+          <a:p>
+            <a:pPr marL="1257300" lvl="2" indent="-342900">
+              <a:buFont typeface="Arial" panose="020B0604020202020204" pitchFamily="34" charset="0"/>
+              <a:buChar char="•"/>
+            </a:pPr>
+            <a:endParaRPr lang="pt-PT" sz="2400" dirty="0"/>
+          </a:p>
+          <a:p>
+            <a:pPr marL="914400" lvl="1" indent="-457200">
+              <a:buFont typeface="+mj-lt"/>
+              <a:buAutoNum type="arabicPeriod" startAt="2"/>
+            </a:pPr>
+            <a:endParaRPr lang="pt-PT" sz="2400" dirty="0" smtClean="0"/>
+          </a:p>
+          <a:p>
+            <a:pPr marL="914400" lvl="1" indent="-457200">
+              <a:buFont typeface="+mj-lt"/>
+              <a:buAutoNum type="arabicPeriod" startAt="2"/>
+            </a:pPr>
+            <a:r>
+              <a:rPr lang="pt-PT" sz="2400" dirty="0" smtClean="0"/>
+              <a:t>Questões abertas e </a:t>
+            </a:r>
+            <a:r>
+              <a:rPr lang="pt-PT" sz="2400" dirty="0" err="1" smtClean="0"/>
+              <a:t>fechadas</a:t>
+            </a:r>
+            <a:r>
+              <a:rPr lang="pt-PT" sz="2400" dirty="0" err="1" smtClean="0">
+                <a:sym typeface="Wingdings" panose="05000000000000000000" pitchFamily="2" charset="2"/>
+              </a:rPr>
+              <a:t></a:t>
+            </a:r>
+            <a:r>
+              <a:rPr lang="pt-PT" sz="2400" dirty="0" err="1" smtClean="0"/>
+              <a:t>sugestões</a:t>
+            </a:r>
+            <a:r>
+              <a:rPr lang="pt-PT" sz="2400" dirty="0" smtClean="0"/>
+              <a:t> </a:t>
+            </a:r>
+            <a:r>
+              <a:rPr lang="pt-PT" sz="2400" dirty="0"/>
+              <a:t>de </a:t>
+            </a:r>
+            <a:r>
+              <a:rPr lang="pt-PT" sz="2400" dirty="0" smtClean="0"/>
+              <a:t>melhoria</a:t>
+            </a:r>
+            <a:endParaRPr lang="pt-PT" sz="2400" dirty="0"/>
+          </a:p>
+        </p:txBody>
+      </p:sp>
       <p:pic>
         <p:nvPicPr>
           <p:cNvPr id="11" name="Imagem 10"/>
@@ -12989,10 +13470,40 @@
           </a:prstGeom>
         </p:spPr>
       </p:pic>
+      <p:pic>
+        <p:nvPicPr>
+          <p:cNvPr id="3" name="Imagem 2"/>
+          <p:cNvPicPr>
+            <a:picLocks noChangeAspect="1"/>
+          </p:cNvPicPr>
+          <p:nvPr/>
+        </p:nvPicPr>
+        <p:blipFill>
+          <a:blip r:embed="rId4">
+            <a:extLst>
+              <a:ext uri="{28A0092B-C50C-407E-A947-70E740481C1C}">
+                <a14:useLocalDpi xmlns:a14="http://schemas.microsoft.com/office/drawing/2010/main" val="0"/>
+              </a:ext>
+            </a:extLst>
+          </a:blip>
+          <a:stretch>
+            <a:fillRect/>
+          </a:stretch>
+        </p:blipFill>
+        <p:spPr>
+          <a:xfrm>
+            <a:off x="3085935" y="4397596"/>
+            <a:ext cx="5367673" cy="1844910"/>
+          </a:xfrm>
+          <a:prstGeom prst="rect">
+            <a:avLst/>
+          </a:prstGeom>
+        </p:spPr>
+      </p:pic>
     </p:spTree>
     <p:extLst>
       <p:ext uri="{BB962C8B-B14F-4D97-AF65-F5344CB8AC3E}">
-        <p14:creationId xmlns:p14="http://schemas.microsoft.com/office/powerpoint/2010/main" val="3917247900"/>
+        <p14:creationId xmlns:p14="http://schemas.microsoft.com/office/powerpoint/2010/main" val="3440513291"/>
       </p:ext>
     </p:extLst>
   </p:cSld>
@@ -13369,7 +13880,7 @@
         <p:spPr>
           <a:xfrm>
             <a:off x="444999" y="166025"/>
-            <a:ext cx="11187368" cy="6124754"/>
+            <a:ext cx="9326529" cy="6124754"/>
           </a:xfrm>
           <a:prstGeom prst="rect">
             <a:avLst/>
@@ -13393,11 +13904,35 @@
           <a:p>
             <a:r>
               <a:rPr lang="pt-PT" sz="2400" u="sng" dirty="0" smtClean="0"/>
-              <a:t>Sistema Desenvolvido:</a:t>
-            </a:r>
-          </a:p>
-          <a:p>
-            <a:endParaRPr lang="pt-PT" sz="2400" u="sng" dirty="0"/>
+              <a:t>Arquitetura:</a:t>
+            </a:r>
+          </a:p>
+          <a:p>
+            <a:endParaRPr lang="pt-PT" sz="2400" dirty="0" smtClean="0"/>
+          </a:p>
+          <a:p>
+            <a:endParaRPr lang="pt-PT" sz="2400" dirty="0"/>
+          </a:p>
+          <a:p>
+            <a:endParaRPr lang="pt-PT" sz="2400" dirty="0" smtClean="0"/>
+          </a:p>
+          <a:p>
+            <a:endParaRPr lang="pt-PT" sz="2400" dirty="0"/>
+          </a:p>
+          <a:p>
+            <a:endParaRPr lang="pt-PT" sz="2400" dirty="0" smtClean="0"/>
+          </a:p>
+          <a:p>
+            <a:endParaRPr lang="pt-PT" sz="2400" dirty="0"/>
+          </a:p>
+          <a:p>
+            <a:endParaRPr lang="pt-PT" sz="2400" dirty="0" smtClean="0"/>
+          </a:p>
+          <a:p>
+            <a:endParaRPr lang="pt-PT" sz="2400" dirty="0"/>
+          </a:p>
+          <a:p>
+            <a:endParaRPr lang="pt-PT" sz="2400" dirty="0" smtClean="0"/>
           </a:p>
           <a:p>
             <a:pPr marL="342900" indent="-342900">
@@ -13406,63 +13941,73 @@
             </a:pPr>
             <a:r>
               <a:rPr lang="pt-PT" sz="2400" dirty="0" smtClean="0"/>
-              <a:t>Ecrã principal</a:t>
-            </a:r>
-            <a:endParaRPr lang="pt-PT" sz="2400" dirty="0"/>
-          </a:p>
-          <a:p>
-            <a:endParaRPr lang="pt-PT" sz="2400" dirty="0"/>
-          </a:p>
-          <a:p>
-            <a:endParaRPr lang="pt-PT" sz="2400" dirty="0" smtClean="0"/>
-          </a:p>
-          <a:p>
-            <a:pPr marL="1257300" lvl="2" indent="-342900">
-              <a:buFont typeface="Arial" panose="020B0604020202020204" pitchFamily="34" charset="0"/>
-              <a:buChar char="•"/>
-            </a:pPr>
-            <a:endParaRPr lang="pt-PT" sz="2400" dirty="0" smtClean="0"/>
-          </a:p>
-          <a:p>
-            <a:pPr marL="1257300" lvl="2" indent="-342900">
-              <a:buFont typeface="Arial" panose="020B0604020202020204" pitchFamily="34" charset="0"/>
-              <a:buChar char="•"/>
-            </a:pPr>
-            <a:endParaRPr lang="pt-PT" sz="2400" dirty="0"/>
-          </a:p>
-          <a:p>
-            <a:pPr marL="1257300" lvl="2" indent="-342900">
-              <a:buFont typeface="Arial" panose="020B0604020202020204" pitchFamily="34" charset="0"/>
-              <a:buChar char="•"/>
-            </a:pPr>
-            <a:endParaRPr lang="pt-PT" sz="2400" dirty="0" smtClean="0"/>
-          </a:p>
-          <a:p>
-            <a:pPr lvl="2"/>
-            <a:endParaRPr lang="pt-PT" sz="2400" dirty="0" smtClean="0"/>
-          </a:p>
-          <a:p>
-            <a:pPr marL="342900" indent="-342900">
-              <a:buFont typeface="Arial" panose="020B0604020202020204" pitchFamily="34" charset="0"/>
-              <a:buChar char="•"/>
-            </a:pPr>
-            <a:endParaRPr lang="pt-PT" sz="2400" dirty="0" smtClean="0"/>
-          </a:p>
-          <a:p>
-            <a:pPr marL="342900" indent="-342900">
-              <a:buFont typeface="Arial" panose="020B0604020202020204" pitchFamily="34" charset="0"/>
-              <a:buChar char="•"/>
-            </a:pPr>
-            <a:endParaRPr lang="pt-PT" sz="2400" dirty="0"/>
-          </a:p>
-          <a:p>
-            <a:pPr marL="342900" indent="-342900">
-              <a:buFont typeface="Arial" panose="020B0604020202020204" pitchFamily="34" charset="0"/>
-              <a:buChar char="•"/>
-            </a:pPr>
-            <a:endParaRPr lang="pt-PT" sz="2400" dirty="0" smtClean="0"/>
-          </a:p>
-          <a:p>
+              <a:t>Automação: hardware </a:t>
+            </a:r>
+            <a:r>
+              <a:rPr lang="pt-PT" sz="2400" dirty="0" err="1" smtClean="0"/>
+              <a:t>Beckhoff</a:t>
+            </a:r>
+            <a:r>
+              <a:rPr lang="pt-PT" sz="2400" dirty="0" smtClean="0"/>
+              <a:t> + software </a:t>
+            </a:r>
+            <a:r>
+              <a:rPr lang="pt-PT" sz="2400" dirty="0" err="1" smtClean="0"/>
+              <a:t>Twincat</a:t>
+            </a:r>
+            <a:r>
+              <a:rPr lang="pt-PT" sz="2400" dirty="0" smtClean="0"/>
+              <a:t> 3</a:t>
+            </a:r>
+          </a:p>
+          <a:p>
+            <a:pPr marL="342900" indent="-342900">
+              <a:buFont typeface="Arial" panose="020B0604020202020204" pitchFamily="34" charset="0"/>
+              <a:buChar char="•"/>
+            </a:pPr>
+            <a:r>
+              <a:rPr lang="pt-PT" sz="2400" dirty="0" err="1" smtClean="0"/>
+              <a:t>Backend</a:t>
+            </a:r>
+            <a:r>
+              <a:rPr lang="pt-PT" sz="2400" dirty="0" smtClean="0"/>
+              <a:t>: </a:t>
+            </a:r>
+            <a:r>
+              <a:rPr lang="pt-PT" sz="2400" dirty="0" err="1" smtClean="0"/>
+              <a:t>NodeJS</a:t>
+            </a:r>
+            <a:r>
+              <a:rPr lang="pt-PT" sz="2400" dirty="0" smtClean="0"/>
+              <a:t> + ADS.js + </a:t>
+            </a:r>
+            <a:r>
+              <a:rPr lang="pt-PT" sz="2400" dirty="0" err="1" smtClean="0"/>
+              <a:t>RethinkDB</a:t>
+            </a:r>
+            <a:endParaRPr lang="pt-PT" sz="2400" dirty="0" smtClean="0"/>
+          </a:p>
+          <a:p>
+            <a:pPr marL="342900" indent="-342900">
+              <a:buFont typeface="Arial" panose="020B0604020202020204" pitchFamily="34" charset="0"/>
+              <a:buChar char="•"/>
+            </a:pPr>
+            <a:r>
+              <a:rPr lang="pt-PT" sz="2400" dirty="0" err="1" smtClean="0"/>
+              <a:t>Frontend</a:t>
+            </a:r>
+            <a:r>
+              <a:rPr lang="pt-PT" sz="2400" dirty="0" smtClean="0"/>
+              <a:t>: HTML + CSS + </a:t>
+            </a:r>
+            <a:r>
+              <a:rPr lang="pt-PT" sz="2400" dirty="0" err="1" smtClean="0"/>
+              <a:t>Javascript</a:t>
+            </a:r>
+            <a:r>
+              <a:rPr lang="pt-PT" sz="2400" dirty="0" smtClean="0"/>
+              <a:t> + D3.JS + Ember.JS </a:t>
+            </a:r>
             <a:endParaRPr lang="pt-PT" sz="2400" dirty="0"/>
           </a:p>
           <a:p>
@@ -13476,14 +14021,14 @@
       </p:sp>
       <p:pic>
         <p:nvPicPr>
-          <p:cNvPr id="11" name="Imagem 10"/>
+          <p:cNvPr id="3" name="Imagem 2"/>
           <p:cNvPicPr>
             <a:picLocks noChangeAspect="1"/>
           </p:cNvPicPr>
           <p:nvPr/>
         </p:nvPicPr>
         <p:blipFill>
-          <a:blip r:embed="rId2" cstate="print">
+          <a:blip r:embed="rId2">
             <a:extLst>
               <a:ext uri="{28A0092B-C50C-407E-A947-70E740481C1C}">
                 <a14:useLocalDpi xmlns:a14="http://schemas.microsoft.com/office/drawing/2010/main" val="0"/>
@@ -13496,8 +14041,8 @@
         </p:blipFill>
         <p:spPr>
           <a:xfrm>
-            <a:off x="10556470" y="132544"/>
-            <a:ext cx="1555746" cy="1037905"/>
+            <a:off x="3120525" y="651496"/>
+            <a:ext cx="6011910" cy="3767025"/>
           </a:xfrm>
           <a:prstGeom prst="rect">
             <a:avLst/>
@@ -13506,14 +14051,14 @@
       </p:pic>
       <p:pic>
         <p:nvPicPr>
-          <p:cNvPr id="3" name="Imagem 2"/>
+          <p:cNvPr id="11" name="Imagem 10"/>
           <p:cNvPicPr>
             <a:picLocks noChangeAspect="1"/>
           </p:cNvPicPr>
           <p:nvPr/>
         </p:nvPicPr>
         <p:blipFill>
-          <a:blip r:embed="rId3">
+          <a:blip r:embed="rId3" cstate="print">
             <a:extLst>
               <a:ext uri="{28A0092B-C50C-407E-A947-70E740481C1C}">
                 <a14:useLocalDpi xmlns:a14="http://schemas.microsoft.com/office/drawing/2010/main" val="0"/>
@@ -13526,8 +14071,8 @@
         </p:blipFill>
         <p:spPr>
           <a:xfrm>
-            <a:off x="2720306" y="1494038"/>
-            <a:ext cx="8492177" cy="4774518"/>
+            <a:off x="10556470" y="132544"/>
+            <a:ext cx="1555746" cy="1037905"/>
           </a:xfrm>
           <a:prstGeom prst="rect">
             <a:avLst/>
@@ -13537,7 +14082,7 @@
     </p:spTree>
     <p:extLst>
       <p:ext uri="{BB962C8B-B14F-4D97-AF65-F5344CB8AC3E}">
-        <p14:creationId xmlns:p14="http://schemas.microsoft.com/office/powerpoint/2010/main" val="3347195260"/>
+        <p14:creationId xmlns:p14="http://schemas.microsoft.com/office/powerpoint/2010/main" val="3917247900"/>
       </p:ext>
     </p:extLst>
   </p:cSld>

--- a/Apresentacao_Final_MarcoRodrigues4652.pptx
+++ b/Apresentacao_Final_MarcoRodrigues4652.pptx
@@ -213,7 +213,7 @@
           <a:p>
             <a:fld id="{6CB5A5B5-1B7C-493B-BEA9-B04B9AF1EC94}" type="datetimeFigureOut">
               <a:rPr lang="pt-PT" smtClean="0"/>
-              <a:t>19/06/2018</a:t>
+              <a:t>20/06/2018</a:t>
             </a:fld>
             <a:endParaRPr lang="pt-PT"/>
           </a:p>
@@ -707,7 +707,7 @@
           <a:p>
             <a:fld id="{A0083D08-FD67-44B3-8536-5A75C98273AA}" type="datetime1">
               <a:rPr lang="pt-PT" smtClean="0"/>
-              <a:t>19/06/2018</a:t>
+              <a:t>20/06/2018</a:t>
             </a:fld>
             <a:endParaRPr lang="pt-PT"/>
           </a:p>
@@ -915,7 +915,7 @@
           <a:p>
             <a:fld id="{BF30FC89-4E20-4F82-94CC-7A0B490014A9}" type="datetime1">
               <a:rPr lang="pt-PT" smtClean="0"/>
-              <a:t>19/06/2018</a:t>
+              <a:t>20/06/2018</a:t>
             </a:fld>
             <a:endParaRPr lang="pt-PT"/>
           </a:p>
@@ -1171,7 +1171,7 @@
           <a:p>
             <a:fld id="{1524E4FF-162B-4E62-8C13-B067390AF403}" type="datetime1">
               <a:rPr lang="pt-PT" smtClean="0"/>
-              <a:t>19/06/2018</a:t>
+              <a:t>20/06/2018</a:t>
             </a:fld>
             <a:endParaRPr lang="pt-PT"/>
           </a:p>
@@ -1345,7 +1345,7 @@
           <a:p>
             <a:fld id="{B6A0BBBF-4B9F-4CC1-BA01-A44B1A6EDF03}" type="datetime1">
               <a:rPr lang="pt-PT" smtClean="0"/>
-              <a:t>19/06/2018</a:t>
+              <a:t>20/06/2018</a:t>
             </a:fld>
             <a:endParaRPr lang="pt-PT"/>
           </a:p>
@@ -1688,7 +1688,7 @@
           <a:p>
             <a:fld id="{BE139743-3392-4C87-AC94-289E3CB69E10}" type="datetime1">
               <a:rPr lang="pt-PT" smtClean="0"/>
-              <a:t>19/06/2018</a:t>
+              <a:t>20/06/2018</a:t>
             </a:fld>
             <a:endParaRPr lang="pt-PT"/>
           </a:p>
@@ -1963,7 +1963,7 @@
           <a:p>
             <a:fld id="{10E54368-472F-4004-9BF2-652DF4E1D694}" type="datetime1">
               <a:rPr lang="pt-PT" smtClean="0"/>
-              <a:t>19/06/2018</a:t>
+              <a:t>20/06/2018</a:t>
             </a:fld>
             <a:endParaRPr lang="pt-PT"/>
           </a:p>
@@ -2342,7 +2342,7 @@
           <a:p>
             <a:fld id="{4A41B1F8-CD6E-4AC7-A381-6A8415EFB578}" type="datetime1">
               <a:rPr lang="pt-PT" smtClean="0"/>
-              <a:t>19/06/2018</a:t>
+              <a:t>20/06/2018</a:t>
             </a:fld>
             <a:endParaRPr lang="pt-PT"/>
           </a:p>
@@ -2460,7 +2460,7 @@
           <a:p>
             <a:fld id="{4189860D-16F1-46DC-8A79-3E3C18B197C5}" type="datetime1">
               <a:rPr lang="pt-PT" smtClean="0"/>
-              <a:t>19/06/2018</a:t>
+              <a:t>20/06/2018</a:t>
             </a:fld>
             <a:endParaRPr lang="pt-PT"/>
           </a:p>
@@ -2631,7 +2631,7 @@
           <a:p>
             <a:fld id="{5086A0AB-3E78-4279-A25F-8B66A23831F2}" type="datetime1">
               <a:rPr lang="pt-PT" smtClean="0"/>
-              <a:t>19/06/2018</a:t>
+              <a:t>20/06/2018</a:t>
             </a:fld>
             <a:endParaRPr lang="pt-PT"/>
           </a:p>
@@ -2985,7 +2985,7 @@
           <a:p>
             <a:fld id="{4ABA9473-AC19-4C64-9BE3-A35C1472D40C}" type="datetime1">
               <a:rPr lang="pt-PT" smtClean="0"/>
-              <a:t>19/06/2018</a:t>
+              <a:t>20/06/2018</a:t>
             </a:fld>
             <a:endParaRPr lang="pt-PT"/>
           </a:p>
@@ -3367,7 +3367,7 @@
           <a:p>
             <a:fld id="{9D79879D-ACE8-4CD7-811D-1E9CD9972304}" type="datetime1">
               <a:rPr lang="pt-PT" smtClean="0"/>
-              <a:t>19/06/2018</a:t>
+              <a:t>20/06/2018</a:t>
             </a:fld>
             <a:endParaRPr lang="pt-PT"/>
           </a:p>
@@ -3654,7 +3654,7 @@
           <a:p>
             <a:fld id="{D0966B32-2EDE-4658-A6AA-7FE6BBDCB583}" type="datetime1">
               <a:rPr lang="pt-PT" smtClean="0"/>
-              <a:t>19/06/2018</a:t>
+              <a:t>20/06/2018</a:t>
             </a:fld>
             <a:endParaRPr lang="pt-PT"/>
           </a:p>
@@ -4191,22 +4191,19 @@
         </p:nvSpPr>
         <p:spPr>
           <a:xfrm>
-            <a:off x="1097280" y="4141855"/>
-            <a:ext cx="4084320" cy="2124474"/>
+            <a:off x="1097278" y="4526687"/>
+            <a:ext cx="4084320" cy="1590675"/>
           </a:xfrm>
         </p:spPr>
         <p:txBody>
           <a:bodyPr>
-            <a:normAutofit fontScale="92500" lnSpcReduction="20000"/>
+            <a:normAutofit fontScale="85000" lnSpcReduction="20000"/>
           </a:bodyPr>
           <a:lstStyle/>
           <a:p>
             <a:endParaRPr lang="pt-PT" dirty="0" smtClean="0"/>
           </a:p>
           <a:p>
-            <a:endParaRPr lang="pt-PT" dirty="0"/>
-          </a:p>
-          <a:p>
             <a:endParaRPr lang="pt-PT" dirty="0" smtClean="0"/>
           </a:p>
           <a:p>
@@ -4228,6 +4225,7 @@
               <a:rPr lang="pt-PT" dirty="0" smtClean="0"/>
               <a:t>marcorodrigues@ipvc.pt</a:t>
             </a:r>
+            <a:endParaRPr lang="pt-PT" dirty="0" smtClean="0"/>
           </a:p>
           <a:p>
             <a:endParaRPr lang="pt-PT" dirty="0"/>
@@ -4479,7 +4477,7 @@
         <p:spPr>
           <a:xfrm>
             <a:off x="6097121" y="3695140"/>
-            <a:ext cx="6180604" cy="2793220"/>
+            <a:ext cx="6094879" cy="2696135"/>
           </a:xfrm>
           <a:prstGeom prst="rect">
             <a:avLst/>
@@ -4487,7 +4485,7 @@
         </p:spPr>
         <p:txBody>
           <a:bodyPr vert="horz" lIns="91440" tIns="45720" rIns="91440" bIns="45720" rtlCol="0">
-            <a:normAutofit fontScale="92500" lnSpcReduction="20000"/>
+            <a:normAutofit fontScale="85000" lnSpcReduction="20000"/>
           </a:bodyPr>
           <a:lstStyle>
             <a:lvl1pPr marL="0" indent="0" algn="l" defTabSz="914400" rtl="0" eaLnBrk="1" latinLnBrk="0" hangingPunct="1">
@@ -4750,13 +4748,47 @@
           <a:p>
             <a:r>
               <a:rPr lang="pt-PT" dirty="0" smtClean="0"/>
-              <a:t>Professor Doutor Pedro moreira</a:t>
-            </a:r>
-          </a:p>
-          <a:p>
+              <a:t>Professor Doutor </a:t>
+            </a:r>
             <a:r>
               <a:rPr lang="pt-PT" dirty="0" smtClean="0"/>
-              <a:t>MESTRE Engenheiro João Paulo pereira (INEGI)</a:t>
+              <a:t>Pedro Miguel </a:t>
+            </a:r>
+            <a:r>
+              <a:rPr lang="pt-PT" dirty="0" smtClean="0"/>
+              <a:t>moreira</a:t>
+            </a:r>
+          </a:p>
+          <a:p>
+            <a:r>
+              <a:rPr lang="pt-PT" dirty="0" smtClean="0"/>
+              <a:t>MESTRE Engenheiro João Paulo </a:t>
+            </a:r>
+            <a:r>
+              <a:rPr lang="pt-PT" dirty="0" smtClean="0"/>
+              <a:t>pereira     </a:t>
+            </a:r>
+          </a:p>
+          <a:p>
+            <a:pPr>
+              <a:spcBef>
+                <a:spcPts val="0"/>
+              </a:spcBef>
+              <a:spcAft>
+                <a:spcPts val="0"/>
+              </a:spcAft>
+            </a:pPr>
+            <a:r>
+              <a:rPr lang="pt-PT" dirty="0" smtClean="0"/>
+              <a:t>                                                       </a:t>
+            </a:r>
+            <a:r>
+              <a:rPr lang="pt-PT" dirty="0" smtClean="0"/>
+              <a:t>(INEGI</a:t>
+            </a:r>
+            <a:r>
+              <a:rPr lang="pt-PT" dirty="0" smtClean="0"/>
+              <a:t>)</a:t>
             </a:r>
           </a:p>
           <a:p>
@@ -8304,19 +8336,7 @@
           <a:p>
             <a:r>
               <a:rPr lang="pt-PT" sz="2400" dirty="0" smtClean="0"/>
-              <a:t>A </a:t>
-            </a:r>
-            <a:r>
-              <a:rPr lang="pt-PT" sz="2400" dirty="0" smtClean="0"/>
-              <a:t>investigação </a:t>
-            </a:r>
-            <a:r>
-              <a:rPr lang="pt-PT" sz="2400" dirty="0" smtClean="0"/>
-              <a:t>feita constatou </a:t>
-            </a:r>
-            <a:r>
-              <a:rPr lang="pt-PT" sz="2400" dirty="0" smtClean="0"/>
-              <a:t>um baixo aproveitamento de tecnologias emergentes no processo de Fabrico Aditivo.</a:t>
+              <a:t>A investigação feita constatou um baixo aproveitamento de tecnologias emergentes no processo de Fabrico Aditivo.</a:t>
             </a:r>
           </a:p>
           <a:p>
@@ -9555,11 +9575,7 @@
             </a:pPr>
             <a:r>
               <a:rPr lang="pt-PT" dirty="0"/>
-              <a:t>Sistema </a:t>
-            </a:r>
-            <a:r>
-              <a:rPr lang="pt-PT" dirty="0"/>
-              <a:t>Desenvolvido</a:t>
+              <a:t>Sistema Desenvolvido</a:t>
             </a:r>
           </a:p>
           <a:p>
@@ -9572,11 +9588,7 @@
             </a:pPr>
             <a:r>
               <a:rPr lang="pt-PT" dirty="0"/>
-              <a:t>Resultados </a:t>
-            </a:r>
-            <a:r>
-              <a:rPr lang="pt-PT" dirty="0"/>
-              <a:t>Obtidos</a:t>
+              <a:t>Resultados Obtidos</a:t>
             </a:r>
           </a:p>
           <a:p>
@@ -9591,7 +9603,6 @@
               <a:rPr lang="pt-PT" dirty="0"/>
               <a:t>Avaliação</a:t>
             </a:r>
-            <a:endParaRPr lang="pt-PT" dirty="0"/>
           </a:p>
           <a:p>
             <a:pPr marL="342900" indent="-342900">
@@ -11442,19 +11453,7 @@
             </a:pPr>
             <a:r>
               <a:rPr lang="pt-PT" sz="2400" dirty="0"/>
-              <a:t>Hardware e software de automação </a:t>
-            </a:r>
-            <a:r>
-              <a:rPr lang="pt-PT" sz="2400" dirty="0"/>
-              <a:t>semelhantes </a:t>
-            </a:r>
-            <a:r>
-              <a:rPr lang="pt-PT" sz="2400" dirty="0"/>
-              <a:t>ao equipamento </a:t>
-            </a:r>
-            <a:r>
-              <a:rPr lang="pt-PT" sz="2400" dirty="0"/>
-              <a:t>final</a:t>
+              <a:t>Hardware e software de automação semelhantes ao equipamento final</a:t>
             </a:r>
           </a:p>
           <a:p>
@@ -11466,7 +11465,6 @@
               <a:rPr lang="pt-PT" sz="2400" dirty="0"/>
               <a:t>Não foram consideradas questões de usabilidade/qualidade da interface</a:t>
             </a:r>
-            <a:endParaRPr lang="pt-PT" sz="2400" dirty="0"/>
           </a:p>
           <a:p>
             <a:pPr marL="800100" lvl="1" indent="-342900">
@@ -12120,11 +12118,7 @@
           <a:p>
             <a:r>
               <a:rPr lang="pt-PT" sz="2400" dirty="0" smtClean="0"/>
-              <a:t>Levantamento de </a:t>
-            </a:r>
-            <a:r>
-              <a:rPr lang="pt-PT" sz="2400" dirty="0" smtClean="0"/>
-              <a:t>Requisitos</a:t>
+              <a:t>Levantamento de Requisitos</a:t>
             </a:r>
           </a:p>
           <a:p>
@@ -12773,11 +12767,7 @@
           <a:p>
             <a:r>
               <a:rPr lang="pt-PT" sz="2400" dirty="0" smtClean="0"/>
-              <a:t>Realização de </a:t>
-            </a:r>
-            <a:r>
-              <a:rPr lang="pt-PT" sz="2400" dirty="0" smtClean="0"/>
-              <a:t>testes </a:t>
+              <a:t>Realização de testes </a:t>
             </a:r>
             <a:r>
               <a:rPr lang="pt-PT" sz="2400" dirty="0"/>
